--- a/筆記.pptx
+++ b/筆記.pptx
@@ -7,6 +7,7 @@
   <p:sldIdLst>
     <p:sldId id="256" r:id="rId2"/>
     <p:sldId id="257" r:id="rId3"/>
+    <p:sldId id="258" r:id="rId4"/>
   </p:sldIdLst>
   <p:sldSz cx="12192000" cy="6858000"/>
   <p:notesSz cx="6858000" cy="9144000"/>
@@ -134,7 +135,7 @@
           <p:cNvPr id="2" name="標題 1">
             <a:extLst>
               <a:ext uri="{FF2B5EF4-FFF2-40B4-BE49-F238E27FC236}">
-                <a16:creationId xmlns:a16="http://schemas.microsoft.com/office/drawing/2014/main" id="{1198393F-506E-42F3-9FA2-C5A7116197F9}"/>
+                <a16:creationId xmlns:a16="http://schemas.microsoft.com/office/drawing/2014/main" xmlns="" id="{1198393F-506E-42F3-9FA2-C5A7116197F9}"/>
               </a:ext>
             </a:extLst>
           </p:cNvPr>
@@ -171,7 +172,7 @@
           <p:cNvPr id="3" name="副標題 2">
             <a:extLst>
               <a:ext uri="{FF2B5EF4-FFF2-40B4-BE49-F238E27FC236}">
-                <a16:creationId xmlns:a16="http://schemas.microsoft.com/office/drawing/2014/main" id="{EEA0432F-353E-42BB-9B17-1D182533D439}"/>
+                <a16:creationId xmlns:a16="http://schemas.microsoft.com/office/drawing/2014/main" xmlns="" id="{EEA0432F-353E-42BB-9B17-1D182533D439}"/>
               </a:ext>
             </a:extLst>
           </p:cNvPr>
@@ -241,7 +242,7 @@
           <p:cNvPr id="4" name="日期版面配置區 3">
             <a:extLst>
               <a:ext uri="{FF2B5EF4-FFF2-40B4-BE49-F238E27FC236}">
-                <a16:creationId xmlns:a16="http://schemas.microsoft.com/office/drawing/2014/main" id="{B4CDE810-493D-4C49-B8ED-9436B09EAE24}"/>
+                <a16:creationId xmlns:a16="http://schemas.microsoft.com/office/drawing/2014/main" xmlns="" id="{B4CDE810-493D-4C49-B8ED-9436B09EAE24}"/>
               </a:ext>
             </a:extLst>
           </p:cNvPr>
@@ -259,7 +260,7 @@
           <a:p>
             <a:fld id="{1983F8DA-040C-4179-8EC3-2597626DD22D}" type="datetimeFigureOut">
               <a:rPr lang="zh-TW" altLang="en-US" smtClean="0"/>
-              <a:t>2018/5/9</a:t>
+              <a:t>2018/5/10</a:t>
             </a:fld>
             <a:endParaRPr lang="zh-TW" altLang="en-US"/>
           </a:p>
@@ -270,7 +271,7 @@
           <p:cNvPr id="5" name="頁尾版面配置區 4">
             <a:extLst>
               <a:ext uri="{FF2B5EF4-FFF2-40B4-BE49-F238E27FC236}">
-                <a16:creationId xmlns:a16="http://schemas.microsoft.com/office/drawing/2014/main" id="{AF2EE26C-5BD5-49B3-AFA9-F3AD51DF851F}"/>
+                <a16:creationId xmlns:a16="http://schemas.microsoft.com/office/drawing/2014/main" xmlns="" id="{AF2EE26C-5BD5-49B3-AFA9-F3AD51DF851F}"/>
               </a:ext>
             </a:extLst>
           </p:cNvPr>
@@ -295,7 +296,7 @@
           <p:cNvPr id="6" name="投影片編號版面配置區 5">
             <a:extLst>
               <a:ext uri="{FF2B5EF4-FFF2-40B4-BE49-F238E27FC236}">
-                <a16:creationId xmlns:a16="http://schemas.microsoft.com/office/drawing/2014/main" id="{8E168F88-A195-4F77-9EB7-45BBA865904A}"/>
+                <a16:creationId xmlns:a16="http://schemas.microsoft.com/office/drawing/2014/main" xmlns="" id="{8E168F88-A195-4F77-9EB7-45BBA865904A}"/>
               </a:ext>
             </a:extLst>
           </p:cNvPr>
@@ -354,7 +355,7 @@
           <p:cNvPr id="2" name="標題 1">
             <a:extLst>
               <a:ext uri="{FF2B5EF4-FFF2-40B4-BE49-F238E27FC236}">
-                <a16:creationId xmlns:a16="http://schemas.microsoft.com/office/drawing/2014/main" id="{8FBAA53A-84EC-4393-9448-9CAE254CA709}"/>
+                <a16:creationId xmlns:a16="http://schemas.microsoft.com/office/drawing/2014/main" xmlns="" id="{8FBAA53A-84EC-4393-9448-9CAE254CA709}"/>
               </a:ext>
             </a:extLst>
           </p:cNvPr>
@@ -382,7 +383,7 @@
           <p:cNvPr id="3" name="直排文字版面配置區 2">
             <a:extLst>
               <a:ext uri="{FF2B5EF4-FFF2-40B4-BE49-F238E27FC236}">
-                <a16:creationId xmlns:a16="http://schemas.microsoft.com/office/drawing/2014/main" id="{AE87E7FC-8712-4D20-BEFC-C406303758C0}"/>
+                <a16:creationId xmlns:a16="http://schemas.microsoft.com/office/drawing/2014/main" xmlns="" id="{AE87E7FC-8712-4D20-BEFC-C406303758C0}"/>
               </a:ext>
             </a:extLst>
           </p:cNvPr>
@@ -439,7 +440,7 @@
           <p:cNvPr id="4" name="日期版面配置區 3">
             <a:extLst>
               <a:ext uri="{FF2B5EF4-FFF2-40B4-BE49-F238E27FC236}">
-                <a16:creationId xmlns:a16="http://schemas.microsoft.com/office/drawing/2014/main" id="{B587C640-CE34-4DCB-A779-FECBEAE9BA40}"/>
+                <a16:creationId xmlns:a16="http://schemas.microsoft.com/office/drawing/2014/main" xmlns="" id="{B587C640-CE34-4DCB-A779-FECBEAE9BA40}"/>
               </a:ext>
             </a:extLst>
           </p:cNvPr>
@@ -457,7 +458,7 @@
           <a:p>
             <a:fld id="{1983F8DA-040C-4179-8EC3-2597626DD22D}" type="datetimeFigureOut">
               <a:rPr lang="zh-TW" altLang="en-US" smtClean="0"/>
-              <a:t>2018/5/9</a:t>
+              <a:t>2018/5/10</a:t>
             </a:fld>
             <a:endParaRPr lang="zh-TW" altLang="en-US"/>
           </a:p>
@@ -468,7 +469,7 @@
           <p:cNvPr id="5" name="頁尾版面配置區 4">
             <a:extLst>
               <a:ext uri="{FF2B5EF4-FFF2-40B4-BE49-F238E27FC236}">
-                <a16:creationId xmlns:a16="http://schemas.microsoft.com/office/drawing/2014/main" id="{3A88C654-BC98-4205-83C0-BE29BA5200CC}"/>
+                <a16:creationId xmlns:a16="http://schemas.microsoft.com/office/drawing/2014/main" xmlns="" id="{3A88C654-BC98-4205-83C0-BE29BA5200CC}"/>
               </a:ext>
             </a:extLst>
           </p:cNvPr>
@@ -493,7 +494,7 @@
           <p:cNvPr id="6" name="投影片編號版面配置區 5">
             <a:extLst>
               <a:ext uri="{FF2B5EF4-FFF2-40B4-BE49-F238E27FC236}">
-                <a16:creationId xmlns:a16="http://schemas.microsoft.com/office/drawing/2014/main" id="{9324F803-7C42-4F87-9C7E-B76C231F75D8}"/>
+                <a16:creationId xmlns:a16="http://schemas.microsoft.com/office/drawing/2014/main" xmlns="" id="{9324F803-7C42-4F87-9C7E-B76C231F75D8}"/>
               </a:ext>
             </a:extLst>
           </p:cNvPr>
@@ -552,7 +553,7 @@
           <p:cNvPr id="2" name="直排標題 1">
             <a:extLst>
               <a:ext uri="{FF2B5EF4-FFF2-40B4-BE49-F238E27FC236}">
-                <a16:creationId xmlns:a16="http://schemas.microsoft.com/office/drawing/2014/main" id="{9BAC39AB-F732-4CC0-B422-B26720BFCF3B}"/>
+                <a16:creationId xmlns:a16="http://schemas.microsoft.com/office/drawing/2014/main" xmlns="" id="{9BAC39AB-F732-4CC0-B422-B26720BFCF3B}"/>
               </a:ext>
             </a:extLst>
           </p:cNvPr>
@@ -585,7 +586,7 @@
           <p:cNvPr id="3" name="直排文字版面配置區 2">
             <a:extLst>
               <a:ext uri="{FF2B5EF4-FFF2-40B4-BE49-F238E27FC236}">
-                <a16:creationId xmlns:a16="http://schemas.microsoft.com/office/drawing/2014/main" id="{FBC3752A-000A-4A33-B236-B8F23F6605B3}"/>
+                <a16:creationId xmlns:a16="http://schemas.microsoft.com/office/drawing/2014/main" xmlns="" id="{FBC3752A-000A-4A33-B236-B8F23F6605B3}"/>
               </a:ext>
             </a:extLst>
           </p:cNvPr>
@@ -647,7 +648,7 @@
           <p:cNvPr id="4" name="日期版面配置區 3">
             <a:extLst>
               <a:ext uri="{FF2B5EF4-FFF2-40B4-BE49-F238E27FC236}">
-                <a16:creationId xmlns:a16="http://schemas.microsoft.com/office/drawing/2014/main" id="{601FE94D-9366-4936-84EE-5985F9DEC92E}"/>
+                <a16:creationId xmlns:a16="http://schemas.microsoft.com/office/drawing/2014/main" xmlns="" id="{601FE94D-9366-4936-84EE-5985F9DEC92E}"/>
               </a:ext>
             </a:extLst>
           </p:cNvPr>
@@ -665,7 +666,7 @@
           <a:p>
             <a:fld id="{1983F8DA-040C-4179-8EC3-2597626DD22D}" type="datetimeFigureOut">
               <a:rPr lang="zh-TW" altLang="en-US" smtClean="0"/>
-              <a:t>2018/5/9</a:t>
+              <a:t>2018/5/10</a:t>
             </a:fld>
             <a:endParaRPr lang="zh-TW" altLang="en-US"/>
           </a:p>
@@ -676,7 +677,7 @@
           <p:cNvPr id="5" name="頁尾版面配置區 4">
             <a:extLst>
               <a:ext uri="{FF2B5EF4-FFF2-40B4-BE49-F238E27FC236}">
-                <a16:creationId xmlns:a16="http://schemas.microsoft.com/office/drawing/2014/main" id="{AFE29EB2-FAEB-4546-98D7-92EED2E8B0DB}"/>
+                <a16:creationId xmlns:a16="http://schemas.microsoft.com/office/drawing/2014/main" xmlns="" id="{AFE29EB2-FAEB-4546-98D7-92EED2E8B0DB}"/>
               </a:ext>
             </a:extLst>
           </p:cNvPr>
@@ -701,7 +702,7 @@
           <p:cNvPr id="6" name="投影片編號版面配置區 5">
             <a:extLst>
               <a:ext uri="{FF2B5EF4-FFF2-40B4-BE49-F238E27FC236}">
-                <a16:creationId xmlns:a16="http://schemas.microsoft.com/office/drawing/2014/main" id="{622F40B8-7D29-4D01-9DBE-D704BBD2C699}"/>
+                <a16:creationId xmlns:a16="http://schemas.microsoft.com/office/drawing/2014/main" xmlns="" id="{622F40B8-7D29-4D01-9DBE-D704BBD2C699}"/>
               </a:ext>
             </a:extLst>
           </p:cNvPr>
@@ -760,7 +761,7 @@
           <p:cNvPr id="2" name="標題 1">
             <a:extLst>
               <a:ext uri="{FF2B5EF4-FFF2-40B4-BE49-F238E27FC236}">
-                <a16:creationId xmlns:a16="http://schemas.microsoft.com/office/drawing/2014/main" id="{1A3F3828-BD0A-4B81-A984-81DFE4E59A58}"/>
+                <a16:creationId xmlns:a16="http://schemas.microsoft.com/office/drawing/2014/main" xmlns="" id="{1A3F3828-BD0A-4B81-A984-81DFE4E59A58}"/>
               </a:ext>
             </a:extLst>
           </p:cNvPr>
@@ -788,7 +789,7 @@
           <p:cNvPr id="3" name="內容版面配置區 2">
             <a:extLst>
               <a:ext uri="{FF2B5EF4-FFF2-40B4-BE49-F238E27FC236}">
-                <a16:creationId xmlns:a16="http://schemas.microsoft.com/office/drawing/2014/main" id="{0EC8A2A9-2912-4BFA-BCDF-32962C0BB2A3}"/>
+                <a16:creationId xmlns:a16="http://schemas.microsoft.com/office/drawing/2014/main" xmlns="" id="{0EC8A2A9-2912-4BFA-BCDF-32962C0BB2A3}"/>
               </a:ext>
             </a:extLst>
           </p:cNvPr>
@@ -845,7 +846,7 @@
           <p:cNvPr id="4" name="日期版面配置區 3">
             <a:extLst>
               <a:ext uri="{FF2B5EF4-FFF2-40B4-BE49-F238E27FC236}">
-                <a16:creationId xmlns:a16="http://schemas.microsoft.com/office/drawing/2014/main" id="{9B3D757A-635C-497E-9BA1-32A5E7FCE7F6}"/>
+                <a16:creationId xmlns:a16="http://schemas.microsoft.com/office/drawing/2014/main" xmlns="" id="{9B3D757A-635C-497E-9BA1-32A5E7FCE7F6}"/>
               </a:ext>
             </a:extLst>
           </p:cNvPr>
@@ -863,7 +864,7 @@
           <a:p>
             <a:fld id="{1983F8DA-040C-4179-8EC3-2597626DD22D}" type="datetimeFigureOut">
               <a:rPr lang="zh-TW" altLang="en-US" smtClean="0"/>
-              <a:t>2018/5/9</a:t>
+              <a:t>2018/5/10</a:t>
             </a:fld>
             <a:endParaRPr lang="zh-TW" altLang="en-US"/>
           </a:p>
@@ -874,7 +875,7 @@
           <p:cNvPr id="5" name="頁尾版面配置區 4">
             <a:extLst>
               <a:ext uri="{FF2B5EF4-FFF2-40B4-BE49-F238E27FC236}">
-                <a16:creationId xmlns:a16="http://schemas.microsoft.com/office/drawing/2014/main" id="{1F5A3E80-D4D4-44B5-8BBD-0365A50F04B9}"/>
+                <a16:creationId xmlns:a16="http://schemas.microsoft.com/office/drawing/2014/main" xmlns="" id="{1F5A3E80-D4D4-44B5-8BBD-0365A50F04B9}"/>
               </a:ext>
             </a:extLst>
           </p:cNvPr>
@@ -899,7 +900,7 @@
           <p:cNvPr id="6" name="投影片編號版面配置區 5">
             <a:extLst>
               <a:ext uri="{FF2B5EF4-FFF2-40B4-BE49-F238E27FC236}">
-                <a16:creationId xmlns:a16="http://schemas.microsoft.com/office/drawing/2014/main" id="{2AC6233F-BFA6-42D3-8283-2F071C9CAF2D}"/>
+                <a16:creationId xmlns:a16="http://schemas.microsoft.com/office/drawing/2014/main" xmlns="" id="{2AC6233F-BFA6-42D3-8283-2F071C9CAF2D}"/>
               </a:ext>
             </a:extLst>
           </p:cNvPr>
@@ -958,7 +959,7 @@
           <p:cNvPr id="2" name="標題 1">
             <a:extLst>
               <a:ext uri="{FF2B5EF4-FFF2-40B4-BE49-F238E27FC236}">
-                <a16:creationId xmlns:a16="http://schemas.microsoft.com/office/drawing/2014/main" id="{693186E9-1AB3-46F6-91DF-3B08ED2ACD00}"/>
+                <a16:creationId xmlns:a16="http://schemas.microsoft.com/office/drawing/2014/main" xmlns="" id="{693186E9-1AB3-46F6-91DF-3B08ED2ACD00}"/>
               </a:ext>
             </a:extLst>
           </p:cNvPr>
@@ -995,7 +996,7 @@
           <p:cNvPr id="3" name="文字版面配置區 2">
             <a:extLst>
               <a:ext uri="{FF2B5EF4-FFF2-40B4-BE49-F238E27FC236}">
-                <a16:creationId xmlns:a16="http://schemas.microsoft.com/office/drawing/2014/main" id="{0D1B0F2E-115D-4029-BEC4-14D342BEF1B6}"/>
+                <a16:creationId xmlns:a16="http://schemas.microsoft.com/office/drawing/2014/main" xmlns="" id="{0D1B0F2E-115D-4029-BEC4-14D342BEF1B6}"/>
               </a:ext>
             </a:extLst>
           </p:cNvPr>
@@ -1120,7 +1121,7 @@
           <p:cNvPr id="4" name="日期版面配置區 3">
             <a:extLst>
               <a:ext uri="{FF2B5EF4-FFF2-40B4-BE49-F238E27FC236}">
-                <a16:creationId xmlns:a16="http://schemas.microsoft.com/office/drawing/2014/main" id="{53C6FD83-AA37-48FE-89EF-284F407D699D}"/>
+                <a16:creationId xmlns:a16="http://schemas.microsoft.com/office/drawing/2014/main" xmlns="" id="{53C6FD83-AA37-48FE-89EF-284F407D699D}"/>
               </a:ext>
             </a:extLst>
           </p:cNvPr>
@@ -1138,7 +1139,7 @@
           <a:p>
             <a:fld id="{1983F8DA-040C-4179-8EC3-2597626DD22D}" type="datetimeFigureOut">
               <a:rPr lang="zh-TW" altLang="en-US" smtClean="0"/>
-              <a:t>2018/5/9</a:t>
+              <a:t>2018/5/10</a:t>
             </a:fld>
             <a:endParaRPr lang="zh-TW" altLang="en-US"/>
           </a:p>
@@ -1149,7 +1150,7 @@
           <p:cNvPr id="5" name="頁尾版面配置區 4">
             <a:extLst>
               <a:ext uri="{FF2B5EF4-FFF2-40B4-BE49-F238E27FC236}">
-                <a16:creationId xmlns:a16="http://schemas.microsoft.com/office/drawing/2014/main" id="{0A45A3BE-CDD8-4584-A65F-0CCEFC3FC53D}"/>
+                <a16:creationId xmlns:a16="http://schemas.microsoft.com/office/drawing/2014/main" xmlns="" id="{0A45A3BE-CDD8-4584-A65F-0CCEFC3FC53D}"/>
               </a:ext>
             </a:extLst>
           </p:cNvPr>
@@ -1174,7 +1175,7 @@
           <p:cNvPr id="6" name="投影片編號版面配置區 5">
             <a:extLst>
               <a:ext uri="{FF2B5EF4-FFF2-40B4-BE49-F238E27FC236}">
-                <a16:creationId xmlns:a16="http://schemas.microsoft.com/office/drawing/2014/main" id="{D03CAF72-F7A0-490C-8F2C-45718C95BC17}"/>
+                <a16:creationId xmlns:a16="http://schemas.microsoft.com/office/drawing/2014/main" xmlns="" id="{D03CAF72-F7A0-490C-8F2C-45718C95BC17}"/>
               </a:ext>
             </a:extLst>
           </p:cNvPr>
@@ -1233,7 +1234,7 @@
           <p:cNvPr id="2" name="標題 1">
             <a:extLst>
               <a:ext uri="{FF2B5EF4-FFF2-40B4-BE49-F238E27FC236}">
-                <a16:creationId xmlns:a16="http://schemas.microsoft.com/office/drawing/2014/main" id="{A9FB1FFE-288D-46F4-838A-0824C9C36B3F}"/>
+                <a16:creationId xmlns:a16="http://schemas.microsoft.com/office/drawing/2014/main" xmlns="" id="{A9FB1FFE-288D-46F4-838A-0824C9C36B3F}"/>
               </a:ext>
             </a:extLst>
           </p:cNvPr>
@@ -1261,7 +1262,7 @@
           <p:cNvPr id="3" name="內容版面配置區 2">
             <a:extLst>
               <a:ext uri="{FF2B5EF4-FFF2-40B4-BE49-F238E27FC236}">
-                <a16:creationId xmlns:a16="http://schemas.microsoft.com/office/drawing/2014/main" id="{84E6D906-22CF-4F86-9C57-0AADC9D52019}"/>
+                <a16:creationId xmlns:a16="http://schemas.microsoft.com/office/drawing/2014/main" xmlns="" id="{84E6D906-22CF-4F86-9C57-0AADC9D52019}"/>
               </a:ext>
             </a:extLst>
           </p:cNvPr>
@@ -1323,7 +1324,7 @@
           <p:cNvPr id="4" name="內容版面配置區 3">
             <a:extLst>
               <a:ext uri="{FF2B5EF4-FFF2-40B4-BE49-F238E27FC236}">
-                <a16:creationId xmlns:a16="http://schemas.microsoft.com/office/drawing/2014/main" id="{905BDD05-1E92-49F7-8524-2E69E5C3E44B}"/>
+                <a16:creationId xmlns:a16="http://schemas.microsoft.com/office/drawing/2014/main" xmlns="" id="{905BDD05-1E92-49F7-8524-2E69E5C3E44B}"/>
               </a:ext>
             </a:extLst>
           </p:cNvPr>
@@ -1385,7 +1386,7 @@
           <p:cNvPr id="5" name="日期版面配置區 4">
             <a:extLst>
               <a:ext uri="{FF2B5EF4-FFF2-40B4-BE49-F238E27FC236}">
-                <a16:creationId xmlns:a16="http://schemas.microsoft.com/office/drawing/2014/main" id="{97422E4D-D418-4B8A-9EF5-529BC9720D27}"/>
+                <a16:creationId xmlns:a16="http://schemas.microsoft.com/office/drawing/2014/main" xmlns="" id="{97422E4D-D418-4B8A-9EF5-529BC9720D27}"/>
               </a:ext>
             </a:extLst>
           </p:cNvPr>
@@ -1403,7 +1404,7 @@
           <a:p>
             <a:fld id="{1983F8DA-040C-4179-8EC3-2597626DD22D}" type="datetimeFigureOut">
               <a:rPr lang="zh-TW" altLang="en-US" smtClean="0"/>
-              <a:t>2018/5/9</a:t>
+              <a:t>2018/5/10</a:t>
             </a:fld>
             <a:endParaRPr lang="zh-TW" altLang="en-US"/>
           </a:p>
@@ -1414,7 +1415,7 @@
           <p:cNvPr id="6" name="頁尾版面配置區 5">
             <a:extLst>
               <a:ext uri="{FF2B5EF4-FFF2-40B4-BE49-F238E27FC236}">
-                <a16:creationId xmlns:a16="http://schemas.microsoft.com/office/drawing/2014/main" id="{F1BD7C8D-CE3E-4C0F-B2B9-E51DCA1CB4B2}"/>
+                <a16:creationId xmlns:a16="http://schemas.microsoft.com/office/drawing/2014/main" xmlns="" id="{F1BD7C8D-CE3E-4C0F-B2B9-E51DCA1CB4B2}"/>
               </a:ext>
             </a:extLst>
           </p:cNvPr>
@@ -1439,7 +1440,7 @@
           <p:cNvPr id="7" name="投影片編號版面配置區 6">
             <a:extLst>
               <a:ext uri="{FF2B5EF4-FFF2-40B4-BE49-F238E27FC236}">
-                <a16:creationId xmlns:a16="http://schemas.microsoft.com/office/drawing/2014/main" id="{5BBA102D-360B-4EE5-BDFC-FEC0D8638667}"/>
+                <a16:creationId xmlns:a16="http://schemas.microsoft.com/office/drawing/2014/main" xmlns="" id="{5BBA102D-360B-4EE5-BDFC-FEC0D8638667}"/>
               </a:ext>
             </a:extLst>
           </p:cNvPr>
@@ -1498,7 +1499,7 @@
           <p:cNvPr id="2" name="標題 1">
             <a:extLst>
               <a:ext uri="{FF2B5EF4-FFF2-40B4-BE49-F238E27FC236}">
-                <a16:creationId xmlns:a16="http://schemas.microsoft.com/office/drawing/2014/main" id="{4AD70CB9-5A3B-467D-8944-4DC5A90DBE6E}"/>
+                <a16:creationId xmlns:a16="http://schemas.microsoft.com/office/drawing/2014/main" xmlns="" id="{4AD70CB9-5A3B-467D-8944-4DC5A90DBE6E}"/>
               </a:ext>
             </a:extLst>
           </p:cNvPr>
@@ -1531,7 +1532,7 @@
           <p:cNvPr id="3" name="文字版面配置區 2">
             <a:extLst>
               <a:ext uri="{FF2B5EF4-FFF2-40B4-BE49-F238E27FC236}">
-                <a16:creationId xmlns:a16="http://schemas.microsoft.com/office/drawing/2014/main" id="{A3775FAB-53FE-40CC-A723-777B55828725}"/>
+                <a16:creationId xmlns:a16="http://schemas.microsoft.com/office/drawing/2014/main" xmlns="" id="{A3775FAB-53FE-40CC-A723-777B55828725}"/>
               </a:ext>
             </a:extLst>
           </p:cNvPr>
@@ -1602,7 +1603,7 @@
           <p:cNvPr id="4" name="內容版面配置區 3">
             <a:extLst>
               <a:ext uri="{FF2B5EF4-FFF2-40B4-BE49-F238E27FC236}">
-                <a16:creationId xmlns:a16="http://schemas.microsoft.com/office/drawing/2014/main" id="{1B6FF27E-92E8-4038-AC25-286B2F1293E0}"/>
+                <a16:creationId xmlns:a16="http://schemas.microsoft.com/office/drawing/2014/main" xmlns="" id="{1B6FF27E-92E8-4038-AC25-286B2F1293E0}"/>
               </a:ext>
             </a:extLst>
           </p:cNvPr>
@@ -1664,7 +1665,7 @@
           <p:cNvPr id="5" name="文字版面配置區 4">
             <a:extLst>
               <a:ext uri="{FF2B5EF4-FFF2-40B4-BE49-F238E27FC236}">
-                <a16:creationId xmlns:a16="http://schemas.microsoft.com/office/drawing/2014/main" id="{F05571B1-5586-4BC5-8497-CBBAFEF07011}"/>
+                <a16:creationId xmlns:a16="http://schemas.microsoft.com/office/drawing/2014/main" xmlns="" id="{F05571B1-5586-4BC5-8497-CBBAFEF07011}"/>
               </a:ext>
             </a:extLst>
           </p:cNvPr>
@@ -1735,7 +1736,7 @@
           <p:cNvPr id="6" name="內容版面配置區 5">
             <a:extLst>
               <a:ext uri="{FF2B5EF4-FFF2-40B4-BE49-F238E27FC236}">
-                <a16:creationId xmlns:a16="http://schemas.microsoft.com/office/drawing/2014/main" id="{3163290B-F505-41DA-A556-93FAE747E744}"/>
+                <a16:creationId xmlns:a16="http://schemas.microsoft.com/office/drawing/2014/main" xmlns="" id="{3163290B-F505-41DA-A556-93FAE747E744}"/>
               </a:ext>
             </a:extLst>
           </p:cNvPr>
@@ -1797,7 +1798,7 @@
           <p:cNvPr id="7" name="日期版面配置區 6">
             <a:extLst>
               <a:ext uri="{FF2B5EF4-FFF2-40B4-BE49-F238E27FC236}">
-                <a16:creationId xmlns:a16="http://schemas.microsoft.com/office/drawing/2014/main" id="{2B929A61-93D8-4176-9436-DEA4C8AA337D}"/>
+                <a16:creationId xmlns:a16="http://schemas.microsoft.com/office/drawing/2014/main" xmlns="" id="{2B929A61-93D8-4176-9436-DEA4C8AA337D}"/>
               </a:ext>
             </a:extLst>
           </p:cNvPr>
@@ -1815,7 +1816,7 @@
           <a:p>
             <a:fld id="{1983F8DA-040C-4179-8EC3-2597626DD22D}" type="datetimeFigureOut">
               <a:rPr lang="zh-TW" altLang="en-US" smtClean="0"/>
-              <a:t>2018/5/9</a:t>
+              <a:t>2018/5/10</a:t>
             </a:fld>
             <a:endParaRPr lang="zh-TW" altLang="en-US"/>
           </a:p>
@@ -1826,7 +1827,7 @@
           <p:cNvPr id="8" name="頁尾版面配置區 7">
             <a:extLst>
               <a:ext uri="{FF2B5EF4-FFF2-40B4-BE49-F238E27FC236}">
-                <a16:creationId xmlns:a16="http://schemas.microsoft.com/office/drawing/2014/main" id="{CB0BDEC3-882A-40E1-9AD7-9CADC5149370}"/>
+                <a16:creationId xmlns:a16="http://schemas.microsoft.com/office/drawing/2014/main" xmlns="" id="{CB0BDEC3-882A-40E1-9AD7-9CADC5149370}"/>
               </a:ext>
             </a:extLst>
           </p:cNvPr>
@@ -1851,7 +1852,7 @@
           <p:cNvPr id="9" name="投影片編號版面配置區 8">
             <a:extLst>
               <a:ext uri="{FF2B5EF4-FFF2-40B4-BE49-F238E27FC236}">
-                <a16:creationId xmlns:a16="http://schemas.microsoft.com/office/drawing/2014/main" id="{E649F777-8B0B-4E07-8789-213A9EA269D5}"/>
+                <a16:creationId xmlns:a16="http://schemas.microsoft.com/office/drawing/2014/main" xmlns="" id="{E649F777-8B0B-4E07-8789-213A9EA269D5}"/>
               </a:ext>
             </a:extLst>
           </p:cNvPr>
@@ -1910,7 +1911,7 @@
           <p:cNvPr id="2" name="標題 1">
             <a:extLst>
               <a:ext uri="{FF2B5EF4-FFF2-40B4-BE49-F238E27FC236}">
-                <a16:creationId xmlns:a16="http://schemas.microsoft.com/office/drawing/2014/main" id="{3190E325-266A-4F95-A6CE-C45234A1222B}"/>
+                <a16:creationId xmlns:a16="http://schemas.microsoft.com/office/drawing/2014/main" xmlns="" id="{3190E325-266A-4F95-A6CE-C45234A1222B}"/>
               </a:ext>
             </a:extLst>
           </p:cNvPr>
@@ -1938,7 +1939,7 @@
           <p:cNvPr id="3" name="日期版面配置區 2">
             <a:extLst>
               <a:ext uri="{FF2B5EF4-FFF2-40B4-BE49-F238E27FC236}">
-                <a16:creationId xmlns:a16="http://schemas.microsoft.com/office/drawing/2014/main" id="{EA3CE308-4CE4-4A55-8AFF-261766BDA14C}"/>
+                <a16:creationId xmlns:a16="http://schemas.microsoft.com/office/drawing/2014/main" xmlns="" id="{EA3CE308-4CE4-4A55-8AFF-261766BDA14C}"/>
               </a:ext>
             </a:extLst>
           </p:cNvPr>
@@ -1956,7 +1957,7 @@
           <a:p>
             <a:fld id="{1983F8DA-040C-4179-8EC3-2597626DD22D}" type="datetimeFigureOut">
               <a:rPr lang="zh-TW" altLang="en-US" smtClean="0"/>
-              <a:t>2018/5/9</a:t>
+              <a:t>2018/5/10</a:t>
             </a:fld>
             <a:endParaRPr lang="zh-TW" altLang="en-US"/>
           </a:p>
@@ -1967,7 +1968,7 @@
           <p:cNvPr id="4" name="頁尾版面配置區 3">
             <a:extLst>
               <a:ext uri="{FF2B5EF4-FFF2-40B4-BE49-F238E27FC236}">
-                <a16:creationId xmlns:a16="http://schemas.microsoft.com/office/drawing/2014/main" id="{9A5D54C3-4E6B-4A64-891C-B7F8257EECCD}"/>
+                <a16:creationId xmlns:a16="http://schemas.microsoft.com/office/drawing/2014/main" xmlns="" id="{9A5D54C3-4E6B-4A64-891C-B7F8257EECCD}"/>
               </a:ext>
             </a:extLst>
           </p:cNvPr>
@@ -1992,7 +1993,7 @@
           <p:cNvPr id="5" name="投影片編號版面配置區 4">
             <a:extLst>
               <a:ext uri="{FF2B5EF4-FFF2-40B4-BE49-F238E27FC236}">
-                <a16:creationId xmlns:a16="http://schemas.microsoft.com/office/drawing/2014/main" id="{99D49CF7-6C63-436D-B538-07295C3EE13B}"/>
+                <a16:creationId xmlns:a16="http://schemas.microsoft.com/office/drawing/2014/main" xmlns="" id="{99D49CF7-6C63-436D-B538-07295C3EE13B}"/>
               </a:ext>
             </a:extLst>
           </p:cNvPr>
@@ -2051,7 +2052,7 @@
           <p:cNvPr id="2" name="日期版面配置區 1">
             <a:extLst>
               <a:ext uri="{FF2B5EF4-FFF2-40B4-BE49-F238E27FC236}">
-                <a16:creationId xmlns:a16="http://schemas.microsoft.com/office/drawing/2014/main" id="{95B32A53-9F7F-4C64-B0C3-58B77A2BB62B}"/>
+                <a16:creationId xmlns:a16="http://schemas.microsoft.com/office/drawing/2014/main" xmlns="" id="{95B32A53-9F7F-4C64-B0C3-58B77A2BB62B}"/>
               </a:ext>
             </a:extLst>
           </p:cNvPr>
@@ -2069,7 +2070,7 @@
           <a:p>
             <a:fld id="{1983F8DA-040C-4179-8EC3-2597626DD22D}" type="datetimeFigureOut">
               <a:rPr lang="zh-TW" altLang="en-US" smtClean="0"/>
-              <a:t>2018/5/9</a:t>
+              <a:t>2018/5/10</a:t>
             </a:fld>
             <a:endParaRPr lang="zh-TW" altLang="en-US"/>
           </a:p>
@@ -2080,7 +2081,7 @@
           <p:cNvPr id="3" name="頁尾版面配置區 2">
             <a:extLst>
               <a:ext uri="{FF2B5EF4-FFF2-40B4-BE49-F238E27FC236}">
-                <a16:creationId xmlns:a16="http://schemas.microsoft.com/office/drawing/2014/main" id="{C143E365-1A3B-48D6-816F-ED5BB793AD47}"/>
+                <a16:creationId xmlns:a16="http://schemas.microsoft.com/office/drawing/2014/main" xmlns="" id="{C143E365-1A3B-48D6-816F-ED5BB793AD47}"/>
               </a:ext>
             </a:extLst>
           </p:cNvPr>
@@ -2105,7 +2106,7 @@
           <p:cNvPr id="4" name="投影片編號版面配置區 3">
             <a:extLst>
               <a:ext uri="{FF2B5EF4-FFF2-40B4-BE49-F238E27FC236}">
-                <a16:creationId xmlns:a16="http://schemas.microsoft.com/office/drawing/2014/main" id="{4B9A1611-BAD4-433E-A82A-460481C395E0}"/>
+                <a16:creationId xmlns:a16="http://schemas.microsoft.com/office/drawing/2014/main" xmlns="" id="{4B9A1611-BAD4-433E-A82A-460481C395E0}"/>
               </a:ext>
             </a:extLst>
           </p:cNvPr>
@@ -2164,7 +2165,7 @@
           <p:cNvPr id="2" name="標題 1">
             <a:extLst>
               <a:ext uri="{FF2B5EF4-FFF2-40B4-BE49-F238E27FC236}">
-                <a16:creationId xmlns:a16="http://schemas.microsoft.com/office/drawing/2014/main" id="{BFDB57DA-AF3F-49F6-99CA-75A4C27FC7A3}"/>
+                <a16:creationId xmlns:a16="http://schemas.microsoft.com/office/drawing/2014/main" xmlns="" id="{BFDB57DA-AF3F-49F6-99CA-75A4C27FC7A3}"/>
               </a:ext>
             </a:extLst>
           </p:cNvPr>
@@ -2201,7 +2202,7 @@
           <p:cNvPr id="3" name="內容版面配置區 2">
             <a:extLst>
               <a:ext uri="{FF2B5EF4-FFF2-40B4-BE49-F238E27FC236}">
-                <a16:creationId xmlns:a16="http://schemas.microsoft.com/office/drawing/2014/main" id="{7F1ECA61-1796-4832-9432-65258A3FE340}"/>
+                <a16:creationId xmlns:a16="http://schemas.microsoft.com/office/drawing/2014/main" xmlns="" id="{7F1ECA61-1796-4832-9432-65258A3FE340}"/>
               </a:ext>
             </a:extLst>
           </p:cNvPr>
@@ -2291,7 +2292,7 @@
           <p:cNvPr id="4" name="文字版面配置區 3">
             <a:extLst>
               <a:ext uri="{FF2B5EF4-FFF2-40B4-BE49-F238E27FC236}">
-                <a16:creationId xmlns:a16="http://schemas.microsoft.com/office/drawing/2014/main" id="{2A3B2590-9E27-4191-A02E-AB16317FC3DF}"/>
+                <a16:creationId xmlns:a16="http://schemas.microsoft.com/office/drawing/2014/main" xmlns="" id="{2A3B2590-9E27-4191-A02E-AB16317FC3DF}"/>
               </a:ext>
             </a:extLst>
           </p:cNvPr>
@@ -2362,7 +2363,7 @@
           <p:cNvPr id="5" name="日期版面配置區 4">
             <a:extLst>
               <a:ext uri="{FF2B5EF4-FFF2-40B4-BE49-F238E27FC236}">
-                <a16:creationId xmlns:a16="http://schemas.microsoft.com/office/drawing/2014/main" id="{CFDA4BC8-C396-49AB-B5FC-73CC9CE067BE}"/>
+                <a16:creationId xmlns:a16="http://schemas.microsoft.com/office/drawing/2014/main" xmlns="" id="{CFDA4BC8-C396-49AB-B5FC-73CC9CE067BE}"/>
               </a:ext>
             </a:extLst>
           </p:cNvPr>
@@ -2380,7 +2381,7 @@
           <a:p>
             <a:fld id="{1983F8DA-040C-4179-8EC3-2597626DD22D}" type="datetimeFigureOut">
               <a:rPr lang="zh-TW" altLang="en-US" smtClean="0"/>
-              <a:t>2018/5/9</a:t>
+              <a:t>2018/5/10</a:t>
             </a:fld>
             <a:endParaRPr lang="zh-TW" altLang="en-US"/>
           </a:p>
@@ -2391,7 +2392,7 @@
           <p:cNvPr id="6" name="頁尾版面配置區 5">
             <a:extLst>
               <a:ext uri="{FF2B5EF4-FFF2-40B4-BE49-F238E27FC236}">
-                <a16:creationId xmlns:a16="http://schemas.microsoft.com/office/drawing/2014/main" id="{C5433602-B0B3-40E6-BDA3-8E1BAAD456C2}"/>
+                <a16:creationId xmlns:a16="http://schemas.microsoft.com/office/drawing/2014/main" xmlns="" id="{C5433602-B0B3-40E6-BDA3-8E1BAAD456C2}"/>
               </a:ext>
             </a:extLst>
           </p:cNvPr>
@@ -2416,7 +2417,7 @@
           <p:cNvPr id="7" name="投影片編號版面配置區 6">
             <a:extLst>
               <a:ext uri="{FF2B5EF4-FFF2-40B4-BE49-F238E27FC236}">
-                <a16:creationId xmlns:a16="http://schemas.microsoft.com/office/drawing/2014/main" id="{D8FED8BE-893F-4E06-8160-E9657CFF6C24}"/>
+                <a16:creationId xmlns:a16="http://schemas.microsoft.com/office/drawing/2014/main" xmlns="" id="{D8FED8BE-893F-4E06-8160-E9657CFF6C24}"/>
               </a:ext>
             </a:extLst>
           </p:cNvPr>
@@ -2475,7 +2476,7 @@
           <p:cNvPr id="2" name="標題 1">
             <a:extLst>
               <a:ext uri="{FF2B5EF4-FFF2-40B4-BE49-F238E27FC236}">
-                <a16:creationId xmlns:a16="http://schemas.microsoft.com/office/drawing/2014/main" id="{CE1B0F45-88E2-4BFB-A88B-3AAF2D983C00}"/>
+                <a16:creationId xmlns:a16="http://schemas.microsoft.com/office/drawing/2014/main" xmlns="" id="{CE1B0F45-88E2-4BFB-A88B-3AAF2D983C00}"/>
               </a:ext>
             </a:extLst>
           </p:cNvPr>
@@ -2512,7 +2513,7 @@
           <p:cNvPr id="3" name="圖片版面配置區 2">
             <a:extLst>
               <a:ext uri="{FF2B5EF4-FFF2-40B4-BE49-F238E27FC236}">
-                <a16:creationId xmlns:a16="http://schemas.microsoft.com/office/drawing/2014/main" id="{EE50A91B-B093-4764-962F-7D6938EF99DF}"/>
+                <a16:creationId xmlns:a16="http://schemas.microsoft.com/office/drawing/2014/main" xmlns="" id="{EE50A91B-B093-4764-962F-7D6938EF99DF}"/>
               </a:ext>
             </a:extLst>
           </p:cNvPr>
@@ -2579,7 +2580,7 @@
           <p:cNvPr id="4" name="文字版面配置區 3">
             <a:extLst>
               <a:ext uri="{FF2B5EF4-FFF2-40B4-BE49-F238E27FC236}">
-                <a16:creationId xmlns:a16="http://schemas.microsoft.com/office/drawing/2014/main" id="{7BACFCEA-685B-42B5-BDF7-AD63F1314454}"/>
+                <a16:creationId xmlns:a16="http://schemas.microsoft.com/office/drawing/2014/main" xmlns="" id="{7BACFCEA-685B-42B5-BDF7-AD63F1314454}"/>
               </a:ext>
             </a:extLst>
           </p:cNvPr>
@@ -2650,7 +2651,7 @@
           <p:cNvPr id="5" name="日期版面配置區 4">
             <a:extLst>
               <a:ext uri="{FF2B5EF4-FFF2-40B4-BE49-F238E27FC236}">
-                <a16:creationId xmlns:a16="http://schemas.microsoft.com/office/drawing/2014/main" id="{36D3AAC6-EA71-40A7-A355-9571CCD2CF13}"/>
+                <a16:creationId xmlns:a16="http://schemas.microsoft.com/office/drawing/2014/main" xmlns="" id="{36D3AAC6-EA71-40A7-A355-9571CCD2CF13}"/>
               </a:ext>
             </a:extLst>
           </p:cNvPr>
@@ -2668,7 +2669,7 @@
           <a:p>
             <a:fld id="{1983F8DA-040C-4179-8EC3-2597626DD22D}" type="datetimeFigureOut">
               <a:rPr lang="zh-TW" altLang="en-US" smtClean="0"/>
-              <a:t>2018/5/9</a:t>
+              <a:t>2018/5/10</a:t>
             </a:fld>
             <a:endParaRPr lang="zh-TW" altLang="en-US"/>
           </a:p>
@@ -2679,7 +2680,7 @@
           <p:cNvPr id="6" name="頁尾版面配置區 5">
             <a:extLst>
               <a:ext uri="{FF2B5EF4-FFF2-40B4-BE49-F238E27FC236}">
-                <a16:creationId xmlns:a16="http://schemas.microsoft.com/office/drawing/2014/main" id="{5DDE9F81-23D3-4C44-8D5A-CB9DBF84EF69}"/>
+                <a16:creationId xmlns:a16="http://schemas.microsoft.com/office/drawing/2014/main" xmlns="" id="{5DDE9F81-23D3-4C44-8D5A-CB9DBF84EF69}"/>
               </a:ext>
             </a:extLst>
           </p:cNvPr>
@@ -2704,7 +2705,7 @@
           <p:cNvPr id="7" name="投影片編號版面配置區 6">
             <a:extLst>
               <a:ext uri="{FF2B5EF4-FFF2-40B4-BE49-F238E27FC236}">
-                <a16:creationId xmlns:a16="http://schemas.microsoft.com/office/drawing/2014/main" id="{073497D4-4649-468C-94A9-AF63556897BF}"/>
+                <a16:creationId xmlns:a16="http://schemas.microsoft.com/office/drawing/2014/main" xmlns="" id="{073497D4-4649-468C-94A9-AF63556897BF}"/>
               </a:ext>
             </a:extLst>
           </p:cNvPr>
@@ -2768,7 +2769,7 @@
           <p:cNvPr id="2" name="標題版面配置區 1">
             <a:extLst>
               <a:ext uri="{FF2B5EF4-FFF2-40B4-BE49-F238E27FC236}">
-                <a16:creationId xmlns:a16="http://schemas.microsoft.com/office/drawing/2014/main" id="{7818C2F0-BE73-48CD-90D4-08C181AE85B2}"/>
+                <a16:creationId xmlns:a16="http://schemas.microsoft.com/office/drawing/2014/main" xmlns="" id="{7818C2F0-BE73-48CD-90D4-08C181AE85B2}"/>
               </a:ext>
             </a:extLst>
           </p:cNvPr>
@@ -2806,7 +2807,7 @@
           <p:cNvPr id="3" name="文字版面配置區 2">
             <a:extLst>
               <a:ext uri="{FF2B5EF4-FFF2-40B4-BE49-F238E27FC236}">
-                <a16:creationId xmlns:a16="http://schemas.microsoft.com/office/drawing/2014/main" id="{6B3FA1F4-293A-424F-BBDC-D39891EE8D7B}"/>
+                <a16:creationId xmlns:a16="http://schemas.microsoft.com/office/drawing/2014/main" xmlns="" id="{6B3FA1F4-293A-424F-BBDC-D39891EE8D7B}"/>
               </a:ext>
             </a:extLst>
           </p:cNvPr>
@@ -2873,7 +2874,7 @@
           <p:cNvPr id="4" name="日期版面配置區 3">
             <a:extLst>
               <a:ext uri="{FF2B5EF4-FFF2-40B4-BE49-F238E27FC236}">
-                <a16:creationId xmlns:a16="http://schemas.microsoft.com/office/drawing/2014/main" id="{D69709D7-7319-4D2B-B1A5-212DE7E9DC73}"/>
+                <a16:creationId xmlns:a16="http://schemas.microsoft.com/office/drawing/2014/main" xmlns="" id="{D69709D7-7319-4D2B-B1A5-212DE7E9DC73}"/>
               </a:ext>
             </a:extLst>
           </p:cNvPr>
@@ -2909,7 +2910,7 @@
           <a:p>
             <a:fld id="{1983F8DA-040C-4179-8EC3-2597626DD22D}" type="datetimeFigureOut">
               <a:rPr lang="zh-TW" altLang="en-US" smtClean="0"/>
-              <a:t>2018/5/9</a:t>
+              <a:t>2018/5/10</a:t>
             </a:fld>
             <a:endParaRPr lang="zh-TW" altLang="en-US"/>
           </a:p>
@@ -2920,7 +2921,7 @@
           <p:cNvPr id="5" name="頁尾版面配置區 4">
             <a:extLst>
               <a:ext uri="{FF2B5EF4-FFF2-40B4-BE49-F238E27FC236}">
-                <a16:creationId xmlns:a16="http://schemas.microsoft.com/office/drawing/2014/main" id="{0DC51CC8-38F1-4540-A0E1-DF87A9B5FEFD}"/>
+                <a16:creationId xmlns:a16="http://schemas.microsoft.com/office/drawing/2014/main" xmlns="" id="{0DC51CC8-38F1-4540-A0E1-DF87A9B5FEFD}"/>
               </a:ext>
             </a:extLst>
           </p:cNvPr>
@@ -2963,7 +2964,7 @@
           <p:cNvPr id="6" name="投影片編號版面配置區 5">
             <a:extLst>
               <a:ext uri="{FF2B5EF4-FFF2-40B4-BE49-F238E27FC236}">
-                <a16:creationId xmlns:a16="http://schemas.microsoft.com/office/drawing/2014/main" id="{E47516C6-0347-4866-BB79-FE8992EFF065}"/>
+                <a16:creationId xmlns:a16="http://schemas.microsoft.com/office/drawing/2014/main" xmlns="" id="{E47516C6-0347-4866-BB79-FE8992EFF065}"/>
               </a:ext>
             </a:extLst>
           </p:cNvPr>
@@ -3331,7 +3332,7 @@
           <p:cNvPr id="4" name="圖片 3">
             <a:extLst>
               <a:ext uri="{FF2B5EF4-FFF2-40B4-BE49-F238E27FC236}">
-                <a16:creationId xmlns:a16="http://schemas.microsoft.com/office/drawing/2014/main" id="{4FA5B047-4B7F-47C6-9CE1-B2A3F41B020B}"/>
+                <a16:creationId xmlns:a16="http://schemas.microsoft.com/office/drawing/2014/main" xmlns="" id="{4FA5B047-4B7F-47C6-9CE1-B2A3F41B020B}"/>
               </a:ext>
             </a:extLst>
           </p:cNvPr>
@@ -3361,7 +3362,7 @@
           <p:cNvPr id="5" name="矩形 4">
             <a:extLst>
               <a:ext uri="{FF2B5EF4-FFF2-40B4-BE49-F238E27FC236}">
-                <a16:creationId xmlns:a16="http://schemas.microsoft.com/office/drawing/2014/main" id="{A099EFAB-F3C9-4304-A7BD-31D67A14252A}"/>
+                <a16:creationId xmlns:a16="http://schemas.microsoft.com/office/drawing/2014/main" xmlns="" id="{A099EFAB-F3C9-4304-A7BD-31D67A14252A}"/>
               </a:ext>
             </a:extLst>
           </p:cNvPr>
@@ -3413,7 +3414,7 @@
           <p:cNvPr id="6" name="語音泡泡: 圓角矩形 5">
             <a:extLst>
               <a:ext uri="{FF2B5EF4-FFF2-40B4-BE49-F238E27FC236}">
-                <a16:creationId xmlns:a16="http://schemas.microsoft.com/office/drawing/2014/main" id="{3651C266-FAE0-4C25-9A88-C9F904D9923C}"/>
+                <a16:creationId xmlns:a16="http://schemas.microsoft.com/office/drawing/2014/main" xmlns="" id="{3651C266-FAE0-4C25-9A88-C9F904D9923C}"/>
               </a:ext>
             </a:extLst>
           </p:cNvPr>
@@ -3551,7 +3552,7 @@
           <p:cNvPr id="6" name="圖片 5">
             <a:extLst>
               <a:ext uri="{FF2B5EF4-FFF2-40B4-BE49-F238E27FC236}">
-                <a16:creationId xmlns:a16="http://schemas.microsoft.com/office/drawing/2014/main" id="{3D2AD7E2-E957-4DB7-B9AD-96CC48379E46}"/>
+                <a16:creationId xmlns:a16="http://schemas.microsoft.com/office/drawing/2014/main" xmlns="" id="{3D2AD7E2-E957-4DB7-B9AD-96CC48379E46}"/>
               </a:ext>
             </a:extLst>
           </p:cNvPr>
@@ -3581,7 +3582,7 @@
           <p:cNvPr id="5" name="語音泡泡: 圓角矩形 4">
             <a:extLst>
               <a:ext uri="{FF2B5EF4-FFF2-40B4-BE49-F238E27FC236}">
-                <a16:creationId xmlns:a16="http://schemas.microsoft.com/office/drawing/2014/main" id="{F2ED1D7E-7D1C-4A56-9353-26E2C7E209EB}"/>
+                <a16:creationId xmlns:a16="http://schemas.microsoft.com/office/drawing/2014/main" xmlns="" id="{F2ED1D7E-7D1C-4A56-9353-26E2C7E209EB}"/>
               </a:ext>
             </a:extLst>
           </p:cNvPr>
@@ -3660,7 +3661,7 @@
           <p:cNvPr id="7" name="語音泡泡: 圓角矩形 6">
             <a:extLst>
               <a:ext uri="{FF2B5EF4-FFF2-40B4-BE49-F238E27FC236}">
-                <a16:creationId xmlns:a16="http://schemas.microsoft.com/office/drawing/2014/main" id="{E1486E0C-4024-47AF-A99B-32C763660AF4}"/>
+                <a16:creationId xmlns:a16="http://schemas.microsoft.com/office/drawing/2014/main" xmlns="" id="{E1486E0C-4024-47AF-A99B-32C763660AF4}"/>
               </a:ext>
             </a:extLst>
           </p:cNvPr>
@@ -3759,6 +3760,470 @@
     <p:extLst>
       <p:ext uri="{BB962C8B-B14F-4D97-AF65-F5344CB8AC3E}">
         <p14:creationId xmlns:p14="http://schemas.microsoft.com/office/powerpoint/2010/main" val="2890069990"/>
+      </p:ext>
+    </p:extLst>
+  </p:cSld>
+  <p:clrMapOvr>
+    <a:masterClrMapping/>
+  </p:clrMapOvr>
+</p:sld>
+</file>
+
+<file path=ppt/slides/slide3.xml><?xml version="1.0" encoding="utf-8"?>
+<p:sld xmlns:a="http://schemas.openxmlformats.org/drawingml/2006/main" xmlns:r="http://schemas.openxmlformats.org/officeDocument/2006/relationships" xmlns:p="http://schemas.openxmlformats.org/presentationml/2006/main">
+  <p:cSld>
+    <p:spTree>
+      <p:nvGrpSpPr>
+        <p:cNvPr id="1" name=""/>
+        <p:cNvGrpSpPr/>
+        <p:nvPr/>
+      </p:nvGrpSpPr>
+      <p:grpSpPr>
+        <a:xfrm>
+          <a:off x="0" y="0"/>
+          <a:ext cx="0" cy="0"/>
+          <a:chOff x="0" y="0"/>
+          <a:chExt cx="0" cy="0"/>
+        </a:xfrm>
+      </p:grpSpPr>
+      <p:pic>
+        <p:nvPicPr>
+          <p:cNvPr id="4" name="Picture 2"/>
+          <p:cNvPicPr>
+            <a:picLocks noChangeAspect="1" noChangeArrowheads="1"/>
+          </p:cNvPicPr>
+          <p:nvPr/>
+        </p:nvPicPr>
+        <p:blipFill>
+          <a:blip r:embed="rId2">
+            <a:extLst>
+              <a:ext uri="{28A0092B-C50C-407E-A947-70E740481C1C}">
+                <a14:useLocalDpi xmlns:a14="http://schemas.microsoft.com/office/drawing/2010/main" val="0"/>
+              </a:ext>
+            </a:extLst>
+          </a:blip>
+          <a:srcRect/>
+          <a:stretch>
+            <a:fillRect/>
+          </a:stretch>
+        </p:blipFill>
+        <p:spPr bwMode="auto">
+          <a:xfrm>
+            <a:off x="595672" y="1352191"/>
+            <a:ext cx="7153275" cy="3429000"/>
+          </a:xfrm>
+          <a:prstGeom prst="rect">
+            <a:avLst/>
+          </a:prstGeom>
+          <a:noFill/>
+          <a:ln>
+            <a:noFill/>
+          </a:ln>
+          <a:extLst>
+            <a:ext uri="{909E8E84-426E-40DD-AFC4-6F175D3DCCD1}">
+              <a14:hiddenFill xmlns:a14="http://schemas.microsoft.com/office/drawing/2010/main">
+                <a:solidFill>
+                  <a:schemeClr val="accent1"/>
+                </a:solidFill>
+              </a14:hiddenFill>
+            </a:ext>
+            <a:ext uri="{91240B29-F687-4F45-9708-019B960494DF}">
+              <a14:hiddenLine xmlns:a14="http://schemas.microsoft.com/office/drawing/2010/main" w="9525">
+                <a:solidFill>
+                  <a:schemeClr val="tx1"/>
+                </a:solidFill>
+                <a:miter lim="800000"/>
+                <a:headEnd/>
+                <a:tailEnd/>
+              </a14:hiddenLine>
+            </a:ext>
+          </a:extLst>
+        </p:spPr>
+      </p:pic>
+      <p:sp>
+        <p:nvSpPr>
+          <p:cNvPr id="5" name="語音泡泡: 圓角矩形 6">
+            <a:extLst>
+              <a:ext uri="{FF2B5EF4-FFF2-40B4-BE49-F238E27FC236}">
+                <a16:creationId xmlns:a16="http://schemas.microsoft.com/office/drawing/2014/main" xmlns="" id="{E1486E0C-4024-47AF-A99B-32C763660AF4}"/>
+              </a:ext>
+            </a:extLst>
+          </p:cNvPr>
+          <p:cNvSpPr/>
+          <p:nvPr/>
+        </p:nvSpPr>
+        <p:spPr>
+          <a:xfrm>
+            <a:off x="7748947" y="1981805"/>
+            <a:ext cx="3560283" cy="869225"/>
+          </a:xfrm>
+          <a:prstGeom prst="wedgeRoundRectCallout">
+            <a:avLst>
+              <a:gd name="adj1" fmla="val -58947"/>
+              <a:gd name="adj2" fmla="val 5351"/>
+              <a:gd name="adj3" fmla="val 16667"/>
+            </a:avLst>
+          </a:prstGeom>
+          <a:solidFill>
+            <a:schemeClr val="accent4">
+              <a:lumMod val="60000"/>
+              <a:lumOff val="40000"/>
+            </a:schemeClr>
+          </a:solidFill>
+          <a:ln>
+            <a:solidFill>
+              <a:schemeClr val="accent2">
+                <a:lumMod val="60000"/>
+                <a:lumOff val="40000"/>
+              </a:schemeClr>
+            </a:solidFill>
+          </a:ln>
+        </p:spPr>
+        <p:style>
+          <a:lnRef idx="2">
+            <a:schemeClr val="accent1">
+              <a:shade val="50000"/>
+            </a:schemeClr>
+          </a:lnRef>
+          <a:fillRef idx="1">
+            <a:schemeClr val="accent1"/>
+          </a:fillRef>
+          <a:effectRef idx="0">
+            <a:schemeClr val="accent1"/>
+          </a:effectRef>
+          <a:fontRef idx="minor">
+            <a:schemeClr val="lt1"/>
+          </a:fontRef>
+        </p:style>
+        <p:txBody>
+          <a:bodyPr rtlCol="0" anchor="ctr"/>
+          <a:lstStyle/>
+          <a:p>
+            <a:pPr algn="ctr"/>
+            <a:r>
+              <a:rPr lang="zh-TW" altLang="en-US" dirty="0" smtClean="0">
+                <a:solidFill>
+                  <a:schemeClr val="tx1"/>
+                </a:solidFill>
+                <a:latin typeface="微軟正黑體" panose="020B0604030504040204" pitchFamily="34" charset="-120"/>
+                <a:ea typeface="微軟正黑體" panose="020B0604030504040204" pitchFamily="34" charset="-120"/>
+              </a:rPr>
+              <a:t>找到</a:t>
+            </a:r>
+            <a:r>
+              <a:rPr lang="en-US" altLang="zh-TW" dirty="0" err="1" smtClean="0">
+                <a:solidFill>
+                  <a:schemeClr val="tx1"/>
+                </a:solidFill>
+                <a:latin typeface="微軟正黑體" panose="020B0604030504040204" pitchFamily="34" charset="-120"/>
+                <a:ea typeface="微軟正黑體" panose="020B0604030504040204" pitchFamily="34" charset="-120"/>
+              </a:rPr>
+              <a:t>teamid</a:t>
+            </a:r>
+            <a:r>
+              <a:rPr lang="zh-TW" altLang="en-US" dirty="0">
+                <a:solidFill>
+                  <a:schemeClr val="tx1"/>
+                </a:solidFill>
+                <a:latin typeface="微軟正黑體" panose="020B0604030504040204" pitchFamily="34" charset="-120"/>
+                <a:ea typeface="微軟正黑體" panose="020B0604030504040204" pitchFamily="34" charset="-120"/>
+              </a:rPr>
+              <a:t>裡面</a:t>
+            </a:r>
+            <a:r>
+              <a:rPr lang="zh-TW" altLang="en-US" dirty="0" smtClean="0">
+                <a:solidFill>
+                  <a:schemeClr val="tx1"/>
+                </a:solidFill>
+                <a:latin typeface="微軟正黑體" panose="020B0604030504040204" pitchFamily="34" charset="-120"/>
+                <a:ea typeface="微軟正黑體" panose="020B0604030504040204" pitchFamily="34" charset="-120"/>
+              </a:rPr>
+              <a:t>的</a:t>
+            </a:r>
+            <a:r>
+              <a:rPr lang="zh-TW" altLang="en-US" dirty="0">
+                <a:solidFill>
+                  <a:schemeClr val="tx1"/>
+                </a:solidFill>
+                <a:latin typeface="微軟正黑體" panose="020B0604030504040204" pitchFamily="34" charset="-120"/>
+                <a:ea typeface="微軟正黑體" panose="020B0604030504040204" pitchFamily="34" charset="-120"/>
+              </a:rPr>
+              <a:t>所有</a:t>
+            </a:r>
+            <a:r>
+              <a:rPr lang="en-US" altLang="zh-TW" dirty="0" smtClean="0">
+                <a:solidFill>
+                  <a:schemeClr val="tx1"/>
+                </a:solidFill>
+                <a:latin typeface="微軟正黑體" panose="020B0604030504040204" pitchFamily="34" charset="-120"/>
+                <a:ea typeface="微軟正黑體" panose="020B0604030504040204" pitchFamily="34" charset="-120"/>
+              </a:rPr>
+              <a:t>gamer</a:t>
+            </a:r>
+            <a:endParaRPr lang="en-US" altLang="zh-TW" dirty="0">
+              <a:solidFill>
+                <a:schemeClr val="tx1"/>
+              </a:solidFill>
+              <a:latin typeface="微軟正黑體" panose="020B0604030504040204" pitchFamily="34" charset="-120"/>
+              <a:ea typeface="微軟正黑體" panose="020B0604030504040204" pitchFamily="34" charset="-120"/>
+            </a:endParaRPr>
+          </a:p>
+        </p:txBody>
+      </p:sp>
+      <p:sp>
+        <p:nvSpPr>
+          <p:cNvPr id="6" name="語音泡泡: 圓角矩形 6">
+            <a:extLst>
+              <a:ext uri="{FF2B5EF4-FFF2-40B4-BE49-F238E27FC236}">
+                <a16:creationId xmlns:a16="http://schemas.microsoft.com/office/drawing/2014/main" xmlns="" id="{E1486E0C-4024-47AF-A99B-32C763660AF4}"/>
+              </a:ext>
+            </a:extLst>
+          </p:cNvPr>
+          <p:cNvSpPr/>
+          <p:nvPr/>
+        </p:nvSpPr>
+        <p:spPr>
+          <a:xfrm>
+            <a:off x="2906653" y="2568816"/>
+            <a:ext cx="2295075" cy="434613"/>
+          </a:xfrm>
+          <a:prstGeom prst="wedgeRoundRectCallout">
+            <a:avLst>
+              <a:gd name="adj1" fmla="val -59976"/>
+              <a:gd name="adj2" fmla="val -26407"/>
+              <a:gd name="adj3" fmla="val 16667"/>
+            </a:avLst>
+          </a:prstGeom>
+          <a:solidFill>
+            <a:schemeClr val="accent4">
+              <a:lumMod val="60000"/>
+              <a:lumOff val="40000"/>
+            </a:schemeClr>
+          </a:solidFill>
+          <a:ln>
+            <a:solidFill>
+              <a:schemeClr val="accent2">
+                <a:lumMod val="60000"/>
+                <a:lumOff val="40000"/>
+              </a:schemeClr>
+            </a:solidFill>
+          </a:ln>
+        </p:spPr>
+        <p:style>
+          <a:lnRef idx="2">
+            <a:schemeClr val="accent1">
+              <a:shade val="50000"/>
+            </a:schemeClr>
+          </a:lnRef>
+          <a:fillRef idx="1">
+            <a:schemeClr val="accent1"/>
+          </a:fillRef>
+          <a:effectRef idx="0">
+            <a:schemeClr val="accent1"/>
+          </a:effectRef>
+          <a:fontRef idx="minor">
+            <a:schemeClr val="lt1"/>
+          </a:fontRef>
+        </p:style>
+        <p:txBody>
+          <a:bodyPr rtlCol="0" anchor="ctr"/>
+          <a:lstStyle/>
+          <a:p>
+            <a:pPr algn="ctr"/>
+            <a:r>
+              <a:rPr lang="zh-TW" altLang="en-US" dirty="0" smtClean="0">
+                <a:solidFill>
+                  <a:schemeClr val="tx1"/>
+                </a:solidFill>
+                <a:latin typeface="微軟正黑體" panose="020B0604030504040204" pitchFamily="34" charset="-120"/>
+                <a:ea typeface="微軟正黑體" panose="020B0604030504040204" pitchFamily="34" charset="-120"/>
+              </a:rPr>
+              <a:t>找到後再丟會</a:t>
+            </a:r>
+            <a:r>
+              <a:rPr lang="en-US" altLang="zh-TW" dirty="0" smtClean="0">
+                <a:solidFill>
+                  <a:schemeClr val="tx1"/>
+                </a:solidFill>
+                <a:latin typeface="微軟正黑體" panose="020B0604030504040204" pitchFamily="34" charset="-120"/>
+                <a:ea typeface="微軟正黑體" panose="020B0604030504040204" pitchFamily="34" charset="-120"/>
+              </a:rPr>
+              <a:t>index</a:t>
+            </a:r>
+            <a:endParaRPr lang="en-US" altLang="zh-TW" dirty="0">
+              <a:solidFill>
+                <a:schemeClr val="tx1"/>
+              </a:solidFill>
+              <a:latin typeface="微軟正黑體" panose="020B0604030504040204" pitchFamily="34" charset="-120"/>
+              <a:ea typeface="微軟正黑體" panose="020B0604030504040204" pitchFamily="34" charset="-120"/>
+            </a:endParaRPr>
+          </a:p>
+        </p:txBody>
+      </p:sp>
+      <p:sp>
+        <p:nvSpPr>
+          <p:cNvPr id="7" name="語音泡泡: 圓角矩形 6">
+            <a:extLst>
+              <a:ext uri="{FF2B5EF4-FFF2-40B4-BE49-F238E27FC236}">
+                <a16:creationId xmlns:a16="http://schemas.microsoft.com/office/drawing/2014/main" xmlns="" id="{E1486E0C-4024-47AF-A99B-32C763660AF4}"/>
+              </a:ext>
+            </a:extLst>
+          </p:cNvPr>
+          <p:cNvSpPr/>
+          <p:nvPr/>
+        </p:nvSpPr>
+        <p:spPr>
+          <a:xfrm>
+            <a:off x="2428111" y="989069"/>
+            <a:ext cx="3488395" cy="726244"/>
+          </a:xfrm>
+          <a:prstGeom prst="wedgeRoundRectCallout">
+            <a:avLst>
+              <a:gd name="adj1" fmla="val -34793"/>
+              <a:gd name="adj2" fmla="val 136350"/>
+              <a:gd name="adj3" fmla="val 16667"/>
+            </a:avLst>
+          </a:prstGeom>
+          <a:solidFill>
+            <a:schemeClr val="accent4">
+              <a:lumMod val="60000"/>
+              <a:lumOff val="40000"/>
+            </a:schemeClr>
+          </a:solidFill>
+          <a:ln>
+            <a:solidFill>
+              <a:schemeClr val="accent2">
+                <a:lumMod val="60000"/>
+                <a:lumOff val="40000"/>
+              </a:schemeClr>
+            </a:solidFill>
+          </a:ln>
+        </p:spPr>
+        <p:style>
+          <a:lnRef idx="2">
+            <a:schemeClr val="accent1">
+              <a:shade val="50000"/>
+            </a:schemeClr>
+          </a:lnRef>
+          <a:fillRef idx="1">
+            <a:schemeClr val="accent1"/>
+          </a:fillRef>
+          <a:effectRef idx="0">
+            <a:schemeClr val="accent1"/>
+          </a:effectRef>
+          <a:fontRef idx="minor">
+            <a:schemeClr val="lt1"/>
+          </a:fontRef>
+        </p:style>
+        <p:txBody>
+          <a:bodyPr rtlCol="0" anchor="ctr"/>
+          <a:lstStyle/>
+          <a:p>
+            <a:pPr algn="ctr"/>
+            <a:r>
+              <a:rPr lang="zh-TW" altLang="en-US" dirty="0" smtClean="0">
+                <a:solidFill>
+                  <a:schemeClr val="tx1"/>
+                </a:solidFill>
+                <a:latin typeface="微軟正黑體" panose="020B0604030504040204" pitchFamily="34" charset="-120"/>
+                <a:ea typeface="微軟正黑體" panose="020B0604030504040204" pitchFamily="34" charset="-120"/>
+              </a:rPr>
+              <a:t>用</a:t>
+            </a:r>
+            <a:r>
+              <a:rPr lang="en-US" altLang="zh-TW" dirty="0" smtClean="0">
+                <a:solidFill>
+                  <a:schemeClr val="tx1"/>
+                </a:solidFill>
+                <a:latin typeface="微軟正黑體" panose="020B0604030504040204" pitchFamily="34" charset="-120"/>
+                <a:ea typeface="微軟正黑體" panose="020B0604030504040204" pitchFamily="34" charset="-120"/>
+              </a:rPr>
+              <a:t>DB</a:t>
+            </a:r>
+            <a:r>
+              <a:rPr lang="zh-TW" altLang="en-US" dirty="0" smtClean="0">
+                <a:solidFill>
+                  <a:schemeClr val="tx1"/>
+                </a:solidFill>
+                <a:latin typeface="微軟正黑體" panose="020B0604030504040204" pitchFamily="34" charset="-120"/>
+                <a:ea typeface="微軟正黑體" panose="020B0604030504040204" pitchFamily="34" charset="-120"/>
+              </a:rPr>
+              <a:t>搜尋後 再用</a:t>
+            </a:r>
+            <a:r>
+              <a:rPr lang="en-US" altLang="zh-TW" dirty="0" smtClean="0">
+                <a:solidFill>
+                  <a:schemeClr val="tx1"/>
+                </a:solidFill>
+                <a:latin typeface="微軟正黑體" panose="020B0604030504040204" pitchFamily="34" charset="-120"/>
+                <a:ea typeface="微軟正黑體" panose="020B0604030504040204" pitchFamily="34" charset="-120"/>
+              </a:rPr>
+              <a:t>where</a:t>
+            </a:r>
+            <a:r>
+              <a:rPr lang="zh-TW" altLang="en-US" dirty="0" smtClean="0">
+                <a:solidFill>
+                  <a:schemeClr val="tx1"/>
+                </a:solidFill>
+                <a:latin typeface="微軟正黑體" panose="020B0604030504040204" pitchFamily="34" charset="-120"/>
+                <a:ea typeface="微軟正黑體" panose="020B0604030504040204" pitchFamily="34" charset="-120"/>
+              </a:rPr>
+              <a:t>的方式找出</a:t>
+            </a:r>
+            <a:r>
+              <a:rPr lang="en-US" altLang="zh-TW" dirty="0" smtClean="0">
+                <a:solidFill>
+                  <a:schemeClr val="tx1"/>
+                </a:solidFill>
+                <a:latin typeface="微軟正黑體" panose="020B0604030504040204" pitchFamily="34" charset="-120"/>
+                <a:ea typeface="微軟正黑體" panose="020B0604030504040204" pitchFamily="34" charset="-120"/>
+              </a:rPr>
+              <a:t>gamer  </a:t>
+            </a:r>
+            <a:r>
+              <a:rPr lang="zh-TW" altLang="en-US" dirty="0" smtClean="0">
+                <a:solidFill>
+                  <a:schemeClr val="tx1"/>
+                </a:solidFill>
+                <a:latin typeface="微軟正黑體" panose="020B0604030504040204" pitchFamily="34" charset="-120"/>
+                <a:ea typeface="微軟正黑體" panose="020B0604030504040204" pitchFamily="34" charset="-120"/>
+              </a:rPr>
+              <a:t>後丟到</a:t>
+            </a:r>
+            <a:r>
+              <a:rPr lang="en-US" altLang="zh-TW" dirty="0" smtClean="0">
+                <a:solidFill>
+                  <a:schemeClr val="tx1"/>
+                </a:solidFill>
+                <a:latin typeface="微軟正黑體" panose="020B0604030504040204" pitchFamily="34" charset="-120"/>
+                <a:ea typeface="微軟正黑體" panose="020B0604030504040204" pitchFamily="34" charset="-120"/>
+              </a:rPr>
+              <a:t>games</a:t>
+            </a:r>
+            <a:r>
+              <a:rPr lang="zh-TW" altLang="en-US" dirty="0" smtClean="0">
+                <a:solidFill>
+                  <a:schemeClr val="tx1"/>
+                </a:solidFill>
+                <a:latin typeface="微軟正黑體" panose="020B0604030504040204" pitchFamily="34" charset="-120"/>
+                <a:ea typeface="微軟正黑體" panose="020B0604030504040204" pitchFamily="34" charset="-120"/>
+              </a:rPr>
+              <a:t> </a:t>
+            </a:r>
+            <a:endParaRPr lang="en-US" altLang="zh-TW" dirty="0">
+              <a:solidFill>
+                <a:schemeClr val="tx1"/>
+              </a:solidFill>
+              <a:latin typeface="微軟正黑體" panose="020B0604030504040204" pitchFamily="34" charset="-120"/>
+              <a:ea typeface="微軟正黑體" panose="020B0604030504040204" pitchFamily="34" charset="-120"/>
+            </a:endParaRPr>
+          </a:p>
+        </p:txBody>
+      </p:sp>
+    </p:spTree>
+    <p:extLst>
+      <p:ext uri="{BB962C8B-B14F-4D97-AF65-F5344CB8AC3E}">
+        <p14:creationId xmlns:p14="http://schemas.microsoft.com/office/powerpoint/2010/main" val="1216077045"/>
       </p:ext>
     </p:extLst>
   </p:cSld>
@@ -4057,7 +4522,7 @@
   <a:extraClrSchemeLst/>
   <a:extLst>
     <a:ext uri="{05A4C25C-085E-4340-85A3-A5531E510DB2}">
-      <thm15:themeFamily xmlns:thm15="http://schemas.microsoft.com/office/thememl/2012/main" name="Office Theme" id="{62F939B6-93AF-4DB8-9C6B-D6C7DFDC589F}" vid="{4A3C46E8-61CC-4603-A589-7422A47A8E4A}"/>
+      <thm15:themeFamily xmlns:thm15="http://schemas.microsoft.com/office/thememl/2012/main" xmlns="" name="Office Theme" id="{62F939B6-93AF-4DB8-9C6B-D6C7DFDC589F}" vid="{4A3C46E8-61CC-4603-A589-7422A47A8E4A}"/>
     </a:ext>
   </a:extLst>
 </a:theme>

--- a/筆記.pptx
+++ b/筆記.pptx
@@ -8,6 +8,15 @@
     <p:sldId id="256" r:id="rId2"/>
     <p:sldId id="257" r:id="rId3"/>
     <p:sldId id="258" r:id="rId4"/>
+    <p:sldId id="260" r:id="rId5"/>
+    <p:sldId id="261" r:id="rId6"/>
+    <p:sldId id="259" r:id="rId7"/>
+    <p:sldId id="263" r:id="rId8"/>
+    <p:sldId id="264" r:id="rId9"/>
+    <p:sldId id="265" r:id="rId10"/>
+    <p:sldId id="266" r:id="rId11"/>
+    <p:sldId id="267" r:id="rId12"/>
+    <p:sldId id="262" r:id="rId13"/>
   </p:sldIdLst>
   <p:sldSz cx="12192000" cy="6858000"/>
   <p:notesSz cx="6858000" cy="9144000"/>
@@ -135,7 +144,7 @@
           <p:cNvPr id="2" name="標題 1">
             <a:extLst>
               <a:ext uri="{FF2B5EF4-FFF2-40B4-BE49-F238E27FC236}">
-                <a16:creationId xmlns:a16="http://schemas.microsoft.com/office/drawing/2014/main" xmlns="" id="{1198393F-506E-42F3-9FA2-C5A7116197F9}"/>
+                <a16:creationId xmlns="" xmlns:a16="http://schemas.microsoft.com/office/drawing/2014/main" id="{1198393F-506E-42F3-9FA2-C5A7116197F9}"/>
               </a:ext>
             </a:extLst>
           </p:cNvPr>
@@ -172,7 +181,7 @@
           <p:cNvPr id="3" name="副標題 2">
             <a:extLst>
               <a:ext uri="{FF2B5EF4-FFF2-40B4-BE49-F238E27FC236}">
-                <a16:creationId xmlns:a16="http://schemas.microsoft.com/office/drawing/2014/main" xmlns="" id="{EEA0432F-353E-42BB-9B17-1D182533D439}"/>
+                <a16:creationId xmlns="" xmlns:a16="http://schemas.microsoft.com/office/drawing/2014/main" id="{EEA0432F-353E-42BB-9B17-1D182533D439}"/>
               </a:ext>
             </a:extLst>
           </p:cNvPr>
@@ -242,7 +251,7 @@
           <p:cNvPr id="4" name="日期版面配置區 3">
             <a:extLst>
               <a:ext uri="{FF2B5EF4-FFF2-40B4-BE49-F238E27FC236}">
-                <a16:creationId xmlns:a16="http://schemas.microsoft.com/office/drawing/2014/main" xmlns="" id="{B4CDE810-493D-4C49-B8ED-9436B09EAE24}"/>
+                <a16:creationId xmlns="" xmlns:a16="http://schemas.microsoft.com/office/drawing/2014/main" id="{B4CDE810-493D-4C49-B8ED-9436B09EAE24}"/>
               </a:ext>
             </a:extLst>
           </p:cNvPr>
@@ -260,7 +269,7 @@
           <a:p>
             <a:fld id="{1983F8DA-040C-4179-8EC3-2597626DD22D}" type="datetimeFigureOut">
               <a:rPr lang="zh-TW" altLang="en-US" smtClean="0"/>
-              <a:t>2018/5/10</a:t>
+              <a:t>2018/5/12</a:t>
             </a:fld>
             <a:endParaRPr lang="zh-TW" altLang="en-US"/>
           </a:p>
@@ -271,7 +280,7 @@
           <p:cNvPr id="5" name="頁尾版面配置區 4">
             <a:extLst>
               <a:ext uri="{FF2B5EF4-FFF2-40B4-BE49-F238E27FC236}">
-                <a16:creationId xmlns:a16="http://schemas.microsoft.com/office/drawing/2014/main" xmlns="" id="{AF2EE26C-5BD5-49B3-AFA9-F3AD51DF851F}"/>
+                <a16:creationId xmlns="" xmlns:a16="http://schemas.microsoft.com/office/drawing/2014/main" id="{AF2EE26C-5BD5-49B3-AFA9-F3AD51DF851F}"/>
               </a:ext>
             </a:extLst>
           </p:cNvPr>
@@ -296,7 +305,7 @@
           <p:cNvPr id="6" name="投影片編號版面配置區 5">
             <a:extLst>
               <a:ext uri="{FF2B5EF4-FFF2-40B4-BE49-F238E27FC236}">
-                <a16:creationId xmlns:a16="http://schemas.microsoft.com/office/drawing/2014/main" xmlns="" id="{8E168F88-A195-4F77-9EB7-45BBA865904A}"/>
+                <a16:creationId xmlns="" xmlns:a16="http://schemas.microsoft.com/office/drawing/2014/main" id="{8E168F88-A195-4F77-9EB7-45BBA865904A}"/>
               </a:ext>
             </a:extLst>
           </p:cNvPr>
@@ -355,7 +364,7 @@
           <p:cNvPr id="2" name="標題 1">
             <a:extLst>
               <a:ext uri="{FF2B5EF4-FFF2-40B4-BE49-F238E27FC236}">
-                <a16:creationId xmlns:a16="http://schemas.microsoft.com/office/drawing/2014/main" xmlns="" id="{8FBAA53A-84EC-4393-9448-9CAE254CA709}"/>
+                <a16:creationId xmlns="" xmlns:a16="http://schemas.microsoft.com/office/drawing/2014/main" id="{8FBAA53A-84EC-4393-9448-9CAE254CA709}"/>
               </a:ext>
             </a:extLst>
           </p:cNvPr>
@@ -383,7 +392,7 @@
           <p:cNvPr id="3" name="直排文字版面配置區 2">
             <a:extLst>
               <a:ext uri="{FF2B5EF4-FFF2-40B4-BE49-F238E27FC236}">
-                <a16:creationId xmlns:a16="http://schemas.microsoft.com/office/drawing/2014/main" xmlns="" id="{AE87E7FC-8712-4D20-BEFC-C406303758C0}"/>
+                <a16:creationId xmlns="" xmlns:a16="http://schemas.microsoft.com/office/drawing/2014/main" id="{AE87E7FC-8712-4D20-BEFC-C406303758C0}"/>
               </a:ext>
             </a:extLst>
           </p:cNvPr>
@@ -440,7 +449,7 @@
           <p:cNvPr id="4" name="日期版面配置區 3">
             <a:extLst>
               <a:ext uri="{FF2B5EF4-FFF2-40B4-BE49-F238E27FC236}">
-                <a16:creationId xmlns:a16="http://schemas.microsoft.com/office/drawing/2014/main" xmlns="" id="{B587C640-CE34-4DCB-A779-FECBEAE9BA40}"/>
+                <a16:creationId xmlns="" xmlns:a16="http://schemas.microsoft.com/office/drawing/2014/main" id="{B587C640-CE34-4DCB-A779-FECBEAE9BA40}"/>
               </a:ext>
             </a:extLst>
           </p:cNvPr>
@@ -458,7 +467,7 @@
           <a:p>
             <a:fld id="{1983F8DA-040C-4179-8EC3-2597626DD22D}" type="datetimeFigureOut">
               <a:rPr lang="zh-TW" altLang="en-US" smtClean="0"/>
-              <a:t>2018/5/10</a:t>
+              <a:t>2018/5/12</a:t>
             </a:fld>
             <a:endParaRPr lang="zh-TW" altLang="en-US"/>
           </a:p>
@@ -469,7 +478,7 @@
           <p:cNvPr id="5" name="頁尾版面配置區 4">
             <a:extLst>
               <a:ext uri="{FF2B5EF4-FFF2-40B4-BE49-F238E27FC236}">
-                <a16:creationId xmlns:a16="http://schemas.microsoft.com/office/drawing/2014/main" xmlns="" id="{3A88C654-BC98-4205-83C0-BE29BA5200CC}"/>
+                <a16:creationId xmlns="" xmlns:a16="http://schemas.microsoft.com/office/drawing/2014/main" id="{3A88C654-BC98-4205-83C0-BE29BA5200CC}"/>
               </a:ext>
             </a:extLst>
           </p:cNvPr>
@@ -494,7 +503,7 @@
           <p:cNvPr id="6" name="投影片編號版面配置區 5">
             <a:extLst>
               <a:ext uri="{FF2B5EF4-FFF2-40B4-BE49-F238E27FC236}">
-                <a16:creationId xmlns:a16="http://schemas.microsoft.com/office/drawing/2014/main" xmlns="" id="{9324F803-7C42-4F87-9C7E-B76C231F75D8}"/>
+                <a16:creationId xmlns="" xmlns:a16="http://schemas.microsoft.com/office/drawing/2014/main" id="{9324F803-7C42-4F87-9C7E-B76C231F75D8}"/>
               </a:ext>
             </a:extLst>
           </p:cNvPr>
@@ -553,7 +562,7 @@
           <p:cNvPr id="2" name="直排標題 1">
             <a:extLst>
               <a:ext uri="{FF2B5EF4-FFF2-40B4-BE49-F238E27FC236}">
-                <a16:creationId xmlns:a16="http://schemas.microsoft.com/office/drawing/2014/main" xmlns="" id="{9BAC39AB-F732-4CC0-B422-B26720BFCF3B}"/>
+                <a16:creationId xmlns="" xmlns:a16="http://schemas.microsoft.com/office/drawing/2014/main" id="{9BAC39AB-F732-4CC0-B422-B26720BFCF3B}"/>
               </a:ext>
             </a:extLst>
           </p:cNvPr>
@@ -586,7 +595,7 @@
           <p:cNvPr id="3" name="直排文字版面配置區 2">
             <a:extLst>
               <a:ext uri="{FF2B5EF4-FFF2-40B4-BE49-F238E27FC236}">
-                <a16:creationId xmlns:a16="http://schemas.microsoft.com/office/drawing/2014/main" xmlns="" id="{FBC3752A-000A-4A33-B236-B8F23F6605B3}"/>
+                <a16:creationId xmlns="" xmlns:a16="http://schemas.microsoft.com/office/drawing/2014/main" id="{FBC3752A-000A-4A33-B236-B8F23F6605B3}"/>
               </a:ext>
             </a:extLst>
           </p:cNvPr>
@@ -648,7 +657,7 @@
           <p:cNvPr id="4" name="日期版面配置區 3">
             <a:extLst>
               <a:ext uri="{FF2B5EF4-FFF2-40B4-BE49-F238E27FC236}">
-                <a16:creationId xmlns:a16="http://schemas.microsoft.com/office/drawing/2014/main" xmlns="" id="{601FE94D-9366-4936-84EE-5985F9DEC92E}"/>
+                <a16:creationId xmlns="" xmlns:a16="http://schemas.microsoft.com/office/drawing/2014/main" id="{601FE94D-9366-4936-84EE-5985F9DEC92E}"/>
               </a:ext>
             </a:extLst>
           </p:cNvPr>
@@ -666,7 +675,7 @@
           <a:p>
             <a:fld id="{1983F8DA-040C-4179-8EC3-2597626DD22D}" type="datetimeFigureOut">
               <a:rPr lang="zh-TW" altLang="en-US" smtClean="0"/>
-              <a:t>2018/5/10</a:t>
+              <a:t>2018/5/12</a:t>
             </a:fld>
             <a:endParaRPr lang="zh-TW" altLang="en-US"/>
           </a:p>
@@ -677,7 +686,7 @@
           <p:cNvPr id="5" name="頁尾版面配置區 4">
             <a:extLst>
               <a:ext uri="{FF2B5EF4-FFF2-40B4-BE49-F238E27FC236}">
-                <a16:creationId xmlns:a16="http://schemas.microsoft.com/office/drawing/2014/main" xmlns="" id="{AFE29EB2-FAEB-4546-98D7-92EED2E8B0DB}"/>
+                <a16:creationId xmlns="" xmlns:a16="http://schemas.microsoft.com/office/drawing/2014/main" id="{AFE29EB2-FAEB-4546-98D7-92EED2E8B0DB}"/>
               </a:ext>
             </a:extLst>
           </p:cNvPr>
@@ -702,7 +711,7 @@
           <p:cNvPr id="6" name="投影片編號版面配置區 5">
             <a:extLst>
               <a:ext uri="{FF2B5EF4-FFF2-40B4-BE49-F238E27FC236}">
-                <a16:creationId xmlns:a16="http://schemas.microsoft.com/office/drawing/2014/main" xmlns="" id="{622F40B8-7D29-4D01-9DBE-D704BBD2C699}"/>
+                <a16:creationId xmlns="" xmlns:a16="http://schemas.microsoft.com/office/drawing/2014/main" id="{622F40B8-7D29-4D01-9DBE-D704BBD2C699}"/>
               </a:ext>
             </a:extLst>
           </p:cNvPr>
@@ -761,7 +770,7 @@
           <p:cNvPr id="2" name="標題 1">
             <a:extLst>
               <a:ext uri="{FF2B5EF4-FFF2-40B4-BE49-F238E27FC236}">
-                <a16:creationId xmlns:a16="http://schemas.microsoft.com/office/drawing/2014/main" xmlns="" id="{1A3F3828-BD0A-4B81-A984-81DFE4E59A58}"/>
+                <a16:creationId xmlns="" xmlns:a16="http://schemas.microsoft.com/office/drawing/2014/main" id="{1A3F3828-BD0A-4B81-A984-81DFE4E59A58}"/>
               </a:ext>
             </a:extLst>
           </p:cNvPr>
@@ -789,7 +798,7 @@
           <p:cNvPr id="3" name="內容版面配置區 2">
             <a:extLst>
               <a:ext uri="{FF2B5EF4-FFF2-40B4-BE49-F238E27FC236}">
-                <a16:creationId xmlns:a16="http://schemas.microsoft.com/office/drawing/2014/main" xmlns="" id="{0EC8A2A9-2912-4BFA-BCDF-32962C0BB2A3}"/>
+                <a16:creationId xmlns="" xmlns:a16="http://schemas.microsoft.com/office/drawing/2014/main" id="{0EC8A2A9-2912-4BFA-BCDF-32962C0BB2A3}"/>
               </a:ext>
             </a:extLst>
           </p:cNvPr>
@@ -846,7 +855,7 @@
           <p:cNvPr id="4" name="日期版面配置區 3">
             <a:extLst>
               <a:ext uri="{FF2B5EF4-FFF2-40B4-BE49-F238E27FC236}">
-                <a16:creationId xmlns:a16="http://schemas.microsoft.com/office/drawing/2014/main" xmlns="" id="{9B3D757A-635C-497E-9BA1-32A5E7FCE7F6}"/>
+                <a16:creationId xmlns="" xmlns:a16="http://schemas.microsoft.com/office/drawing/2014/main" id="{9B3D757A-635C-497E-9BA1-32A5E7FCE7F6}"/>
               </a:ext>
             </a:extLst>
           </p:cNvPr>
@@ -864,7 +873,7 @@
           <a:p>
             <a:fld id="{1983F8DA-040C-4179-8EC3-2597626DD22D}" type="datetimeFigureOut">
               <a:rPr lang="zh-TW" altLang="en-US" smtClean="0"/>
-              <a:t>2018/5/10</a:t>
+              <a:t>2018/5/12</a:t>
             </a:fld>
             <a:endParaRPr lang="zh-TW" altLang="en-US"/>
           </a:p>
@@ -875,7 +884,7 @@
           <p:cNvPr id="5" name="頁尾版面配置區 4">
             <a:extLst>
               <a:ext uri="{FF2B5EF4-FFF2-40B4-BE49-F238E27FC236}">
-                <a16:creationId xmlns:a16="http://schemas.microsoft.com/office/drawing/2014/main" xmlns="" id="{1F5A3E80-D4D4-44B5-8BBD-0365A50F04B9}"/>
+                <a16:creationId xmlns="" xmlns:a16="http://schemas.microsoft.com/office/drawing/2014/main" id="{1F5A3E80-D4D4-44B5-8BBD-0365A50F04B9}"/>
               </a:ext>
             </a:extLst>
           </p:cNvPr>
@@ -900,7 +909,7 @@
           <p:cNvPr id="6" name="投影片編號版面配置區 5">
             <a:extLst>
               <a:ext uri="{FF2B5EF4-FFF2-40B4-BE49-F238E27FC236}">
-                <a16:creationId xmlns:a16="http://schemas.microsoft.com/office/drawing/2014/main" xmlns="" id="{2AC6233F-BFA6-42D3-8283-2F071C9CAF2D}"/>
+                <a16:creationId xmlns="" xmlns:a16="http://schemas.microsoft.com/office/drawing/2014/main" id="{2AC6233F-BFA6-42D3-8283-2F071C9CAF2D}"/>
               </a:ext>
             </a:extLst>
           </p:cNvPr>
@@ -959,7 +968,7 @@
           <p:cNvPr id="2" name="標題 1">
             <a:extLst>
               <a:ext uri="{FF2B5EF4-FFF2-40B4-BE49-F238E27FC236}">
-                <a16:creationId xmlns:a16="http://schemas.microsoft.com/office/drawing/2014/main" xmlns="" id="{693186E9-1AB3-46F6-91DF-3B08ED2ACD00}"/>
+                <a16:creationId xmlns="" xmlns:a16="http://schemas.microsoft.com/office/drawing/2014/main" id="{693186E9-1AB3-46F6-91DF-3B08ED2ACD00}"/>
               </a:ext>
             </a:extLst>
           </p:cNvPr>
@@ -996,7 +1005,7 @@
           <p:cNvPr id="3" name="文字版面配置區 2">
             <a:extLst>
               <a:ext uri="{FF2B5EF4-FFF2-40B4-BE49-F238E27FC236}">
-                <a16:creationId xmlns:a16="http://schemas.microsoft.com/office/drawing/2014/main" xmlns="" id="{0D1B0F2E-115D-4029-BEC4-14D342BEF1B6}"/>
+                <a16:creationId xmlns="" xmlns:a16="http://schemas.microsoft.com/office/drawing/2014/main" id="{0D1B0F2E-115D-4029-BEC4-14D342BEF1B6}"/>
               </a:ext>
             </a:extLst>
           </p:cNvPr>
@@ -1121,7 +1130,7 @@
           <p:cNvPr id="4" name="日期版面配置區 3">
             <a:extLst>
               <a:ext uri="{FF2B5EF4-FFF2-40B4-BE49-F238E27FC236}">
-                <a16:creationId xmlns:a16="http://schemas.microsoft.com/office/drawing/2014/main" xmlns="" id="{53C6FD83-AA37-48FE-89EF-284F407D699D}"/>
+                <a16:creationId xmlns="" xmlns:a16="http://schemas.microsoft.com/office/drawing/2014/main" id="{53C6FD83-AA37-48FE-89EF-284F407D699D}"/>
               </a:ext>
             </a:extLst>
           </p:cNvPr>
@@ -1139,7 +1148,7 @@
           <a:p>
             <a:fld id="{1983F8DA-040C-4179-8EC3-2597626DD22D}" type="datetimeFigureOut">
               <a:rPr lang="zh-TW" altLang="en-US" smtClean="0"/>
-              <a:t>2018/5/10</a:t>
+              <a:t>2018/5/12</a:t>
             </a:fld>
             <a:endParaRPr lang="zh-TW" altLang="en-US"/>
           </a:p>
@@ -1150,7 +1159,7 @@
           <p:cNvPr id="5" name="頁尾版面配置區 4">
             <a:extLst>
               <a:ext uri="{FF2B5EF4-FFF2-40B4-BE49-F238E27FC236}">
-                <a16:creationId xmlns:a16="http://schemas.microsoft.com/office/drawing/2014/main" xmlns="" id="{0A45A3BE-CDD8-4584-A65F-0CCEFC3FC53D}"/>
+                <a16:creationId xmlns="" xmlns:a16="http://schemas.microsoft.com/office/drawing/2014/main" id="{0A45A3BE-CDD8-4584-A65F-0CCEFC3FC53D}"/>
               </a:ext>
             </a:extLst>
           </p:cNvPr>
@@ -1175,7 +1184,7 @@
           <p:cNvPr id="6" name="投影片編號版面配置區 5">
             <a:extLst>
               <a:ext uri="{FF2B5EF4-FFF2-40B4-BE49-F238E27FC236}">
-                <a16:creationId xmlns:a16="http://schemas.microsoft.com/office/drawing/2014/main" xmlns="" id="{D03CAF72-F7A0-490C-8F2C-45718C95BC17}"/>
+                <a16:creationId xmlns="" xmlns:a16="http://schemas.microsoft.com/office/drawing/2014/main" id="{D03CAF72-F7A0-490C-8F2C-45718C95BC17}"/>
               </a:ext>
             </a:extLst>
           </p:cNvPr>
@@ -1234,7 +1243,7 @@
           <p:cNvPr id="2" name="標題 1">
             <a:extLst>
               <a:ext uri="{FF2B5EF4-FFF2-40B4-BE49-F238E27FC236}">
-                <a16:creationId xmlns:a16="http://schemas.microsoft.com/office/drawing/2014/main" xmlns="" id="{A9FB1FFE-288D-46F4-838A-0824C9C36B3F}"/>
+                <a16:creationId xmlns="" xmlns:a16="http://schemas.microsoft.com/office/drawing/2014/main" id="{A9FB1FFE-288D-46F4-838A-0824C9C36B3F}"/>
               </a:ext>
             </a:extLst>
           </p:cNvPr>
@@ -1262,7 +1271,7 @@
           <p:cNvPr id="3" name="內容版面配置區 2">
             <a:extLst>
               <a:ext uri="{FF2B5EF4-FFF2-40B4-BE49-F238E27FC236}">
-                <a16:creationId xmlns:a16="http://schemas.microsoft.com/office/drawing/2014/main" xmlns="" id="{84E6D906-22CF-4F86-9C57-0AADC9D52019}"/>
+                <a16:creationId xmlns="" xmlns:a16="http://schemas.microsoft.com/office/drawing/2014/main" id="{84E6D906-22CF-4F86-9C57-0AADC9D52019}"/>
               </a:ext>
             </a:extLst>
           </p:cNvPr>
@@ -1324,7 +1333,7 @@
           <p:cNvPr id="4" name="內容版面配置區 3">
             <a:extLst>
               <a:ext uri="{FF2B5EF4-FFF2-40B4-BE49-F238E27FC236}">
-                <a16:creationId xmlns:a16="http://schemas.microsoft.com/office/drawing/2014/main" xmlns="" id="{905BDD05-1E92-49F7-8524-2E69E5C3E44B}"/>
+                <a16:creationId xmlns="" xmlns:a16="http://schemas.microsoft.com/office/drawing/2014/main" id="{905BDD05-1E92-49F7-8524-2E69E5C3E44B}"/>
               </a:ext>
             </a:extLst>
           </p:cNvPr>
@@ -1386,7 +1395,7 @@
           <p:cNvPr id="5" name="日期版面配置區 4">
             <a:extLst>
               <a:ext uri="{FF2B5EF4-FFF2-40B4-BE49-F238E27FC236}">
-                <a16:creationId xmlns:a16="http://schemas.microsoft.com/office/drawing/2014/main" xmlns="" id="{97422E4D-D418-4B8A-9EF5-529BC9720D27}"/>
+                <a16:creationId xmlns="" xmlns:a16="http://schemas.microsoft.com/office/drawing/2014/main" id="{97422E4D-D418-4B8A-9EF5-529BC9720D27}"/>
               </a:ext>
             </a:extLst>
           </p:cNvPr>
@@ -1404,7 +1413,7 @@
           <a:p>
             <a:fld id="{1983F8DA-040C-4179-8EC3-2597626DD22D}" type="datetimeFigureOut">
               <a:rPr lang="zh-TW" altLang="en-US" smtClean="0"/>
-              <a:t>2018/5/10</a:t>
+              <a:t>2018/5/12</a:t>
             </a:fld>
             <a:endParaRPr lang="zh-TW" altLang="en-US"/>
           </a:p>
@@ -1415,7 +1424,7 @@
           <p:cNvPr id="6" name="頁尾版面配置區 5">
             <a:extLst>
               <a:ext uri="{FF2B5EF4-FFF2-40B4-BE49-F238E27FC236}">
-                <a16:creationId xmlns:a16="http://schemas.microsoft.com/office/drawing/2014/main" xmlns="" id="{F1BD7C8D-CE3E-4C0F-B2B9-E51DCA1CB4B2}"/>
+                <a16:creationId xmlns="" xmlns:a16="http://schemas.microsoft.com/office/drawing/2014/main" id="{F1BD7C8D-CE3E-4C0F-B2B9-E51DCA1CB4B2}"/>
               </a:ext>
             </a:extLst>
           </p:cNvPr>
@@ -1440,7 +1449,7 @@
           <p:cNvPr id="7" name="投影片編號版面配置區 6">
             <a:extLst>
               <a:ext uri="{FF2B5EF4-FFF2-40B4-BE49-F238E27FC236}">
-                <a16:creationId xmlns:a16="http://schemas.microsoft.com/office/drawing/2014/main" xmlns="" id="{5BBA102D-360B-4EE5-BDFC-FEC0D8638667}"/>
+                <a16:creationId xmlns="" xmlns:a16="http://schemas.microsoft.com/office/drawing/2014/main" id="{5BBA102D-360B-4EE5-BDFC-FEC0D8638667}"/>
               </a:ext>
             </a:extLst>
           </p:cNvPr>
@@ -1499,7 +1508,7 @@
           <p:cNvPr id="2" name="標題 1">
             <a:extLst>
               <a:ext uri="{FF2B5EF4-FFF2-40B4-BE49-F238E27FC236}">
-                <a16:creationId xmlns:a16="http://schemas.microsoft.com/office/drawing/2014/main" xmlns="" id="{4AD70CB9-5A3B-467D-8944-4DC5A90DBE6E}"/>
+                <a16:creationId xmlns="" xmlns:a16="http://schemas.microsoft.com/office/drawing/2014/main" id="{4AD70CB9-5A3B-467D-8944-4DC5A90DBE6E}"/>
               </a:ext>
             </a:extLst>
           </p:cNvPr>
@@ -1532,7 +1541,7 @@
           <p:cNvPr id="3" name="文字版面配置區 2">
             <a:extLst>
               <a:ext uri="{FF2B5EF4-FFF2-40B4-BE49-F238E27FC236}">
-                <a16:creationId xmlns:a16="http://schemas.microsoft.com/office/drawing/2014/main" xmlns="" id="{A3775FAB-53FE-40CC-A723-777B55828725}"/>
+                <a16:creationId xmlns="" xmlns:a16="http://schemas.microsoft.com/office/drawing/2014/main" id="{A3775FAB-53FE-40CC-A723-777B55828725}"/>
               </a:ext>
             </a:extLst>
           </p:cNvPr>
@@ -1603,7 +1612,7 @@
           <p:cNvPr id="4" name="內容版面配置區 3">
             <a:extLst>
               <a:ext uri="{FF2B5EF4-FFF2-40B4-BE49-F238E27FC236}">
-                <a16:creationId xmlns:a16="http://schemas.microsoft.com/office/drawing/2014/main" xmlns="" id="{1B6FF27E-92E8-4038-AC25-286B2F1293E0}"/>
+                <a16:creationId xmlns="" xmlns:a16="http://schemas.microsoft.com/office/drawing/2014/main" id="{1B6FF27E-92E8-4038-AC25-286B2F1293E0}"/>
               </a:ext>
             </a:extLst>
           </p:cNvPr>
@@ -1665,7 +1674,7 @@
           <p:cNvPr id="5" name="文字版面配置區 4">
             <a:extLst>
               <a:ext uri="{FF2B5EF4-FFF2-40B4-BE49-F238E27FC236}">
-                <a16:creationId xmlns:a16="http://schemas.microsoft.com/office/drawing/2014/main" xmlns="" id="{F05571B1-5586-4BC5-8497-CBBAFEF07011}"/>
+                <a16:creationId xmlns="" xmlns:a16="http://schemas.microsoft.com/office/drawing/2014/main" id="{F05571B1-5586-4BC5-8497-CBBAFEF07011}"/>
               </a:ext>
             </a:extLst>
           </p:cNvPr>
@@ -1736,7 +1745,7 @@
           <p:cNvPr id="6" name="內容版面配置區 5">
             <a:extLst>
               <a:ext uri="{FF2B5EF4-FFF2-40B4-BE49-F238E27FC236}">
-                <a16:creationId xmlns:a16="http://schemas.microsoft.com/office/drawing/2014/main" xmlns="" id="{3163290B-F505-41DA-A556-93FAE747E744}"/>
+                <a16:creationId xmlns="" xmlns:a16="http://schemas.microsoft.com/office/drawing/2014/main" id="{3163290B-F505-41DA-A556-93FAE747E744}"/>
               </a:ext>
             </a:extLst>
           </p:cNvPr>
@@ -1798,7 +1807,7 @@
           <p:cNvPr id="7" name="日期版面配置區 6">
             <a:extLst>
               <a:ext uri="{FF2B5EF4-FFF2-40B4-BE49-F238E27FC236}">
-                <a16:creationId xmlns:a16="http://schemas.microsoft.com/office/drawing/2014/main" xmlns="" id="{2B929A61-93D8-4176-9436-DEA4C8AA337D}"/>
+                <a16:creationId xmlns="" xmlns:a16="http://schemas.microsoft.com/office/drawing/2014/main" id="{2B929A61-93D8-4176-9436-DEA4C8AA337D}"/>
               </a:ext>
             </a:extLst>
           </p:cNvPr>
@@ -1816,7 +1825,7 @@
           <a:p>
             <a:fld id="{1983F8DA-040C-4179-8EC3-2597626DD22D}" type="datetimeFigureOut">
               <a:rPr lang="zh-TW" altLang="en-US" smtClean="0"/>
-              <a:t>2018/5/10</a:t>
+              <a:t>2018/5/12</a:t>
             </a:fld>
             <a:endParaRPr lang="zh-TW" altLang="en-US"/>
           </a:p>
@@ -1827,7 +1836,7 @@
           <p:cNvPr id="8" name="頁尾版面配置區 7">
             <a:extLst>
               <a:ext uri="{FF2B5EF4-FFF2-40B4-BE49-F238E27FC236}">
-                <a16:creationId xmlns:a16="http://schemas.microsoft.com/office/drawing/2014/main" xmlns="" id="{CB0BDEC3-882A-40E1-9AD7-9CADC5149370}"/>
+                <a16:creationId xmlns="" xmlns:a16="http://schemas.microsoft.com/office/drawing/2014/main" id="{CB0BDEC3-882A-40E1-9AD7-9CADC5149370}"/>
               </a:ext>
             </a:extLst>
           </p:cNvPr>
@@ -1852,7 +1861,7 @@
           <p:cNvPr id="9" name="投影片編號版面配置區 8">
             <a:extLst>
               <a:ext uri="{FF2B5EF4-FFF2-40B4-BE49-F238E27FC236}">
-                <a16:creationId xmlns:a16="http://schemas.microsoft.com/office/drawing/2014/main" xmlns="" id="{E649F777-8B0B-4E07-8789-213A9EA269D5}"/>
+                <a16:creationId xmlns="" xmlns:a16="http://schemas.microsoft.com/office/drawing/2014/main" id="{E649F777-8B0B-4E07-8789-213A9EA269D5}"/>
               </a:ext>
             </a:extLst>
           </p:cNvPr>
@@ -1911,7 +1920,7 @@
           <p:cNvPr id="2" name="標題 1">
             <a:extLst>
               <a:ext uri="{FF2B5EF4-FFF2-40B4-BE49-F238E27FC236}">
-                <a16:creationId xmlns:a16="http://schemas.microsoft.com/office/drawing/2014/main" xmlns="" id="{3190E325-266A-4F95-A6CE-C45234A1222B}"/>
+                <a16:creationId xmlns="" xmlns:a16="http://schemas.microsoft.com/office/drawing/2014/main" id="{3190E325-266A-4F95-A6CE-C45234A1222B}"/>
               </a:ext>
             </a:extLst>
           </p:cNvPr>
@@ -1939,7 +1948,7 @@
           <p:cNvPr id="3" name="日期版面配置區 2">
             <a:extLst>
               <a:ext uri="{FF2B5EF4-FFF2-40B4-BE49-F238E27FC236}">
-                <a16:creationId xmlns:a16="http://schemas.microsoft.com/office/drawing/2014/main" xmlns="" id="{EA3CE308-4CE4-4A55-8AFF-261766BDA14C}"/>
+                <a16:creationId xmlns="" xmlns:a16="http://schemas.microsoft.com/office/drawing/2014/main" id="{EA3CE308-4CE4-4A55-8AFF-261766BDA14C}"/>
               </a:ext>
             </a:extLst>
           </p:cNvPr>
@@ -1957,7 +1966,7 @@
           <a:p>
             <a:fld id="{1983F8DA-040C-4179-8EC3-2597626DD22D}" type="datetimeFigureOut">
               <a:rPr lang="zh-TW" altLang="en-US" smtClean="0"/>
-              <a:t>2018/5/10</a:t>
+              <a:t>2018/5/12</a:t>
             </a:fld>
             <a:endParaRPr lang="zh-TW" altLang="en-US"/>
           </a:p>
@@ -1968,7 +1977,7 @@
           <p:cNvPr id="4" name="頁尾版面配置區 3">
             <a:extLst>
               <a:ext uri="{FF2B5EF4-FFF2-40B4-BE49-F238E27FC236}">
-                <a16:creationId xmlns:a16="http://schemas.microsoft.com/office/drawing/2014/main" xmlns="" id="{9A5D54C3-4E6B-4A64-891C-B7F8257EECCD}"/>
+                <a16:creationId xmlns="" xmlns:a16="http://schemas.microsoft.com/office/drawing/2014/main" id="{9A5D54C3-4E6B-4A64-891C-B7F8257EECCD}"/>
               </a:ext>
             </a:extLst>
           </p:cNvPr>
@@ -1993,7 +2002,7 @@
           <p:cNvPr id="5" name="投影片編號版面配置區 4">
             <a:extLst>
               <a:ext uri="{FF2B5EF4-FFF2-40B4-BE49-F238E27FC236}">
-                <a16:creationId xmlns:a16="http://schemas.microsoft.com/office/drawing/2014/main" xmlns="" id="{99D49CF7-6C63-436D-B538-07295C3EE13B}"/>
+                <a16:creationId xmlns="" xmlns:a16="http://schemas.microsoft.com/office/drawing/2014/main" id="{99D49CF7-6C63-436D-B538-07295C3EE13B}"/>
               </a:ext>
             </a:extLst>
           </p:cNvPr>
@@ -2052,7 +2061,7 @@
           <p:cNvPr id="2" name="日期版面配置區 1">
             <a:extLst>
               <a:ext uri="{FF2B5EF4-FFF2-40B4-BE49-F238E27FC236}">
-                <a16:creationId xmlns:a16="http://schemas.microsoft.com/office/drawing/2014/main" xmlns="" id="{95B32A53-9F7F-4C64-B0C3-58B77A2BB62B}"/>
+                <a16:creationId xmlns="" xmlns:a16="http://schemas.microsoft.com/office/drawing/2014/main" id="{95B32A53-9F7F-4C64-B0C3-58B77A2BB62B}"/>
               </a:ext>
             </a:extLst>
           </p:cNvPr>
@@ -2070,7 +2079,7 @@
           <a:p>
             <a:fld id="{1983F8DA-040C-4179-8EC3-2597626DD22D}" type="datetimeFigureOut">
               <a:rPr lang="zh-TW" altLang="en-US" smtClean="0"/>
-              <a:t>2018/5/10</a:t>
+              <a:t>2018/5/12</a:t>
             </a:fld>
             <a:endParaRPr lang="zh-TW" altLang="en-US"/>
           </a:p>
@@ -2081,7 +2090,7 @@
           <p:cNvPr id="3" name="頁尾版面配置區 2">
             <a:extLst>
               <a:ext uri="{FF2B5EF4-FFF2-40B4-BE49-F238E27FC236}">
-                <a16:creationId xmlns:a16="http://schemas.microsoft.com/office/drawing/2014/main" xmlns="" id="{C143E365-1A3B-48D6-816F-ED5BB793AD47}"/>
+                <a16:creationId xmlns="" xmlns:a16="http://schemas.microsoft.com/office/drawing/2014/main" id="{C143E365-1A3B-48D6-816F-ED5BB793AD47}"/>
               </a:ext>
             </a:extLst>
           </p:cNvPr>
@@ -2106,7 +2115,7 @@
           <p:cNvPr id="4" name="投影片編號版面配置區 3">
             <a:extLst>
               <a:ext uri="{FF2B5EF4-FFF2-40B4-BE49-F238E27FC236}">
-                <a16:creationId xmlns:a16="http://schemas.microsoft.com/office/drawing/2014/main" xmlns="" id="{4B9A1611-BAD4-433E-A82A-460481C395E0}"/>
+                <a16:creationId xmlns="" xmlns:a16="http://schemas.microsoft.com/office/drawing/2014/main" id="{4B9A1611-BAD4-433E-A82A-460481C395E0}"/>
               </a:ext>
             </a:extLst>
           </p:cNvPr>
@@ -2165,7 +2174,7 @@
           <p:cNvPr id="2" name="標題 1">
             <a:extLst>
               <a:ext uri="{FF2B5EF4-FFF2-40B4-BE49-F238E27FC236}">
-                <a16:creationId xmlns:a16="http://schemas.microsoft.com/office/drawing/2014/main" xmlns="" id="{BFDB57DA-AF3F-49F6-99CA-75A4C27FC7A3}"/>
+                <a16:creationId xmlns="" xmlns:a16="http://schemas.microsoft.com/office/drawing/2014/main" id="{BFDB57DA-AF3F-49F6-99CA-75A4C27FC7A3}"/>
               </a:ext>
             </a:extLst>
           </p:cNvPr>
@@ -2202,7 +2211,7 @@
           <p:cNvPr id="3" name="內容版面配置區 2">
             <a:extLst>
               <a:ext uri="{FF2B5EF4-FFF2-40B4-BE49-F238E27FC236}">
-                <a16:creationId xmlns:a16="http://schemas.microsoft.com/office/drawing/2014/main" xmlns="" id="{7F1ECA61-1796-4832-9432-65258A3FE340}"/>
+                <a16:creationId xmlns="" xmlns:a16="http://schemas.microsoft.com/office/drawing/2014/main" id="{7F1ECA61-1796-4832-9432-65258A3FE340}"/>
               </a:ext>
             </a:extLst>
           </p:cNvPr>
@@ -2292,7 +2301,7 @@
           <p:cNvPr id="4" name="文字版面配置區 3">
             <a:extLst>
               <a:ext uri="{FF2B5EF4-FFF2-40B4-BE49-F238E27FC236}">
-                <a16:creationId xmlns:a16="http://schemas.microsoft.com/office/drawing/2014/main" xmlns="" id="{2A3B2590-9E27-4191-A02E-AB16317FC3DF}"/>
+                <a16:creationId xmlns="" xmlns:a16="http://schemas.microsoft.com/office/drawing/2014/main" id="{2A3B2590-9E27-4191-A02E-AB16317FC3DF}"/>
               </a:ext>
             </a:extLst>
           </p:cNvPr>
@@ -2363,7 +2372,7 @@
           <p:cNvPr id="5" name="日期版面配置區 4">
             <a:extLst>
               <a:ext uri="{FF2B5EF4-FFF2-40B4-BE49-F238E27FC236}">
-                <a16:creationId xmlns:a16="http://schemas.microsoft.com/office/drawing/2014/main" xmlns="" id="{CFDA4BC8-C396-49AB-B5FC-73CC9CE067BE}"/>
+                <a16:creationId xmlns="" xmlns:a16="http://schemas.microsoft.com/office/drawing/2014/main" id="{CFDA4BC8-C396-49AB-B5FC-73CC9CE067BE}"/>
               </a:ext>
             </a:extLst>
           </p:cNvPr>
@@ -2381,7 +2390,7 @@
           <a:p>
             <a:fld id="{1983F8DA-040C-4179-8EC3-2597626DD22D}" type="datetimeFigureOut">
               <a:rPr lang="zh-TW" altLang="en-US" smtClean="0"/>
-              <a:t>2018/5/10</a:t>
+              <a:t>2018/5/12</a:t>
             </a:fld>
             <a:endParaRPr lang="zh-TW" altLang="en-US"/>
           </a:p>
@@ -2392,7 +2401,7 @@
           <p:cNvPr id="6" name="頁尾版面配置區 5">
             <a:extLst>
               <a:ext uri="{FF2B5EF4-FFF2-40B4-BE49-F238E27FC236}">
-                <a16:creationId xmlns:a16="http://schemas.microsoft.com/office/drawing/2014/main" xmlns="" id="{C5433602-B0B3-40E6-BDA3-8E1BAAD456C2}"/>
+                <a16:creationId xmlns="" xmlns:a16="http://schemas.microsoft.com/office/drawing/2014/main" id="{C5433602-B0B3-40E6-BDA3-8E1BAAD456C2}"/>
               </a:ext>
             </a:extLst>
           </p:cNvPr>
@@ -2417,7 +2426,7 @@
           <p:cNvPr id="7" name="投影片編號版面配置區 6">
             <a:extLst>
               <a:ext uri="{FF2B5EF4-FFF2-40B4-BE49-F238E27FC236}">
-                <a16:creationId xmlns:a16="http://schemas.microsoft.com/office/drawing/2014/main" xmlns="" id="{D8FED8BE-893F-4E06-8160-E9657CFF6C24}"/>
+                <a16:creationId xmlns="" xmlns:a16="http://schemas.microsoft.com/office/drawing/2014/main" id="{D8FED8BE-893F-4E06-8160-E9657CFF6C24}"/>
               </a:ext>
             </a:extLst>
           </p:cNvPr>
@@ -2476,7 +2485,7 @@
           <p:cNvPr id="2" name="標題 1">
             <a:extLst>
               <a:ext uri="{FF2B5EF4-FFF2-40B4-BE49-F238E27FC236}">
-                <a16:creationId xmlns:a16="http://schemas.microsoft.com/office/drawing/2014/main" xmlns="" id="{CE1B0F45-88E2-4BFB-A88B-3AAF2D983C00}"/>
+                <a16:creationId xmlns="" xmlns:a16="http://schemas.microsoft.com/office/drawing/2014/main" id="{CE1B0F45-88E2-4BFB-A88B-3AAF2D983C00}"/>
               </a:ext>
             </a:extLst>
           </p:cNvPr>
@@ -2513,7 +2522,7 @@
           <p:cNvPr id="3" name="圖片版面配置區 2">
             <a:extLst>
               <a:ext uri="{FF2B5EF4-FFF2-40B4-BE49-F238E27FC236}">
-                <a16:creationId xmlns:a16="http://schemas.microsoft.com/office/drawing/2014/main" xmlns="" id="{EE50A91B-B093-4764-962F-7D6938EF99DF}"/>
+                <a16:creationId xmlns="" xmlns:a16="http://schemas.microsoft.com/office/drawing/2014/main" id="{EE50A91B-B093-4764-962F-7D6938EF99DF}"/>
               </a:ext>
             </a:extLst>
           </p:cNvPr>
@@ -2580,7 +2589,7 @@
           <p:cNvPr id="4" name="文字版面配置區 3">
             <a:extLst>
               <a:ext uri="{FF2B5EF4-FFF2-40B4-BE49-F238E27FC236}">
-                <a16:creationId xmlns:a16="http://schemas.microsoft.com/office/drawing/2014/main" xmlns="" id="{7BACFCEA-685B-42B5-BDF7-AD63F1314454}"/>
+                <a16:creationId xmlns="" xmlns:a16="http://schemas.microsoft.com/office/drawing/2014/main" id="{7BACFCEA-685B-42B5-BDF7-AD63F1314454}"/>
               </a:ext>
             </a:extLst>
           </p:cNvPr>
@@ -2651,7 +2660,7 @@
           <p:cNvPr id="5" name="日期版面配置區 4">
             <a:extLst>
               <a:ext uri="{FF2B5EF4-FFF2-40B4-BE49-F238E27FC236}">
-                <a16:creationId xmlns:a16="http://schemas.microsoft.com/office/drawing/2014/main" xmlns="" id="{36D3AAC6-EA71-40A7-A355-9571CCD2CF13}"/>
+                <a16:creationId xmlns="" xmlns:a16="http://schemas.microsoft.com/office/drawing/2014/main" id="{36D3AAC6-EA71-40A7-A355-9571CCD2CF13}"/>
               </a:ext>
             </a:extLst>
           </p:cNvPr>
@@ -2669,7 +2678,7 @@
           <a:p>
             <a:fld id="{1983F8DA-040C-4179-8EC3-2597626DD22D}" type="datetimeFigureOut">
               <a:rPr lang="zh-TW" altLang="en-US" smtClean="0"/>
-              <a:t>2018/5/10</a:t>
+              <a:t>2018/5/12</a:t>
             </a:fld>
             <a:endParaRPr lang="zh-TW" altLang="en-US"/>
           </a:p>
@@ -2680,7 +2689,7 @@
           <p:cNvPr id="6" name="頁尾版面配置區 5">
             <a:extLst>
               <a:ext uri="{FF2B5EF4-FFF2-40B4-BE49-F238E27FC236}">
-                <a16:creationId xmlns:a16="http://schemas.microsoft.com/office/drawing/2014/main" xmlns="" id="{5DDE9F81-23D3-4C44-8D5A-CB9DBF84EF69}"/>
+                <a16:creationId xmlns="" xmlns:a16="http://schemas.microsoft.com/office/drawing/2014/main" id="{5DDE9F81-23D3-4C44-8D5A-CB9DBF84EF69}"/>
               </a:ext>
             </a:extLst>
           </p:cNvPr>
@@ -2705,7 +2714,7 @@
           <p:cNvPr id="7" name="投影片編號版面配置區 6">
             <a:extLst>
               <a:ext uri="{FF2B5EF4-FFF2-40B4-BE49-F238E27FC236}">
-                <a16:creationId xmlns:a16="http://schemas.microsoft.com/office/drawing/2014/main" xmlns="" id="{073497D4-4649-468C-94A9-AF63556897BF}"/>
+                <a16:creationId xmlns="" xmlns:a16="http://schemas.microsoft.com/office/drawing/2014/main" id="{073497D4-4649-468C-94A9-AF63556897BF}"/>
               </a:ext>
             </a:extLst>
           </p:cNvPr>
@@ -2769,7 +2778,7 @@
           <p:cNvPr id="2" name="標題版面配置區 1">
             <a:extLst>
               <a:ext uri="{FF2B5EF4-FFF2-40B4-BE49-F238E27FC236}">
-                <a16:creationId xmlns:a16="http://schemas.microsoft.com/office/drawing/2014/main" xmlns="" id="{7818C2F0-BE73-48CD-90D4-08C181AE85B2}"/>
+                <a16:creationId xmlns="" xmlns:a16="http://schemas.microsoft.com/office/drawing/2014/main" id="{7818C2F0-BE73-48CD-90D4-08C181AE85B2}"/>
               </a:ext>
             </a:extLst>
           </p:cNvPr>
@@ -2807,7 +2816,7 @@
           <p:cNvPr id="3" name="文字版面配置區 2">
             <a:extLst>
               <a:ext uri="{FF2B5EF4-FFF2-40B4-BE49-F238E27FC236}">
-                <a16:creationId xmlns:a16="http://schemas.microsoft.com/office/drawing/2014/main" xmlns="" id="{6B3FA1F4-293A-424F-BBDC-D39891EE8D7B}"/>
+                <a16:creationId xmlns="" xmlns:a16="http://schemas.microsoft.com/office/drawing/2014/main" id="{6B3FA1F4-293A-424F-BBDC-D39891EE8D7B}"/>
               </a:ext>
             </a:extLst>
           </p:cNvPr>
@@ -2874,7 +2883,7 @@
           <p:cNvPr id="4" name="日期版面配置區 3">
             <a:extLst>
               <a:ext uri="{FF2B5EF4-FFF2-40B4-BE49-F238E27FC236}">
-                <a16:creationId xmlns:a16="http://schemas.microsoft.com/office/drawing/2014/main" xmlns="" id="{D69709D7-7319-4D2B-B1A5-212DE7E9DC73}"/>
+                <a16:creationId xmlns="" xmlns:a16="http://schemas.microsoft.com/office/drawing/2014/main" id="{D69709D7-7319-4D2B-B1A5-212DE7E9DC73}"/>
               </a:ext>
             </a:extLst>
           </p:cNvPr>
@@ -2910,7 +2919,7 @@
           <a:p>
             <a:fld id="{1983F8DA-040C-4179-8EC3-2597626DD22D}" type="datetimeFigureOut">
               <a:rPr lang="zh-TW" altLang="en-US" smtClean="0"/>
-              <a:t>2018/5/10</a:t>
+              <a:t>2018/5/12</a:t>
             </a:fld>
             <a:endParaRPr lang="zh-TW" altLang="en-US"/>
           </a:p>
@@ -2921,7 +2930,7 @@
           <p:cNvPr id="5" name="頁尾版面配置區 4">
             <a:extLst>
               <a:ext uri="{FF2B5EF4-FFF2-40B4-BE49-F238E27FC236}">
-                <a16:creationId xmlns:a16="http://schemas.microsoft.com/office/drawing/2014/main" xmlns="" id="{0DC51CC8-38F1-4540-A0E1-DF87A9B5FEFD}"/>
+                <a16:creationId xmlns="" xmlns:a16="http://schemas.microsoft.com/office/drawing/2014/main" id="{0DC51CC8-38F1-4540-A0E1-DF87A9B5FEFD}"/>
               </a:ext>
             </a:extLst>
           </p:cNvPr>
@@ -2964,7 +2973,7 @@
           <p:cNvPr id="6" name="投影片編號版面配置區 5">
             <a:extLst>
               <a:ext uri="{FF2B5EF4-FFF2-40B4-BE49-F238E27FC236}">
-                <a16:creationId xmlns:a16="http://schemas.microsoft.com/office/drawing/2014/main" xmlns="" id="{E47516C6-0347-4866-BB79-FE8992EFF065}"/>
+                <a16:creationId xmlns="" xmlns:a16="http://schemas.microsoft.com/office/drawing/2014/main" id="{E47516C6-0347-4866-BB79-FE8992EFF065}"/>
               </a:ext>
             </a:extLst>
           </p:cNvPr>
@@ -3332,7 +3341,7 @@
           <p:cNvPr id="4" name="圖片 3">
             <a:extLst>
               <a:ext uri="{FF2B5EF4-FFF2-40B4-BE49-F238E27FC236}">
-                <a16:creationId xmlns:a16="http://schemas.microsoft.com/office/drawing/2014/main" xmlns="" id="{4FA5B047-4B7F-47C6-9CE1-B2A3F41B020B}"/>
+                <a16:creationId xmlns="" xmlns:a16="http://schemas.microsoft.com/office/drawing/2014/main" id="{4FA5B047-4B7F-47C6-9CE1-B2A3F41B020B}"/>
               </a:ext>
             </a:extLst>
           </p:cNvPr>
@@ -3362,7 +3371,7 @@
           <p:cNvPr id="5" name="矩形 4">
             <a:extLst>
               <a:ext uri="{FF2B5EF4-FFF2-40B4-BE49-F238E27FC236}">
-                <a16:creationId xmlns:a16="http://schemas.microsoft.com/office/drawing/2014/main" xmlns="" id="{A099EFAB-F3C9-4304-A7BD-31D67A14252A}"/>
+                <a16:creationId xmlns="" xmlns:a16="http://schemas.microsoft.com/office/drawing/2014/main" id="{A099EFAB-F3C9-4304-A7BD-31D67A14252A}"/>
               </a:ext>
             </a:extLst>
           </p:cNvPr>
@@ -3414,7 +3423,7 @@
           <p:cNvPr id="6" name="語音泡泡: 圓角矩形 5">
             <a:extLst>
               <a:ext uri="{FF2B5EF4-FFF2-40B4-BE49-F238E27FC236}">
-                <a16:creationId xmlns:a16="http://schemas.microsoft.com/office/drawing/2014/main" xmlns="" id="{3651C266-FAE0-4C25-9A88-C9F904D9923C}"/>
+                <a16:creationId xmlns="" xmlns:a16="http://schemas.microsoft.com/office/drawing/2014/main" id="{3651C266-FAE0-4C25-9A88-C9F904D9923C}"/>
               </a:ext>
             </a:extLst>
           </p:cNvPr>
@@ -3521,6 +3530,1645 @@
     <p:extLst>
       <p:ext uri="{BB962C8B-B14F-4D97-AF65-F5344CB8AC3E}">
         <p14:creationId xmlns:p14="http://schemas.microsoft.com/office/powerpoint/2010/main" val="1008382592"/>
+      </p:ext>
+    </p:extLst>
+  </p:cSld>
+  <p:clrMapOvr>
+    <a:masterClrMapping/>
+  </p:clrMapOvr>
+</p:sld>
+</file>
+
+<file path=ppt/slides/slide10.xml><?xml version="1.0" encoding="utf-8"?>
+<p:sld xmlns:a="http://schemas.openxmlformats.org/drawingml/2006/main" xmlns:r="http://schemas.openxmlformats.org/officeDocument/2006/relationships" xmlns:p="http://schemas.openxmlformats.org/presentationml/2006/main">
+  <p:cSld>
+    <p:spTree>
+      <p:nvGrpSpPr>
+        <p:cNvPr id="1" name=""/>
+        <p:cNvGrpSpPr/>
+        <p:nvPr/>
+      </p:nvGrpSpPr>
+      <p:grpSpPr>
+        <a:xfrm>
+          <a:off x="0" y="0"/>
+          <a:ext cx="0" cy="0"/>
+          <a:chOff x="0" y="0"/>
+          <a:chExt cx="0" cy="0"/>
+        </a:xfrm>
+      </p:grpSpPr>
+      <p:pic>
+        <p:nvPicPr>
+          <p:cNvPr id="5123" name="Picture 3"/>
+          <p:cNvPicPr>
+            <a:picLocks noChangeAspect="1" noChangeArrowheads="1"/>
+          </p:cNvPicPr>
+          <p:nvPr/>
+        </p:nvPicPr>
+        <p:blipFill>
+          <a:blip r:embed="rId2">
+            <a:extLst>
+              <a:ext uri="{28A0092B-C50C-407E-A947-70E740481C1C}">
+                <a14:useLocalDpi xmlns:a14="http://schemas.microsoft.com/office/drawing/2010/main" val="0"/>
+              </a:ext>
+            </a:extLst>
+          </a:blip>
+          <a:srcRect/>
+          <a:stretch>
+            <a:fillRect/>
+          </a:stretch>
+        </p:blipFill>
+        <p:spPr bwMode="auto">
+          <a:xfrm>
+            <a:off x="3179402" y="4431103"/>
+            <a:ext cx="8864600" cy="4705350"/>
+          </a:xfrm>
+          <a:prstGeom prst="rect">
+            <a:avLst/>
+          </a:prstGeom>
+          <a:noFill/>
+          <a:ln>
+            <a:noFill/>
+          </a:ln>
+          <a:extLst>
+            <a:ext uri="{909E8E84-426E-40DD-AFC4-6F175D3DCCD1}">
+              <a14:hiddenFill xmlns:a14="http://schemas.microsoft.com/office/drawing/2010/main">
+                <a:solidFill>
+                  <a:schemeClr val="accent1"/>
+                </a:solidFill>
+              </a14:hiddenFill>
+            </a:ext>
+            <a:ext uri="{91240B29-F687-4F45-9708-019B960494DF}">
+              <a14:hiddenLine xmlns:a14="http://schemas.microsoft.com/office/drawing/2010/main" w="9525">
+                <a:solidFill>
+                  <a:schemeClr val="tx1"/>
+                </a:solidFill>
+                <a:miter lim="800000"/>
+                <a:headEnd/>
+                <a:tailEnd/>
+              </a14:hiddenLine>
+            </a:ext>
+          </a:extLst>
+        </p:spPr>
+      </p:pic>
+      <p:pic>
+        <p:nvPicPr>
+          <p:cNvPr id="5122" name="Picture 2"/>
+          <p:cNvPicPr>
+            <a:picLocks noChangeAspect="1" noChangeArrowheads="1"/>
+          </p:cNvPicPr>
+          <p:nvPr/>
+        </p:nvPicPr>
+        <p:blipFill>
+          <a:blip r:embed="rId3">
+            <a:extLst>
+              <a:ext uri="{28A0092B-C50C-407E-A947-70E740481C1C}">
+                <a14:useLocalDpi xmlns:a14="http://schemas.microsoft.com/office/drawing/2010/main" val="0"/>
+              </a:ext>
+            </a:extLst>
+          </a:blip>
+          <a:srcRect/>
+          <a:stretch>
+            <a:fillRect/>
+          </a:stretch>
+        </p:blipFill>
+        <p:spPr bwMode="auto">
+          <a:xfrm>
+            <a:off x="110615" y="357907"/>
+            <a:ext cx="5915025" cy="3933825"/>
+          </a:xfrm>
+          <a:prstGeom prst="rect">
+            <a:avLst/>
+          </a:prstGeom>
+          <a:noFill/>
+          <a:ln>
+            <a:noFill/>
+          </a:ln>
+          <a:extLst>
+            <a:ext uri="{909E8E84-426E-40DD-AFC4-6F175D3DCCD1}">
+              <a14:hiddenFill xmlns:a14="http://schemas.microsoft.com/office/drawing/2010/main">
+                <a:solidFill>
+                  <a:schemeClr val="accent1"/>
+                </a:solidFill>
+              </a14:hiddenFill>
+            </a:ext>
+            <a:ext uri="{91240B29-F687-4F45-9708-019B960494DF}">
+              <a14:hiddenLine xmlns:a14="http://schemas.microsoft.com/office/drawing/2010/main" w="9525">
+                <a:solidFill>
+                  <a:schemeClr val="tx1"/>
+                </a:solidFill>
+                <a:miter lim="800000"/>
+                <a:headEnd/>
+                <a:tailEnd/>
+              </a14:hiddenLine>
+            </a:ext>
+          </a:extLst>
+        </p:spPr>
+      </p:pic>
+      <p:sp>
+        <p:nvSpPr>
+          <p:cNvPr id="6" name="矩形 5"/>
+          <p:cNvSpPr/>
+          <p:nvPr/>
+        </p:nvSpPr>
+        <p:spPr>
+          <a:xfrm>
+            <a:off x="5003321" y="829401"/>
+            <a:ext cx="4323268" cy="338554"/>
+          </a:xfrm>
+          <a:prstGeom prst="rect">
+            <a:avLst/>
+          </a:prstGeom>
+          <a:solidFill>
+            <a:schemeClr val="accent5">
+              <a:lumMod val="20000"/>
+              <a:lumOff val="80000"/>
+            </a:schemeClr>
+          </a:solidFill>
+        </p:spPr>
+        <p:txBody>
+          <a:bodyPr wrap="square">
+            <a:spAutoFit/>
+          </a:bodyPr>
+          <a:lstStyle/>
+          <a:p>
+            <a:r>
+              <a:rPr lang="en-US" altLang="zh-TW" sz="1600" dirty="0" smtClean="0"/>
+              <a:t>1.</a:t>
+            </a:r>
+            <a:r>
+              <a:rPr lang="zh-TW" altLang="en-US" sz="1600" dirty="0" smtClean="0"/>
+              <a:t>  </a:t>
+            </a:r>
+            <a:r>
+              <a:rPr lang="en-US" altLang="zh-TW" sz="1600" dirty="0" smtClean="0"/>
+              <a:t>Input  gamer   </a:t>
+            </a:r>
+            <a:r>
+              <a:rPr lang="zh-TW" altLang="en-US" sz="1600" dirty="0" smtClean="0"/>
+              <a:t>型別是 </a:t>
+            </a:r>
+            <a:r>
+              <a:rPr lang="en-US" altLang="zh-TW" sz="1600" dirty="0" err="1" smtClean="0"/>
+              <a:t>BusinessLayer.Gamer</a:t>
+            </a:r>
+            <a:endParaRPr lang="en-US" altLang="zh-TW" sz="1600" dirty="0" smtClean="0"/>
+          </a:p>
+        </p:txBody>
+      </p:sp>
+      <p:sp>
+        <p:nvSpPr>
+          <p:cNvPr id="7" name="矩形 6"/>
+          <p:cNvSpPr/>
+          <p:nvPr/>
+        </p:nvSpPr>
+        <p:spPr>
+          <a:xfrm>
+            <a:off x="2911067" y="912895"/>
+            <a:ext cx="1930334" cy="223321"/>
+          </a:xfrm>
+          <a:prstGeom prst="rect">
+            <a:avLst/>
+          </a:prstGeom>
+          <a:noFill/>
+          <a:ln w="38100">
+            <a:solidFill>
+              <a:srgbClr val="FF0000"/>
+            </a:solidFill>
+          </a:ln>
+        </p:spPr>
+        <p:style>
+          <a:lnRef idx="2">
+            <a:schemeClr val="accent1">
+              <a:shade val="50000"/>
+            </a:schemeClr>
+          </a:lnRef>
+          <a:fillRef idx="1">
+            <a:schemeClr val="accent1"/>
+          </a:fillRef>
+          <a:effectRef idx="0">
+            <a:schemeClr val="accent1"/>
+          </a:effectRef>
+          <a:fontRef idx="minor">
+            <a:schemeClr val="lt1"/>
+          </a:fontRef>
+        </p:style>
+        <p:txBody>
+          <a:bodyPr rtlCol="0" anchor="ctr"/>
+          <a:lstStyle/>
+          <a:p>
+            <a:pPr algn="ctr"/>
+            <a:endParaRPr lang="zh-TW" altLang="en-US"/>
+          </a:p>
+        </p:txBody>
+      </p:sp>
+      <p:sp>
+        <p:nvSpPr>
+          <p:cNvPr id="8" name="矩形 7"/>
+          <p:cNvSpPr/>
+          <p:nvPr/>
+        </p:nvSpPr>
+        <p:spPr>
+          <a:xfrm>
+            <a:off x="3068127" y="3911804"/>
+            <a:ext cx="1696528" cy="584775"/>
+          </a:xfrm>
+          <a:prstGeom prst="rect">
+            <a:avLst/>
+          </a:prstGeom>
+          <a:solidFill>
+            <a:schemeClr val="accent4">
+              <a:lumMod val="20000"/>
+              <a:lumOff val="80000"/>
+            </a:schemeClr>
+          </a:solidFill>
+        </p:spPr>
+        <p:txBody>
+          <a:bodyPr wrap="square">
+            <a:spAutoFit/>
+          </a:bodyPr>
+          <a:lstStyle/>
+          <a:p>
+            <a:r>
+              <a:rPr lang="en-US" altLang="zh-TW" sz="1600" dirty="0" smtClean="0"/>
+              <a:t>//X</a:t>
+            </a:r>
+            <a:r>
+              <a:rPr lang="zh-TW" altLang="en-US" sz="1600" dirty="0" smtClean="0"/>
+              <a:t>傳一個物件進去直接</a:t>
+            </a:r>
+            <a:r>
+              <a:rPr lang="zh-TW" altLang="en-US" sz="1600" dirty="0"/>
+              <a:t>傳</a:t>
+            </a:r>
+            <a:r>
+              <a:rPr lang="zh-TW" altLang="en-US" sz="1600" dirty="0" smtClean="0"/>
+              <a:t>進去</a:t>
+            </a:r>
+            <a:endParaRPr lang="en-US" altLang="zh-TW" sz="1600" dirty="0" smtClean="0"/>
+          </a:p>
+        </p:txBody>
+      </p:sp>
+      <p:sp>
+        <p:nvSpPr>
+          <p:cNvPr id="10" name="矩形 9"/>
+          <p:cNvSpPr/>
+          <p:nvPr/>
+        </p:nvSpPr>
+        <p:spPr>
+          <a:xfrm>
+            <a:off x="980732" y="2911342"/>
+            <a:ext cx="3243335" cy="573730"/>
+          </a:xfrm>
+          <a:prstGeom prst="rect">
+            <a:avLst/>
+          </a:prstGeom>
+          <a:noFill/>
+          <a:ln w="38100">
+            <a:solidFill>
+              <a:srgbClr val="FF0000"/>
+            </a:solidFill>
+          </a:ln>
+        </p:spPr>
+        <p:style>
+          <a:lnRef idx="2">
+            <a:schemeClr val="accent1">
+              <a:shade val="50000"/>
+            </a:schemeClr>
+          </a:lnRef>
+          <a:fillRef idx="1">
+            <a:schemeClr val="accent1"/>
+          </a:fillRef>
+          <a:effectRef idx="0">
+            <a:schemeClr val="accent1"/>
+          </a:effectRef>
+          <a:fontRef idx="minor">
+            <a:schemeClr val="lt1"/>
+          </a:fontRef>
+        </p:style>
+        <p:txBody>
+          <a:bodyPr rtlCol="0" anchor="ctr"/>
+          <a:lstStyle/>
+          <a:p>
+            <a:pPr algn="ctr"/>
+            <a:endParaRPr lang="zh-TW" altLang="en-US"/>
+          </a:p>
+        </p:txBody>
+      </p:sp>
+      <p:cxnSp>
+        <p:nvCxnSpPr>
+          <p:cNvPr id="11" name="直線單箭頭接點 10"/>
+          <p:cNvCxnSpPr>
+            <a:stCxn id="7" idx="2"/>
+          </p:cNvCxnSpPr>
+          <p:nvPr/>
+        </p:nvCxnSpPr>
+        <p:spPr>
+          <a:xfrm flipH="1">
+            <a:off x="3309667" y="1136216"/>
+            <a:ext cx="566567" cy="1775126"/>
+          </a:xfrm>
+          <a:prstGeom prst="straightConnector1">
+            <a:avLst/>
+          </a:prstGeom>
+          <a:ln w="38100">
+            <a:solidFill>
+              <a:srgbClr val="FF0000"/>
+            </a:solidFill>
+            <a:tailEnd type="arrow"/>
+          </a:ln>
+        </p:spPr>
+        <p:style>
+          <a:lnRef idx="1">
+            <a:schemeClr val="accent1"/>
+          </a:lnRef>
+          <a:fillRef idx="0">
+            <a:schemeClr val="accent1"/>
+          </a:fillRef>
+          <a:effectRef idx="0">
+            <a:schemeClr val="accent1"/>
+          </a:effectRef>
+          <a:fontRef idx="minor">
+            <a:schemeClr val="tx1"/>
+          </a:fontRef>
+        </p:style>
+      </p:cxnSp>
+      <p:sp>
+        <p:nvSpPr>
+          <p:cNvPr id="14" name="矩形 13"/>
+          <p:cNvSpPr/>
+          <p:nvPr/>
+        </p:nvSpPr>
+        <p:spPr>
+          <a:xfrm>
+            <a:off x="6025640" y="1480181"/>
+            <a:ext cx="6096000" cy="2862322"/>
+          </a:xfrm>
+          <a:prstGeom prst="rect">
+            <a:avLst/>
+          </a:prstGeom>
+          <a:solidFill>
+            <a:schemeClr val="accent4">
+              <a:lumMod val="20000"/>
+              <a:lumOff val="80000"/>
+            </a:schemeClr>
+          </a:solidFill>
+        </p:spPr>
+        <p:txBody>
+          <a:bodyPr>
+            <a:spAutoFit/>
+          </a:bodyPr>
+          <a:lstStyle/>
+          <a:p>
+            <a:r>
+              <a:rPr lang="en-US" altLang="zh-TW" dirty="0"/>
+              <a:t>//[</a:t>
+            </a:r>
+            <a:r>
+              <a:rPr lang="en-US" altLang="zh-TW" dirty="0" err="1"/>
+              <a:t>HttpPost</a:t>
+            </a:r>
+            <a:r>
+              <a:rPr lang="en-US" altLang="zh-TW" dirty="0"/>
+              <a:t>]</a:t>
+            </a:r>
+          </a:p>
+          <a:p>
+            <a:r>
+              <a:rPr lang="en-US" altLang="zh-TW" dirty="0"/>
+              <a:t>//public </a:t>
+            </a:r>
+            <a:r>
+              <a:rPr lang="en-US" altLang="zh-TW" dirty="0" err="1"/>
+              <a:t>ActionResult</a:t>
+            </a:r>
+            <a:r>
+              <a:rPr lang="en-US" altLang="zh-TW" dirty="0"/>
+              <a:t> Create3(</a:t>
+            </a:r>
+            <a:r>
+              <a:rPr lang="en-US" altLang="zh-TW" dirty="0" err="1"/>
+              <a:t>BusinessLayer.Gamer</a:t>
+            </a:r>
+            <a:r>
+              <a:rPr lang="en-US" altLang="zh-TW" dirty="0"/>
+              <a:t> gamer)</a:t>
+            </a:r>
+          </a:p>
+          <a:p>
+            <a:r>
+              <a:rPr lang="en-US" altLang="zh-TW" dirty="0"/>
+              <a:t>If the view has a lot of input, </a:t>
+            </a:r>
+            <a:endParaRPr lang="en-US" altLang="zh-TW" dirty="0" smtClean="0"/>
+          </a:p>
+          <a:p>
+            <a:r>
+              <a:rPr lang="zh-TW" altLang="en-US" dirty="0"/>
+              <a:t>舉例來說有很多</a:t>
+            </a:r>
+            <a:r>
+              <a:rPr lang="zh-TW" altLang="en-US" dirty="0" smtClean="0"/>
+              <a:t>的 </a:t>
+            </a:r>
+            <a:r>
+              <a:rPr lang="en-US" altLang="zh-TW" dirty="0" err="1" smtClean="0"/>
+              <a:t>TEXTBox</a:t>
+            </a:r>
+            <a:endParaRPr lang="en-US" altLang="zh-TW" dirty="0"/>
+          </a:p>
+          <a:p>
+            <a:r>
+              <a:rPr lang="en-US" altLang="zh-TW" dirty="0"/>
+              <a:t>then the previous two ways is not a good idea.</a:t>
+            </a:r>
+          </a:p>
+          <a:p>
+            <a:r>
+              <a:rPr lang="en-US" altLang="zh-TW" dirty="0"/>
+              <a:t>It is always better to retrieve form data using model binding.</a:t>
+            </a:r>
+          </a:p>
+          <a:p>
+            <a:r>
+              <a:rPr lang="en-US" altLang="zh-TW" dirty="0"/>
+              <a:t>The model of the </a:t>
+            </a:r>
+            <a:r>
+              <a:rPr lang="en-US" altLang="zh-TW" dirty="0" err="1"/>
+              <a:t>cshtml</a:t>
+            </a:r>
+            <a:r>
+              <a:rPr lang="en-US" altLang="zh-TW" dirty="0"/>
+              <a:t> is </a:t>
+            </a:r>
+            <a:r>
+              <a:rPr lang="en-US" altLang="zh-TW" dirty="0" err="1"/>
+              <a:t>BusinessLayer.Gamer</a:t>
+            </a:r>
+            <a:r>
+              <a:rPr lang="en-US" altLang="zh-TW" dirty="0"/>
+              <a:t>, </a:t>
+            </a:r>
+          </a:p>
+          <a:p>
+            <a:r>
+              <a:rPr lang="en-US" altLang="zh-TW" dirty="0"/>
+              <a:t>so we can pass the model object into </a:t>
+            </a:r>
+            <a:r>
+              <a:rPr lang="en-US" altLang="zh-TW" dirty="0" err="1"/>
+              <a:t>HttpPost</a:t>
+            </a:r>
+            <a:r>
+              <a:rPr lang="en-US" altLang="zh-TW" dirty="0"/>
+              <a:t> action.</a:t>
+            </a:r>
+          </a:p>
+          <a:p>
+            <a:r>
+              <a:rPr lang="en-US" altLang="zh-TW" dirty="0"/>
+              <a:t>The property value of model object will contain the value </a:t>
+            </a:r>
+          </a:p>
+          <a:p>
+            <a:r>
+              <a:rPr lang="en-US" altLang="zh-TW" dirty="0"/>
+              <a:t>from input or select tag from </a:t>
+            </a:r>
+            <a:r>
+              <a:rPr lang="en-US" altLang="zh-TW" dirty="0" err="1"/>
+              <a:t>cshtml</a:t>
+            </a:r>
+            <a:r>
+              <a:rPr lang="en-US" altLang="zh-TW" dirty="0"/>
+              <a:t> based on name attribute.</a:t>
+            </a:r>
+            <a:endParaRPr lang="en-US" altLang="zh-TW" dirty="0"/>
+          </a:p>
+        </p:txBody>
+      </p:sp>
+      <p:sp>
+        <p:nvSpPr>
+          <p:cNvPr id="16" name="矩形 15"/>
+          <p:cNvSpPr/>
+          <p:nvPr/>
+        </p:nvSpPr>
+        <p:spPr>
+          <a:xfrm>
+            <a:off x="4224067" y="4597881"/>
+            <a:ext cx="1089805" cy="211079"/>
+          </a:xfrm>
+          <a:prstGeom prst="rect">
+            <a:avLst/>
+          </a:prstGeom>
+          <a:noFill/>
+          <a:ln w="38100">
+            <a:solidFill>
+              <a:srgbClr val="FF0000"/>
+            </a:solidFill>
+          </a:ln>
+        </p:spPr>
+        <p:style>
+          <a:lnRef idx="2">
+            <a:schemeClr val="accent1">
+              <a:shade val="50000"/>
+            </a:schemeClr>
+          </a:lnRef>
+          <a:fillRef idx="1">
+            <a:schemeClr val="accent1"/>
+          </a:fillRef>
+          <a:effectRef idx="0">
+            <a:schemeClr val="accent1"/>
+          </a:effectRef>
+          <a:fontRef idx="minor">
+            <a:schemeClr val="lt1"/>
+          </a:fontRef>
+        </p:style>
+        <p:txBody>
+          <a:bodyPr rtlCol="0" anchor="ctr"/>
+          <a:lstStyle/>
+          <a:p>
+            <a:pPr algn="ctr"/>
+            <a:endParaRPr lang="zh-TW" altLang="en-US"/>
+          </a:p>
+        </p:txBody>
+      </p:sp>
+      <p:sp>
+        <p:nvSpPr>
+          <p:cNvPr id="17" name="矩形 16"/>
+          <p:cNvSpPr/>
+          <p:nvPr/>
+        </p:nvSpPr>
+        <p:spPr>
+          <a:xfrm>
+            <a:off x="5313872" y="4639683"/>
+            <a:ext cx="3001992" cy="338554"/>
+          </a:xfrm>
+          <a:prstGeom prst="rect">
+            <a:avLst/>
+          </a:prstGeom>
+          <a:solidFill>
+            <a:schemeClr val="accent5">
+              <a:lumMod val="20000"/>
+              <a:lumOff val="80000"/>
+            </a:schemeClr>
+          </a:solidFill>
+        </p:spPr>
+        <p:txBody>
+          <a:bodyPr wrap="square">
+            <a:spAutoFit/>
+          </a:bodyPr>
+          <a:lstStyle/>
+          <a:p>
+            <a:r>
+              <a:rPr lang="en-US" altLang="zh-TW" sz="1600" dirty="0" smtClean="0"/>
+              <a:t>2.</a:t>
+            </a:r>
+            <a:r>
+              <a:rPr lang="zh-TW" altLang="en-US" sz="1600" dirty="0" smtClean="0"/>
+              <a:t>所有的值都會丟到這個物件</a:t>
+            </a:r>
+            <a:endParaRPr lang="en-US" altLang="zh-TW" sz="1600" dirty="0" smtClean="0"/>
+          </a:p>
+        </p:txBody>
+      </p:sp>
+      <p:cxnSp>
+        <p:nvCxnSpPr>
+          <p:cNvPr id="22" name="直線單箭頭接點 21"/>
+          <p:cNvCxnSpPr/>
+          <p:nvPr/>
+        </p:nvCxnSpPr>
+        <p:spPr>
+          <a:xfrm flipH="1" flipV="1">
+            <a:off x="4559705" y="1167955"/>
+            <a:ext cx="443617" cy="3429926"/>
+          </a:xfrm>
+          <a:prstGeom prst="straightConnector1">
+            <a:avLst/>
+          </a:prstGeom>
+          <a:ln w="38100">
+            <a:solidFill>
+              <a:srgbClr val="FF0000"/>
+            </a:solidFill>
+            <a:tailEnd type="arrow"/>
+          </a:ln>
+        </p:spPr>
+        <p:style>
+          <a:lnRef idx="1">
+            <a:schemeClr val="accent1"/>
+          </a:lnRef>
+          <a:fillRef idx="0">
+            <a:schemeClr val="accent1"/>
+          </a:fillRef>
+          <a:effectRef idx="0">
+            <a:schemeClr val="accent1"/>
+          </a:effectRef>
+          <a:fontRef idx="minor">
+            <a:schemeClr val="tx1"/>
+          </a:fontRef>
+        </p:style>
+      </p:cxnSp>
+      <p:sp>
+        <p:nvSpPr>
+          <p:cNvPr id="18" name="矩形 17"/>
+          <p:cNvSpPr/>
+          <p:nvPr/>
+        </p:nvSpPr>
+        <p:spPr>
+          <a:xfrm>
+            <a:off x="4366408" y="2742065"/>
+            <a:ext cx="4768966" cy="338554"/>
+          </a:xfrm>
+          <a:prstGeom prst="rect">
+            <a:avLst/>
+          </a:prstGeom>
+          <a:solidFill>
+            <a:schemeClr val="accent5">
+              <a:lumMod val="20000"/>
+              <a:lumOff val="80000"/>
+            </a:schemeClr>
+          </a:solidFill>
+        </p:spPr>
+        <p:txBody>
+          <a:bodyPr wrap="square">
+            <a:spAutoFit/>
+          </a:bodyPr>
+          <a:lstStyle/>
+          <a:p>
+            <a:r>
+              <a:rPr lang="en-US" altLang="zh-TW" sz="1600" dirty="0" smtClean="0"/>
+              <a:t>2.Creat e</a:t>
+            </a:r>
+            <a:r>
+              <a:rPr lang="zh-TW" altLang="en-US" sz="1600" dirty="0" smtClean="0"/>
+              <a:t> </a:t>
+            </a:r>
+            <a:r>
+              <a:rPr lang="en-US" altLang="zh-TW" sz="1600" dirty="0" smtClean="0"/>
+              <a:t>View</a:t>
+            </a:r>
+            <a:r>
+              <a:rPr lang="zh-TW" altLang="en-US" sz="1600" dirty="0" smtClean="0"/>
+              <a:t>把值丟進來</a:t>
+            </a:r>
+            <a:r>
+              <a:rPr lang="zh-TW" altLang="en-US" sz="1600" dirty="0"/>
+              <a:t> </a:t>
+            </a:r>
+            <a:r>
+              <a:rPr lang="zh-TW" altLang="en-US" sz="1600" dirty="0" smtClean="0"/>
+              <a:t> 接到之後 再把它建立出來</a:t>
+            </a:r>
+            <a:endParaRPr lang="en-US" altLang="zh-TW" sz="1600" dirty="0" smtClean="0"/>
+          </a:p>
+        </p:txBody>
+      </p:sp>
+      <p:sp>
+        <p:nvSpPr>
+          <p:cNvPr id="26" name="矩形 25"/>
+          <p:cNvSpPr/>
+          <p:nvPr/>
+        </p:nvSpPr>
+        <p:spPr>
+          <a:xfrm>
+            <a:off x="4841401" y="1515948"/>
+            <a:ext cx="4768966" cy="338554"/>
+          </a:xfrm>
+          <a:prstGeom prst="rect">
+            <a:avLst/>
+          </a:prstGeom>
+          <a:solidFill>
+            <a:schemeClr val="accent5">
+              <a:lumMod val="20000"/>
+              <a:lumOff val="80000"/>
+            </a:schemeClr>
+          </a:solidFill>
+        </p:spPr>
+        <p:txBody>
+          <a:bodyPr wrap="square">
+            <a:spAutoFit/>
+          </a:bodyPr>
+          <a:lstStyle/>
+          <a:p>
+            <a:r>
+              <a:rPr lang="en-US" altLang="zh-TW" sz="1600" dirty="0" smtClean="0"/>
+              <a:t>3.</a:t>
+            </a:r>
+            <a:r>
+              <a:rPr lang="zh-TW" altLang="en-US" sz="1600" dirty="0" smtClean="0"/>
+              <a:t>如果有錯誤的話留在</a:t>
+            </a:r>
+            <a:r>
+              <a:rPr lang="en-US" altLang="zh-TW" sz="1600" dirty="0" smtClean="0"/>
+              <a:t>Create</a:t>
+            </a:r>
+            <a:r>
+              <a:rPr lang="zh-TW" altLang="en-US" sz="1600" dirty="0" smtClean="0"/>
+              <a:t> </a:t>
+            </a:r>
+            <a:r>
+              <a:rPr lang="en-US" altLang="zh-TW" sz="1600" dirty="0"/>
+              <a:t>View</a:t>
+            </a:r>
+            <a:endParaRPr lang="en-US" altLang="zh-TW" sz="1600" dirty="0" smtClean="0"/>
+          </a:p>
+        </p:txBody>
+      </p:sp>
+      <p:cxnSp>
+        <p:nvCxnSpPr>
+          <p:cNvPr id="27" name="直線單箭頭接點 26"/>
+          <p:cNvCxnSpPr>
+            <a:endCxn id="26" idx="1"/>
+          </p:cNvCxnSpPr>
+          <p:nvPr/>
+        </p:nvCxnSpPr>
+        <p:spPr>
+          <a:xfrm>
+            <a:off x="2976113" y="1613140"/>
+            <a:ext cx="1865288" cy="72085"/>
+          </a:xfrm>
+          <a:prstGeom prst="straightConnector1">
+            <a:avLst/>
+          </a:prstGeom>
+          <a:ln w="38100">
+            <a:solidFill>
+              <a:srgbClr val="FF0000"/>
+            </a:solidFill>
+            <a:tailEnd type="arrow"/>
+          </a:ln>
+        </p:spPr>
+        <p:style>
+          <a:lnRef idx="1">
+            <a:schemeClr val="accent1"/>
+          </a:lnRef>
+          <a:fillRef idx="0">
+            <a:schemeClr val="accent1"/>
+          </a:fillRef>
+          <a:effectRef idx="0">
+            <a:schemeClr val="accent1"/>
+          </a:effectRef>
+          <a:fontRef idx="minor">
+            <a:schemeClr val="tx1"/>
+          </a:fontRef>
+        </p:style>
+      </p:cxnSp>
+    </p:spTree>
+    <p:extLst>
+      <p:ext uri="{BB962C8B-B14F-4D97-AF65-F5344CB8AC3E}">
+        <p14:creationId xmlns:p14="http://schemas.microsoft.com/office/powerpoint/2010/main" val="90517892"/>
+      </p:ext>
+    </p:extLst>
+  </p:cSld>
+  <p:clrMapOvr>
+    <a:masterClrMapping/>
+  </p:clrMapOvr>
+</p:sld>
+</file>
+
+<file path=ppt/slides/slide11.xml><?xml version="1.0" encoding="utf-8"?>
+<p:sld xmlns:a="http://schemas.openxmlformats.org/drawingml/2006/main" xmlns:r="http://schemas.openxmlformats.org/officeDocument/2006/relationships" xmlns:p="http://schemas.openxmlformats.org/presentationml/2006/main">
+  <p:cSld>
+    <p:spTree>
+      <p:nvGrpSpPr>
+        <p:cNvPr id="1" name=""/>
+        <p:cNvGrpSpPr/>
+        <p:nvPr/>
+      </p:nvGrpSpPr>
+      <p:grpSpPr>
+        <a:xfrm>
+          <a:off x="0" y="0"/>
+          <a:ext cx="0" cy="0"/>
+          <a:chOff x="0" y="0"/>
+          <a:chExt cx="0" cy="0"/>
+        </a:xfrm>
+      </p:grpSpPr>
+      <p:pic>
+        <p:nvPicPr>
+          <p:cNvPr id="4" name="Picture 2"/>
+          <p:cNvPicPr>
+            <a:picLocks noChangeAspect="1" noChangeArrowheads="1"/>
+          </p:cNvPicPr>
+          <p:nvPr/>
+        </p:nvPicPr>
+        <p:blipFill>
+          <a:blip r:embed="rId2">
+            <a:extLst>
+              <a:ext uri="{28A0092B-C50C-407E-A947-70E740481C1C}">
+                <a14:useLocalDpi xmlns:a14="http://schemas.microsoft.com/office/drawing/2010/main" val="0"/>
+              </a:ext>
+            </a:extLst>
+          </a:blip>
+          <a:srcRect/>
+          <a:stretch>
+            <a:fillRect/>
+          </a:stretch>
+        </p:blipFill>
+        <p:spPr bwMode="auto">
+          <a:xfrm>
+            <a:off x="215661" y="717879"/>
+            <a:ext cx="8248650" cy="5629275"/>
+          </a:xfrm>
+          <a:prstGeom prst="rect">
+            <a:avLst/>
+          </a:prstGeom>
+          <a:noFill/>
+          <a:ln>
+            <a:noFill/>
+          </a:ln>
+          <a:extLst>
+            <a:ext uri="{909E8E84-426E-40DD-AFC4-6F175D3DCCD1}">
+              <a14:hiddenFill xmlns:a14="http://schemas.microsoft.com/office/drawing/2010/main">
+                <a:solidFill>
+                  <a:schemeClr val="accent1"/>
+                </a:solidFill>
+              </a14:hiddenFill>
+            </a:ext>
+            <a:ext uri="{91240B29-F687-4F45-9708-019B960494DF}">
+              <a14:hiddenLine xmlns:a14="http://schemas.microsoft.com/office/drawing/2010/main" w="9525">
+                <a:solidFill>
+                  <a:schemeClr val="tx1"/>
+                </a:solidFill>
+                <a:miter lim="800000"/>
+                <a:headEnd/>
+                <a:tailEnd/>
+              </a14:hiddenLine>
+            </a:ext>
+          </a:extLst>
+        </p:spPr>
+      </p:pic>
+      <p:sp>
+        <p:nvSpPr>
+          <p:cNvPr id="5" name="矩形 4"/>
+          <p:cNvSpPr/>
+          <p:nvPr/>
+        </p:nvSpPr>
+        <p:spPr>
+          <a:xfrm>
+            <a:off x="4401986" y="3228209"/>
+            <a:ext cx="2527184" cy="338554"/>
+          </a:xfrm>
+          <a:prstGeom prst="rect">
+            <a:avLst/>
+          </a:prstGeom>
+          <a:solidFill>
+            <a:schemeClr val="accent5">
+              <a:lumMod val="40000"/>
+              <a:lumOff val="60000"/>
+            </a:schemeClr>
+          </a:solidFill>
+        </p:spPr>
+        <p:txBody>
+          <a:bodyPr wrap="square">
+            <a:spAutoFit/>
+          </a:bodyPr>
+          <a:lstStyle/>
+          <a:p>
+            <a:r>
+              <a:rPr lang="zh-TW" altLang="en-US" sz="1600" dirty="0" smtClean="0"/>
+              <a:t>建立 </a:t>
+            </a:r>
+            <a:r>
+              <a:rPr lang="en-US" altLang="zh-TW" sz="1600" dirty="0" err="1" smtClean="0"/>
+              <a:t>gamerBusinessLayer</a:t>
+            </a:r>
+            <a:endParaRPr lang="en-US" altLang="zh-TW" sz="1600" dirty="0" smtClean="0"/>
+          </a:p>
+        </p:txBody>
+      </p:sp>
+      <p:sp>
+        <p:nvSpPr>
+          <p:cNvPr id="6" name="矩形 5"/>
+          <p:cNvSpPr/>
+          <p:nvPr/>
+        </p:nvSpPr>
+        <p:spPr>
+          <a:xfrm>
+            <a:off x="5201366" y="3785103"/>
+            <a:ext cx="1432346" cy="338554"/>
+          </a:xfrm>
+          <a:prstGeom prst="rect">
+            <a:avLst/>
+          </a:prstGeom>
+          <a:solidFill>
+            <a:schemeClr val="accent5">
+              <a:lumMod val="40000"/>
+              <a:lumOff val="60000"/>
+            </a:schemeClr>
+          </a:solidFill>
+        </p:spPr>
+        <p:txBody>
+          <a:bodyPr wrap="square">
+            <a:spAutoFit/>
+          </a:bodyPr>
+          <a:lstStyle/>
+          <a:p>
+            <a:r>
+              <a:rPr lang="zh-TW" altLang="en-US" sz="1600" dirty="0" smtClean="0"/>
+              <a:t>再建立 </a:t>
+            </a:r>
+            <a:r>
+              <a:rPr lang="en-US" altLang="zh-TW" sz="1600" dirty="0" smtClean="0"/>
+              <a:t>gamer</a:t>
+            </a:r>
+          </a:p>
+        </p:txBody>
+      </p:sp>
+      <p:sp>
+        <p:nvSpPr>
+          <p:cNvPr id="7" name="矩形 6"/>
+          <p:cNvSpPr/>
+          <p:nvPr/>
+        </p:nvSpPr>
+        <p:spPr>
+          <a:xfrm>
+            <a:off x="2821731" y="4224298"/>
+            <a:ext cx="3195014" cy="584775"/>
+          </a:xfrm>
+          <a:prstGeom prst="rect">
+            <a:avLst/>
+          </a:prstGeom>
+          <a:solidFill>
+            <a:schemeClr val="accent5">
+              <a:lumMod val="40000"/>
+              <a:lumOff val="60000"/>
+            </a:schemeClr>
+          </a:solidFill>
+        </p:spPr>
+        <p:txBody>
+          <a:bodyPr wrap="square">
+            <a:spAutoFit/>
+          </a:bodyPr>
+          <a:lstStyle/>
+          <a:p>
+            <a:r>
+              <a:rPr lang="zh-TW" altLang="en-US" sz="1600" dirty="0" smtClean="0"/>
+              <a:t>用</a:t>
+            </a:r>
+            <a:r>
+              <a:rPr lang="en-US" altLang="zh-TW" sz="1600" dirty="0" err="1" smtClean="0"/>
+              <a:t>TryUpdateModel</a:t>
+            </a:r>
+            <a:r>
+              <a:rPr lang="zh-TW" altLang="en-US" sz="1600" dirty="0" smtClean="0"/>
+              <a:t> 的方式將</a:t>
+            </a:r>
+            <a:r>
+              <a:rPr lang="en-US" altLang="zh-TW" sz="1600" dirty="0" smtClean="0"/>
+              <a:t>gamer</a:t>
+            </a:r>
+            <a:r>
+              <a:rPr lang="zh-TW" altLang="en-US" sz="1600" dirty="0" smtClean="0"/>
+              <a:t>  </a:t>
+            </a:r>
+            <a:r>
+              <a:rPr lang="en-US" altLang="zh-TW" sz="1600" dirty="0" smtClean="0"/>
+              <a:t>Update</a:t>
+            </a:r>
+            <a:r>
+              <a:rPr lang="zh-TW" altLang="en-US" sz="1600" dirty="0" smtClean="0"/>
+              <a:t>裡面的資料</a:t>
+            </a:r>
+            <a:endParaRPr lang="en-US" altLang="zh-TW" sz="1600" dirty="0" smtClean="0"/>
+          </a:p>
+        </p:txBody>
+      </p:sp>
+      <p:sp>
+        <p:nvSpPr>
+          <p:cNvPr id="8" name="矩形 7"/>
+          <p:cNvSpPr/>
+          <p:nvPr/>
+        </p:nvSpPr>
+        <p:spPr>
+          <a:xfrm>
+            <a:off x="3697941" y="5587211"/>
+            <a:ext cx="1442593" cy="338554"/>
+          </a:xfrm>
+          <a:prstGeom prst="rect">
+            <a:avLst/>
+          </a:prstGeom>
+          <a:solidFill>
+            <a:schemeClr val="accent5">
+              <a:lumMod val="40000"/>
+              <a:lumOff val="60000"/>
+            </a:schemeClr>
+          </a:solidFill>
+        </p:spPr>
+        <p:txBody>
+          <a:bodyPr wrap="square">
+            <a:spAutoFit/>
+          </a:bodyPr>
+          <a:lstStyle/>
+          <a:p>
+            <a:r>
+              <a:rPr lang="zh-TW" altLang="en-US" sz="1600" dirty="0" smtClean="0"/>
+              <a:t>再加進這個</a:t>
+            </a:r>
+            <a:r>
+              <a:rPr lang="en-US" altLang="zh-TW" sz="1600" dirty="0" err="1" smtClean="0"/>
+              <a:t>sp</a:t>
+            </a:r>
+            <a:endParaRPr lang="en-US" altLang="zh-TW" sz="1600" dirty="0" smtClean="0"/>
+          </a:p>
+        </p:txBody>
+      </p:sp>
+      <p:sp>
+        <p:nvSpPr>
+          <p:cNvPr id="9" name="矩形 8"/>
+          <p:cNvSpPr/>
+          <p:nvPr/>
+        </p:nvSpPr>
+        <p:spPr>
+          <a:xfrm>
+            <a:off x="6745857" y="4688181"/>
+            <a:ext cx="4830792" cy="461665"/>
+          </a:xfrm>
+          <a:prstGeom prst="rect">
+            <a:avLst/>
+          </a:prstGeom>
+          <a:solidFill>
+            <a:schemeClr val="accent4">
+              <a:lumMod val="20000"/>
+              <a:lumOff val="80000"/>
+            </a:schemeClr>
+          </a:solidFill>
+        </p:spPr>
+        <p:txBody>
+          <a:bodyPr wrap="square">
+            <a:spAutoFit/>
+          </a:bodyPr>
+          <a:lstStyle/>
+          <a:p>
+            <a:r>
+              <a:rPr lang="en-US" altLang="zh-TW" sz="1200" dirty="0" err="1"/>
+              <a:t>UpdateModel</a:t>
+            </a:r>
+            <a:r>
+              <a:rPr lang="en-US" altLang="zh-TW" sz="1200" dirty="0"/>
+              <a:t>() </a:t>
+            </a:r>
+            <a:r>
+              <a:rPr lang="zh-TW" altLang="en-US" sz="1200" dirty="0" smtClean="0"/>
+              <a:t>和</a:t>
+            </a:r>
+            <a:r>
+              <a:rPr lang="en-US" altLang="zh-TW" sz="1200" dirty="0" smtClean="0"/>
+              <a:t> </a:t>
+            </a:r>
+            <a:r>
+              <a:rPr lang="en-US" altLang="zh-TW" sz="1200" dirty="0" err="1"/>
+              <a:t>TryUpdateModel</a:t>
+            </a:r>
+            <a:r>
+              <a:rPr lang="en-US" altLang="zh-TW" sz="1200" dirty="0" smtClean="0"/>
+              <a:t>()</a:t>
+            </a:r>
+            <a:r>
+              <a:rPr lang="zh-TW" altLang="en-US" sz="1200" dirty="0" smtClean="0"/>
+              <a:t> 會檢查所有的</a:t>
+            </a:r>
+            <a:r>
+              <a:rPr lang="en-US" altLang="zh-TW" sz="1200" dirty="0" err="1"/>
+              <a:t>HttpRequest</a:t>
+            </a:r>
+            <a:r>
+              <a:rPr lang="en-US" altLang="zh-TW" sz="1200" dirty="0"/>
+              <a:t> </a:t>
+            </a:r>
+            <a:r>
+              <a:rPr lang="en-US" altLang="zh-TW" sz="1200" dirty="0" smtClean="0"/>
+              <a:t>inputs</a:t>
+            </a:r>
+            <a:br>
+              <a:rPr lang="en-US" altLang="zh-TW" sz="1200" dirty="0" smtClean="0"/>
+            </a:br>
+            <a:r>
+              <a:rPr lang="zh-TW" altLang="en-US" sz="1200" dirty="0" smtClean="0"/>
+              <a:t>把</a:t>
+            </a:r>
+            <a:r>
+              <a:rPr lang="en-US" altLang="zh-TW" sz="1200" dirty="0"/>
+              <a:t>form</a:t>
+            </a:r>
+            <a:r>
+              <a:rPr lang="zh-TW" altLang="en-US" sz="1200" dirty="0" smtClean="0"/>
+              <a:t>所有的資料</a:t>
+            </a:r>
+            <a:r>
+              <a:rPr lang="en-US" altLang="zh-TW" sz="1200" dirty="0" smtClean="0"/>
+              <a:t>Update</a:t>
+            </a:r>
+            <a:r>
+              <a:rPr lang="zh-TW" altLang="en-US" sz="1200" dirty="0" smtClean="0"/>
+              <a:t>到這個物件來</a:t>
+            </a:r>
+            <a:endParaRPr lang="en-US" altLang="zh-TW" sz="1200" dirty="0" smtClean="0"/>
+          </a:p>
+        </p:txBody>
+      </p:sp>
+      <p:sp>
+        <p:nvSpPr>
+          <p:cNvPr id="10" name="矩形 9"/>
+          <p:cNvSpPr/>
+          <p:nvPr/>
+        </p:nvSpPr>
+        <p:spPr>
+          <a:xfrm>
+            <a:off x="6192328" y="881153"/>
+            <a:ext cx="5937849" cy="2339102"/>
+          </a:xfrm>
+          <a:prstGeom prst="rect">
+            <a:avLst/>
+          </a:prstGeom>
+          <a:solidFill>
+            <a:schemeClr val="accent4">
+              <a:lumMod val="20000"/>
+              <a:lumOff val="80000"/>
+            </a:schemeClr>
+          </a:solidFill>
+        </p:spPr>
+        <p:txBody>
+          <a:bodyPr wrap="square">
+            <a:spAutoFit/>
+          </a:bodyPr>
+          <a:lstStyle/>
+          <a:p>
+            <a:r>
+              <a:rPr lang="en-US" altLang="zh-TW" sz="1600" dirty="0"/>
+              <a:t>3.4.1.</a:t>
+            </a:r>
+          </a:p>
+          <a:p>
+            <a:r>
+              <a:rPr lang="en-US" altLang="zh-TW" sz="1600" dirty="0" err="1"/>
+              <a:t>UpdateModel</a:t>
+            </a:r>
+            <a:r>
+              <a:rPr lang="en-US" altLang="zh-TW" sz="1600" dirty="0"/>
+              <a:t>() and </a:t>
+            </a:r>
+            <a:r>
+              <a:rPr lang="en-US" altLang="zh-TW" sz="1600" dirty="0" err="1"/>
+              <a:t>TryUpdateModel</a:t>
+            </a:r>
+            <a:r>
+              <a:rPr lang="en-US" altLang="zh-TW" sz="1600" dirty="0"/>
+              <a:t>() inspects all the </a:t>
+            </a:r>
+            <a:r>
+              <a:rPr lang="en-US" altLang="zh-TW" sz="1600" dirty="0" err="1"/>
+              <a:t>HttpRequest</a:t>
+            </a:r>
+            <a:r>
+              <a:rPr lang="en-US" altLang="zh-TW" sz="1600" dirty="0"/>
+              <a:t> inputs </a:t>
+            </a:r>
+          </a:p>
+          <a:p>
+            <a:r>
+              <a:rPr lang="en-US" altLang="zh-TW" sz="1600" dirty="0"/>
+              <a:t>such as posted Form data, </a:t>
+            </a:r>
+            <a:r>
+              <a:rPr lang="en-US" altLang="zh-TW" sz="1600" dirty="0" err="1"/>
+              <a:t>QueryString</a:t>
+            </a:r>
+            <a:r>
+              <a:rPr lang="en-US" altLang="zh-TW" sz="1600" dirty="0"/>
+              <a:t>, </a:t>
+            </a:r>
+          </a:p>
+          <a:p>
+            <a:r>
+              <a:rPr lang="en-US" altLang="zh-TW" sz="1600" dirty="0"/>
+              <a:t>Cookies and Server variables and populate the gamer object</a:t>
+            </a:r>
+            <a:r>
+              <a:rPr lang="en-US" altLang="zh-TW" sz="1600" dirty="0" smtClean="0"/>
+              <a:t>.</a:t>
+            </a:r>
+            <a:br>
+              <a:rPr lang="en-US" altLang="zh-TW" sz="1600" dirty="0" smtClean="0"/>
+            </a:br>
+            <a:r>
+              <a:rPr lang="en-US" altLang="zh-TW" sz="1600" dirty="0" smtClean="0"/>
+              <a:t>3.4.2</a:t>
+            </a:r>
+            <a:r>
+              <a:rPr lang="en-US" altLang="zh-TW" sz="1600" dirty="0"/>
+              <a:t>.</a:t>
+            </a:r>
+          </a:p>
+          <a:p>
+            <a:r>
+              <a:rPr lang="en-US" altLang="zh-TW" sz="1600" dirty="0" err="1"/>
+              <a:t>UpdateModel</a:t>
+            </a:r>
+            <a:r>
+              <a:rPr lang="en-US" altLang="zh-TW" sz="1600" dirty="0"/>
+              <a:t>() throws an exception if validation fails.</a:t>
+            </a:r>
+          </a:p>
+          <a:p>
+            <a:r>
+              <a:rPr lang="en-US" altLang="zh-TW" sz="1600" dirty="0" err="1"/>
+              <a:t>TryUpdateModel</a:t>
+            </a:r>
+            <a:r>
+              <a:rPr lang="en-US" altLang="zh-TW" sz="1600" dirty="0"/>
+              <a:t>() will never throw an exception and </a:t>
+            </a:r>
+          </a:p>
+          <a:p>
+            <a:r>
+              <a:rPr lang="en-US" altLang="zh-TW" sz="1600" dirty="0"/>
+              <a:t>return </a:t>
+            </a:r>
+            <a:r>
+              <a:rPr lang="en-US" altLang="zh-TW" sz="1600" dirty="0" err="1"/>
+              <a:t>fal</a:t>
+            </a:r>
+            <a:endParaRPr lang="zh-TW" altLang="en-US" sz="1600" dirty="0"/>
+          </a:p>
+        </p:txBody>
+      </p:sp>
+    </p:spTree>
+    <p:extLst>
+      <p:ext uri="{BB962C8B-B14F-4D97-AF65-F5344CB8AC3E}">
+        <p14:creationId xmlns:p14="http://schemas.microsoft.com/office/powerpoint/2010/main" val="615709001"/>
+      </p:ext>
+    </p:extLst>
+  </p:cSld>
+  <p:clrMapOvr>
+    <a:masterClrMapping/>
+  </p:clrMapOvr>
+</p:sld>
+</file>
+
+<file path=ppt/slides/slide12.xml><?xml version="1.0" encoding="utf-8"?>
+<p:sld xmlns:a="http://schemas.openxmlformats.org/drawingml/2006/main" xmlns:r="http://schemas.openxmlformats.org/officeDocument/2006/relationships" xmlns:p="http://schemas.openxmlformats.org/presentationml/2006/main">
+  <p:cSld>
+    <p:spTree>
+      <p:nvGrpSpPr>
+        <p:cNvPr id="1" name=""/>
+        <p:cNvGrpSpPr/>
+        <p:nvPr/>
+      </p:nvGrpSpPr>
+      <p:grpSpPr>
+        <a:xfrm>
+          <a:off x="0" y="0"/>
+          <a:ext cx="0" cy="0"/>
+          <a:chOff x="0" y="0"/>
+          <a:chExt cx="0" cy="0"/>
+        </a:xfrm>
+      </p:grpSpPr>
+      <p:pic>
+        <p:nvPicPr>
+          <p:cNvPr id="6" name="Picture 2"/>
+          <p:cNvPicPr>
+            <a:picLocks noChangeAspect="1" noChangeArrowheads="1"/>
+          </p:cNvPicPr>
+          <p:nvPr/>
+        </p:nvPicPr>
+        <p:blipFill>
+          <a:blip r:embed="rId2">
+            <a:extLst>
+              <a:ext uri="{28A0092B-C50C-407E-A947-70E740481C1C}">
+                <a14:useLocalDpi xmlns:a14="http://schemas.microsoft.com/office/drawing/2010/main" val="0"/>
+              </a:ext>
+            </a:extLst>
+          </a:blip>
+          <a:srcRect/>
+          <a:stretch>
+            <a:fillRect/>
+          </a:stretch>
+        </p:blipFill>
+        <p:spPr bwMode="auto">
+          <a:xfrm>
+            <a:off x="232434" y="126999"/>
+            <a:ext cx="9127976" cy="6549846"/>
+          </a:xfrm>
+          <a:prstGeom prst="rect">
+            <a:avLst/>
+          </a:prstGeom>
+          <a:noFill/>
+          <a:ln>
+            <a:noFill/>
+          </a:ln>
+          <a:extLst>
+            <a:ext uri="{909E8E84-426E-40DD-AFC4-6F175D3DCCD1}">
+              <a14:hiddenFill xmlns:a14="http://schemas.microsoft.com/office/drawing/2010/main">
+                <a:solidFill>
+                  <a:schemeClr val="accent1"/>
+                </a:solidFill>
+              </a14:hiddenFill>
+            </a:ext>
+            <a:ext uri="{91240B29-F687-4F45-9708-019B960494DF}">
+              <a14:hiddenLine xmlns:a14="http://schemas.microsoft.com/office/drawing/2010/main" w="9525">
+                <a:solidFill>
+                  <a:schemeClr val="tx1"/>
+                </a:solidFill>
+                <a:miter lim="800000"/>
+                <a:headEnd/>
+                <a:tailEnd/>
+              </a14:hiddenLine>
+            </a:ext>
+          </a:extLst>
+        </p:spPr>
+      </p:pic>
+      <p:sp>
+        <p:nvSpPr>
+          <p:cNvPr id="7" name="矩形 6"/>
+          <p:cNvSpPr/>
+          <p:nvPr/>
+        </p:nvSpPr>
+        <p:spPr>
+          <a:xfrm>
+            <a:off x="4693664" y="793025"/>
+            <a:ext cx="3327283" cy="338554"/>
+          </a:xfrm>
+          <a:prstGeom prst="rect">
+            <a:avLst/>
+          </a:prstGeom>
+          <a:solidFill>
+            <a:schemeClr val="accent5">
+              <a:lumMod val="40000"/>
+              <a:lumOff val="60000"/>
+            </a:schemeClr>
+          </a:solidFill>
+        </p:spPr>
+        <p:txBody>
+          <a:bodyPr wrap="square">
+            <a:spAutoFit/>
+          </a:bodyPr>
+          <a:lstStyle/>
+          <a:p>
+            <a:r>
+              <a:rPr lang="zh-TW" altLang="en-US" sz="1600" dirty="0" smtClean="0"/>
+              <a:t>把</a:t>
+            </a:r>
+            <a:r>
+              <a:rPr lang="en-US" altLang="zh-TW" sz="1600" dirty="0" smtClean="0"/>
+              <a:t>gamer</a:t>
+            </a:r>
+            <a:r>
+              <a:rPr lang="zh-TW" altLang="en-US" sz="1600" dirty="0" smtClean="0"/>
+              <a:t>丟進去就會把</a:t>
+            </a:r>
+            <a:r>
+              <a:rPr lang="en-US" altLang="zh-TW" sz="1600" dirty="0" smtClean="0"/>
+              <a:t>gamer </a:t>
+            </a:r>
+            <a:r>
+              <a:rPr lang="zh-TW" altLang="en-US" sz="1600" dirty="0" smtClean="0"/>
+              <a:t>更新</a:t>
+            </a:r>
+            <a:endParaRPr lang="en-US" altLang="zh-TW" sz="1600" dirty="0" smtClean="0"/>
+          </a:p>
+        </p:txBody>
+      </p:sp>
+      <p:sp>
+        <p:nvSpPr>
+          <p:cNvPr id="8" name="矩形 7"/>
+          <p:cNvSpPr/>
+          <p:nvPr/>
+        </p:nvSpPr>
+        <p:spPr>
+          <a:xfrm>
+            <a:off x="3183148" y="2376068"/>
+            <a:ext cx="2449902" cy="276999"/>
+          </a:xfrm>
+          <a:prstGeom prst="rect">
+            <a:avLst/>
+          </a:prstGeom>
+          <a:solidFill>
+            <a:schemeClr val="accent4">
+              <a:lumMod val="20000"/>
+              <a:lumOff val="80000"/>
+            </a:schemeClr>
+          </a:solidFill>
+        </p:spPr>
+        <p:txBody>
+          <a:bodyPr wrap="square">
+            <a:spAutoFit/>
+          </a:bodyPr>
+          <a:lstStyle/>
+          <a:p>
+            <a:r>
+              <a:rPr lang="zh-TW" altLang="en-US" sz="1200" dirty="0" smtClean="0"/>
+              <a:t>跑</a:t>
+            </a:r>
+            <a:r>
+              <a:rPr lang="en-US" altLang="zh-TW" sz="1200" dirty="0" smtClean="0"/>
+              <a:t>T-SQL</a:t>
+            </a:r>
+            <a:r>
+              <a:rPr lang="zh-TW" altLang="en-US" sz="1200" dirty="0" smtClean="0"/>
+              <a:t>的語法  後面加他的參數</a:t>
+            </a:r>
+            <a:endParaRPr lang="en-US" altLang="zh-TW" sz="1200" dirty="0" smtClean="0"/>
+          </a:p>
+        </p:txBody>
+      </p:sp>
+      <p:sp>
+        <p:nvSpPr>
+          <p:cNvPr id="9" name="矩形 8"/>
+          <p:cNvSpPr/>
+          <p:nvPr/>
+        </p:nvSpPr>
+        <p:spPr>
+          <a:xfrm>
+            <a:off x="6487064" y="1849149"/>
+            <a:ext cx="5072332" cy="261610"/>
+          </a:xfrm>
+          <a:prstGeom prst="rect">
+            <a:avLst/>
+          </a:prstGeom>
+          <a:solidFill>
+            <a:schemeClr val="accent5">
+              <a:lumMod val="40000"/>
+              <a:lumOff val="60000"/>
+            </a:schemeClr>
+          </a:solidFill>
+        </p:spPr>
+        <p:txBody>
+          <a:bodyPr wrap="square">
+            <a:spAutoFit/>
+          </a:bodyPr>
+          <a:lstStyle/>
+          <a:p>
+            <a:r>
+              <a:rPr lang="zh-TW" altLang="en-US" sz="1100" dirty="0"/>
+              <a:t>取得</a:t>
+            </a:r>
+            <a:r>
+              <a:rPr lang="en-US" altLang="zh-TW" sz="1100" dirty="0" err="1"/>
+              <a:t>ConnectionString</a:t>
+            </a:r>
+            <a:r>
+              <a:rPr lang="en-US" altLang="zh-TW" sz="1100" dirty="0"/>
+              <a:t> </a:t>
+            </a:r>
+            <a:r>
+              <a:rPr lang="zh-TW" altLang="en-US" sz="1100" dirty="0"/>
+              <a:t>建立 </a:t>
+            </a:r>
+            <a:r>
+              <a:rPr lang="en-US" altLang="zh-TW" sz="1100" dirty="0" err="1"/>
+              <a:t>SqlConnection</a:t>
+            </a:r>
+            <a:r>
+              <a:rPr lang="en-US" altLang="zh-TW" sz="1100" dirty="0"/>
+              <a:t> </a:t>
+            </a:r>
+            <a:r>
+              <a:rPr lang="zh-TW" altLang="en-US" sz="1100" dirty="0"/>
+              <a:t>後跑完後從</a:t>
+            </a:r>
+            <a:r>
+              <a:rPr lang="en-US" altLang="zh-TW" sz="1100" dirty="0"/>
+              <a:t>memory</a:t>
+            </a:r>
+            <a:r>
+              <a:rPr lang="zh-TW" altLang="en-US" sz="1100" dirty="0"/>
+              <a:t>清除掉 </a:t>
+            </a:r>
+            <a:r>
+              <a:rPr lang="en-US" altLang="zh-TW" sz="1100" dirty="0" err="1"/>
+              <a:t>SqlConnection</a:t>
+            </a:r>
+            <a:endParaRPr lang="en-US" altLang="zh-TW" sz="1100" dirty="0" smtClean="0"/>
+          </a:p>
+        </p:txBody>
+      </p:sp>
+      <p:sp>
+        <p:nvSpPr>
+          <p:cNvPr id="10" name="矩形 9"/>
+          <p:cNvSpPr/>
+          <p:nvPr/>
+        </p:nvSpPr>
+        <p:spPr>
+          <a:xfrm>
+            <a:off x="6001109" y="2363859"/>
+            <a:ext cx="5072332" cy="430887"/>
+          </a:xfrm>
+          <a:prstGeom prst="rect">
+            <a:avLst/>
+          </a:prstGeom>
+          <a:solidFill>
+            <a:schemeClr val="accent5">
+              <a:lumMod val="40000"/>
+              <a:lumOff val="60000"/>
+            </a:schemeClr>
+          </a:solidFill>
+        </p:spPr>
+        <p:txBody>
+          <a:bodyPr wrap="square">
+            <a:spAutoFit/>
+          </a:bodyPr>
+          <a:lstStyle/>
+          <a:p>
+            <a:r>
+              <a:rPr lang="en-US" altLang="zh-TW" sz="1100" dirty="0"/>
+              <a:t>//</a:t>
+            </a:r>
+            <a:r>
+              <a:rPr lang="zh-TW" altLang="en-US" sz="1100" dirty="0"/>
+              <a:t>把</a:t>
+            </a:r>
+            <a:r>
+              <a:rPr lang="en-US" altLang="zh-TW" sz="1100" dirty="0"/>
+              <a:t>Gamer</a:t>
+            </a:r>
+            <a:r>
+              <a:rPr lang="zh-TW" altLang="en-US" sz="1100" dirty="0"/>
+              <a:t>透過</a:t>
+            </a:r>
+            <a:r>
+              <a:rPr lang="en-US" altLang="zh-TW" sz="1100" dirty="0" err="1"/>
+              <a:t>spAddGamer</a:t>
+            </a:r>
+            <a:r>
+              <a:rPr lang="zh-TW" altLang="en-US" sz="1100" dirty="0"/>
+              <a:t>加進</a:t>
+            </a:r>
+            <a:r>
+              <a:rPr lang="en-US" altLang="zh-TW" sz="1100" dirty="0" err="1"/>
+              <a:t>DataBase</a:t>
+            </a:r>
+            <a:r>
+              <a:rPr lang="zh-TW" altLang="en-US" sz="1100" dirty="0" smtClean="0"/>
+              <a:t>裡面</a:t>
+            </a:r>
+            <a:endParaRPr lang="en-US" altLang="zh-TW" sz="1100" dirty="0" smtClean="0"/>
+          </a:p>
+          <a:p>
+            <a:r>
+              <a:rPr lang="zh-TW" altLang="en-US" sz="1100" dirty="0"/>
+              <a:t>去</a:t>
+            </a:r>
+            <a:r>
+              <a:rPr lang="zh-TW" altLang="en-US" sz="1100" dirty="0" smtClean="0"/>
+              <a:t>執行</a:t>
+            </a:r>
+            <a:r>
+              <a:rPr lang="en-US" altLang="zh-TW" sz="1100" dirty="0" err="1"/>
+              <a:t>spSaveGamer</a:t>
+            </a:r>
+            <a:endParaRPr lang="en-US" altLang="zh-TW" sz="1100" dirty="0" smtClean="0"/>
+          </a:p>
+        </p:txBody>
+      </p:sp>
+      <p:sp>
+        <p:nvSpPr>
+          <p:cNvPr id="11" name="矩形 10"/>
+          <p:cNvSpPr/>
+          <p:nvPr/>
+        </p:nvSpPr>
+        <p:spPr>
+          <a:xfrm>
+            <a:off x="5096592" y="3416087"/>
+            <a:ext cx="5072332" cy="261610"/>
+          </a:xfrm>
+          <a:prstGeom prst="rect">
+            <a:avLst/>
+          </a:prstGeom>
+          <a:solidFill>
+            <a:schemeClr val="accent5">
+              <a:lumMod val="40000"/>
+              <a:lumOff val="60000"/>
+            </a:schemeClr>
+          </a:solidFill>
+        </p:spPr>
+        <p:txBody>
+          <a:bodyPr wrap="square">
+            <a:spAutoFit/>
+          </a:bodyPr>
+          <a:lstStyle/>
+          <a:p>
+            <a:r>
+              <a:rPr lang="zh-TW" altLang="en-US" sz="1100" dirty="0"/>
+              <a:t>把每個</a:t>
+            </a:r>
+            <a:r>
+              <a:rPr lang="zh-TW" altLang="en-US" sz="1100" dirty="0" smtClean="0"/>
+              <a:t>參數加到</a:t>
+            </a:r>
+            <a:r>
+              <a:rPr lang="en-US" altLang="zh-TW" sz="1100" dirty="0" err="1" smtClean="0"/>
+              <a:t>cmd</a:t>
+            </a:r>
+            <a:r>
+              <a:rPr lang="zh-TW" altLang="en-US" sz="1100" dirty="0" smtClean="0"/>
+              <a:t>裡面</a:t>
+            </a:r>
+            <a:endParaRPr lang="en-US" altLang="zh-TW" sz="1100" dirty="0" smtClean="0"/>
+          </a:p>
+        </p:txBody>
+      </p:sp>
+    </p:spTree>
+    <p:extLst>
+      <p:ext uri="{BB962C8B-B14F-4D97-AF65-F5344CB8AC3E}">
+        <p14:creationId xmlns:p14="http://schemas.microsoft.com/office/powerpoint/2010/main" val="2915066962"/>
       </p:ext>
     </p:extLst>
   </p:cSld>
@@ -3552,7 +5200,7 @@
           <p:cNvPr id="6" name="圖片 5">
             <a:extLst>
               <a:ext uri="{FF2B5EF4-FFF2-40B4-BE49-F238E27FC236}">
-                <a16:creationId xmlns:a16="http://schemas.microsoft.com/office/drawing/2014/main" xmlns="" id="{3D2AD7E2-E957-4DB7-B9AD-96CC48379E46}"/>
+                <a16:creationId xmlns="" xmlns:a16="http://schemas.microsoft.com/office/drawing/2014/main" id="{3D2AD7E2-E957-4DB7-B9AD-96CC48379E46}"/>
               </a:ext>
             </a:extLst>
           </p:cNvPr>
@@ -3582,7 +5230,7 @@
           <p:cNvPr id="5" name="語音泡泡: 圓角矩形 4">
             <a:extLst>
               <a:ext uri="{FF2B5EF4-FFF2-40B4-BE49-F238E27FC236}">
-                <a16:creationId xmlns:a16="http://schemas.microsoft.com/office/drawing/2014/main" xmlns="" id="{F2ED1D7E-7D1C-4A56-9353-26E2C7E209EB}"/>
+                <a16:creationId xmlns="" xmlns:a16="http://schemas.microsoft.com/office/drawing/2014/main" id="{F2ED1D7E-7D1C-4A56-9353-26E2C7E209EB}"/>
               </a:ext>
             </a:extLst>
           </p:cNvPr>
@@ -3661,7 +5309,7 @@
           <p:cNvPr id="7" name="語音泡泡: 圓角矩形 6">
             <a:extLst>
               <a:ext uri="{FF2B5EF4-FFF2-40B4-BE49-F238E27FC236}">
-                <a16:creationId xmlns:a16="http://schemas.microsoft.com/office/drawing/2014/main" xmlns="" id="{E1486E0C-4024-47AF-A99B-32C763660AF4}"/>
+                <a16:creationId xmlns="" xmlns:a16="http://schemas.microsoft.com/office/drawing/2014/main" id="{E1486E0C-4024-47AF-A99B-32C763660AF4}"/>
               </a:ext>
             </a:extLst>
           </p:cNvPr>
@@ -3845,7 +5493,7 @@
           <p:cNvPr id="5" name="語音泡泡: 圓角矩形 6">
             <a:extLst>
               <a:ext uri="{FF2B5EF4-FFF2-40B4-BE49-F238E27FC236}">
-                <a16:creationId xmlns:a16="http://schemas.microsoft.com/office/drawing/2014/main" xmlns="" id="{E1486E0C-4024-47AF-A99B-32C763660AF4}"/>
+                <a16:creationId xmlns="" xmlns:a16="http://schemas.microsoft.com/office/drawing/2014/main" id="{E1486E0C-4024-47AF-A99B-32C763660AF4}"/>
               </a:ext>
             </a:extLst>
           </p:cNvPr>
@@ -3975,7 +5623,7 @@
           <p:cNvPr id="6" name="語音泡泡: 圓角矩形 6">
             <a:extLst>
               <a:ext uri="{FF2B5EF4-FFF2-40B4-BE49-F238E27FC236}">
-                <a16:creationId xmlns:a16="http://schemas.microsoft.com/office/drawing/2014/main" xmlns="" id="{E1486E0C-4024-47AF-A99B-32C763660AF4}"/>
+                <a16:creationId xmlns="" xmlns:a16="http://schemas.microsoft.com/office/drawing/2014/main" id="{E1486E0C-4024-47AF-A99B-32C763660AF4}"/>
               </a:ext>
             </a:extLst>
           </p:cNvPr>
@@ -4065,7 +5713,7 @@
           <p:cNvPr id="7" name="語音泡泡: 圓角矩形 6">
             <a:extLst>
               <a:ext uri="{FF2B5EF4-FFF2-40B4-BE49-F238E27FC236}">
-                <a16:creationId xmlns:a16="http://schemas.microsoft.com/office/drawing/2014/main" xmlns="" id="{E1486E0C-4024-47AF-A99B-32C763660AF4}"/>
+                <a16:creationId xmlns="" xmlns:a16="http://schemas.microsoft.com/office/drawing/2014/main" id="{E1486E0C-4024-47AF-A99B-32C763660AF4}"/>
               </a:ext>
             </a:extLst>
           </p:cNvPr>
@@ -4224,6 +5872,2984 @@
     <p:extLst>
       <p:ext uri="{BB962C8B-B14F-4D97-AF65-F5344CB8AC3E}">
         <p14:creationId xmlns:p14="http://schemas.microsoft.com/office/powerpoint/2010/main" val="1216077045"/>
+      </p:ext>
+    </p:extLst>
+  </p:cSld>
+  <p:clrMapOvr>
+    <a:masterClrMapping/>
+  </p:clrMapOvr>
+</p:sld>
+</file>
+
+<file path=ppt/slides/slide4.xml><?xml version="1.0" encoding="utf-8"?>
+<p:sld xmlns:a="http://schemas.openxmlformats.org/drawingml/2006/main" xmlns:r="http://schemas.openxmlformats.org/officeDocument/2006/relationships" xmlns:p="http://schemas.openxmlformats.org/presentationml/2006/main">
+  <p:cSld>
+    <p:spTree>
+      <p:nvGrpSpPr>
+        <p:cNvPr id="1" name=""/>
+        <p:cNvGrpSpPr/>
+        <p:nvPr/>
+      </p:nvGrpSpPr>
+      <p:grpSpPr>
+        <a:xfrm>
+          <a:off x="0" y="0"/>
+          <a:ext cx="0" cy="0"/>
+          <a:chOff x="0" y="0"/>
+          <a:chExt cx="0" cy="0"/>
+        </a:xfrm>
+      </p:grpSpPr>
+      <p:sp>
+        <p:nvSpPr>
+          <p:cNvPr id="41" name="矩形 40"/>
+          <p:cNvSpPr/>
+          <p:nvPr/>
+        </p:nvSpPr>
+        <p:spPr>
+          <a:xfrm>
+            <a:off x="4439548" y="3092887"/>
+            <a:ext cx="7773933" cy="2308324"/>
+          </a:xfrm>
+          <a:prstGeom prst="rect">
+            <a:avLst/>
+          </a:prstGeom>
+          <a:solidFill>
+            <a:schemeClr val="accent4">
+              <a:lumMod val="20000"/>
+              <a:lumOff val="80000"/>
+            </a:schemeClr>
+          </a:solidFill>
+        </p:spPr>
+        <p:txBody>
+          <a:bodyPr wrap="square">
+            <a:spAutoFit/>
+          </a:bodyPr>
+          <a:lstStyle/>
+          <a:p>
+            <a:r>
+              <a:rPr lang="en-US" altLang="zh-TW" dirty="0" smtClean="0"/>
+              <a:t>It </a:t>
+            </a:r>
+            <a:r>
+              <a:rPr lang="en-US" altLang="zh-TW" dirty="0"/>
+              <a:t>will create</a:t>
+            </a:r>
+          </a:p>
+          <a:p>
+            <a:r>
+              <a:rPr lang="en-US" altLang="zh-TW" dirty="0"/>
+              <a:t>//&lt;span class="field-validation-valid text-danger" data-</a:t>
+            </a:r>
+            <a:r>
+              <a:rPr lang="en-US" altLang="zh-TW" dirty="0" err="1"/>
+              <a:t>valmsg</a:t>
+            </a:r>
+            <a:r>
+              <a:rPr lang="en-US" altLang="zh-TW" dirty="0"/>
+              <a:t>-for="Name" data-</a:t>
+            </a:r>
+            <a:r>
+              <a:rPr lang="en-US" altLang="zh-TW" dirty="0" err="1"/>
+              <a:t>valmsg</a:t>
+            </a:r>
+            <a:r>
+              <a:rPr lang="en-US" altLang="zh-TW" dirty="0"/>
+              <a:t>-replace="true"&gt;&lt;/span&gt;</a:t>
+            </a:r>
+          </a:p>
+          <a:p>
+            <a:r>
+              <a:rPr lang="en-US" altLang="zh-TW" dirty="0"/>
+              <a:t>The </a:t>
+            </a:r>
+            <a:r>
+              <a:rPr lang="en-US" altLang="zh-TW" dirty="0" err="1"/>
+              <a:t>cshtml</a:t>
+            </a:r>
+            <a:r>
+              <a:rPr lang="en-US" altLang="zh-TW" dirty="0"/>
+              <a:t> also use the following JS</a:t>
+            </a:r>
+          </a:p>
+          <a:p>
+            <a:r>
+              <a:rPr lang="en-US" altLang="zh-TW" dirty="0"/>
+              <a:t>//&lt;script </a:t>
+            </a:r>
+            <a:r>
+              <a:rPr lang="en-US" altLang="zh-TW" dirty="0" err="1"/>
+              <a:t>src</a:t>
+            </a:r>
+            <a:r>
+              <a:rPr lang="en-US" altLang="zh-TW" dirty="0"/>
+              <a:t>="~/Scripts/jquery-1.10.2.min.js"&gt;&lt;/script&gt;</a:t>
+            </a:r>
+          </a:p>
+          <a:p>
+            <a:r>
+              <a:rPr lang="en-US" altLang="zh-TW" dirty="0"/>
+              <a:t>//&lt;script </a:t>
+            </a:r>
+            <a:r>
+              <a:rPr lang="en-US" altLang="zh-TW" dirty="0" err="1"/>
+              <a:t>src</a:t>
+            </a:r>
+            <a:r>
+              <a:rPr lang="en-US" altLang="zh-TW" dirty="0"/>
+              <a:t>="~/Scripts/jquery.validate.min.js"&gt;&lt;/script&gt;</a:t>
+            </a:r>
+          </a:p>
+          <a:p>
+            <a:r>
+              <a:rPr lang="en-US" altLang="zh-TW" dirty="0"/>
+              <a:t>//&lt;script </a:t>
+            </a:r>
+            <a:r>
+              <a:rPr lang="en-US" altLang="zh-TW" dirty="0" err="1"/>
+              <a:t>src</a:t>
+            </a:r>
+            <a:r>
+              <a:rPr lang="en-US" altLang="zh-TW" dirty="0"/>
+              <a:t>="~/Scripts/jquery.validate.unobtrusive.min.js"&gt;&lt;/script&gt;</a:t>
+            </a:r>
+          </a:p>
+          <a:p>
+            <a:r>
+              <a:rPr lang="en-US" altLang="zh-TW" dirty="0"/>
+              <a:t>Thus, the span will display the error message of Name input.</a:t>
+            </a:r>
+            <a:endParaRPr lang="en-US" altLang="zh-TW" dirty="0"/>
+          </a:p>
+        </p:txBody>
+      </p:sp>
+      <p:pic>
+        <p:nvPicPr>
+          <p:cNvPr id="4" name="Picture 2"/>
+          <p:cNvPicPr>
+            <a:picLocks noChangeAspect="1" noChangeArrowheads="1"/>
+          </p:cNvPicPr>
+          <p:nvPr/>
+        </p:nvPicPr>
+        <p:blipFill>
+          <a:blip r:embed="rId2">
+            <a:extLst>
+              <a:ext uri="{28A0092B-C50C-407E-A947-70E740481C1C}">
+                <a14:useLocalDpi xmlns:a14="http://schemas.microsoft.com/office/drawing/2010/main" val="0"/>
+              </a:ext>
+            </a:extLst>
+          </a:blip>
+          <a:srcRect/>
+          <a:stretch>
+            <a:fillRect/>
+          </a:stretch>
+        </p:blipFill>
+        <p:spPr bwMode="auto">
+          <a:xfrm>
+            <a:off x="-8621" y="405083"/>
+            <a:ext cx="4514850" cy="5219700"/>
+          </a:xfrm>
+          <a:prstGeom prst="rect">
+            <a:avLst/>
+          </a:prstGeom>
+          <a:noFill/>
+          <a:ln>
+            <a:noFill/>
+          </a:ln>
+          <a:extLst>
+            <a:ext uri="{909E8E84-426E-40DD-AFC4-6F175D3DCCD1}">
+              <a14:hiddenFill xmlns:a14="http://schemas.microsoft.com/office/drawing/2010/main">
+                <a:solidFill>
+                  <a:schemeClr val="accent1"/>
+                </a:solidFill>
+              </a14:hiddenFill>
+            </a:ext>
+            <a:ext uri="{91240B29-F687-4F45-9708-019B960494DF}">
+              <a14:hiddenLine xmlns:a14="http://schemas.microsoft.com/office/drawing/2010/main" w="9525">
+                <a:solidFill>
+                  <a:schemeClr val="tx1"/>
+                </a:solidFill>
+                <a:miter lim="800000"/>
+                <a:headEnd/>
+                <a:tailEnd/>
+              </a14:hiddenLine>
+            </a:ext>
+          </a:extLst>
+        </p:spPr>
+      </p:pic>
+      <p:pic>
+        <p:nvPicPr>
+          <p:cNvPr id="5" name="Picture 3"/>
+          <p:cNvPicPr>
+            <a:picLocks noChangeAspect="1" noChangeArrowheads="1"/>
+          </p:cNvPicPr>
+          <p:nvPr/>
+        </p:nvPicPr>
+        <p:blipFill rotWithShape="1">
+          <a:blip r:embed="rId3">
+            <a:extLst>
+              <a:ext uri="{28A0092B-C50C-407E-A947-70E740481C1C}">
+                <a14:useLocalDpi xmlns:a14="http://schemas.microsoft.com/office/drawing/2010/main" val="0"/>
+              </a:ext>
+            </a:extLst>
+          </a:blip>
+          <a:srcRect b="69131"/>
+          <a:stretch/>
+        </p:blipFill>
+        <p:spPr bwMode="auto">
+          <a:xfrm>
+            <a:off x="4439548" y="296879"/>
+            <a:ext cx="7266498" cy="367356"/>
+          </a:xfrm>
+          <a:prstGeom prst="rect">
+            <a:avLst/>
+          </a:prstGeom>
+          <a:noFill/>
+          <a:ln>
+            <a:noFill/>
+          </a:ln>
+          <a:extLst>
+            <a:ext uri="{909E8E84-426E-40DD-AFC4-6F175D3DCCD1}">
+              <a14:hiddenFill xmlns:a14="http://schemas.microsoft.com/office/drawing/2010/main">
+                <a:solidFill>
+                  <a:schemeClr val="accent1"/>
+                </a:solidFill>
+              </a14:hiddenFill>
+            </a:ext>
+            <a:ext uri="{91240B29-F687-4F45-9708-019B960494DF}">
+              <a14:hiddenLine xmlns:a14="http://schemas.microsoft.com/office/drawing/2010/main" w="9525">
+                <a:solidFill>
+                  <a:schemeClr val="tx1"/>
+                </a:solidFill>
+                <a:miter lim="800000"/>
+                <a:headEnd/>
+                <a:tailEnd/>
+              </a14:hiddenLine>
+            </a:ext>
+          </a:extLst>
+        </p:spPr>
+      </p:pic>
+      <p:sp>
+        <p:nvSpPr>
+          <p:cNvPr id="7" name="矩形 6"/>
+          <p:cNvSpPr/>
+          <p:nvPr/>
+        </p:nvSpPr>
+        <p:spPr>
+          <a:xfrm>
+            <a:off x="4848045" y="826896"/>
+            <a:ext cx="6072997" cy="584775"/>
+          </a:xfrm>
+          <a:prstGeom prst="rect">
+            <a:avLst/>
+          </a:prstGeom>
+          <a:solidFill>
+            <a:schemeClr val="accent4">
+              <a:lumMod val="20000"/>
+              <a:lumOff val="80000"/>
+            </a:schemeClr>
+          </a:solidFill>
+        </p:spPr>
+        <p:txBody>
+          <a:bodyPr wrap="square">
+            <a:spAutoFit/>
+          </a:bodyPr>
+          <a:lstStyle/>
+          <a:p>
+            <a:r>
+              <a:rPr lang="en-US" altLang="zh-TW" sz="1600" dirty="0"/>
+              <a:t>It will create</a:t>
+            </a:r>
+          </a:p>
+          <a:p>
+            <a:r>
+              <a:rPr lang="en-US" altLang="zh-TW" sz="1600" dirty="0" smtClean="0"/>
+              <a:t>&lt;</a:t>
+            </a:r>
+            <a:r>
+              <a:rPr lang="en-US" altLang="zh-TW" sz="1600" dirty="0"/>
+              <a:t>label class="control-label </a:t>
+            </a:r>
+            <a:r>
+              <a:rPr lang="en-US" altLang="zh-TW" sz="1600" dirty="0" smtClean="0"/>
+              <a:t>col-md-2”    </a:t>
+            </a:r>
+            <a:r>
+              <a:rPr lang="en-US" altLang="zh-TW" sz="1600" dirty="0"/>
+              <a:t>for="Name"&gt;Name&lt;/label&gt;</a:t>
+            </a:r>
+            <a:endParaRPr lang="en-US" altLang="zh-TW" sz="1600" dirty="0"/>
+          </a:p>
+        </p:txBody>
+      </p:sp>
+      <p:sp>
+        <p:nvSpPr>
+          <p:cNvPr id="8" name="矩形 7"/>
+          <p:cNvSpPr/>
+          <p:nvPr/>
+        </p:nvSpPr>
+        <p:spPr>
+          <a:xfrm>
+            <a:off x="8146831" y="1121524"/>
+            <a:ext cx="1692310" cy="261650"/>
+          </a:xfrm>
+          <a:prstGeom prst="rect">
+            <a:avLst/>
+          </a:prstGeom>
+          <a:noFill/>
+          <a:ln w="38100">
+            <a:solidFill>
+              <a:srgbClr val="FF0000"/>
+            </a:solidFill>
+          </a:ln>
+        </p:spPr>
+        <p:style>
+          <a:lnRef idx="2">
+            <a:schemeClr val="accent1">
+              <a:shade val="50000"/>
+            </a:schemeClr>
+          </a:lnRef>
+          <a:fillRef idx="1">
+            <a:schemeClr val="accent1"/>
+          </a:fillRef>
+          <a:effectRef idx="0">
+            <a:schemeClr val="accent1"/>
+          </a:effectRef>
+          <a:fontRef idx="minor">
+            <a:schemeClr val="lt1"/>
+          </a:fontRef>
+        </p:style>
+        <p:txBody>
+          <a:bodyPr rtlCol="0" anchor="ctr"/>
+          <a:lstStyle/>
+          <a:p>
+            <a:pPr algn="ctr"/>
+            <a:endParaRPr lang="zh-TW" altLang="en-US"/>
+          </a:p>
+        </p:txBody>
+      </p:sp>
+      <p:cxnSp>
+        <p:nvCxnSpPr>
+          <p:cNvPr id="9" name="直線單箭頭接點 8"/>
+          <p:cNvCxnSpPr/>
+          <p:nvPr/>
+        </p:nvCxnSpPr>
+        <p:spPr>
+          <a:xfrm flipH="1" flipV="1">
+            <a:off x="7004649" y="664235"/>
+            <a:ext cx="1492370" cy="455048"/>
+          </a:xfrm>
+          <a:prstGeom prst="straightConnector1">
+            <a:avLst/>
+          </a:prstGeom>
+          <a:ln w="38100">
+            <a:solidFill>
+              <a:srgbClr val="FF0000"/>
+            </a:solidFill>
+            <a:tailEnd type="arrow"/>
+          </a:ln>
+        </p:spPr>
+        <p:style>
+          <a:lnRef idx="1">
+            <a:schemeClr val="accent1"/>
+          </a:lnRef>
+          <a:fillRef idx="0">
+            <a:schemeClr val="accent1"/>
+          </a:fillRef>
+          <a:effectRef idx="0">
+            <a:schemeClr val="accent1"/>
+          </a:effectRef>
+          <a:fontRef idx="minor">
+            <a:schemeClr val="tx1"/>
+          </a:fontRef>
+        </p:style>
+      </p:cxnSp>
+      <p:sp>
+        <p:nvSpPr>
+          <p:cNvPr id="12" name="矩形 11"/>
+          <p:cNvSpPr/>
+          <p:nvPr/>
+        </p:nvSpPr>
+        <p:spPr>
+          <a:xfrm>
+            <a:off x="5464744" y="1067968"/>
+            <a:ext cx="2523313" cy="292388"/>
+          </a:xfrm>
+          <a:prstGeom prst="rect">
+            <a:avLst/>
+          </a:prstGeom>
+          <a:noFill/>
+          <a:ln w="38100">
+            <a:solidFill>
+              <a:srgbClr val="FF0000"/>
+            </a:solidFill>
+          </a:ln>
+        </p:spPr>
+        <p:style>
+          <a:lnRef idx="2">
+            <a:schemeClr val="accent1">
+              <a:shade val="50000"/>
+            </a:schemeClr>
+          </a:lnRef>
+          <a:fillRef idx="1">
+            <a:schemeClr val="accent1"/>
+          </a:fillRef>
+          <a:effectRef idx="0">
+            <a:schemeClr val="accent1"/>
+          </a:effectRef>
+          <a:fontRef idx="minor">
+            <a:schemeClr val="lt1"/>
+          </a:fontRef>
+        </p:style>
+        <p:txBody>
+          <a:bodyPr rtlCol="0" anchor="ctr"/>
+          <a:lstStyle/>
+          <a:p>
+            <a:pPr algn="ctr"/>
+            <a:endParaRPr lang="zh-TW" altLang="en-US"/>
+          </a:p>
+        </p:txBody>
+      </p:sp>
+      <p:cxnSp>
+        <p:nvCxnSpPr>
+          <p:cNvPr id="13" name="直線單箭頭接點 12"/>
+          <p:cNvCxnSpPr/>
+          <p:nvPr/>
+        </p:nvCxnSpPr>
+        <p:spPr>
+          <a:xfrm flipV="1">
+            <a:off x="7246189" y="664235"/>
+            <a:ext cx="370934" cy="403734"/>
+          </a:xfrm>
+          <a:prstGeom prst="straightConnector1">
+            <a:avLst/>
+          </a:prstGeom>
+          <a:ln w="38100">
+            <a:solidFill>
+              <a:srgbClr val="FF0000"/>
+            </a:solidFill>
+            <a:tailEnd type="arrow"/>
+          </a:ln>
+        </p:spPr>
+        <p:style>
+          <a:lnRef idx="1">
+            <a:schemeClr val="accent1"/>
+          </a:lnRef>
+          <a:fillRef idx="0">
+            <a:schemeClr val="accent1"/>
+          </a:fillRef>
+          <a:effectRef idx="0">
+            <a:schemeClr val="accent1"/>
+          </a:effectRef>
+          <a:fontRef idx="minor">
+            <a:schemeClr val="tx1"/>
+          </a:fontRef>
+        </p:style>
+      </p:cxnSp>
+      <p:sp>
+        <p:nvSpPr>
+          <p:cNvPr id="15" name="矩形 14"/>
+          <p:cNvSpPr/>
+          <p:nvPr/>
+        </p:nvSpPr>
+        <p:spPr>
+          <a:xfrm>
+            <a:off x="5959325" y="405082"/>
+            <a:ext cx="1286864" cy="259151"/>
+          </a:xfrm>
+          <a:prstGeom prst="rect">
+            <a:avLst/>
+          </a:prstGeom>
+          <a:noFill/>
+          <a:ln w="38100">
+            <a:solidFill>
+              <a:srgbClr val="FF0000"/>
+            </a:solidFill>
+          </a:ln>
+        </p:spPr>
+        <p:style>
+          <a:lnRef idx="2">
+            <a:schemeClr val="accent1">
+              <a:shade val="50000"/>
+            </a:schemeClr>
+          </a:lnRef>
+          <a:fillRef idx="1">
+            <a:schemeClr val="accent1"/>
+          </a:fillRef>
+          <a:effectRef idx="0">
+            <a:schemeClr val="accent1"/>
+          </a:effectRef>
+          <a:fontRef idx="minor">
+            <a:schemeClr val="lt1"/>
+          </a:fontRef>
+        </p:style>
+        <p:txBody>
+          <a:bodyPr rtlCol="0" anchor="ctr"/>
+          <a:lstStyle/>
+          <a:p>
+            <a:pPr algn="ctr"/>
+            <a:endParaRPr lang="zh-TW" altLang="en-US"/>
+          </a:p>
+        </p:txBody>
+      </p:sp>
+      <p:sp>
+        <p:nvSpPr>
+          <p:cNvPr id="17" name="矩形 16"/>
+          <p:cNvSpPr/>
+          <p:nvPr/>
+        </p:nvSpPr>
+        <p:spPr>
+          <a:xfrm>
+            <a:off x="7297945" y="405083"/>
+            <a:ext cx="2649741" cy="259150"/>
+          </a:xfrm>
+          <a:prstGeom prst="rect">
+            <a:avLst/>
+          </a:prstGeom>
+          <a:noFill/>
+          <a:ln w="38100">
+            <a:solidFill>
+              <a:srgbClr val="FF0000"/>
+            </a:solidFill>
+          </a:ln>
+        </p:spPr>
+        <p:style>
+          <a:lnRef idx="2">
+            <a:schemeClr val="accent1">
+              <a:shade val="50000"/>
+            </a:schemeClr>
+          </a:lnRef>
+          <a:fillRef idx="1">
+            <a:schemeClr val="accent1"/>
+          </a:fillRef>
+          <a:effectRef idx="0">
+            <a:schemeClr val="accent1"/>
+          </a:effectRef>
+          <a:fontRef idx="minor">
+            <a:schemeClr val="lt1"/>
+          </a:fontRef>
+        </p:style>
+        <p:txBody>
+          <a:bodyPr rtlCol="0" anchor="ctr"/>
+          <a:lstStyle/>
+          <a:p>
+            <a:pPr algn="ctr"/>
+            <a:endParaRPr lang="zh-TW" altLang="en-US"/>
+          </a:p>
+        </p:txBody>
+      </p:sp>
+      <p:pic>
+        <p:nvPicPr>
+          <p:cNvPr id="18" name="Picture 3"/>
+          <p:cNvPicPr>
+            <a:picLocks noChangeAspect="1" noChangeArrowheads="1"/>
+          </p:cNvPicPr>
+          <p:nvPr/>
+        </p:nvPicPr>
+        <p:blipFill rotWithShape="1">
+          <a:blip r:embed="rId3">
+            <a:extLst>
+              <a:ext uri="{28A0092B-C50C-407E-A947-70E740481C1C}">
+                <a14:useLocalDpi xmlns:a14="http://schemas.microsoft.com/office/drawing/2010/main" val="0"/>
+              </a:ext>
+            </a:extLst>
+          </a:blip>
+          <a:srcRect t="37012" b="42556"/>
+          <a:stretch/>
+        </p:blipFill>
+        <p:spPr bwMode="auto">
+          <a:xfrm>
+            <a:off x="4513582" y="1498635"/>
+            <a:ext cx="7266498" cy="243154"/>
+          </a:xfrm>
+          <a:prstGeom prst="rect">
+            <a:avLst/>
+          </a:prstGeom>
+          <a:noFill/>
+          <a:ln>
+            <a:noFill/>
+          </a:ln>
+          <a:extLst>
+            <a:ext uri="{909E8E84-426E-40DD-AFC4-6F175D3DCCD1}">
+              <a14:hiddenFill xmlns:a14="http://schemas.microsoft.com/office/drawing/2010/main">
+                <a:solidFill>
+                  <a:schemeClr val="accent1"/>
+                </a:solidFill>
+              </a14:hiddenFill>
+            </a:ext>
+            <a:ext uri="{91240B29-F687-4F45-9708-019B960494DF}">
+              <a14:hiddenLine xmlns:a14="http://schemas.microsoft.com/office/drawing/2010/main" w="9525">
+                <a:solidFill>
+                  <a:schemeClr val="tx1"/>
+                </a:solidFill>
+                <a:miter lim="800000"/>
+                <a:headEnd/>
+                <a:tailEnd/>
+              </a14:hiddenLine>
+            </a:ext>
+          </a:extLst>
+        </p:spPr>
+      </p:pic>
+      <p:sp>
+        <p:nvSpPr>
+          <p:cNvPr id="25" name="矩形 24"/>
+          <p:cNvSpPr/>
+          <p:nvPr/>
+        </p:nvSpPr>
+        <p:spPr>
+          <a:xfrm>
+            <a:off x="5742993" y="1498635"/>
+            <a:ext cx="630828" cy="260407"/>
+          </a:xfrm>
+          <a:prstGeom prst="rect">
+            <a:avLst/>
+          </a:prstGeom>
+          <a:noFill/>
+          <a:ln w="38100">
+            <a:solidFill>
+              <a:srgbClr val="FF0000"/>
+            </a:solidFill>
+          </a:ln>
+        </p:spPr>
+        <p:style>
+          <a:lnRef idx="2">
+            <a:schemeClr val="accent1">
+              <a:shade val="50000"/>
+            </a:schemeClr>
+          </a:lnRef>
+          <a:fillRef idx="1">
+            <a:schemeClr val="accent1"/>
+          </a:fillRef>
+          <a:effectRef idx="0">
+            <a:schemeClr val="accent1"/>
+          </a:effectRef>
+          <a:fontRef idx="minor">
+            <a:schemeClr val="lt1"/>
+          </a:fontRef>
+        </p:style>
+        <p:txBody>
+          <a:bodyPr rtlCol="0" anchor="ctr"/>
+          <a:lstStyle/>
+          <a:p>
+            <a:pPr algn="ctr"/>
+            <a:endParaRPr lang="zh-TW" altLang="en-US"/>
+          </a:p>
+        </p:txBody>
+      </p:sp>
+      <p:sp>
+        <p:nvSpPr>
+          <p:cNvPr id="26" name="矩形 25"/>
+          <p:cNvSpPr/>
+          <p:nvPr/>
+        </p:nvSpPr>
+        <p:spPr>
+          <a:xfrm>
+            <a:off x="4848045" y="1828363"/>
+            <a:ext cx="6096000" cy="923330"/>
+          </a:xfrm>
+          <a:prstGeom prst="rect">
+            <a:avLst/>
+          </a:prstGeom>
+          <a:solidFill>
+            <a:schemeClr val="accent4">
+              <a:lumMod val="20000"/>
+              <a:lumOff val="80000"/>
+            </a:schemeClr>
+          </a:solidFill>
+        </p:spPr>
+        <p:txBody>
+          <a:bodyPr>
+            <a:spAutoFit/>
+          </a:bodyPr>
+          <a:lstStyle/>
+          <a:p>
+            <a:r>
+              <a:rPr lang="en-US" altLang="zh-TW" dirty="0"/>
+              <a:t>It will create</a:t>
+            </a:r>
+          </a:p>
+          <a:p>
+            <a:r>
+              <a:rPr lang="en-US" altLang="zh-TW" dirty="0"/>
+              <a:t>//&lt;input class="form-control text-box single-line" id="Name" name="Name" type="text" value=""&gt;</a:t>
+            </a:r>
+            <a:endParaRPr lang="en-US" altLang="zh-TW" dirty="0"/>
+          </a:p>
+        </p:txBody>
+      </p:sp>
+      <p:sp>
+        <p:nvSpPr>
+          <p:cNvPr id="27" name="矩形 26"/>
+          <p:cNvSpPr/>
+          <p:nvPr/>
+        </p:nvSpPr>
+        <p:spPr>
+          <a:xfrm>
+            <a:off x="6311661" y="2391238"/>
+            <a:ext cx="1142998" cy="358297"/>
+          </a:xfrm>
+          <a:prstGeom prst="rect">
+            <a:avLst/>
+          </a:prstGeom>
+          <a:noFill/>
+          <a:ln w="38100">
+            <a:solidFill>
+              <a:srgbClr val="FF0000"/>
+            </a:solidFill>
+          </a:ln>
+        </p:spPr>
+        <p:style>
+          <a:lnRef idx="2">
+            <a:schemeClr val="accent1">
+              <a:shade val="50000"/>
+            </a:schemeClr>
+          </a:lnRef>
+          <a:fillRef idx="1">
+            <a:schemeClr val="accent1"/>
+          </a:fillRef>
+          <a:effectRef idx="0">
+            <a:schemeClr val="accent1"/>
+          </a:effectRef>
+          <a:fontRef idx="minor">
+            <a:schemeClr val="lt1"/>
+          </a:fontRef>
+        </p:style>
+        <p:txBody>
+          <a:bodyPr rtlCol="0" anchor="ctr"/>
+          <a:lstStyle/>
+          <a:p>
+            <a:pPr algn="ctr"/>
+            <a:endParaRPr lang="zh-TW" altLang="en-US"/>
+          </a:p>
+        </p:txBody>
+      </p:sp>
+      <p:cxnSp>
+        <p:nvCxnSpPr>
+          <p:cNvPr id="28" name="直線單箭頭接點 27"/>
+          <p:cNvCxnSpPr>
+            <a:endCxn id="25" idx="2"/>
+          </p:cNvCxnSpPr>
+          <p:nvPr/>
+        </p:nvCxnSpPr>
+        <p:spPr>
+          <a:xfrm flipH="1" flipV="1">
+            <a:off x="6058407" y="1759042"/>
+            <a:ext cx="320063" cy="632196"/>
+          </a:xfrm>
+          <a:prstGeom prst="straightConnector1">
+            <a:avLst/>
+          </a:prstGeom>
+          <a:ln w="38100">
+            <a:solidFill>
+              <a:srgbClr val="FF0000"/>
+            </a:solidFill>
+            <a:tailEnd type="arrow"/>
+          </a:ln>
+        </p:spPr>
+        <p:style>
+          <a:lnRef idx="1">
+            <a:schemeClr val="accent1"/>
+          </a:lnRef>
+          <a:fillRef idx="0">
+            <a:schemeClr val="accent1"/>
+          </a:fillRef>
+          <a:effectRef idx="0">
+            <a:schemeClr val="accent1"/>
+          </a:effectRef>
+          <a:fontRef idx="minor">
+            <a:schemeClr val="tx1"/>
+          </a:fontRef>
+        </p:style>
+      </p:cxnSp>
+      <p:sp>
+        <p:nvSpPr>
+          <p:cNvPr id="30" name="矩形 29"/>
+          <p:cNvSpPr/>
+          <p:nvPr/>
+        </p:nvSpPr>
+        <p:spPr>
+          <a:xfrm>
+            <a:off x="8390622" y="2405649"/>
+            <a:ext cx="3738117" cy="369332"/>
+          </a:xfrm>
+          <a:prstGeom prst="rect">
+            <a:avLst/>
+          </a:prstGeom>
+          <a:solidFill>
+            <a:schemeClr val="accent5">
+              <a:lumMod val="20000"/>
+              <a:lumOff val="80000"/>
+            </a:schemeClr>
+          </a:solidFill>
+        </p:spPr>
+        <p:txBody>
+          <a:bodyPr wrap="square">
+            <a:spAutoFit/>
+          </a:bodyPr>
+          <a:lstStyle/>
+          <a:p>
+            <a:r>
+              <a:rPr lang="zh-TW" altLang="en-US" dirty="0"/>
+              <a:t>沒有</a:t>
+            </a:r>
+            <a:r>
+              <a:rPr lang="zh-TW" altLang="en-US" dirty="0" smtClean="0"/>
+              <a:t>設定</a:t>
+            </a:r>
+            <a:r>
+              <a:rPr lang="en-US" altLang="zh-TW" dirty="0" smtClean="0"/>
+              <a:t>Value</a:t>
+            </a:r>
+            <a:r>
+              <a:rPr lang="zh-TW" altLang="en-US" dirty="0" smtClean="0"/>
+              <a:t>的值所以</a:t>
+            </a:r>
+            <a:r>
+              <a:rPr lang="en-US" altLang="zh-TW" dirty="0" smtClean="0"/>
+              <a:t>Value</a:t>
+            </a:r>
+            <a:r>
+              <a:rPr lang="zh-TW" altLang="en-US" dirty="0" smtClean="0"/>
+              <a:t>是空的</a:t>
+            </a:r>
+            <a:endParaRPr lang="en-US" altLang="zh-TW" dirty="0"/>
+          </a:p>
+        </p:txBody>
+      </p:sp>
+      <p:sp>
+        <p:nvSpPr>
+          <p:cNvPr id="31" name="矩形 30"/>
+          <p:cNvSpPr/>
+          <p:nvPr/>
+        </p:nvSpPr>
+        <p:spPr>
+          <a:xfrm>
+            <a:off x="7681823" y="1481382"/>
+            <a:ext cx="3592902" cy="260407"/>
+          </a:xfrm>
+          <a:prstGeom prst="rect">
+            <a:avLst/>
+          </a:prstGeom>
+          <a:noFill/>
+          <a:ln w="38100">
+            <a:solidFill>
+              <a:srgbClr val="FF0000"/>
+            </a:solidFill>
+          </a:ln>
+        </p:spPr>
+        <p:style>
+          <a:lnRef idx="2">
+            <a:schemeClr val="accent1">
+              <a:shade val="50000"/>
+            </a:schemeClr>
+          </a:lnRef>
+          <a:fillRef idx="1">
+            <a:schemeClr val="accent1"/>
+          </a:fillRef>
+          <a:effectRef idx="0">
+            <a:schemeClr val="accent1"/>
+          </a:effectRef>
+          <a:fontRef idx="minor">
+            <a:schemeClr val="lt1"/>
+          </a:fontRef>
+        </p:style>
+        <p:txBody>
+          <a:bodyPr rtlCol="0" anchor="ctr"/>
+          <a:lstStyle/>
+          <a:p>
+            <a:pPr algn="ctr"/>
+            <a:endParaRPr lang="zh-TW" altLang="en-US"/>
+          </a:p>
+        </p:txBody>
+      </p:sp>
+      <p:cxnSp>
+        <p:nvCxnSpPr>
+          <p:cNvPr id="32" name="直線單箭頭接點 31"/>
+          <p:cNvCxnSpPr/>
+          <p:nvPr/>
+        </p:nvCxnSpPr>
+        <p:spPr>
+          <a:xfrm>
+            <a:off x="7988059" y="1741789"/>
+            <a:ext cx="158772" cy="548239"/>
+          </a:xfrm>
+          <a:prstGeom prst="straightConnector1">
+            <a:avLst/>
+          </a:prstGeom>
+          <a:ln w="38100">
+            <a:solidFill>
+              <a:srgbClr val="FF0000"/>
+            </a:solidFill>
+            <a:tailEnd type="arrow"/>
+          </a:ln>
+        </p:spPr>
+        <p:style>
+          <a:lnRef idx="1">
+            <a:schemeClr val="accent1"/>
+          </a:lnRef>
+          <a:fillRef idx="0">
+            <a:schemeClr val="accent1"/>
+          </a:fillRef>
+          <a:effectRef idx="0">
+            <a:schemeClr val="accent1"/>
+          </a:effectRef>
+          <a:fontRef idx="minor">
+            <a:schemeClr val="tx1"/>
+          </a:fontRef>
+        </p:style>
+      </p:cxnSp>
+      <p:pic>
+        <p:nvPicPr>
+          <p:cNvPr id="36" name="Picture 3"/>
+          <p:cNvPicPr>
+            <a:picLocks noChangeAspect="1" noChangeArrowheads="1"/>
+          </p:cNvPicPr>
+          <p:nvPr/>
+        </p:nvPicPr>
+        <p:blipFill rotWithShape="1">
+          <a:blip r:embed="rId3">
+            <a:extLst>
+              <a:ext uri="{28A0092B-C50C-407E-A947-70E740481C1C}">
+                <a14:useLocalDpi xmlns:a14="http://schemas.microsoft.com/office/drawing/2010/main" val="0"/>
+              </a:ext>
+            </a:extLst>
+          </a:blip>
+          <a:srcRect t="53542" b="29928"/>
+          <a:stretch/>
+        </p:blipFill>
+        <p:spPr bwMode="auto">
+          <a:xfrm>
+            <a:off x="4354808" y="2818220"/>
+            <a:ext cx="7266498" cy="196713"/>
+          </a:xfrm>
+          <a:prstGeom prst="rect">
+            <a:avLst/>
+          </a:prstGeom>
+          <a:noFill/>
+          <a:ln>
+            <a:noFill/>
+          </a:ln>
+          <a:extLst>
+            <a:ext uri="{909E8E84-426E-40DD-AFC4-6F175D3DCCD1}">
+              <a14:hiddenFill xmlns:a14="http://schemas.microsoft.com/office/drawing/2010/main">
+                <a:solidFill>
+                  <a:schemeClr val="accent1"/>
+                </a:solidFill>
+              </a14:hiddenFill>
+            </a:ext>
+            <a:ext uri="{91240B29-F687-4F45-9708-019B960494DF}">
+              <a14:hiddenLine xmlns:a14="http://schemas.microsoft.com/office/drawing/2010/main" w="9525">
+                <a:solidFill>
+                  <a:schemeClr val="tx1"/>
+                </a:solidFill>
+                <a:miter lim="800000"/>
+                <a:headEnd/>
+                <a:tailEnd/>
+              </a14:hiddenLine>
+            </a:ext>
+          </a:extLst>
+        </p:spPr>
+      </p:pic>
+      <p:sp>
+        <p:nvSpPr>
+          <p:cNvPr id="40" name="矩形 39"/>
+          <p:cNvSpPr/>
+          <p:nvPr/>
+        </p:nvSpPr>
+        <p:spPr>
+          <a:xfrm>
+            <a:off x="6174987" y="3092887"/>
+            <a:ext cx="6017013" cy="338554"/>
+          </a:xfrm>
+          <a:prstGeom prst="rect">
+            <a:avLst/>
+          </a:prstGeom>
+          <a:solidFill>
+            <a:schemeClr val="accent5">
+              <a:lumMod val="20000"/>
+              <a:lumOff val="80000"/>
+            </a:schemeClr>
+          </a:solidFill>
+        </p:spPr>
+        <p:txBody>
+          <a:bodyPr wrap="square">
+            <a:spAutoFit/>
+          </a:bodyPr>
+          <a:lstStyle/>
+          <a:p>
+            <a:r>
+              <a:rPr lang="zh-TW" altLang="en-US" sz="1600" dirty="0" smtClean="0"/>
+              <a:t>當有錯誤訊息</a:t>
+            </a:r>
+            <a:r>
+              <a:rPr lang="en-US" altLang="zh-TW" sz="1600" dirty="0" smtClean="0"/>
+              <a:t>(</a:t>
+            </a:r>
+            <a:r>
+              <a:rPr lang="en-US" altLang="zh-TW" sz="1600" dirty="0"/>
+              <a:t>error message </a:t>
+            </a:r>
+            <a:r>
+              <a:rPr lang="en-US" altLang="zh-TW" sz="1600" dirty="0" smtClean="0"/>
+              <a:t>)</a:t>
+            </a:r>
+            <a:r>
+              <a:rPr lang="zh-TW" altLang="en-US" sz="1600" dirty="0" smtClean="0"/>
+              <a:t> </a:t>
+            </a:r>
+            <a:r>
+              <a:rPr lang="en-US" altLang="zh-TW" sz="1600" dirty="0" err="1"/>
+              <a:t>j</a:t>
+            </a:r>
+            <a:r>
+              <a:rPr lang="en-US" altLang="zh-TW" sz="1600" dirty="0" err="1" smtClean="0"/>
+              <a:t>query</a:t>
+            </a:r>
+            <a:r>
+              <a:rPr lang="zh-TW" altLang="en-US" sz="1600" dirty="0" smtClean="0"/>
+              <a:t>就執行 然後就會顯示錯誤訊息</a:t>
+            </a:r>
+            <a:endParaRPr lang="en-US" altLang="zh-TW" sz="1600" dirty="0"/>
+          </a:p>
+        </p:txBody>
+      </p:sp>
+      <p:cxnSp>
+        <p:nvCxnSpPr>
+          <p:cNvPr id="6" name="直線單箭頭接點 5"/>
+          <p:cNvCxnSpPr/>
+          <p:nvPr/>
+        </p:nvCxnSpPr>
+        <p:spPr>
+          <a:xfrm flipV="1">
+            <a:off x="715992" y="891912"/>
+            <a:ext cx="4433977" cy="936888"/>
+          </a:xfrm>
+          <a:prstGeom prst="straightConnector1">
+            <a:avLst/>
+          </a:prstGeom>
+          <a:ln w="38100">
+            <a:solidFill>
+              <a:srgbClr val="FF0000"/>
+            </a:solidFill>
+            <a:tailEnd type="arrow"/>
+          </a:ln>
+        </p:spPr>
+        <p:style>
+          <a:lnRef idx="1">
+            <a:schemeClr val="accent1"/>
+          </a:lnRef>
+          <a:fillRef idx="0">
+            <a:schemeClr val="accent1"/>
+          </a:fillRef>
+          <a:effectRef idx="0">
+            <a:schemeClr val="accent1"/>
+          </a:effectRef>
+          <a:fontRef idx="minor">
+            <a:schemeClr val="tx1"/>
+          </a:fontRef>
+        </p:style>
+      </p:cxnSp>
+    </p:spTree>
+    <p:extLst>
+      <p:ext uri="{BB962C8B-B14F-4D97-AF65-F5344CB8AC3E}">
+        <p14:creationId xmlns:p14="http://schemas.microsoft.com/office/powerpoint/2010/main" val="3786299223"/>
+      </p:ext>
+    </p:extLst>
+  </p:cSld>
+  <p:clrMapOvr>
+    <a:masterClrMapping/>
+  </p:clrMapOvr>
+</p:sld>
+</file>
+
+<file path=ppt/slides/slide5.xml><?xml version="1.0" encoding="utf-8"?>
+<p:sld xmlns:a="http://schemas.openxmlformats.org/drawingml/2006/main" xmlns:r="http://schemas.openxmlformats.org/officeDocument/2006/relationships" xmlns:p="http://schemas.openxmlformats.org/presentationml/2006/main">
+  <p:cSld>
+    <p:spTree>
+      <p:nvGrpSpPr>
+        <p:cNvPr id="1" name=""/>
+        <p:cNvGrpSpPr/>
+        <p:nvPr/>
+      </p:nvGrpSpPr>
+      <p:grpSpPr>
+        <a:xfrm>
+          <a:off x="0" y="0"/>
+          <a:ext cx="0" cy="0"/>
+          <a:chOff x="0" y="0"/>
+          <a:chExt cx="0" cy="0"/>
+        </a:xfrm>
+      </p:grpSpPr>
+      <p:pic>
+        <p:nvPicPr>
+          <p:cNvPr id="8" name="Picture 2"/>
+          <p:cNvPicPr>
+            <a:picLocks noChangeAspect="1" noChangeArrowheads="1"/>
+          </p:cNvPicPr>
+          <p:nvPr/>
+        </p:nvPicPr>
+        <p:blipFill rotWithShape="1">
+          <a:blip r:embed="rId2">
+            <a:extLst>
+              <a:ext uri="{28A0092B-C50C-407E-A947-70E740481C1C}">
+                <a14:useLocalDpi xmlns:a14="http://schemas.microsoft.com/office/drawing/2010/main" val="0"/>
+              </a:ext>
+            </a:extLst>
+          </a:blip>
+          <a:srcRect t="1" r="11156" b="-49"/>
+          <a:stretch/>
+        </p:blipFill>
+        <p:spPr bwMode="auto">
+          <a:xfrm>
+            <a:off x="4468115" y="2448351"/>
+            <a:ext cx="7548463" cy="3020796"/>
+          </a:xfrm>
+          <a:prstGeom prst="rect">
+            <a:avLst/>
+          </a:prstGeom>
+          <a:noFill/>
+          <a:ln>
+            <a:noFill/>
+          </a:ln>
+          <a:extLst>
+            <a:ext uri="{909E8E84-426E-40DD-AFC4-6F175D3DCCD1}">
+              <a14:hiddenFill xmlns:a14="http://schemas.microsoft.com/office/drawing/2010/main">
+                <a:solidFill>
+                  <a:schemeClr val="accent1"/>
+                </a:solidFill>
+              </a14:hiddenFill>
+            </a:ext>
+            <a:ext uri="{91240B29-F687-4F45-9708-019B960494DF}">
+              <a14:hiddenLine xmlns:a14="http://schemas.microsoft.com/office/drawing/2010/main" w="9525">
+                <a:solidFill>
+                  <a:schemeClr val="tx1"/>
+                </a:solidFill>
+                <a:miter lim="800000"/>
+                <a:headEnd/>
+                <a:tailEnd/>
+              </a14:hiddenLine>
+            </a:ext>
+          </a:extLst>
+        </p:spPr>
+      </p:pic>
+      <p:pic>
+        <p:nvPicPr>
+          <p:cNvPr id="1027" name="Picture 3"/>
+          <p:cNvPicPr>
+            <a:picLocks noChangeAspect="1" noChangeArrowheads="1"/>
+          </p:cNvPicPr>
+          <p:nvPr/>
+        </p:nvPicPr>
+        <p:blipFill rotWithShape="1">
+          <a:blip r:embed="rId3">
+            <a:extLst>
+              <a:ext uri="{28A0092B-C50C-407E-A947-70E740481C1C}">
+                <a14:useLocalDpi xmlns:a14="http://schemas.microsoft.com/office/drawing/2010/main" val="0"/>
+              </a:ext>
+            </a:extLst>
+          </a:blip>
+          <a:srcRect r="6821"/>
+          <a:stretch/>
+        </p:blipFill>
+        <p:spPr bwMode="auto">
+          <a:xfrm>
+            <a:off x="4709915" y="94532"/>
+            <a:ext cx="7030637" cy="1350392"/>
+          </a:xfrm>
+          <a:prstGeom prst="rect">
+            <a:avLst/>
+          </a:prstGeom>
+          <a:noFill/>
+          <a:ln>
+            <a:noFill/>
+          </a:ln>
+          <a:extLst>
+            <a:ext uri="{909E8E84-426E-40DD-AFC4-6F175D3DCCD1}">
+              <a14:hiddenFill xmlns:a14="http://schemas.microsoft.com/office/drawing/2010/main">
+                <a:solidFill>
+                  <a:schemeClr val="accent1"/>
+                </a:solidFill>
+              </a14:hiddenFill>
+            </a:ext>
+            <a:ext uri="{91240B29-F687-4F45-9708-019B960494DF}">
+              <a14:hiddenLine xmlns:a14="http://schemas.microsoft.com/office/drawing/2010/main" w="9525">
+                <a:solidFill>
+                  <a:schemeClr val="tx1"/>
+                </a:solidFill>
+                <a:miter lim="800000"/>
+                <a:headEnd/>
+                <a:tailEnd/>
+              </a14:hiddenLine>
+            </a:ext>
+          </a:extLst>
+        </p:spPr>
+      </p:pic>
+      <p:pic>
+        <p:nvPicPr>
+          <p:cNvPr id="4" name="Picture 2"/>
+          <p:cNvPicPr>
+            <a:picLocks noChangeAspect="1" noChangeArrowheads="1"/>
+          </p:cNvPicPr>
+          <p:nvPr/>
+        </p:nvPicPr>
+        <p:blipFill>
+          <a:blip r:embed="rId4">
+            <a:extLst>
+              <a:ext uri="{28A0092B-C50C-407E-A947-70E740481C1C}">
+                <a14:useLocalDpi xmlns:a14="http://schemas.microsoft.com/office/drawing/2010/main" val="0"/>
+              </a:ext>
+            </a:extLst>
+          </a:blip>
+          <a:srcRect/>
+          <a:stretch>
+            <a:fillRect/>
+          </a:stretch>
+        </p:blipFill>
+        <p:spPr bwMode="auto">
+          <a:xfrm>
+            <a:off x="-8621" y="405083"/>
+            <a:ext cx="4514850" cy="5219700"/>
+          </a:xfrm>
+          <a:prstGeom prst="rect">
+            <a:avLst/>
+          </a:prstGeom>
+          <a:noFill/>
+          <a:ln>
+            <a:noFill/>
+          </a:ln>
+          <a:extLst>
+            <a:ext uri="{909E8E84-426E-40DD-AFC4-6F175D3DCCD1}">
+              <a14:hiddenFill xmlns:a14="http://schemas.microsoft.com/office/drawing/2010/main">
+                <a:solidFill>
+                  <a:schemeClr val="accent1"/>
+                </a:solidFill>
+              </a14:hiddenFill>
+            </a:ext>
+            <a:ext uri="{91240B29-F687-4F45-9708-019B960494DF}">
+              <a14:hiddenLine xmlns:a14="http://schemas.microsoft.com/office/drawing/2010/main" w="9525">
+                <a:solidFill>
+                  <a:schemeClr val="tx1"/>
+                </a:solidFill>
+                <a:miter lim="800000"/>
+                <a:headEnd/>
+                <a:tailEnd/>
+              </a14:hiddenLine>
+            </a:ext>
+          </a:extLst>
+        </p:spPr>
+      </p:pic>
+      <p:sp>
+        <p:nvSpPr>
+          <p:cNvPr id="5" name="矩形 4"/>
+          <p:cNvSpPr/>
+          <p:nvPr/>
+        </p:nvSpPr>
+        <p:spPr>
+          <a:xfrm>
+            <a:off x="5920578" y="5072680"/>
+            <a:ext cx="6096000" cy="1569660"/>
+          </a:xfrm>
+          <a:prstGeom prst="rect">
+            <a:avLst/>
+          </a:prstGeom>
+          <a:solidFill>
+            <a:schemeClr val="accent4">
+              <a:lumMod val="20000"/>
+              <a:lumOff val="80000"/>
+            </a:schemeClr>
+          </a:solidFill>
+        </p:spPr>
+        <p:txBody>
+          <a:bodyPr>
+            <a:spAutoFit/>
+          </a:bodyPr>
+          <a:lstStyle/>
+          <a:p>
+            <a:r>
+              <a:rPr lang="en-US" altLang="zh-TW" sz="1600" dirty="0" smtClean="0"/>
+              <a:t>It </a:t>
+            </a:r>
+            <a:r>
+              <a:rPr lang="en-US" altLang="zh-TW" sz="1600" dirty="0"/>
+              <a:t>will create</a:t>
+            </a:r>
+          </a:p>
+          <a:p>
+            <a:r>
+              <a:rPr lang="nl-NL" altLang="zh-TW" sz="1600" dirty="0"/>
+              <a:t>//&lt;select id="Gender" name="Gender"&gt;</a:t>
+            </a:r>
+          </a:p>
+          <a:p>
+            <a:r>
+              <a:rPr lang="en-US" altLang="zh-TW" sz="1600" dirty="0"/>
+              <a:t>//    &lt;option value=""&gt;Select Gender&lt;/option&gt;</a:t>
+            </a:r>
+          </a:p>
+          <a:p>
+            <a:r>
+              <a:rPr lang="en-US" altLang="zh-TW" sz="1600" dirty="0"/>
+              <a:t>//    &lt;option value="Male"&gt;Male&lt;/option&gt;</a:t>
+            </a:r>
+          </a:p>
+          <a:p>
+            <a:r>
+              <a:rPr lang="en-US" altLang="zh-TW" sz="1600" dirty="0"/>
+              <a:t>//    &lt;option value="Female"&gt;Female&lt;/option&gt;</a:t>
+            </a:r>
+          </a:p>
+          <a:p>
+            <a:r>
+              <a:rPr lang="en-US" altLang="zh-TW" sz="1600" dirty="0"/>
+              <a:t>//&lt;/select&gt;</a:t>
+            </a:r>
+            <a:endParaRPr lang="en-US" altLang="zh-TW" sz="1600" dirty="0"/>
+          </a:p>
+        </p:txBody>
+      </p:sp>
+      <p:sp>
+        <p:nvSpPr>
+          <p:cNvPr id="6" name="矩形 5"/>
+          <p:cNvSpPr/>
+          <p:nvPr/>
+        </p:nvSpPr>
+        <p:spPr>
+          <a:xfrm>
+            <a:off x="5515156" y="1341407"/>
+            <a:ext cx="6096000" cy="1169551"/>
+          </a:xfrm>
+          <a:prstGeom prst="rect">
+            <a:avLst/>
+          </a:prstGeom>
+          <a:solidFill>
+            <a:schemeClr val="accent4">
+              <a:lumMod val="20000"/>
+              <a:lumOff val="80000"/>
+            </a:schemeClr>
+          </a:solidFill>
+        </p:spPr>
+        <p:txBody>
+          <a:bodyPr>
+            <a:spAutoFit/>
+          </a:bodyPr>
+          <a:lstStyle/>
+          <a:p>
+            <a:r>
+              <a:rPr lang="en-US" altLang="zh-TW" sz="1400" dirty="0"/>
+              <a:t>It will create</a:t>
+            </a:r>
+          </a:p>
+          <a:p>
+            <a:r>
+              <a:rPr lang="nl-NL" altLang="zh-TW" sz="1400" dirty="0"/>
+              <a:t>//&lt;select id="Gender" name="Gender"&gt;</a:t>
+            </a:r>
+          </a:p>
+          <a:p>
+            <a:r>
+              <a:rPr lang="en-US" altLang="zh-TW" sz="1400" dirty="0"/>
+              <a:t>//    &lt;option value="Male"&gt;Male&lt;/option&gt;</a:t>
+            </a:r>
+          </a:p>
+          <a:p>
+            <a:r>
+              <a:rPr lang="en-US" altLang="zh-TW" sz="1400" dirty="0"/>
+              <a:t>//    &lt;option value="Female"&gt;Female&lt;/option&gt;</a:t>
+            </a:r>
+          </a:p>
+          <a:p>
+            <a:r>
+              <a:rPr lang="en-US" altLang="zh-TW" sz="1400" dirty="0"/>
+              <a:t>//&lt;/select&gt;</a:t>
+            </a:r>
+            <a:endParaRPr lang="en-US" altLang="zh-TW" sz="1400" dirty="0"/>
+          </a:p>
+        </p:txBody>
+      </p:sp>
+    </p:spTree>
+    <p:extLst>
+      <p:ext uri="{BB962C8B-B14F-4D97-AF65-F5344CB8AC3E}">
+        <p14:creationId xmlns:p14="http://schemas.microsoft.com/office/powerpoint/2010/main" val="3654592643"/>
+      </p:ext>
+    </p:extLst>
+  </p:cSld>
+  <p:clrMapOvr>
+    <a:masterClrMapping/>
+  </p:clrMapOvr>
+</p:sld>
+</file>
+
+<file path=ppt/slides/slide6.xml><?xml version="1.0" encoding="utf-8"?>
+<p:sld xmlns:a="http://schemas.openxmlformats.org/drawingml/2006/main" xmlns:r="http://schemas.openxmlformats.org/officeDocument/2006/relationships" xmlns:p="http://schemas.openxmlformats.org/presentationml/2006/main">
+  <p:cSld>
+    <p:spTree>
+      <p:nvGrpSpPr>
+        <p:cNvPr id="1" name=""/>
+        <p:cNvGrpSpPr/>
+        <p:nvPr/>
+      </p:nvGrpSpPr>
+      <p:grpSpPr>
+        <a:xfrm>
+          <a:off x="0" y="0"/>
+          <a:ext cx="0" cy="0"/>
+          <a:chOff x="0" y="0"/>
+          <a:chExt cx="0" cy="0"/>
+        </a:xfrm>
+      </p:grpSpPr>
+      <p:sp>
+        <p:nvSpPr>
+          <p:cNvPr id="4" name="矩形 3"/>
+          <p:cNvSpPr/>
+          <p:nvPr/>
+        </p:nvSpPr>
+        <p:spPr>
+          <a:xfrm>
+            <a:off x="5037827" y="1260107"/>
+            <a:ext cx="4658264" cy="646331"/>
+          </a:xfrm>
+          <a:prstGeom prst="rect">
+            <a:avLst/>
+          </a:prstGeom>
+        </p:spPr>
+        <p:txBody>
+          <a:bodyPr wrap="square">
+            <a:spAutoFit/>
+          </a:bodyPr>
+          <a:lstStyle/>
+          <a:p>
+            <a:r>
+              <a:rPr lang="en-US" altLang="zh-TW" dirty="0" smtClean="0"/>
+              <a:t>It </a:t>
+            </a:r>
+            <a:r>
+              <a:rPr lang="en-US" altLang="zh-TW" dirty="0"/>
+              <a:t>will create</a:t>
+            </a:r>
+          </a:p>
+          <a:p>
+            <a:r>
+              <a:rPr lang="en-US" altLang="zh-TW" dirty="0" smtClean="0"/>
+              <a:t>&lt;</a:t>
+            </a:r>
+            <a:r>
+              <a:rPr lang="en-US" altLang="zh-TW" dirty="0"/>
+              <a:t>a </a:t>
+            </a:r>
+            <a:r>
+              <a:rPr lang="en-US" altLang="zh-TW" dirty="0" err="1"/>
+              <a:t>href</a:t>
+            </a:r>
+            <a:r>
+              <a:rPr lang="en-US" altLang="zh-TW" dirty="0"/>
+              <a:t>="/Gamer/Index2"&gt;Back to List&lt;/a</a:t>
+            </a:r>
+            <a:r>
+              <a:rPr lang="en-US" altLang="zh-TW" dirty="0" smtClean="0"/>
+              <a:t>&gt;</a:t>
+            </a:r>
+            <a:endParaRPr lang="en-US" altLang="zh-TW" dirty="0"/>
+          </a:p>
+        </p:txBody>
+      </p:sp>
+      <p:pic>
+        <p:nvPicPr>
+          <p:cNvPr id="5" name="Picture 2"/>
+          <p:cNvPicPr>
+            <a:picLocks noChangeAspect="1" noChangeArrowheads="1"/>
+          </p:cNvPicPr>
+          <p:nvPr/>
+        </p:nvPicPr>
+        <p:blipFill>
+          <a:blip r:embed="rId2">
+            <a:extLst>
+              <a:ext uri="{28A0092B-C50C-407E-A947-70E740481C1C}">
+                <a14:useLocalDpi xmlns:a14="http://schemas.microsoft.com/office/drawing/2010/main" val="0"/>
+              </a:ext>
+            </a:extLst>
+          </a:blip>
+          <a:srcRect/>
+          <a:stretch>
+            <a:fillRect/>
+          </a:stretch>
+        </p:blipFill>
+        <p:spPr bwMode="auto">
+          <a:xfrm>
+            <a:off x="146655" y="344698"/>
+            <a:ext cx="4514850" cy="5219700"/>
+          </a:xfrm>
+          <a:prstGeom prst="rect">
+            <a:avLst/>
+          </a:prstGeom>
+          <a:noFill/>
+          <a:ln>
+            <a:noFill/>
+          </a:ln>
+          <a:extLst>
+            <a:ext uri="{909E8E84-426E-40DD-AFC4-6F175D3DCCD1}">
+              <a14:hiddenFill xmlns:a14="http://schemas.microsoft.com/office/drawing/2010/main">
+                <a:solidFill>
+                  <a:schemeClr val="accent1"/>
+                </a:solidFill>
+              </a14:hiddenFill>
+            </a:ext>
+            <a:ext uri="{91240B29-F687-4F45-9708-019B960494DF}">
+              <a14:hiddenLine xmlns:a14="http://schemas.microsoft.com/office/drawing/2010/main" w="9525">
+                <a:solidFill>
+                  <a:schemeClr val="tx1"/>
+                </a:solidFill>
+                <a:miter lim="800000"/>
+                <a:headEnd/>
+                <a:tailEnd/>
+              </a14:hiddenLine>
+            </a:ext>
+          </a:extLst>
+        </p:spPr>
+      </p:pic>
+      <p:pic>
+        <p:nvPicPr>
+          <p:cNvPr id="2050" name="Picture 2"/>
+          <p:cNvPicPr>
+            <a:picLocks noChangeAspect="1" noChangeArrowheads="1"/>
+          </p:cNvPicPr>
+          <p:nvPr/>
+        </p:nvPicPr>
+        <p:blipFill>
+          <a:blip r:embed="rId3">
+            <a:extLst>
+              <a:ext uri="{28A0092B-C50C-407E-A947-70E740481C1C}">
+                <a14:useLocalDpi xmlns:a14="http://schemas.microsoft.com/office/drawing/2010/main" val="0"/>
+              </a:ext>
+            </a:extLst>
+          </a:blip>
+          <a:srcRect/>
+          <a:stretch>
+            <a:fillRect/>
+          </a:stretch>
+        </p:blipFill>
+        <p:spPr bwMode="auto">
+          <a:xfrm>
+            <a:off x="4898726" y="635030"/>
+            <a:ext cx="4533900" cy="619125"/>
+          </a:xfrm>
+          <a:prstGeom prst="rect">
+            <a:avLst/>
+          </a:prstGeom>
+          <a:noFill/>
+          <a:ln>
+            <a:noFill/>
+          </a:ln>
+          <a:extLst>
+            <a:ext uri="{909E8E84-426E-40DD-AFC4-6F175D3DCCD1}">
+              <a14:hiddenFill xmlns:a14="http://schemas.microsoft.com/office/drawing/2010/main">
+                <a:solidFill>
+                  <a:schemeClr val="accent1"/>
+                </a:solidFill>
+              </a14:hiddenFill>
+            </a:ext>
+            <a:ext uri="{91240B29-F687-4F45-9708-019B960494DF}">
+              <a14:hiddenLine xmlns:a14="http://schemas.microsoft.com/office/drawing/2010/main" w="9525">
+                <a:solidFill>
+                  <a:schemeClr val="tx1"/>
+                </a:solidFill>
+                <a:miter lim="800000"/>
+                <a:headEnd/>
+                <a:tailEnd/>
+              </a14:hiddenLine>
+            </a:ext>
+          </a:extLst>
+        </p:spPr>
+      </p:pic>
+    </p:spTree>
+    <p:extLst>
+      <p:ext uri="{BB962C8B-B14F-4D97-AF65-F5344CB8AC3E}">
+        <p14:creationId xmlns:p14="http://schemas.microsoft.com/office/powerpoint/2010/main" val="91871735"/>
+      </p:ext>
+    </p:extLst>
+  </p:cSld>
+  <p:clrMapOvr>
+    <a:masterClrMapping/>
+  </p:clrMapOvr>
+</p:sld>
+</file>
+
+<file path=ppt/slides/slide7.xml><?xml version="1.0" encoding="utf-8"?>
+<p:sld xmlns:a="http://schemas.openxmlformats.org/drawingml/2006/main" xmlns:r="http://schemas.openxmlformats.org/officeDocument/2006/relationships" xmlns:p="http://schemas.openxmlformats.org/presentationml/2006/main">
+  <p:cSld>
+    <p:spTree>
+      <p:nvGrpSpPr>
+        <p:cNvPr id="1" name=""/>
+        <p:cNvGrpSpPr/>
+        <p:nvPr/>
+      </p:nvGrpSpPr>
+      <p:grpSpPr>
+        <a:xfrm>
+          <a:off x="0" y="0"/>
+          <a:ext cx="0" cy="0"/>
+          <a:chOff x="0" y="0"/>
+          <a:chExt cx="0" cy="0"/>
+        </a:xfrm>
+      </p:grpSpPr>
+      <p:sp>
+        <p:nvSpPr>
+          <p:cNvPr id="4" name="矩形 3"/>
+          <p:cNvSpPr/>
+          <p:nvPr/>
+        </p:nvSpPr>
+        <p:spPr>
+          <a:xfrm>
+            <a:off x="324923" y="757354"/>
+            <a:ext cx="5558291" cy="646331"/>
+          </a:xfrm>
+          <a:prstGeom prst="rect">
+            <a:avLst/>
+          </a:prstGeom>
+          <a:solidFill>
+            <a:schemeClr val="accent5">
+              <a:lumMod val="20000"/>
+              <a:lumOff val="80000"/>
+            </a:schemeClr>
+          </a:solidFill>
+        </p:spPr>
+        <p:txBody>
+          <a:bodyPr wrap="square">
+            <a:spAutoFit/>
+          </a:bodyPr>
+          <a:lstStyle/>
+          <a:p>
+            <a:r>
+              <a:rPr lang="zh-TW" altLang="en-US" dirty="0" smtClean="0"/>
+              <a:t>在</a:t>
+            </a:r>
+            <a:r>
+              <a:rPr lang="en-US" altLang="zh-TW" dirty="0" err="1" smtClean="0"/>
+              <a:t>Craete</a:t>
+            </a:r>
+            <a:r>
+              <a:rPr lang="zh-TW" altLang="en-US" dirty="0" smtClean="0"/>
+              <a:t>頁面寫完資料後按送出 會跑</a:t>
+            </a:r>
+            <a:r>
+              <a:rPr lang="en-US" altLang="zh-TW" dirty="0" err="1" smtClean="0"/>
+              <a:t>Craete</a:t>
+            </a:r>
+            <a:r>
+              <a:rPr lang="zh-TW" altLang="en-US" dirty="0" smtClean="0"/>
+              <a:t> </a:t>
+            </a:r>
+            <a:r>
+              <a:rPr lang="en-US" altLang="zh-TW" dirty="0" err="1" smtClean="0"/>
+              <a:t>atcion</a:t>
+            </a:r>
+            <a:r>
+              <a:rPr lang="en-US" altLang="zh-TW" dirty="0" smtClean="0"/>
+              <a:t/>
+            </a:r>
+            <a:br>
+              <a:rPr lang="en-US" altLang="zh-TW" dirty="0" smtClean="0"/>
+            </a:br>
+            <a:r>
+              <a:rPr lang="zh-TW" altLang="en-US" dirty="0" smtClean="0"/>
+              <a:t>要把值丟回到</a:t>
+            </a:r>
+            <a:r>
+              <a:rPr lang="en-US" altLang="zh-TW" dirty="0" err="1" smtClean="0"/>
+              <a:t>GamerController</a:t>
+            </a:r>
+            <a:r>
+              <a:rPr lang="zh-TW" altLang="en-US" dirty="0" smtClean="0"/>
+              <a:t> 有四種方式</a:t>
+            </a:r>
+            <a:endParaRPr lang="en-US" altLang="zh-TW" dirty="0"/>
+          </a:p>
+        </p:txBody>
+      </p:sp>
+      <p:sp>
+        <p:nvSpPr>
+          <p:cNvPr id="5" name="矩形 4"/>
+          <p:cNvSpPr/>
+          <p:nvPr/>
+        </p:nvSpPr>
+        <p:spPr>
+          <a:xfrm>
+            <a:off x="6096000" y="575434"/>
+            <a:ext cx="6096000" cy="2308324"/>
+          </a:xfrm>
+          <a:prstGeom prst="rect">
+            <a:avLst/>
+          </a:prstGeom>
+        </p:spPr>
+        <p:txBody>
+          <a:bodyPr>
+            <a:spAutoFit/>
+          </a:bodyPr>
+          <a:lstStyle/>
+          <a:p>
+            <a:r>
+              <a:rPr lang="en-US" altLang="zh-TW" dirty="0"/>
+              <a:t>//[</a:t>
+            </a:r>
+            <a:r>
+              <a:rPr lang="en-US" altLang="zh-TW" dirty="0" err="1"/>
+              <a:t>HttpGet</a:t>
+            </a:r>
+            <a:r>
+              <a:rPr lang="en-US" altLang="zh-TW" dirty="0"/>
+              <a:t>]</a:t>
+            </a:r>
+          </a:p>
+          <a:p>
+            <a:r>
+              <a:rPr lang="en-US" altLang="zh-TW" dirty="0"/>
+              <a:t>//public </a:t>
+            </a:r>
+            <a:r>
+              <a:rPr lang="en-US" altLang="zh-TW" dirty="0" err="1"/>
+              <a:t>ActionResult</a:t>
+            </a:r>
+            <a:r>
+              <a:rPr lang="en-US" altLang="zh-TW" dirty="0"/>
+              <a:t> Create()</a:t>
+            </a:r>
+          </a:p>
+          <a:p>
+            <a:r>
+              <a:rPr lang="en-US" altLang="zh-TW" dirty="0"/>
+              <a:t>The GET request will direct to Views/Gamer/</a:t>
+            </a:r>
+            <a:r>
+              <a:rPr lang="en-US" altLang="zh-TW" dirty="0" err="1"/>
+              <a:t>Create.cshtml</a:t>
+            </a:r>
+            <a:r>
+              <a:rPr lang="en-US" altLang="zh-TW" dirty="0"/>
+              <a:t>.</a:t>
+            </a:r>
+          </a:p>
+          <a:p>
+            <a:endParaRPr lang="zh-TW" altLang="en-US" dirty="0"/>
+          </a:p>
+          <a:p>
+            <a:r>
+              <a:rPr lang="en-US" altLang="zh-TW" dirty="0"/>
+              <a:t>-------------------------------</a:t>
+            </a:r>
+          </a:p>
+          <a:p>
+            <a:r>
+              <a:rPr lang="en-US" altLang="zh-TW" dirty="0"/>
+              <a:t>3.</a:t>
+            </a:r>
+          </a:p>
+          <a:p>
+            <a:r>
+              <a:rPr lang="en-US" altLang="zh-TW" dirty="0"/>
+              <a:t>//[</a:t>
+            </a:r>
+            <a:r>
+              <a:rPr lang="en-US" altLang="zh-TW" dirty="0" err="1"/>
+              <a:t>HttpPost</a:t>
+            </a:r>
+            <a:r>
+              <a:rPr lang="en-US" altLang="zh-TW" dirty="0"/>
+              <a:t>]</a:t>
+            </a:r>
+          </a:p>
+          <a:p>
+            <a:r>
+              <a:rPr lang="en-US" altLang="zh-TW" dirty="0"/>
+              <a:t>-----------------</a:t>
+            </a:r>
+            <a:endParaRPr lang="en-US" altLang="zh-TW" dirty="0"/>
+          </a:p>
+        </p:txBody>
+      </p:sp>
+      <p:sp>
+        <p:nvSpPr>
+          <p:cNvPr id="7" name="矩形 6"/>
+          <p:cNvSpPr/>
+          <p:nvPr/>
+        </p:nvSpPr>
+        <p:spPr>
+          <a:xfrm>
+            <a:off x="598287" y="1605315"/>
+            <a:ext cx="4409669" cy="369332"/>
+          </a:xfrm>
+          <a:prstGeom prst="rect">
+            <a:avLst/>
+          </a:prstGeom>
+        </p:spPr>
+        <p:txBody>
+          <a:bodyPr wrap="none">
+            <a:spAutoFit/>
+          </a:bodyPr>
+          <a:lstStyle/>
+          <a:p>
+            <a:r>
+              <a:rPr lang="zh-TW" altLang="en-US" dirty="0" smtClean="0"/>
+              <a:t>按下送出 他會將這個</a:t>
+            </a:r>
+            <a:r>
+              <a:rPr lang="en-US" altLang="zh-TW" dirty="0" smtClean="0"/>
+              <a:t>from</a:t>
+            </a:r>
+            <a:r>
+              <a:rPr lang="zh-TW" altLang="en-US" dirty="0" smtClean="0"/>
+              <a:t>裡面的值會</a:t>
+            </a:r>
+            <a:r>
+              <a:rPr lang="en-US" altLang="zh-TW" dirty="0" smtClean="0"/>
+              <a:t>POST</a:t>
+            </a:r>
+            <a:endParaRPr lang="zh-TW" altLang="en-US" dirty="0"/>
+          </a:p>
+        </p:txBody>
+      </p:sp>
+      <p:pic>
+        <p:nvPicPr>
+          <p:cNvPr id="3074" name="Picture 2"/>
+          <p:cNvPicPr>
+            <a:picLocks noChangeAspect="1" noChangeArrowheads="1"/>
+          </p:cNvPicPr>
+          <p:nvPr/>
+        </p:nvPicPr>
+        <p:blipFill>
+          <a:blip r:embed="rId2">
+            <a:extLst>
+              <a:ext uri="{28A0092B-C50C-407E-A947-70E740481C1C}">
+                <a14:useLocalDpi xmlns:a14="http://schemas.microsoft.com/office/drawing/2010/main" val="0"/>
+              </a:ext>
+            </a:extLst>
+          </a:blip>
+          <a:srcRect/>
+          <a:stretch>
+            <a:fillRect/>
+          </a:stretch>
+        </p:blipFill>
+        <p:spPr bwMode="auto">
+          <a:xfrm>
+            <a:off x="355437" y="2160468"/>
+            <a:ext cx="4686300" cy="466725"/>
+          </a:xfrm>
+          <a:prstGeom prst="rect">
+            <a:avLst/>
+          </a:prstGeom>
+          <a:noFill/>
+          <a:ln>
+            <a:noFill/>
+          </a:ln>
+          <a:extLst>
+            <a:ext uri="{909E8E84-426E-40DD-AFC4-6F175D3DCCD1}">
+              <a14:hiddenFill xmlns:a14="http://schemas.microsoft.com/office/drawing/2010/main">
+                <a:solidFill>
+                  <a:schemeClr val="accent1"/>
+                </a:solidFill>
+              </a14:hiddenFill>
+            </a:ext>
+            <a:ext uri="{91240B29-F687-4F45-9708-019B960494DF}">
+              <a14:hiddenLine xmlns:a14="http://schemas.microsoft.com/office/drawing/2010/main" w="9525">
+                <a:solidFill>
+                  <a:schemeClr val="tx1"/>
+                </a:solidFill>
+                <a:miter lim="800000"/>
+                <a:headEnd/>
+                <a:tailEnd/>
+              </a14:hiddenLine>
+            </a:ext>
+          </a:extLst>
+        </p:spPr>
+      </p:pic>
+      <p:sp>
+        <p:nvSpPr>
+          <p:cNvPr id="8" name="矩形 7"/>
+          <p:cNvSpPr/>
+          <p:nvPr/>
+        </p:nvSpPr>
+        <p:spPr>
+          <a:xfrm>
+            <a:off x="813759" y="2514426"/>
+            <a:ext cx="4443845" cy="369332"/>
+          </a:xfrm>
+          <a:prstGeom prst="rect">
+            <a:avLst/>
+          </a:prstGeom>
+        </p:spPr>
+        <p:txBody>
+          <a:bodyPr wrap="none">
+            <a:spAutoFit/>
+          </a:bodyPr>
+          <a:lstStyle/>
+          <a:p>
+            <a:r>
+              <a:rPr lang="zh-TW" altLang="en-US" dirty="0" smtClean="0"/>
+              <a:t>指定去跑</a:t>
+            </a:r>
+            <a:r>
+              <a:rPr lang="en-US" altLang="zh-TW" dirty="0" err="1"/>
+              <a:t>GamerController</a:t>
+            </a:r>
+            <a:r>
+              <a:rPr lang="zh-TW" altLang="en-US" dirty="0"/>
+              <a:t> </a:t>
+            </a:r>
+            <a:r>
+              <a:rPr lang="zh-TW" altLang="en-US" dirty="0" smtClean="0"/>
+              <a:t>裡面</a:t>
+            </a:r>
+            <a:r>
+              <a:rPr lang="en-US" altLang="zh-TW" dirty="0" err="1"/>
+              <a:t>Craete</a:t>
+            </a:r>
+            <a:r>
+              <a:rPr lang="zh-TW" altLang="en-US" dirty="0"/>
+              <a:t> </a:t>
+            </a:r>
+            <a:r>
+              <a:rPr lang="en-US" altLang="zh-TW" dirty="0" err="1" smtClean="0"/>
+              <a:t>atcion</a:t>
+            </a:r>
+            <a:endParaRPr lang="zh-TW" altLang="en-US" dirty="0"/>
+          </a:p>
+        </p:txBody>
+      </p:sp>
+    </p:spTree>
+    <p:extLst>
+      <p:ext uri="{BB962C8B-B14F-4D97-AF65-F5344CB8AC3E}">
+        <p14:creationId xmlns:p14="http://schemas.microsoft.com/office/powerpoint/2010/main" val="1295908270"/>
+      </p:ext>
+    </p:extLst>
+  </p:cSld>
+  <p:clrMapOvr>
+    <a:masterClrMapping/>
+  </p:clrMapOvr>
+</p:sld>
+</file>
+
+<file path=ppt/slides/slide8.xml><?xml version="1.0" encoding="utf-8"?>
+<p:sld xmlns:a="http://schemas.openxmlformats.org/drawingml/2006/main" xmlns:r="http://schemas.openxmlformats.org/officeDocument/2006/relationships" xmlns:p="http://schemas.openxmlformats.org/presentationml/2006/main">
+  <p:cSld>
+    <p:spTree>
+      <p:nvGrpSpPr>
+        <p:cNvPr id="1" name=""/>
+        <p:cNvGrpSpPr/>
+        <p:nvPr/>
+      </p:nvGrpSpPr>
+      <p:grpSpPr>
+        <a:xfrm>
+          <a:off x="0" y="0"/>
+          <a:ext cx="0" cy="0"/>
+          <a:chOff x="0" y="0"/>
+          <a:chExt cx="0" cy="0"/>
+        </a:xfrm>
+      </p:grpSpPr>
+      <p:pic>
+        <p:nvPicPr>
+          <p:cNvPr id="4099" name="Picture 3"/>
+          <p:cNvPicPr>
+            <a:picLocks noChangeAspect="1" noChangeArrowheads="1"/>
+          </p:cNvPicPr>
+          <p:nvPr/>
+        </p:nvPicPr>
+        <p:blipFill>
+          <a:blip r:embed="rId2">
+            <a:extLst>
+              <a:ext uri="{28A0092B-C50C-407E-A947-70E740481C1C}">
+                <a14:useLocalDpi xmlns:a14="http://schemas.microsoft.com/office/drawing/2010/main" val="0"/>
+              </a:ext>
+            </a:extLst>
+          </a:blip>
+          <a:srcRect/>
+          <a:stretch>
+            <a:fillRect/>
+          </a:stretch>
+        </p:blipFill>
+        <p:spPr bwMode="auto">
+          <a:xfrm>
+            <a:off x="129396" y="646981"/>
+            <a:ext cx="7791450" cy="5743575"/>
+          </a:xfrm>
+          <a:prstGeom prst="rect">
+            <a:avLst/>
+          </a:prstGeom>
+          <a:noFill/>
+          <a:ln>
+            <a:noFill/>
+          </a:ln>
+          <a:extLst>
+            <a:ext uri="{909E8E84-426E-40DD-AFC4-6F175D3DCCD1}">
+              <a14:hiddenFill xmlns:a14="http://schemas.microsoft.com/office/drawing/2010/main">
+                <a:solidFill>
+                  <a:schemeClr val="accent1"/>
+                </a:solidFill>
+              </a14:hiddenFill>
+            </a:ext>
+            <a:ext uri="{91240B29-F687-4F45-9708-019B960494DF}">
+              <a14:hiddenLine xmlns:a14="http://schemas.microsoft.com/office/drawing/2010/main" w="9525">
+                <a:solidFill>
+                  <a:schemeClr val="tx1"/>
+                </a:solidFill>
+                <a:miter lim="800000"/>
+                <a:headEnd/>
+                <a:tailEnd/>
+              </a14:hiddenLine>
+            </a:ext>
+          </a:extLst>
+        </p:spPr>
+      </p:pic>
+      <p:sp>
+        <p:nvSpPr>
+          <p:cNvPr id="6" name="矩形 5"/>
+          <p:cNvSpPr/>
+          <p:nvPr/>
+        </p:nvSpPr>
+        <p:spPr>
+          <a:xfrm>
+            <a:off x="6096000" y="4890919"/>
+            <a:ext cx="6096000" cy="1477328"/>
+          </a:xfrm>
+          <a:prstGeom prst="rect">
+            <a:avLst/>
+          </a:prstGeom>
+          <a:solidFill>
+            <a:schemeClr val="accent4">
+              <a:lumMod val="20000"/>
+              <a:lumOff val="80000"/>
+            </a:schemeClr>
+          </a:solidFill>
+        </p:spPr>
+        <p:txBody>
+          <a:bodyPr>
+            <a:spAutoFit/>
+          </a:bodyPr>
+          <a:lstStyle/>
+          <a:p>
+            <a:r>
+              <a:rPr lang="en-US" altLang="zh-TW" dirty="0"/>
+              <a:t>3.1.</a:t>
+            </a:r>
+          </a:p>
+          <a:p>
+            <a:r>
+              <a:rPr lang="en-US" altLang="zh-TW" dirty="0"/>
+              <a:t>//[</a:t>
+            </a:r>
+            <a:r>
+              <a:rPr lang="en-US" altLang="zh-TW" dirty="0" err="1"/>
+              <a:t>HttpPost</a:t>
+            </a:r>
+            <a:r>
+              <a:rPr lang="en-US" altLang="zh-TW" dirty="0"/>
+              <a:t>]</a:t>
+            </a:r>
+          </a:p>
+          <a:p>
+            <a:r>
+              <a:rPr lang="en-US" altLang="zh-TW" dirty="0" smtClean="0"/>
+              <a:t>//public </a:t>
+            </a:r>
+            <a:r>
+              <a:rPr lang="en-US" altLang="zh-TW" dirty="0" err="1" smtClean="0"/>
+              <a:t>ActionResult</a:t>
+            </a:r>
+            <a:r>
+              <a:rPr lang="en-US" altLang="zh-TW" dirty="0" smtClean="0"/>
+              <a:t> Create(</a:t>
+            </a:r>
+            <a:r>
+              <a:rPr lang="en-US" altLang="zh-TW" dirty="0" err="1" smtClean="0"/>
+              <a:t>FormCollection</a:t>
+            </a:r>
+            <a:r>
+              <a:rPr lang="en-US" altLang="zh-TW" dirty="0" smtClean="0"/>
+              <a:t> </a:t>
+            </a:r>
+            <a:r>
+              <a:rPr lang="en-US" altLang="zh-TW" dirty="0" err="1" smtClean="0"/>
+              <a:t>formCollection</a:t>
+            </a:r>
+            <a:r>
+              <a:rPr lang="en-US" altLang="zh-TW" dirty="0" smtClean="0"/>
+              <a:t>)</a:t>
+            </a:r>
+          </a:p>
+          <a:p>
+            <a:r>
+              <a:rPr lang="en-US" altLang="zh-TW" dirty="0" smtClean="0"/>
+              <a:t>Retrieve </a:t>
+            </a:r>
+            <a:r>
+              <a:rPr lang="en-US" altLang="zh-TW" dirty="0"/>
+              <a:t>form data using </a:t>
+            </a:r>
+            <a:r>
+              <a:rPr lang="en-US" altLang="zh-TW" dirty="0" err="1"/>
+              <a:t>FormCollection</a:t>
+            </a:r>
+            <a:r>
+              <a:rPr lang="en-US" altLang="zh-TW" dirty="0"/>
+              <a:t>.</a:t>
+            </a:r>
+          </a:p>
+          <a:p>
+            <a:r>
+              <a:rPr lang="en-US" altLang="zh-TW" dirty="0"/>
+              <a:t>The key is the name attribute of input or select tag from </a:t>
+            </a:r>
+            <a:r>
+              <a:rPr lang="en-US" altLang="zh-TW" dirty="0" err="1"/>
+              <a:t>cshtml</a:t>
+            </a:r>
+            <a:r>
+              <a:rPr lang="en-US" altLang="zh-TW" dirty="0" smtClean="0"/>
+              <a:t>.</a:t>
+            </a:r>
+            <a:endParaRPr lang="en-US" altLang="zh-TW" dirty="0"/>
+          </a:p>
+        </p:txBody>
+      </p:sp>
+      <p:sp>
+        <p:nvSpPr>
+          <p:cNvPr id="7" name="矩形 6"/>
+          <p:cNvSpPr/>
+          <p:nvPr/>
+        </p:nvSpPr>
+        <p:spPr>
+          <a:xfrm>
+            <a:off x="129396" y="36107"/>
+            <a:ext cx="2359364" cy="461665"/>
+          </a:xfrm>
+          <a:prstGeom prst="rect">
+            <a:avLst/>
+          </a:prstGeom>
+        </p:spPr>
+        <p:txBody>
+          <a:bodyPr wrap="none">
+            <a:spAutoFit/>
+          </a:bodyPr>
+          <a:lstStyle/>
+          <a:p>
+            <a:r>
+              <a:rPr lang="en-US" altLang="zh-TW" sz="2400" b="1" dirty="0" smtClean="0">
+                <a:solidFill>
+                  <a:srgbClr val="FF0000"/>
+                </a:solidFill>
+              </a:rPr>
+              <a:t>1.FormCollection</a:t>
+            </a:r>
+            <a:endParaRPr lang="zh-TW" altLang="en-US" sz="2400" b="1" dirty="0">
+              <a:solidFill>
+                <a:srgbClr val="FF0000"/>
+              </a:solidFill>
+            </a:endParaRPr>
+          </a:p>
+        </p:txBody>
+      </p:sp>
+      <p:sp>
+        <p:nvSpPr>
+          <p:cNvPr id="8" name="矩形 7"/>
+          <p:cNvSpPr/>
+          <p:nvPr/>
+        </p:nvSpPr>
+        <p:spPr>
+          <a:xfrm>
+            <a:off x="5904778" y="886751"/>
+            <a:ext cx="5558291" cy="646331"/>
+          </a:xfrm>
+          <a:prstGeom prst="rect">
+            <a:avLst/>
+          </a:prstGeom>
+          <a:solidFill>
+            <a:schemeClr val="accent5">
+              <a:lumMod val="20000"/>
+              <a:lumOff val="80000"/>
+            </a:schemeClr>
+          </a:solidFill>
+        </p:spPr>
+        <p:txBody>
+          <a:bodyPr wrap="square">
+            <a:spAutoFit/>
+          </a:bodyPr>
+          <a:lstStyle/>
+          <a:p>
+            <a:r>
+              <a:rPr lang="zh-TW" altLang="en-US" dirty="0"/>
+              <a:t>當</a:t>
+            </a:r>
+            <a:r>
+              <a:rPr lang="zh-TW" altLang="en-US" dirty="0" smtClean="0"/>
+              <a:t>取到</a:t>
+            </a:r>
+            <a:r>
+              <a:rPr lang="en-US" altLang="zh-TW" dirty="0" err="1" smtClean="0"/>
+              <a:t>FormCollection</a:t>
+            </a:r>
+            <a:r>
+              <a:rPr lang="en-US" altLang="zh-TW" dirty="0" smtClean="0"/>
+              <a:t/>
+            </a:r>
+            <a:br>
+              <a:rPr lang="en-US" altLang="zh-TW" dirty="0" smtClean="0"/>
+            </a:br>
+            <a:r>
+              <a:rPr lang="zh-TW" altLang="en-US" dirty="0" smtClean="0"/>
+              <a:t>將</a:t>
+            </a:r>
+            <a:r>
+              <a:rPr lang="en-US" altLang="zh-TW" dirty="0" err="1" smtClean="0"/>
+              <a:t>FormCollection</a:t>
+            </a:r>
+            <a:r>
+              <a:rPr lang="zh-TW" altLang="en-US" dirty="0" smtClean="0"/>
+              <a:t>取到的所有</a:t>
+            </a:r>
+            <a:r>
+              <a:rPr lang="en-US" altLang="zh-TW" dirty="0" smtClean="0"/>
+              <a:t>KEY</a:t>
+            </a:r>
+            <a:r>
+              <a:rPr lang="zh-TW" altLang="en-US" dirty="0" smtClean="0"/>
+              <a:t> 用</a:t>
+            </a:r>
+            <a:r>
+              <a:rPr lang="en-US" altLang="zh-TW" dirty="0" err="1" smtClean="0"/>
+              <a:t>foreach</a:t>
+            </a:r>
+            <a:r>
+              <a:rPr lang="zh-TW" altLang="en-US" dirty="0" smtClean="0"/>
+              <a:t>跑一遍</a:t>
+            </a:r>
+            <a:endParaRPr lang="en-US" altLang="zh-TW" dirty="0"/>
+          </a:p>
+        </p:txBody>
+      </p:sp>
+      <p:sp>
+        <p:nvSpPr>
+          <p:cNvPr id="9" name="矩形 8"/>
+          <p:cNvSpPr/>
+          <p:nvPr/>
+        </p:nvSpPr>
+        <p:spPr>
+          <a:xfrm>
+            <a:off x="6074430" y="2315861"/>
+            <a:ext cx="3147207" cy="369332"/>
+          </a:xfrm>
+          <a:prstGeom prst="rect">
+            <a:avLst/>
+          </a:prstGeom>
+          <a:solidFill>
+            <a:schemeClr val="accent5">
+              <a:lumMod val="20000"/>
+              <a:lumOff val="80000"/>
+            </a:schemeClr>
+          </a:solidFill>
+        </p:spPr>
+        <p:txBody>
+          <a:bodyPr wrap="square">
+            <a:spAutoFit/>
+          </a:bodyPr>
+          <a:lstStyle/>
+          <a:p>
+            <a:r>
+              <a:rPr lang="zh-TW" altLang="en-US" dirty="0" smtClean="0"/>
+              <a:t>顯示這個</a:t>
+            </a:r>
+            <a:r>
+              <a:rPr lang="en-US" altLang="zh-TW" dirty="0" smtClean="0"/>
+              <a:t>KEY</a:t>
+            </a:r>
+            <a:r>
+              <a:rPr lang="zh-TW" altLang="en-US" dirty="0" smtClean="0"/>
+              <a:t> 並且顯示這個值 </a:t>
+            </a:r>
+            <a:endParaRPr lang="en-US" altLang="zh-TW" dirty="0"/>
+          </a:p>
+        </p:txBody>
+      </p:sp>
+      <p:sp>
+        <p:nvSpPr>
+          <p:cNvPr id="10" name="矩形 9"/>
+          <p:cNvSpPr/>
+          <p:nvPr/>
+        </p:nvSpPr>
+        <p:spPr>
+          <a:xfrm>
+            <a:off x="4256055" y="3554380"/>
+            <a:ext cx="885288" cy="369332"/>
+          </a:xfrm>
+          <a:prstGeom prst="rect">
+            <a:avLst/>
+          </a:prstGeom>
+          <a:solidFill>
+            <a:schemeClr val="accent5">
+              <a:lumMod val="20000"/>
+              <a:lumOff val="80000"/>
+            </a:schemeClr>
+          </a:solidFill>
+        </p:spPr>
+        <p:txBody>
+          <a:bodyPr wrap="square">
+            <a:spAutoFit/>
+          </a:bodyPr>
+          <a:lstStyle/>
+          <a:p>
+            <a:r>
+              <a:rPr lang="zh-TW" altLang="en-US" dirty="0" smtClean="0"/>
+              <a:t>給值 </a:t>
+            </a:r>
+            <a:endParaRPr lang="en-US" altLang="zh-TW" dirty="0"/>
+          </a:p>
+        </p:txBody>
+      </p:sp>
+      <p:sp>
+        <p:nvSpPr>
+          <p:cNvPr id="11" name="矩形 10"/>
+          <p:cNvSpPr/>
+          <p:nvPr/>
+        </p:nvSpPr>
+        <p:spPr>
+          <a:xfrm>
+            <a:off x="2205488" y="4252537"/>
+            <a:ext cx="1142998" cy="179149"/>
+          </a:xfrm>
+          <a:prstGeom prst="rect">
+            <a:avLst/>
+          </a:prstGeom>
+          <a:noFill/>
+          <a:ln w="38100">
+            <a:solidFill>
+              <a:srgbClr val="FF0000"/>
+            </a:solidFill>
+          </a:ln>
+        </p:spPr>
+        <p:style>
+          <a:lnRef idx="2">
+            <a:schemeClr val="accent1">
+              <a:shade val="50000"/>
+            </a:schemeClr>
+          </a:lnRef>
+          <a:fillRef idx="1">
+            <a:schemeClr val="accent1"/>
+          </a:fillRef>
+          <a:effectRef idx="0">
+            <a:schemeClr val="accent1"/>
+          </a:effectRef>
+          <a:fontRef idx="minor">
+            <a:schemeClr val="lt1"/>
+          </a:fontRef>
+        </p:style>
+        <p:txBody>
+          <a:bodyPr rtlCol="0" anchor="ctr"/>
+          <a:lstStyle/>
+          <a:p>
+            <a:pPr algn="ctr"/>
+            <a:endParaRPr lang="zh-TW" altLang="en-US"/>
+          </a:p>
+        </p:txBody>
+      </p:sp>
+      <p:sp>
+        <p:nvSpPr>
+          <p:cNvPr id="12" name="矩形 11"/>
+          <p:cNvSpPr/>
+          <p:nvPr/>
+        </p:nvSpPr>
+        <p:spPr>
+          <a:xfrm>
+            <a:off x="6203826" y="3667040"/>
+            <a:ext cx="1137253" cy="369332"/>
+          </a:xfrm>
+          <a:prstGeom prst="rect">
+            <a:avLst/>
+          </a:prstGeom>
+          <a:solidFill>
+            <a:schemeClr val="accent4">
+              <a:lumMod val="20000"/>
+              <a:lumOff val="80000"/>
+            </a:schemeClr>
+          </a:solidFill>
+        </p:spPr>
+        <p:txBody>
+          <a:bodyPr wrap="square">
+            <a:spAutoFit/>
+          </a:bodyPr>
+          <a:lstStyle/>
+          <a:p>
+            <a:r>
+              <a:rPr lang="zh-TW" altLang="en-US" dirty="0" smtClean="0"/>
+              <a:t>轉換型別</a:t>
+            </a:r>
+            <a:endParaRPr lang="en-US" altLang="zh-TW" dirty="0"/>
+          </a:p>
+        </p:txBody>
+      </p:sp>
+      <p:cxnSp>
+        <p:nvCxnSpPr>
+          <p:cNvPr id="13" name="直線單箭頭接點 12"/>
+          <p:cNvCxnSpPr>
+            <a:endCxn id="12" idx="1"/>
+          </p:cNvCxnSpPr>
+          <p:nvPr/>
+        </p:nvCxnSpPr>
+        <p:spPr>
+          <a:xfrm flipV="1">
+            <a:off x="3269047" y="3851706"/>
+            <a:ext cx="2934779" cy="400831"/>
+          </a:xfrm>
+          <a:prstGeom prst="straightConnector1">
+            <a:avLst/>
+          </a:prstGeom>
+          <a:ln w="38100">
+            <a:solidFill>
+              <a:srgbClr val="FF0000"/>
+            </a:solidFill>
+            <a:tailEnd type="arrow"/>
+          </a:ln>
+        </p:spPr>
+        <p:style>
+          <a:lnRef idx="1">
+            <a:schemeClr val="accent1"/>
+          </a:lnRef>
+          <a:fillRef idx="0">
+            <a:schemeClr val="accent1"/>
+          </a:fillRef>
+          <a:effectRef idx="0">
+            <a:schemeClr val="accent1"/>
+          </a:effectRef>
+          <a:fontRef idx="minor">
+            <a:schemeClr val="tx1"/>
+          </a:fontRef>
+        </p:style>
+      </p:cxnSp>
+      <p:sp>
+        <p:nvSpPr>
+          <p:cNvPr id="15" name="矩形 14"/>
+          <p:cNvSpPr/>
+          <p:nvPr/>
+        </p:nvSpPr>
+        <p:spPr>
+          <a:xfrm>
+            <a:off x="1841390" y="4431686"/>
+            <a:ext cx="3860669" cy="223321"/>
+          </a:xfrm>
+          <a:prstGeom prst="rect">
+            <a:avLst/>
+          </a:prstGeom>
+          <a:noFill/>
+          <a:ln w="38100">
+            <a:solidFill>
+              <a:srgbClr val="FF0000"/>
+            </a:solidFill>
+          </a:ln>
+        </p:spPr>
+        <p:style>
+          <a:lnRef idx="2">
+            <a:schemeClr val="accent1">
+              <a:shade val="50000"/>
+            </a:schemeClr>
+          </a:lnRef>
+          <a:fillRef idx="1">
+            <a:schemeClr val="accent1"/>
+          </a:fillRef>
+          <a:effectRef idx="0">
+            <a:schemeClr val="accent1"/>
+          </a:effectRef>
+          <a:fontRef idx="minor">
+            <a:schemeClr val="lt1"/>
+          </a:fontRef>
+        </p:style>
+        <p:txBody>
+          <a:bodyPr rtlCol="0" anchor="ctr"/>
+          <a:lstStyle/>
+          <a:p>
+            <a:pPr algn="ctr"/>
+            <a:endParaRPr lang="zh-TW" altLang="en-US"/>
+          </a:p>
+        </p:txBody>
+      </p:sp>
+      <p:sp>
+        <p:nvSpPr>
+          <p:cNvPr id="16" name="矩形 15"/>
+          <p:cNvSpPr/>
+          <p:nvPr/>
+        </p:nvSpPr>
+        <p:spPr>
+          <a:xfrm>
+            <a:off x="5702059" y="4419319"/>
+            <a:ext cx="1061048" cy="235688"/>
+          </a:xfrm>
+          <a:prstGeom prst="rect">
+            <a:avLst/>
+          </a:prstGeom>
+          <a:noFill/>
+          <a:ln w="38100">
+            <a:solidFill>
+              <a:srgbClr val="FF0000"/>
+            </a:solidFill>
+          </a:ln>
+        </p:spPr>
+        <p:style>
+          <a:lnRef idx="2">
+            <a:schemeClr val="accent1">
+              <a:shade val="50000"/>
+            </a:schemeClr>
+          </a:lnRef>
+          <a:fillRef idx="1">
+            <a:schemeClr val="accent1"/>
+          </a:fillRef>
+          <a:effectRef idx="0">
+            <a:schemeClr val="accent1"/>
+          </a:effectRef>
+          <a:fontRef idx="minor">
+            <a:schemeClr val="lt1"/>
+          </a:fontRef>
+        </p:style>
+        <p:txBody>
+          <a:bodyPr rtlCol="0" anchor="ctr"/>
+          <a:lstStyle/>
+          <a:p>
+            <a:pPr algn="ctr"/>
+            <a:endParaRPr lang="zh-TW" altLang="en-US"/>
+          </a:p>
+        </p:txBody>
+      </p:sp>
+      <p:sp>
+        <p:nvSpPr>
+          <p:cNvPr id="17" name="矩形 16"/>
+          <p:cNvSpPr/>
+          <p:nvPr/>
+        </p:nvSpPr>
+        <p:spPr>
+          <a:xfrm>
+            <a:off x="6924852" y="4265488"/>
+            <a:ext cx="4738061" cy="338554"/>
+          </a:xfrm>
+          <a:prstGeom prst="rect">
+            <a:avLst/>
+          </a:prstGeom>
+          <a:solidFill>
+            <a:schemeClr val="accent4">
+              <a:lumMod val="20000"/>
+              <a:lumOff val="80000"/>
+            </a:schemeClr>
+          </a:solidFill>
+        </p:spPr>
+        <p:txBody>
+          <a:bodyPr wrap="square">
+            <a:spAutoFit/>
+          </a:bodyPr>
+          <a:lstStyle/>
+          <a:p>
+            <a:r>
+              <a:rPr lang="zh-TW" altLang="en-US" sz="1600" dirty="0" smtClean="0"/>
+              <a:t>轉換型別</a:t>
+            </a:r>
+            <a:r>
+              <a:rPr lang="en-US" altLang="zh-TW" sz="1600" dirty="0" smtClean="0"/>
+              <a:t>/</a:t>
+            </a:r>
+            <a:r>
+              <a:rPr lang="zh-TW" altLang="en-US" sz="1600" dirty="0" smtClean="0"/>
+              <a:t>當可以轉換</a:t>
+            </a:r>
+            <a:r>
+              <a:rPr lang="en-US" altLang="zh-TW" sz="1600" dirty="0" smtClean="0"/>
+              <a:t>INT</a:t>
+            </a:r>
+            <a:r>
+              <a:rPr lang="zh-TW" altLang="en-US" sz="1600" dirty="0" smtClean="0"/>
+              <a:t>時給他</a:t>
+            </a:r>
+            <a:r>
+              <a:rPr lang="en-US" altLang="zh-TW" sz="1600" dirty="0" smtClean="0"/>
+              <a:t>id </a:t>
+            </a:r>
+            <a:r>
+              <a:rPr lang="zh-TW" altLang="en-US" sz="1600" dirty="0" smtClean="0"/>
+              <a:t>轉換失敗給一個</a:t>
+            </a:r>
+            <a:r>
+              <a:rPr lang="en-US" altLang="zh-TW" sz="1600" dirty="0" smtClean="0"/>
+              <a:t>0</a:t>
+            </a:r>
+          </a:p>
+        </p:txBody>
+      </p:sp>
+      <p:sp>
+        <p:nvSpPr>
+          <p:cNvPr id="18" name="矩形 17"/>
+          <p:cNvSpPr/>
+          <p:nvPr/>
+        </p:nvSpPr>
+        <p:spPr>
+          <a:xfrm>
+            <a:off x="3547246" y="5504918"/>
+            <a:ext cx="2527184" cy="830997"/>
+          </a:xfrm>
+          <a:prstGeom prst="rect">
+            <a:avLst/>
+          </a:prstGeom>
+          <a:solidFill>
+            <a:schemeClr val="accent5">
+              <a:lumMod val="40000"/>
+              <a:lumOff val="60000"/>
+            </a:schemeClr>
+          </a:solidFill>
+        </p:spPr>
+        <p:txBody>
+          <a:bodyPr wrap="square">
+            <a:spAutoFit/>
+          </a:bodyPr>
+          <a:lstStyle/>
+          <a:p>
+            <a:r>
+              <a:rPr lang="zh-TW" altLang="en-US" sz="1600" dirty="0" smtClean="0"/>
+              <a:t>用</a:t>
+            </a:r>
+            <a:r>
+              <a:rPr lang="en-US" altLang="zh-TW" sz="1600" dirty="0" err="1" smtClean="0"/>
+              <a:t>gamerBusinessLayer</a:t>
+            </a:r>
+            <a:r>
+              <a:rPr lang="zh-TW" altLang="en-US" sz="1600" dirty="0" smtClean="0"/>
+              <a:t> 的</a:t>
+            </a:r>
+            <a:r>
+              <a:rPr lang="en-US" altLang="zh-TW" sz="1600" dirty="0" err="1" smtClean="0"/>
+              <a:t>addGamer</a:t>
+            </a:r>
+            <a:r>
+              <a:rPr lang="zh-TW" altLang="en-US" sz="1600" dirty="0" smtClean="0"/>
+              <a:t> 方法來把</a:t>
+            </a:r>
+            <a:r>
+              <a:rPr lang="en-US" altLang="zh-TW" sz="1600" dirty="0" smtClean="0"/>
+              <a:t>gamer</a:t>
+            </a:r>
+            <a:r>
+              <a:rPr lang="zh-TW" altLang="en-US" sz="1600" dirty="0" smtClean="0"/>
+              <a:t>加進去</a:t>
+            </a:r>
+            <a:endParaRPr lang="en-US" altLang="zh-TW" sz="1600" dirty="0" smtClean="0"/>
+          </a:p>
+        </p:txBody>
+      </p:sp>
+      <p:sp>
+        <p:nvSpPr>
+          <p:cNvPr id="20" name="矩形 19"/>
+          <p:cNvSpPr/>
+          <p:nvPr/>
+        </p:nvSpPr>
+        <p:spPr>
+          <a:xfrm>
+            <a:off x="4013797" y="4890919"/>
+            <a:ext cx="2527184" cy="338554"/>
+          </a:xfrm>
+          <a:prstGeom prst="rect">
+            <a:avLst/>
+          </a:prstGeom>
+          <a:solidFill>
+            <a:schemeClr val="accent5">
+              <a:lumMod val="40000"/>
+              <a:lumOff val="60000"/>
+            </a:schemeClr>
+          </a:solidFill>
+        </p:spPr>
+        <p:txBody>
+          <a:bodyPr wrap="square">
+            <a:spAutoFit/>
+          </a:bodyPr>
+          <a:lstStyle/>
+          <a:p>
+            <a:r>
+              <a:rPr lang="zh-TW" altLang="en-US" sz="1600" dirty="0" smtClean="0"/>
+              <a:t>建立 </a:t>
+            </a:r>
+            <a:r>
+              <a:rPr lang="en-US" altLang="zh-TW" sz="1600" dirty="0" err="1" smtClean="0"/>
+              <a:t>gamerBusinessLayer</a:t>
+            </a:r>
+            <a:endParaRPr lang="en-US" altLang="zh-TW" sz="1600" dirty="0" smtClean="0"/>
+          </a:p>
+        </p:txBody>
+      </p:sp>
+    </p:spTree>
+    <p:extLst>
+      <p:ext uri="{BB962C8B-B14F-4D97-AF65-F5344CB8AC3E}">
+        <p14:creationId xmlns:p14="http://schemas.microsoft.com/office/powerpoint/2010/main" val="1160874023"/>
+      </p:ext>
+    </p:extLst>
+  </p:cSld>
+  <p:clrMapOvr>
+    <a:masterClrMapping/>
+  </p:clrMapOvr>
+</p:sld>
+</file>
+
+<file path=ppt/slides/slide9.xml><?xml version="1.0" encoding="utf-8"?>
+<p:sld xmlns:a="http://schemas.openxmlformats.org/drawingml/2006/main" xmlns:r="http://schemas.openxmlformats.org/officeDocument/2006/relationships" xmlns:p="http://schemas.openxmlformats.org/presentationml/2006/main">
+  <p:cSld>
+    <p:spTree>
+      <p:nvGrpSpPr>
+        <p:cNvPr id="1" name=""/>
+        <p:cNvGrpSpPr/>
+        <p:nvPr/>
+      </p:nvGrpSpPr>
+      <p:grpSpPr>
+        <a:xfrm>
+          <a:off x="0" y="0"/>
+          <a:ext cx="0" cy="0"/>
+          <a:chOff x="0" y="0"/>
+          <a:chExt cx="0" cy="0"/>
+        </a:xfrm>
+      </p:grpSpPr>
+      <p:pic>
+        <p:nvPicPr>
+          <p:cNvPr id="4" name="Picture 2"/>
+          <p:cNvPicPr>
+            <a:picLocks noChangeAspect="1" noChangeArrowheads="1"/>
+          </p:cNvPicPr>
+          <p:nvPr/>
+        </p:nvPicPr>
+        <p:blipFill rotWithShape="1">
+          <a:blip r:embed="rId2">
+            <a:extLst>
+              <a:ext uri="{28A0092B-C50C-407E-A947-70E740481C1C}">
+                <a14:useLocalDpi xmlns:a14="http://schemas.microsoft.com/office/drawing/2010/main" val="0"/>
+              </a:ext>
+            </a:extLst>
+          </a:blip>
+          <a:srcRect t="-6767"/>
+          <a:stretch/>
+        </p:blipFill>
+        <p:spPr bwMode="auto">
+          <a:xfrm>
+            <a:off x="17253" y="578621"/>
+            <a:ext cx="8458200" cy="4210230"/>
+          </a:xfrm>
+          <a:prstGeom prst="rect">
+            <a:avLst/>
+          </a:prstGeom>
+          <a:noFill/>
+          <a:ln>
+            <a:noFill/>
+          </a:ln>
+          <a:extLst>
+            <a:ext uri="{909E8E84-426E-40DD-AFC4-6F175D3DCCD1}">
+              <a14:hiddenFill xmlns:a14="http://schemas.microsoft.com/office/drawing/2010/main">
+                <a:solidFill>
+                  <a:schemeClr val="accent1"/>
+                </a:solidFill>
+              </a14:hiddenFill>
+            </a:ext>
+            <a:ext uri="{91240B29-F687-4F45-9708-019B960494DF}">
+              <a14:hiddenLine xmlns:a14="http://schemas.microsoft.com/office/drawing/2010/main" w="9525">
+                <a:solidFill>
+                  <a:schemeClr val="tx1"/>
+                </a:solidFill>
+                <a:miter lim="800000"/>
+                <a:headEnd/>
+                <a:tailEnd/>
+              </a14:hiddenLine>
+            </a:ext>
+          </a:extLst>
+        </p:spPr>
+      </p:pic>
+      <p:sp>
+        <p:nvSpPr>
+          <p:cNvPr id="5" name="矩形 4"/>
+          <p:cNvSpPr/>
+          <p:nvPr/>
+        </p:nvSpPr>
+        <p:spPr>
+          <a:xfrm>
+            <a:off x="184031" y="209289"/>
+            <a:ext cx="2498784" cy="369332"/>
+          </a:xfrm>
+          <a:prstGeom prst="rect">
+            <a:avLst/>
+          </a:prstGeom>
+        </p:spPr>
+        <p:txBody>
+          <a:bodyPr wrap="square">
+            <a:spAutoFit/>
+          </a:bodyPr>
+          <a:lstStyle/>
+          <a:p>
+            <a:r>
+              <a:rPr lang="zh-TW" altLang="en-US" dirty="0" smtClean="0">
+                <a:solidFill>
+                  <a:srgbClr val="FF0000"/>
+                </a:solidFill>
+              </a:rPr>
+              <a:t>使用</a:t>
+            </a:r>
+            <a:r>
+              <a:rPr lang="en-US" altLang="zh-TW" dirty="0" smtClean="0">
+                <a:solidFill>
+                  <a:srgbClr val="FF0000"/>
+                </a:solidFill>
+              </a:rPr>
+              <a:t>name attribute</a:t>
+            </a:r>
+            <a:endParaRPr lang="zh-TW" altLang="en-US" dirty="0">
+              <a:solidFill>
+                <a:srgbClr val="FF0000"/>
+              </a:solidFill>
+            </a:endParaRPr>
+          </a:p>
+        </p:txBody>
+      </p:sp>
+      <p:sp>
+        <p:nvSpPr>
+          <p:cNvPr id="6" name="矩形 5"/>
+          <p:cNvSpPr/>
+          <p:nvPr/>
+        </p:nvSpPr>
+        <p:spPr>
+          <a:xfrm>
+            <a:off x="5946476" y="4932728"/>
+            <a:ext cx="6096000" cy="1754326"/>
+          </a:xfrm>
+          <a:prstGeom prst="rect">
+            <a:avLst/>
+          </a:prstGeom>
+          <a:solidFill>
+            <a:schemeClr val="accent4">
+              <a:lumMod val="20000"/>
+              <a:lumOff val="80000"/>
+            </a:schemeClr>
+          </a:solidFill>
+        </p:spPr>
+        <p:txBody>
+          <a:bodyPr>
+            <a:spAutoFit/>
+          </a:bodyPr>
+          <a:lstStyle/>
+          <a:p>
+            <a:r>
+              <a:rPr lang="en-US" altLang="zh-TW" dirty="0"/>
+              <a:t>3.2.</a:t>
+            </a:r>
+          </a:p>
+          <a:p>
+            <a:r>
+              <a:rPr lang="en-US" altLang="zh-TW" dirty="0"/>
+              <a:t>//[</a:t>
+            </a:r>
+            <a:r>
+              <a:rPr lang="en-US" altLang="zh-TW" dirty="0" err="1"/>
+              <a:t>HttpPost</a:t>
+            </a:r>
+            <a:r>
+              <a:rPr lang="en-US" altLang="zh-TW" dirty="0"/>
+              <a:t>]</a:t>
+            </a:r>
+          </a:p>
+          <a:p>
+            <a:r>
+              <a:rPr lang="en-US" altLang="zh-TW" dirty="0"/>
+              <a:t>//public </a:t>
+            </a:r>
+            <a:r>
+              <a:rPr lang="en-US" altLang="zh-TW" dirty="0" err="1"/>
+              <a:t>ActionResult</a:t>
+            </a:r>
+            <a:r>
+              <a:rPr lang="en-US" altLang="zh-TW" dirty="0"/>
+              <a:t> Create2(string name, string gender, string city, </a:t>
+            </a:r>
+            <a:r>
+              <a:rPr lang="en-US" altLang="zh-TW" dirty="0" err="1"/>
+              <a:t>DateTime</a:t>
+            </a:r>
+            <a:r>
+              <a:rPr lang="en-US" altLang="zh-TW" dirty="0"/>
+              <a:t> </a:t>
+            </a:r>
+            <a:r>
+              <a:rPr lang="en-US" altLang="zh-TW" dirty="0" err="1"/>
+              <a:t>dateOfBirth</a:t>
+            </a:r>
+            <a:r>
+              <a:rPr lang="en-US" altLang="zh-TW" dirty="0"/>
+              <a:t>, </a:t>
+            </a:r>
+            <a:r>
+              <a:rPr lang="en-US" altLang="zh-TW" dirty="0" err="1"/>
+              <a:t>int</a:t>
+            </a:r>
+            <a:r>
+              <a:rPr lang="en-US" altLang="zh-TW" dirty="0"/>
+              <a:t> </a:t>
+            </a:r>
+            <a:r>
+              <a:rPr lang="en-US" altLang="zh-TW" dirty="0" err="1"/>
+              <a:t>teamId</a:t>
+            </a:r>
+            <a:r>
+              <a:rPr lang="en-US" altLang="zh-TW" dirty="0"/>
+              <a:t>)</a:t>
+            </a:r>
+          </a:p>
+          <a:p>
+            <a:r>
+              <a:rPr lang="en-US" altLang="zh-TW" dirty="0"/>
+              <a:t>Retrieve form data using name attribute of input tag from </a:t>
+            </a:r>
+            <a:r>
+              <a:rPr lang="en-US" altLang="zh-TW" dirty="0" err="1"/>
+              <a:t>cshtml</a:t>
+            </a:r>
+            <a:r>
+              <a:rPr lang="en-US" altLang="zh-TW" dirty="0"/>
+              <a:t>.</a:t>
+            </a:r>
+            <a:endParaRPr lang="zh-TW" altLang="en-US" dirty="0"/>
+          </a:p>
+        </p:txBody>
+      </p:sp>
+      <p:sp>
+        <p:nvSpPr>
+          <p:cNvPr id="7" name="矩形 6"/>
+          <p:cNvSpPr/>
+          <p:nvPr/>
+        </p:nvSpPr>
+        <p:spPr>
+          <a:xfrm>
+            <a:off x="8162378" y="1286601"/>
+            <a:ext cx="2527184" cy="338554"/>
+          </a:xfrm>
+          <a:prstGeom prst="rect">
+            <a:avLst/>
+          </a:prstGeom>
+          <a:solidFill>
+            <a:schemeClr val="accent5">
+              <a:lumMod val="20000"/>
+              <a:lumOff val="80000"/>
+            </a:schemeClr>
+          </a:solidFill>
+        </p:spPr>
+        <p:txBody>
+          <a:bodyPr wrap="square">
+            <a:spAutoFit/>
+          </a:bodyPr>
+          <a:lstStyle/>
+          <a:p>
+            <a:r>
+              <a:rPr lang="zh-TW" altLang="en-US" sz="1600" dirty="0" smtClean="0"/>
+              <a:t>直接從</a:t>
+            </a:r>
+            <a:r>
+              <a:rPr lang="en-US" altLang="zh-TW" sz="1600" dirty="0" smtClean="0"/>
+              <a:t>name</a:t>
+            </a:r>
+            <a:r>
+              <a:rPr lang="zh-TW" altLang="en-US" sz="1600" dirty="0" smtClean="0"/>
+              <a:t>取到的值帶入</a:t>
+            </a:r>
+            <a:endParaRPr lang="en-US" altLang="zh-TW" sz="1600" dirty="0" smtClean="0"/>
+          </a:p>
+        </p:txBody>
+      </p:sp>
+    </p:spTree>
+    <p:extLst>
+      <p:ext uri="{BB962C8B-B14F-4D97-AF65-F5344CB8AC3E}">
+        <p14:creationId xmlns:p14="http://schemas.microsoft.com/office/powerpoint/2010/main" val="2059155054"/>
       </p:ext>
     </p:extLst>
   </p:cSld>
@@ -4522,7 +9148,7 @@
   <a:extraClrSchemeLst/>
   <a:extLst>
     <a:ext uri="{05A4C25C-085E-4340-85A3-A5531E510DB2}">
-      <thm15:themeFamily xmlns:thm15="http://schemas.microsoft.com/office/thememl/2012/main" xmlns="" name="Office Theme" id="{62F939B6-93AF-4DB8-9C6B-D6C7DFDC589F}" vid="{4A3C46E8-61CC-4603-A589-7422A47A8E4A}"/>
+      <thm15:themeFamily xmlns="" xmlns:thm15="http://schemas.microsoft.com/office/thememl/2012/main" name="Office Theme" id="{62F939B6-93AF-4DB8-9C6B-D6C7DFDC589F}" vid="{4A3C46E8-61CC-4603-A589-7422A47A8E4A}"/>
     </a:ext>
   </a:extLst>
 </a:theme>

--- a/筆記.pptx
+++ b/筆記.pptx
@@ -17,6 +17,16 @@
     <p:sldId id="266" r:id="rId11"/>
     <p:sldId id="267" r:id="rId12"/>
     <p:sldId id="262" r:id="rId13"/>
+    <p:sldId id="268" r:id="rId14"/>
+    <p:sldId id="269" r:id="rId15"/>
+    <p:sldId id="271" r:id="rId16"/>
+    <p:sldId id="274" r:id="rId17"/>
+    <p:sldId id="275" r:id="rId18"/>
+    <p:sldId id="270" r:id="rId19"/>
+    <p:sldId id="272" r:id="rId20"/>
+    <p:sldId id="273" r:id="rId21"/>
+    <p:sldId id="276" r:id="rId22"/>
+    <p:sldId id="277" r:id="rId23"/>
   </p:sldIdLst>
   <p:sldSz cx="12192000" cy="6858000"/>
   <p:notesSz cx="6858000" cy="9144000"/>
@@ -144,7 +154,7 @@
           <p:cNvPr id="2" name="標題 1">
             <a:extLst>
               <a:ext uri="{FF2B5EF4-FFF2-40B4-BE49-F238E27FC236}">
-                <a16:creationId xmlns="" xmlns:a16="http://schemas.microsoft.com/office/drawing/2014/main" id="{1198393F-506E-42F3-9FA2-C5A7116197F9}"/>
+                <a16:creationId xmlns:a16="http://schemas.microsoft.com/office/drawing/2014/main" xmlns="" id="{1198393F-506E-42F3-9FA2-C5A7116197F9}"/>
               </a:ext>
             </a:extLst>
           </p:cNvPr>
@@ -181,7 +191,7 @@
           <p:cNvPr id="3" name="副標題 2">
             <a:extLst>
               <a:ext uri="{FF2B5EF4-FFF2-40B4-BE49-F238E27FC236}">
-                <a16:creationId xmlns="" xmlns:a16="http://schemas.microsoft.com/office/drawing/2014/main" id="{EEA0432F-353E-42BB-9B17-1D182533D439}"/>
+                <a16:creationId xmlns:a16="http://schemas.microsoft.com/office/drawing/2014/main" xmlns="" id="{EEA0432F-353E-42BB-9B17-1D182533D439}"/>
               </a:ext>
             </a:extLst>
           </p:cNvPr>
@@ -251,7 +261,7 @@
           <p:cNvPr id="4" name="日期版面配置區 3">
             <a:extLst>
               <a:ext uri="{FF2B5EF4-FFF2-40B4-BE49-F238E27FC236}">
-                <a16:creationId xmlns="" xmlns:a16="http://schemas.microsoft.com/office/drawing/2014/main" id="{B4CDE810-493D-4C49-B8ED-9436B09EAE24}"/>
+                <a16:creationId xmlns:a16="http://schemas.microsoft.com/office/drawing/2014/main" xmlns="" id="{B4CDE810-493D-4C49-B8ED-9436B09EAE24}"/>
               </a:ext>
             </a:extLst>
           </p:cNvPr>
@@ -269,7 +279,7 @@
           <a:p>
             <a:fld id="{1983F8DA-040C-4179-8EC3-2597626DD22D}" type="datetimeFigureOut">
               <a:rPr lang="zh-TW" altLang="en-US" smtClean="0"/>
-              <a:t>2018/5/12</a:t>
+              <a:t>2018/5/13</a:t>
             </a:fld>
             <a:endParaRPr lang="zh-TW" altLang="en-US"/>
           </a:p>
@@ -280,7 +290,7 @@
           <p:cNvPr id="5" name="頁尾版面配置區 4">
             <a:extLst>
               <a:ext uri="{FF2B5EF4-FFF2-40B4-BE49-F238E27FC236}">
-                <a16:creationId xmlns="" xmlns:a16="http://schemas.microsoft.com/office/drawing/2014/main" id="{AF2EE26C-5BD5-49B3-AFA9-F3AD51DF851F}"/>
+                <a16:creationId xmlns:a16="http://schemas.microsoft.com/office/drawing/2014/main" xmlns="" id="{AF2EE26C-5BD5-49B3-AFA9-F3AD51DF851F}"/>
               </a:ext>
             </a:extLst>
           </p:cNvPr>
@@ -305,7 +315,7 @@
           <p:cNvPr id="6" name="投影片編號版面配置區 5">
             <a:extLst>
               <a:ext uri="{FF2B5EF4-FFF2-40B4-BE49-F238E27FC236}">
-                <a16:creationId xmlns="" xmlns:a16="http://schemas.microsoft.com/office/drawing/2014/main" id="{8E168F88-A195-4F77-9EB7-45BBA865904A}"/>
+                <a16:creationId xmlns:a16="http://schemas.microsoft.com/office/drawing/2014/main" xmlns="" id="{8E168F88-A195-4F77-9EB7-45BBA865904A}"/>
               </a:ext>
             </a:extLst>
           </p:cNvPr>
@@ -364,7 +374,7 @@
           <p:cNvPr id="2" name="標題 1">
             <a:extLst>
               <a:ext uri="{FF2B5EF4-FFF2-40B4-BE49-F238E27FC236}">
-                <a16:creationId xmlns="" xmlns:a16="http://schemas.microsoft.com/office/drawing/2014/main" id="{8FBAA53A-84EC-4393-9448-9CAE254CA709}"/>
+                <a16:creationId xmlns:a16="http://schemas.microsoft.com/office/drawing/2014/main" xmlns="" id="{8FBAA53A-84EC-4393-9448-9CAE254CA709}"/>
               </a:ext>
             </a:extLst>
           </p:cNvPr>
@@ -392,7 +402,7 @@
           <p:cNvPr id="3" name="直排文字版面配置區 2">
             <a:extLst>
               <a:ext uri="{FF2B5EF4-FFF2-40B4-BE49-F238E27FC236}">
-                <a16:creationId xmlns="" xmlns:a16="http://schemas.microsoft.com/office/drawing/2014/main" id="{AE87E7FC-8712-4D20-BEFC-C406303758C0}"/>
+                <a16:creationId xmlns:a16="http://schemas.microsoft.com/office/drawing/2014/main" xmlns="" id="{AE87E7FC-8712-4D20-BEFC-C406303758C0}"/>
               </a:ext>
             </a:extLst>
           </p:cNvPr>
@@ -449,7 +459,7 @@
           <p:cNvPr id="4" name="日期版面配置區 3">
             <a:extLst>
               <a:ext uri="{FF2B5EF4-FFF2-40B4-BE49-F238E27FC236}">
-                <a16:creationId xmlns="" xmlns:a16="http://schemas.microsoft.com/office/drawing/2014/main" id="{B587C640-CE34-4DCB-A779-FECBEAE9BA40}"/>
+                <a16:creationId xmlns:a16="http://schemas.microsoft.com/office/drawing/2014/main" xmlns="" id="{B587C640-CE34-4DCB-A779-FECBEAE9BA40}"/>
               </a:ext>
             </a:extLst>
           </p:cNvPr>
@@ -467,7 +477,7 @@
           <a:p>
             <a:fld id="{1983F8DA-040C-4179-8EC3-2597626DD22D}" type="datetimeFigureOut">
               <a:rPr lang="zh-TW" altLang="en-US" smtClean="0"/>
-              <a:t>2018/5/12</a:t>
+              <a:t>2018/5/13</a:t>
             </a:fld>
             <a:endParaRPr lang="zh-TW" altLang="en-US"/>
           </a:p>
@@ -478,7 +488,7 @@
           <p:cNvPr id="5" name="頁尾版面配置區 4">
             <a:extLst>
               <a:ext uri="{FF2B5EF4-FFF2-40B4-BE49-F238E27FC236}">
-                <a16:creationId xmlns="" xmlns:a16="http://schemas.microsoft.com/office/drawing/2014/main" id="{3A88C654-BC98-4205-83C0-BE29BA5200CC}"/>
+                <a16:creationId xmlns:a16="http://schemas.microsoft.com/office/drawing/2014/main" xmlns="" id="{3A88C654-BC98-4205-83C0-BE29BA5200CC}"/>
               </a:ext>
             </a:extLst>
           </p:cNvPr>
@@ -503,7 +513,7 @@
           <p:cNvPr id="6" name="投影片編號版面配置區 5">
             <a:extLst>
               <a:ext uri="{FF2B5EF4-FFF2-40B4-BE49-F238E27FC236}">
-                <a16:creationId xmlns="" xmlns:a16="http://schemas.microsoft.com/office/drawing/2014/main" id="{9324F803-7C42-4F87-9C7E-B76C231F75D8}"/>
+                <a16:creationId xmlns:a16="http://schemas.microsoft.com/office/drawing/2014/main" xmlns="" id="{9324F803-7C42-4F87-9C7E-B76C231F75D8}"/>
               </a:ext>
             </a:extLst>
           </p:cNvPr>
@@ -562,7 +572,7 @@
           <p:cNvPr id="2" name="直排標題 1">
             <a:extLst>
               <a:ext uri="{FF2B5EF4-FFF2-40B4-BE49-F238E27FC236}">
-                <a16:creationId xmlns="" xmlns:a16="http://schemas.microsoft.com/office/drawing/2014/main" id="{9BAC39AB-F732-4CC0-B422-B26720BFCF3B}"/>
+                <a16:creationId xmlns:a16="http://schemas.microsoft.com/office/drawing/2014/main" xmlns="" id="{9BAC39AB-F732-4CC0-B422-B26720BFCF3B}"/>
               </a:ext>
             </a:extLst>
           </p:cNvPr>
@@ -595,7 +605,7 @@
           <p:cNvPr id="3" name="直排文字版面配置區 2">
             <a:extLst>
               <a:ext uri="{FF2B5EF4-FFF2-40B4-BE49-F238E27FC236}">
-                <a16:creationId xmlns="" xmlns:a16="http://schemas.microsoft.com/office/drawing/2014/main" id="{FBC3752A-000A-4A33-B236-B8F23F6605B3}"/>
+                <a16:creationId xmlns:a16="http://schemas.microsoft.com/office/drawing/2014/main" xmlns="" id="{FBC3752A-000A-4A33-B236-B8F23F6605B3}"/>
               </a:ext>
             </a:extLst>
           </p:cNvPr>
@@ -657,7 +667,7 @@
           <p:cNvPr id="4" name="日期版面配置區 3">
             <a:extLst>
               <a:ext uri="{FF2B5EF4-FFF2-40B4-BE49-F238E27FC236}">
-                <a16:creationId xmlns="" xmlns:a16="http://schemas.microsoft.com/office/drawing/2014/main" id="{601FE94D-9366-4936-84EE-5985F9DEC92E}"/>
+                <a16:creationId xmlns:a16="http://schemas.microsoft.com/office/drawing/2014/main" xmlns="" id="{601FE94D-9366-4936-84EE-5985F9DEC92E}"/>
               </a:ext>
             </a:extLst>
           </p:cNvPr>
@@ -675,7 +685,7 @@
           <a:p>
             <a:fld id="{1983F8DA-040C-4179-8EC3-2597626DD22D}" type="datetimeFigureOut">
               <a:rPr lang="zh-TW" altLang="en-US" smtClean="0"/>
-              <a:t>2018/5/12</a:t>
+              <a:t>2018/5/13</a:t>
             </a:fld>
             <a:endParaRPr lang="zh-TW" altLang="en-US"/>
           </a:p>
@@ -686,7 +696,7 @@
           <p:cNvPr id="5" name="頁尾版面配置區 4">
             <a:extLst>
               <a:ext uri="{FF2B5EF4-FFF2-40B4-BE49-F238E27FC236}">
-                <a16:creationId xmlns="" xmlns:a16="http://schemas.microsoft.com/office/drawing/2014/main" id="{AFE29EB2-FAEB-4546-98D7-92EED2E8B0DB}"/>
+                <a16:creationId xmlns:a16="http://schemas.microsoft.com/office/drawing/2014/main" xmlns="" id="{AFE29EB2-FAEB-4546-98D7-92EED2E8B0DB}"/>
               </a:ext>
             </a:extLst>
           </p:cNvPr>
@@ -711,7 +721,7 @@
           <p:cNvPr id="6" name="投影片編號版面配置區 5">
             <a:extLst>
               <a:ext uri="{FF2B5EF4-FFF2-40B4-BE49-F238E27FC236}">
-                <a16:creationId xmlns="" xmlns:a16="http://schemas.microsoft.com/office/drawing/2014/main" id="{622F40B8-7D29-4D01-9DBE-D704BBD2C699}"/>
+                <a16:creationId xmlns:a16="http://schemas.microsoft.com/office/drawing/2014/main" xmlns="" id="{622F40B8-7D29-4D01-9DBE-D704BBD2C699}"/>
               </a:ext>
             </a:extLst>
           </p:cNvPr>
@@ -770,7 +780,7 @@
           <p:cNvPr id="2" name="標題 1">
             <a:extLst>
               <a:ext uri="{FF2B5EF4-FFF2-40B4-BE49-F238E27FC236}">
-                <a16:creationId xmlns="" xmlns:a16="http://schemas.microsoft.com/office/drawing/2014/main" id="{1A3F3828-BD0A-4B81-A984-81DFE4E59A58}"/>
+                <a16:creationId xmlns:a16="http://schemas.microsoft.com/office/drawing/2014/main" xmlns="" id="{1A3F3828-BD0A-4B81-A984-81DFE4E59A58}"/>
               </a:ext>
             </a:extLst>
           </p:cNvPr>
@@ -798,7 +808,7 @@
           <p:cNvPr id="3" name="內容版面配置區 2">
             <a:extLst>
               <a:ext uri="{FF2B5EF4-FFF2-40B4-BE49-F238E27FC236}">
-                <a16:creationId xmlns="" xmlns:a16="http://schemas.microsoft.com/office/drawing/2014/main" id="{0EC8A2A9-2912-4BFA-BCDF-32962C0BB2A3}"/>
+                <a16:creationId xmlns:a16="http://schemas.microsoft.com/office/drawing/2014/main" xmlns="" id="{0EC8A2A9-2912-4BFA-BCDF-32962C0BB2A3}"/>
               </a:ext>
             </a:extLst>
           </p:cNvPr>
@@ -855,7 +865,7 @@
           <p:cNvPr id="4" name="日期版面配置區 3">
             <a:extLst>
               <a:ext uri="{FF2B5EF4-FFF2-40B4-BE49-F238E27FC236}">
-                <a16:creationId xmlns="" xmlns:a16="http://schemas.microsoft.com/office/drawing/2014/main" id="{9B3D757A-635C-497E-9BA1-32A5E7FCE7F6}"/>
+                <a16:creationId xmlns:a16="http://schemas.microsoft.com/office/drawing/2014/main" xmlns="" id="{9B3D757A-635C-497E-9BA1-32A5E7FCE7F6}"/>
               </a:ext>
             </a:extLst>
           </p:cNvPr>
@@ -873,7 +883,7 @@
           <a:p>
             <a:fld id="{1983F8DA-040C-4179-8EC3-2597626DD22D}" type="datetimeFigureOut">
               <a:rPr lang="zh-TW" altLang="en-US" smtClean="0"/>
-              <a:t>2018/5/12</a:t>
+              <a:t>2018/5/13</a:t>
             </a:fld>
             <a:endParaRPr lang="zh-TW" altLang="en-US"/>
           </a:p>
@@ -884,7 +894,7 @@
           <p:cNvPr id="5" name="頁尾版面配置區 4">
             <a:extLst>
               <a:ext uri="{FF2B5EF4-FFF2-40B4-BE49-F238E27FC236}">
-                <a16:creationId xmlns="" xmlns:a16="http://schemas.microsoft.com/office/drawing/2014/main" id="{1F5A3E80-D4D4-44B5-8BBD-0365A50F04B9}"/>
+                <a16:creationId xmlns:a16="http://schemas.microsoft.com/office/drawing/2014/main" xmlns="" id="{1F5A3E80-D4D4-44B5-8BBD-0365A50F04B9}"/>
               </a:ext>
             </a:extLst>
           </p:cNvPr>
@@ -909,7 +919,7 @@
           <p:cNvPr id="6" name="投影片編號版面配置區 5">
             <a:extLst>
               <a:ext uri="{FF2B5EF4-FFF2-40B4-BE49-F238E27FC236}">
-                <a16:creationId xmlns="" xmlns:a16="http://schemas.microsoft.com/office/drawing/2014/main" id="{2AC6233F-BFA6-42D3-8283-2F071C9CAF2D}"/>
+                <a16:creationId xmlns:a16="http://schemas.microsoft.com/office/drawing/2014/main" xmlns="" id="{2AC6233F-BFA6-42D3-8283-2F071C9CAF2D}"/>
               </a:ext>
             </a:extLst>
           </p:cNvPr>
@@ -968,7 +978,7 @@
           <p:cNvPr id="2" name="標題 1">
             <a:extLst>
               <a:ext uri="{FF2B5EF4-FFF2-40B4-BE49-F238E27FC236}">
-                <a16:creationId xmlns="" xmlns:a16="http://schemas.microsoft.com/office/drawing/2014/main" id="{693186E9-1AB3-46F6-91DF-3B08ED2ACD00}"/>
+                <a16:creationId xmlns:a16="http://schemas.microsoft.com/office/drawing/2014/main" xmlns="" id="{693186E9-1AB3-46F6-91DF-3B08ED2ACD00}"/>
               </a:ext>
             </a:extLst>
           </p:cNvPr>
@@ -1005,7 +1015,7 @@
           <p:cNvPr id="3" name="文字版面配置區 2">
             <a:extLst>
               <a:ext uri="{FF2B5EF4-FFF2-40B4-BE49-F238E27FC236}">
-                <a16:creationId xmlns="" xmlns:a16="http://schemas.microsoft.com/office/drawing/2014/main" id="{0D1B0F2E-115D-4029-BEC4-14D342BEF1B6}"/>
+                <a16:creationId xmlns:a16="http://schemas.microsoft.com/office/drawing/2014/main" xmlns="" id="{0D1B0F2E-115D-4029-BEC4-14D342BEF1B6}"/>
               </a:ext>
             </a:extLst>
           </p:cNvPr>
@@ -1130,7 +1140,7 @@
           <p:cNvPr id="4" name="日期版面配置區 3">
             <a:extLst>
               <a:ext uri="{FF2B5EF4-FFF2-40B4-BE49-F238E27FC236}">
-                <a16:creationId xmlns="" xmlns:a16="http://schemas.microsoft.com/office/drawing/2014/main" id="{53C6FD83-AA37-48FE-89EF-284F407D699D}"/>
+                <a16:creationId xmlns:a16="http://schemas.microsoft.com/office/drawing/2014/main" xmlns="" id="{53C6FD83-AA37-48FE-89EF-284F407D699D}"/>
               </a:ext>
             </a:extLst>
           </p:cNvPr>
@@ -1148,7 +1158,7 @@
           <a:p>
             <a:fld id="{1983F8DA-040C-4179-8EC3-2597626DD22D}" type="datetimeFigureOut">
               <a:rPr lang="zh-TW" altLang="en-US" smtClean="0"/>
-              <a:t>2018/5/12</a:t>
+              <a:t>2018/5/13</a:t>
             </a:fld>
             <a:endParaRPr lang="zh-TW" altLang="en-US"/>
           </a:p>
@@ -1159,7 +1169,7 @@
           <p:cNvPr id="5" name="頁尾版面配置區 4">
             <a:extLst>
               <a:ext uri="{FF2B5EF4-FFF2-40B4-BE49-F238E27FC236}">
-                <a16:creationId xmlns="" xmlns:a16="http://schemas.microsoft.com/office/drawing/2014/main" id="{0A45A3BE-CDD8-4584-A65F-0CCEFC3FC53D}"/>
+                <a16:creationId xmlns:a16="http://schemas.microsoft.com/office/drawing/2014/main" xmlns="" id="{0A45A3BE-CDD8-4584-A65F-0CCEFC3FC53D}"/>
               </a:ext>
             </a:extLst>
           </p:cNvPr>
@@ -1184,7 +1194,7 @@
           <p:cNvPr id="6" name="投影片編號版面配置區 5">
             <a:extLst>
               <a:ext uri="{FF2B5EF4-FFF2-40B4-BE49-F238E27FC236}">
-                <a16:creationId xmlns="" xmlns:a16="http://schemas.microsoft.com/office/drawing/2014/main" id="{D03CAF72-F7A0-490C-8F2C-45718C95BC17}"/>
+                <a16:creationId xmlns:a16="http://schemas.microsoft.com/office/drawing/2014/main" xmlns="" id="{D03CAF72-F7A0-490C-8F2C-45718C95BC17}"/>
               </a:ext>
             </a:extLst>
           </p:cNvPr>
@@ -1243,7 +1253,7 @@
           <p:cNvPr id="2" name="標題 1">
             <a:extLst>
               <a:ext uri="{FF2B5EF4-FFF2-40B4-BE49-F238E27FC236}">
-                <a16:creationId xmlns="" xmlns:a16="http://schemas.microsoft.com/office/drawing/2014/main" id="{A9FB1FFE-288D-46F4-838A-0824C9C36B3F}"/>
+                <a16:creationId xmlns:a16="http://schemas.microsoft.com/office/drawing/2014/main" xmlns="" id="{A9FB1FFE-288D-46F4-838A-0824C9C36B3F}"/>
               </a:ext>
             </a:extLst>
           </p:cNvPr>
@@ -1271,7 +1281,7 @@
           <p:cNvPr id="3" name="內容版面配置區 2">
             <a:extLst>
               <a:ext uri="{FF2B5EF4-FFF2-40B4-BE49-F238E27FC236}">
-                <a16:creationId xmlns="" xmlns:a16="http://schemas.microsoft.com/office/drawing/2014/main" id="{84E6D906-22CF-4F86-9C57-0AADC9D52019}"/>
+                <a16:creationId xmlns:a16="http://schemas.microsoft.com/office/drawing/2014/main" xmlns="" id="{84E6D906-22CF-4F86-9C57-0AADC9D52019}"/>
               </a:ext>
             </a:extLst>
           </p:cNvPr>
@@ -1333,7 +1343,7 @@
           <p:cNvPr id="4" name="內容版面配置區 3">
             <a:extLst>
               <a:ext uri="{FF2B5EF4-FFF2-40B4-BE49-F238E27FC236}">
-                <a16:creationId xmlns="" xmlns:a16="http://schemas.microsoft.com/office/drawing/2014/main" id="{905BDD05-1E92-49F7-8524-2E69E5C3E44B}"/>
+                <a16:creationId xmlns:a16="http://schemas.microsoft.com/office/drawing/2014/main" xmlns="" id="{905BDD05-1E92-49F7-8524-2E69E5C3E44B}"/>
               </a:ext>
             </a:extLst>
           </p:cNvPr>
@@ -1395,7 +1405,7 @@
           <p:cNvPr id="5" name="日期版面配置區 4">
             <a:extLst>
               <a:ext uri="{FF2B5EF4-FFF2-40B4-BE49-F238E27FC236}">
-                <a16:creationId xmlns="" xmlns:a16="http://schemas.microsoft.com/office/drawing/2014/main" id="{97422E4D-D418-4B8A-9EF5-529BC9720D27}"/>
+                <a16:creationId xmlns:a16="http://schemas.microsoft.com/office/drawing/2014/main" xmlns="" id="{97422E4D-D418-4B8A-9EF5-529BC9720D27}"/>
               </a:ext>
             </a:extLst>
           </p:cNvPr>
@@ -1413,7 +1423,7 @@
           <a:p>
             <a:fld id="{1983F8DA-040C-4179-8EC3-2597626DD22D}" type="datetimeFigureOut">
               <a:rPr lang="zh-TW" altLang="en-US" smtClean="0"/>
-              <a:t>2018/5/12</a:t>
+              <a:t>2018/5/13</a:t>
             </a:fld>
             <a:endParaRPr lang="zh-TW" altLang="en-US"/>
           </a:p>
@@ -1424,7 +1434,7 @@
           <p:cNvPr id="6" name="頁尾版面配置區 5">
             <a:extLst>
               <a:ext uri="{FF2B5EF4-FFF2-40B4-BE49-F238E27FC236}">
-                <a16:creationId xmlns="" xmlns:a16="http://schemas.microsoft.com/office/drawing/2014/main" id="{F1BD7C8D-CE3E-4C0F-B2B9-E51DCA1CB4B2}"/>
+                <a16:creationId xmlns:a16="http://schemas.microsoft.com/office/drawing/2014/main" xmlns="" id="{F1BD7C8D-CE3E-4C0F-B2B9-E51DCA1CB4B2}"/>
               </a:ext>
             </a:extLst>
           </p:cNvPr>
@@ -1449,7 +1459,7 @@
           <p:cNvPr id="7" name="投影片編號版面配置區 6">
             <a:extLst>
               <a:ext uri="{FF2B5EF4-FFF2-40B4-BE49-F238E27FC236}">
-                <a16:creationId xmlns="" xmlns:a16="http://schemas.microsoft.com/office/drawing/2014/main" id="{5BBA102D-360B-4EE5-BDFC-FEC0D8638667}"/>
+                <a16:creationId xmlns:a16="http://schemas.microsoft.com/office/drawing/2014/main" xmlns="" id="{5BBA102D-360B-4EE5-BDFC-FEC0D8638667}"/>
               </a:ext>
             </a:extLst>
           </p:cNvPr>
@@ -1508,7 +1518,7 @@
           <p:cNvPr id="2" name="標題 1">
             <a:extLst>
               <a:ext uri="{FF2B5EF4-FFF2-40B4-BE49-F238E27FC236}">
-                <a16:creationId xmlns="" xmlns:a16="http://schemas.microsoft.com/office/drawing/2014/main" id="{4AD70CB9-5A3B-467D-8944-4DC5A90DBE6E}"/>
+                <a16:creationId xmlns:a16="http://schemas.microsoft.com/office/drawing/2014/main" xmlns="" id="{4AD70CB9-5A3B-467D-8944-4DC5A90DBE6E}"/>
               </a:ext>
             </a:extLst>
           </p:cNvPr>
@@ -1541,7 +1551,7 @@
           <p:cNvPr id="3" name="文字版面配置區 2">
             <a:extLst>
               <a:ext uri="{FF2B5EF4-FFF2-40B4-BE49-F238E27FC236}">
-                <a16:creationId xmlns="" xmlns:a16="http://schemas.microsoft.com/office/drawing/2014/main" id="{A3775FAB-53FE-40CC-A723-777B55828725}"/>
+                <a16:creationId xmlns:a16="http://schemas.microsoft.com/office/drawing/2014/main" xmlns="" id="{A3775FAB-53FE-40CC-A723-777B55828725}"/>
               </a:ext>
             </a:extLst>
           </p:cNvPr>
@@ -1612,7 +1622,7 @@
           <p:cNvPr id="4" name="內容版面配置區 3">
             <a:extLst>
               <a:ext uri="{FF2B5EF4-FFF2-40B4-BE49-F238E27FC236}">
-                <a16:creationId xmlns="" xmlns:a16="http://schemas.microsoft.com/office/drawing/2014/main" id="{1B6FF27E-92E8-4038-AC25-286B2F1293E0}"/>
+                <a16:creationId xmlns:a16="http://schemas.microsoft.com/office/drawing/2014/main" xmlns="" id="{1B6FF27E-92E8-4038-AC25-286B2F1293E0}"/>
               </a:ext>
             </a:extLst>
           </p:cNvPr>
@@ -1674,7 +1684,7 @@
           <p:cNvPr id="5" name="文字版面配置區 4">
             <a:extLst>
               <a:ext uri="{FF2B5EF4-FFF2-40B4-BE49-F238E27FC236}">
-                <a16:creationId xmlns="" xmlns:a16="http://schemas.microsoft.com/office/drawing/2014/main" id="{F05571B1-5586-4BC5-8497-CBBAFEF07011}"/>
+                <a16:creationId xmlns:a16="http://schemas.microsoft.com/office/drawing/2014/main" xmlns="" id="{F05571B1-5586-4BC5-8497-CBBAFEF07011}"/>
               </a:ext>
             </a:extLst>
           </p:cNvPr>
@@ -1745,7 +1755,7 @@
           <p:cNvPr id="6" name="內容版面配置區 5">
             <a:extLst>
               <a:ext uri="{FF2B5EF4-FFF2-40B4-BE49-F238E27FC236}">
-                <a16:creationId xmlns="" xmlns:a16="http://schemas.microsoft.com/office/drawing/2014/main" id="{3163290B-F505-41DA-A556-93FAE747E744}"/>
+                <a16:creationId xmlns:a16="http://schemas.microsoft.com/office/drawing/2014/main" xmlns="" id="{3163290B-F505-41DA-A556-93FAE747E744}"/>
               </a:ext>
             </a:extLst>
           </p:cNvPr>
@@ -1807,7 +1817,7 @@
           <p:cNvPr id="7" name="日期版面配置區 6">
             <a:extLst>
               <a:ext uri="{FF2B5EF4-FFF2-40B4-BE49-F238E27FC236}">
-                <a16:creationId xmlns="" xmlns:a16="http://schemas.microsoft.com/office/drawing/2014/main" id="{2B929A61-93D8-4176-9436-DEA4C8AA337D}"/>
+                <a16:creationId xmlns:a16="http://schemas.microsoft.com/office/drawing/2014/main" xmlns="" id="{2B929A61-93D8-4176-9436-DEA4C8AA337D}"/>
               </a:ext>
             </a:extLst>
           </p:cNvPr>
@@ -1825,7 +1835,7 @@
           <a:p>
             <a:fld id="{1983F8DA-040C-4179-8EC3-2597626DD22D}" type="datetimeFigureOut">
               <a:rPr lang="zh-TW" altLang="en-US" smtClean="0"/>
-              <a:t>2018/5/12</a:t>
+              <a:t>2018/5/13</a:t>
             </a:fld>
             <a:endParaRPr lang="zh-TW" altLang="en-US"/>
           </a:p>
@@ -1836,7 +1846,7 @@
           <p:cNvPr id="8" name="頁尾版面配置區 7">
             <a:extLst>
               <a:ext uri="{FF2B5EF4-FFF2-40B4-BE49-F238E27FC236}">
-                <a16:creationId xmlns="" xmlns:a16="http://schemas.microsoft.com/office/drawing/2014/main" id="{CB0BDEC3-882A-40E1-9AD7-9CADC5149370}"/>
+                <a16:creationId xmlns:a16="http://schemas.microsoft.com/office/drawing/2014/main" xmlns="" id="{CB0BDEC3-882A-40E1-9AD7-9CADC5149370}"/>
               </a:ext>
             </a:extLst>
           </p:cNvPr>
@@ -1861,7 +1871,7 @@
           <p:cNvPr id="9" name="投影片編號版面配置區 8">
             <a:extLst>
               <a:ext uri="{FF2B5EF4-FFF2-40B4-BE49-F238E27FC236}">
-                <a16:creationId xmlns="" xmlns:a16="http://schemas.microsoft.com/office/drawing/2014/main" id="{E649F777-8B0B-4E07-8789-213A9EA269D5}"/>
+                <a16:creationId xmlns:a16="http://schemas.microsoft.com/office/drawing/2014/main" xmlns="" id="{E649F777-8B0B-4E07-8789-213A9EA269D5}"/>
               </a:ext>
             </a:extLst>
           </p:cNvPr>
@@ -1920,7 +1930,7 @@
           <p:cNvPr id="2" name="標題 1">
             <a:extLst>
               <a:ext uri="{FF2B5EF4-FFF2-40B4-BE49-F238E27FC236}">
-                <a16:creationId xmlns="" xmlns:a16="http://schemas.microsoft.com/office/drawing/2014/main" id="{3190E325-266A-4F95-A6CE-C45234A1222B}"/>
+                <a16:creationId xmlns:a16="http://schemas.microsoft.com/office/drawing/2014/main" xmlns="" id="{3190E325-266A-4F95-A6CE-C45234A1222B}"/>
               </a:ext>
             </a:extLst>
           </p:cNvPr>
@@ -1948,7 +1958,7 @@
           <p:cNvPr id="3" name="日期版面配置區 2">
             <a:extLst>
               <a:ext uri="{FF2B5EF4-FFF2-40B4-BE49-F238E27FC236}">
-                <a16:creationId xmlns="" xmlns:a16="http://schemas.microsoft.com/office/drawing/2014/main" id="{EA3CE308-4CE4-4A55-8AFF-261766BDA14C}"/>
+                <a16:creationId xmlns:a16="http://schemas.microsoft.com/office/drawing/2014/main" xmlns="" id="{EA3CE308-4CE4-4A55-8AFF-261766BDA14C}"/>
               </a:ext>
             </a:extLst>
           </p:cNvPr>
@@ -1966,7 +1976,7 @@
           <a:p>
             <a:fld id="{1983F8DA-040C-4179-8EC3-2597626DD22D}" type="datetimeFigureOut">
               <a:rPr lang="zh-TW" altLang="en-US" smtClean="0"/>
-              <a:t>2018/5/12</a:t>
+              <a:t>2018/5/13</a:t>
             </a:fld>
             <a:endParaRPr lang="zh-TW" altLang="en-US"/>
           </a:p>
@@ -1977,7 +1987,7 @@
           <p:cNvPr id="4" name="頁尾版面配置區 3">
             <a:extLst>
               <a:ext uri="{FF2B5EF4-FFF2-40B4-BE49-F238E27FC236}">
-                <a16:creationId xmlns="" xmlns:a16="http://schemas.microsoft.com/office/drawing/2014/main" id="{9A5D54C3-4E6B-4A64-891C-B7F8257EECCD}"/>
+                <a16:creationId xmlns:a16="http://schemas.microsoft.com/office/drawing/2014/main" xmlns="" id="{9A5D54C3-4E6B-4A64-891C-B7F8257EECCD}"/>
               </a:ext>
             </a:extLst>
           </p:cNvPr>
@@ -2002,7 +2012,7 @@
           <p:cNvPr id="5" name="投影片編號版面配置區 4">
             <a:extLst>
               <a:ext uri="{FF2B5EF4-FFF2-40B4-BE49-F238E27FC236}">
-                <a16:creationId xmlns="" xmlns:a16="http://schemas.microsoft.com/office/drawing/2014/main" id="{99D49CF7-6C63-436D-B538-07295C3EE13B}"/>
+                <a16:creationId xmlns:a16="http://schemas.microsoft.com/office/drawing/2014/main" xmlns="" id="{99D49CF7-6C63-436D-B538-07295C3EE13B}"/>
               </a:ext>
             </a:extLst>
           </p:cNvPr>
@@ -2061,7 +2071,7 @@
           <p:cNvPr id="2" name="日期版面配置區 1">
             <a:extLst>
               <a:ext uri="{FF2B5EF4-FFF2-40B4-BE49-F238E27FC236}">
-                <a16:creationId xmlns="" xmlns:a16="http://schemas.microsoft.com/office/drawing/2014/main" id="{95B32A53-9F7F-4C64-B0C3-58B77A2BB62B}"/>
+                <a16:creationId xmlns:a16="http://schemas.microsoft.com/office/drawing/2014/main" xmlns="" id="{95B32A53-9F7F-4C64-B0C3-58B77A2BB62B}"/>
               </a:ext>
             </a:extLst>
           </p:cNvPr>
@@ -2079,7 +2089,7 @@
           <a:p>
             <a:fld id="{1983F8DA-040C-4179-8EC3-2597626DD22D}" type="datetimeFigureOut">
               <a:rPr lang="zh-TW" altLang="en-US" smtClean="0"/>
-              <a:t>2018/5/12</a:t>
+              <a:t>2018/5/13</a:t>
             </a:fld>
             <a:endParaRPr lang="zh-TW" altLang="en-US"/>
           </a:p>
@@ -2090,7 +2100,7 @@
           <p:cNvPr id="3" name="頁尾版面配置區 2">
             <a:extLst>
               <a:ext uri="{FF2B5EF4-FFF2-40B4-BE49-F238E27FC236}">
-                <a16:creationId xmlns="" xmlns:a16="http://schemas.microsoft.com/office/drawing/2014/main" id="{C143E365-1A3B-48D6-816F-ED5BB793AD47}"/>
+                <a16:creationId xmlns:a16="http://schemas.microsoft.com/office/drawing/2014/main" xmlns="" id="{C143E365-1A3B-48D6-816F-ED5BB793AD47}"/>
               </a:ext>
             </a:extLst>
           </p:cNvPr>
@@ -2115,7 +2125,7 @@
           <p:cNvPr id="4" name="投影片編號版面配置區 3">
             <a:extLst>
               <a:ext uri="{FF2B5EF4-FFF2-40B4-BE49-F238E27FC236}">
-                <a16:creationId xmlns="" xmlns:a16="http://schemas.microsoft.com/office/drawing/2014/main" id="{4B9A1611-BAD4-433E-A82A-460481C395E0}"/>
+                <a16:creationId xmlns:a16="http://schemas.microsoft.com/office/drawing/2014/main" xmlns="" id="{4B9A1611-BAD4-433E-A82A-460481C395E0}"/>
               </a:ext>
             </a:extLst>
           </p:cNvPr>
@@ -2174,7 +2184,7 @@
           <p:cNvPr id="2" name="標題 1">
             <a:extLst>
               <a:ext uri="{FF2B5EF4-FFF2-40B4-BE49-F238E27FC236}">
-                <a16:creationId xmlns="" xmlns:a16="http://schemas.microsoft.com/office/drawing/2014/main" id="{BFDB57DA-AF3F-49F6-99CA-75A4C27FC7A3}"/>
+                <a16:creationId xmlns:a16="http://schemas.microsoft.com/office/drawing/2014/main" xmlns="" id="{BFDB57DA-AF3F-49F6-99CA-75A4C27FC7A3}"/>
               </a:ext>
             </a:extLst>
           </p:cNvPr>
@@ -2211,7 +2221,7 @@
           <p:cNvPr id="3" name="內容版面配置區 2">
             <a:extLst>
               <a:ext uri="{FF2B5EF4-FFF2-40B4-BE49-F238E27FC236}">
-                <a16:creationId xmlns="" xmlns:a16="http://schemas.microsoft.com/office/drawing/2014/main" id="{7F1ECA61-1796-4832-9432-65258A3FE340}"/>
+                <a16:creationId xmlns:a16="http://schemas.microsoft.com/office/drawing/2014/main" xmlns="" id="{7F1ECA61-1796-4832-9432-65258A3FE340}"/>
               </a:ext>
             </a:extLst>
           </p:cNvPr>
@@ -2301,7 +2311,7 @@
           <p:cNvPr id="4" name="文字版面配置區 3">
             <a:extLst>
               <a:ext uri="{FF2B5EF4-FFF2-40B4-BE49-F238E27FC236}">
-                <a16:creationId xmlns="" xmlns:a16="http://schemas.microsoft.com/office/drawing/2014/main" id="{2A3B2590-9E27-4191-A02E-AB16317FC3DF}"/>
+                <a16:creationId xmlns:a16="http://schemas.microsoft.com/office/drawing/2014/main" xmlns="" id="{2A3B2590-9E27-4191-A02E-AB16317FC3DF}"/>
               </a:ext>
             </a:extLst>
           </p:cNvPr>
@@ -2372,7 +2382,7 @@
           <p:cNvPr id="5" name="日期版面配置區 4">
             <a:extLst>
               <a:ext uri="{FF2B5EF4-FFF2-40B4-BE49-F238E27FC236}">
-                <a16:creationId xmlns="" xmlns:a16="http://schemas.microsoft.com/office/drawing/2014/main" id="{CFDA4BC8-C396-49AB-B5FC-73CC9CE067BE}"/>
+                <a16:creationId xmlns:a16="http://schemas.microsoft.com/office/drawing/2014/main" xmlns="" id="{CFDA4BC8-C396-49AB-B5FC-73CC9CE067BE}"/>
               </a:ext>
             </a:extLst>
           </p:cNvPr>
@@ -2390,7 +2400,7 @@
           <a:p>
             <a:fld id="{1983F8DA-040C-4179-8EC3-2597626DD22D}" type="datetimeFigureOut">
               <a:rPr lang="zh-TW" altLang="en-US" smtClean="0"/>
-              <a:t>2018/5/12</a:t>
+              <a:t>2018/5/13</a:t>
             </a:fld>
             <a:endParaRPr lang="zh-TW" altLang="en-US"/>
           </a:p>
@@ -2401,7 +2411,7 @@
           <p:cNvPr id="6" name="頁尾版面配置區 5">
             <a:extLst>
               <a:ext uri="{FF2B5EF4-FFF2-40B4-BE49-F238E27FC236}">
-                <a16:creationId xmlns="" xmlns:a16="http://schemas.microsoft.com/office/drawing/2014/main" id="{C5433602-B0B3-40E6-BDA3-8E1BAAD456C2}"/>
+                <a16:creationId xmlns:a16="http://schemas.microsoft.com/office/drawing/2014/main" xmlns="" id="{C5433602-B0B3-40E6-BDA3-8E1BAAD456C2}"/>
               </a:ext>
             </a:extLst>
           </p:cNvPr>
@@ -2426,7 +2436,7 @@
           <p:cNvPr id="7" name="投影片編號版面配置區 6">
             <a:extLst>
               <a:ext uri="{FF2B5EF4-FFF2-40B4-BE49-F238E27FC236}">
-                <a16:creationId xmlns="" xmlns:a16="http://schemas.microsoft.com/office/drawing/2014/main" id="{D8FED8BE-893F-4E06-8160-E9657CFF6C24}"/>
+                <a16:creationId xmlns:a16="http://schemas.microsoft.com/office/drawing/2014/main" xmlns="" id="{D8FED8BE-893F-4E06-8160-E9657CFF6C24}"/>
               </a:ext>
             </a:extLst>
           </p:cNvPr>
@@ -2485,7 +2495,7 @@
           <p:cNvPr id="2" name="標題 1">
             <a:extLst>
               <a:ext uri="{FF2B5EF4-FFF2-40B4-BE49-F238E27FC236}">
-                <a16:creationId xmlns="" xmlns:a16="http://schemas.microsoft.com/office/drawing/2014/main" id="{CE1B0F45-88E2-4BFB-A88B-3AAF2D983C00}"/>
+                <a16:creationId xmlns:a16="http://schemas.microsoft.com/office/drawing/2014/main" xmlns="" id="{CE1B0F45-88E2-4BFB-A88B-3AAF2D983C00}"/>
               </a:ext>
             </a:extLst>
           </p:cNvPr>
@@ -2522,7 +2532,7 @@
           <p:cNvPr id="3" name="圖片版面配置區 2">
             <a:extLst>
               <a:ext uri="{FF2B5EF4-FFF2-40B4-BE49-F238E27FC236}">
-                <a16:creationId xmlns="" xmlns:a16="http://schemas.microsoft.com/office/drawing/2014/main" id="{EE50A91B-B093-4764-962F-7D6938EF99DF}"/>
+                <a16:creationId xmlns:a16="http://schemas.microsoft.com/office/drawing/2014/main" xmlns="" id="{EE50A91B-B093-4764-962F-7D6938EF99DF}"/>
               </a:ext>
             </a:extLst>
           </p:cNvPr>
@@ -2589,7 +2599,7 @@
           <p:cNvPr id="4" name="文字版面配置區 3">
             <a:extLst>
               <a:ext uri="{FF2B5EF4-FFF2-40B4-BE49-F238E27FC236}">
-                <a16:creationId xmlns="" xmlns:a16="http://schemas.microsoft.com/office/drawing/2014/main" id="{7BACFCEA-685B-42B5-BDF7-AD63F1314454}"/>
+                <a16:creationId xmlns:a16="http://schemas.microsoft.com/office/drawing/2014/main" xmlns="" id="{7BACFCEA-685B-42B5-BDF7-AD63F1314454}"/>
               </a:ext>
             </a:extLst>
           </p:cNvPr>
@@ -2660,7 +2670,7 @@
           <p:cNvPr id="5" name="日期版面配置區 4">
             <a:extLst>
               <a:ext uri="{FF2B5EF4-FFF2-40B4-BE49-F238E27FC236}">
-                <a16:creationId xmlns="" xmlns:a16="http://schemas.microsoft.com/office/drawing/2014/main" id="{36D3AAC6-EA71-40A7-A355-9571CCD2CF13}"/>
+                <a16:creationId xmlns:a16="http://schemas.microsoft.com/office/drawing/2014/main" xmlns="" id="{36D3AAC6-EA71-40A7-A355-9571CCD2CF13}"/>
               </a:ext>
             </a:extLst>
           </p:cNvPr>
@@ -2678,7 +2688,7 @@
           <a:p>
             <a:fld id="{1983F8DA-040C-4179-8EC3-2597626DD22D}" type="datetimeFigureOut">
               <a:rPr lang="zh-TW" altLang="en-US" smtClean="0"/>
-              <a:t>2018/5/12</a:t>
+              <a:t>2018/5/13</a:t>
             </a:fld>
             <a:endParaRPr lang="zh-TW" altLang="en-US"/>
           </a:p>
@@ -2689,7 +2699,7 @@
           <p:cNvPr id="6" name="頁尾版面配置區 5">
             <a:extLst>
               <a:ext uri="{FF2B5EF4-FFF2-40B4-BE49-F238E27FC236}">
-                <a16:creationId xmlns="" xmlns:a16="http://schemas.microsoft.com/office/drawing/2014/main" id="{5DDE9F81-23D3-4C44-8D5A-CB9DBF84EF69}"/>
+                <a16:creationId xmlns:a16="http://schemas.microsoft.com/office/drawing/2014/main" xmlns="" id="{5DDE9F81-23D3-4C44-8D5A-CB9DBF84EF69}"/>
               </a:ext>
             </a:extLst>
           </p:cNvPr>
@@ -2714,7 +2724,7 @@
           <p:cNvPr id="7" name="投影片編號版面配置區 6">
             <a:extLst>
               <a:ext uri="{FF2B5EF4-FFF2-40B4-BE49-F238E27FC236}">
-                <a16:creationId xmlns="" xmlns:a16="http://schemas.microsoft.com/office/drawing/2014/main" id="{073497D4-4649-468C-94A9-AF63556897BF}"/>
+                <a16:creationId xmlns:a16="http://schemas.microsoft.com/office/drawing/2014/main" xmlns="" id="{073497D4-4649-468C-94A9-AF63556897BF}"/>
               </a:ext>
             </a:extLst>
           </p:cNvPr>
@@ -2778,7 +2788,7 @@
           <p:cNvPr id="2" name="標題版面配置區 1">
             <a:extLst>
               <a:ext uri="{FF2B5EF4-FFF2-40B4-BE49-F238E27FC236}">
-                <a16:creationId xmlns="" xmlns:a16="http://schemas.microsoft.com/office/drawing/2014/main" id="{7818C2F0-BE73-48CD-90D4-08C181AE85B2}"/>
+                <a16:creationId xmlns:a16="http://schemas.microsoft.com/office/drawing/2014/main" xmlns="" id="{7818C2F0-BE73-48CD-90D4-08C181AE85B2}"/>
               </a:ext>
             </a:extLst>
           </p:cNvPr>
@@ -2816,7 +2826,7 @@
           <p:cNvPr id="3" name="文字版面配置區 2">
             <a:extLst>
               <a:ext uri="{FF2B5EF4-FFF2-40B4-BE49-F238E27FC236}">
-                <a16:creationId xmlns="" xmlns:a16="http://schemas.microsoft.com/office/drawing/2014/main" id="{6B3FA1F4-293A-424F-BBDC-D39891EE8D7B}"/>
+                <a16:creationId xmlns:a16="http://schemas.microsoft.com/office/drawing/2014/main" xmlns="" id="{6B3FA1F4-293A-424F-BBDC-D39891EE8D7B}"/>
               </a:ext>
             </a:extLst>
           </p:cNvPr>
@@ -2883,7 +2893,7 @@
           <p:cNvPr id="4" name="日期版面配置區 3">
             <a:extLst>
               <a:ext uri="{FF2B5EF4-FFF2-40B4-BE49-F238E27FC236}">
-                <a16:creationId xmlns="" xmlns:a16="http://schemas.microsoft.com/office/drawing/2014/main" id="{D69709D7-7319-4D2B-B1A5-212DE7E9DC73}"/>
+                <a16:creationId xmlns:a16="http://schemas.microsoft.com/office/drawing/2014/main" xmlns="" id="{D69709D7-7319-4D2B-B1A5-212DE7E9DC73}"/>
               </a:ext>
             </a:extLst>
           </p:cNvPr>
@@ -2919,7 +2929,7 @@
           <a:p>
             <a:fld id="{1983F8DA-040C-4179-8EC3-2597626DD22D}" type="datetimeFigureOut">
               <a:rPr lang="zh-TW" altLang="en-US" smtClean="0"/>
-              <a:t>2018/5/12</a:t>
+              <a:t>2018/5/13</a:t>
             </a:fld>
             <a:endParaRPr lang="zh-TW" altLang="en-US"/>
           </a:p>
@@ -2930,7 +2940,7 @@
           <p:cNvPr id="5" name="頁尾版面配置區 4">
             <a:extLst>
               <a:ext uri="{FF2B5EF4-FFF2-40B4-BE49-F238E27FC236}">
-                <a16:creationId xmlns="" xmlns:a16="http://schemas.microsoft.com/office/drawing/2014/main" id="{0DC51CC8-38F1-4540-A0E1-DF87A9B5FEFD}"/>
+                <a16:creationId xmlns:a16="http://schemas.microsoft.com/office/drawing/2014/main" xmlns="" id="{0DC51CC8-38F1-4540-A0E1-DF87A9B5FEFD}"/>
               </a:ext>
             </a:extLst>
           </p:cNvPr>
@@ -2973,7 +2983,7 @@
           <p:cNvPr id="6" name="投影片編號版面配置區 5">
             <a:extLst>
               <a:ext uri="{FF2B5EF4-FFF2-40B4-BE49-F238E27FC236}">
-                <a16:creationId xmlns="" xmlns:a16="http://schemas.microsoft.com/office/drawing/2014/main" id="{E47516C6-0347-4866-BB79-FE8992EFF065}"/>
+                <a16:creationId xmlns:a16="http://schemas.microsoft.com/office/drawing/2014/main" xmlns="" id="{E47516C6-0347-4866-BB79-FE8992EFF065}"/>
               </a:ext>
             </a:extLst>
           </p:cNvPr>
@@ -3341,7 +3351,7 @@
           <p:cNvPr id="4" name="圖片 3">
             <a:extLst>
               <a:ext uri="{FF2B5EF4-FFF2-40B4-BE49-F238E27FC236}">
-                <a16:creationId xmlns="" xmlns:a16="http://schemas.microsoft.com/office/drawing/2014/main" id="{4FA5B047-4B7F-47C6-9CE1-B2A3F41B020B}"/>
+                <a16:creationId xmlns:a16="http://schemas.microsoft.com/office/drawing/2014/main" xmlns="" id="{4FA5B047-4B7F-47C6-9CE1-B2A3F41B020B}"/>
               </a:ext>
             </a:extLst>
           </p:cNvPr>
@@ -3371,7 +3381,7 @@
           <p:cNvPr id="5" name="矩形 4">
             <a:extLst>
               <a:ext uri="{FF2B5EF4-FFF2-40B4-BE49-F238E27FC236}">
-                <a16:creationId xmlns="" xmlns:a16="http://schemas.microsoft.com/office/drawing/2014/main" id="{A099EFAB-F3C9-4304-A7BD-31D67A14252A}"/>
+                <a16:creationId xmlns:a16="http://schemas.microsoft.com/office/drawing/2014/main" xmlns="" id="{A099EFAB-F3C9-4304-A7BD-31D67A14252A}"/>
               </a:ext>
             </a:extLst>
           </p:cNvPr>
@@ -3423,7 +3433,7 @@
           <p:cNvPr id="6" name="語音泡泡: 圓角矩形 5">
             <a:extLst>
               <a:ext uri="{FF2B5EF4-FFF2-40B4-BE49-F238E27FC236}">
-                <a16:creationId xmlns="" xmlns:a16="http://schemas.microsoft.com/office/drawing/2014/main" id="{3651C266-FAE0-4C25-9A88-C9F904D9923C}"/>
+                <a16:creationId xmlns:a16="http://schemas.microsoft.com/office/drawing/2014/main" xmlns="" id="{3651C266-FAE0-4C25-9A88-C9F904D9923C}"/>
               </a:ext>
             </a:extLst>
           </p:cNvPr>
@@ -4043,7 +4053,6 @@
               <a:rPr lang="en-US" altLang="zh-TW" dirty="0"/>
               <a:t> based on name attribute.</a:t>
             </a:r>
-            <a:endParaRPr lang="en-US" altLang="zh-TW" dirty="0"/>
           </a:p>
         </p:txBody>
       </p:sp>
@@ -5178,6 +5187,2704 @@
 </p:sld>
 </file>
 
+<file path=ppt/slides/slide13.xml><?xml version="1.0" encoding="utf-8"?>
+<p:sld xmlns:a="http://schemas.openxmlformats.org/drawingml/2006/main" xmlns:r="http://schemas.openxmlformats.org/officeDocument/2006/relationships" xmlns:p="http://schemas.openxmlformats.org/presentationml/2006/main">
+  <p:cSld>
+    <p:spTree>
+      <p:nvGrpSpPr>
+        <p:cNvPr id="1" name=""/>
+        <p:cNvGrpSpPr/>
+        <p:nvPr/>
+      </p:nvGrpSpPr>
+      <p:grpSpPr>
+        <a:xfrm>
+          <a:off x="0" y="0"/>
+          <a:ext cx="0" cy="0"/>
+          <a:chOff x="0" y="0"/>
+          <a:chExt cx="0" cy="0"/>
+        </a:xfrm>
+      </p:grpSpPr>
+      <p:pic>
+        <p:nvPicPr>
+          <p:cNvPr id="1026" name="Picture 2"/>
+          <p:cNvPicPr>
+            <a:picLocks noChangeAspect="1" noChangeArrowheads="1"/>
+          </p:cNvPicPr>
+          <p:nvPr/>
+        </p:nvPicPr>
+        <p:blipFill>
+          <a:blip r:embed="rId2">
+            <a:extLst>
+              <a:ext uri="{28A0092B-C50C-407E-A947-70E740481C1C}">
+                <a14:useLocalDpi xmlns:a14="http://schemas.microsoft.com/office/drawing/2010/main" val="0"/>
+              </a:ext>
+            </a:extLst>
+          </a:blip>
+          <a:srcRect/>
+          <a:stretch>
+            <a:fillRect/>
+          </a:stretch>
+        </p:blipFill>
+        <p:spPr bwMode="auto">
+          <a:xfrm>
+            <a:off x="791698" y="3339608"/>
+            <a:ext cx="6924675" cy="2066925"/>
+          </a:xfrm>
+          <a:prstGeom prst="rect">
+            <a:avLst/>
+          </a:prstGeom>
+          <a:noFill/>
+          <a:ln>
+            <a:noFill/>
+          </a:ln>
+          <a:extLst>
+            <a:ext uri="{909E8E84-426E-40DD-AFC4-6F175D3DCCD1}">
+              <a14:hiddenFill xmlns:a14="http://schemas.microsoft.com/office/drawing/2010/main">
+                <a:solidFill>
+                  <a:schemeClr val="accent1"/>
+                </a:solidFill>
+              </a14:hiddenFill>
+            </a:ext>
+            <a:ext uri="{91240B29-F687-4F45-9708-019B960494DF}">
+              <a14:hiddenLine xmlns:a14="http://schemas.microsoft.com/office/drawing/2010/main" w="9525">
+                <a:solidFill>
+                  <a:schemeClr val="tx1"/>
+                </a:solidFill>
+                <a:miter lim="800000"/>
+                <a:headEnd/>
+                <a:tailEnd/>
+              </a14:hiddenLine>
+            </a:ext>
+          </a:extLst>
+        </p:spPr>
+      </p:pic>
+      <p:sp>
+        <p:nvSpPr>
+          <p:cNvPr id="5" name="矩形 4"/>
+          <p:cNvSpPr/>
+          <p:nvPr/>
+        </p:nvSpPr>
+        <p:spPr>
+          <a:xfrm>
+            <a:off x="6354023" y="4335919"/>
+            <a:ext cx="3195014" cy="338554"/>
+          </a:xfrm>
+          <a:prstGeom prst="rect">
+            <a:avLst/>
+          </a:prstGeom>
+          <a:solidFill>
+            <a:schemeClr val="accent5">
+              <a:lumMod val="40000"/>
+              <a:lumOff val="60000"/>
+            </a:schemeClr>
+          </a:solidFill>
+        </p:spPr>
+        <p:txBody>
+          <a:bodyPr wrap="square">
+            <a:spAutoFit/>
+          </a:bodyPr>
+          <a:lstStyle/>
+          <a:p>
+            <a:r>
+              <a:rPr lang="zh-TW" altLang="en-US" sz="1600" dirty="0" smtClean="0"/>
+              <a:t>先建立</a:t>
+            </a:r>
+            <a:r>
+              <a:rPr lang="en-US" altLang="zh-TW" sz="1600" dirty="0" err="1" smtClean="0"/>
+              <a:t>gamerBusinessLayer</a:t>
+            </a:r>
+            <a:endParaRPr lang="en-US" altLang="zh-TW" sz="1600" dirty="0"/>
+          </a:p>
+        </p:txBody>
+      </p:sp>
+      <p:sp>
+        <p:nvSpPr>
+          <p:cNvPr id="7" name="矩形 6"/>
+          <p:cNvSpPr/>
+          <p:nvPr/>
+        </p:nvSpPr>
+        <p:spPr>
+          <a:xfrm>
+            <a:off x="7326294" y="4757861"/>
+            <a:ext cx="4388378" cy="584775"/>
+          </a:xfrm>
+          <a:prstGeom prst="rect">
+            <a:avLst/>
+          </a:prstGeom>
+          <a:solidFill>
+            <a:schemeClr val="accent5">
+              <a:lumMod val="40000"/>
+              <a:lumOff val="60000"/>
+            </a:schemeClr>
+          </a:solidFill>
+        </p:spPr>
+        <p:txBody>
+          <a:bodyPr wrap="square">
+            <a:spAutoFit/>
+          </a:bodyPr>
+          <a:lstStyle/>
+          <a:p>
+            <a:r>
+              <a:rPr lang="zh-TW" altLang="en-US" sz="1600" dirty="0" smtClean="0"/>
+              <a:t>把它變成</a:t>
+            </a:r>
+            <a:r>
+              <a:rPr lang="en-US" altLang="zh-TW" sz="1600" dirty="0" err="1" smtClean="0"/>
+              <a:t>gamerBusinessLayer</a:t>
+            </a:r>
+            <a:r>
+              <a:rPr lang="zh-TW" altLang="en-US" sz="1600" dirty="0" smtClean="0"/>
+              <a:t>物件後找出上面的</a:t>
+            </a:r>
+            <a:r>
+              <a:rPr lang="en-US" altLang="zh-TW" sz="1600" dirty="0" smtClean="0"/>
+              <a:t>ID</a:t>
+            </a:r>
+            <a:r>
+              <a:rPr lang="zh-TW" altLang="en-US" sz="1600" dirty="0" smtClean="0"/>
+              <a:t> </a:t>
+            </a:r>
+            <a:r>
+              <a:rPr lang="en-US" altLang="zh-TW" sz="1600" dirty="0" smtClean="0"/>
+              <a:t>Gamers</a:t>
+            </a:r>
+            <a:endParaRPr lang="en-US" altLang="zh-TW" sz="1600" dirty="0"/>
+          </a:p>
+        </p:txBody>
+      </p:sp>
+      <p:sp>
+        <p:nvSpPr>
+          <p:cNvPr id="8" name="矩形 7"/>
+          <p:cNvSpPr/>
+          <p:nvPr/>
+        </p:nvSpPr>
+        <p:spPr>
+          <a:xfrm>
+            <a:off x="3124171" y="4049581"/>
+            <a:ext cx="287351" cy="224287"/>
+          </a:xfrm>
+          <a:prstGeom prst="rect">
+            <a:avLst/>
+          </a:prstGeom>
+          <a:noFill/>
+          <a:ln w="38100">
+            <a:solidFill>
+              <a:srgbClr val="FF0000"/>
+            </a:solidFill>
+          </a:ln>
+        </p:spPr>
+        <p:style>
+          <a:lnRef idx="2">
+            <a:schemeClr val="accent1">
+              <a:shade val="50000"/>
+            </a:schemeClr>
+          </a:lnRef>
+          <a:fillRef idx="1">
+            <a:schemeClr val="accent1"/>
+          </a:fillRef>
+          <a:effectRef idx="0">
+            <a:schemeClr val="accent1"/>
+          </a:effectRef>
+          <a:fontRef idx="minor">
+            <a:schemeClr val="lt1"/>
+          </a:fontRef>
+        </p:style>
+        <p:txBody>
+          <a:bodyPr rtlCol="0" anchor="ctr"/>
+          <a:lstStyle/>
+          <a:p>
+            <a:pPr algn="ctr"/>
+            <a:endParaRPr lang="zh-TW" altLang="en-US"/>
+          </a:p>
+        </p:txBody>
+      </p:sp>
+      <p:cxnSp>
+        <p:nvCxnSpPr>
+          <p:cNvPr id="9" name="直線單箭頭接點 8"/>
+          <p:cNvCxnSpPr/>
+          <p:nvPr/>
+        </p:nvCxnSpPr>
+        <p:spPr>
+          <a:xfrm flipH="1" flipV="1">
+            <a:off x="3411522" y="4113151"/>
+            <a:ext cx="3096883" cy="561322"/>
+          </a:xfrm>
+          <a:prstGeom prst="straightConnector1">
+            <a:avLst/>
+          </a:prstGeom>
+          <a:ln w="38100">
+            <a:solidFill>
+              <a:srgbClr val="FF0000"/>
+            </a:solidFill>
+            <a:tailEnd type="arrow"/>
+          </a:ln>
+        </p:spPr>
+        <p:style>
+          <a:lnRef idx="1">
+            <a:schemeClr val="accent1"/>
+          </a:lnRef>
+          <a:fillRef idx="0">
+            <a:schemeClr val="accent1"/>
+          </a:fillRef>
+          <a:effectRef idx="0">
+            <a:schemeClr val="accent1"/>
+          </a:effectRef>
+          <a:fontRef idx="minor">
+            <a:schemeClr val="tx1"/>
+          </a:fontRef>
+        </p:style>
+      </p:cxnSp>
+      <p:sp>
+        <p:nvSpPr>
+          <p:cNvPr id="12" name="矩形 11"/>
+          <p:cNvSpPr/>
+          <p:nvPr/>
+        </p:nvSpPr>
+        <p:spPr>
+          <a:xfrm>
+            <a:off x="2768672" y="4899298"/>
+            <a:ext cx="2123718" cy="338554"/>
+          </a:xfrm>
+          <a:prstGeom prst="rect">
+            <a:avLst/>
+          </a:prstGeom>
+          <a:solidFill>
+            <a:schemeClr val="accent5">
+              <a:lumMod val="40000"/>
+              <a:lumOff val="60000"/>
+            </a:schemeClr>
+          </a:solidFill>
+        </p:spPr>
+        <p:txBody>
+          <a:bodyPr wrap="square">
+            <a:spAutoFit/>
+          </a:bodyPr>
+          <a:lstStyle/>
+          <a:p>
+            <a:r>
+              <a:rPr lang="zh-TW" altLang="en-US" sz="1600" dirty="0" smtClean="0"/>
+              <a:t>透過上面的</a:t>
+            </a:r>
+            <a:r>
+              <a:rPr lang="en-US" altLang="zh-TW" sz="1600" dirty="0" smtClean="0"/>
+              <a:t>ID</a:t>
+            </a:r>
+            <a:r>
+              <a:rPr lang="zh-TW" altLang="en-US" sz="1600" dirty="0" smtClean="0"/>
+              <a:t> </a:t>
+            </a:r>
+            <a:r>
+              <a:rPr lang="en-US" altLang="zh-TW" sz="1600" dirty="0" smtClean="0"/>
+              <a:t>Gamer</a:t>
+            </a:r>
+            <a:endParaRPr lang="en-US" altLang="zh-TW" sz="1600" dirty="0"/>
+          </a:p>
+        </p:txBody>
+      </p:sp>
+      <p:sp>
+        <p:nvSpPr>
+          <p:cNvPr id="13" name="矩形 12"/>
+          <p:cNvSpPr/>
+          <p:nvPr/>
+        </p:nvSpPr>
+        <p:spPr>
+          <a:xfrm>
+            <a:off x="2768672" y="4674473"/>
+            <a:ext cx="499174" cy="222358"/>
+          </a:xfrm>
+          <a:prstGeom prst="rect">
+            <a:avLst/>
+          </a:prstGeom>
+          <a:noFill/>
+          <a:ln w="38100">
+            <a:solidFill>
+              <a:srgbClr val="FF0000"/>
+            </a:solidFill>
+          </a:ln>
+        </p:spPr>
+        <p:style>
+          <a:lnRef idx="2">
+            <a:schemeClr val="accent1">
+              <a:shade val="50000"/>
+            </a:schemeClr>
+          </a:lnRef>
+          <a:fillRef idx="1">
+            <a:schemeClr val="accent1"/>
+          </a:fillRef>
+          <a:effectRef idx="0">
+            <a:schemeClr val="accent1"/>
+          </a:effectRef>
+          <a:fontRef idx="minor">
+            <a:schemeClr val="lt1"/>
+          </a:fontRef>
+        </p:style>
+        <p:txBody>
+          <a:bodyPr rtlCol="0" anchor="ctr"/>
+          <a:lstStyle/>
+          <a:p>
+            <a:pPr algn="ctr"/>
+            <a:endParaRPr lang="zh-TW" altLang="en-US"/>
+          </a:p>
+        </p:txBody>
+      </p:sp>
+      <p:sp>
+        <p:nvSpPr>
+          <p:cNvPr id="14" name="矩形 13"/>
+          <p:cNvSpPr/>
+          <p:nvPr/>
+        </p:nvSpPr>
+        <p:spPr>
+          <a:xfrm>
+            <a:off x="1000450" y="5232264"/>
+            <a:ext cx="2618105" cy="338554"/>
+          </a:xfrm>
+          <a:prstGeom prst="rect">
+            <a:avLst/>
+          </a:prstGeom>
+          <a:solidFill>
+            <a:schemeClr val="accent5">
+              <a:lumMod val="40000"/>
+              <a:lumOff val="60000"/>
+            </a:schemeClr>
+          </a:solidFill>
+        </p:spPr>
+        <p:txBody>
+          <a:bodyPr wrap="square">
+            <a:spAutoFit/>
+          </a:bodyPr>
+          <a:lstStyle/>
+          <a:p>
+            <a:r>
+              <a:rPr lang="zh-TW" altLang="en-US" sz="1600" dirty="0" smtClean="0"/>
+              <a:t>再把</a:t>
+            </a:r>
+            <a:r>
+              <a:rPr lang="en-US" altLang="zh-TW" sz="1600" dirty="0" smtClean="0"/>
+              <a:t>Gamer</a:t>
+            </a:r>
+            <a:r>
+              <a:rPr lang="zh-TW" altLang="en-US" sz="1600" dirty="0" smtClean="0"/>
+              <a:t> 物件丟到</a:t>
+            </a:r>
+            <a:r>
+              <a:rPr lang="en-US" altLang="zh-TW" sz="1600" dirty="0" smtClean="0"/>
+              <a:t>view</a:t>
+            </a:r>
+            <a:endParaRPr lang="en-US" altLang="zh-TW" sz="1600" dirty="0"/>
+          </a:p>
+        </p:txBody>
+      </p:sp>
+      <p:pic>
+        <p:nvPicPr>
+          <p:cNvPr id="1027" name="Picture 3"/>
+          <p:cNvPicPr>
+            <a:picLocks noChangeAspect="1" noChangeArrowheads="1"/>
+          </p:cNvPicPr>
+          <p:nvPr/>
+        </p:nvPicPr>
+        <p:blipFill>
+          <a:blip r:embed="rId3">
+            <a:extLst>
+              <a:ext uri="{28A0092B-C50C-407E-A947-70E740481C1C}">
+                <a14:useLocalDpi xmlns:a14="http://schemas.microsoft.com/office/drawing/2010/main" val="0"/>
+              </a:ext>
+            </a:extLst>
+          </a:blip>
+          <a:srcRect/>
+          <a:stretch>
+            <a:fillRect/>
+          </a:stretch>
+        </p:blipFill>
+        <p:spPr bwMode="auto">
+          <a:xfrm>
+            <a:off x="182935" y="77636"/>
+            <a:ext cx="6325470" cy="3182985"/>
+          </a:xfrm>
+          <a:prstGeom prst="rect">
+            <a:avLst/>
+          </a:prstGeom>
+          <a:noFill/>
+          <a:ln>
+            <a:noFill/>
+          </a:ln>
+          <a:extLst>
+            <a:ext uri="{909E8E84-426E-40DD-AFC4-6F175D3DCCD1}">
+              <a14:hiddenFill xmlns:a14="http://schemas.microsoft.com/office/drawing/2010/main">
+                <a:solidFill>
+                  <a:schemeClr val="accent1"/>
+                </a:solidFill>
+              </a14:hiddenFill>
+            </a:ext>
+            <a:ext uri="{91240B29-F687-4F45-9708-019B960494DF}">
+              <a14:hiddenLine xmlns:a14="http://schemas.microsoft.com/office/drawing/2010/main" w="9525">
+                <a:solidFill>
+                  <a:schemeClr val="tx1"/>
+                </a:solidFill>
+                <a:miter lim="800000"/>
+                <a:headEnd/>
+                <a:tailEnd/>
+              </a14:hiddenLine>
+            </a:ext>
+          </a:extLst>
+        </p:spPr>
+      </p:pic>
+      <p:sp>
+        <p:nvSpPr>
+          <p:cNvPr id="16" name="矩形 15"/>
+          <p:cNvSpPr/>
+          <p:nvPr/>
+        </p:nvSpPr>
+        <p:spPr>
+          <a:xfrm>
+            <a:off x="4254035" y="2217906"/>
+            <a:ext cx="1396267" cy="224287"/>
+          </a:xfrm>
+          <a:prstGeom prst="rect">
+            <a:avLst/>
+          </a:prstGeom>
+          <a:noFill/>
+          <a:ln w="38100">
+            <a:solidFill>
+              <a:srgbClr val="FF0000"/>
+            </a:solidFill>
+          </a:ln>
+        </p:spPr>
+        <p:style>
+          <a:lnRef idx="2">
+            <a:schemeClr val="accent1">
+              <a:shade val="50000"/>
+            </a:schemeClr>
+          </a:lnRef>
+          <a:fillRef idx="1">
+            <a:schemeClr val="accent1"/>
+          </a:fillRef>
+          <a:effectRef idx="0">
+            <a:schemeClr val="accent1"/>
+          </a:effectRef>
+          <a:fontRef idx="minor">
+            <a:schemeClr val="lt1"/>
+          </a:fontRef>
+        </p:style>
+        <p:txBody>
+          <a:bodyPr rtlCol="0" anchor="ctr"/>
+          <a:lstStyle/>
+          <a:p>
+            <a:pPr algn="ctr"/>
+            <a:endParaRPr lang="zh-TW" altLang="en-US"/>
+          </a:p>
+        </p:txBody>
+      </p:sp>
+      <p:sp>
+        <p:nvSpPr>
+          <p:cNvPr id="17" name="矩形 16"/>
+          <p:cNvSpPr/>
+          <p:nvPr/>
+        </p:nvSpPr>
+        <p:spPr>
+          <a:xfrm>
+            <a:off x="5741910" y="2442193"/>
+            <a:ext cx="2123718" cy="338554"/>
+          </a:xfrm>
+          <a:prstGeom prst="rect">
+            <a:avLst/>
+          </a:prstGeom>
+          <a:solidFill>
+            <a:schemeClr val="accent5">
+              <a:lumMod val="40000"/>
+              <a:lumOff val="60000"/>
+            </a:schemeClr>
+          </a:solidFill>
+        </p:spPr>
+        <p:txBody>
+          <a:bodyPr wrap="square">
+            <a:spAutoFit/>
+          </a:bodyPr>
+          <a:lstStyle/>
+          <a:p>
+            <a:r>
+              <a:rPr lang="en-US" altLang="zh-TW" sz="1600" dirty="0" smtClean="0"/>
+              <a:t>ID</a:t>
+            </a:r>
+            <a:r>
+              <a:rPr lang="zh-TW" altLang="en-US" sz="1600" dirty="0" smtClean="0"/>
+              <a:t> 從這邊</a:t>
+            </a:r>
+            <a:r>
+              <a:rPr lang="en-US" altLang="zh-TW" sz="1600" dirty="0" smtClean="0"/>
+              <a:t>PASS</a:t>
+            </a:r>
+            <a:r>
+              <a:rPr lang="zh-TW" altLang="en-US" sz="1600" dirty="0"/>
+              <a:t>進來</a:t>
+            </a:r>
+            <a:endParaRPr lang="en-US" altLang="zh-TW" sz="1600" dirty="0"/>
+          </a:p>
+        </p:txBody>
+      </p:sp>
+      <p:cxnSp>
+        <p:nvCxnSpPr>
+          <p:cNvPr id="18" name="直線單箭頭接點 17"/>
+          <p:cNvCxnSpPr/>
+          <p:nvPr/>
+        </p:nvCxnSpPr>
+        <p:spPr>
+          <a:xfrm flipH="1">
+            <a:off x="3411522" y="2442193"/>
+            <a:ext cx="1678063" cy="1551014"/>
+          </a:xfrm>
+          <a:prstGeom prst="straightConnector1">
+            <a:avLst/>
+          </a:prstGeom>
+          <a:ln w="38100">
+            <a:solidFill>
+              <a:srgbClr val="FF0000"/>
+            </a:solidFill>
+            <a:tailEnd type="arrow"/>
+          </a:ln>
+        </p:spPr>
+        <p:style>
+          <a:lnRef idx="1">
+            <a:schemeClr val="accent1"/>
+          </a:lnRef>
+          <a:fillRef idx="0">
+            <a:schemeClr val="accent1"/>
+          </a:fillRef>
+          <a:effectRef idx="0">
+            <a:schemeClr val="accent1"/>
+          </a:effectRef>
+          <a:fontRef idx="minor">
+            <a:schemeClr val="tx1"/>
+          </a:fontRef>
+        </p:style>
+      </p:cxnSp>
+      <p:pic>
+        <p:nvPicPr>
+          <p:cNvPr id="1028" name="Picture 4"/>
+          <p:cNvPicPr>
+            <a:picLocks noChangeAspect="1" noChangeArrowheads="1"/>
+          </p:cNvPicPr>
+          <p:nvPr/>
+        </p:nvPicPr>
+        <p:blipFill>
+          <a:blip r:embed="rId4">
+            <a:extLst>
+              <a:ext uri="{28A0092B-C50C-407E-A947-70E740481C1C}">
+                <a14:useLocalDpi xmlns:a14="http://schemas.microsoft.com/office/drawing/2010/main" val="0"/>
+              </a:ext>
+            </a:extLst>
+          </a:blip>
+          <a:srcRect/>
+          <a:stretch>
+            <a:fillRect/>
+          </a:stretch>
+        </p:blipFill>
+        <p:spPr bwMode="auto">
+          <a:xfrm>
+            <a:off x="3621069" y="5682796"/>
+            <a:ext cx="7410450" cy="2581275"/>
+          </a:xfrm>
+          <a:prstGeom prst="rect">
+            <a:avLst/>
+          </a:prstGeom>
+          <a:noFill/>
+          <a:ln>
+            <a:noFill/>
+          </a:ln>
+          <a:extLst>
+            <a:ext uri="{909E8E84-426E-40DD-AFC4-6F175D3DCCD1}">
+              <a14:hiddenFill xmlns:a14="http://schemas.microsoft.com/office/drawing/2010/main">
+                <a:solidFill>
+                  <a:schemeClr val="accent1"/>
+                </a:solidFill>
+              </a14:hiddenFill>
+            </a:ext>
+            <a:ext uri="{91240B29-F687-4F45-9708-019B960494DF}">
+              <a14:hiddenLine xmlns:a14="http://schemas.microsoft.com/office/drawing/2010/main" w="9525">
+                <a:solidFill>
+                  <a:schemeClr val="tx1"/>
+                </a:solidFill>
+                <a:miter lim="800000"/>
+                <a:headEnd/>
+                <a:tailEnd/>
+              </a14:hiddenLine>
+            </a:ext>
+          </a:extLst>
+        </p:spPr>
+      </p:pic>
+      <p:sp>
+        <p:nvSpPr>
+          <p:cNvPr id="22" name="矩形 21"/>
+          <p:cNvSpPr/>
+          <p:nvPr/>
+        </p:nvSpPr>
+        <p:spPr>
+          <a:xfrm>
+            <a:off x="2136068" y="4896831"/>
+            <a:ext cx="499174" cy="222358"/>
+          </a:xfrm>
+          <a:prstGeom prst="rect">
+            <a:avLst/>
+          </a:prstGeom>
+          <a:noFill/>
+          <a:ln w="38100">
+            <a:solidFill>
+              <a:srgbClr val="FF0000"/>
+            </a:solidFill>
+          </a:ln>
+        </p:spPr>
+        <p:style>
+          <a:lnRef idx="2">
+            <a:schemeClr val="accent1">
+              <a:shade val="50000"/>
+            </a:schemeClr>
+          </a:lnRef>
+          <a:fillRef idx="1">
+            <a:schemeClr val="accent1"/>
+          </a:fillRef>
+          <a:effectRef idx="0">
+            <a:schemeClr val="accent1"/>
+          </a:effectRef>
+          <a:fontRef idx="minor">
+            <a:schemeClr val="lt1"/>
+          </a:fontRef>
+        </p:style>
+        <p:txBody>
+          <a:bodyPr rtlCol="0" anchor="ctr"/>
+          <a:lstStyle/>
+          <a:p>
+            <a:pPr algn="ctr"/>
+            <a:endParaRPr lang="zh-TW" altLang="en-US"/>
+          </a:p>
+        </p:txBody>
+      </p:sp>
+      <p:cxnSp>
+        <p:nvCxnSpPr>
+          <p:cNvPr id="23" name="直線單箭頭接點 22"/>
+          <p:cNvCxnSpPr/>
+          <p:nvPr/>
+        </p:nvCxnSpPr>
+        <p:spPr>
+          <a:xfrm>
+            <a:off x="2920910" y="5486905"/>
+            <a:ext cx="1763233" cy="542959"/>
+          </a:xfrm>
+          <a:prstGeom prst="straightConnector1">
+            <a:avLst/>
+          </a:prstGeom>
+          <a:ln w="38100">
+            <a:solidFill>
+              <a:srgbClr val="FF0000"/>
+            </a:solidFill>
+            <a:tailEnd type="arrow"/>
+          </a:ln>
+        </p:spPr>
+        <p:style>
+          <a:lnRef idx="1">
+            <a:schemeClr val="accent1"/>
+          </a:lnRef>
+          <a:fillRef idx="0">
+            <a:schemeClr val="accent1"/>
+          </a:fillRef>
+          <a:effectRef idx="0">
+            <a:schemeClr val="accent1"/>
+          </a:effectRef>
+          <a:fontRef idx="minor">
+            <a:schemeClr val="tx1"/>
+          </a:fontRef>
+        </p:style>
+      </p:cxnSp>
+      <p:sp>
+        <p:nvSpPr>
+          <p:cNvPr id="26" name="矩形 25"/>
+          <p:cNvSpPr/>
+          <p:nvPr/>
+        </p:nvSpPr>
+        <p:spPr>
+          <a:xfrm>
+            <a:off x="4684143" y="5918685"/>
+            <a:ext cx="2018582" cy="292334"/>
+          </a:xfrm>
+          <a:prstGeom prst="rect">
+            <a:avLst/>
+          </a:prstGeom>
+          <a:noFill/>
+          <a:ln w="38100">
+            <a:solidFill>
+              <a:srgbClr val="FF0000"/>
+            </a:solidFill>
+          </a:ln>
+        </p:spPr>
+        <p:style>
+          <a:lnRef idx="2">
+            <a:schemeClr val="accent1">
+              <a:shade val="50000"/>
+            </a:schemeClr>
+          </a:lnRef>
+          <a:fillRef idx="1">
+            <a:schemeClr val="accent1"/>
+          </a:fillRef>
+          <a:effectRef idx="0">
+            <a:schemeClr val="accent1"/>
+          </a:effectRef>
+          <a:fontRef idx="minor">
+            <a:schemeClr val="lt1"/>
+          </a:fontRef>
+        </p:style>
+        <p:txBody>
+          <a:bodyPr rtlCol="0" anchor="ctr"/>
+          <a:lstStyle/>
+          <a:p>
+            <a:pPr algn="ctr"/>
+            <a:endParaRPr lang="zh-TW" altLang="en-US"/>
+          </a:p>
+        </p:txBody>
+      </p:sp>
+    </p:spTree>
+    <p:extLst>
+      <p:ext uri="{BB962C8B-B14F-4D97-AF65-F5344CB8AC3E}">
+        <p14:creationId xmlns:p14="http://schemas.microsoft.com/office/powerpoint/2010/main" val="2650695723"/>
+      </p:ext>
+    </p:extLst>
+  </p:cSld>
+  <p:clrMapOvr>
+    <a:masterClrMapping/>
+  </p:clrMapOvr>
+</p:sld>
+</file>
+
+<file path=ppt/slides/slide14.xml><?xml version="1.0" encoding="utf-8"?>
+<p:sld xmlns:a="http://schemas.openxmlformats.org/drawingml/2006/main" xmlns:r="http://schemas.openxmlformats.org/officeDocument/2006/relationships" xmlns:p="http://schemas.openxmlformats.org/presentationml/2006/main">
+  <p:cSld>
+    <p:spTree>
+      <p:nvGrpSpPr>
+        <p:cNvPr id="1" name=""/>
+        <p:cNvGrpSpPr/>
+        <p:nvPr/>
+      </p:nvGrpSpPr>
+      <p:grpSpPr>
+        <a:xfrm>
+          <a:off x="0" y="0"/>
+          <a:ext cx="0" cy="0"/>
+          <a:chOff x="0" y="0"/>
+          <a:chExt cx="0" cy="0"/>
+        </a:xfrm>
+      </p:grpSpPr>
+      <p:pic>
+        <p:nvPicPr>
+          <p:cNvPr id="2050" name="Picture 2"/>
+          <p:cNvPicPr>
+            <a:picLocks noChangeAspect="1" noChangeArrowheads="1"/>
+          </p:cNvPicPr>
+          <p:nvPr/>
+        </p:nvPicPr>
+        <p:blipFill>
+          <a:blip r:embed="rId2">
+            <a:extLst>
+              <a:ext uri="{28A0092B-C50C-407E-A947-70E740481C1C}">
+                <a14:useLocalDpi xmlns:a14="http://schemas.microsoft.com/office/drawing/2010/main" val="0"/>
+              </a:ext>
+            </a:extLst>
+          </a:blip>
+          <a:srcRect/>
+          <a:stretch>
+            <a:fillRect/>
+          </a:stretch>
+        </p:blipFill>
+        <p:spPr bwMode="auto">
+          <a:xfrm>
+            <a:off x="211347" y="158689"/>
+            <a:ext cx="8976847" cy="6595793"/>
+          </a:xfrm>
+          <a:prstGeom prst="rect">
+            <a:avLst/>
+          </a:prstGeom>
+          <a:noFill/>
+          <a:ln>
+            <a:noFill/>
+          </a:ln>
+          <a:extLst>
+            <a:ext uri="{909E8E84-426E-40DD-AFC4-6F175D3DCCD1}">
+              <a14:hiddenFill xmlns:a14="http://schemas.microsoft.com/office/drawing/2010/main">
+                <a:solidFill>
+                  <a:schemeClr val="accent1"/>
+                </a:solidFill>
+              </a14:hiddenFill>
+            </a:ext>
+            <a:ext uri="{91240B29-F687-4F45-9708-019B960494DF}">
+              <a14:hiddenLine xmlns:a14="http://schemas.microsoft.com/office/drawing/2010/main" w="9525">
+                <a:solidFill>
+                  <a:schemeClr val="tx1"/>
+                </a:solidFill>
+                <a:miter lim="800000"/>
+                <a:headEnd/>
+                <a:tailEnd/>
+              </a14:hiddenLine>
+            </a:ext>
+          </a:extLst>
+        </p:spPr>
+      </p:pic>
+      <p:sp>
+        <p:nvSpPr>
+          <p:cNvPr id="6" name="矩形 5"/>
+          <p:cNvSpPr/>
+          <p:nvPr/>
+        </p:nvSpPr>
+        <p:spPr>
+          <a:xfrm>
+            <a:off x="3576680" y="158689"/>
+            <a:ext cx="4911712" cy="338554"/>
+          </a:xfrm>
+          <a:prstGeom prst="rect">
+            <a:avLst/>
+          </a:prstGeom>
+          <a:solidFill>
+            <a:schemeClr val="accent5">
+              <a:lumMod val="40000"/>
+              <a:lumOff val="60000"/>
+            </a:schemeClr>
+          </a:solidFill>
+        </p:spPr>
+        <p:txBody>
+          <a:bodyPr wrap="square">
+            <a:spAutoFit/>
+          </a:bodyPr>
+          <a:lstStyle/>
+          <a:p>
+            <a:r>
+              <a:rPr lang="zh-TW" altLang="en-US" sz="1600" dirty="0"/>
+              <a:t>按下送出鍵</a:t>
+            </a:r>
+            <a:r>
+              <a:rPr lang="zh-TW" altLang="en-US" sz="1600" dirty="0" smtClean="0"/>
+              <a:t>後會去跑</a:t>
+            </a:r>
+            <a:r>
+              <a:rPr lang="en-US" altLang="zh-TW" sz="1600" dirty="0" err="1" smtClean="0"/>
+              <a:t>GamerController</a:t>
+            </a:r>
+            <a:r>
+              <a:rPr lang="zh-TW" altLang="en-US" sz="1600" dirty="0" smtClean="0"/>
+              <a:t>  的 </a:t>
+            </a:r>
+            <a:r>
+              <a:rPr lang="en-US" altLang="zh-TW" sz="1600" dirty="0" smtClean="0"/>
+              <a:t>Edit</a:t>
+            </a:r>
+            <a:r>
+              <a:rPr lang="zh-TW" altLang="en-US" sz="1600" dirty="0" smtClean="0"/>
+              <a:t>  </a:t>
+            </a:r>
+            <a:r>
+              <a:rPr lang="en-US" altLang="zh-TW" sz="1600" dirty="0" smtClean="0"/>
+              <a:t>Action</a:t>
+            </a:r>
+            <a:endParaRPr lang="en-US" altLang="zh-TW" sz="1600" dirty="0"/>
+          </a:p>
+        </p:txBody>
+      </p:sp>
+    </p:spTree>
+    <p:extLst>
+      <p:ext uri="{BB962C8B-B14F-4D97-AF65-F5344CB8AC3E}">
+        <p14:creationId xmlns:p14="http://schemas.microsoft.com/office/powerpoint/2010/main" val="3859681511"/>
+      </p:ext>
+    </p:extLst>
+  </p:cSld>
+  <p:clrMapOvr>
+    <a:masterClrMapping/>
+  </p:clrMapOvr>
+</p:sld>
+</file>
+
+<file path=ppt/slides/slide15.xml><?xml version="1.0" encoding="utf-8"?>
+<p:sld xmlns:a="http://schemas.openxmlformats.org/drawingml/2006/main" xmlns:r="http://schemas.openxmlformats.org/officeDocument/2006/relationships" xmlns:p="http://schemas.openxmlformats.org/presentationml/2006/main">
+  <p:cSld>
+    <p:spTree>
+      <p:nvGrpSpPr>
+        <p:cNvPr id="1" name=""/>
+        <p:cNvGrpSpPr/>
+        <p:nvPr/>
+      </p:nvGrpSpPr>
+      <p:grpSpPr>
+        <a:xfrm>
+          <a:off x="0" y="0"/>
+          <a:ext cx="0" cy="0"/>
+          <a:chOff x="0" y="0"/>
+          <a:chExt cx="0" cy="0"/>
+        </a:xfrm>
+      </p:grpSpPr>
+      <p:pic>
+        <p:nvPicPr>
+          <p:cNvPr id="10" name="Picture 4"/>
+          <p:cNvPicPr>
+            <a:picLocks noChangeAspect="1" noChangeArrowheads="1"/>
+          </p:cNvPicPr>
+          <p:nvPr/>
+        </p:nvPicPr>
+        <p:blipFill>
+          <a:blip r:embed="rId2">
+            <a:extLst>
+              <a:ext uri="{28A0092B-C50C-407E-A947-70E740481C1C}">
+                <a14:useLocalDpi xmlns:a14="http://schemas.microsoft.com/office/drawing/2010/main" val="0"/>
+              </a:ext>
+            </a:extLst>
+          </a:blip>
+          <a:srcRect/>
+          <a:stretch>
+            <a:fillRect/>
+          </a:stretch>
+        </p:blipFill>
+        <p:spPr bwMode="auto">
+          <a:xfrm>
+            <a:off x="4916705" y="110093"/>
+            <a:ext cx="7410450" cy="2581275"/>
+          </a:xfrm>
+          <a:prstGeom prst="rect">
+            <a:avLst/>
+          </a:prstGeom>
+          <a:noFill/>
+          <a:ln>
+            <a:noFill/>
+          </a:ln>
+          <a:extLst>
+            <a:ext uri="{909E8E84-426E-40DD-AFC4-6F175D3DCCD1}">
+              <a14:hiddenFill xmlns:a14="http://schemas.microsoft.com/office/drawing/2010/main">
+                <a:solidFill>
+                  <a:schemeClr val="accent1"/>
+                </a:solidFill>
+              </a14:hiddenFill>
+            </a:ext>
+            <a:ext uri="{91240B29-F687-4F45-9708-019B960494DF}">
+              <a14:hiddenLine xmlns:a14="http://schemas.microsoft.com/office/drawing/2010/main" w="9525">
+                <a:solidFill>
+                  <a:schemeClr val="tx1"/>
+                </a:solidFill>
+                <a:miter lim="800000"/>
+                <a:headEnd/>
+                <a:tailEnd/>
+              </a14:hiddenLine>
+            </a:ext>
+          </a:extLst>
+        </p:spPr>
+      </p:pic>
+      <p:pic>
+        <p:nvPicPr>
+          <p:cNvPr id="3075" name="Picture 3"/>
+          <p:cNvPicPr>
+            <a:picLocks noChangeAspect="1" noChangeArrowheads="1"/>
+          </p:cNvPicPr>
+          <p:nvPr/>
+        </p:nvPicPr>
+        <p:blipFill>
+          <a:blip r:embed="rId3">
+            <a:extLst>
+              <a:ext uri="{28A0092B-C50C-407E-A947-70E740481C1C}">
+                <a14:useLocalDpi xmlns:a14="http://schemas.microsoft.com/office/drawing/2010/main" val="0"/>
+              </a:ext>
+            </a:extLst>
+          </a:blip>
+          <a:srcRect/>
+          <a:stretch>
+            <a:fillRect/>
+          </a:stretch>
+        </p:blipFill>
+        <p:spPr bwMode="auto">
+          <a:xfrm>
+            <a:off x="283234" y="1170431"/>
+            <a:ext cx="6553200" cy="3609975"/>
+          </a:xfrm>
+          <a:prstGeom prst="rect">
+            <a:avLst/>
+          </a:prstGeom>
+          <a:noFill/>
+          <a:ln>
+            <a:noFill/>
+          </a:ln>
+          <a:extLst>
+            <a:ext uri="{909E8E84-426E-40DD-AFC4-6F175D3DCCD1}">
+              <a14:hiddenFill xmlns:a14="http://schemas.microsoft.com/office/drawing/2010/main">
+                <a:solidFill>
+                  <a:schemeClr val="accent1"/>
+                </a:solidFill>
+              </a14:hiddenFill>
+            </a:ext>
+            <a:ext uri="{91240B29-F687-4F45-9708-019B960494DF}">
+              <a14:hiddenLine xmlns:a14="http://schemas.microsoft.com/office/drawing/2010/main" w="9525">
+                <a:solidFill>
+                  <a:schemeClr val="tx1"/>
+                </a:solidFill>
+                <a:miter lim="800000"/>
+                <a:headEnd/>
+                <a:tailEnd/>
+              </a14:hiddenLine>
+            </a:ext>
+          </a:extLst>
+        </p:spPr>
+      </p:pic>
+      <p:sp>
+        <p:nvSpPr>
+          <p:cNvPr id="4" name="矩形 3"/>
+          <p:cNvSpPr/>
+          <p:nvPr/>
+        </p:nvSpPr>
+        <p:spPr>
+          <a:xfrm>
+            <a:off x="508049" y="294100"/>
+            <a:ext cx="2010487" cy="369332"/>
+          </a:xfrm>
+          <a:prstGeom prst="rect">
+            <a:avLst/>
+          </a:prstGeom>
+        </p:spPr>
+        <p:txBody>
+          <a:bodyPr wrap="none">
+            <a:spAutoFit/>
+          </a:bodyPr>
+          <a:lstStyle/>
+          <a:p>
+            <a:r>
+              <a:rPr lang="zh-TW" altLang="en-US" dirty="0" smtClean="0">
+                <a:solidFill>
+                  <a:srgbClr val="FF0000"/>
+                </a:solidFill>
+              </a:rPr>
+              <a:t>使用</a:t>
+            </a:r>
+            <a:r>
+              <a:rPr lang="en-US" altLang="zh-TW" dirty="0" smtClean="0">
+                <a:solidFill>
+                  <a:srgbClr val="FF0000"/>
+                </a:solidFill>
+              </a:rPr>
+              <a:t>Model </a:t>
+            </a:r>
+            <a:r>
+              <a:rPr lang="en-US" altLang="zh-TW" dirty="0">
+                <a:solidFill>
+                  <a:srgbClr val="FF0000"/>
+                </a:solidFill>
+              </a:rPr>
+              <a:t>binding</a:t>
+            </a:r>
+            <a:endParaRPr lang="zh-TW" altLang="en-US" dirty="0">
+              <a:solidFill>
+                <a:srgbClr val="FF0000"/>
+              </a:solidFill>
+            </a:endParaRPr>
+          </a:p>
+        </p:txBody>
+      </p:sp>
+      <p:sp>
+        <p:nvSpPr>
+          <p:cNvPr id="8" name="矩形 7"/>
+          <p:cNvSpPr/>
+          <p:nvPr/>
+        </p:nvSpPr>
+        <p:spPr>
+          <a:xfrm>
+            <a:off x="4502916" y="2015696"/>
+            <a:ext cx="1871252" cy="338554"/>
+          </a:xfrm>
+          <a:prstGeom prst="rect">
+            <a:avLst/>
+          </a:prstGeom>
+          <a:solidFill>
+            <a:schemeClr val="accent5">
+              <a:lumMod val="40000"/>
+              <a:lumOff val="60000"/>
+            </a:schemeClr>
+          </a:solidFill>
+        </p:spPr>
+        <p:txBody>
+          <a:bodyPr wrap="square">
+            <a:spAutoFit/>
+          </a:bodyPr>
+          <a:lstStyle/>
+          <a:p>
+            <a:r>
+              <a:rPr lang="en-US" altLang="zh-TW" sz="1600" dirty="0" smtClean="0"/>
+              <a:t>x</a:t>
+            </a:r>
+            <a:r>
+              <a:rPr lang="zh-TW" altLang="en-US" sz="1600" dirty="0" smtClean="0"/>
+              <a:t>會接收到物件</a:t>
+            </a:r>
+            <a:endParaRPr lang="en-US" altLang="zh-TW" sz="1600" dirty="0"/>
+          </a:p>
+        </p:txBody>
+      </p:sp>
+      <p:sp>
+        <p:nvSpPr>
+          <p:cNvPr id="11" name="矩形 10"/>
+          <p:cNvSpPr/>
+          <p:nvPr/>
+        </p:nvSpPr>
+        <p:spPr>
+          <a:xfrm>
+            <a:off x="2977235" y="3917692"/>
+            <a:ext cx="431790" cy="224287"/>
+          </a:xfrm>
+          <a:prstGeom prst="rect">
+            <a:avLst/>
+          </a:prstGeom>
+          <a:noFill/>
+          <a:ln w="38100">
+            <a:solidFill>
+              <a:srgbClr val="FF0000"/>
+            </a:solidFill>
+          </a:ln>
+        </p:spPr>
+        <p:style>
+          <a:lnRef idx="2">
+            <a:schemeClr val="accent1">
+              <a:shade val="50000"/>
+            </a:schemeClr>
+          </a:lnRef>
+          <a:fillRef idx="1">
+            <a:schemeClr val="accent1"/>
+          </a:fillRef>
+          <a:effectRef idx="0">
+            <a:schemeClr val="accent1"/>
+          </a:effectRef>
+          <a:fontRef idx="minor">
+            <a:schemeClr val="lt1"/>
+          </a:fontRef>
+        </p:style>
+        <p:txBody>
+          <a:bodyPr rtlCol="0" anchor="ctr"/>
+          <a:lstStyle/>
+          <a:p>
+            <a:pPr algn="ctr"/>
+            <a:endParaRPr lang="zh-TW" altLang="en-US"/>
+          </a:p>
+        </p:txBody>
+      </p:sp>
+      <p:cxnSp>
+        <p:nvCxnSpPr>
+          <p:cNvPr id="12" name="直線單箭頭接點 11"/>
+          <p:cNvCxnSpPr/>
+          <p:nvPr/>
+        </p:nvCxnSpPr>
+        <p:spPr>
+          <a:xfrm flipH="1">
+            <a:off x="3972239" y="518387"/>
+            <a:ext cx="1678063" cy="1551014"/>
+          </a:xfrm>
+          <a:prstGeom prst="straightConnector1">
+            <a:avLst/>
+          </a:prstGeom>
+          <a:ln w="38100">
+            <a:solidFill>
+              <a:srgbClr val="FF0000"/>
+            </a:solidFill>
+            <a:tailEnd type="arrow"/>
+          </a:ln>
+        </p:spPr>
+        <p:style>
+          <a:lnRef idx="1">
+            <a:schemeClr val="accent1"/>
+          </a:lnRef>
+          <a:fillRef idx="0">
+            <a:schemeClr val="accent1"/>
+          </a:fillRef>
+          <a:effectRef idx="0">
+            <a:schemeClr val="accent1"/>
+          </a:effectRef>
+          <a:fontRef idx="minor">
+            <a:schemeClr val="tx1"/>
+          </a:fontRef>
+        </p:style>
+      </p:cxnSp>
+      <p:sp>
+        <p:nvSpPr>
+          <p:cNvPr id="13" name="矩形 12"/>
+          <p:cNvSpPr/>
+          <p:nvPr/>
+        </p:nvSpPr>
+        <p:spPr>
+          <a:xfrm>
+            <a:off x="5438542" y="794668"/>
+            <a:ext cx="3867247" cy="584775"/>
+          </a:xfrm>
+          <a:prstGeom prst="rect">
+            <a:avLst/>
+          </a:prstGeom>
+          <a:solidFill>
+            <a:schemeClr val="accent5">
+              <a:lumMod val="40000"/>
+              <a:lumOff val="60000"/>
+            </a:schemeClr>
+          </a:solidFill>
+        </p:spPr>
+        <p:txBody>
+          <a:bodyPr wrap="square">
+            <a:spAutoFit/>
+          </a:bodyPr>
+          <a:lstStyle/>
+          <a:p>
+            <a:r>
+              <a:rPr lang="zh-TW" altLang="en-US" sz="1600" dirty="0" smtClean="0"/>
+              <a:t>會存到這個物件裡面 </a:t>
+            </a:r>
+            <a:r>
+              <a:rPr lang="en-US" altLang="zh-TW" sz="1600" dirty="0" smtClean="0"/>
+              <a:t/>
+            </a:r>
+            <a:br>
+              <a:rPr lang="en-US" altLang="zh-TW" sz="1600" dirty="0" smtClean="0"/>
+            </a:br>
+            <a:r>
+              <a:rPr lang="zh-TW" altLang="en-US" sz="1600" dirty="0"/>
+              <a:t>透</a:t>
+            </a:r>
+            <a:r>
+              <a:rPr lang="zh-TW" altLang="en-US" sz="1600" dirty="0" smtClean="0"/>
+              <a:t>過</a:t>
+            </a:r>
+            <a:r>
+              <a:rPr lang="en-US" altLang="zh-TW" sz="1600" dirty="0" smtClean="0"/>
+              <a:t>MVC</a:t>
+            </a:r>
+            <a:r>
+              <a:rPr lang="zh-TW" altLang="en-US" sz="1600" dirty="0" smtClean="0"/>
+              <a:t>的方式這個物件會再丟到這邊來</a:t>
+            </a:r>
+            <a:endParaRPr lang="en-US" altLang="zh-TW" sz="1600" dirty="0"/>
+          </a:p>
+        </p:txBody>
+      </p:sp>
+      <p:sp>
+        <p:nvSpPr>
+          <p:cNvPr id="14" name="矩形 13"/>
+          <p:cNvSpPr/>
+          <p:nvPr/>
+        </p:nvSpPr>
+        <p:spPr>
+          <a:xfrm>
+            <a:off x="5912372" y="389632"/>
+            <a:ext cx="2127426" cy="224287"/>
+          </a:xfrm>
+          <a:prstGeom prst="rect">
+            <a:avLst/>
+          </a:prstGeom>
+          <a:noFill/>
+          <a:ln w="38100">
+            <a:solidFill>
+              <a:srgbClr val="FF0000"/>
+            </a:solidFill>
+          </a:ln>
+        </p:spPr>
+        <p:style>
+          <a:lnRef idx="2">
+            <a:schemeClr val="accent1">
+              <a:shade val="50000"/>
+            </a:schemeClr>
+          </a:lnRef>
+          <a:fillRef idx="1">
+            <a:schemeClr val="accent1"/>
+          </a:fillRef>
+          <a:effectRef idx="0">
+            <a:schemeClr val="accent1"/>
+          </a:effectRef>
+          <a:fontRef idx="minor">
+            <a:schemeClr val="lt1"/>
+          </a:fontRef>
+        </p:style>
+        <p:txBody>
+          <a:bodyPr rtlCol="0" anchor="ctr"/>
+          <a:lstStyle/>
+          <a:p>
+            <a:pPr algn="ctr"/>
+            <a:endParaRPr lang="zh-TW" altLang="en-US"/>
+          </a:p>
+        </p:txBody>
+      </p:sp>
+      <p:sp>
+        <p:nvSpPr>
+          <p:cNvPr id="16" name="矩形 15"/>
+          <p:cNvSpPr/>
+          <p:nvPr/>
+        </p:nvSpPr>
+        <p:spPr>
+          <a:xfrm>
+            <a:off x="3567290" y="3849758"/>
+            <a:ext cx="2483098" cy="338554"/>
+          </a:xfrm>
+          <a:prstGeom prst="rect">
+            <a:avLst/>
+          </a:prstGeom>
+          <a:solidFill>
+            <a:schemeClr val="accent5">
+              <a:lumMod val="40000"/>
+              <a:lumOff val="60000"/>
+            </a:schemeClr>
+          </a:solidFill>
+        </p:spPr>
+        <p:txBody>
+          <a:bodyPr wrap="square">
+            <a:spAutoFit/>
+          </a:bodyPr>
+          <a:lstStyle/>
+          <a:p>
+            <a:r>
+              <a:rPr lang="zh-TW" altLang="en-US" sz="1600" dirty="0"/>
+              <a:t>如果沒有錯誤就會存進去</a:t>
+            </a:r>
+            <a:endParaRPr lang="en-US" altLang="zh-TW" sz="1600" dirty="0"/>
+          </a:p>
+        </p:txBody>
+      </p:sp>
+      <p:sp>
+        <p:nvSpPr>
+          <p:cNvPr id="17" name="矩形 16"/>
+          <p:cNvSpPr/>
+          <p:nvPr/>
+        </p:nvSpPr>
+        <p:spPr>
+          <a:xfrm>
+            <a:off x="6923850" y="2691368"/>
+            <a:ext cx="4342248" cy="3682177"/>
+          </a:xfrm>
+          <a:prstGeom prst="rect">
+            <a:avLst/>
+          </a:prstGeom>
+          <a:solidFill>
+            <a:srgbClr val="FF0000"/>
+          </a:solidFill>
+        </p:spPr>
+        <p:txBody>
+          <a:bodyPr wrap="square">
+            <a:spAutoFit/>
+          </a:bodyPr>
+          <a:lstStyle/>
+          <a:p>
+            <a:endParaRPr lang="en-US" altLang="zh-TW" dirty="0">
+              <a:solidFill>
+                <a:srgbClr val="FF0000"/>
+              </a:solidFill>
+            </a:endParaRPr>
+          </a:p>
+        </p:txBody>
+      </p:sp>
+    </p:spTree>
+    <p:extLst>
+      <p:ext uri="{BB962C8B-B14F-4D97-AF65-F5344CB8AC3E}">
+        <p14:creationId xmlns:p14="http://schemas.microsoft.com/office/powerpoint/2010/main" val="1364529965"/>
+      </p:ext>
+    </p:extLst>
+  </p:cSld>
+  <p:clrMapOvr>
+    <a:masterClrMapping/>
+  </p:clrMapOvr>
+</p:sld>
+</file>
+
+<file path=ppt/slides/slide16.xml><?xml version="1.0" encoding="utf-8"?>
+<p:sld xmlns:a="http://schemas.openxmlformats.org/drawingml/2006/main" xmlns:r="http://schemas.openxmlformats.org/officeDocument/2006/relationships" xmlns:p="http://schemas.openxmlformats.org/presentationml/2006/main">
+  <p:cSld>
+    <p:spTree>
+      <p:nvGrpSpPr>
+        <p:cNvPr id="1" name=""/>
+        <p:cNvGrpSpPr/>
+        <p:nvPr/>
+      </p:nvGrpSpPr>
+      <p:grpSpPr>
+        <a:xfrm>
+          <a:off x="0" y="0"/>
+          <a:ext cx="0" cy="0"/>
+          <a:chOff x="0" y="0"/>
+          <a:chExt cx="0" cy="0"/>
+        </a:xfrm>
+      </p:grpSpPr>
+      <p:pic>
+        <p:nvPicPr>
+          <p:cNvPr id="5122" name="Picture 2"/>
+          <p:cNvPicPr>
+            <a:picLocks noChangeAspect="1" noChangeArrowheads="1"/>
+          </p:cNvPicPr>
+          <p:nvPr/>
+        </p:nvPicPr>
+        <p:blipFill>
+          <a:blip r:embed="rId2">
+            <a:extLst>
+              <a:ext uri="{28A0092B-C50C-407E-A947-70E740481C1C}">
+                <a14:useLocalDpi xmlns:a14="http://schemas.microsoft.com/office/drawing/2010/main" val="0"/>
+              </a:ext>
+            </a:extLst>
+          </a:blip>
+          <a:srcRect/>
+          <a:stretch>
+            <a:fillRect/>
+          </a:stretch>
+        </p:blipFill>
+        <p:spPr bwMode="auto">
+          <a:xfrm>
+            <a:off x="698291" y="908378"/>
+            <a:ext cx="9001125" cy="4333875"/>
+          </a:xfrm>
+          <a:prstGeom prst="rect">
+            <a:avLst/>
+          </a:prstGeom>
+          <a:noFill/>
+          <a:ln>
+            <a:noFill/>
+          </a:ln>
+          <a:extLst>
+            <a:ext uri="{909E8E84-426E-40DD-AFC4-6F175D3DCCD1}">
+              <a14:hiddenFill xmlns:a14="http://schemas.microsoft.com/office/drawing/2010/main">
+                <a:solidFill>
+                  <a:schemeClr val="accent1"/>
+                </a:solidFill>
+              </a14:hiddenFill>
+            </a:ext>
+            <a:ext uri="{91240B29-F687-4F45-9708-019B960494DF}">
+              <a14:hiddenLine xmlns:a14="http://schemas.microsoft.com/office/drawing/2010/main" w="9525">
+                <a:solidFill>
+                  <a:schemeClr val="tx1"/>
+                </a:solidFill>
+                <a:miter lim="800000"/>
+                <a:headEnd/>
+                <a:tailEnd/>
+              </a14:hiddenLine>
+            </a:ext>
+          </a:extLst>
+        </p:spPr>
+      </p:pic>
+      <p:sp>
+        <p:nvSpPr>
+          <p:cNvPr id="5" name="矩形 4"/>
+          <p:cNvSpPr/>
+          <p:nvPr/>
+        </p:nvSpPr>
+        <p:spPr>
+          <a:xfrm>
+            <a:off x="9372867" y="1943320"/>
+            <a:ext cx="2488454" cy="584775"/>
+          </a:xfrm>
+          <a:prstGeom prst="rect">
+            <a:avLst/>
+          </a:prstGeom>
+          <a:solidFill>
+            <a:schemeClr val="accent5">
+              <a:lumMod val="40000"/>
+              <a:lumOff val="60000"/>
+            </a:schemeClr>
+          </a:solidFill>
+        </p:spPr>
+        <p:txBody>
+          <a:bodyPr wrap="square">
+            <a:spAutoFit/>
+          </a:bodyPr>
+          <a:lstStyle/>
+          <a:p>
+            <a:r>
+              <a:rPr lang="zh-TW" altLang="en-US" sz="1600" dirty="0" smtClean="0"/>
+              <a:t>只會抓要更新的屬性</a:t>
+            </a:r>
+            <a:endParaRPr lang="en-US" altLang="zh-TW" sz="1600" dirty="0" smtClean="0"/>
+          </a:p>
+          <a:p>
+            <a:r>
+              <a:rPr lang="zh-TW" altLang="en-US" sz="1600" dirty="0"/>
+              <a:t>以外的屬性都不會更新</a:t>
+            </a:r>
+            <a:endParaRPr lang="en-US" altLang="zh-TW" sz="1600" dirty="0"/>
+          </a:p>
+        </p:txBody>
+      </p:sp>
+      <p:sp>
+        <p:nvSpPr>
+          <p:cNvPr id="6" name="矩形 5"/>
+          <p:cNvSpPr/>
+          <p:nvPr/>
+        </p:nvSpPr>
+        <p:spPr>
+          <a:xfrm>
+            <a:off x="4135139" y="2030833"/>
+            <a:ext cx="3024785" cy="224287"/>
+          </a:xfrm>
+          <a:prstGeom prst="rect">
+            <a:avLst/>
+          </a:prstGeom>
+          <a:noFill/>
+          <a:ln w="38100">
+            <a:solidFill>
+              <a:srgbClr val="FF0000"/>
+            </a:solidFill>
+          </a:ln>
+        </p:spPr>
+        <p:style>
+          <a:lnRef idx="2">
+            <a:schemeClr val="accent1">
+              <a:shade val="50000"/>
+            </a:schemeClr>
+          </a:lnRef>
+          <a:fillRef idx="1">
+            <a:schemeClr val="accent1"/>
+          </a:fillRef>
+          <a:effectRef idx="0">
+            <a:schemeClr val="accent1"/>
+          </a:effectRef>
+          <a:fontRef idx="minor">
+            <a:schemeClr val="lt1"/>
+          </a:fontRef>
+        </p:style>
+        <p:txBody>
+          <a:bodyPr rtlCol="0" anchor="ctr"/>
+          <a:lstStyle/>
+          <a:p>
+            <a:pPr algn="ctr"/>
+            <a:endParaRPr lang="zh-TW" altLang="en-US"/>
+          </a:p>
+        </p:txBody>
+      </p:sp>
+      <p:sp>
+        <p:nvSpPr>
+          <p:cNvPr id="7" name="矩形 6"/>
+          <p:cNvSpPr/>
+          <p:nvPr/>
+        </p:nvSpPr>
+        <p:spPr>
+          <a:xfrm>
+            <a:off x="6978769" y="2738948"/>
+            <a:ext cx="1846054" cy="338554"/>
+          </a:xfrm>
+          <a:prstGeom prst="rect">
+            <a:avLst/>
+          </a:prstGeom>
+          <a:solidFill>
+            <a:schemeClr val="accent5">
+              <a:lumMod val="40000"/>
+              <a:lumOff val="60000"/>
+            </a:schemeClr>
+          </a:solidFill>
+        </p:spPr>
+        <p:txBody>
+          <a:bodyPr wrap="square">
+            <a:spAutoFit/>
+          </a:bodyPr>
+          <a:lstStyle/>
+          <a:p>
+            <a:r>
+              <a:rPr lang="zh-TW" altLang="en-US" sz="1600" dirty="0"/>
+              <a:t>手動給他原本的值</a:t>
+            </a:r>
+            <a:endParaRPr lang="en-US" altLang="zh-TW" sz="1600" dirty="0"/>
+          </a:p>
+        </p:txBody>
+      </p:sp>
+      <p:sp>
+        <p:nvSpPr>
+          <p:cNvPr id="8" name="矩形 7"/>
+          <p:cNvSpPr/>
+          <p:nvPr/>
+        </p:nvSpPr>
+        <p:spPr>
+          <a:xfrm>
+            <a:off x="6205268" y="3327029"/>
+            <a:ext cx="4310332" cy="584775"/>
+          </a:xfrm>
+          <a:prstGeom prst="rect">
+            <a:avLst/>
+          </a:prstGeom>
+          <a:solidFill>
+            <a:schemeClr val="accent4">
+              <a:lumMod val="20000"/>
+              <a:lumOff val="80000"/>
+            </a:schemeClr>
+          </a:solidFill>
+        </p:spPr>
+        <p:txBody>
+          <a:bodyPr wrap="square">
+            <a:spAutoFit/>
+          </a:bodyPr>
+          <a:lstStyle/>
+          <a:p>
+            <a:r>
+              <a:rPr lang="zh-TW" altLang="en-US" sz="1600" dirty="0" smtClean="0"/>
+              <a:t>不然沒有</a:t>
+            </a:r>
+            <a:r>
+              <a:rPr lang="en-US" altLang="zh-TW" sz="1600" dirty="0" smtClean="0"/>
+              <a:t>name</a:t>
+            </a:r>
+            <a:r>
+              <a:rPr lang="zh-TW" altLang="en-US" sz="1600" dirty="0" smtClean="0"/>
+              <a:t>會等於</a:t>
+            </a:r>
+            <a:r>
+              <a:rPr lang="en-US" altLang="zh-TW" sz="1600" dirty="0" smtClean="0"/>
+              <a:t>null</a:t>
+            </a:r>
+            <a:br>
+              <a:rPr lang="en-US" altLang="zh-TW" sz="1600" dirty="0" smtClean="0"/>
+            </a:br>
+            <a:r>
+              <a:rPr lang="zh-TW" altLang="en-US" sz="1600" dirty="0" smtClean="0"/>
+              <a:t>這邊檢查會不過 </a:t>
+            </a:r>
+            <a:endParaRPr lang="en-US" altLang="zh-TW" sz="1600" dirty="0" smtClean="0"/>
+          </a:p>
+        </p:txBody>
+      </p:sp>
+      <p:sp>
+        <p:nvSpPr>
+          <p:cNvPr id="9" name="矩形 8"/>
+          <p:cNvSpPr/>
+          <p:nvPr/>
+        </p:nvSpPr>
+        <p:spPr>
+          <a:xfrm>
+            <a:off x="1110354" y="3214885"/>
+            <a:ext cx="3024785" cy="856783"/>
+          </a:xfrm>
+          <a:prstGeom prst="rect">
+            <a:avLst/>
+          </a:prstGeom>
+          <a:noFill/>
+          <a:ln w="38100">
+            <a:solidFill>
+              <a:srgbClr val="FF0000"/>
+            </a:solidFill>
+          </a:ln>
+        </p:spPr>
+        <p:style>
+          <a:lnRef idx="2">
+            <a:schemeClr val="accent1">
+              <a:shade val="50000"/>
+            </a:schemeClr>
+          </a:lnRef>
+          <a:fillRef idx="1">
+            <a:schemeClr val="accent1"/>
+          </a:fillRef>
+          <a:effectRef idx="0">
+            <a:schemeClr val="accent1"/>
+          </a:effectRef>
+          <a:fontRef idx="minor">
+            <a:schemeClr val="lt1"/>
+          </a:fontRef>
+        </p:style>
+        <p:txBody>
+          <a:bodyPr rtlCol="0" anchor="ctr"/>
+          <a:lstStyle/>
+          <a:p>
+            <a:pPr algn="ctr"/>
+            <a:endParaRPr lang="zh-TW" altLang="en-US"/>
+          </a:p>
+        </p:txBody>
+      </p:sp>
+      <p:sp>
+        <p:nvSpPr>
+          <p:cNvPr id="10" name="矩形 9"/>
+          <p:cNvSpPr/>
+          <p:nvPr/>
+        </p:nvSpPr>
+        <p:spPr>
+          <a:xfrm>
+            <a:off x="492878" y="276847"/>
+            <a:ext cx="3539752" cy="461665"/>
+          </a:xfrm>
+          <a:prstGeom prst="rect">
+            <a:avLst/>
+          </a:prstGeom>
+        </p:spPr>
+        <p:txBody>
+          <a:bodyPr wrap="none">
+            <a:spAutoFit/>
+          </a:bodyPr>
+          <a:lstStyle/>
+          <a:p>
+            <a:r>
+              <a:rPr lang="zh-TW" altLang="en-US" sz="2400" dirty="0">
+                <a:solidFill>
+                  <a:srgbClr val="FF0000"/>
+                </a:solidFill>
+              </a:rPr>
+              <a:t>使用</a:t>
+            </a:r>
+            <a:r>
+              <a:rPr lang="en-US" altLang="zh-TW" sz="2400" dirty="0">
+                <a:solidFill>
+                  <a:srgbClr val="FF0000"/>
+                </a:solidFill>
+              </a:rPr>
+              <a:t>Model </a:t>
+            </a:r>
+            <a:r>
+              <a:rPr lang="en-US" altLang="zh-TW" sz="2400" dirty="0" smtClean="0">
+                <a:solidFill>
+                  <a:srgbClr val="FF0000"/>
+                </a:solidFill>
+              </a:rPr>
+              <a:t>binding</a:t>
+            </a:r>
+            <a:r>
+              <a:rPr lang="zh-TW" altLang="en-US" sz="2400" dirty="0" smtClean="0">
+                <a:solidFill>
+                  <a:srgbClr val="FF0000"/>
+                </a:solidFill>
+              </a:rPr>
+              <a:t> </a:t>
+            </a:r>
+            <a:r>
+              <a:rPr lang="en-US" altLang="zh-TW" sz="2400" dirty="0" smtClean="0">
+                <a:solidFill>
+                  <a:srgbClr val="FF0000"/>
+                </a:solidFill>
+              </a:rPr>
+              <a:t>-</a:t>
+            </a:r>
+            <a:r>
+              <a:rPr lang="en-US" altLang="zh-TW" sz="2400" dirty="0" err="1" smtClean="0">
+                <a:solidFill>
+                  <a:srgbClr val="FF0000"/>
+                </a:solidFill>
+              </a:rPr>
+              <a:t>Includ</a:t>
+            </a:r>
+            <a:endParaRPr lang="zh-TW" altLang="en-US" sz="2400" dirty="0">
+              <a:solidFill>
+                <a:srgbClr val="FF0000"/>
+              </a:solidFill>
+            </a:endParaRPr>
+          </a:p>
+        </p:txBody>
+      </p:sp>
+    </p:spTree>
+    <p:extLst>
+      <p:ext uri="{BB962C8B-B14F-4D97-AF65-F5344CB8AC3E}">
+        <p14:creationId xmlns:p14="http://schemas.microsoft.com/office/powerpoint/2010/main" val="2290398061"/>
+      </p:ext>
+    </p:extLst>
+  </p:cSld>
+  <p:clrMapOvr>
+    <a:masterClrMapping/>
+  </p:clrMapOvr>
+</p:sld>
+</file>
+
+<file path=ppt/slides/slide17.xml><?xml version="1.0" encoding="utf-8"?>
+<p:sld xmlns:a="http://schemas.openxmlformats.org/drawingml/2006/main" xmlns:r="http://schemas.openxmlformats.org/officeDocument/2006/relationships" xmlns:p="http://schemas.openxmlformats.org/presentationml/2006/main">
+  <p:cSld>
+    <p:spTree>
+      <p:nvGrpSpPr>
+        <p:cNvPr id="1" name=""/>
+        <p:cNvGrpSpPr/>
+        <p:nvPr/>
+      </p:nvGrpSpPr>
+      <p:grpSpPr>
+        <a:xfrm>
+          <a:off x="0" y="0"/>
+          <a:ext cx="0" cy="0"/>
+          <a:chOff x="0" y="0"/>
+          <a:chExt cx="0" cy="0"/>
+        </a:xfrm>
+      </p:grpSpPr>
+      <p:pic>
+        <p:nvPicPr>
+          <p:cNvPr id="6146" name="Picture 2"/>
+          <p:cNvPicPr>
+            <a:picLocks noChangeAspect="1" noChangeArrowheads="1"/>
+          </p:cNvPicPr>
+          <p:nvPr/>
+        </p:nvPicPr>
+        <p:blipFill>
+          <a:blip r:embed="rId2">
+            <a:extLst>
+              <a:ext uri="{28A0092B-C50C-407E-A947-70E740481C1C}">
+                <a14:useLocalDpi xmlns:a14="http://schemas.microsoft.com/office/drawing/2010/main" val="0"/>
+              </a:ext>
+            </a:extLst>
+          </a:blip>
+          <a:srcRect/>
+          <a:stretch>
+            <a:fillRect/>
+          </a:stretch>
+        </p:blipFill>
+        <p:spPr bwMode="auto">
+          <a:xfrm>
+            <a:off x="715664" y="939588"/>
+            <a:ext cx="6838950" cy="4086225"/>
+          </a:xfrm>
+          <a:prstGeom prst="rect">
+            <a:avLst/>
+          </a:prstGeom>
+          <a:noFill/>
+          <a:ln>
+            <a:noFill/>
+          </a:ln>
+          <a:extLst>
+            <a:ext uri="{909E8E84-426E-40DD-AFC4-6F175D3DCCD1}">
+              <a14:hiddenFill xmlns:a14="http://schemas.microsoft.com/office/drawing/2010/main">
+                <a:solidFill>
+                  <a:schemeClr val="accent1"/>
+                </a:solidFill>
+              </a14:hiddenFill>
+            </a:ext>
+            <a:ext uri="{91240B29-F687-4F45-9708-019B960494DF}">
+              <a14:hiddenLine xmlns:a14="http://schemas.microsoft.com/office/drawing/2010/main" w="9525">
+                <a:solidFill>
+                  <a:schemeClr val="tx1"/>
+                </a:solidFill>
+                <a:miter lim="800000"/>
+                <a:headEnd/>
+                <a:tailEnd/>
+              </a14:hiddenLine>
+            </a:ext>
+          </a:extLst>
+        </p:spPr>
+      </p:pic>
+      <p:sp>
+        <p:nvSpPr>
+          <p:cNvPr id="5" name="矩形 4"/>
+          <p:cNvSpPr/>
+          <p:nvPr/>
+        </p:nvSpPr>
+        <p:spPr>
+          <a:xfrm>
+            <a:off x="6978769" y="1719032"/>
+            <a:ext cx="2488454" cy="584775"/>
+          </a:xfrm>
+          <a:prstGeom prst="rect">
+            <a:avLst/>
+          </a:prstGeom>
+          <a:solidFill>
+            <a:schemeClr val="accent5">
+              <a:lumMod val="40000"/>
+              <a:lumOff val="60000"/>
+            </a:schemeClr>
+          </a:solidFill>
+        </p:spPr>
+        <p:txBody>
+          <a:bodyPr wrap="square">
+            <a:spAutoFit/>
+          </a:bodyPr>
+          <a:lstStyle/>
+          <a:p>
+            <a:r>
+              <a:rPr lang="zh-TW" altLang="en-US" sz="1600" dirty="0" smtClean="0"/>
+              <a:t>只有</a:t>
+            </a:r>
+            <a:r>
+              <a:rPr lang="en-US" altLang="zh-TW" sz="1600" dirty="0" smtClean="0"/>
+              <a:t>name</a:t>
+            </a:r>
+            <a:r>
+              <a:rPr lang="zh-TW" altLang="en-US" sz="1600" dirty="0" smtClean="0"/>
+              <a:t>的屬性不會更新</a:t>
+            </a:r>
+            <a:endParaRPr lang="en-US" altLang="zh-TW" sz="1600" dirty="0" smtClean="0"/>
+          </a:p>
+          <a:p>
+            <a:r>
+              <a:rPr lang="zh-TW" altLang="en-US" sz="1600" dirty="0" smtClean="0"/>
+              <a:t>其他都會</a:t>
+            </a:r>
+            <a:endParaRPr lang="en-US" altLang="zh-TW" sz="1600" dirty="0"/>
+          </a:p>
+        </p:txBody>
+      </p:sp>
+      <p:sp>
+        <p:nvSpPr>
+          <p:cNvPr id="6" name="矩形 5"/>
+          <p:cNvSpPr/>
+          <p:nvPr/>
+        </p:nvSpPr>
+        <p:spPr>
+          <a:xfrm>
+            <a:off x="2340845" y="2011420"/>
+            <a:ext cx="2489948" cy="224287"/>
+          </a:xfrm>
+          <a:prstGeom prst="rect">
+            <a:avLst/>
+          </a:prstGeom>
+          <a:noFill/>
+          <a:ln w="38100">
+            <a:solidFill>
+              <a:srgbClr val="FF0000"/>
+            </a:solidFill>
+          </a:ln>
+        </p:spPr>
+        <p:style>
+          <a:lnRef idx="2">
+            <a:schemeClr val="accent1">
+              <a:shade val="50000"/>
+            </a:schemeClr>
+          </a:lnRef>
+          <a:fillRef idx="1">
+            <a:schemeClr val="accent1"/>
+          </a:fillRef>
+          <a:effectRef idx="0">
+            <a:schemeClr val="accent1"/>
+          </a:effectRef>
+          <a:fontRef idx="minor">
+            <a:schemeClr val="lt1"/>
+          </a:fontRef>
+        </p:style>
+        <p:txBody>
+          <a:bodyPr rtlCol="0" anchor="ctr"/>
+          <a:lstStyle/>
+          <a:p>
+            <a:pPr algn="ctr"/>
+            <a:endParaRPr lang="zh-TW" altLang="en-US"/>
+          </a:p>
+        </p:txBody>
+      </p:sp>
+      <p:sp>
+        <p:nvSpPr>
+          <p:cNvPr id="7" name="矩形 6"/>
+          <p:cNvSpPr/>
+          <p:nvPr/>
+        </p:nvSpPr>
+        <p:spPr>
+          <a:xfrm>
+            <a:off x="6978769" y="2738948"/>
+            <a:ext cx="1846054" cy="338554"/>
+          </a:xfrm>
+          <a:prstGeom prst="rect">
+            <a:avLst/>
+          </a:prstGeom>
+          <a:solidFill>
+            <a:schemeClr val="accent5">
+              <a:lumMod val="40000"/>
+              <a:lumOff val="60000"/>
+            </a:schemeClr>
+          </a:solidFill>
+        </p:spPr>
+        <p:txBody>
+          <a:bodyPr wrap="square">
+            <a:spAutoFit/>
+          </a:bodyPr>
+          <a:lstStyle/>
+          <a:p>
+            <a:r>
+              <a:rPr lang="zh-TW" altLang="en-US" sz="1600" dirty="0"/>
+              <a:t>手動給他原本的值</a:t>
+            </a:r>
+            <a:endParaRPr lang="en-US" altLang="zh-TW" sz="1600" dirty="0"/>
+          </a:p>
+        </p:txBody>
+      </p:sp>
+      <p:sp>
+        <p:nvSpPr>
+          <p:cNvPr id="8" name="矩形 7"/>
+          <p:cNvSpPr/>
+          <p:nvPr/>
+        </p:nvSpPr>
+        <p:spPr>
+          <a:xfrm>
+            <a:off x="4307457" y="3327029"/>
+            <a:ext cx="4310332" cy="584775"/>
+          </a:xfrm>
+          <a:prstGeom prst="rect">
+            <a:avLst/>
+          </a:prstGeom>
+          <a:solidFill>
+            <a:schemeClr val="accent4">
+              <a:lumMod val="20000"/>
+              <a:lumOff val="80000"/>
+            </a:schemeClr>
+          </a:solidFill>
+        </p:spPr>
+        <p:txBody>
+          <a:bodyPr wrap="square">
+            <a:spAutoFit/>
+          </a:bodyPr>
+          <a:lstStyle/>
+          <a:p>
+            <a:r>
+              <a:rPr lang="zh-TW" altLang="en-US" sz="1600" dirty="0" smtClean="0"/>
+              <a:t>不然沒有</a:t>
+            </a:r>
+            <a:r>
+              <a:rPr lang="en-US" altLang="zh-TW" sz="1600" dirty="0" smtClean="0"/>
+              <a:t>name</a:t>
+            </a:r>
+            <a:r>
+              <a:rPr lang="zh-TW" altLang="en-US" sz="1600" dirty="0" smtClean="0"/>
+              <a:t>會等於</a:t>
+            </a:r>
+            <a:r>
+              <a:rPr lang="en-US" altLang="zh-TW" sz="1600" dirty="0" smtClean="0"/>
+              <a:t>null</a:t>
+            </a:r>
+            <a:br>
+              <a:rPr lang="en-US" altLang="zh-TW" sz="1600" dirty="0" smtClean="0"/>
+            </a:br>
+            <a:r>
+              <a:rPr lang="zh-TW" altLang="en-US" sz="1600" dirty="0" smtClean="0"/>
+              <a:t>這邊檢查會不過 </a:t>
+            </a:r>
+            <a:endParaRPr lang="en-US" altLang="zh-TW" sz="1600" dirty="0" smtClean="0"/>
+          </a:p>
+        </p:txBody>
+      </p:sp>
+      <p:sp>
+        <p:nvSpPr>
+          <p:cNvPr id="9" name="矩形 8"/>
+          <p:cNvSpPr/>
+          <p:nvPr/>
+        </p:nvSpPr>
+        <p:spPr>
+          <a:xfrm>
+            <a:off x="1110354" y="3214885"/>
+            <a:ext cx="3024785" cy="856783"/>
+          </a:xfrm>
+          <a:prstGeom prst="rect">
+            <a:avLst/>
+          </a:prstGeom>
+          <a:noFill/>
+          <a:ln w="38100">
+            <a:solidFill>
+              <a:srgbClr val="FF0000"/>
+            </a:solidFill>
+          </a:ln>
+        </p:spPr>
+        <p:style>
+          <a:lnRef idx="2">
+            <a:schemeClr val="accent1">
+              <a:shade val="50000"/>
+            </a:schemeClr>
+          </a:lnRef>
+          <a:fillRef idx="1">
+            <a:schemeClr val="accent1"/>
+          </a:fillRef>
+          <a:effectRef idx="0">
+            <a:schemeClr val="accent1"/>
+          </a:effectRef>
+          <a:fontRef idx="minor">
+            <a:schemeClr val="lt1"/>
+          </a:fontRef>
+        </p:style>
+        <p:txBody>
+          <a:bodyPr rtlCol="0" anchor="ctr"/>
+          <a:lstStyle/>
+          <a:p>
+            <a:pPr algn="ctr"/>
+            <a:endParaRPr lang="zh-TW" altLang="en-US"/>
+          </a:p>
+        </p:txBody>
+      </p:sp>
+      <p:sp>
+        <p:nvSpPr>
+          <p:cNvPr id="10" name="矩形 9"/>
+          <p:cNvSpPr/>
+          <p:nvPr/>
+        </p:nvSpPr>
+        <p:spPr>
+          <a:xfrm>
+            <a:off x="403540" y="345858"/>
+            <a:ext cx="3731599" cy="461665"/>
+          </a:xfrm>
+          <a:prstGeom prst="rect">
+            <a:avLst/>
+          </a:prstGeom>
+        </p:spPr>
+        <p:txBody>
+          <a:bodyPr wrap="none">
+            <a:spAutoFit/>
+          </a:bodyPr>
+          <a:lstStyle/>
+          <a:p>
+            <a:r>
+              <a:rPr lang="zh-TW" altLang="en-US" sz="2400" dirty="0">
+                <a:solidFill>
+                  <a:srgbClr val="FF0000"/>
+                </a:solidFill>
+              </a:rPr>
+              <a:t>使用</a:t>
+            </a:r>
+            <a:r>
+              <a:rPr lang="en-US" altLang="zh-TW" sz="2400" dirty="0">
+                <a:solidFill>
+                  <a:srgbClr val="FF0000"/>
+                </a:solidFill>
+              </a:rPr>
+              <a:t>Model </a:t>
+            </a:r>
+            <a:r>
+              <a:rPr lang="en-US" altLang="zh-TW" sz="2400" dirty="0" smtClean="0">
+                <a:solidFill>
+                  <a:srgbClr val="FF0000"/>
+                </a:solidFill>
+              </a:rPr>
+              <a:t>binding</a:t>
+            </a:r>
+            <a:r>
+              <a:rPr lang="zh-TW" altLang="en-US" sz="2400" dirty="0" smtClean="0">
+                <a:solidFill>
+                  <a:srgbClr val="FF0000"/>
+                </a:solidFill>
+              </a:rPr>
+              <a:t> </a:t>
+            </a:r>
+            <a:r>
+              <a:rPr lang="en-US" altLang="zh-TW" sz="2400" dirty="0" smtClean="0">
+                <a:solidFill>
+                  <a:srgbClr val="FF0000"/>
+                </a:solidFill>
+              </a:rPr>
+              <a:t>-Exclude</a:t>
+            </a:r>
+            <a:endParaRPr lang="zh-TW" altLang="en-US" sz="2400" dirty="0">
+              <a:solidFill>
+                <a:srgbClr val="FF0000"/>
+              </a:solidFill>
+            </a:endParaRPr>
+          </a:p>
+        </p:txBody>
+      </p:sp>
+    </p:spTree>
+    <p:extLst>
+      <p:ext uri="{BB962C8B-B14F-4D97-AF65-F5344CB8AC3E}">
+        <p14:creationId xmlns:p14="http://schemas.microsoft.com/office/powerpoint/2010/main" val="729158436"/>
+      </p:ext>
+    </p:extLst>
+  </p:cSld>
+  <p:clrMapOvr>
+    <a:masterClrMapping/>
+  </p:clrMapOvr>
+</p:sld>
+</file>
+
+<file path=ppt/slides/slide18.xml><?xml version="1.0" encoding="utf-8"?>
+<p:sld xmlns:a="http://schemas.openxmlformats.org/drawingml/2006/main" xmlns:r="http://schemas.openxmlformats.org/officeDocument/2006/relationships" xmlns:p="http://schemas.openxmlformats.org/presentationml/2006/main">
+  <p:cSld>
+    <p:spTree>
+      <p:nvGrpSpPr>
+        <p:cNvPr id="1" name=""/>
+        <p:cNvGrpSpPr/>
+        <p:nvPr/>
+      </p:nvGrpSpPr>
+      <p:grpSpPr>
+        <a:xfrm>
+          <a:off x="0" y="0"/>
+          <a:ext cx="0" cy="0"/>
+          <a:chOff x="0" y="0"/>
+          <a:chExt cx="0" cy="0"/>
+        </a:xfrm>
+      </p:grpSpPr>
+      <p:sp>
+        <p:nvSpPr>
+          <p:cNvPr id="4" name="矩形 3"/>
+          <p:cNvSpPr/>
+          <p:nvPr/>
+        </p:nvSpPr>
+        <p:spPr>
+          <a:xfrm>
+            <a:off x="3048000" y="751344"/>
+            <a:ext cx="6096000" cy="5355312"/>
+          </a:xfrm>
+          <a:prstGeom prst="rect">
+            <a:avLst/>
+          </a:prstGeom>
+        </p:spPr>
+        <p:txBody>
+          <a:bodyPr>
+            <a:spAutoFit/>
+          </a:bodyPr>
+          <a:lstStyle/>
+          <a:p>
+            <a:r>
+              <a:rPr lang="en-US" altLang="zh-TW" dirty="0"/>
+              <a:t>1.</a:t>
+            </a:r>
+          </a:p>
+          <a:p>
+            <a:r>
+              <a:rPr lang="en-US" altLang="zh-TW" dirty="0"/>
+              <a:t>1.1.</a:t>
+            </a:r>
+          </a:p>
+          <a:p>
+            <a:r>
+              <a:rPr lang="en-US" altLang="zh-TW" dirty="0"/>
+              <a:t>//@</a:t>
+            </a:r>
+            <a:r>
+              <a:rPr lang="en-US" altLang="zh-TW" dirty="0" err="1"/>
+              <a:t>Html.HiddenFor</a:t>
+            </a:r>
+            <a:r>
+              <a:rPr lang="en-US" altLang="zh-TW" dirty="0"/>
+              <a:t>(model =&gt; </a:t>
+            </a:r>
+            <a:r>
+              <a:rPr lang="en-US" altLang="zh-TW" dirty="0" err="1"/>
+              <a:t>model.Name</a:t>
+            </a:r>
+            <a:r>
+              <a:rPr lang="en-US" altLang="zh-TW" dirty="0"/>
+              <a:t>, new { </a:t>
+            </a:r>
+            <a:r>
+              <a:rPr lang="en-US" altLang="zh-TW" dirty="0" err="1"/>
+              <a:t>htmlAttributes</a:t>
+            </a:r>
+            <a:r>
+              <a:rPr lang="en-US" altLang="zh-TW" dirty="0"/>
+              <a:t> = new { @class = "form-control" } })</a:t>
+            </a:r>
+          </a:p>
+          <a:p>
+            <a:r>
+              <a:rPr lang="en-US" altLang="zh-TW" dirty="0"/>
+              <a:t>It will create the following.</a:t>
+            </a:r>
+          </a:p>
+          <a:p>
+            <a:r>
+              <a:rPr lang="en-US" altLang="zh-TW" dirty="0"/>
+              <a:t>//&lt;input data-</a:t>
+            </a:r>
+            <a:r>
+              <a:rPr lang="en-US" altLang="zh-TW" dirty="0" err="1"/>
+              <a:t>val</a:t>
+            </a:r>
+            <a:r>
+              <a:rPr lang="en-US" altLang="zh-TW" dirty="0"/>
+              <a:t>="true" data-</a:t>
+            </a:r>
+            <a:r>
+              <a:rPr lang="en-US" altLang="zh-TW" dirty="0" err="1"/>
+              <a:t>val</a:t>
+            </a:r>
+            <a:r>
+              <a:rPr lang="en-US" altLang="zh-TW" dirty="0"/>
+              <a:t>-required="The Name field is required." </a:t>
+            </a:r>
+            <a:r>
+              <a:rPr lang="en-US" altLang="zh-TW" dirty="0" err="1"/>
+              <a:t>htmlattributes</a:t>
+            </a:r>
+            <a:r>
+              <a:rPr lang="en-US" altLang="zh-TW" dirty="0"/>
+              <a:t>="{ class = form-control }" id="Name" name="Name" type="hidden" value="Name01 ABB"&gt;  </a:t>
+            </a:r>
+          </a:p>
+          <a:p>
+            <a:r>
+              <a:rPr lang="en-US" altLang="zh-TW" dirty="0"/>
+              <a:t>1.2.</a:t>
+            </a:r>
+          </a:p>
+          <a:p>
+            <a:r>
+              <a:rPr lang="en-US" altLang="zh-TW" dirty="0"/>
+              <a:t>//@</a:t>
+            </a:r>
+            <a:r>
+              <a:rPr lang="en-US" altLang="zh-TW" dirty="0" err="1"/>
+              <a:t>Html.DisplayFor</a:t>
+            </a:r>
+            <a:r>
+              <a:rPr lang="en-US" altLang="zh-TW" dirty="0"/>
+              <a:t>(model =&gt; </a:t>
+            </a:r>
+            <a:r>
+              <a:rPr lang="en-US" altLang="zh-TW" dirty="0" err="1"/>
+              <a:t>model.Name</a:t>
+            </a:r>
+            <a:r>
+              <a:rPr lang="en-US" altLang="zh-TW" dirty="0"/>
+              <a:t>, new { </a:t>
+            </a:r>
+            <a:r>
+              <a:rPr lang="en-US" altLang="zh-TW" dirty="0" err="1"/>
+              <a:t>htmlAttributes</a:t>
+            </a:r>
+            <a:r>
+              <a:rPr lang="en-US" altLang="zh-TW" dirty="0"/>
+              <a:t> = new { @class = "form-control" } })</a:t>
+            </a:r>
+          </a:p>
+          <a:p>
+            <a:r>
+              <a:rPr lang="en-US" altLang="zh-TW" dirty="0"/>
+              <a:t>It will create the following.</a:t>
+            </a:r>
+          </a:p>
+          <a:p>
+            <a:r>
+              <a:rPr lang="en-US" altLang="zh-TW" dirty="0"/>
+              <a:t>//Name01 ABB  </a:t>
+            </a:r>
+          </a:p>
+          <a:p>
+            <a:r>
+              <a:rPr lang="en-US" altLang="zh-TW" dirty="0"/>
+              <a:t>1.3.</a:t>
+            </a:r>
+          </a:p>
+          <a:p>
+            <a:r>
+              <a:rPr lang="en-US" altLang="zh-TW" dirty="0"/>
+              <a:t>//@</a:t>
+            </a:r>
+            <a:r>
+              <a:rPr lang="en-US" altLang="zh-TW" dirty="0" err="1"/>
+              <a:t>Html.EditorFor</a:t>
+            </a:r>
+            <a:r>
+              <a:rPr lang="en-US" altLang="zh-TW" dirty="0"/>
+              <a:t>(model =&gt; </a:t>
+            </a:r>
+            <a:r>
+              <a:rPr lang="en-US" altLang="zh-TW" dirty="0" err="1"/>
+              <a:t>model.Name</a:t>
+            </a:r>
+            <a:r>
+              <a:rPr lang="en-US" altLang="zh-TW" dirty="0"/>
+              <a:t>, new {</a:t>
+            </a:r>
+            <a:r>
+              <a:rPr lang="en-US" altLang="zh-TW" dirty="0" err="1"/>
+              <a:t>htmlAttributes</a:t>
+            </a:r>
+            <a:r>
+              <a:rPr lang="en-US" altLang="zh-TW" dirty="0"/>
+              <a:t> = new {@class = "form-control"}})</a:t>
+            </a:r>
+          </a:p>
+          <a:p>
+            <a:r>
+              <a:rPr lang="en-US" altLang="zh-TW" dirty="0"/>
+              <a:t>It will create the following.</a:t>
+            </a:r>
+          </a:p>
+          <a:p>
+            <a:r>
+              <a:rPr lang="en-US" altLang="zh-TW" dirty="0"/>
+              <a:t>//&lt;input class="form-control text-box single-line valid" id="Name" name="Name" type="text" value="Name01 ABB"&gt;</a:t>
+            </a:r>
+            <a:endParaRPr lang="zh-TW" altLang="en-US" dirty="0"/>
+          </a:p>
+        </p:txBody>
+      </p:sp>
+    </p:spTree>
+    <p:extLst>
+      <p:ext uri="{BB962C8B-B14F-4D97-AF65-F5344CB8AC3E}">
+        <p14:creationId xmlns:p14="http://schemas.microsoft.com/office/powerpoint/2010/main" val="4038846335"/>
+      </p:ext>
+    </p:extLst>
+  </p:cSld>
+  <p:clrMapOvr>
+    <a:masterClrMapping/>
+  </p:clrMapOvr>
+</p:sld>
+</file>
+
+<file path=ppt/slides/slide19.xml><?xml version="1.0" encoding="utf-8"?>
+<p:sld xmlns:a="http://schemas.openxmlformats.org/drawingml/2006/main" xmlns:r="http://schemas.openxmlformats.org/officeDocument/2006/relationships" xmlns:p="http://schemas.openxmlformats.org/presentationml/2006/main">
+  <p:cSld>
+    <p:spTree>
+      <p:nvGrpSpPr>
+        <p:cNvPr id="1" name=""/>
+        <p:cNvGrpSpPr/>
+        <p:nvPr/>
+      </p:nvGrpSpPr>
+      <p:grpSpPr>
+        <a:xfrm>
+          <a:off x="0" y="0"/>
+          <a:ext cx="0" cy="0"/>
+          <a:chOff x="0" y="0"/>
+          <a:chExt cx="0" cy="0"/>
+        </a:xfrm>
+      </p:grpSpPr>
+      <p:pic>
+        <p:nvPicPr>
+          <p:cNvPr id="4098" name="Picture 2"/>
+          <p:cNvPicPr>
+            <a:picLocks noChangeAspect="1" noChangeArrowheads="1"/>
+          </p:cNvPicPr>
+          <p:nvPr/>
+        </p:nvPicPr>
+        <p:blipFill>
+          <a:blip r:embed="rId2">
+            <a:extLst>
+              <a:ext uri="{28A0092B-C50C-407E-A947-70E740481C1C}">
+                <a14:useLocalDpi xmlns:a14="http://schemas.microsoft.com/office/drawing/2010/main" val="0"/>
+              </a:ext>
+            </a:extLst>
+          </a:blip>
+          <a:srcRect/>
+          <a:stretch>
+            <a:fillRect/>
+          </a:stretch>
+        </p:blipFill>
+        <p:spPr bwMode="auto">
+          <a:xfrm>
+            <a:off x="166418" y="129396"/>
+            <a:ext cx="7200900" cy="6496050"/>
+          </a:xfrm>
+          <a:prstGeom prst="rect">
+            <a:avLst/>
+          </a:prstGeom>
+          <a:noFill/>
+          <a:ln>
+            <a:noFill/>
+          </a:ln>
+          <a:extLst>
+            <a:ext uri="{909E8E84-426E-40DD-AFC4-6F175D3DCCD1}">
+              <a14:hiddenFill xmlns:a14="http://schemas.microsoft.com/office/drawing/2010/main">
+                <a:solidFill>
+                  <a:schemeClr val="accent1"/>
+                </a:solidFill>
+              </a14:hiddenFill>
+            </a:ext>
+            <a:ext uri="{91240B29-F687-4F45-9708-019B960494DF}">
+              <a14:hiddenLine xmlns:a14="http://schemas.microsoft.com/office/drawing/2010/main" w="9525">
+                <a:solidFill>
+                  <a:schemeClr val="tx1"/>
+                </a:solidFill>
+                <a:miter lim="800000"/>
+                <a:headEnd/>
+                <a:tailEnd/>
+              </a14:hiddenLine>
+            </a:ext>
+          </a:extLst>
+        </p:spPr>
+      </p:pic>
+      <p:sp>
+        <p:nvSpPr>
+          <p:cNvPr id="5" name="矩形 4"/>
+          <p:cNvSpPr/>
+          <p:nvPr/>
+        </p:nvSpPr>
+        <p:spPr>
+          <a:xfrm>
+            <a:off x="4697406" y="4414202"/>
+            <a:ext cx="5339824" cy="338554"/>
+          </a:xfrm>
+          <a:prstGeom prst="rect">
+            <a:avLst/>
+          </a:prstGeom>
+          <a:solidFill>
+            <a:schemeClr val="accent5">
+              <a:lumMod val="40000"/>
+              <a:lumOff val="60000"/>
+            </a:schemeClr>
+          </a:solidFill>
+        </p:spPr>
+        <p:txBody>
+          <a:bodyPr wrap="square">
+            <a:spAutoFit/>
+          </a:bodyPr>
+          <a:lstStyle/>
+          <a:p>
+            <a:r>
+              <a:rPr lang="zh-TW" altLang="en-US" sz="1600" dirty="0" smtClean="0"/>
+              <a:t>使用</a:t>
+            </a:r>
+            <a:r>
+              <a:rPr lang="en-US" altLang="zh-TW" sz="1600" dirty="0" err="1" smtClean="0"/>
+              <a:t>excludeProperties</a:t>
+            </a:r>
+            <a:r>
+              <a:rPr lang="zh-TW" altLang="en-US" sz="1600" dirty="0" smtClean="0"/>
+              <a:t>更新所有的除了名子</a:t>
+            </a:r>
+            <a:r>
+              <a:rPr lang="en-US" altLang="zh-TW" sz="1600" dirty="0" smtClean="0"/>
+              <a:t>property</a:t>
+            </a:r>
+            <a:r>
+              <a:rPr lang="zh-TW" altLang="en-US" sz="1600" dirty="0" smtClean="0"/>
+              <a:t>以外</a:t>
+            </a:r>
+            <a:endParaRPr lang="en-US" altLang="zh-TW" sz="1600" dirty="0"/>
+          </a:p>
+        </p:txBody>
+      </p:sp>
+      <p:sp>
+        <p:nvSpPr>
+          <p:cNvPr id="4" name="矩形 3"/>
+          <p:cNvSpPr/>
+          <p:nvPr/>
+        </p:nvSpPr>
+        <p:spPr>
+          <a:xfrm>
+            <a:off x="7448873" y="1726085"/>
+            <a:ext cx="3283656" cy="646331"/>
+          </a:xfrm>
+          <a:prstGeom prst="rect">
+            <a:avLst/>
+          </a:prstGeom>
+          <a:solidFill>
+            <a:schemeClr val="accent4">
+              <a:lumMod val="20000"/>
+              <a:lumOff val="80000"/>
+            </a:schemeClr>
+          </a:solidFill>
+        </p:spPr>
+        <p:txBody>
+          <a:bodyPr wrap="none">
+            <a:spAutoFit/>
+          </a:bodyPr>
+          <a:lstStyle/>
+          <a:p>
+            <a:r>
+              <a:rPr lang="en-US" altLang="zh-TW" dirty="0" err="1"/>
+              <a:t>UpdateModel</a:t>
+            </a:r>
+            <a:r>
+              <a:rPr lang="en-US" altLang="zh-TW" dirty="0" smtClean="0"/>
+              <a:t>()</a:t>
+            </a:r>
+            <a:r>
+              <a:rPr lang="zh-TW" altLang="en-US" dirty="0" smtClean="0"/>
+              <a:t> 會回傳</a:t>
+            </a:r>
+            <a:r>
+              <a:rPr lang="en-US" altLang="zh-TW" dirty="0" smtClean="0"/>
+              <a:t>Exception</a:t>
+            </a:r>
+          </a:p>
+          <a:p>
+            <a:r>
+              <a:rPr lang="en-US" altLang="zh-TW" dirty="0" err="1" smtClean="0"/>
+              <a:t>TryUpdateModel</a:t>
+            </a:r>
+            <a:r>
+              <a:rPr lang="en-US" altLang="zh-TW" dirty="0" smtClean="0"/>
+              <a:t>()</a:t>
+            </a:r>
+            <a:r>
+              <a:rPr lang="zh-TW" altLang="en-US" dirty="0" smtClean="0"/>
+              <a:t> 會回傳</a:t>
+            </a:r>
+            <a:r>
+              <a:rPr lang="en-US" altLang="zh-TW" dirty="0" smtClean="0"/>
+              <a:t>false</a:t>
+            </a:r>
+            <a:endParaRPr lang="zh-TW" altLang="en-US" dirty="0"/>
+          </a:p>
+        </p:txBody>
+      </p:sp>
+      <p:sp>
+        <p:nvSpPr>
+          <p:cNvPr id="7" name="矩形 6"/>
+          <p:cNvSpPr/>
+          <p:nvPr/>
+        </p:nvSpPr>
+        <p:spPr>
+          <a:xfrm>
+            <a:off x="3473570" y="5096041"/>
+            <a:ext cx="1857555" cy="338554"/>
+          </a:xfrm>
+          <a:prstGeom prst="rect">
+            <a:avLst/>
+          </a:prstGeom>
+          <a:solidFill>
+            <a:schemeClr val="accent5">
+              <a:lumMod val="40000"/>
+              <a:lumOff val="60000"/>
+            </a:schemeClr>
+          </a:solidFill>
+        </p:spPr>
+        <p:txBody>
+          <a:bodyPr wrap="square">
+            <a:spAutoFit/>
+          </a:bodyPr>
+          <a:lstStyle/>
+          <a:p>
+            <a:r>
+              <a:rPr lang="zh-TW" altLang="en-US" sz="1600" dirty="0" smtClean="0"/>
+              <a:t>檢查</a:t>
+            </a:r>
+            <a:r>
+              <a:rPr lang="en-US" altLang="zh-TW" sz="1600" dirty="0" smtClean="0"/>
+              <a:t>input</a:t>
+            </a:r>
+            <a:r>
+              <a:rPr lang="zh-TW" altLang="en-US" sz="1600" dirty="0" smtClean="0"/>
+              <a:t>是否正確</a:t>
+            </a:r>
+            <a:endParaRPr lang="en-US" altLang="zh-TW" sz="1600" dirty="0"/>
+          </a:p>
+        </p:txBody>
+      </p:sp>
+      <p:sp>
+        <p:nvSpPr>
+          <p:cNvPr id="8" name="矩形 7"/>
+          <p:cNvSpPr/>
+          <p:nvPr/>
+        </p:nvSpPr>
+        <p:spPr>
+          <a:xfrm>
+            <a:off x="1242204" y="225585"/>
+            <a:ext cx="5620834" cy="461665"/>
+          </a:xfrm>
+          <a:prstGeom prst="rect">
+            <a:avLst/>
+          </a:prstGeom>
+        </p:spPr>
+        <p:txBody>
+          <a:bodyPr wrap="none">
+            <a:spAutoFit/>
+          </a:bodyPr>
+          <a:lstStyle/>
+          <a:p>
+            <a:r>
+              <a:rPr lang="zh-TW" altLang="en-US" sz="2400" dirty="0" smtClean="0">
+                <a:solidFill>
+                  <a:srgbClr val="FF0000"/>
+                </a:solidFill>
+              </a:rPr>
+              <a:t>使用</a:t>
+            </a:r>
+            <a:r>
+              <a:rPr lang="en-US" altLang="zh-TW" sz="2400" dirty="0" err="1">
+                <a:solidFill>
+                  <a:srgbClr val="FF0000"/>
+                </a:solidFill>
+              </a:rPr>
+              <a:t>UpdateModel</a:t>
+            </a:r>
+            <a:r>
+              <a:rPr lang="en-US" altLang="zh-TW" sz="2400" dirty="0">
+                <a:solidFill>
+                  <a:srgbClr val="FF0000"/>
+                </a:solidFill>
+              </a:rPr>
+              <a:t>() and </a:t>
+            </a:r>
+            <a:r>
+              <a:rPr lang="en-US" altLang="zh-TW" sz="2400" dirty="0" err="1">
+                <a:solidFill>
+                  <a:srgbClr val="FF0000"/>
+                </a:solidFill>
+              </a:rPr>
+              <a:t>TryUpdateModel</a:t>
+            </a:r>
+            <a:r>
+              <a:rPr lang="en-US" altLang="zh-TW" sz="2400" dirty="0">
+                <a:solidFill>
+                  <a:srgbClr val="FF0000"/>
+                </a:solidFill>
+              </a:rPr>
+              <a:t>()</a:t>
+            </a:r>
+            <a:endParaRPr lang="zh-TW" altLang="en-US" sz="2400" dirty="0">
+              <a:solidFill>
+                <a:srgbClr val="FF0000"/>
+              </a:solidFill>
+            </a:endParaRPr>
+          </a:p>
+        </p:txBody>
+      </p:sp>
+    </p:spTree>
+    <p:extLst>
+      <p:ext uri="{BB962C8B-B14F-4D97-AF65-F5344CB8AC3E}">
+        <p14:creationId xmlns:p14="http://schemas.microsoft.com/office/powerpoint/2010/main" val="1140713410"/>
+      </p:ext>
+    </p:extLst>
+  </p:cSld>
+  <p:clrMapOvr>
+    <a:masterClrMapping/>
+  </p:clrMapOvr>
+</p:sld>
+</file>
+
 <file path=ppt/slides/slide2.xml><?xml version="1.0" encoding="utf-8"?>
 <p:sld xmlns:a="http://schemas.openxmlformats.org/drawingml/2006/main" xmlns:r="http://schemas.openxmlformats.org/officeDocument/2006/relationships" xmlns:p="http://schemas.openxmlformats.org/presentationml/2006/main">
   <p:cSld>
@@ -5200,7 +7907,7 @@
           <p:cNvPr id="6" name="圖片 5">
             <a:extLst>
               <a:ext uri="{FF2B5EF4-FFF2-40B4-BE49-F238E27FC236}">
-                <a16:creationId xmlns="" xmlns:a16="http://schemas.microsoft.com/office/drawing/2014/main" id="{3D2AD7E2-E957-4DB7-B9AD-96CC48379E46}"/>
+                <a16:creationId xmlns:a16="http://schemas.microsoft.com/office/drawing/2014/main" xmlns="" id="{3D2AD7E2-E957-4DB7-B9AD-96CC48379E46}"/>
               </a:ext>
             </a:extLst>
           </p:cNvPr>
@@ -5230,7 +7937,7 @@
           <p:cNvPr id="5" name="語音泡泡: 圓角矩形 4">
             <a:extLst>
               <a:ext uri="{FF2B5EF4-FFF2-40B4-BE49-F238E27FC236}">
-                <a16:creationId xmlns="" xmlns:a16="http://schemas.microsoft.com/office/drawing/2014/main" id="{F2ED1D7E-7D1C-4A56-9353-26E2C7E209EB}"/>
+                <a16:creationId xmlns:a16="http://schemas.microsoft.com/office/drawing/2014/main" xmlns="" id="{F2ED1D7E-7D1C-4A56-9353-26E2C7E209EB}"/>
               </a:ext>
             </a:extLst>
           </p:cNvPr>
@@ -5309,7 +8016,7 @@
           <p:cNvPr id="7" name="語音泡泡: 圓角矩形 6">
             <a:extLst>
               <a:ext uri="{FF2B5EF4-FFF2-40B4-BE49-F238E27FC236}">
-                <a16:creationId xmlns="" xmlns:a16="http://schemas.microsoft.com/office/drawing/2014/main" id="{E1486E0C-4024-47AF-A99B-32C763660AF4}"/>
+                <a16:creationId xmlns:a16="http://schemas.microsoft.com/office/drawing/2014/main" xmlns="" id="{E1486E0C-4024-47AF-A99B-32C763660AF4}"/>
               </a:ext>
             </a:extLst>
           </p:cNvPr>
@@ -5408,6 +8115,860 @@
     <p:extLst>
       <p:ext uri="{BB962C8B-B14F-4D97-AF65-F5344CB8AC3E}">
         <p14:creationId xmlns:p14="http://schemas.microsoft.com/office/powerpoint/2010/main" val="2890069990"/>
+      </p:ext>
+    </p:extLst>
+  </p:cSld>
+  <p:clrMapOvr>
+    <a:masterClrMapping/>
+  </p:clrMapOvr>
+</p:sld>
+</file>
+
+<file path=ppt/slides/slide20.xml><?xml version="1.0" encoding="utf-8"?>
+<p:sld xmlns:a="http://schemas.openxmlformats.org/drawingml/2006/main" xmlns:r="http://schemas.openxmlformats.org/officeDocument/2006/relationships" xmlns:p="http://schemas.openxmlformats.org/presentationml/2006/main">
+  <p:cSld>
+    <p:spTree>
+      <p:nvGrpSpPr>
+        <p:cNvPr id="1" name=""/>
+        <p:cNvGrpSpPr/>
+        <p:nvPr/>
+      </p:nvGrpSpPr>
+      <p:grpSpPr>
+        <a:xfrm>
+          <a:off x="0" y="0"/>
+          <a:ext cx="0" cy="0"/>
+          <a:chOff x="0" y="0"/>
+          <a:chExt cx="0" cy="0"/>
+        </a:xfrm>
+      </p:grpSpPr>
+      <p:pic>
+        <p:nvPicPr>
+          <p:cNvPr id="7170" name="Picture 2"/>
+          <p:cNvPicPr>
+            <a:picLocks noChangeAspect="1" noChangeArrowheads="1"/>
+          </p:cNvPicPr>
+          <p:nvPr/>
+        </p:nvPicPr>
+        <p:blipFill>
+          <a:blip r:embed="rId2">
+            <a:extLst>
+              <a:ext uri="{28A0092B-C50C-407E-A947-70E740481C1C}">
+                <a14:useLocalDpi xmlns:a14="http://schemas.microsoft.com/office/drawing/2010/main" val="0"/>
+              </a:ext>
+            </a:extLst>
+          </a:blip>
+          <a:srcRect/>
+          <a:stretch>
+            <a:fillRect/>
+          </a:stretch>
+        </p:blipFill>
+        <p:spPr bwMode="auto">
+          <a:xfrm>
+            <a:off x="353502" y="703772"/>
+            <a:ext cx="7286625" cy="5886450"/>
+          </a:xfrm>
+          <a:prstGeom prst="rect">
+            <a:avLst/>
+          </a:prstGeom>
+          <a:noFill/>
+          <a:ln>
+            <a:noFill/>
+          </a:ln>
+          <a:extLst>
+            <a:ext uri="{909E8E84-426E-40DD-AFC4-6F175D3DCCD1}">
+              <a14:hiddenFill xmlns:a14="http://schemas.microsoft.com/office/drawing/2010/main">
+                <a:solidFill>
+                  <a:schemeClr val="accent1"/>
+                </a:solidFill>
+              </a14:hiddenFill>
+            </a:ext>
+            <a:ext uri="{91240B29-F687-4F45-9708-019B960494DF}">
+              <a14:hiddenLine xmlns:a14="http://schemas.microsoft.com/office/drawing/2010/main" w="9525">
+                <a:solidFill>
+                  <a:schemeClr val="tx1"/>
+                </a:solidFill>
+                <a:miter lim="800000"/>
+                <a:headEnd/>
+                <a:tailEnd/>
+              </a14:hiddenLine>
+            </a:ext>
+          </a:extLst>
+        </p:spPr>
+      </p:pic>
+      <p:sp>
+        <p:nvSpPr>
+          <p:cNvPr id="5" name="矩形 4"/>
+          <p:cNvSpPr/>
+          <p:nvPr/>
+        </p:nvSpPr>
+        <p:spPr>
+          <a:xfrm>
+            <a:off x="353503" y="143785"/>
+            <a:ext cx="5620834" cy="461665"/>
+          </a:xfrm>
+          <a:prstGeom prst="rect">
+            <a:avLst/>
+          </a:prstGeom>
+        </p:spPr>
+        <p:txBody>
+          <a:bodyPr wrap="none">
+            <a:spAutoFit/>
+          </a:bodyPr>
+          <a:lstStyle/>
+          <a:p>
+            <a:r>
+              <a:rPr lang="zh-TW" altLang="en-US" sz="2400" dirty="0" smtClean="0">
+                <a:solidFill>
+                  <a:srgbClr val="FF0000"/>
+                </a:solidFill>
+              </a:rPr>
+              <a:t>使用</a:t>
+            </a:r>
+            <a:r>
+              <a:rPr lang="en-US" altLang="zh-TW" sz="2400" dirty="0" err="1">
+                <a:solidFill>
+                  <a:srgbClr val="FF0000"/>
+                </a:solidFill>
+              </a:rPr>
+              <a:t>UpdateModel</a:t>
+            </a:r>
+            <a:r>
+              <a:rPr lang="en-US" altLang="zh-TW" sz="2400" dirty="0">
+                <a:solidFill>
+                  <a:srgbClr val="FF0000"/>
+                </a:solidFill>
+              </a:rPr>
+              <a:t>() and </a:t>
+            </a:r>
+            <a:r>
+              <a:rPr lang="en-US" altLang="zh-TW" sz="2400" dirty="0" err="1">
+                <a:solidFill>
+                  <a:srgbClr val="FF0000"/>
+                </a:solidFill>
+              </a:rPr>
+              <a:t>TryUpdateModel</a:t>
+            </a:r>
+            <a:r>
+              <a:rPr lang="en-US" altLang="zh-TW" sz="2400" dirty="0">
+                <a:solidFill>
+                  <a:srgbClr val="FF0000"/>
+                </a:solidFill>
+              </a:rPr>
+              <a:t>()</a:t>
+            </a:r>
+            <a:endParaRPr lang="zh-TW" altLang="en-US" sz="2400" dirty="0">
+              <a:solidFill>
+                <a:srgbClr val="FF0000"/>
+              </a:solidFill>
+            </a:endParaRPr>
+          </a:p>
+        </p:txBody>
+      </p:sp>
+      <p:sp>
+        <p:nvSpPr>
+          <p:cNvPr id="6" name="矩形 5"/>
+          <p:cNvSpPr/>
+          <p:nvPr/>
+        </p:nvSpPr>
+        <p:spPr>
+          <a:xfrm flipV="1">
+            <a:off x="1747484" y="4528868"/>
+            <a:ext cx="623554" cy="231186"/>
+          </a:xfrm>
+          <a:prstGeom prst="rect">
+            <a:avLst/>
+          </a:prstGeom>
+          <a:noFill/>
+          <a:ln w="38100">
+            <a:solidFill>
+              <a:srgbClr val="FF0000"/>
+            </a:solidFill>
+          </a:ln>
+        </p:spPr>
+        <p:style>
+          <a:lnRef idx="2">
+            <a:schemeClr val="accent1">
+              <a:shade val="50000"/>
+            </a:schemeClr>
+          </a:lnRef>
+          <a:fillRef idx="1">
+            <a:schemeClr val="accent1"/>
+          </a:fillRef>
+          <a:effectRef idx="0">
+            <a:schemeClr val="accent1"/>
+          </a:effectRef>
+          <a:fontRef idx="minor">
+            <a:schemeClr val="lt1"/>
+          </a:fontRef>
+        </p:style>
+        <p:txBody>
+          <a:bodyPr rtlCol="0" anchor="ctr"/>
+          <a:lstStyle/>
+          <a:p>
+            <a:pPr algn="ctr"/>
+            <a:endParaRPr lang="zh-TW" altLang="en-US"/>
+          </a:p>
+        </p:txBody>
+      </p:sp>
+      <p:pic>
+        <p:nvPicPr>
+          <p:cNvPr id="7" name="Picture 4"/>
+          <p:cNvPicPr>
+            <a:picLocks noChangeAspect="1" noChangeArrowheads="1"/>
+          </p:cNvPicPr>
+          <p:nvPr/>
+        </p:nvPicPr>
+        <p:blipFill>
+          <a:blip r:embed="rId3">
+            <a:extLst>
+              <a:ext uri="{28A0092B-C50C-407E-A947-70E740481C1C}">
+                <a14:useLocalDpi xmlns:a14="http://schemas.microsoft.com/office/drawing/2010/main" val="0"/>
+              </a:ext>
+            </a:extLst>
+          </a:blip>
+          <a:srcRect/>
+          <a:stretch>
+            <a:fillRect/>
+          </a:stretch>
+        </p:blipFill>
+        <p:spPr bwMode="auto">
+          <a:xfrm>
+            <a:off x="5762356" y="3485072"/>
+            <a:ext cx="5153025" cy="3105150"/>
+          </a:xfrm>
+          <a:prstGeom prst="rect">
+            <a:avLst/>
+          </a:prstGeom>
+          <a:noFill/>
+          <a:ln>
+            <a:noFill/>
+          </a:ln>
+          <a:extLst>
+            <a:ext uri="{909E8E84-426E-40DD-AFC4-6F175D3DCCD1}">
+              <a14:hiddenFill xmlns:a14="http://schemas.microsoft.com/office/drawing/2010/main">
+                <a:solidFill>
+                  <a:schemeClr val="accent1"/>
+                </a:solidFill>
+              </a14:hiddenFill>
+            </a:ext>
+            <a:ext uri="{91240B29-F687-4F45-9708-019B960494DF}">
+              <a14:hiddenLine xmlns:a14="http://schemas.microsoft.com/office/drawing/2010/main" w="9525">
+                <a:solidFill>
+                  <a:schemeClr val="tx1"/>
+                </a:solidFill>
+                <a:miter lim="800000"/>
+                <a:headEnd/>
+                <a:tailEnd/>
+              </a14:hiddenLine>
+            </a:ext>
+          </a:extLst>
+        </p:spPr>
+      </p:pic>
+    </p:spTree>
+    <p:extLst>
+      <p:ext uri="{BB962C8B-B14F-4D97-AF65-F5344CB8AC3E}">
+        <p14:creationId xmlns:p14="http://schemas.microsoft.com/office/powerpoint/2010/main" val="931572227"/>
+      </p:ext>
+    </p:extLst>
+  </p:cSld>
+  <p:clrMapOvr>
+    <a:masterClrMapping/>
+  </p:clrMapOvr>
+</p:sld>
+</file>
+
+<file path=ppt/slides/slide21.xml><?xml version="1.0" encoding="utf-8"?>
+<p:sld xmlns:a="http://schemas.openxmlformats.org/drawingml/2006/main" xmlns:r="http://schemas.openxmlformats.org/officeDocument/2006/relationships" xmlns:p="http://schemas.openxmlformats.org/presentationml/2006/main">
+  <p:cSld>
+    <p:spTree>
+      <p:nvGrpSpPr>
+        <p:cNvPr id="1" name=""/>
+        <p:cNvGrpSpPr/>
+        <p:nvPr/>
+      </p:nvGrpSpPr>
+      <p:grpSpPr>
+        <a:xfrm>
+          <a:off x="0" y="0"/>
+          <a:ext cx="0" cy="0"/>
+          <a:chOff x="0" y="0"/>
+          <a:chExt cx="0" cy="0"/>
+        </a:xfrm>
+      </p:grpSpPr>
+      <p:sp>
+        <p:nvSpPr>
+          <p:cNvPr id="4" name="矩形 3"/>
+          <p:cNvSpPr/>
+          <p:nvPr/>
+        </p:nvSpPr>
+        <p:spPr>
+          <a:xfrm>
+            <a:off x="134862" y="66482"/>
+            <a:ext cx="3518207" cy="369332"/>
+          </a:xfrm>
+          <a:prstGeom prst="rect">
+            <a:avLst/>
+          </a:prstGeom>
+        </p:spPr>
+        <p:txBody>
+          <a:bodyPr wrap="none">
+            <a:spAutoFit/>
+          </a:bodyPr>
+          <a:lstStyle/>
+          <a:p>
+            <a:r>
+              <a:rPr lang="en-US" altLang="zh-TW" dirty="0" err="1">
+                <a:solidFill>
+                  <a:srgbClr val="FF0000"/>
+                </a:solidFill>
+              </a:rPr>
+              <a:t>GamerController.cs</a:t>
+            </a:r>
+            <a:r>
+              <a:rPr lang="zh-TW" altLang="en-US" dirty="0">
+                <a:solidFill>
+                  <a:srgbClr val="FF0000"/>
+                </a:solidFill>
+              </a:rPr>
+              <a:t>  </a:t>
+            </a:r>
+            <a:r>
+              <a:rPr lang="en-US" altLang="zh-TW" dirty="0">
+                <a:solidFill>
+                  <a:srgbClr val="FF0000"/>
+                </a:solidFill>
+              </a:rPr>
+              <a:t>-</a:t>
+            </a:r>
+            <a:r>
+              <a:rPr lang="zh-TW" altLang="en-US" dirty="0">
+                <a:solidFill>
+                  <a:srgbClr val="FF0000"/>
+                </a:solidFill>
+              </a:rPr>
+              <a:t>  </a:t>
+            </a:r>
+            <a:r>
+              <a:rPr lang="en-US" altLang="zh-TW" dirty="0" err="1">
+                <a:solidFill>
+                  <a:srgbClr val="FF0000"/>
+                </a:solidFill>
+              </a:rPr>
+              <a:t>DeleteGamer</a:t>
+            </a:r>
+            <a:endParaRPr lang="zh-TW" altLang="en-US" dirty="0">
+              <a:solidFill>
+                <a:srgbClr val="FF0000"/>
+              </a:solidFill>
+            </a:endParaRPr>
+          </a:p>
+        </p:txBody>
+      </p:sp>
+      <p:pic>
+        <p:nvPicPr>
+          <p:cNvPr id="5" name="Picture 3"/>
+          <p:cNvPicPr>
+            <a:picLocks noChangeAspect="1" noChangeArrowheads="1"/>
+          </p:cNvPicPr>
+          <p:nvPr/>
+        </p:nvPicPr>
+        <p:blipFill>
+          <a:blip r:embed="rId2">
+            <a:extLst>
+              <a:ext uri="{28A0092B-C50C-407E-A947-70E740481C1C}">
+                <a14:useLocalDpi xmlns:a14="http://schemas.microsoft.com/office/drawing/2010/main" val="0"/>
+              </a:ext>
+            </a:extLst>
+          </a:blip>
+          <a:srcRect/>
+          <a:stretch>
+            <a:fillRect/>
+          </a:stretch>
+        </p:blipFill>
+        <p:spPr bwMode="auto">
+          <a:xfrm>
+            <a:off x="134862" y="625049"/>
+            <a:ext cx="8924925" cy="4991100"/>
+          </a:xfrm>
+          <a:prstGeom prst="rect">
+            <a:avLst/>
+          </a:prstGeom>
+          <a:noFill/>
+          <a:ln>
+            <a:noFill/>
+          </a:ln>
+          <a:extLst>
+            <a:ext uri="{909E8E84-426E-40DD-AFC4-6F175D3DCCD1}">
+              <a14:hiddenFill xmlns:a14="http://schemas.microsoft.com/office/drawing/2010/main">
+                <a:solidFill>
+                  <a:schemeClr val="accent1"/>
+                </a:solidFill>
+              </a14:hiddenFill>
+            </a:ext>
+            <a:ext uri="{91240B29-F687-4F45-9708-019B960494DF}">
+              <a14:hiddenLine xmlns:a14="http://schemas.microsoft.com/office/drawing/2010/main" w="9525">
+                <a:solidFill>
+                  <a:schemeClr val="tx1"/>
+                </a:solidFill>
+                <a:miter lim="800000"/>
+                <a:headEnd/>
+                <a:tailEnd/>
+              </a14:hiddenLine>
+            </a:ext>
+          </a:extLst>
+        </p:spPr>
+      </p:pic>
+      <p:sp>
+        <p:nvSpPr>
+          <p:cNvPr id="8" name="矩形 7"/>
+          <p:cNvSpPr/>
+          <p:nvPr/>
+        </p:nvSpPr>
+        <p:spPr>
+          <a:xfrm>
+            <a:off x="9059787" y="435814"/>
+            <a:ext cx="2449902" cy="276999"/>
+          </a:xfrm>
+          <a:prstGeom prst="rect">
+            <a:avLst/>
+          </a:prstGeom>
+          <a:solidFill>
+            <a:schemeClr val="accent4">
+              <a:lumMod val="20000"/>
+              <a:lumOff val="80000"/>
+            </a:schemeClr>
+          </a:solidFill>
+        </p:spPr>
+        <p:txBody>
+          <a:bodyPr wrap="square">
+            <a:spAutoFit/>
+          </a:bodyPr>
+          <a:lstStyle/>
+          <a:p>
+            <a:r>
+              <a:rPr lang="zh-TW" altLang="en-US" sz="1200" dirty="0" smtClean="0"/>
+              <a:t>跑</a:t>
+            </a:r>
+            <a:r>
+              <a:rPr lang="en-US" altLang="zh-TW" sz="1200" dirty="0" smtClean="0"/>
+              <a:t>T-SQL</a:t>
+            </a:r>
+            <a:r>
+              <a:rPr lang="zh-TW" altLang="en-US" sz="1200" dirty="0" smtClean="0"/>
+              <a:t>的語法  後面加他的參數</a:t>
+            </a:r>
+            <a:endParaRPr lang="en-US" altLang="zh-TW" sz="1200" dirty="0" smtClean="0"/>
+          </a:p>
+        </p:txBody>
+      </p:sp>
+      <p:sp>
+        <p:nvSpPr>
+          <p:cNvPr id="9" name="矩形 8"/>
+          <p:cNvSpPr/>
+          <p:nvPr/>
+        </p:nvSpPr>
+        <p:spPr>
+          <a:xfrm>
+            <a:off x="6947140" y="2329415"/>
+            <a:ext cx="5072332" cy="261610"/>
+          </a:xfrm>
+          <a:prstGeom prst="rect">
+            <a:avLst/>
+          </a:prstGeom>
+          <a:solidFill>
+            <a:schemeClr val="accent5">
+              <a:lumMod val="40000"/>
+              <a:lumOff val="60000"/>
+            </a:schemeClr>
+          </a:solidFill>
+        </p:spPr>
+        <p:txBody>
+          <a:bodyPr wrap="square">
+            <a:spAutoFit/>
+          </a:bodyPr>
+          <a:lstStyle/>
+          <a:p>
+            <a:r>
+              <a:rPr lang="zh-TW" altLang="en-US" sz="1100" dirty="0"/>
+              <a:t>取得</a:t>
+            </a:r>
+            <a:r>
+              <a:rPr lang="en-US" altLang="zh-TW" sz="1100" dirty="0" err="1"/>
+              <a:t>ConnectionString</a:t>
+            </a:r>
+            <a:r>
+              <a:rPr lang="en-US" altLang="zh-TW" sz="1100" dirty="0"/>
+              <a:t> </a:t>
+            </a:r>
+            <a:r>
+              <a:rPr lang="zh-TW" altLang="en-US" sz="1100" dirty="0"/>
+              <a:t>建立 </a:t>
+            </a:r>
+            <a:r>
+              <a:rPr lang="en-US" altLang="zh-TW" sz="1100" dirty="0" err="1"/>
+              <a:t>SqlConnection</a:t>
+            </a:r>
+            <a:r>
+              <a:rPr lang="en-US" altLang="zh-TW" sz="1100" dirty="0"/>
+              <a:t> </a:t>
+            </a:r>
+            <a:r>
+              <a:rPr lang="zh-TW" altLang="en-US" sz="1100" dirty="0"/>
+              <a:t>後跑完後從</a:t>
+            </a:r>
+            <a:r>
+              <a:rPr lang="en-US" altLang="zh-TW" sz="1100" dirty="0"/>
+              <a:t>memory</a:t>
+            </a:r>
+            <a:r>
+              <a:rPr lang="zh-TW" altLang="en-US" sz="1100" dirty="0"/>
+              <a:t>清除掉 </a:t>
+            </a:r>
+            <a:r>
+              <a:rPr lang="en-US" altLang="zh-TW" sz="1100" dirty="0" err="1"/>
+              <a:t>SqlConnection</a:t>
+            </a:r>
+            <a:endParaRPr lang="en-US" altLang="zh-TW" sz="1100" dirty="0" smtClean="0"/>
+          </a:p>
+        </p:txBody>
+      </p:sp>
+      <p:sp>
+        <p:nvSpPr>
+          <p:cNvPr id="10" name="矩形 9"/>
+          <p:cNvSpPr/>
+          <p:nvPr/>
+        </p:nvSpPr>
+        <p:spPr>
+          <a:xfrm>
+            <a:off x="6768860" y="2846157"/>
+            <a:ext cx="2918604" cy="261610"/>
+          </a:xfrm>
+          <a:prstGeom prst="rect">
+            <a:avLst/>
+          </a:prstGeom>
+          <a:solidFill>
+            <a:schemeClr val="accent5">
+              <a:lumMod val="40000"/>
+              <a:lumOff val="60000"/>
+            </a:schemeClr>
+          </a:solidFill>
+        </p:spPr>
+        <p:txBody>
+          <a:bodyPr wrap="square">
+            <a:spAutoFit/>
+          </a:bodyPr>
+          <a:lstStyle/>
+          <a:p>
+            <a:r>
+              <a:rPr lang="en-US" altLang="zh-TW" sz="1100" dirty="0" err="1"/>
+              <a:t>SqlCommand</a:t>
+            </a:r>
+            <a:r>
+              <a:rPr lang="en-US" altLang="zh-TW" sz="1100" dirty="0"/>
+              <a:t> </a:t>
+            </a:r>
+            <a:r>
+              <a:rPr lang="en-US" altLang="zh-TW" sz="1100" dirty="0" err="1" smtClean="0"/>
+              <a:t>cmd</a:t>
+            </a:r>
+            <a:r>
+              <a:rPr lang="zh-TW" altLang="en-US" sz="1100" dirty="0" smtClean="0"/>
+              <a:t>會</a:t>
+            </a:r>
+            <a:r>
+              <a:rPr lang="zh-TW" altLang="en-US" sz="1100" dirty="0" smtClean="0"/>
+              <a:t>去執行</a:t>
+            </a:r>
+            <a:r>
+              <a:rPr lang="en-US" altLang="zh-TW" sz="1100" dirty="0" err="1"/>
+              <a:t>spDeleteGamer</a:t>
+            </a:r>
+            <a:endParaRPr lang="en-US" altLang="zh-TW" sz="1100" dirty="0" smtClean="0"/>
+          </a:p>
+        </p:txBody>
+      </p:sp>
+      <p:sp>
+        <p:nvSpPr>
+          <p:cNvPr id="11" name="矩形 10"/>
+          <p:cNvSpPr/>
+          <p:nvPr/>
+        </p:nvSpPr>
+        <p:spPr>
+          <a:xfrm>
+            <a:off x="4710022" y="3875006"/>
+            <a:ext cx="1302589" cy="261610"/>
+          </a:xfrm>
+          <a:prstGeom prst="rect">
+            <a:avLst/>
+          </a:prstGeom>
+          <a:solidFill>
+            <a:schemeClr val="accent5">
+              <a:lumMod val="40000"/>
+              <a:lumOff val="60000"/>
+            </a:schemeClr>
+          </a:solidFill>
+        </p:spPr>
+        <p:txBody>
+          <a:bodyPr wrap="square">
+            <a:spAutoFit/>
+          </a:bodyPr>
+          <a:lstStyle/>
+          <a:p>
+            <a:r>
+              <a:rPr lang="zh-TW" altLang="en-US" sz="1100" dirty="0" smtClean="0"/>
+              <a:t>把</a:t>
+            </a:r>
+            <a:r>
+              <a:rPr lang="en-US" altLang="zh-TW" sz="1100" dirty="0" smtClean="0"/>
+              <a:t>ID</a:t>
+            </a:r>
+            <a:r>
+              <a:rPr lang="zh-TW" altLang="en-US" sz="1100" dirty="0" smtClean="0"/>
+              <a:t>參數丟進來後</a:t>
+            </a:r>
+            <a:endParaRPr lang="en-US" altLang="zh-TW" sz="1100" dirty="0" smtClean="0"/>
+          </a:p>
+        </p:txBody>
+      </p:sp>
+      <p:sp>
+        <p:nvSpPr>
+          <p:cNvPr id="12" name="矩形 11"/>
+          <p:cNvSpPr/>
+          <p:nvPr/>
+        </p:nvSpPr>
+        <p:spPr>
+          <a:xfrm>
+            <a:off x="4892613" y="4438762"/>
+            <a:ext cx="1302589" cy="261610"/>
+          </a:xfrm>
+          <a:prstGeom prst="rect">
+            <a:avLst/>
+          </a:prstGeom>
+          <a:solidFill>
+            <a:schemeClr val="accent5">
+              <a:lumMod val="40000"/>
+              <a:lumOff val="60000"/>
+            </a:schemeClr>
+          </a:solidFill>
+        </p:spPr>
+        <p:txBody>
+          <a:bodyPr wrap="square">
+            <a:spAutoFit/>
+          </a:bodyPr>
+          <a:lstStyle/>
+          <a:p>
+            <a:r>
+              <a:rPr lang="zh-TW" altLang="en-US" sz="1100" dirty="0" smtClean="0"/>
+              <a:t>再把參數丟進</a:t>
+            </a:r>
+            <a:endParaRPr lang="en-US" altLang="zh-TW" sz="1100" dirty="0" smtClean="0"/>
+          </a:p>
+        </p:txBody>
+      </p:sp>
+      <p:sp>
+        <p:nvSpPr>
+          <p:cNvPr id="13" name="矩形 12"/>
+          <p:cNvSpPr/>
+          <p:nvPr/>
+        </p:nvSpPr>
+        <p:spPr>
+          <a:xfrm>
+            <a:off x="4787660" y="2780300"/>
+            <a:ext cx="1224951" cy="196662"/>
+          </a:xfrm>
+          <a:prstGeom prst="rect">
+            <a:avLst/>
+          </a:prstGeom>
+          <a:noFill/>
+          <a:ln w="38100">
+            <a:solidFill>
+              <a:srgbClr val="FF0000"/>
+            </a:solidFill>
+          </a:ln>
+        </p:spPr>
+        <p:style>
+          <a:lnRef idx="2">
+            <a:schemeClr val="accent1">
+              <a:shade val="50000"/>
+            </a:schemeClr>
+          </a:lnRef>
+          <a:fillRef idx="1">
+            <a:schemeClr val="accent1"/>
+          </a:fillRef>
+          <a:effectRef idx="0">
+            <a:schemeClr val="accent1"/>
+          </a:effectRef>
+          <a:fontRef idx="minor">
+            <a:schemeClr val="lt1"/>
+          </a:fontRef>
+        </p:style>
+        <p:txBody>
+          <a:bodyPr rtlCol="0" anchor="ctr"/>
+          <a:lstStyle/>
+          <a:p>
+            <a:pPr algn="ctr"/>
+            <a:endParaRPr lang="zh-TW" altLang="en-US"/>
+          </a:p>
+        </p:txBody>
+      </p:sp>
+      <p:cxnSp>
+        <p:nvCxnSpPr>
+          <p:cNvPr id="14" name="直線單箭頭接點 13"/>
+          <p:cNvCxnSpPr/>
+          <p:nvPr/>
+        </p:nvCxnSpPr>
+        <p:spPr>
+          <a:xfrm flipH="1" flipV="1">
+            <a:off x="5857336" y="2976962"/>
+            <a:ext cx="110704" cy="1439536"/>
+          </a:xfrm>
+          <a:prstGeom prst="straightConnector1">
+            <a:avLst/>
+          </a:prstGeom>
+          <a:ln w="38100">
+            <a:solidFill>
+              <a:srgbClr val="FF0000"/>
+            </a:solidFill>
+            <a:tailEnd type="arrow"/>
+          </a:ln>
+        </p:spPr>
+        <p:style>
+          <a:lnRef idx="1">
+            <a:schemeClr val="accent1"/>
+          </a:lnRef>
+          <a:fillRef idx="0">
+            <a:schemeClr val="accent1"/>
+          </a:fillRef>
+          <a:effectRef idx="0">
+            <a:schemeClr val="accent1"/>
+          </a:effectRef>
+          <a:fontRef idx="minor">
+            <a:schemeClr val="tx1"/>
+          </a:fontRef>
+        </p:style>
+      </p:cxnSp>
+      <p:sp>
+        <p:nvSpPr>
+          <p:cNvPr id="17" name="矩形 16"/>
+          <p:cNvSpPr/>
+          <p:nvPr/>
+        </p:nvSpPr>
+        <p:spPr>
+          <a:xfrm>
+            <a:off x="4311768" y="4979350"/>
+            <a:ext cx="1302589" cy="261610"/>
+          </a:xfrm>
+          <a:prstGeom prst="rect">
+            <a:avLst/>
+          </a:prstGeom>
+          <a:solidFill>
+            <a:schemeClr val="accent5">
+              <a:lumMod val="40000"/>
+              <a:lumOff val="60000"/>
+            </a:schemeClr>
+          </a:solidFill>
+        </p:spPr>
+        <p:txBody>
+          <a:bodyPr wrap="square">
+            <a:spAutoFit/>
+          </a:bodyPr>
+          <a:lstStyle/>
+          <a:p>
+            <a:r>
+              <a:rPr lang="zh-TW" altLang="en-US" sz="1100" dirty="0" smtClean="0"/>
+              <a:t>再去做刪除的動作</a:t>
+            </a:r>
+            <a:endParaRPr lang="en-US" altLang="zh-TW" sz="1100" dirty="0" smtClean="0"/>
+          </a:p>
+        </p:txBody>
+      </p:sp>
+    </p:spTree>
+    <p:extLst>
+      <p:ext uri="{BB962C8B-B14F-4D97-AF65-F5344CB8AC3E}">
+        <p14:creationId xmlns:p14="http://schemas.microsoft.com/office/powerpoint/2010/main" val="3163160572"/>
+      </p:ext>
+    </p:extLst>
+  </p:cSld>
+  <p:clrMapOvr>
+    <a:masterClrMapping/>
+  </p:clrMapOvr>
+</p:sld>
+</file>
+
+<file path=ppt/slides/slide22.xml><?xml version="1.0" encoding="utf-8"?>
+<p:sld xmlns:a="http://schemas.openxmlformats.org/drawingml/2006/main" xmlns:r="http://schemas.openxmlformats.org/officeDocument/2006/relationships" xmlns:p="http://schemas.openxmlformats.org/presentationml/2006/main">
+  <p:cSld>
+    <p:spTree>
+      <p:nvGrpSpPr>
+        <p:cNvPr id="1" name=""/>
+        <p:cNvGrpSpPr/>
+        <p:nvPr/>
+      </p:nvGrpSpPr>
+      <p:grpSpPr>
+        <a:xfrm>
+          <a:off x="0" y="0"/>
+          <a:ext cx="0" cy="0"/>
+          <a:chOff x="0" y="0"/>
+          <a:chExt cx="0" cy="0"/>
+        </a:xfrm>
+      </p:grpSpPr>
+      <p:pic>
+        <p:nvPicPr>
+          <p:cNvPr id="4" name="Picture 5"/>
+          <p:cNvPicPr>
+            <a:picLocks noChangeAspect="1" noChangeArrowheads="1"/>
+          </p:cNvPicPr>
+          <p:nvPr/>
+        </p:nvPicPr>
+        <p:blipFill>
+          <a:blip r:embed="rId2">
+            <a:extLst>
+              <a:ext uri="{28A0092B-C50C-407E-A947-70E740481C1C}">
+                <a14:useLocalDpi xmlns:a14="http://schemas.microsoft.com/office/drawing/2010/main" val="0"/>
+              </a:ext>
+            </a:extLst>
+          </a:blip>
+          <a:srcRect/>
+          <a:stretch>
+            <a:fillRect/>
+          </a:stretch>
+        </p:blipFill>
+        <p:spPr bwMode="auto">
+          <a:xfrm>
+            <a:off x="163901" y="411012"/>
+            <a:ext cx="10991850" cy="6067425"/>
+          </a:xfrm>
+          <a:prstGeom prst="rect">
+            <a:avLst/>
+          </a:prstGeom>
+          <a:noFill/>
+          <a:ln>
+            <a:noFill/>
+          </a:ln>
+          <a:extLst>
+            <a:ext uri="{909E8E84-426E-40DD-AFC4-6F175D3DCCD1}">
+              <a14:hiddenFill xmlns:a14="http://schemas.microsoft.com/office/drawing/2010/main">
+                <a:solidFill>
+                  <a:schemeClr val="accent1"/>
+                </a:solidFill>
+              </a14:hiddenFill>
+            </a:ext>
+            <a:ext uri="{91240B29-F687-4F45-9708-019B960494DF}">
+              <a14:hiddenLine xmlns:a14="http://schemas.microsoft.com/office/drawing/2010/main" w="9525">
+                <a:solidFill>
+                  <a:schemeClr val="tx1"/>
+                </a:solidFill>
+                <a:miter lim="800000"/>
+                <a:headEnd/>
+                <a:tailEnd/>
+              </a14:hiddenLine>
+            </a:ext>
+          </a:extLst>
+        </p:spPr>
+      </p:pic>
+    </p:spTree>
+    <p:extLst>
+      <p:ext uri="{BB962C8B-B14F-4D97-AF65-F5344CB8AC3E}">
+        <p14:creationId xmlns:p14="http://schemas.microsoft.com/office/powerpoint/2010/main" val="4106226790"/>
       </p:ext>
     </p:extLst>
   </p:cSld>
@@ -5493,7 +9054,7 @@
           <p:cNvPr id="5" name="語音泡泡: 圓角矩形 6">
             <a:extLst>
               <a:ext uri="{FF2B5EF4-FFF2-40B4-BE49-F238E27FC236}">
-                <a16:creationId xmlns="" xmlns:a16="http://schemas.microsoft.com/office/drawing/2014/main" id="{E1486E0C-4024-47AF-A99B-32C763660AF4}"/>
+                <a16:creationId xmlns:a16="http://schemas.microsoft.com/office/drawing/2014/main" xmlns="" id="{E1486E0C-4024-47AF-A99B-32C763660AF4}"/>
               </a:ext>
             </a:extLst>
           </p:cNvPr>
@@ -5623,7 +9184,7 @@
           <p:cNvPr id="6" name="語音泡泡: 圓角矩形 6">
             <a:extLst>
               <a:ext uri="{FF2B5EF4-FFF2-40B4-BE49-F238E27FC236}">
-                <a16:creationId xmlns="" xmlns:a16="http://schemas.microsoft.com/office/drawing/2014/main" id="{E1486E0C-4024-47AF-A99B-32C763660AF4}"/>
+                <a16:creationId xmlns:a16="http://schemas.microsoft.com/office/drawing/2014/main" xmlns="" id="{E1486E0C-4024-47AF-A99B-32C763660AF4}"/>
               </a:ext>
             </a:extLst>
           </p:cNvPr>
@@ -5713,7 +9274,7 @@
           <p:cNvPr id="7" name="語音泡泡: 圓角矩形 6">
             <a:extLst>
               <a:ext uri="{FF2B5EF4-FFF2-40B4-BE49-F238E27FC236}">
-                <a16:creationId xmlns="" xmlns:a16="http://schemas.microsoft.com/office/drawing/2014/main" id="{E1486E0C-4024-47AF-A99B-32C763660AF4}"/>
+                <a16:creationId xmlns:a16="http://schemas.microsoft.com/office/drawing/2014/main" xmlns="" id="{E1486E0C-4024-47AF-A99B-32C763660AF4}"/>
               </a:ext>
             </a:extLst>
           </p:cNvPr>
@@ -6017,7 +9578,6 @@
               <a:rPr lang="en-US" altLang="zh-TW" dirty="0"/>
               <a:t>Thus, the span will display the error message of Name input.</a:t>
             </a:r>
-            <a:endParaRPr lang="en-US" altLang="zh-TW" dirty="0"/>
           </a:p>
         </p:txBody>
       </p:sp>
@@ -6176,7 +9736,6 @@
               <a:rPr lang="en-US" altLang="zh-TW" sz="1600" dirty="0"/>
               <a:t>for="Name"&gt;Name&lt;/label&gt;</a:t>
             </a:r>
-            <a:endParaRPr lang="en-US" altLang="zh-TW" sz="1600" dirty="0"/>
           </a:p>
         </p:txBody>
       </p:sp>
@@ -6571,7 +10130,6 @@
               <a:rPr lang="en-US" altLang="zh-TW" dirty="0"/>
               <a:t>//&lt;input class="form-control text-box single-line" id="Name" name="Name" type="text" value=""&gt;</a:t>
             </a:r>
-            <a:endParaRPr lang="en-US" altLang="zh-TW" dirty="0"/>
           </a:p>
         </p:txBody>
       </p:sp>
@@ -7200,7 +10758,6 @@
               <a:rPr lang="en-US" altLang="zh-TW" sz="1600" dirty="0"/>
               <a:t>//&lt;/select&gt;</a:t>
             </a:r>
-            <a:endParaRPr lang="en-US" altLang="zh-TW" sz="1600" dirty="0"/>
           </a:p>
         </p:txBody>
       </p:sp>
@@ -7259,7 +10816,6 @@
               <a:rPr lang="en-US" altLang="zh-TW" sz="1400" dirty="0"/>
               <a:t>//&lt;/select&gt;</a:t>
             </a:r>
-            <a:endParaRPr lang="en-US" altLang="zh-TW" sz="1400" dirty="0"/>
           </a:p>
         </p:txBody>
       </p:sp>
@@ -7656,7 +11212,6 @@
               <a:rPr lang="en-US" altLang="zh-TW" dirty="0"/>
               <a:t>-----------------</a:t>
             </a:r>
-            <a:endParaRPr lang="en-US" altLang="zh-TW" dirty="0"/>
           </a:p>
         </p:txBody>
       </p:sp>
@@ -9148,7 +12703,7 @@
   <a:extraClrSchemeLst/>
   <a:extLst>
     <a:ext uri="{05A4C25C-085E-4340-85A3-A5531E510DB2}">
-      <thm15:themeFamily xmlns="" xmlns:thm15="http://schemas.microsoft.com/office/thememl/2012/main" name="Office Theme" id="{62F939B6-93AF-4DB8-9C6B-D6C7DFDC589F}" vid="{4A3C46E8-61CC-4603-A589-7422A47A8E4A}"/>
+      <thm15:themeFamily xmlns:thm15="http://schemas.microsoft.com/office/thememl/2012/main" xmlns="" name="Office Theme" id="{62F939B6-93AF-4DB8-9C6B-D6C7DFDC589F}" vid="{4A3C46E8-61CC-4603-A589-7422A47A8E4A}"/>
     </a:ext>
   </a:extLst>
 </a:theme>

--- a/筆記.pptx
+++ b/筆記.pptx
@@ -27,6 +27,16 @@
     <p:sldId id="273" r:id="rId21"/>
     <p:sldId id="276" r:id="rId22"/>
     <p:sldId id="277" r:id="rId23"/>
+    <p:sldId id="278" r:id="rId24"/>
+    <p:sldId id="279" r:id="rId25"/>
+    <p:sldId id="280" r:id="rId26"/>
+    <p:sldId id="281" r:id="rId27"/>
+    <p:sldId id="282" r:id="rId28"/>
+    <p:sldId id="283" r:id="rId29"/>
+    <p:sldId id="284" r:id="rId30"/>
+    <p:sldId id="285" r:id="rId31"/>
+    <p:sldId id="286" r:id="rId32"/>
+    <p:sldId id="287" r:id="rId33"/>
   </p:sldIdLst>
   <p:sldSz cx="12192000" cy="6858000"/>
   <p:notesSz cx="6858000" cy="9144000"/>
@@ -154,7 +164,7 @@
           <p:cNvPr id="2" name="標題 1">
             <a:extLst>
               <a:ext uri="{FF2B5EF4-FFF2-40B4-BE49-F238E27FC236}">
-                <a16:creationId xmlns:a16="http://schemas.microsoft.com/office/drawing/2014/main" xmlns="" id="{1198393F-506E-42F3-9FA2-C5A7116197F9}"/>
+                <a16:creationId xmlns="" xmlns:a16="http://schemas.microsoft.com/office/drawing/2014/main" id="{1198393F-506E-42F3-9FA2-C5A7116197F9}"/>
               </a:ext>
             </a:extLst>
           </p:cNvPr>
@@ -191,7 +201,7 @@
           <p:cNvPr id="3" name="副標題 2">
             <a:extLst>
               <a:ext uri="{FF2B5EF4-FFF2-40B4-BE49-F238E27FC236}">
-                <a16:creationId xmlns:a16="http://schemas.microsoft.com/office/drawing/2014/main" xmlns="" id="{EEA0432F-353E-42BB-9B17-1D182533D439}"/>
+                <a16:creationId xmlns="" xmlns:a16="http://schemas.microsoft.com/office/drawing/2014/main" id="{EEA0432F-353E-42BB-9B17-1D182533D439}"/>
               </a:ext>
             </a:extLst>
           </p:cNvPr>
@@ -261,7 +271,7 @@
           <p:cNvPr id="4" name="日期版面配置區 3">
             <a:extLst>
               <a:ext uri="{FF2B5EF4-FFF2-40B4-BE49-F238E27FC236}">
-                <a16:creationId xmlns:a16="http://schemas.microsoft.com/office/drawing/2014/main" xmlns="" id="{B4CDE810-493D-4C49-B8ED-9436B09EAE24}"/>
+                <a16:creationId xmlns="" xmlns:a16="http://schemas.microsoft.com/office/drawing/2014/main" id="{B4CDE810-493D-4C49-B8ED-9436B09EAE24}"/>
               </a:ext>
             </a:extLst>
           </p:cNvPr>
@@ -290,7 +300,7 @@
           <p:cNvPr id="5" name="頁尾版面配置區 4">
             <a:extLst>
               <a:ext uri="{FF2B5EF4-FFF2-40B4-BE49-F238E27FC236}">
-                <a16:creationId xmlns:a16="http://schemas.microsoft.com/office/drawing/2014/main" xmlns="" id="{AF2EE26C-5BD5-49B3-AFA9-F3AD51DF851F}"/>
+                <a16:creationId xmlns="" xmlns:a16="http://schemas.microsoft.com/office/drawing/2014/main" id="{AF2EE26C-5BD5-49B3-AFA9-F3AD51DF851F}"/>
               </a:ext>
             </a:extLst>
           </p:cNvPr>
@@ -315,7 +325,7 @@
           <p:cNvPr id="6" name="投影片編號版面配置區 5">
             <a:extLst>
               <a:ext uri="{FF2B5EF4-FFF2-40B4-BE49-F238E27FC236}">
-                <a16:creationId xmlns:a16="http://schemas.microsoft.com/office/drawing/2014/main" xmlns="" id="{8E168F88-A195-4F77-9EB7-45BBA865904A}"/>
+                <a16:creationId xmlns="" xmlns:a16="http://schemas.microsoft.com/office/drawing/2014/main" id="{8E168F88-A195-4F77-9EB7-45BBA865904A}"/>
               </a:ext>
             </a:extLst>
           </p:cNvPr>
@@ -374,7 +384,7 @@
           <p:cNvPr id="2" name="標題 1">
             <a:extLst>
               <a:ext uri="{FF2B5EF4-FFF2-40B4-BE49-F238E27FC236}">
-                <a16:creationId xmlns:a16="http://schemas.microsoft.com/office/drawing/2014/main" xmlns="" id="{8FBAA53A-84EC-4393-9448-9CAE254CA709}"/>
+                <a16:creationId xmlns="" xmlns:a16="http://schemas.microsoft.com/office/drawing/2014/main" id="{8FBAA53A-84EC-4393-9448-9CAE254CA709}"/>
               </a:ext>
             </a:extLst>
           </p:cNvPr>
@@ -402,7 +412,7 @@
           <p:cNvPr id="3" name="直排文字版面配置區 2">
             <a:extLst>
               <a:ext uri="{FF2B5EF4-FFF2-40B4-BE49-F238E27FC236}">
-                <a16:creationId xmlns:a16="http://schemas.microsoft.com/office/drawing/2014/main" xmlns="" id="{AE87E7FC-8712-4D20-BEFC-C406303758C0}"/>
+                <a16:creationId xmlns="" xmlns:a16="http://schemas.microsoft.com/office/drawing/2014/main" id="{AE87E7FC-8712-4D20-BEFC-C406303758C0}"/>
               </a:ext>
             </a:extLst>
           </p:cNvPr>
@@ -459,7 +469,7 @@
           <p:cNvPr id="4" name="日期版面配置區 3">
             <a:extLst>
               <a:ext uri="{FF2B5EF4-FFF2-40B4-BE49-F238E27FC236}">
-                <a16:creationId xmlns:a16="http://schemas.microsoft.com/office/drawing/2014/main" xmlns="" id="{B587C640-CE34-4DCB-A779-FECBEAE9BA40}"/>
+                <a16:creationId xmlns="" xmlns:a16="http://schemas.microsoft.com/office/drawing/2014/main" id="{B587C640-CE34-4DCB-A779-FECBEAE9BA40}"/>
               </a:ext>
             </a:extLst>
           </p:cNvPr>
@@ -488,7 +498,7 @@
           <p:cNvPr id="5" name="頁尾版面配置區 4">
             <a:extLst>
               <a:ext uri="{FF2B5EF4-FFF2-40B4-BE49-F238E27FC236}">
-                <a16:creationId xmlns:a16="http://schemas.microsoft.com/office/drawing/2014/main" xmlns="" id="{3A88C654-BC98-4205-83C0-BE29BA5200CC}"/>
+                <a16:creationId xmlns="" xmlns:a16="http://schemas.microsoft.com/office/drawing/2014/main" id="{3A88C654-BC98-4205-83C0-BE29BA5200CC}"/>
               </a:ext>
             </a:extLst>
           </p:cNvPr>
@@ -513,7 +523,7 @@
           <p:cNvPr id="6" name="投影片編號版面配置區 5">
             <a:extLst>
               <a:ext uri="{FF2B5EF4-FFF2-40B4-BE49-F238E27FC236}">
-                <a16:creationId xmlns:a16="http://schemas.microsoft.com/office/drawing/2014/main" xmlns="" id="{9324F803-7C42-4F87-9C7E-B76C231F75D8}"/>
+                <a16:creationId xmlns="" xmlns:a16="http://schemas.microsoft.com/office/drawing/2014/main" id="{9324F803-7C42-4F87-9C7E-B76C231F75D8}"/>
               </a:ext>
             </a:extLst>
           </p:cNvPr>
@@ -572,7 +582,7 @@
           <p:cNvPr id="2" name="直排標題 1">
             <a:extLst>
               <a:ext uri="{FF2B5EF4-FFF2-40B4-BE49-F238E27FC236}">
-                <a16:creationId xmlns:a16="http://schemas.microsoft.com/office/drawing/2014/main" xmlns="" id="{9BAC39AB-F732-4CC0-B422-B26720BFCF3B}"/>
+                <a16:creationId xmlns="" xmlns:a16="http://schemas.microsoft.com/office/drawing/2014/main" id="{9BAC39AB-F732-4CC0-B422-B26720BFCF3B}"/>
               </a:ext>
             </a:extLst>
           </p:cNvPr>
@@ -605,7 +615,7 @@
           <p:cNvPr id="3" name="直排文字版面配置區 2">
             <a:extLst>
               <a:ext uri="{FF2B5EF4-FFF2-40B4-BE49-F238E27FC236}">
-                <a16:creationId xmlns:a16="http://schemas.microsoft.com/office/drawing/2014/main" xmlns="" id="{FBC3752A-000A-4A33-B236-B8F23F6605B3}"/>
+                <a16:creationId xmlns="" xmlns:a16="http://schemas.microsoft.com/office/drawing/2014/main" id="{FBC3752A-000A-4A33-B236-B8F23F6605B3}"/>
               </a:ext>
             </a:extLst>
           </p:cNvPr>
@@ -667,7 +677,7 @@
           <p:cNvPr id="4" name="日期版面配置區 3">
             <a:extLst>
               <a:ext uri="{FF2B5EF4-FFF2-40B4-BE49-F238E27FC236}">
-                <a16:creationId xmlns:a16="http://schemas.microsoft.com/office/drawing/2014/main" xmlns="" id="{601FE94D-9366-4936-84EE-5985F9DEC92E}"/>
+                <a16:creationId xmlns="" xmlns:a16="http://schemas.microsoft.com/office/drawing/2014/main" id="{601FE94D-9366-4936-84EE-5985F9DEC92E}"/>
               </a:ext>
             </a:extLst>
           </p:cNvPr>
@@ -696,7 +706,7 @@
           <p:cNvPr id="5" name="頁尾版面配置區 4">
             <a:extLst>
               <a:ext uri="{FF2B5EF4-FFF2-40B4-BE49-F238E27FC236}">
-                <a16:creationId xmlns:a16="http://schemas.microsoft.com/office/drawing/2014/main" xmlns="" id="{AFE29EB2-FAEB-4546-98D7-92EED2E8B0DB}"/>
+                <a16:creationId xmlns="" xmlns:a16="http://schemas.microsoft.com/office/drawing/2014/main" id="{AFE29EB2-FAEB-4546-98D7-92EED2E8B0DB}"/>
               </a:ext>
             </a:extLst>
           </p:cNvPr>
@@ -721,7 +731,7 @@
           <p:cNvPr id="6" name="投影片編號版面配置區 5">
             <a:extLst>
               <a:ext uri="{FF2B5EF4-FFF2-40B4-BE49-F238E27FC236}">
-                <a16:creationId xmlns:a16="http://schemas.microsoft.com/office/drawing/2014/main" xmlns="" id="{622F40B8-7D29-4D01-9DBE-D704BBD2C699}"/>
+                <a16:creationId xmlns="" xmlns:a16="http://schemas.microsoft.com/office/drawing/2014/main" id="{622F40B8-7D29-4D01-9DBE-D704BBD2C699}"/>
               </a:ext>
             </a:extLst>
           </p:cNvPr>
@@ -780,7 +790,7 @@
           <p:cNvPr id="2" name="標題 1">
             <a:extLst>
               <a:ext uri="{FF2B5EF4-FFF2-40B4-BE49-F238E27FC236}">
-                <a16:creationId xmlns:a16="http://schemas.microsoft.com/office/drawing/2014/main" xmlns="" id="{1A3F3828-BD0A-4B81-A984-81DFE4E59A58}"/>
+                <a16:creationId xmlns="" xmlns:a16="http://schemas.microsoft.com/office/drawing/2014/main" id="{1A3F3828-BD0A-4B81-A984-81DFE4E59A58}"/>
               </a:ext>
             </a:extLst>
           </p:cNvPr>
@@ -808,7 +818,7 @@
           <p:cNvPr id="3" name="內容版面配置區 2">
             <a:extLst>
               <a:ext uri="{FF2B5EF4-FFF2-40B4-BE49-F238E27FC236}">
-                <a16:creationId xmlns:a16="http://schemas.microsoft.com/office/drawing/2014/main" xmlns="" id="{0EC8A2A9-2912-4BFA-BCDF-32962C0BB2A3}"/>
+                <a16:creationId xmlns="" xmlns:a16="http://schemas.microsoft.com/office/drawing/2014/main" id="{0EC8A2A9-2912-4BFA-BCDF-32962C0BB2A3}"/>
               </a:ext>
             </a:extLst>
           </p:cNvPr>
@@ -865,7 +875,7 @@
           <p:cNvPr id="4" name="日期版面配置區 3">
             <a:extLst>
               <a:ext uri="{FF2B5EF4-FFF2-40B4-BE49-F238E27FC236}">
-                <a16:creationId xmlns:a16="http://schemas.microsoft.com/office/drawing/2014/main" xmlns="" id="{9B3D757A-635C-497E-9BA1-32A5E7FCE7F6}"/>
+                <a16:creationId xmlns="" xmlns:a16="http://schemas.microsoft.com/office/drawing/2014/main" id="{9B3D757A-635C-497E-9BA1-32A5E7FCE7F6}"/>
               </a:ext>
             </a:extLst>
           </p:cNvPr>
@@ -894,7 +904,7 @@
           <p:cNvPr id="5" name="頁尾版面配置區 4">
             <a:extLst>
               <a:ext uri="{FF2B5EF4-FFF2-40B4-BE49-F238E27FC236}">
-                <a16:creationId xmlns:a16="http://schemas.microsoft.com/office/drawing/2014/main" xmlns="" id="{1F5A3E80-D4D4-44B5-8BBD-0365A50F04B9}"/>
+                <a16:creationId xmlns="" xmlns:a16="http://schemas.microsoft.com/office/drawing/2014/main" id="{1F5A3E80-D4D4-44B5-8BBD-0365A50F04B9}"/>
               </a:ext>
             </a:extLst>
           </p:cNvPr>
@@ -919,7 +929,7 @@
           <p:cNvPr id="6" name="投影片編號版面配置區 5">
             <a:extLst>
               <a:ext uri="{FF2B5EF4-FFF2-40B4-BE49-F238E27FC236}">
-                <a16:creationId xmlns:a16="http://schemas.microsoft.com/office/drawing/2014/main" xmlns="" id="{2AC6233F-BFA6-42D3-8283-2F071C9CAF2D}"/>
+                <a16:creationId xmlns="" xmlns:a16="http://schemas.microsoft.com/office/drawing/2014/main" id="{2AC6233F-BFA6-42D3-8283-2F071C9CAF2D}"/>
               </a:ext>
             </a:extLst>
           </p:cNvPr>
@@ -978,7 +988,7 @@
           <p:cNvPr id="2" name="標題 1">
             <a:extLst>
               <a:ext uri="{FF2B5EF4-FFF2-40B4-BE49-F238E27FC236}">
-                <a16:creationId xmlns:a16="http://schemas.microsoft.com/office/drawing/2014/main" xmlns="" id="{693186E9-1AB3-46F6-91DF-3B08ED2ACD00}"/>
+                <a16:creationId xmlns="" xmlns:a16="http://schemas.microsoft.com/office/drawing/2014/main" id="{693186E9-1AB3-46F6-91DF-3B08ED2ACD00}"/>
               </a:ext>
             </a:extLst>
           </p:cNvPr>
@@ -1015,7 +1025,7 @@
           <p:cNvPr id="3" name="文字版面配置區 2">
             <a:extLst>
               <a:ext uri="{FF2B5EF4-FFF2-40B4-BE49-F238E27FC236}">
-                <a16:creationId xmlns:a16="http://schemas.microsoft.com/office/drawing/2014/main" xmlns="" id="{0D1B0F2E-115D-4029-BEC4-14D342BEF1B6}"/>
+                <a16:creationId xmlns="" xmlns:a16="http://schemas.microsoft.com/office/drawing/2014/main" id="{0D1B0F2E-115D-4029-BEC4-14D342BEF1B6}"/>
               </a:ext>
             </a:extLst>
           </p:cNvPr>
@@ -1140,7 +1150,7 @@
           <p:cNvPr id="4" name="日期版面配置區 3">
             <a:extLst>
               <a:ext uri="{FF2B5EF4-FFF2-40B4-BE49-F238E27FC236}">
-                <a16:creationId xmlns:a16="http://schemas.microsoft.com/office/drawing/2014/main" xmlns="" id="{53C6FD83-AA37-48FE-89EF-284F407D699D}"/>
+                <a16:creationId xmlns="" xmlns:a16="http://schemas.microsoft.com/office/drawing/2014/main" id="{53C6FD83-AA37-48FE-89EF-284F407D699D}"/>
               </a:ext>
             </a:extLst>
           </p:cNvPr>
@@ -1169,7 +1179,7 @@
           <p:cNvPr id="5" name="頁尾版面配置區 4">
             <a:extLst>
               <a:ext uri="{FF2B5EF4-FFF2-40B4-BE49-F238E27FC236}">
-                <a16:creationId xmlns:a16="http://schemas.microsoft.com/office/drawing/2014/main" xmlns="" id="{0A45A3BE-CDD8-4584-A65F-0CCEFC3FC53D}"/>
+                <a16:creationId xmlns="" xmlns:a16="http://schemas.microsoft.com/office/drawing/2014/main" id="{0A45A3BE-CDD8-4584-A65F-0CCEFC3FC53D}"/>
               </a:ext>
             </a:extLst>
           </p:cNvPr>
@@ -1194,7 +1204,7 @@
           <p:cNvPr id="6" name="投影片編號版面配置區 5">
             <a:extLst>
               <a:ext uri="{FF2B5EF4-FFF2-40B4-BE49-F238E27FC236}">
-                <a16:creationId xmlns:a16="http://schemas.microsoft.com/office/drawing/2014/main" xmlns="" id="{D03CAF72-F7A0-490C-8F2C-45718C95BC17}"/>
+                <a16:creationId xmlns="" xmlns:a16="http://schemas.microsoft.com/office/drawing/2014/main" id="{D03CAF72-F7A0-490C-8F2C-45718C95BC17}"/>
               </a:ext>
             </a:extLst>
           </p:cNvPr>
@@ -1253,7 +1263,7 @@
           <p:cNvPr id="2" name="標題 1">
             <a:extLst>
               <a:ext uri="{FF2B5EF4-FFF2-40B4-BE49-F238E27FC236}">
-                <a16:creationId xmlns:a16="http://schemas.microsoft.com/office/drawing/2014/main" xmlns="" id="{A9FB1FFE-288D-46F4-838A-0824C9C36B3F}"/>
+                <a16:creationId xmlns="" xmlns:a16="http://schemas.microsoft.com/office/drawing/2014/main" id="{A9FB1FFE-288D-46F4-838A-0824C9C36B3F}"/>
               </a:ext>
             </a:extLst>
           </p:cNvPr>
@@ -1281,7 +1291,7 @@
           <p:cNvPr id="3" name="內容版面配置區 2">
             <a:extLst>
               <a:ext uri="{FF2B5EF4-FFF2-40B4-BE49-F238E27FC236}">
-                <a16:creationId xmlns:a16="http://schemas.microsoft.com/office/drawing/2014/main" xmlns="" id="{84E6D906-22CF-4F86-9C57-0AADC9D52019}"/>
+                <a16:creationId xmlns="" xmlns:a16="http://schemas.microsoft.com/office/drawing/2014/main" id="{84E6D906-22CF-4F86-9C57-0AADC9D52019}"/>
               </a:ext>
             </a:extLst>
           </p:cNvPr>
@@ -1343,7 +1353,7 @@
           <p:cNvPr id="4" name="內容版面配置區 3">
             <a:extLst>
               <a:ext uri="{FF2B5EF4-FFF2-40B4-BE49-F238E27FC236}">
-                <a16:creationId xmlns:a16="http://schemas.microsoft.com/office/drawing/2014/main" xmlns="" id="{905BDD05-1E92-49F7-8524-2E69E5C3E44B}"/>
+                <a16:creationId xmlns="" xmlns:a16="http://schemas.microsoft.com/office/drawing/2014/main" id="{905BDD05-1E92-49F7-8524-2E69E5C3E44B}"/>
               </a:ext>
             </a:extLst>
           </p:cNvPr>
@@ -1405,7 +1415,7 @@
           <p:cNvPr id="5" name="日期版面配置區 4">
             <a:extLst>
               <a:ext uri="{FF2B5EF4-FFF2-40B4-BE49-F238E27FC236}">
-                <a16:creationId xmlns:a16="http://schemas.microsoft.com/office/drawing/2014/main" xmlns="" id="{97422E4D-D418-4B8A-9EF5-529BC9720D27}"/>
+                <a16:creationId xmlns="" xmlns:a16="http://schemas.microsoft.com/office/drawing/2014/main" id="{97422E4D-D418-4B8A-9EF5-529BC9720D27}"/>
               </a:ext>
             </a:extLst>
           </p:cNvPr>
@@ -1434,7 +1444,7 @@
           <p:cNvPr id="6" name="頁尾版面配置區 5">
             <a:extLst>
               <a:ext uri="{FF2B5EF4-FFF2-40B4-BE49-F238E27FC236}">
-                <a16:creationId xmlns:a16="http://schemas.microsoft.com/office/drawing/2014/main" xmlns="" id="{F1BD7C8D-CE3E-4C0F-B2B9-E51DCA1CB4B2}"/>
+                <a16:creationId xmlns="" xmlns:a16="http://schemas.microsoft.com/office/drawing/2014/main" id="{F1BD7C8D-CE3E-4C0F-B2B9-E51DCA1CB4B2}"/>
               </a:ext>
             </a:extLst>
           </p:cNvPr>
@@ -1459,7 +1469,7 @@
           <p:cNvPr id="7" name="投影片編號版面配置區 6">
             <a:extLst>
               <a:ext uri="{FF2B5EF4-FFF2-40B4-BE49-F238E27FC236}">
-                <a16:creationId xmlns:a16="http://schemas.microsoft.com/office/drawing/2014/main" xmlns="" id="{5BBA102D-360B-4EE5-BDFC-FEC0D8638667}"/>
+                <a16:creationId xmlns="" xmlns:a16="http://schemas.microsoft.com/office/drawing/2014/main" id="{5BBA102D-360B-4EE5-BDFC-FEC0D8638667}"/>
               </a:ext>
             </a:extLst>
           </p:cNvPr>
@@ -1518,7 +1528,7 @@
           <p:cNvPr id="2" name="標題 1">
             <a:extLst>
               <a:ext uri="{FF2B5EF4-FFF2-40B4-BE49-F238E27FC236}">
-                <a16:creationId xmlns:a16="http://schemas.microsoft.com/office/drawing/2014/main" xmlns="" id="{4AD70CB9-5A3B-467D-8944-4DC5A90DBE6E}"/>
+                <a16:creationId xmlns="" xmlns:a16="http://schemas.microsoft.com/office/drawing/2014/main" id="{4AD70CB9-5A3B-467D-8944-4DC5A90DBE6E}"/>
               </a:ext>
             </a:extLst>
           </p:cNvPr>
@@ -1551,7 +1561,7 @@
           <p:cNvPr id="3" name="文字版面配置區 2">
             <a:extLst>
               <a:ext uri="{FF2B5EF4-FFF2-40B4-BE49-F238E27FC236}">
-                <a16:creationId xmlns:a16="http://schemas.microsoft.com/office/drawing/2014/main" xmlns="" id="{A3775FAB-53FE-40CC-A723-777B55828725}"/>
+                <a16:creationId xmlns="" xmlns:a16="http://schemas.microsoft.com/office/drawing/2014/main" id="{A3775FAB-53FE-40CC-A723-777B55828725}"/>
               </a:ext>
             </a:extLst>
           </p:cNvPr>
@@ -1622,7 +1632,7 @@
           <p:cNvPr id="4" name="內容版面配置區 3">
             <a:extLst>
               <a:ext uri="{FF2B5EF4-FFF2-40B4-BE49-F238E27FC236}">
-                <a16:creationId xmlns:a16="http://schemas.microsoft.com/office/drawing/2014/main" xmlns="" id="{1B6FF27E-92E8-4038-AC25-286B2F1293E0}"/>
+                <a16:creationId xmlns="" xmlns:a16="http://schemas.microsoft.com/office/drawing/2014/main" id="{1B6FF27E-92E8-4038-AC25-286B2F1293E0}"/>
               </a:ext>
             </a:extLst>
           </p:cNvPr>
@@ -1684,7 +1694,7 @@
           <p:cNvPr id="5" name="文字版面配置區 4">
             <a:extLst>
               <a:ext uri="{FF2B5EF4-FFF2-40B4-BE49-F238E27FC236}">
-                <a16:creationId xmlns:a16="http://schemas.microsoft.com/office/drawing/2014/main" xmlns="" id="{F05571B1-5586-4BC5-8497-CBBAFEF07011}"/>
+                <a16:creationId xmlns="" xmlns:a16="http://schemas.microsoft.com/office/drawing/2014/main" id="{F05571B1-5586-4BC5-8497-CBBAFEF07011}"/>
               </a:ext>
             </a:extLst>
           </p:cNvPr>
@@ -1755,7 +1765,7 @@
           <p:cNvPr id="6" name="內容版面配置區 5">
             <a:extLst>
               <a:ext uri="{FF2B5EF4-FFF2-40B4-BE49-F238E27FC236}">
-                <a16:creationId xmlns:a16="http://schemas.microsoft.com/office/drawing/2014/main" xmlns="" id="{3163290B-F505-41DA-A556-93FAE747E744}"/>
+                <a16:creationId xmlns="" xmlns:a16="http://schemas.microsoft.com/office/drawing/2014/main" id="{3163290B-F505-41DA-A556-93FAE747E744}"/>
               </a:ext>
             </a:extLst>
           </p:cNvPr>
@@ -1817,7 +1827,7 @@
           <p:cNvPr id="7" name="日期版面配置區 6">
             <a:extLst>
               <a:ext uri="{FF2B5EF4-FFF2-40B4-BE49-F238E27FC236}">
-                <a16:creationId xmlns:a16="http://schemas.microsoft.com/office/drawing/2014/main" xmlns="" id="{2B929A61-93D8-4176-9436-DEA4C8AA337D}"/>
+                <a16:creationId xmlns="" xmlns:a16="http://schemas.microsoft.com/office/drawing/2014/main" id="{2B929A61-93D8-4176-9436-DEA4C8AA337D}"/>
               </a:ext>
             </a:extLst>
           </p:cNvPr>
@@ -1846,7 +1856,7 @@
           <p:cNvPr id="8" name="頁尾版面配置區 7">
             <a:extLst>
               <a:ext uri="{FF2B5EF4-FFF2-40B4-BE49-F238E27FC236}">
-                <a16:creationId xmlns:a16="http://schemas.microsoft.com/office/drawing/2014/main" xmlns="" id="{CB0BDEC3-882A-40E1-9AD7-9CADC5149370}"/>
+                <a16:creationId xmlns="" xmlns:a16="http://schemas.microsoft.com/office/drawing/2014/main" id="{CB0BDEC3-882A-40E1-9AD7-9CADC5149370}"/>
               </a:ext>
             </a:extLst>
           </p:cNvPr>
@@ -1871,7 +1881,7 @@
           <p:cNvPr id="9" name="投影片編號版面配置區 8">
             <a:extLst>
               <a:ext uri="{FF2B5EF4-FFF2-40B4-BE49-F238E27FC236}">
-                <a16:creationId xmlns:a16="http://schemas.microsoft.com/office/drawing/2014/main" xmlns="" id="{E649F777-8B0B-4E07-8789-213A9EA269D5}"/>
+                <a16:creationId xmlns="" xmlns:a16="http://schemas.microsoft.com/office/drawing/2014/main" id="{E649F777-8B0B-4E07-8789-213A9EA269D5}"/>
               </a:ext>
             </a:extLst>
           </p:cNvPr>
@@ -1930,7 +1940,7 @@
           <p:cNvPr id="2" name="標題 1">
             <a:extLst>
               <a:ext uri="{FF2B5EF4-FFF2-40B4-BE49-F238E27FC236}">
-                <a16:creationId xmlns:a16="http://schemas.microsoft.com/office/drawing/2014/main" xmlns="" id="{3190E325-266A-4F95-A6CE-C45234A1222B}"/>
+                <a16:creationId xmlns="" xmlns:a16="http://schemas.microsoft.com/office/drawing/2014/main" id="{3190E325-266A-4F95-A6CE-C45234A1222B}"/>
               </a:ext>
             </a:extLst>
           </p:cNvPr>
@@ -1958,7 +1968,7 @@
           <p:cNvPr id="3" name="日期版面配置區 2">
             <a:extLst>
               <a:ext uri="{FF2B5EF4-FFF2-40B4-BE49-F238E27FC236}">
-                <a16:creationId xmlns:a16="http://schemas.microsoft.com/office/drawing/2014/main" xmlns="" id="{EA3CE308-4CE4-4A55-8AFF-261766BDA14C}"/>
+                <a16:creationId xmlns="" xmlns:a16="http://schemas.microsoft.com/office/drawing/2014/main" id="{EA3CE308-4CE4-4A55-8AFF-261766BDA14C}"/>
               </a:ext>
             </a:extLst>
           </p:cNvPr>
@@ -1987,7 +1997,7 @@
           <p:cNvPr id="4" name="頁尾版面配置區 3">
             <a:extLst>
               <a:ext uri="{FF2B5EF4-FFF2-40B4-BE49-F238E27FC236}">
-                <a16:creationId xmlns:a16="http://schemas.microsoft.com/office/drawing/2014/main" xmlns="" id="{9A5D54C3-4E6B-4A64-891C-B7F8257EECCD}"/>
+                <a16:creationId xmlns="" xmlns:a16="http://schemas.microsoft.com/office/drawing/2014/main" id="{9A5D54C3-4E6B-4A64-891C-B7F8257EECCD}"/>
               </a:ext>
             </a:extLst>
           </p:cNvPr>
@@ -2012,7 +2022,7 @@
           <p:cNvPr id="5" name="投影片編號版面配置區 4">
             <a:extLst>
               <a:ext uri="{FF2B5EF4-FFF2-40B4-BE49-F238E27FC236}">
-                <a16:creationId xmlns:a16="http://schemas.microsoft.com/office/drawing/2014/main" xmlns="" id="{99D49CF7-6C63-436D-B538-07295C3EE13B}"/>
+                <a16:creationId xmlns="" xmlns:a16="http://schemas.microsoft.com/office/drawing/2014/main" id="{99D49CF7-6C63-436D-B538-07295C3EE13B}"/>
               </a:ext>
             </a:extLst>
           </p:cNvPr>
@@ -2071,7 +2081,7 @@
           <p:cNvPr id="2" name="日期版面配置區 1">
             <a:extLst>
               <a:ext uri="{FF2B5EF4-FFF2-40B4-BE49-F238E27FC236}">
-                <a16:creationId xmlns:a16="http://schemas.microsoft.com/office/drawing/2014/main" xmlns="" id="{95B32A53-9F7F-4C64-B0C3-58B77A2BB62B}"/>
+                <a16:creationId xmlns="" xmlns:a16="http://schemas.microsoft.com/office/drawing/2014/main" id="{95B32A53-9F7F-4C64-B0C3-58B77A2BB62B}"/>
               </a:ext>
             </a:extLst>
           </p:cNvPr>
@@ -2100,7 +2110,7 @@
           <p:cNvPr id="3" name="頁尾版面配置區 2">
             <a:extLst>
               <a:ext uri="{FF2B5EF4-FFF2-40B4-BE49-F238E27FC236}">
-                <a16:creationId xmlns:a16="http://schemas.microsoft.com/office/drawing/2014/main" xmlns="" id="{C143E365-1A3B-48D6-816F-ED5BB793AD47}"/>
+                <a16:creationId xmlns="" xmlns:a16="http://schemas.microsoft.com/office/drawing/2014/main" id="{C143E365-1A3B-48D6-816F-ED5BB793AD47}"/>
               </a:ext>
             </a:extLst>
           </p:cNvPr>
@@ -2125,7 +2135,7 @@
           <p:cNvPr id="4" name="投影片編號版面配置區 3">
             <a:extLst>
               <a:ext uri="{FF2B5EF4-FFF2-40B4-BE49-F238E27FC236}">
-                <a16:creationId xmlns:a16="http://schemas.microsoft.com/office/drawing/2014/main" xmlns="" id="{4B9A1611-BAD4-433E-A82A-460481C395E0}"/>
+                <a16:creationId xmlns="" xmlns:a16="http://schemas.microsoft.com/office/drawing/2014/main" id="{4B9A1611-BAD4-433E-A82A-460481C395E0}"/>
               </a:ext>
             </a:extLst>
           </p:cNvPr>
@@ -2184,7 +2194,7 @@
           <p:cNvPr id="2" name="標題 1">
             <a:extLst>
               <a:ext uri="{FF2B5EF4-FFF2-40B4-BE49-F238E27FC236}">
-                <a16:creationId xmlns:a16="http://schemas.microsoft.com/office/drawing/2014/main" xmlns="" id="{BFDB57DA-AF3F-49F6-99CA-75A4C27FC7A3}"/>
+                <a16:creationId xmlns="" xmlns:a16="http://schemas.microsoft.com/office/drawing/2014/main" id="{BFDB57DA-AF3F-49F6-99CA-75A4C27FC7A3}"/>
               </a:ext>
             </a:extLst>
           </p:cNvPr>
@@ -2221,7 +2231,7 @@
           <p:cNvPr id="3" name="內容版面配置區 2">
             <a:extLst>
               <a:ext uri="{FF2B5EF4-FFF2-40B4-BE49-F238E27FC236}">
-                <a16:creationId xmlns:a16="http://schemas.microsoft.com/office/drawing/2014/main" xmlns="" id="{7F1ECA61-1796-4832-9432-65258A3FE340}"/>
+                <a16:creationId xmlns="" xmlns:a16="http://schemas.microsoft.com/office/drawing/2014/main" id="{7F1ECA61-1796-4832-9432-65258A3FE340}"/>
               </a:ext>
             </a:extLst>
           </p:cNvPr>
@@ -2311,7 +2321,7 @@
           <p:cNvPr id="4" name="文字版面配置區 3">
             <a:extLst>
               <a:ext uri="{FF2B5EF4-FFF2-40B4-BE49-F238E27FC236}">
-                <a16:creationId xmlns:a16="http://schemas.microsoft.com/office/drawing/2014/main" xmlns="" id="{2A3B2590-9E27-4191-A02E-AB16317FC3DF}"/>
+                <a16:creationId xmlns="" xmlns:a16="http://schemas.microsoft.com/office/drawing/2014/main" id="{2A3B2590-9E27-4191-A02E-AB16317FC3DF}"/>
               </a:ext>
             </a:extLst>
           </p:cNvPr>
@@ -2382,7 +2392,7 @@
           <p:cNvPr id="5" name="日期版面配置區 4">
             <a:extLst>
               <a:ext uri="{FF2B5EF4-FFF2-40B4-BE49-F238E27FC236}">
-                <a16:creationId xmlns:a16="http://schemas.microsoft.com/office/drawing/2014/main" xmlns="" id="{CFDA4BC8-C396-49AB-B5FC-73CC9CE067BE}"/>
+                <a16:creationId xmlns="" xmlns:a16="http://schemas.microsoft.com/office/drawing/2014/main" id="{CFDA4BC8-C396-49AB-B5FC-73CC9CE067BE}"/>
               </a:ext>
             </a:extLst>
           </p:cNvPr>
@@ -2411,7 +2421,7 @@
           <p:cNvPr id="6" name="頁尾版面配置區 5">
             <a:extLst>
               <a:ext uri="{FF2B5EF4-FFF2-40B4-BE49-F238E27FC236}">
-                <a16:creationId xmlns:a16="http://schemas.microsoft.com/office/drawing/2014/main" xmlns="" id="{C5433602-B0B3-40E6-BDA3-8E1BAAD456C2}"/>
+                <a16:creationId xmlns="" xmlns:a16="http://schemas.microsoft.com/office/drawing/2014/main" id="{C5433602-B0B3-40E6-BDA3-8E1BAAD456C2}"/>
               </a:ext>
             </a:extLst>
           </p:cNvPr>
@@ -2436,7 +2446,7 @@
           <p:cNvPr id="7" name="投影片編號版面配置區 6">
             <a:extLst>
               <a:ext uri="{FF2B5EF4-FFF2-40B4-BE49-F238E27FC236}">
-                <a16:creationId xmlns:a16="http://schemas.microsoft.com/office/drawing/2014/main" xmlns="" id="{D8FED8BE-893F-4E06-8160-E9657CFF6C24}"/>
+                <a16:creationId xmlns="" xmlns:a16="http://schemas.microsoft.com/office/drawing/2014/main" id="{D8FED8BE-893F-4E06-8160-E9657CFF6C24}"/>
               </a:ext>
             </a:extLst>
           </p:cNvPr>
@@ -2495,7 +2505,7 @@
           <p:cNvPr id="2" name="標題 1">
             <a:extLst>
               <a:ext uri="{FF2B5EF4-FFF2-40B4-BE49-F238E27FC236}">
-                <a16:creationId xmlns:a16="http://schemas.microsoft.com/office/drawing/2014/main" xmlns="" id="{CE1B0F45-88E2-4BFB-A88B-3AAF2D983C00}"/>
+                <a16:creationId xmlns="" xmlns:a16="http://schemas.microsoft.com/office/drawing/2014/main" id="{CE1B0F45-88E2-4BFB-A88B-3AAF2D983C00}"/>
               </a:ext>
             </a:extLst>
           </p:cNvPr>
@@ -2532,7 +2542,7 @@
           <p:cNvPr id="3" name="圖片版面配置區 2">
             <a:extLst>
               <a:ext uri="{FF2B5EF4-FFF2-40B4-BE49-F238E27FC236}">
-                <a16:creationId xmlns:a16="http://schemas.microsoft.com/office/drawing/2014/main" xmlns="" id="{EE50A91B-B093-4764-962F-7D6938EF99DF}"/>
+                <a16:creationId xmlns="" xmlns:a16="http://schemas.microsoft.com/office/drawing/2014/main" id="{EE50A91B-B093-4764-962F-7D6938EF99DF}"/>
               </a:ext>
             </a:extLst>
           </p:cNvPr>
@@ -2599,7 +2609,7 @@
           <p:cNvPr id="4" name="文字版面配置區 3">
             <a:extLst>
               <a:ext uri="{FF2B5EF4-FFF2-40B4-BE49-F238E27FC236}">
-                <a16:creationId xmlns:a16="http://schemas.microsoft.com/office/drawing/2014/main" xmlns="" id="{7BACFCEA-685B-42B5-BDF7-AD63F1314454}"/>
+                <a16:creationId xmlns="" xmlns:a16="http://schemas.microsoft.com/office/drawing/2014/main" id="{7BACFCEA-685B-42B5-BDF7-AD63F1314454}"/>
               </a:ext>
             </a:extLst>
           </p:cNvPr>
@@ -2670,7 +2680,7 @@
           <p:cNvPr id="5" name="日期版面配置區 4">
             <a:extLst>
               <a:ext uri="{FF2B5EF4-FFF2-40B4-BE49-F238E27FC236}">
-                <a16:creationId xmlns:a16="http://schemas.microsoft.com/office/drawing/2014/main" xmlns="" id="{36D3AAC6-EA71-40A7-A355-9571CCD2CF13}"/>
+                <a16:creationId xmlns="" xmlns:a16="http://schemas.microsoft.com/office/drawing/2014/main" id="{36D3AAC6-EA71-40A7-A355-9571CCD2CF13}"/>
               </a:ext>
             </a:extLst>
           </p:cNvPr>
@@ -2699,7 +2709,7 @@
           <p:cNvPr id="6" name="頁尾版面配置區 5">
             <a:extLst>
               <a:ext uri="{FF2B5EF4-FFF2-40B4-BE49-F238E27FC236}">
-                <a16:creationId xmlns:a16="http://schemas.microsoft.com/office/drawing/2014/main" xmlns="" id="{5DDE9F81-23D3-4C44-8D5A-CB9DBF84EF69}"/>
+                <a16:creationId xmlns="" xmlns:a16="http://schemas.microsoft.com/office/drawing/2014/main" id="{5DDE9F81-23D3-4C44-8D5A-CB9DBF84EF69}"/>
               </a:ext>
             </a:extLst>
           </p:cNvPr>
@@ -2724,7 +2734,7 @@
           <p:cNvPr id="7" name="投影片編號版面配置區 6">
             <a:extLst>
               <a:ext uri="{FF2B5EF4-FFF2-40B4-BE49-F238E27FC236}">
-                <a16:creationId xmlns:a16="http://schemas.microsoft.com/office/drawing/2014/main" xmlns="" id="{073497D4-4649-468C-94A9-AF63556897BF}"/>
+                <a16:creationId xmlns="" xmlns:a16="http://schemas.microsoft.com/office/drawing/2014/main" id="{073497D4-4649-468C-94A9-AF63556897BF}"/>
               </a:ext>
             </a:extLst>
           </p:cNvPr>
@@ -2788,7 +2798,7 @@
           <p:cNvPr id="2" name="標題版面配置區 1">
             <a:extLst>
               <a:ext uri="{FF2B5EF4-FFF2-40B4-BE49-F238E27FC236}">
-                <a16:creationId xmlns:a16="http://schemas.microsoft.com/office/drawing/2014/main" xmlns="" id="{7818C2F0-BE73-48CD-90D4-08C181AE85B2}"/>
+                <a16:creationId xmlns="" xmlns:a16="http://schemas.microsoft.com/office/drawing/2014/main" id="{7818C2F0-BE73-48CD-90D4-08C181AE85B2}"/>
               </a:ext>
             </a:extLst>
           </p:cNvPr>
@@ -2826,7 +2836,7 @@
           <p:cNvPr id="3" name="文字版面配置區 2">
             <a:extLst>
               <a:ext uri="{FF2B5EF4-FFF2-40B4-BE49-F238E27FC236}">
-                <a16:creationId xmlns:a16="http://schemas.microsoft.com/office/drawing/2014/main" xmlns="" id="{6B3FA1F4-293A-424F-BBDC-D39891EE8D7B}"/>
+                <a16:creationId xmlns="" xmlns:a16="http://schemas.microsoft.com/office/drawing/2014/main" id="{6B3FA1F4-293A-424F-BBDC-D39891EE8D7B}"/>
               </a:ext>
             </a:extLst>
           </p:cNvPr>
@@ -2893,7 +2903,7 @@
           <p:cNvPr id="4" name="日期版面配置區 3">
             <a:extLst>
               <a:ext uri="{FF2B5EF4-FFF2-40B4-BE49-F238E27FC236}">
-                <a16:creationId xmlns:a16="http://schemas.microsoft.com/office/drawing/2014/main" xmlns="" id="{D69709D7-7319-4D2B-B1A5-212DE7E9DC73}"/>
+                <a16:creationId xmlns="" xmlns:a16="http://schemas.microsoft.com/office/drawing/2014/main" id="{D69709D7-7319-4D2B-B1A5-212DE7E9DC73}"/>
               </a:ext>
             </a:extLst>
           </p:cNvPr>
@@ -2940,7 +2950,7 @@
           <p:cNvPr id="5" name="頁尾版面配置區 4">
             <a:extLst>
               <a:ext uri="{FF2B5EF4-FFF2-40B4-BE49-F238E27FC236}">
-                <a16:creationId xmlns:a16="http://schemas.microsoft.com/office/drawing/2014/main" xmlns="" id="{0DC51CC8-38F1-4540-A0E1-DF87A9B5FEFD}"/>
+                <a16:creationId xmlns="" xmlns:a16="http://schemas.microsoft.com/office/drawing/2014/main" id="{0DC51CC8-38F1-4540-A0E1-DF87A9B5FEFD}"/>
               </a:ext>
             </a:extLst>
           </p:cNvPr>
@@ -2983,7 +2993,7 @@
           <p:cNvPr id="6" name="投影片編號版面配置區 5">
             <a:extLst>
               <a:ext uri="{FF2B5EF4-FFF2-40B4-BE49-F238E27FC236}">
-                <a16:creationId xmlns:a16="http://schemas.microsoft.com/office/drawing/2014/main" xmlns="" id="{E47516C6-0347-4866-BB79-FE8992EFF065}"/>
+                <a16:creationId xmlns="" xmlns:a16="http://schemas.microsoft.com/office/drawing/2014/main" id="{E47516C6-0347-4866-BB79-FE8992EFF065}"/>
               </a:ext>
             </a:extLst>
           </p:cNvPr>
@@ -3351,7 +3361,7 @@
           <p:cNvPr id="4" name="圖片 3">
             <a:extLst>
               <a:ext uri="{FF2B5EF4-FFF2-40B4-BE49-F238E27FC236}">
-                <a16:creationId xmlns:a16="http://schemas.microsoft.com/office/drawing/2014/main" xmlns="" id="{4FA5B047-4B7F-47C6-9CE1-B2A3F41B020B}"/>
+                <a16:creationId xmlns="" xmlns:a16="http://schemas.microsoft.com/office/drawing/2014/main" id="{4FA5B047-4B7F-47C6-9CE1-B2A3F41B020B}"/>
               </a:ext>
             </a:extLst>
           </p:cNvPr>
@@ -3381,7 +3391,7 @@
           <p:cNvPr id="5" name="矩形 4">
             <a:extLst>
               <a:ext uri="{FF2B5EF4-FFF2-40B4-BE49-F238E27FC236}">
-                <a16:creationId xmlns:a16="http://schemas.microsoft.com/office/drawing/2014/main" xmlns="" id="{A099EFAB-F3C9-4304-A7BD-31D67A14252A}"/>
+                <a16:creationId xmlns="" xmlns:a16="http://schemas.microsoft.com/office/drawing/2014/main" id="{A099EFAB-F3C9-4304-A7BD-31D67A14252A}"/>
               </a:ext>
             </a:extLst>
           </p:cNvPr>
@@ -3433,7 +3443,7 @@
           <p:cNvPr id="6" name="語音泡泡: 圓角矩形 5">
             <a:extLst>
               <a:ext uri="{FF2B5EF4-FFF2-40B4-BE49-F238E27FC236}">
-                <a16:creationId xmlns:a16="http://schemas.microsoft.com/office/drawing/2014/main" xmlns="" id="{3651C266-FAE0-4C25-9A88-C9F904D9923C}"/>
+                <a16:creationId xmlns="" xmlns:a16="http://schemas.microsoft.com/office/drawing/2014/main" id="{3651C266-FAE0-4C25-9A88-C9F904D9923C}"/>
               </a:ext>
             </a:extLst>
           </p:cNvPr>
@@ -7907,7 +7917,7 @@
           <p:cNvPr id="6" name="圖片 5">
             <a:extLst>
               <a:ext uri="{FF2B5EF4-FFF2-40B4-BE49-F238E27FC236}">
-                <a16:creationId xmlns:a16="http://schemas.microsoft.com/office/drawing/2014/main" xmlns="" id="{3D2AD7E2-E957-4DB7-B9AD-96CC48379E46}"/>
+                <a16:creationId xmlns="" xmlns:a16="http://schemas.microsoft.com/office/drawing/2014/main" id="{3D2AD7E2-E957-4DB7-B9AD-96CC48379E46}"/>
               </a:ext>
             </a:extLst>
           </p:cNvPr>
@@ -7937,7 +7947,7 @@
           <p:cNvPr id="5" name="語音泡泡: 圓角矩形 4">
             <a:extLst>
               <a:ext uri="{FF2B5EF4-FFF2-40B4-BE49-F238E27FC236}">
-                <a16:creationId xmlns:a16="http://schemas.microsoft.com/office/drawing/2014/main" xmlns="" id="{F2ED1D7E-7D1C-4A56-9353-26E2C7E209EB}"/>
+                <a16:creationId xmlns="" xmlns:a16="http://schemas.microsoft.com/office/drawing/2014/main" id="{F2ED1D7E-7D1C-4A56-9353-26E2C7E209EB}"/>
               </a:ext>
             </a:extLst>
           </p:cNvPr>
@@ -8016,7 +8026,7 @@
           <p:cNvPr id="7" name="語音泡泡: 圓角矩形 6">
             <a:extLst>
               <a:ext uri="{FF2B5EF4-FFF2-40B4-BE49-F238E27FC236}">
-                <a16:creationId xmlns:a16="http://schemas.microsoft.com/office/drawing/2014/main" xmlns="" id="{E1486E0C-4024-47AF-A99B-32C763660AF4}"/>
+                <a16:creationId xmlns="" xmlns:a16="http://schemas.microsoft.com/office/drawing/2014/main" id="{E1486E0C-4024-47AF-A99B-32C763660AF4}"/>
               </a:ext>
             </a:extLst>
           </p:cNvPr>
@@ -8672,11 +8682,7 @@
             </a:r>
             <a:r>
               <a:rPr lang="zh-TW" altLang="en-US" sz="1100" dirty="0" smtClean="0"/>
-              <a:t>會</a:t>
-            </a:r>
-            <a:r>
-              <a:rPr lang="zh-TW" altLang="en-US" sz="1100" dirty="0" smtClean="0"/>
-              <a:t>去執行</a:t>
+              <a:t>會去執行</a:t>
             </a:r>
             <a:r>
               <a:rPr lang="en-US" altLang="zh-TW" sz="1100" dirty="0" err="1"/>
@@ -8965,10 +8971,3052 @@
           </a:extLst>
         </p:spPr>
       </p:pic>
+      <p:sp>
+        <p:nvSpPr>
+          <p:cNvPr id="3" name="矩形 2"/>
+          <p:cNvSpPr/>
+          <p:nvPr/>
+        </p:nvSpPr>
+        <p:spPr>
+          <a:xfrm>
+            <a:off x="3010619" y="5287993"/>
+            <a:ext cx="974786" cy="216508"/>
+          </a:xfrm>
+          <a:prstGeom prst="rect">
+            <a:avLst/>
+          </a:prstGeom>
+          <a:noFill/>
+          <a:ln w="38100">
+            <a:solidFill>
+              <a:srgbClr val="FF0000"/>
+            </a:solidFill>
+          </a:ln>
+        </p:spPr>
+        <p:style>
+          <a:lnRef idx="2">
+            <a:schemeClr val="accent1">
+              <a:shade val="50000"/>
+            </a:schemeClr>
+          </a:lnRef>
+          <a:fillRef idx="1">
+            <a:schemeClr val="accent1"/>
+          </a:fillRef>
+          <a:effectRef idx="0">
+            <a:schemeClr val="accent1"/>
+          </a:effectRef>
+          <a:fontRef idx="minor">
+            <a:schemeClr val="lt1"/>
+          </a:fontRef>
+        </p:style>
+        <p:txBody>
+          <a:bodyPr rtlCol="0" anchor="ctr"/>
+          <a:lstStyle/>
+          <a:p>
+            <a:pPr algn="ctr"/>
+            <a:endParaRPr lang="zh-TW" altLang="en-US"/>
+          </a:p>
+        </p:txBody>
+      </p:sp>
+      <p:cxnSp>
+        <p:nvCxnSpPr>
+          <p:cNvPr id="5" name="直線單箭頭接點 4"/>
+          <p:cNvCxnSpPr/>
+          <p:nvPr/>
+        </p:nvCxnSpPr>
+        <p:spPr>
+          <a:xfrm flipH="1" flipV="1">
+            <a:off x="1811547" y="1216325"/>
+            <a:ext cx="1199073" cy="4071669"/>
+          </a:xfrm>
+          <a:prstGeom prst="straightConnector1">
+            <a:avLst/>
+          </a:prstGeom>
+          <a:ln w="38100">
+            <a:solidFill>
+              <a:srgbClr val="FF0000"/>
+            </a:solidFill>
+            <a:tailEnd type="arrow"/>
+          </a:ln>
+        </p:spPr>
+        <p:style>
+          <a:lnRef idx="1">
+            <a:schemeClr val="accent1"/>
+          </a:lnRef>
+          <a:fillRef idx="0">
+            <a:schemeClr val="accent1"/>
+          </a:fillRef>
+          <a:effectRef idx="0">
+            <a:schemeClr val="accent1"/>
+          </a:effectRef>
+          <a:fontRef idx="minor">
+            <a:schemeClr val="tx1"/>
+          </a:fontRef>
+        </p:style>
+      </p:cxnSp>
+      <p:sp>
+        <p:nvSpPr>
+          <p:cNvPr id="7" name="矩形 6"/>
+          <p:cNvSpPr/>
+          <p:nvPr/>
+        </p:nvSpPr>
+        <p:spPr>
+          <a:xfrm>
+            <a:off x="2333446" y="1244112"/>
+            <a:ext cx="1893498" cy="261610"/>
+          </a:xfrm>
+          <a:prstGeom prst="rect">
+            <a:avLst/>
+          </a:prstGeom>
+          <a:solidFill>
+            <a:schemeClr val="accent5">
+              <a:lumMod val="40000"/>
+              <a:lumOff val="60000"/>
+            </a:schemeClr>
+          </a:solidFill>
+        </p:spPr>
+        <p:txBody>
+          <a:bodyPr wrap="square">
+            <a:spAutoFit/>
+          </a:bodyPr>
+          <a:lstStyle/>
+          <a:p>
+            <a:r>
+              <a:rPr lang="zh-TW" altLang="en-US" sz="1100" dirty="0"/>
+              <a:t>會去</a:t>
+            </a:r>
+            <a:r>
+              <a:rPr lang="zh-TW" altLang="en-US" sz="1100" dirty="0" smtClean="0"/>
+              <a:t>執行</a:t>
+            </a:r>
+            <a:r>
+              <a:rPr lang="en-US" altLang="zh-TW" sz="1100" dirty="0" smtClean="0"/>
+              <a:t>Form post</a:t>
+            </a:r>
+            <a:r>
+              <a:rPr lang="zh-TW" altLang="en-US" sz="1100" dirty="0" smtClean="0"/>
+              <a:t>的動作</a:t>
+            </a:r>
+            <a:endParaRPr lang="en-US" altLang="zh-TW" sz="1100" dirty="0" smtClean="0"/>
+          </a:p>
+        </p:txBody>
+      </p:sp>
+      <p:pic>
+        <p:nvPicPr>
+          <p:cNvPr id="1027" name="Picture 3"/>
+          <p:cNvPicPr>
+            <a:picLocks noChangeAspect="1" noChangeArrowheads="1"/>
+          </p:cNvPicPr>
+          <p:nvPr/>
+        </p:nvPicPr>
+        <p:blipFill>
+          <a:blip r:embed="rId3">
+            <a:extLst>
+              <a:ext uri="{28A0092B-C50C-407E-A947-70E740481C1C}">
+                <a14:useLocalDpi xmlns:a14="http://schemas.microsoft.com/office/drawing/2010/main" val="0"/>
+              </a:ext>
+            </a:extLst>
+          </a:blip>
+          <a:srcRect/>
+          <a:stretch>
+            <a:fillRect/>
+          </a:stretch>
+        </p:blipFill>
+        <p:spPr bwMode="auto">
+          <a:xfrm>
+            <a:off x="7741580" y="988137"/>
+            <a:ext cx="3609975" cy="2619375"/>
+          </a:xfrm>
+          <a:prstGeom prst="rect">
+            <a:avLst/>
+          </a:prstGeom>
+          <a:noFill/>
+          <a:ln>
+            <a:noFill/>
+          </a:ln>
+          <a:extLst>
+            <a:ext uri="{909E8E84-426E-40DD-AFC4-6F175D3DCCD1}">
+              <a14:hiddenFill xmlns:a14="http://schemas.microsoft.com/office/drawing/2010/main">
+                <a:solidFill>
+                  <a:schemeClr val="accent1"/>
+                </a:solidFill>
+              </a14:hiddenFill>
+            </a:ext>
+            <a:ext uri="{91240B29-F687-4F45-9708-019B960494DF}">
+              <a14:hiddenLine xmlns:a14="http://schemas.microsoft.com/office/drawing/2010/main" w="9525">
+                <a:solidFill>
+                  <a:schemeClr val="tx1"/>
+                </a:solidFill>
+                <a:miter lim="800000"/>
+                <a:headEnd/>
+                <a:tailEnd/>
+              </a14:hiddenLine>
+            </a:ext>
+          </a:extLst>
+        </p:spPr>
+      </p:pic>
+      <p:cxnSp>
+        <p:nvCxnSpPr>
+          <p:cNvPr id="9" name="直線單箭頭接點 8"/>
+          <p:cNvCxnSpPr/>
+          <p:nvPr/>
+        </p:nvCxnSpPr>
+        <p:spPr>
+          <a:xfrm>
+            <a:off x="5383695" y="1244113"/>
+            <a:ext cx="2543980" cy="1171283"/>
+          </a:xfrm>
+          <a:prstGeom prst="straightConnector1">
+            <a:avLst/>
+          </a:prstGeom>
+          <a:ln w="38100">
+            <a:solidFill>
+              <a:srgbClr val="FF0000"/>
+            </a:solidFill>
+            <a:tailEnd type="arrow"/>
+          </a:ln>
+        </p:spPr>
+        <p:style>
+          <a:lnRef idx="1">
+            <a:schemeClr val="accent1"/>
+          </a:lnRef>
+          <a:fillRef idx="0">
+            <a:schemeClr val="accent1"/>
+          </a:fillRef>
+          <a:effectRef idx="0">
+            <a:schemeClr val="accent1"/>
+          </a:effectRef>
+          <a:fontRef idx="minor">
+            <a:schemeClr val="tx1"/>
+          </a:fontRef>
+        </p:style>
+      </p:cxnSp>
+      <p:sp>
+        <p:nvSpPr>
+          <p:cNvPr id="13" name="矩形 12"/>
+          <p:cNvSpPr/>
+          <p:nvPr/>
+        </p:nvSpPr>
+        <p:spPr>
+          <a:xfrm>
+            <a:off x="5892739" y="1640786"/>
+            <a:ext cx="1206800" cy="261610"/>
+          </a:xfrm>
+          <a:prstGeom prst="rect">
+            <a:avLst/>
+          </a:prstGeom>
+          <a:solidFill>
+            <a:schemeClr val="accent5">
+              <a:lumMod val="40000"/>
+              <a:lumOff val="60000"/>
+            </a:schemeClr>
+          </a:solidFill>
+        </p:spPr>
+        <p:txBody>
+          <a:bodyPr wrap="square">
+            <a:spAutoFit/>
+          </a:bodyPr>
+          <a:lstStyle/>
+          <a:p>
+            <a:r>
+              <a:rPr lang="zh-TW" altLang="en-US" sz="1100" dirty="0"/>
+              <a:t>再去執行這</a:t>
+            </a:r>
+            <a:r>
+              <a:rPr lang="zh-TW" altLang="en-US" sz="1100" dirty="0" smtClean="0"/>
+              <a:t>一段</a:t>
+            </a:r>
+            <a:endParaRPr lang="en-US" altLang="zh-TW" sz="1100" dirty="0" smtClean="0"/>
+          </a:p>
+        </p:txBody>
+      </p:sp>
     </p:spTree>
     <p:extLst>
       <p:ext uri="{BB962C8B-B14F-4D97-AF65-F5344CB8AC3E}">
         <p14:creationId xmlns:p14="http://schemas.microsoft.com/office/powerpoint/2010/main" val="4106226790"/>
+      </p:ext>
+    </p:extLst>
+  </p:cSld>
+  <p:clrMapOvr>
+    <a:masterClrMapping/>
+  </p:clrMapOvr>
+</p:sld>
+</file>
+
+<file path=ppt/slides/slide23.xml><?xml version="1.0" encoding="utf-8"?>
+<p:sld xmlns:a="http://schemas.openxmlformats.org/drawingml/2006/main" xmlns:r="http://schemas.openxmlformats.org/officeDocument/2006/relationships" xmlns:p="http://schemas.openxmlformats.org/presentationml/2006/main">
+  <p:cSld>
+    <p:spTree>
+      <p:nvGrpSpPr>
+        <p:cNvPr id="1" name=""/>
+        <p:cNvGrpSpPr/>
+        <p:nvPr/>
+      </p:nvGrpSpPr>
+      <p:grpSpPr>
+        <a:xfrm>
+          <a:off x="0" y="0"/>
+          <a:ext cx="0" cy="0"/>
+          <a:chOff x="0" y="0"/>
+          <a:chExt cx="0" cy="0"/>
+        </a:xfrm>
+      </p:grpSpPr>
+      <p:sp>
+        <p:nvSpPr>
+          <p:cNvPr id="4" name="矩形 3"/>
+          <p:cNvSpPr/>
+          <p:nvPr/>
+        </p:nvSpPr>
+        <p:spPr>
+          <a:xfrm>
+            <a:off x="0" y="0"/>
+            <a:ext cx="2339102" cy="461665"/>
+          </a:xfrm>
+          <a:prstGeom prst="rect">
+            <a:avLst/>
+          </a:prstGeom>
+        </p:spPr>
+        <p:txBody>
+          <a:bodyPr wrap="none">
+            <a:spAutoFit/>
+          </a:bodyPr>
+          <a:lstStyle/>
+          <a:p>
+            <a:r>
+              <a:rPr lang="zh-TW" altLang="en-US" sz="2400" dirty="0" smtClean="0">
+                <a:solidFill>
+                  <a:srgbClr val="FF0000"/>
+                </a:solidFill>
+              </a:rPr>
+              <a:t>自動生成的頁面</a:t>
+            </a:r>
+            <a:endParaRPr lang="zh-TW" altLang="en-US" sz="2400" dirty="0">
+              <a:solidFill>
+                <a:srgbClr val="FF0000"/>
+              </a:solidFill>
+            </a:endParaRPr>
+          </a:p>
+        </p:txBody>
+      </p:sp>
+      <p:pic>
+        <p:nvPicPr>
+          <p:cNvPr id="5" name="Picture 3"/>
+          <p:cNvPicPr>
+            <a:picLocks noChangeAspect="1" noChangeArrowheads="1"/>
+          </p:cNvPicPr>
+          <p:nvPr/>
+        </p:nvPicPr>
+        <p:blipFill>
+          <a:blip r:embed="rId2">
+            <a:extLst>
+              <a:ext uri="{28A0092B-C50C-407E-A947-70E740481C1C}">
+                <a14:useLocalDpi xmlns:a14="http://schemas.microsoft.com/office/drawing/2010/main" val="0"/>
+              </a:ext>
+            </a:extLst>
+          </a:blip>
+          <a:srcRect/>
+          <a:stretch>
+            <a:fillRect/>
+          </a:stretch>
+        </p:blipFill>
+        <p:spPr bwMode="auto">
+          <a:xfrm>
+            <a:off x="145868" y="461665"/>
+            <a:ext cx="10477500" cy="5270500"/>
+          </a:xfrm>
+          <a:prstGeom prst="rect">
+            <a:avLst/>
+          </a:prstGeom>
+          <a:noFill/>
+          <a:ln>
+            <a:noFill/>
+          </a:ln>
+          <a:extLst>
+            <a:ext uri="{909E8E84-426E-40DD-AFC4-6F175D3DCCD1}">
+              <a14:hiddenFill xmlns:a14="http://schemas.microsoft.com/office/drawing/2010/main">
+                <a:solidFill>
+                  <a:schemeClr val="accent1"/>
+                </a:solidFill>
+              </a14:hiddenFill>
+            </a:ext>
+            <a:ext uri="{91240B29-F687-4F45-9708-019B960494DF}">
+              <a14:hiddenLine xmlns:a14="http://schemas.microsoft.com/office/drawing/2010/main" w="9525">
+                <a:solidFill>
+                  <a:schemeClr val="tx1"/>
+                </a:solidFill>
+                <a:miter lim="800000"/>
+                <a:headEnd/>
+                <a:tailEnd/>
+              </a14:hiddenLine>
+            </a:ext>
+          </a:extLst>
+        </p:spPr>
+      </p:pic>
+      <p:sp>
+        <p:nvSpPr>
+          <p:cNvPr id="6" name="矩形 5"/>
+          <p:cNvSpPr/>
+          <p:nvPr/>
+        </p:nvSpPr>
+        <p:spPr>
+          <a:xfrm>
+            <a:off x="980397" y="1870403"/>
+            <a:ext cx="502566" cy="243017"/>
+          </a:xfrm>
+          <a:prstGeom prst="rect">
+            <a:avLst/>
+          </a:prstGeom>
+          <a:noFill/>
+          <a:ln w="38100">
+            <a:solidFill>
+              <a:srgbClr val="FF0000"/>
+            </a:solidFill>
+          </a:ln>
+        </p:spPr>
+        <p:style>
+          <a:lnRef idx="2">
+            <a:schemeClr val="accent1">
+              <a:shade val="50000"/>
+            </a:schemeClr>
+          </a:lnRef>
+          <a:fillRef idx="1">
+            <a:schemeClr val="accent1"/>
+          </a:fillRef>
+          <a:effectRef idx="0">
+            <a:schemeClr val="accent1"/>
+          </a:effectRef>
+          <a:fontRef idx="minor">
+            <a:schemeClr val="lt1"/>
+          </a:fontRef>
+        </p:style>
+        <p:txBody>
+          <a:bodyPr rtlCol="0" anchor="ctr"/>
+          <a:lstStyle/>
+          <a:p>
+            <a:pPr algn="ctr"/>
+            <a:endParaRPr lang="zh-TW" altLang="en-US"/>
+          </a:p>
+        </p:txBody>
+      </p:sp>
+      <p:sp>
+        <p:nvSpPr>
+          <p:cNvPr id="7" name="矩形 6"/>
+          <p:cNvSpPr/>
+          <p:nvPr/>
+        </p:nvSpPr>
+        <p:spPr>
+          <a:xfrm>
+            <a:off x="7188540" y="1876154"/>
+            <a:ext cx="502566" cy="243017"/>
+          </a:xfrm>
+          <a:prstGeom prst="rect">
+            <a:avLst/>
+          </a:prstGeom>
+          <a:noFill/>
+          <a:ln w="38100">
+            <a:solidFill>
+              <a:srgbClr val="FF0000"/>
+            </a:solidFill>
+          </a:ln>
+        </p:spPr>
+        <p:style>
+          <a:lnRef idx="2">
+            <a:schemeClr val="accent1">
+              <a:shade val="50000"/>
+            </a:schemeClr>
+          </a:lnRef>
+          <a:fillRef idx="1">
+            <a:schemeClr val="accent1"/>
+          </a:fillRef>
+          <a:effectRef idx="0">
+            <a:schemeClr val="accent1"/>
+          </a:effectRef>
+          <a:fontRef idx="minor">
+            <a:schemeClr val="lt1"/>
+          </a:fontRef>
+        </p:style>
+        <p:txBody>
+          <a:bodyPr rtlCol="0" anchor="ctr"/>
+          <a:lstStyle/>
+          <a:p>
+            <a:pPr algn="ctr"/>
+            <a:endParaRPr lang="zh-TW" altLang="en-US"/>
+          </a:p>
+        </p:txBody>
+      </p:sp>
+    </p:spTree>
+    <p:extLst>
+      <p:ext uri="{BB962C8B-B14F-4D97-AF65-F5344CB8AC3E}">
+        <p14:creationId xmlns:p14="http://schemas.microsoft.com/office/powerpoint/2010/main" val="3941815928"/>
+      </p:ext>
+    </p:extLst>
+  </p:cSld>
+  <p:clrMapOvr>
+    <a:masterClrMapping/>
+  </p:clrMapOvr>
+</p:sld>
+</file>
+
+<file path=ppt/slides/slide24.xml><?xml version="1.0" encoding="utf-8"?>
+<p:sld xmlns:a="http://schemas.openxmlformats.org/drawingml/2006/main" xmlns:r="http://schemas.openxmlformats.org/officeDocument/2006/relationships" xmlns:p="http://schemas.openxmlformats.org/presentationml/2006/main">
+  <p:cSld>
+    <p:spTree>
+      <p:nvGrpSpPr>
+        <p:cNvPr id="1" name=""/>
+        <p:cNvGrpSpPr/>
+        <p:nvPr/>
+      </p:nvGrpSpPr>
+      <p:grpSpPr>
+        <a:xfrm>
+          <a:off x="0" y="0"/>
+          <a:ext cx="0" cy="0"/>
+          <a:chOff x="0" y="0"/>
+          <a:chExt cx="0" cy="0"/>
+        </a:xfrm>
+      </p:grpSpPr>
+      <p:pic>
+        <p:nvPicPr>
+          <p:cNvPr id="2050" name="Picture 2"/>
+          <p:cNvPicPr>
+            <a:picLocks noChangeAspect="1" noChangeArrowheads="1"/>
+          </p:cNvPicPr>
+          <p:nvPr/>
+        </p:nvPicPr>
+        <p:blipFill>
+          <a:blip r:embed="rId2">
+            <a:extLst>
+              <a:ext uri="{28A0092B-C50C-407E-A947-70E740481C1C}">
+                <a14:useLocalDpi xmlns:a14="http://schemas.microsoft.com/office/drawing/2010/main" val="0"/>
+              </a:ext>
+            </a:extLst>
+          </a:blip>
+          <a:srcRect/>
+          <a:stretch>
+            <a:fillRect/>
+          </a:stretch>
+        </p:blipFill>
+        <p:spPr bwMode="auto">
+          <a:xfrm>
+            <a:off x="0" y="0"/>
+            <a:ext cx="10163175" cy="6010275"/>
+          </a:xfrm>
+          <a:prstGeom prst="rect">
+            <a:avLst/>
+          </a:prstGeom>
+          <a:noFill/>
+          <a:ln>
+            <a:noFill/>
+          </a:ln>
+          <a:extLst>
+            <a:ext uri="{909E8E84-426E-40DD-AFC4-6F175D3DCCD1}">
+              <a14:hiddenFill xmlns:a14="http://schemas.microsoft.com/office/drawing/2010/main">
+                <a:solidFill>
+                  <a:schemeClr val="accent1"/>
+                </a:solidFill>
+              </a14:hiddenFill>
+            </a:ext>
+            <a:ext uri="{91240B29-F687-4F45-9708-019B960494DF}">
+              <a14:hiddenLine xmlns:a14="http://schemas.microsoft.com/office/drawing/2010/main" w="9525">
+                <a:solidFill>
+                  <a:schemeClr val="tx1"/>
+                </a:solidFill>
+                <a:miter lim="800000"/>
+                <a:headEnd/>
+                <a:tailEnd/>
+              </a14:hiddenLine>
+            </a:ext>
+          </a:extLst>
+        </p:spPr>
+      </p:pic>
+      <p:sp>
+        <p:nvSpPr>
+          <p:cNvPr id="6" name="矩形 5"/>
+          <p:cNvSpPr/>
+          <p:nvPr/>
+        </p:nvSpPr>
+        <p:spPr>
+          <a:xfrm>
+            <a:off x="3572771" y="755283"/>
+            <a:ext cx="3164459" cy="261610"/>
+          </a:xfrm>
+          <a:prstGeom prst="rect">
+            <a:avLst/>
+          </a:prstGeom>
+          <a:solidFill>
+            <a:schemeClr val="accent5">
+              <a:lumMod val="40000"/>
+              <a:lumOff val="60000"/>
+            </a:schemeClr>
+          </a:solidFill>
+        </p:spPr>
+        <p:txBody>
+          <a:bodyPr wrap="square">
+            <a:spAutoFit/>
+          </a:bodyPr>
+          <a:lstStyle/>
+          <a:p>
+            <a:r>
+              <a:rPr lang="zh-TW" altLang="en-US" sz="1100" dirty="0"/>
+              <a:t>只要自動生成</a:t>
+            </a:r>
+            <a:r>
+              <a:rPr lang="zh-TW" altLang="en-US" sz="1100" dirty="0" smtClean="0"/>
+              <a:t>的一定不要去變動</a:t>
+            </a:r>
+            <a:endParaRPr lang="en-US" altLang="zh-TW" sz="1100" dirty="0" smtClean="0"/>
+          </a:p>
+        </p:txBody>
+      </p:sp>
+      <p:pic>
+        <p:nvPicPr>
+          <p:cNvPr id="2051" name="Picture 3"/>
+          <p:cNvPicPr>
+            <a:picLocks noChangeAspect="1" noChangeArrowheads="1"/>
+          </p:cNvPicPr>
+          <p:nvPr/>
+        </p:nvPicPr>
+        <p:blipFill>
+          <a:blip r:embed="rId3">
+            <a:extLst>
+              <a:ext uri="{28A0092B-C50C-407E-A947-70E740481C1C}">
+                <a14:useLocalDpi xmlns:a14="http://schemas.microsoft.com/office/drawing/2010/main" val="0"/>
+              </a:ext>
+            </a:extLst>
+          </a:blip>
+          <a:srcRect/>
+          <a:stretch>
+            <a:fillRect/>
+          </a:stretch>
+        </p:blipFill>
+        <p:spPr bwMode="auto">
+          <a:xfrm>
+            <a:off x="315583" y="2026489"/>
+            <a:ext cx="8610600" cy="3581400"/>
+          </a:xfrm>
+          <a:prstGeom prst="rect">
+            <a:avLst/>
+          </a:prstGeom>
+          <a:noFill/>
+          <a:ln>
+            <a:noFill/>
+          </a:ln>
+          <a:extLst>
+            <a:ext uri="{909E8E84-426E-40DD-AFC4-6F175D3DCCD1}">
+              <a14:hiddenFill xmlns:a14="http://schemas.microsoft.com/office/drawing/2010/main">
+                <a:solidFill>
+                  <a:schemeClr val="accent1"/>
+                </a:solidFill>
+              </a14:hiddenFill>
+            </a:ext>
+            <a:ext uri="{91240B29-F687-4F45-9708-019B960494DF}">
+              <a14:hiddenLine xmlns:a14="http://schemas.microsoft.com/office/drawing/2010/main" w="9525">
+                <a:solidFill>
+                  <a:schemeClr val="tx1"/>
+                </a:solidFill>
+                <a:miter lim="800000"/>
+                <a:headEnd/>
+                <a:tailEnd/>
+              </a14:hiddenLine>
+            </a:ext>
+          </a:extLst>
+        </p:spPr>
+      </p:pic>
+      <p:sp>
+        <p:nvSpPr>
+          <p:cNvPr id="9" name="矩形 8"/>
+          <p:cNvSpPr/>
+          <p:nvPr/>
+        </p:nvSpPr>
+        <p:spPr>
+          <a:xfrm>
+            <a:off x="2707253" y="2071139"/>
+            <a:ext cx="3164459" cy="430887"/>
+          </a:xfrm>
+          <a:prstGeom prst="rect">
+            <a:avLst/>
+          </a:prstGeom>
+          <a:solidFill>
+            <a:schemeClr val="accent5">
+              <a:lumMod val="40000"/>
+              <a:lumOff val="60000"/>
+            </a:schemeClr>
+          </a:solidFill>
+        </p:spPr>
+        <p:txBody>
+          <a:bodyPr wrap="square">
+            <a:spAutoFit/>
+          </a:bodyPr>
+          <a:lstStyle/>
+          <a:p>
+            <a:r>
+              <a:rPr lang="zh-TW" altLang="en-US" sz="1100" dirty="0" smtClean="0"/>
+              <a:t>建立一個新的 </a:t>
+            </a:r>
+            <a:r>
+              <a:rPr lang="en-US" altLang="zh-TW" sz="1100" dirty="0" smtClean="0"/>
+              <a:t>team view</a:t>
+            </a:r>
+            <a:r>
+              <a:rPr lang="zh-TW" altLang="en-US" sz="1100" dirty="0" smtClean="0"/>
+              <a:t> </a:t>
+            </a:r>
+            <a:r>
+              <a:rPr lang="en-US" altLang="zh-TW" sz="1100" dirty="0" smtClean="0"/>
+              <a:t/>
+            </a:r>
+            <a:br>
+              <a:rPr lang="en-US" altLang="zh-TW" sz="1100" dirty="0" smtClean="0"/>
+            </a:br>
+            <a:r>
+              <a:rPr lang="zh-TW" altLang="en-US" sz="1100" dirty="0" smtClean="0"/>
+              <a:t>但因為</a:t>
+            </a:r>
+            <a:r>
+              <a:rPr lang="en-US" altLang="zh-TW" sz="1100" dirty="0" smtClean="0"/>
+              <a:t>Name </a:t>
+            </a:r>
+            <a:r>
+              <a:rPr lang="zh-TW" altLang="en-US" sz="1100" dirty="0" smtClean="0"/>
+              <a:t>已經存在了</a:t>
+            </a:r>
+            <a:endParaRPr lang="en-US" altLang="zh-TW" sz="1100" dirty="0" smtClean="0"/>
+          </a:p>
+        </p:txBody>
+      </p:sp>
+      <p:pic>
+        <p:nvPicPr>
+          <p:cNvPr id="2052" name="Picture 4"/>
+          <p:cNvPicPr>
+            <a:picLocks noChangeAspect="1" noChangeArrowheads="1"/>
+          </p:cNvPicPr>
+          <p:nvPr/>
+        </p:nvPicPr>
+        <p:blipFill>
+          <a:blip r:embed="rId4">
+            <a:extLst>
+              <a:ext uri="{28A0092B-C50C-407E-A947-70E740481C1C}">
+                <a14:useLocalDpi xmlns:a14="http://schemas.microsoft.com/office/drawing/2010/main" val="0"/>
+              </a:ext>
+            </a:extLst>
+          </a:blip>
+          <a:srcRect/>
+          <a:stretch>
+            <a:fillRect/>
+          </a:stretch>
+        </p:blipFill>
+        <p:spPr bwMode="auto">
+          <a:xfrm>
+            <a:off x="5339570" y="4084248"/>
+            <a:ext cx="6524625" cy="2676525"/>
+          </a:xfrm>
+          <a:prstGeom prst="rect">
+            <a:avLst/>
+          </a:prstGeom>
+          <a:noFill/>
+          <a:ln>
+            <a:noFill/>
+          </a:ln>
+          <a:extLst>
+            <a:ext uri="{909E8E84-426E-40DD-AFC4-6F175D3DCCD1}">
+              <a14:hiddenFill xmlns:a14="http://schemas.microsoft.com/office/drawing/2010/main">
+                <a:solidFill>
+                  <a:schemeClr val="accent1"/>
+                </a:solidFill>
+              </a14:hiddenFill>
+            </a:ext>
+            <a:ext uri="{91240B29-F687-4F45-9708-019B960494DF}">
+              <a14:hiddenLine xmlns:a14="http://schemas.microsoft.com/office/drawing/2010/main" w="9525">
+                <a:solidFill>
+                  <a:schemeClr val="tx1"/>
+                </a:solidFill>
+                <a:miter lim="800000"/>
+                <a:headEnd/>
+                <a:tailEnd/>
+              </a14:hiddenLine>
+            </a:ext>
+          </a:extLst>
+        </p:spPr>
+      </p:pic>
+      <p:sp>
+        <p:nvSpPr>
+          <p:cNvPr id="11" name="矩形 10"/>
+          <p:cNvSpPr/>
+          <p:nvPr/>
+        </p:nvSpPr>
+        <p:spPr>
+          <a:xfrm>
+            <a:off x="7343952" y="4084247"/>
+            <a:ext cx="3164459" cy="261610"/>
+          </a:xfrm>
+          <a:prstGeom prst="rect">
+            <a:avLst/>
+          </a:prstGeom>
+          <a:solidFill>
+            <a:schemeClr val="accent5">
+              <a:lumMod val="40000"/>
+              <a:lumOff val="60000"/>
+            </a:schemeClr>
+          </a:solidFill>
+        </p:spPr>
+        <p:txBody>
+          <a:bodyPr wrap="square">
+            <a:spAutoFit/>
+          </a:bodyPr>
+          <a:lstStyle/>
+          <a:p>
+            <a:r>
+              <a:rPr lang="zh-TW" altLang="en-US" sz="1100" dirty="0" smtClean="0"/>
+              <a:t>所以再建立一個</a:t>
+            </a:r>
+            <a:r>
+              <a:rPr lang="en-US" altLang="zh-TW" sz="1100" dirty="0" err="1" smtClean="0"/>
+              <a:t>TeamMetaData</a:t>
+            </a:r>
+            <a:endParaRPr lang="en-US" altLang="zh-TW" sz="1100" dirty="0" smtClean="0"/>
+          </a:p>
+        </p:txBody>
+      </p:sp>
+    </p:spTree>
+    <p:extLst>
+      <p:ext uri="{BB962C8B-B14F-4D97-AF65-F5344CB8AC3E}">
+        <p14:creationId xmlns:p14="http://schemas.microsoft.com/office/powerpoint/2010/main" val="1918309450"/>
+      </p:ext>
+    </p:extLst>
+  </p:cSld>
+  <p:clrMapOvr>
+    <a:masterClrMapping/>
+  </p:clrMapOvr>
+</p:sld>
+</file>
+
+<file path=ppt/slides/slide25.xml><?xml version="1.0" encoding="utf-8"?>
+<p:sld xmlns:a="http://schemas.openxmlformats.org/drawingml/2006/main" xmlns:r="http://schemas.openxmlformats.org/officeDocument/2006/relationships" xmlns:p="http://schemas.openxmlformats.org/presentationml/2006/main">
+  <p:cSld>
+    <p:spTree>
+      <p:nvGrpSpPr>
+        <p:cNvPr id="1" name=""/>
+        <p:cNvGrpSpPr/>
+        <p:nvPr/>
+      </p:nvGrpSpPr>
+      <p:grpSpPr>
+        <a:xfrm>
+          <a:off x="0" y="0"/>
+          <a:ext cx="0" cy="0"/>
+          <a:chOff x="0" y="0"/>
+          <a:chExt cx="0" cy="0"/>
+        </a:xfrm>
+      </p:grpSpPr>
+      <p:pic>
+        <p:nvPicPr>
+          <p:cNvPr id="3074" name="Picture 2"/>
+          <p:cNvPicPr>
+            <a:picLocks noChangeAspect="1" noChangeArrowheads="1"/>
+          </p:cNvPicPr>
+          <p:nvPr/>
+        </p:nvPicPr>
+        <p:blipFill>
+          <a:blip r:embed="rId2">
+            <a:extLst>
+              <a:ext uri="{28A0092B-C50C-407E-A947-70E740481C1C}">
+                <a14:useLocalDpi xmlns:a14="http://schemas.microsoft.com/office/drawing/2010/main" val="0"/>
+              </a:ext>
+            </a:extLst>
+          </a:blip>
+          <a:srcRect/>
+          <a:stretch>
+            <a:fillRect/>
+          </a:stretch>
+        </p:blipFill>
+        <p:spPr bwMode="auto">
+          <a:xfrm>
+            <a:off x="395468" y="777546"/>
+            <a:ext cx="7191375" cy="2352675"/>
+          </a:xfrm>
+          <a:prstGeom prst="rect">
+            <a:avLst/>
+          </a:prstGeom>
+          <a:noFill/>
+          <a:ln>
+            <a:noFill/>
+          </a:ln>
+          <a:extLst>
+            <a:ext uri="{909E8E84-426E-40DD-AFC4-6F175D3DCCD1}">
+              <a14:hiddenFill xmlns:a14="http://schemas.microsoft.com/office/drawing/2010/main">
+                <a:solidFill>
+                  <a:schemeClr val="accent1"/>
+                </a:solidFill>
+              </a14:hiddenFill>
+            </a:ext>
+            <a:ext uri="{91240B29-F687-4F45-9708-019B960494DF}">
+              <a14:hiddenLine xmlns:a14="http://schemas.microsoft.com/office/drawing/2010/main" w="9525">
+                <a:solidFill>
+                  <a:schemeClr val="tx1"/>
+                </a:solidFill>
+                <a:miter lim="800000"/>
+                <a:headEnd/>
+                <a:tailEnd/>
+              </a14:hiddenLine>
+            </a:ext>
+          </a:extLst>
+        </p:spPr>
+      </p:pic>
+      <p:sp>
+        <p:nvSpPr>
+          <p:cNvPr id="5" name="矩形 4"/>
+          <p:cNvSpPr/>
+          <p:nvPr/>
+        </p:nvSpPr>
+        <p:spPr>
+          <a:xfrm>
+            <a:off x="3876133" y="1692273"/>
+            <a:ext cx="3076757" cy="261610"/>
+          </a:xfrm>
+          <a:prstGeom prst="rect">
+            <a:avLst/>
+          </a:prstGeom>
+          <a:solidFill>
+            <a:schemeClr val="accent5">
+              <a:lumMod val="40000"/>
+              <a:lumOff val="60000"/>
+            </a:schemeClr>
+          </a:solidFill>
+        </p:spPr>
+        <p:txBody>
+          <a:bodyPr wrap="square">
+            <a:spAutoFit/>
+          </a:bodyPr>
+          <a:lstStyle/>
+          <a:p>
+            <a:r>
+              <a:rPr lang="zh-TW" altLang="en-US" sz="1100" dirty="0" smtClean="0"/>
+              <a:t>會先建立一個</a:t>
+            </a:r>
+            <a:r>
+              <a:rPr lang="en-US" altLang="zh-TW" sz="1100" dirty="0" smtClean="0"/>
+              <a:t>Index</a:t>
+            </a:r>
+            <a:r>
+              <a:rPr lang="zh-TW" altLang="en-US" sz="1100" dirty="0" smtClean="0"/>
+              <a:t>的</a:t>
+            </a:r>
+            <a:r>
+              <a:rPr lang="en-US" altLang="zh-TW" sz="1100" dirty="0" smtClean="0"/>
+              <a:t>method   index</a:t>
+            </a:r>
+            <a:r>
+              <a:rPr lang="zh-TW" altLang="en-US" sz="1100" dirty="0" smtClean="0"/>
+              <a:t>是從</a:t>
+            </a:r>
+            <a:r>
+              <a:rPr lang="en-US" altLang="zh-TW" sz="1100" dirty="0"/>
+              <a:t>action</a:t>
+            </a:r>
+            <a:endParaRPr lang="en-US" altLang="zh-TW" sz="1100" dirty="0" smtClean="0"/>
+          </a:p>
+        </p:txBody>
+      </p:sp>
+      <p:sp>
+        <p:nvSpPr>
+          <p:cNvPr id="6" name="矩形 5"/>
+          <p:cNvSpPr/>
+          <p:nvPr/>
+        </p:nvSpPr>
+        <p:spPr>
+          <a:xfrm>
+            <a:off x="5408760" y="1968291"/>
+            <a:ext cx="4071670" cy="261610"/>
+          </a:xfrm>
+          <a:prstGeom prst="rect">
+            <a:avLst/>
+          </a:prstGeom>
+          <a:solidFill>
+            <a:schemeClr val="accent5">
+              <a:lumMod val="40000"/>
+              <a:lumOff val="60000"/>
+            </a:schemeClr>
+          </a:solidFill>
+        </p:spPr>
+        <p:txBody>
+          <a:bodyPr wrap="square">
+            <a:spAutoFit/>
+          </a:bodyPr>
+          <a:lstStyle/>
+          <a:p>
+            <a:r>
+              <a:rPr lang="en-US" altLang="zh-TW" sz="1100" dirty="0" smtClean="0"/>
+              <a:t>action</a:t>
+            </a:r>
+            <a:r>
+              <a:rPr lang="zh-TW" altLang="en-US" sz="1100" dirty="0" smtClean="0"/>
+              <a:t>會先</a:t>
+            </a:r>
+            <a:r>
+              <a:rPr lang="zh-TW" altLang="en-US" sz="1100" dirty="0"/>
+              <a:t>取出所有</a:t>
+            </a:r>
+            <a:r>
+              <a:rPr lang="zh-TW" altLang="en-US" sz="1100" dirty="0" smtClean="0"/>
+              <a:t>的</a:t>
+            </a:r>
+            <a:r>
+              <a:rPr lang="en-US" altLang="zh-TW" sz="1100" dirty="0" smtClean="0"/>
+              <a:t>gamer  </a:t>
+            </a:r>
+            <a:r>
+              <a:rPr lang="zh-TW" altLang="en-US" sz="1100" dirty="0" smtClean="0"/>
+              <a:t>這個</a:t>
+            </a:r>
+            <a:r>
+              <a:rPr lang="en-US" altLang="zh-TW" sz="1100" dirty="0" smtClean="0"/>
+              <a:t>gamer</a:t>
+            </a:r>
+            <a:r>
+              <a:rPr lang="zh-TW" altLang="en-US" sz="1100" dirty="0" smtClean="0"/>
+              <a:t> 必須包括</a:t>
+            </a:r>
+            <a:r>
+              <a:rPr lang="en-US" altLang="zh-TW" sz="1100" dirty="0" smtClean="0"/>
+              <a:t>team</a:t>
+            </a:r>
+          </a:p>
+        </p:txBody>
+      </p:sp>
+      <p:sp>
+        <p:nvSpPr>
+          <p:cNvPr id="8" name="矩形 7"/>
+          <p:cNvSpPr/>
+          <p:nvPr/>
+        </p:nvSpPr>
+        <p:spPr>
+          <a:xfrm>
+            <a:off x="1265069" y="2099096"/>
+            <a:ext cx="1711044" cy="153809"/>
+          </a:xfrm>
+          <a:prstGeom prst="rect">
+            <a:avLst/>
+          </a:prstGeom>
+          <a:noFill/>
+          <a:ln w="38100">
+            <a:solidFill>
+              <a:srgbClr val="FF0000"/>
+            </a:solidFill>
+          </a:ln>
+        </p:spPr>
+        <p:style>
+          <a:lnRef idx="2">
+            <a:schemeClr val="accent1">
+              <a:shade val="50000"/>
+            </a:schemeClr>
+          </a:lnRef>
+          <a:fillRef idx="1">
+            <a:schemeClr val="accent1"/>
+          </a:fillRef>
+          <a:effectRef idx="0">
+            <a:schemeClr val="accent1"/>
+          </a:effectRef>
+          <a:fontRef idx="minor">
+            <a:schemeClr val="lt1"/>
+          </a:fontRef>
+        </p:style>
+        <p:txBody>
+          <a:bodyPr rtlCol="0" anchor="ctr"/>
+          <a:lstStyle/>
+          <a:p>
+            <a:pPr algn="ctr"/>
+            <a:endParaRPr lang="zh-TW" altLang="en-US"/>
+          </a:p>
+        </p:txBody>
+      </p:sp>
+      <p:cxnSp>
+        <p:nvCxnSpPr>
+          <p:cNvPr id="9" name="直線單箭頭接點 8"/>
+          <p:cNvCxnSpPr/>
+          <p:nvPr/>
+        </p:nvCxnSpPr>
+        <p:spPr>
+          <a:xfrm flipH="1">
+            <a:off x="2120591" y="2252905"/>
+            <a:ext cx="235232" cy="130805"/>
+          </a:xfrm>
+          <a:prstGeom prst="straightConnector1">
+            <a:avLst/>
+          </a:prstGeom>
+          <a:ln w="38100">
+            <a:solidFill>
+              <a:srgbClr val="FF0000"/>
+            </a:solidFill>
+            <a:tailEnd type="arrow"/>
+          </a:ln>
+        </p:spPr>
+        <p:style>
+          <a:lnRef idx="1">
+            <a:schemeClr val="accent1"/>
+          </a:lnRef>
+          <a:fillRef idx="0">
+            <a:schemeClr val="accent1"/>
+          </a:fillRef>
+          <a:effectRef idx="0">
+            <a:schemeClr val="accent1"/>
+          </a:effectRef>
+          <a:fontRef idx="minor">
+            <a:schemeClr val="tx1"/>
+          </a:fontRef>
+        </p:style>
+      </p:cxnSp>
+    </p:spTree>
+    <p:extLst>
+      <p:ext uri="{BB962C8B-B14F-4D97-AF65-F5344CB8AC3E}">
+        <p14:creationId xmlns:p14="http://schemas.microsoft.com/office/powerpoint/2010/main" val="878135064"/>
+      </p:ext>
+    </p:extLst>
+  </p:cSld>
+  <p:clrMapOvr>
+    <a:masterClrMapping/>
+  </p:clrMapOvr>
+</p:sld>
+</file>
+
+<file path=ppt/slides/slide26.xml><?xml version="1.0" encoding="utf-8"?>
+<p:sld xmlns:a="http://schemas.openxmlformats.org/drawingml/2006/main" xmlns:r="http://schemas.openxmlformats.org/officeDocument/2006/relationships" xmlns:p="http://schemas.openxmlformats.org/presentationml/2006/main">
+  <p:cSld>
+    <p:spTree>
+      <p:nvGrpSpPr>
+        <p:cNvPr id="1" name=""/>
+        <p:cNvGrpSpPr/>
+        <p:nvPr/>
+      </p:nvGrpSpPr>
+      <p:grpSpPr>
+        <a:xfrm>
+          <a:off x="0" y="0"/>
+          <a:ext cx="0" cy="0"/>
+          <a:chOff x="0" y="0"/>
+          <a:chExt cx="0" cy="0"/>
+        </a:xfrm>
+      </p:grpSpPr>
+      <p:pic>
+        <p:nvPicPr>
+          <p:cNvPr id="4" name="Picture 2"/>
+          <p:cNvPicPr>
+            <a:picLocks noChangeAspect="1" noChangeArrowheads="1"/>
+          </p:cNvPicPr>
+          <p:nvPr/>
+        </p:nvPicPr>
+        <p:blipFill>
+          <a:blip r:embed="rId2">
+            <a:extLst>
+              <a:ext uri="{28A0092B-C50C-407E-A947-70E740481C1C}">
+                <a14:useLocalDpi xmlns:a14="http://schemas.microsoft.com/office/drawing/2010/main" val="0"/>
+              </a:ext>
+            </a:extLst>
+          </a:blip>
+          <a:srcRect/>
+          <a:stretch>
+            <a:fillRect/>
+          </a:stretch>
+        </p:blipFill>
+        <p:spPr bwMode="auto">
+          <a:xfrm>
+            <a:off x="516775" y="1251848"/>
+            <a:ext cx="7039906" cy="3574479"/>
+          </a:xfrm>
+          <a:prstGeom prst="rect">
+            <a:avLst/>
+          </a:prstGeom>
+          <a:noFill/>
+          <a:ln>
+            <a:noFill/>
+          </a:ln>
+          <a:extLst>
+            <a:ext uri="{909E8E84-426E-40DD-AFC4-6F175D3DCCD1}">
+              <a14:hiddenFill xmlns:a14="http://schemas.microsoft.com/office/drawing/2010/main">
+                <a:solidFill>
+                  <a:schemeClr val="accent1"/>
+                </a:solidFill>
+              </a14:hiddenFill>
+            </a:ext>
+            <a:ext uri="{91240B29-F687-4F45-9708-019B960494DF}">
+              <a14:hiddenLine xmlns:a14="http://schemas.microsoft.com/office/drawing/2010/main" w="9525">
+                <a:solidFill>
+                  <a:schemeClr val="tx1"/>
+                </a:solidFill>
+                <a:miter lim="800000"/>
+                <a:headEnd/>
+                <a:tailEnd/>
+              </a14:hiddenLine>
+            </a:ext>
+          </a:extLst>
+        </p:spPr>
+      </p:pic>
+      <p:sp>
+        <p:nvSpPr>
+          <p:cNvPr id="5" name="矩形 4"/>
+          <p:cNvSpPr/>
+          <p:nvPr/>
+        </p:nvSpPr>
+        <p:spPr>
+          <a:xfrm>
+            <a:off x="90845" y="220624"/>
+            <a:ext cx="3620607" cy="461665"/>
+          </a:xfrm>
+          <a:prstGeom prst="rect">
+            <a:avLst/>
+          </a:prstGeom>
+        </p:spPr>
+        <p:txBody>
+          <a:bodyPr wrap="none">
+            <a:spAutoFit/>
+          </a:bodyPr>
+          <a:lstStyle/>
+          <a:p>
+            <a:r>
+              <a:rPr lang="en-US" altLang="zh-TW" sz="2400" dirty="0" err="1" smtClean="0">
+                <a:solidFill>
+                  <a:srgbClr val="FF0000"/>
+                </a:solidFill>
+              </a:rPr>
+              <a:t>GamersController</a:t>
+            </a:r>
+            <a:r>
+              <a:rPr lang="zh-TW" altLang="en-US" sz="2400" dirty="0" smtClean="0">
+                <a:solidFill>
+                  <a:srgbClr val="FF0000"/>
+                </a:solidFill>
+              </a:rPr>
+              <a:t>  </a:t>
+            </a:r>
+            <a:r>
+              <a:rPr lang="en-US" altLang="zh-TW" sz="2400" dirty="0" smtClean="0">
+                <a:solidFill>
+                  <a:srgbClr val="FF0000"/>
+                </a:solidFill>
+              </a:rPr>
+              <a:t>-</a:t>
+            </a:r>
+            <a:r>
+              <a:rPr lang="zh-TW" altLang="en-US" sz="2400" dirty="0" smtClean="0">
+                <a:solidFill>
+                  <a:srgbClr val="FF0000"/>
+                </a:solidFill>
+              </a:rPr>
+              <a:t>  </a:t>
+            </a:r>
+            <a:r>
+              <a:rPr lang="en-US" altLang="zh-TW" sz="2400" dirty="0">
+                <a:solidFill>
+                  <a:srgbClr val="FF0000"/>
+                </a:solidFill>
+              </a:rPr>
+              <a:t>Details</a:t>
+            </a:r>
+            <a:endParaRPr lang="zh-TW" altLang="en-US" sz="2400" dirty="0">
+              <a:solidFill>
+                <a:srgbClr val="FF0000"/>
+              </a:solidFill>
+            </a:endParaRPr>
+          </a:p>
+        </p:txBody>
+      </p:sp>
+      <p:sp>
+        <p:nvSpPr>
+          <p:cNvPr id="6" name="矩形 5"/>
+          <p:cNvSpPr/>
+          <p:nvPr/>
+        </p:nvSpPr>
+        <p:spPr>
+          <a:xfrm>
+            <a:off x="5011945" y="1251848"/>
+            <a:ext cx="4071670" cy="430887"/>
+          </a:xfrm>
+          <a:prstGeom prst="rect">
+            <a:avLst/>
+          </a:prstGeom>
+          <a:solidFill>
+            <a:schemeClr val="accent5">
+              <a:lumMod val="40000"/>
+              <a:lumOff val="60000"/>
+            </a:schemeClr>
+          </a:solidFill>
+        </p:spPr>
+        <p:txBody>
+          <a:bodyPr wrap="square">
+            <a:spAutoFit/>
+          </a:bodyPr>
+          <a:lstStyle/>
+          <a:p>
+            <a:r>
+              <a:rPr lang="zh-TW" altLang="en-US" sz="1100" dirty="0" smtClean="0"/>
+              <a:t>給他一個</a:t>
+            </a:r>
+            <a:r>
+              <a:rPr lang="en-US" altLang="zh-TW" sz="1100" dirty="0" smtClean="0"/>
+              <a:t>ID</a:t>
+            </a:r>
+            <a:r>
+              <a:rPr lang="zh-TW" altLang="en-US" sz="1100" dirty="0" smtClean="0"/>
+              <a:t> 他就會找出</a:t>
+            </a:r>
+            <a:r>
+              <a:rPr lang="en-US" altLang="zh-TW" sz="1100" dirty="0" smtClean="0"/>
+              <a:t>Gamer</a:t>
+            </a:r>
+            <a:br>
+              <a:rPr lang="en-US" altLang="zh-TW" sz="1100" dirty="0" smtClean="0"/>
+            </a:br>
+            <a:r>
+              <a:rPr lang="zh-TW" altLang="en-US" sz="1100" dirty="0" smtClean="0"/>
+              <a:t>然後就會給你這個</a:t>
+            </a:r>
+            <a:r>
+              <a:rPr lang="en-US" altLang="zh-TW" sz="1100" dirty="0" smtClean="0"/>
+              <a:t>Gamer</a:t>
+            </a:r>
+            <a:r>
+              <a:rPr lang="zh-TW" altLang="en-US" sz="1100" dirty="0" smtClean="0"/>
+              <a:t>的所有資料</a:t>
+            </a:r>
+            <a:endParaRPr lang="en-US" altLang="zh-TW" sz="1100" dirty="0" smtClean="0"/>
+          </a:p>
+        </p:txBody>
+      </p:sp>
+      <p:sp>
+        <p:nvSpPr>
+          <p:cNvPr id="7" name="矩形 6"/>
+          <p:cNvSpPr/>
+          <p:nvPr/>
+        </p:nvSpPr>
+        <p:spPr>
+          <a:xfrm>
+            <a:off x="6699847" y="2197878"/>
+            <a:ext cx="1693655" cy="430887"/>
+          </a:xfrm>
+          <a:prstGeom prst="rect">
+            <a:avLst/>
+          </a:prstGeom>
+          <a:solidFill>
+            <a:schemeClr val="accent5">
+              <a:lumMod val="40000"/>
+              <a:lumOff val="60000"/>
+            </a:schemeClr>
+          </a:solidFill>
+        </p:spPr>
+        <p:txBody>
+          <a:bodyPr wrap="square">
+            <a:spAutoFit/>
+          </a:bodyPr>
+          <a:lstStyle/>
+          <a:p>
+            <a:r>
+              <a:rPr lang="zh-TW" altLang="en-US" sz="1100" dirty="0" smtClean="0"/>
+              <a:t>如果</a:t>
+            </a:r>
+            <a:r>
+              <a:rPr lang="en-US" altLang="zh-TW" sz="1100" dirty="0" smtClean="0"/>
+              <a:t>ID</a:t>
+            </a:r>
+            <a:r>
+              <a:rPr lang="zh-TW" altLang="en-US" sz="1100" dirty="0" smtClean="0"/>
+              <a:t>是空的值</a:t>
+            </a:r>
+            <a:r>
+              <a:rPr lang="en-US" altLang="zh-TW" sz="1100" dirty="0" smtClean="0"/>
+              <a:t/>
+            </a:r>
+            <a:br>
+              <a:rPr lang="en-US" altLang="zh-TW" sz="1100" dirty="0" smtClean="0"/>
+            </a:br>
+            <a:r>
+              <a:rPr lang="zh-TW" altLang="en-US" sz="1100" dirty="0" smtClean="0"/>
+              <a:t>就會給一個</a:t>
+            </a:r>
+            <a:r>
+              <a:rPr lang="en-US" altLang="zh-TW" sz="1100" dirty="0" err="1"/>
+              <a:t>BadRequest</a:t>
+            </a:r>
+            <a:endParaRPr lang="en-US" altLang="zh-TW" sz="1100" dirty="0" smtClean="0"/>
+          </a:p>
+        </p:txBody>
+      </p:sp>
+      <p:sp>
+        <p:nvSpPr>
+          <p:cNvPr id="8" name="矩形 7"/>
+          <p:cNvSpPr/>
+          <p:nvPr/>
+        </p:nvSpPr>
+        <p:spPr>
+          <a:xfrm>
+            <a:off x="5158592" y="3039087"/>
+            <a:ext cx="1693655" cy="600164"/>
+          </a:xfrm>
+          <a:prstGeom prst="rect">
+            <a:avLst/>
+          </a:prstGeom>
+          <a:solidFill>
+            <a:schemeClr val="accent5">
+              <a:lumMod val="40000"/>
+              <a:lumOff val="60000"/>
+            </a:schemeClr>
+          </a:solidFill>
+        </p:spPr>
+        <p:txBody>
+          <a:bodyPr wrap="square">
+            <a:spAutoFit/>
+          </a:bodyPr>
+          <a:lstStyle/>
+          <a:p>
+            <a:r>
+              <a:rPr lang="zh-TW" altLang="en-US" sz="1100" dirty="0" smtClean="0"/>
+              <a:t>找出</a:t>
+            </a:r>
+            <a:r>
+              <a:rPr lang="en-US" altLang="zh-TW" sz="1100" dirty="0" smtClean="0"/>
+              <a:t>Gamer</a:t>
+            </a:r>
+          </a:p>
+          <a:p>
+            <a:r>
+              <a:rPr lang="zh-TW" altLang="en-US" sz="1100" dirty="0" smtClean="0"/>
+              <a:t>如果</a:t>
+            </a:r>
+            <a:r>
+              <a:rPr lang="en-US" altLang="zh-TW" sz="1100" dirty="0" smtClean="0"/>
+              <a:t>Gamer</a:t>
+            </a:r>
+            <a:r>
+              <a:rPr lang="zh-TW" altLang="en-US" sz="1100" dirty="0" smtClean="0"/>
+              <a:t>是空的</a:t>
+            </a:r>
+            <a:endParaRPr lang="en-US" altLang="zh-TW" sz="1100" dirty="0" smtClean="0"/>
+          </a:p>
+          <a:p>
+            <a:r>
+              <a:rPr lang="zh-TW" altLang="en-US" sz="1100" dirty="0" smtClean="0"/>
+              <a:t>就會顯示</a:t>
+            </a:r>
+            <a:r>
+              <a:rPr lang="en-US" altLang="zh-TW" sz="1100" dirty="0" err="1"/>
+              <a:t>HttpNotFound</a:t>
+            </a:r>
+            <a:endParaRPr lang="en-US" altLang="zh-TW" sz="1100" dirty="0" smtClean="0"/>
+          </a:p>
+        </p:txBody>
+      </p:sp>
+      <p:sp>
+        <p:nvSpPr>
+          <p:cNvPr id="9" name="矩形 8"/>
+          <p:cNvSpPr/>
+          <p:nvPr/>
+        </p:nvSpPr>
+        <p:spPr>
+          <a:xfrm>
+            <a:off x="2748947" y="4303856"/>
+            <a:ext cx="2262998" cy="261610"/>
+          </a:xfrm>
+          <a:prstGeom prst="rect">
+            <a:avLst/>
+          </a:prstGeom>
+          <a:solidFill>
+            <a:schemeClr val="accent5">
+              <a:lumMod val="40000"/>
+              <a:lumOff val="60000"/>
+            </a:schemeClr>
+          </a:solidFill>
+        </p:spPr>
+        <p:txBody>
+          <a:bodyPr wrap="square">
+            <a:spAutoFit/>
+          </a:bodyPr>
+          <a:lstStyle/>
+          <a:p>
+            <a:r>
+              <a:rPr lang="zh-TW" altLang="en-US" sz="1100" dirty="0" smtClean="0"/>
+              <a:t>再回傳到</a:t>
+            </a:r>
+            <a:r>
+              <a:rPr lang="en-US" altLang="zh-TW" sz="1100" dirty="0" smtClean="0"/>
+              <a:t>View(</a:t>
+            </a:r>
+            <a:r>
+              <a:rPr lang="en-US" altLang="zh-TW" sz="1100" dirty="0" err="1" smtClean="0"/>
+              <a:t>Details.cshtml</a:t>
+            </a:r>
+            <a:r>
+              <a:rPr lang="en-US" altLang="zh-TW" sz="1100" dirty="0" smtClean="0"/>
+              <a:t>)</a:t>
+            </a:r>
+          </a:p>
+        </p:txBody>
+      </p:sp>
+    </p:spTree>
+    <p:extLst>
+      <p:ext uri="{BB962C8B-B14F-4D97-AF65-F5344CB8AC3E}">
+        <p14:creationId xmlns:p14="http://schemas.microsoft.com/office/powerpoint/2010/main" val="318839395"/>
+      </p:ext>
+    </p:extLst>
+  </p:cSld>
+  <p:clrMapOvr>
+    <a:masterClrMapping/>
+  </p:clrMapOvr>
+</p:sld>
+</file>
+
+<file path=ppt/slides/slide27.xml><?xml version="1.0" encoding="utf-8"?>
+<p:sld xmlns:a="http://schemas.openxmlformats.org/drawingml/2006/main" xmlns:r="http://schemas.openxmlformats.org/officeDocument/2006/relationships" xmlns:p="http://schemas.openxmlformats.org/presentationml/2006/main">
+  <p:cSld>
+    <p:spTree>
+      <p:nvGrpSpPr>
+        <p:cNvPr id="1" name=""/>
+        <p:cNvGrpSpPr/>
+        <p:nvPr/>
+      </p:nvGrpSpPr>
+      <p:grpSpPr>
+        <a:xfrm>
+          <a:off x="0" y="0"/>
+          <a:ext cx="0" cy="0"/>
+          <a:chOff x="0" y="0"/>
+          <a:chExt cx="0" cy="0"/>
+        </a:xfrm>
+      </p:grpSpPr>
+      <p:pic>
+        <p:nvPicPr>
+          <p:cNvPr id="4" name="Picture 2"/>
+          <p:cNvPicPr>
+            <a:picLocks noChangeAspect="1" noChangeArrowheads="1"/>
+          </p:cNvPicPr>
+          <p:nvPr/>
+        </p:nvPicPr>
+        <p:blipFill rotWithShape="1">
+          <a:blip r:embed="rId2">
+            <a:extLst>
+              <a:ext uri="{28A0092B-C50C-407E-A947-70E740481C1C}">
+                <a14:useLocalDpi xmlns:a14="http://schemas.microsoft.com/office/drawing/2010/main" val="0"/>
+              </a:ext>
+            </a:extLst>
+          </a:blip>
+          <a:srcRect b="24864"/>
+          <a:stretch/>
+        </p:blipFill>
+        <p:spPr bwMode="auto">
+          <a:xfrm>
+            <a:off x="125351" y="985209"/>
+            <a:ext cx="7800975" cy="1688980"/>
+          </a:xfrm>
+          <a:prstGeom prst="rect">
+            <a:avLst/>
+          </a:prstGeom>
+          <a:noFill/>
+          <a:ln>
+            <a:noFill/>
+          </a:ln>
+          <a:extLst>
+            <a:ext uri="{909E8E84-426E-40DD-AFC4-6F175D3DCCD1}">
+              <a14:hiddenFill xmlns:a14="http://schemas.microsoft.com/office/drawing/2010/main">
+                <a:solidFill>
+                  <a:schemeClr val="accent1"/>
+                </a:solidFill>
+              </a14:hiddenFill>
+            </a:ext>
+            <a:ext uri="{91240B29-F687-4F45-9708-019B960494DF}">
+              <a14:hiddenLine xmlns:a14="http://schemas.microsoft.com/office/drawing/2010/main" w="9525">
+                <a:solidFill>
+                  <a:schemeClr val="tx1"/>
+                </a:solidFill>
+                <a:miter lim="800000"/>
+                <a:headEnd/>
+                <a:tailEnd/>
+              </a14:hiddenLine>
+            </a:ext>
+          </a:extLst>
+        </p:spPr>
+      </p:pic>
+      <p:sp>
+        <p:nvSpPr>
+          <p:cNvPr id="5" name="矩形 4"/>
+          <p:cNvSpPr/>
+          <p:nvPr/>
+        </p:nvSpPr>
+        <p:spPr>
+          <a:xfrm>
+            <a:off x="125351" y="121572"/>
+            <a:ext cx="3590150" cy="461665"/>
+          </a:xfrm>
+          <a:prstGeom prst="rect">
+            <a:avLst/>
+          </a:prstGeom>
+        </p:spPr>
+        <p:txBody>
+          <a:bodyPr wrap="none">
+            <a:spAutoFit/>
+          </a:bodyPr>
+          <a:lstStyle/>
+          <a:p>
+            <a:r>
+              <a:rPr lang="en-US" altLang="zh-TW" sz="2400" dirty="0" err="1" smtClean="0">
+                <a:solidFill>
+                  <a:srgbClr val="FF0000"/>
+                </a:solidFill>
+              </a:rPr>
+              <a:t>GamersController</a:t>
+            </a:r>
+            <a:r>
+              <a:rPr lang="zh-TW" altLang="en-US" sz="2400" dirty="0" smtClean="0">
+                <a:solidFill>
+                  <a:srgbClr val="FF0000"/>
+                </a:solidFill>
+              </a:rPr>
+              <a:t>  </a:t>
+            </a:r>
+            <a:r>
+              <a:rPr lang="en-US" altLang="zh-TW" sz="2400" dirty="0" smtClean="0">
+                <a:solidFill>
+                  <a:srgbClr val="FF0000"/>
+                </a:solidFill>
+              </a:rPr>
+              <a:t>-</a:t>
+            </a:r>
+            <a:r>
+              <a:rPr lang="zh-TW" altLang="en-US" sz="2400" dirty="0" smtClean="0">
+                <a:solidFill>
+                  <a:srgbClr val="FF0000"/>
+                </a:solidFill>
+              </a:rPr>
+              <a:t>  </a:t>
+            </a:r>
+            <a:r>
+              <a:rPr lang="en-US" altLang="zh-TW" sz="2400" dirty="0" smtClean="0">
+                <a:solidFill>
+                  <a:srgbClr val="FF0000"/>
+                </a:solidFill>
+              </a:rPr>
+              <a:t>Create</a:t>
+            </a:r>
+            <a:endParaRPr lang="zh-TW" altLang="en-US" sz="2400" dirty="0">
+              <a:solidFill>
+                <a:srgbClr val="FF0000"/>
+              </a:solidFill>
+            </a:endParaRPr>
+          </a:p>
+        </p:txBody>
+      </p:sp>
+      <p:sp>
+        <p:nvSpPr>
+          <p:cNvPr id="6" name="矩形 5"/>
+          <p:cNvSpPr/>
+          <p:nvPr/>
+        </p:nvSpPr>
+        <p:spPr>
+          <a:xfrm>
+            <a:off x="5443267" y="1329486"/>
+            <a:ext cx="4071670" cy="430887"/>
+          </a:xfrm>
+          <a:prstGeom prst="rect">
+            <a:avLst/>
+          </a:prstGeom>
+          <a:solidFill>
+            <a:schemeClr val="accent5">
+              <a:lumMod val="40000"/>
+              <a:lumOff val="60000"/>
+            </a:schemeClr>
+          </a:solidFill>
+        </p:spPr>
+        <p:txBody>
+          <a:bodyPr wrap="square">
+            <a:spAutoFit/>
+          </a:bodyPr>
+          <a:lstStyle/>
+          <a:p>
+            <a:r>
+              <a:rPr lang="zh-TW" altLang="en-US" sz="1100" dirty="0" smtClean="0"/>
+              <a:t>給他一個</a:t>
+            </a:r>
+            <a:r>
+              <a:rPr lang="en-US" altLang="zh-TW" sz="1100" dirty="0" smtClean="0"/>
+              <a:t>ID</a:t>
+            </a:r>
+            <a:r>
+              <a:rPr lang="zh-TW" altLang="en-US" sz="1100" dirty="0" smtClean="0"/>
+              <a:t> 他就會找出</a:t>
+            </a:r>
+            <a:r>
+              <a:rPr lang="en-US" altLang="zh-TW" sz="1100" dirty="0" smtClean="0"/>
+              <a:t>Gamer</a:t>
+            </a:r>
+            <a:br>
+              <a:rPr lang="en-US" altLang="zh-TW" sz="1100" dirty="0" smtClean="0"/>
+            </a:br>
+            <a:r>
+              <a:rPr lang="zh-TW" altLang="en-US" sz="1100" dirty="0" smtClean="0"/>
+              <a:t>然後就會給你這個</a:t>
+            </a:r>
+            <a:r>
+              <a:rPr lang="en-US" altLang="zh-TW" sz="1100" dirty="0" smtClean="0"/>
+              <a:t>Gamer</a:t>
+            </a:r>
+            <a:r>
+              <a:rPr lang="zh-TW" altLang="en-US" sz="1100" dirty="0" smtClean="0"/>
+              <a:t>的所有資料</a:t>
+            </a:r>
+            <a:endParaRPr lang="en-US" altLang="zh-TW" sz="1100" dirty="0" smtClean="0"/>
+          </a:p>
+        </p:txBody>
+      </p:sp>
+      <p:sp>
+        <p:nvSpPr>
+          <p:cNvPr id="7" name="矩形 6"/>
+          <p:cNvSpPr/>
+          <p:nvPr/>
+        </p:nvSpPr>
+        <p:spPr>
+          <a:xfrm>
+            <a:off x="4103159" y="2142171"/>
+            <a:ext cx="348071" cy="153809"/>
+          </a:xfrm>
+          <a:prstGeom prst="rect">
+            <a:avLst/>
+          </a:prstGeom>
+          <a:noFill/>
+          <a:ln w="38100">
+            <a:solidFill>
+              <a:srgbClr val="FF0000"/>
+            </a:solidFill>
+          </a:ln>
+        </p:spPr>
+        <p:style>
+          <a:lnRef idx="2">
+            <a:schemeClr val="accent1">
+              <a:shade val="50000"/>
+            </a:schemeClr>
+          </a:lnRef>
+          <a:fillRef idx="1">
+            <a:schemeClr val="accent1"/>
+          </a:fillRef>
+          <a:effectRef idx="0">
+            <a:schemeClr val="accent1"/>
+          </a:effectRef>
+          <a:fontRef idx="minor">
+            <a:schemeClr val="lt1"/>
+          </a:fontRef>
+        </p:style>
+        <p:txBody>
+          <a:bodyPr rtlCol="0" anchor="ctr"/>
+          <a:lstStyle/>
+          <a:p>
+            <a:pPr algn="ctr"/>
+            <a:endParaRPr lang="zh-TW" altLang="en-US"/>
+          </a:p>
+        </p:txBody>
+      </p:sp>
+      <p:sp>
+        <p:nvSpPr>
+          <p:cNvPr id="8" name="矩形 7"/>
+          <p:cNvSpPr/>
+          <p:nvPr/>
+        </p:nvSpPr>
+        <p:spPr>
+          <a:xfrm>
+            <a:off x="1199072" y="2139240"/>
+            <a:ext cx="517585" cy="156740"/>
+          </a:xfrm>
+          <a:prstGeom prst="rect">
+            <a:avLst/>
+          </a:prstGeom>
+          <a:noFill/>
+          <a:ln w="38100">
+            <a:solidFill>
+              <a:srgbClr val="FF0000"/>
+            </a:solidFill>
+          </a:ln>
+        </p:spPr>
+        <p:style>
+          <a:lnRef idx="2">
+            <a:schemeClr val="accent1">
+              <a:shade val="50000"/>
+            </a:schemeClr>
+          </a:lnRef>
+          <a:fillRef idx="1">
+            <a:schemeClr val="accent1"/>
+          </a:fillRef>
+          <a:effectRef idx="0">
+            <a:schemeClr val="accent1"/>
+          </a:effectRef>
+          <a:fontRef idx="minor">
+            <a:schemeClr val="lt1"/>
+          </a:fontRef>
+        </p:style>
+        <p:txBody>
+          <a:bodyPr rtlCol="0" anchor="ctr"/>
+          <a:lstStyle/>
+          <a:p>
+            <a:pPr algn="ctr"/>
+            <a:endParaRPr lang="zh-TW" altLang="en-US"/>
+          </a:p>
+        </p:txBody>
+      </p:sp>
+      <p:sp>
+        <p:nvSpPr>
+          <p:cNvPr id="9" name="矩形 8"/>
+          <p:cNvSpPr/>
+          <p:nvPr/>
+        </p:nvSpPr>
+        <p:spPr>
+          <a:xfrm>
+            <a:off x="4664014" y="2142171"/>
+            <a:ext cx="4071670" cy="261610"/>
+          </a:xfrm>
+          <a:prstGeom prst="rect">
+            <a:avLst/>
+          </a:prstGeom>
+          <a:solidFill>
+            <a:schemeClr val="accent5">
+              <a:lumMod val="40000"/>
+              <a:lumOff val="60000"/>
+            </a:schemeClr>
+          </a:solidFill>
+        </p:spPr>
+        <p:txBody>
+          <a:bodyPr wrap="square">
+            <a:spAutoFit/>
+          </a:bodyPr>
+          <a:lstStyle/>
+          <a:p>
+            <a:r>
+              <a:rPr lang="zh-TW" altLang="en-US" sz="1100" dirty="0"/>
+              <a:t>找</a:t>
+            </a:r>
+            <a:r>
+              <a:rPr lang="zh-TW" altLang="en-US" sz="1100" dirty="0" smtClean="0"/>
+              <a:t>一個</a:t>
+            </a:r>
+            <a:r>
+              <a:rPr lang="en-US" altLang="zh-TW" sz="1100" dirty="0" smtClean="0"/>
+              <a:t>name=</a:t>
+            </a:r>
+            <a:r>
+              <a:rPr lang="en-US" altLang="zh-TW" sz="1100" dirty="0" err="1" smtClean="0"/>
+              <a:t>TeamID</a:t>
+            </a:r>
+            <a:endParaRPr lang="en-US" altLang="zh-TW" sz="1100" dirty="0" smtClean="0"/>
+          </a:p>
+        </p:txBody>
+      </p:sp>
+      <p:pic>
+        <p:nvPicPr>
+          <p:cNvPr id="4099" name="Picture 3"/>
+          <p:cNvPicPr>
+            <a:picLocks noChangeAspect="1" noChangeArrowheads="1"/>
+          </p:cNvPicPr>
+          <p:nvPr/>
+        </p:nvPicPr>
+        <p:blipFill>
+          <a:blip r:embed="rId3">
+            <a:extLst>
+              <a:ext uri="{28A0092B-C50C-407E-A947-70E740481C1C}">
+                <a14:useLocalDpi xmlns:a14="http://schemas.microsoft.com/office/drawing/2010/main" val="0"/>
+              </a:ext>
+            </a:extLst>
+          </a:blip>
+          <a:srcRect/>
+          <a:stretch>
+            <a:fillRect/>
+          </a:stretch>
+        </p:blipFill>
+        <p:spPr bwMode="auto">
+          <a:xfrm>
+            <a:off x="86193" y="2674189"/>
+            <a:ext cx="9022736" cy="3588588"/>
+          </a:xfrm>
+          <a:prstGeom prst="rect">
+            <a:avLst/>
+          </a:prstGeom>
+          <a:noFill/>
+          <a:ln>
+            <a:noFill/>
+          </a:ln>
+          <a:extLst>
+            <a:ext uri="{909E8E84-426E-40DD-AFC4-6F175D3DCCD1}">
+              <a14:hiddenFill xmlns:a14="http://schemas.microsoft.com/office/drawing/2010/main">
+                <a:solidFill>
+                  <a:schemeClr val="accent1"/>
+                </a:solidFill>
+              </a14:hiddenFill>
+            </a:ext>
+            <a:ext uri="{91240B29-F687-4F45-9708-019B960494DF}">
+              <a14:hiddenLine xmlns:a14="http://schemas.microsoft.com/office/drawing/2010/main" w="9525">
+                <a:solidFill>
+                  <a:schemeClr val="tx1"/>
+                </a:solidFill>
+                <a:miter lim="800000"/>
+                <a:headEnd/>
+                <a:tailEnd/>
+              </a14:hiddenLine>
+            </a:ext>
+          </a:extLst>
+        </p:spPr>
+      </p:pic>
+      <p:sp>
+        <p:nvSpPr>
+          <p:cNvPr id="12" name="矩形 11"/>
+          <p:cNvSpPr/>
+          <p:nvPr/>
+        </p:nvSpPr>
+        <p:spPr>
+          <a:xfrm>
+            <a:off x="3367430" y="3096828"/>
+            <a:ext cx="5368254" cy="267474"/>
+          </a:xfrm>
+          <a:prstGeom prst="rect">
+            <a:avLst/>
+          </a:prstGeom>
+          <a:noFill/>
+          <a:ln w="38100">
+            <a:solidFill>
+              <a:srgbClr val="FF0000"/>
+            </a:solidFill>
+          </a:ln>
+        </p:spPr>
+        <p:style>
+          <a:lnRef idx="2">
+            <a:schemeClr val="accent1">
+              <a:shade val="50000"/>
+            </a:schemeClr>
+          </a:lnRef>
+          <a:fillRef idx="1">
+            <a:schemeClr val="accent1"/>
+          </a:fillRef>
+          <a:effectRef idx="0">
+            <a:schemeClr val="accent1"/>
+          </a:effectRef>
+          <a:fontRef idx="minor">
+            <a:schemeClr val="lt1"/>
+          </a:fontRef>
+        </p:style>
+        <p:txBody>
+          <a:bodyPr rtlCol="0" anchor="ctr"/>
+          <a:lstStyle/>
+          <a:p>
+            <a:pPr algn="ctr"/>
+            <a:endParaRPr lang="zh-TW" altLang="en-US"/>
+          </a:p>
+        </p:txBody>
+      </p:sp>
+      <p:sp>
+        <p:nvSpPr>
+          <p:cNvPr id="14" name="矩形 13"/>
+          <p:cNvSpPr/>
+          <p:nvPr/>
+        </p:nvSpPr>
+        <p:spPr>
+          <a:xfrm>
+            <a:off x="5653176" y="2579299"/>
+            <a:ext cx="4071670" cy="430887"/>
+          </a:xfrm>
+          <a:prstGeom prst="rect">
+            <a:avLst/>
+          </a:prstGeom>
+          <a:solidFill>
+            <a:schemeClr val="accent5">
+              <a:lumMod val="40000"/>
+              <a:lumOff val="60000"/>
+            </a:schemeClr>
+          </a:solidFill>
+        </p:spPr>
+        <p:txBody>
+          <a:bodyPr wrap="square">
+            <a:spAutoFit/>
+          </a:bodyPr>
+          <a:lstStyle/>
+          <a:p>
+            <a:r>
+              <a:rPr lang="zh-TW" altLang="en-US" sz="1100" dirty="0">
+                <a:solidFill>
+                  <a:sysClr val="windowText" lastClr="000000"/>
+                </a:solidFill>
+              </a:rPr>
+              <a:t>使用</a:t>
+            </a:r>
+            <a:r>
+              <a:rPr lang="en-US" altLang="zh-TW" sz="1100" dirty="0">
+                <a:solidFill>
+                  <a:sysClr val="windowText" lastClr="000000"/>
+                </a:solidFill>
+              </a:rPr>
+              <a:t>Model binding</a:t>
+            </a:r>
+            <a:r>
+              <a:rPr lang="zh-TW" altLang="en-US" sz="1100" dirty="0">
+                <a:solidFill>
+                  <a:sysClr val="windowText" lastClr="000000"/>
+                </a:solidFill>
+              </a:rPr>
+              <a:t> </a:t>
+            </a:r>
+            <a:r>
+              <a:rPr lang="en-US" altLang="zh-TW" sz="1100" dirty="0" smtClean="0">
+                <a:solidFill>
+                  <a:sysClr val="windowText" lastClr="000000"/>
+                </a:solidFill>
+              </a:rPr>
+              <a:t>–Include</a:t>
+            </a:r>
+            <a:br>
+              <a:rPr lang="en-US" altLang="zh-TW" sz="1100" dirty="0" smtClean="0">
+                <a:solidFill>
+                  <a:sysClr val="windowText" lastClr="000000"/>
+                </a:solidFill>
+              </a:rPr>
+            </a:br>
+            <a:r>
+              <a:rPr lang="zh-TW" altLang="en-US" sz="1100" dirty="0" smtClean="0">
+                <a:solidFill>
+                  <a:sysClr val="windowText" lastClr="000000"/>
+                </a:solidFill>
+              </a:rPr>
+              <a:t>去更新</a:t>
+            </a:r>
+            <a:r>
+              <a:rPr lang="en-US" altLang="zh-TW" sz="1100" dirty="0" smtClean="0">
+                <a:solidFill>
+                  <a:sysClr val="windowText" lastClr="000000"/>
+                </a:solidFill>
+              </a:rPr>
+              <a:t>gamer</a:t>
+            </a:r>
+            <a:endParaRPr lang="zh-TW" altLang="en-US" sz="1100" dirty="0">
+              <a:solidFill>
+                <a:sysClr val="windowText" lastClr="000000"/>
+              </a:solidFill>
+            </a:endParaRPr>
+          </a:p>
+        </p:txBody>
+      </p:sp>
+      <p:sp>
+        <p:nvSpPr>
+          <p:cNvPr id="15" name="矩形 14"/>
+          <p:cNvSpPr/>
+          <p:nvPr/>
+        </p:nvSpPr>
+        <p:spPr>
+          <a:xfrm>
+            <a:off x="3422930" y="4646763"/>
+            <a:ext cx="2349261" cy="261610"/>
+          </a:xfrm>
+          <a:prstGeom prst="rect">
+            <a:avLst/>
+          </a:prstGeom>
+          <a:solidFill>
+            <a:schemeClr val="accent5">
+              <a:lumMod val="40000"/>
+              <a:lumOff val="60000"/>
+            </a:schemeClr>
+          </a:solidFill>
+        </p:spPr>
+        <p:txBody>
+          <a:bodyPr wrap="square">
+            <a:spAutoFit/>
+          </a:bodyPr>
+          <a:lstStyle/>
+          <a:p>
+            <a:r>
+              <a:rPr lang="zh-TW" altLang="en-US" sz="1100" dirty="0">
+                <a:solidFill>
+                  <a:sysClr val="windowText" lastClr="000000"/>
+                </a:solidFill>
+              </a:rPr>
+              <a:t>如果驗證有過</a:t>
+            </a:r>
+            <a:r>
+              <a:rPr lang="zh-TW" altLang="en-US" sz="1100" dirty="0" smtClean="0">
+                <a:solidFill>
+                  <a:sysClr val="windowText" lastClr="000000"/>
+                </a:solidFill>
+              </a:rPr>
+              <a:t>的話就新增</a:t>
+            </a:r>
+            <a:endParaRPr lang="zh-TW" altLang="en-US" sz="1100" dirty="0">
+              <a:solidFill>
+                <a:sysClr val="windowText" lastClr="000000"/>
+              </a:solidFill>
+            </a:endParaRPr>
+          </a:p>
+        </p:txBody>
+      </p:sp>
+      <p:sp>
+        <p:nvSpPr>
+          <p:cNvPr id="16" name="矩形 15"/>
+          <p:cNvSpPr/>
+          <p:nvPr/>
+        </p:nvSpPr>
+        <p:spPr>
+          <a:xfrm>
+            <a:off x="3102562" y="5929223"/>
+            <a:ext cx="3255105" cy="261610"/>
+          </a:xfrm>
+          <a:prstGeom prst="rect">
+            <a:avLst/>
+          </a:prstGeom>
+          <a:solidFill>
+            <a:schemeClr val="accent5">
+              <a:lumMod val="40000"/>
+              <a:lumOff val="60000"/>
+            </a:schemeClr>
+          </a:solidFill>
+        </p:spPr>
+        <p:txBody>
+          <a:bodyPr wrap="square">
+            <a:spAutoFit/>
+          </a:bodyPr>
+          <a:lstStyle/>
+          <a:p>
+            <a:r>
+              <a:rPr lang="zh-TW" altLang="en-US" sz="1100" dirty="0" smtClean="0">
+                <a:solidFill>
+                  <a:sysClr val="windowText" lastClr="000000"/>
+                </a:solidFill>
+              </a:rPr>
+              <a:t>如果是錯誤的話就回到原本的頁面</a:t>
+            </a:r>
+            <a:r>
+              <a:rPr lang="en-US" altLang="zh-TW" sz="1100" dirty="0" err="1">
+                <a:solidFill>
+                  <a:sysClr val="windowText" lastClr="000000"/>
+                </a:solidFill>
+              </a:rPr>
+              <a:t>Create.cshtml</a:t>
+            </a:r>
+            <a:endParaRPr lang="zh-TW" altLang="en-US" sz="1100" dirty="0">
+              <a:solidFill>
+                <a:sysClr val="windowText" lastClr="000000"/>
+              </a:solidFill>
+            </a:endParaRPr>
+          </a:p>
+        </p:txBody>
+      </p:sp>
+      <p:sp>
+        <p:nvSpPr>
+          <p:cNvPr id="18" name="矩形 17"/>
+          <p:cNvSpPr/>
+          <p:nvPr/>
+        </p:nvSpPr>
+        <p:spPr>
+          <a:xfrm>
+            <a:off x="6061458" y="5581291"/>
+            <a:ext cx="1063961" cy="261610"/>
+          </a:xfrm>
+          <a:prstGeom prst="rect">
+            <a:avLst/>
+          </a:prstGeom>
+          <a:solidFill>
+            <a:schemeClr val="accent5">
+              <a:lumMod val="40000"/>
+              <a:lumOff val="60000"/>
+            </a:schemeClr>
+          </a:solidFill>
+        </p:spPr>
+        <p:txBody>
+          <a:bodyPr wrap="square">
+            <a:spAutoFit/>
+          </a:bodyPr>
+          <a:lstStyle/>
+          <a:p>
+            <a:r>
+              <a:rPr lang="zh-TW" altLang="en-US" sz="1100" dirty="0" smtClean="0">
+                <a:solidFill>
+                  <a:sysClr val="windowText" lastClr="000000"/>
+                </a:solidFill>
+              </a:rPr>
+              <a:t>丟回原本的值</a:t>
+            </a:r>
+            <a:endParaRPr lang="zh-TW" altLang="en-US" sz="1100" dirty="0">
+              <a:solidFill>
+                <a:sysClr val="windowText" lastClr="000000"/>
+              </a:solidFill>
+            </a:endParaRPr>
+          </a:p>
+        </p:txBody>
+      </p:sp>
+    </p:spTree>
+    <p:extLst>
+      <p:ext uri="{BB962C8B-B14F-4D97-AF65-F5344CB8AC3E}">
+        <p14:creationId xmlns:p14="http://schemas.microsoft.com/office/powerpoint/2010/main" val="2838840551"/>
+      </p:ext>
+    </p:extLst>
+  </p:cSld>
+  <p:clrMapOvr>
+    <a:masterClrMapping/>
+  </p:clrMapOvr>
+</p:sld>
+</file>
+
+<file path=ppt/slides/slide28.xml><?xml version="1.0" encoding="utf-8"?>
+<p:sld xmlns:a="http://schemas.openxmlformats.org/drawingml/2006/main" xmlns:r="http://schemas.openxmlformats.org/officeDocument/2006/relationships" xmlns:p="http://schemas.openxmlformats.org/presentationml/2006/main">
+  <p:cSld>
+    <p:spTree>
+      <p:nvGrpSpPr>
+        <p:cNvPr id="1" name=""/>
+        <p:cNvGrpSpPr/>
+        <p:nvPr/>
+      </p:nvGrpSpPr>
+      <p:grpSpPr>
+        <a:xfrm>
+          <a:off x="0" y="0"/>
+          <a:ext cx="0" cy="0"/>
+          <a:chOff x="0" y="0"/>
+          <a:chExt cx="0" cy="0"/>
+        </a:xfrm>
+      </p:grpSpPr>
+      <p:pic>
+        <p:nvPicPr>
+          <p:cNvPr id="4" name="Picture 2"/>
+          <p:cNvPicPr>
+            <a:picLocks noChangeAspect="1" noChangeArrowheads="1"/>
+          </p:cNvPicPr>
+          <p:nvPr/>
+        </p:nvPicPr>
+        <p:blipFill>
+          <a:blip r:embed="rId2">
+            <a:extLst>
+              <a:ext uri="{28A0092B-C50C-407E-A947-70E740481C1C}">
+                <a14:useLocalDpi xmlns:a14="http://schemas.microsoft.com/office/drawing/2010/main" val="0"/>
+              </a:ext>
+            </a:extLst>
+          </a:blip>
+          <a:srcRect/>
+          <a:stretch>
+            <a:fillRect/>
+          </a:stretch>
+        </p:blipFill>
+        <p:spPr bwMode="auto">
+          <a:xfrm>
+            <a:off x="194360" y="922937"/>
+            <a:ext cx="6048375" cy="3476625"/>
+          </a:xfrm>
+          <a:prstGeom prst="rect">
+            <a:avLst/>
+          </a:prstGeom>
+          <a:noFill/>
+          <a:ln>
+            <a:noFill/>
+          </a:ln>
+          <a:extLst>
+            <a:ext uri="{909E8E84-426E-40DD-AFC4-6F175D3DCCD1}">
+              <a14:hiddenFill xmlns:a14="http://schemas.microsoft.com/office/drawing/2010/main">
+                <a:solidFill>
+                  <a:schemeClr val="accent1"/>
+                </a:solidFill>
+              </a14:hiddenFill>
+            </a:ext>
+            <a:ext uri="{91240B29-F687-4F45-9708-019B960494DF}">
+              <a14:hiddenLine xmlns:a14="http://schemas.microsoft.com/office/drawing/2010/main" w="9525">
+                <a:solidFill>
+                  <a:schemeClr val="tx1"/>
+                </a:solidFill>
+                <a:miter lim="800000"/>
+                <a:headEnd/>
+                <a:tailEnd/>
+              </a14:hiddenLine>
+            </a:ext>
+          </a:extLst>
+        </p:spPr>
+      </p:pic>
+      <p:sp>
+        <p:nvSpPr>
+          <p:cNvPr id="5" name="矩形 4"/>
+          <p:cNvSpPr/>
+          <p:nvPr/>
+        </p:nvSpPr>
+        <p:spPr>
+          <a:xfrm>
+            <a:off x="194362" y="138825"/>
+            <a:ext cx="3252878" cy="461665"/>
+          </a:xfrm>
+          <a:prstGeom prst="rect">
+            <a:avLst/>
+          </a:prstGeom>
+        </p:spPr>
+        <p:txBody>
+          <a:bodyPr wrap="none">
+            <a:spAutoFit/>
+          </a:bodyPr>
+          <a:lstStyle/>
+          <a:p>
+            <a:r>
+              <a:rPr lang="en-US" altLang="zh-TW" sz="2400" dirty="0" err="1" smtClean="0">
+                <a:solidFill>
+                  <a:srgbClr val="FF0000"/>
+                </a:solidFill>
+              </a:rPr>
+              <a:t>GamersController</a:t>
+            </a:r>
+            <a:r>
+              <a:rPr lang="zh-TW" altLang="en-US" sz="2400" dirty="0" smtClean="0">
+                <a:solidFill>
+                  <a:srgbClr val="FF0000"/>
+                </a:solidFill>
+              </a:rPr>
+              <a:t>  </a:t>
+            </a:r>
+            <a:r>
+              <a:rPr lang="en-US" altLang="zh-TW" sz="2400" dirty="0" smtClean="0">
+                <a:solidFill>
+                  <a:srgbClr val="FF0000"/>
+                </a:solidFill>
+              </a:rPr>
+              <a:t>-</a:t>
+            </a:r>
+            <a:r>
+              <a:rPr lang="zh-TW" altLang="en-US" sz="2400" dirty="0" smtClean="0">
+                <a:solidFill>
+                  <a:srgbClr val="FF0000"/>
+                </a:solidFill>
+              </a:rPr>
+              <a:t>  </a:t>
+            </a:r>
+            <a:r>
+              <a:rPr lang="en-US" altLang="zh-TW" sz="2400" dirty="0" smtClean="0">
+                <a:solidFill>
+                  <a:srgbClr val="FF0000"/>
+                </a:solidFill>
+              </a:rPr>
+              <a:t>Edit</a:t>
+            </a:r>
+            <a:endParaRPr lang="zh-TW" altLang="en-US" sz="2400" dirty="0">
+              <a:solidFill>
+                <a:srgbClr val="FF0000"/>
+              </a:solidFill>
+            </a:endParaRPr>
+          </a:p>
+        </p:txBody>
+      </p:sp>
+      <p:sp>
+        <p:nvSpPr>
+          <p:cNvPr id="6" name="矩形 5"/>
+          <p:cNvSpPr/>
+          <p:nvPr/>
+        </p:nvSpPr>
+        <p:spPr>
+          <a:xfrm>
+            <a:off x="3769741" y="803185"/>
+            <a:ext cx="4071670" cy="430887"/>
+          </a:xfrm>
+          <a:prstGeom prst="rect">
+            <a:avLst/>
+          </a:prstGeom>
+          <a:solidFill>
+            <a:schemeClr val="accent5">
+              <a:lumMod val="40000"/>
+              <a:lumOff val="60000"/>
+            </a:schemeClr>
+          </a:solidFill>
+        </p:spPr>
+        <p:txBody>
+          <a:bodyPr wrap="square">
+            <a:spAutoFit/>
+          </a:bodyPr>
+          <a:lstStyle/>
+          <a:p>
+            <a:r>
+              <a:rPr lang="zh-TW" altLang="en-US" sz="1100" dirty="0" smtClean="0"/>
+              <a:t>要給他一個</a:t>
+            </a:r>
+            <a:r>
+              <a:rPr lang="en-US" altLang="zh-TW" sz="1100" dirty="0" smtClean="0"/>
+              <a:t>ID</a:t>
+            </a:r>
+            <a:r>
+              <a:rPr lang="zh-TW" altLang="en-US" sz="1100" dirty="0" smtClean="0"/>
+              <a:t> 就會找出</a:t>
+            </a:r>
+            <a:r>
+              <a:rPr lang="en-US" altLang="zh-TW" sz="1100" dirty="0" smtClean="0"/>
+              <a:t>Gamer</a:t>
+            </a:r>
+            <a:br>
+              <a:rPr lang="en-US" altLang="zh-TW" sz="1100" dirty="0" smtClean="0"/>
+            </a:br>
+            <a:r>
+              <a:rPr lang="zh-TW" altLang="en-US" sz="1100" dirty="0" smtClean="0"/>
+              <a:t>然後就會給你這個</a:t>
+            </a:r>
+            <a:r>
+              <a:rPr lang="en-US" altLang="zh-TW" sz="1100" dirty="0" smtClean="0"/>
+              <a:t>Gamer</a:t>
+            </a:r>
+            <a:r>
+              <a:rPr lang="zh-TW" altLang="en-US" sz="1100" dirty="0" smtClean="0"/>
+              <a:t>的所有資料</a:t>
+            </a:r>
+            <a:endParaRPr lang="en-US" altLang="zh-TW" sz="1100" dirty="0" smtClean="0"/>
+          </a:p>
+        </p:txBody>
+      </p:sp>
+      <p:sp>
+        <p:nvSpPr>
+          <p:cNvPr id="7" name="矩形 6"/>
+          <p:cNvSpPr/>
+          <p:nvPr/>
+        </p:nvSpPr>
+        <p:spPr>
+          <a:xfrm>
+            <a:off x="5283764" y="1352616"/>
+            <a:ext cx="1693655" cy="430887"/>
+          </a:xfrm>
+          <a:prstGeom prst="rect">
+            <a:avLst/>
+          </a:prstGeom>
+          <a:solidFill>
+            <a:schemeClr val="accent5">
+              <a:lumMod val="40000"/>
+              <a:lumOff val="60000"/>
+            </a:schemeClr>
+          </a:solidFill>
+        </p:spPr>
+        <p:txBody>
+          <a:bodyPr wrap="square">
+            <a:spAutoFit/>
+          </a:bodyPr>
+          <a:lstStyle/>
+          <a:p>
+            <a:r>
+              <a:rPr lang="zh-TW" altLang="en-US" sz="1100" dirty="0" smtClean="0"/>
+              <a:t>如果</a:t>
+            </a:r>
+            <a:r>
+              <a:rPr lang="en-US" altLang="zh-TW" sz="1100" dirty="0" smtClean="0"/>
+              <a:t>ID</a:t>
+            </a:r>
+            <a:r>
+              <a:rPr lang="zh-TW" altLang="en-US" sz="1100" dirty="0" smtClean="0"/>
+              <a:t>是空的值</a:t>
+            </a:r>
+            <a:r>
+              <a:rPr lang="en-US" altLang="zh-TW" sz="1100" dirty="0" smtClean="0"/>
+              <a:t/>
+            </a:r>
+            <a:br>
+              <a:rPr lang="en-US" altLang="zh-TW" sz="1100" dirty="0" smtClean="0"/>
+            </a:br>
+            <a:r>
+              <a:rPr lang="zh-TW" altLang="en-US" sz="1100" dirty="0" smtClean="0"/>
+              <a:t>就會給一個</a:t>
+            </a:r>
+            <a:r>
+              <a:rPr lang="en-US" altLang="zh-TW" sz="1100" dirty="0" err="1"/>
+              <a:t>BadRequest</a:t>
+            </a:r>
+            <a:endParaRPr lang="en-US" altLang="zh-TW" sz="1100" dirty="0" smtClean="0"/>
+          </a:p>
+        </p:txBody>
+      </p:sp>
+      <p:sp>
+        <p:nvSpPr>
+          <p:cNvPr id="8" name="矩形 7"/>
+          <p:cNvSpPr/>
+          <p:nvPr/>
+        </p:nvSpPr>
+        <p:spPr>
+          <a:xfrm>
+            <a:off x="4692766" y="2530039"/>
+            <a:ext cx="1693655" cy="600164"/>
+          </a:xfrm>
+          <a:prstGeom prst="rect">
+            <a:avLst/>
+          </a:prstGeom>
+          <a:solidFill>
+            <a:schemeClr val="accent5">
+              <a:lumMod val="40000"/>
+              <a:lumOff val="60000"/>
+            </a:schemeClr>
+          </a:solidFill>
+        </p:spPr>
+        <p:txBody>
+          <a:bodyPr wrap="square">
+            <a:spAutoFit/>
+          </a:bodyPr>
+          <a:lstStyle/>
+          <a:p>
+            <a:r>
+              <a:rPr lang="zh-TW" altLang="en-US" sz="1100" dirty="0" smtClean="0"/>
+              <a:t>找出</a:t>
+            </a:r>
+            <a:r>
+              <a:rPr lang="en-US" altLang="zh-TW" sz="1100" dirty="0" smtClean="0"/>
+              <a:t>Gamer</a:t>
+            </a:r>
+          </a:p>
+          <a:p>
+            <a:r>
+              <a:rPr lang="zh-TW" altLang="en-US" sz="1100" dirty="0" smtClean="0"/>
+              <a:t>如果</a:t>
+            </a:r>
+            <a:r>
+              <a:rPr lang="en-US" altLang="zh-TW" sz="1100" dirty="0" smtClean="0"/>
+              <a:t>Gamer</a:t>
+            </a:r>
+            <a:r>
+              <a:rPr lang="zh-TW" altLang="en-US" sz="1100" dirty="0" smtClean="0"/>
+              <a:t>是空的</a:t>
+            </a:r>
+            <a:endParaRPr lang="en-US" altLang="zh-TW" sz="1100" dirty="0" smtClean="0"/>
+          </a:p>
+          <a:p>
+            <a:r>
+              <a:rPr lang="zh-TW" altLang="en-US" sz="1100" dirty="0" smtClean="0"/>
+              <a:t>就會顯示</a:t>
+            </a:r>
+            <a:r>
+              <a:rPr lang="en-US" altLang="zh-TW" sz="1100" dirty="0" err="1"/>
+              <a:t>HttpNotFound</a:t>
+            </a:r>
+            <a:endParaRPr lang="en-US" altLang="zh-TW" sz="1100" dirty="0" smtClean="0"/>
+          </a:p>
+        </p:txBody>
+      </p:sp>
+      <p:sp>
+        <p:nvSpPr>
+          <p:cNvPr id="9" name="矩形 8"/>
+          <p:cNvSpPr/>
+          <p:nvPr/>
+        </p:nvSpPr>
+        <p:spPr>
+          <a:xfrm>
+            <a:off x="2232800" y="4007147"/>
+            <a:ext cx="2262998" cy="261610"/>
+          </a:xfrm>
+          <a:prstGeom prst="rect">
+            <a:avLst/>
+          </a:prstGeom>
+          <a:solidFill>
+            <a:schemeClr val="accent5">
+              <a:lumMod val="40000"/>
+              <a:lumOff val="60000"/>
+            </a:schemeClr>
+          </a:solidFill>
+        </p:spPr>
+        <p:txBody>
+          <a:bodyPr wrap="square">
+            <a:spAutoFit/>
+          </a:bodyPr>
+          <a:lstStyle/>
+          <a:p>
+            <a:r>
+              <a:rPr lang="zh-TW" altLang="en-US" sz="1100" dirty="0" smtClean="0"/>
+              <a:t>再回傳到</a:t>
+            </a:r>
+            <a:r>
+              <a:rPr lang="en-US" altLang="zh-TW" sz="1100" dirty="0" smtClean="0"/>
+              <a:t>View(</a:t>
+            </a:r>
+            <a:r>
+              <a:rPr lang="en-US" altLang="zh-TW" sz="1100" dirty="0" err="1" smtClean="0"/>
+              <a:t>Edit.cshtml</a:t>
+            </a:r>
+            <a:r>
+              <a:rPr lang="en-US" altLang="zh-TW" sz="1100" dirty="0" smtClean="0"/>
+              <a:t>)</a:t>
+            </a:r>
+          </a:p>
+        </p:txBody>
+      </p:sp>
+      <p:sp>
+        <p:nvSpPr>
+          <p:cNvPr id="10" name="矩形 9"/>
+          <p:cNvSpPr/>
+          <p:nvPr/>
+        </p:nvSpPr>
+        <p:spPr>
+          <a:xfrm>
+            <a:off x="5578413" y="3745537"/>
+            <a:ext cx="1131499" cy="261610"/>
+          </a:xfrm>
+          <a:prstGeom prst="rect">
+            <a:avLst/>
+          </a:prstGeom>
+          <a:solidFill>
+            <a:schemeClr val="accent5">
+              <a:lumMod val="40000"/>
+              <a:lumOff val="60000"/>
+            </a:schemeClr>
+          </a:solidFill>
+        </p:spPr>
+        <p:txBody>
+          <a:bodyPr wrap="square">
+            <a:spAutoFit/>
+          </a:bodyPr>
+          <a:lstStyle/>
+          <a:p>
+            <a:r>
+              <a:rPr lang="zh-TW" altLang="en-US" sz="1100" dirty="0" smtClean="0"/>
+              <a:t>找出原本的值</a:t>
+            </a:r>
+            <a:endParaRPr lang="en-US" altLang="zh-TW" sz="1100" dirty="0" smtClean="0"/>
+          </a:p>
+        </p:txBody>
+      </p:sp>
+      <p:sp>
+        <p:nvSpPr>
+          <p:cNvPr id="11" name="矩形 10"/>
+          <p:cNvSpPr/>
+          <p:nvPr/>
+        </p:nvSpPr>
+        <p:spPr>
+          <a:xfrm>
+            <a:off x="7533733" y="3483927"/>
+            <a:ext cx="3326924" cy="430887"/>
+          </a:xfrm>
+          <a:prstGeom prst="rect">
+            <a:avLst/>
+          </a:prstGeom>
+          <a:solidFill>
+            <a:schemeClr val="accent5">
+              <a:lumMod val="40000"/>
+              <a:lumOff val="60000"/>
+            </a:schemeClr>
+          </a:solidFill>
+        </p:spPr>
+        <p:txBody>
+          <a:bodyPr wrap="square">
+            <a:spAutoFit/>
+          </a:bodyPr>
+          <a:lstStyle/>
+          <a:p>
+            <a:r>
+              <a:rPr lang="en-US" altLang="zh-TW" sz="1100" dirty="0" err="1" smtClean="0"/>
+              <a:t>SelectList</a:t>
+            </a:r>
+            <a:r>
+              <a:rPr lang="zh-TW" altLang="en-US" sz="1100" dirty="0" smtClean="0"/>
+              <a:t>裡面 值</a:t>
+            </a:r>
+            <a:r>
+              <a:rPr lang="en-US" altLang="zh-TW" sz="1100" dirty="0" smtClean="0"/>
+              <a:t>(value)</a:t>
+            </a:r>
+            <a:r>
+              <a:rPr lang="zh-TW" altLang="en-US" sz="1100" dirty="0" smtClean="0"/>
+              <a:t>是</a:t>
+            </a:r>
+            <a:r>
+              <a:rPr lang="en-US" altLang="zh-TW" sz="1100" dirty="0" smtClean="0"/>
+              <a:t>ID</a:t>
+            </a:r>
+            <a:r>
+              <a:rPr lang="zh-TW" altLang="en-US" sz="1100" dirty="0" smtClean="0"/>
+              <a:t> </a:t>
+            </a:r>
+            <a:r>
+              <a:rPr lang="en-US" altLang="zh-TW" sz="1100" dirty="0" err="1" smtClean="0"/>
+              <a:t>texboxt</a:t>
+            </a:r>
+            <a:r>
+              <a:rPr lang="zh-TW" altLang="en-US" sz="1100" dirty="0" smtClean="0"/>
+              <a:t>是</a:t>
+            </a:r>
+            <a:r>
+              <a:rPr lang="en-US" altLang="zh-TW" sz="1100" dirty="0" smtClean="0"/>
+              <a:t>name</a:t>
+            </a:r>
+            <a:br>
+              <a:rPr lang="en-US" altLang="zh-TW" sz="1100" dirty="0" smtClean="0"/>
+            </a:br>
+            <a:r>
+              <a:rPr lang="zh-TW" altLang="en-US" sz="1100" dirty="0" smtClean="0"/>
+              <a:t>要做一個</a:t>
+            </a:r>
+            <a:r>
+              <a:rPr lang="en-US" altLang="zh-TW" sz="1100" dirty="0" err="1" smtClean="0"/>
+              <a:t>SelectList</a:t>
+            </a:r>
+            <a:r>
+              <a:rPr lang="zh-TW" altLang="en-US" sz="1100" dirty="0" smtClean="0"/>
+              <a:t>給</a:t>
+            </a:r>
+            <a:r>
+              <a:rPr lang="en-US" altLang="zh-TW" sz="1100" dirty="0" err="1" smtClean="0"/>
+              <a:t>TeamId</a:t>
+            </a:r>
+            <a:r>
+              <a:rPr lang="zh-TW" altLang="en-US" sz="1100" dirty="0" smtClean="0"/>
+              <a:t>的屬性</a:t>
+            </a:r>
+            <a:endParaRPr lang="en-US" altLang="zh-TW" sz="1100" dirty="0" smtClean="0"/>
+          </a:p>
+        </p:txBody>
+      </p:sp>
+    </p:spTree>
+    <p:extLst>
+      <p:ext uri="{BB962C8B-B14F-4D97-AF65-F5344CB8AC3E}">
+        <p14:creationId xmlns:p14="http://schemas.microsoft.com/office/powerpoint/2010/main" val="3279958235"/>
+      </p:ext>
+    </p:extLst>
+  </p:cSld>
+  <p:clrMapOvr>
+    <a:masterClrMapping/>
+  </p:clrMapOvr>
+</p:sld>
+</file>
+
+<file path=ppt/slides/slide29.xml><?xml version="1.0" encoding="utf-8"?>
+<p:sld xmlns:a="http://schemas.openxmlformats.org/drawingml/2006/main" xmlns:r="http://schemas.openxmlformats.org/officeDocument/2006/relationships" xmlns:p="http://schemas.openxmlformats.org/presentationml/2006/main">
+  <p:cSld>
+    <p:spTree>
+      <p:nvGrpSpPr>
+        <p:cNvPr id="1" name=""/>
+        <p:cNvGrpSpPr/>
+        <p:nvPr/>
+      </p:nvGrpSpPr>
+      <p:grpSpPr>
+        <a:xfrm>
+          <a:off x="0" y="0"/>
+          <a:ext cx="0" cy="0"/>
+          <a:chOff x="0" y="0"/>
+          <a:chExt cx="0" cy="0"/>
+        </a:xfrm>
+      </p:grpSpPr>
+      <p:pic>
+        <p:nvPicPr>
+          <p:cNvPr id="5122" name="Picture 2"/>
+          <p:cNvPicPr>
+            <a:picLocks noChangeAspect="1" noChangeArrowheads="1"/>
+          </p:cNvPicPr>
+          <p:nvPr/>
+        </p:nvPicPr>
+        <p:blipFill>
+          <a:blip r:embed="rId2">
+            <a:extLst>
+              <a:ext uri="{28A0092B-C50C-407E-A947-70E740481C1C}">
+                <a14:useLocalDpi xmlns:a14="http://schemas.microsoft.com/office/drawing/2010/main" val="0"/>
+              </a:ext>
+            </a:extLst>
+          </a:blip>
+          <a:srcRect/>
+          <a:stretch>
+            <a:fillRect/>
+          </a:stretch>
+        </p:blipFill>
+        <p:spPr bwMode="auto">
+          <a:xfrm>
+            <a:off x="328523" y="173607"/>
+            <a:ext cx="8153400" cy="6286500"/>
+          </a:xfrm>
+          <a:prstGeom prst="rect">
+            <a:avLst/>
+          </a:prstGeom>
+          <a:noFill/>
+          <a:ln>
+            <a:noFill/>
+          </a:ln>
+          <a:extLst>
+            <a:ext uri="{909E8E84-426E-40DD-AFC4-6F175D3DCCD1}">
+              <a14:hiddenFill xmlns:a14="http://schemas.microsoft.com/office/drawing/2010/main">
+                <a:solidFill>
+                  <a:schemeClr val="accent1"/>
+                </a:solidFill>
+              </a14:hiddenFill>
+            </a:ext>
+            <a:ext uri="{91240B29-F687-4F45-9708-019B960494DF}">
+              <a14:hiddenLine xmlns:a14="http://schemas.microsoft.com/office/drawing/2010/main" w="9525">
+                <a:solidFill>
+                  <a:schemeClr val="tx1"/>
+                </a:solidFill>
+                <a:miter lim="800000"/>
+                <a:headEnd/>
+                <a:tailEnd/>
+              </a14:hiddenLine>
+            </a:ext>
+          </a:extLst>
+        </p:spPr>
+      </p:pic>
+      <p:sp>
+        <p:nvSpPr>
+          <p:cNvPr id="5" name="矩形 4"/>
+          <p:cNvSpPr/>
+          <p:nvPr/>
+        </p:nvSpPr>
+        <p:spPr>
+          <a:xfrm>
+            <a:off x="1090056" y="1293962"/>
+            <a:ext cx="2524412" cy="905774"/>
+          </a:xfrm>
+          <a:prstGeom prst="rect">
+            <a:avLst/>
+          </a:prstGeom>
+          <a:noFill/>
+          <a:ln w="38100">
+            <a:solidFill>
+              <a:srgbClr val="FF0000"/>
+            </a:solidFill>
+          </a:ln>
+        </p:spPr>
+        <p:style>
+          <a:lnRef idx="2">
+            <a:schemeClr val="accent1">
+              <a:shade val="50000"/>
+            </a:schemeClr>
+          </a:lnRef>
+          <a:fillRef idx="1">
+            <a:schemeClr val="accent1"/>
+          </a:fillRef>
+          <a:effectRef idx="0">
+            <a:schemeClr val="accent1"/>
+          </a:effectRef>
+          <a:fontRef idx="minor">
+            <a:schemeClr val="lt1"/>
+          </a:fontRef>
+        </p:style>
+        <p:txBody>
+          <a:bodyPr rtlCol="0" anchor="ctr"/>
+          <a:lstStyle/>
+          <a:p>
+            <a:pPr algn="ctr"/>
+            <a:endParaRPr lang="zh-TW" altLang="en-US"/>
+          </a:p>
+        </p:txBody>
+      </p:sp>
+      <p:sp>
+        <p:nvSpPr>
+          <p:cNvPr id="6" name="矩形 5"/>
+          <p:cNvSpPr/>
+          <p:nvPr/>
+        </p:nvSpPr>
+        <p:spPr>
+          <a:xfrm>
+            <a:off x="3742422" y="1485239"/>
+            <a:ext cx="812325" cy="261610"/>
+          </a:xfrm>
+          <a:prstGeom prst="rect">
+            <a:avLst/>
+          </a:prstGeom>
+          <a:solidFill>
+            <a:schemeClr val="accent5">
+              <a:lumMod val="40000"/>
+              <a:lumOff val="60000"/>
+            </a:schemeClr>
+          </a:solidFill>
+        </p:spPr>
+        <p:txBody>
+          <a:bodyPr wrap="square">
+            <a:spAutoFit/>
+          </a:bodyPr>
+          <a:lstStyle/>
+          <a:p>
+            <a:r>
+              <a:rPr lang="zh-TW" altLang="en-US" sz="1100" dirty="0" smtClean="0"/>
+              <a:t>更新</a:t>
+            </a:r>
+            <a:r>
+              <a:rPr lang="zh-TW" altLang="en-US" sz="1100" dirty="0"/>
+              <a:t>值</a:t>
+            </a:r>
+            <a:endParaRPr lang="en-US" altLang="zh-TW" sz="1100" dirty="0" smtClean="0"/>
+          </a:p>
+        </p:txBody>
+      </p:sp>
+      <p:sp>
+        <p:nvSpPr>
+          <p:cNvPr id="7" name="矩形 6"/>
+          <p:cNvSpPr/>
+          <p:nvPr/>
+        </p:nvSpPr>
+        <p:spPr>
+          <a:xfrm>
+            <a:off x="3350637" y="2922975"/>
+            <a:ext cx="2153016" cy="261610"/>
+          </a:xfrm>
+          <a:prstGeom prst="rect">
+            <a:avLst/>
+          </a:prstGeom>
+          <a:solidFill>
+            <a:schemeClr val="accent5">
+              <a:lumMod val="40000"/>
+              <a:lumOff val="60000"/>
+            </a:schemeClr>
+          </a:solidFill>
+        </p:spPr>
+        <p:txBody>
+          <a:bodyPr wrap="square">
+            <a:spAutoFit/>
+          </a:bodyPr>
+          <a:lstStyle/>
+          <a:p>
+            <a:r>
+              <a:rPr lang="zh-TW" altLang="en-US" sz="1100" dirty="0" smtClean="0"/>
+              <a:t>用</a:t>
+            </a:r>
+            <a:r>
+              <a:rPr lang="en-US" altLang="zh-TW" sz="1100" dirty="0" err="1" smtClean="0"/>
+              <a:t>gamerFromDb</a:t>
+            </a:r>
+            <a:r>
+              <a:rPr lang="zh-TW" altLang="en-US" sz="1100" dirty="0" smtClean="0"/>
+              <a:t>去更新他的值</a:t>
+            </a:r>
+            <a:endParaRPr lang="en-US" altLang="zh-TW" sz="1100" dirty="0" smtClean="0"/>
+          </a:p>
+        </p:txBody>
+      </p:sp>
+      <p:sp>
+        <p:nvSpPr>
+          <p:cNvPr id="8" name="矩形 7"/>
+          <p:cNvSpPr/>
+          <p:nvPr/>
+        </p:nvSpPr>
+        <p:spPr>
+          <a:xfrm>
+            <a:off x="1090055" y="3296729"/>
+            <a:ext cx="5500525" cy="1542690"/>
+          </a:xfrm>
+          <a:prstGeom prst="rect">
+            <a:avLst/>
+          </a:prstGeom>
+          <a:noFill/>
+          <a:ln w="38100">
+            <a:solidFill>
+              <a:srgbClr val="FF0000"/>
+            </a:solidFill>
+          </a:ln>
+        </p:spPr>
+        <p:style>
+          <a:lnRef idx="2">
+            <a:schemeClr val="accent1">
+              <a:shade val="50000"/>
+            </a:schemeClr>
+          </a:lnRef>
+          <a:fillRef idx="1">
+            <a:schemeClr val="accent1"/>
+          </a:fillRef>
+          <a:effectRef idx="0">
+            <a:schemeClr val="accent1"/>
+          </a:effectRef>
+          <a:fontRef idx="minor">
+            <a:schemeClr val="lt1"/>
+          </a:fontRef>
+        </p:style>
+        <p:txBody>
+          <a:bodyPr rtlCol="0" anchor="ctr"/>
+          <a:lstStyle/>
+          <a:p>
+            <a:pPr algn="ctr"/>
+            <a:endParaRPr lang="zh-TW" altLang="en-US"/>
+          </a:p>
+        </p:txBody>
+      </p:sp>
+      <p:sp>
+        <p:nvSpPr>
+          <p:cNvPr id="11" name="矩形 10"/>
+          <p:cNvSpPr/>
+          <p:nvPr/>
+        </p:nvSpPr>
+        <p:spPr>
+          <a:xfrm>
+            <a:off x="1087179" y="5796951"/>
+            <a:ext cx="5500525" cy="437072"/>
+          </a:xfrm>
+          <a:prstGeom prst="rect">
+            <a:avLst/>
+          </a:prstGeom>
+          <a:noFill/>
+          <a:ln w="38100">
+            <a:solidFill>
+              <a:srgbClr val="FF0000"/>
+            </a:solidFill>
+          </a:ln>
+        </p:spPr>
+        <p:style>
+          <a:lnRef idx="2">
+            <a:schemeClr val="accent1">
+              <a:shade val="50000"/>
+            </a:schemeClr>
+          </a:lnRef>
+          <a:fillRef idx="1">
+            <a:schemeClr val="accent1"/>
+          </a:fillRef>
+          <a:effectRef idx="0">
+            <a:schemeClr val="accent1"/>
+          </a:effectRef>
+          <a:fontRef idx="minor">
+            <a:schemeClr val="lt1"/>
+          </a:fontRef>
+        </p:style>
+        <p:txBody>
+          <a:bodyPr rtlCol="0" anchor="ctr"/>
+          <a:lstStyle/>
+          <a:p>
+            <a:pPr algn="ctr"/>
+            <a:endParaRPr lang="zh-TW" altLang="en-US"/>
+          </a:p>
+        </p:txBody>
+      </p:sp>
+      <p:sp>
+        <p:nvSpPr>
+          <p:cNvPr id="12" name="矩形 11"/>
+          <p:cNvSpPr/>
+          <p:nvPr/>
+        </p:nvSpPr>
+        <p:spPr>
+          <a:xfrm>
+            <a:off x="4405223" y="3327096"/>
+            <a:ext cx="2153016" cy="261610"/>
+          </a:xfrm>
+          <a:prstGeom prst="rect">
+            <a:avLst/>
+          </a:prstGeom>
+          <a:solidFill>
+            <a:schemeClr val="accent5">
+              <a:lumMod val="40000"/>
+              <a:lumOff val="60000"/>
+            </a:schemeClr>
+          </a:solidFill>
+        </p:spPr>
+        <p:txBody>
+          <a:bodyPr wrap="square">
+            <a:spAutoFit/>
+          </a:bodyPr>
+          <a:lstStyle/>
+          <a:p>
+            <a:r>
+              <a:rPr lang="zh-TW" altLang="en-US" sz="1100" dirty="0" smtClean="0"/>
+              <a:t>不然這邊的驗證不會過</a:t>
+            </a:r>
+            <a:endParaRPr lang="en-US" altLang="zh-TW" sz="1100" dirty="0" smtClean="0"/>
+          </a:p>
+        </p:txBody>
+      </p:sp>
+      <p:sp>
+        <p:nvSpPr>
+          <p:cNvPr id="13" name="矩形 12"/>
+          <p:cNvSpPr/>
+          <p:nvPr/>
+        </p:nvSpPr>
+        <p:spPr>
+          <a:xfrm>
+            <a:off x="6205267" y="5884740"/>
+            <a:ext cx="2593675" cy="261610"/>
+          </a:xfrm>
+          <a:prstGeom prst="rect">
+            <a:avLst/>
+          </a:prstGeom>
+          <a:solidFill>
+            <a:schemeClr val="accent5">
+              <a:lumMod val="40000"/>
+              <a:lumOff val="60000"/>
+            </a:schemeClr>
+          </a:solidFill>
+        </p:spPr>
+        <p:txBody>
+          <a:bodyPr wrap="square">
+            <a:spAutoFit/>
+          </a:bodyPr>
+          <a:lstStyle/>
+          <a:p>
+            <a:r>
+              <a:rPr lang="zh-TW" altLang="en-US" sz="1100" dirty="0" smtClean="0"/>
+              <a:t>如果驗證有錯的話 就回到原本的頁面</a:t>
+            </a:r>
+            <a:endParaRPr lang="en-US" altLang="zh-TW" sz="1100" dirty="0" smtClean="0"/>
+          </a:p>
+        </p:txBody>
+      </p:sp>
+    </p:spTree>
+    <p:extLst>
+      <p:ext uri="{BB962C8B-B14F-4D97-AF65-F5344CB8AC3E}">
+        <p14:creationId xmlns:p14="http://schemas.microsoft.com/office/powerpoint/2010/main" val="2464786887"/>
       </p:ext>
     </p:extLst>
   </p:cSld>
@@ -9054,7 +12102,7 @@
           <p:cNvPr id="5" name="語音泡泡: 圓角矩形 6">
             <a:extLst>
               <a:ext uri="{FF2B5EF4-FFF2-40B4-BE49-F238E27FC236}">
-                <a16:creationId xmlns:a16="http://schemas.microsoft.com/office/drawing/2014/main" xmlns="" id="{E1486E0C-4024-47AF-A99B-32C763660AF4}"/>
+                <a16:creationId xmlns="" xmlns:a16="http://schemas.microsoft.com/office/drawing/2014/main" id="{E1486E0C-4024-47AF-A99B-32C763660AF4}"/>
               </a:ext>
             </a:extLst>
           </p:cNvPr>
@@ -9184,7 +12232,7 @@
           <p:cNvPr id="6" name="語音泡泡: 圓角矩形 6">
             <a:extLst>
               <a:ext uri="{FF2B5EF4-FFF2-40B4-BE49-F238E27FC236}">
-                <a16:creationId xmlns:a16="http://schemas.microsoft.com/office/drawing/2014/main" xmlns="" id="{E1486E0C-4024-47AF-A99B-32C763660AF4}"/>
+                <a16:creationId xmlns="" xmlns:a16="http://schemas.microsoft.com/office/drawing/2014/main" id="{E1486E0C-4024-47AF-A99B-32C763660AF4}"/>
               </a:ext>
             </a:extLst>
           </p:cNvPr>
@@ -9274,7 +12322,7 @@
           <p:cNvPr id="7" name="語音泡泡: 圓角矩形 6">
             <a:extLst>
               <a:ext uri="{FF2B5EF4-FFF2-40B4-BE49-F238E27FC236}">
-                <a16:creationId xmlns:a16="http://schemas.microsoft.com/office/drawing/2014/main" xmlns="" id="{E1486E0C-4024-47AF-A99B-32C763660AF4}"/>
+                <a16:creationId xmlns="" xmlns:a16="http://schemas.microsoft.com/office/drawing/2014/main" id="{E1486E0C-4024-47AF-A99B-32C763660AF4}"/>
               </a:ext>
             </a:extLst>
           </p:cNvPr>
@@ -9439,6 +12487,1408 @@
   <p:clrMapOvr>
     <a:masterClrMapping/>
   </p:clrMapOvr>
+</p:sld>
+</file>
+
+<file path=ppt/slides/slide30.xml><?xml version="1.0" encoding="utf-8"?>
+<p:sld xmlns:a="http://schemas.openxmlformats.org/drawingml/2006/main" xmlns:r="http://schemas.openxmlformats.org/officeDocument/2006/relationships" xmlns:p="http://schemas.openxmlformats.org/presentationml/2006/main">
+  <p:cSld>
+    <p:spTree>
+      <p:nvGrpSpPr>
+        <p:cNvPr id="1" name=""/>
+        <p:cNvGrpSpPr/>
+        <p:nvPr/>
+      </p:nvGrpSpPr>
+      <p:grpSpPr>
+        <a:xfrm>
+          <a:off x="0" y="0"/>
+          <a:ext cx="0" cy="0"/>
+          <a:chOff x="0" y="0"/>
+          <a:chExt cx="0" cy="0"/>
+        </a:xfrm>
+      </p:grpSpPr>
+      <p:pic>
+        <p:nvPicPr>
+          <p:cNvPr id="4" name="Picture 2"/>
+          <p:cNvPicPr>
+            <a:picLocks noChangeAspect="1" noChangeArrowheads="1"/>
+          </p:cNvPicPr>
+          <p:nvPr/>
+        </p:nvPicPr>
+        <p:blipFill>
+          <a:blip r:embed="rId2">
+            <a:extLst>
+              <a:ext uri="{28A0092B-C50C-407E-A947-70E740481C1C}">
+                <a14:useLocalDpi xmlns:a14="http://schemas.microsoft.com/office/drawing/2010/main" val="0"/>
+              </a:ext>
+            </a:extLst>
+          </a:blip>
+          <a:srcRect/>
+          <a:stretch>
+            <a:fillRect/>
+          </a:stretch>
+        </p:blipFill>
+        <p:spPr bwMode="auto">
+          <a:xfrm>
+            <a:off x="134877" y="129394"/>
+            <a:ext cx="5427584" cy="6633715"/>
+          </a:xfrm>
+          <a:prstGeom prst="rect">
+            <a:avLst/>
+          </a:prstGeom>
+          <a:noFill/>
+          <a:ln>
+            <a:noFill/>
+          </a:ln>
+          <a:extLst>
+            <a:ext uri="{909E8E84-426E-40DD-AFC4-6F175D3DCCD1}">
+              <a14:hiddenFill xmlns:a14="http://schemas.microsoft.com/office/drawing/2010/main">
+                <a:solidFill>
+                  <a:schemeClr val="accent1"/>
+                </a:solidFill>
+              </a14:hiddenFill>
+            </a:ext>
+            <a:ext uri="{91240B29-F687-4F45-9708-019B960494DF}">
+              <a14:hiddenLine xmlns:a14="http://schemas.microsoft.com/office/drawing/2010/main" w="9525">
+                <a:solidFill>
+                  <a:schemeClr val="tx1"/>
+                </a:solidFill>
+                <a:miter lim="800000"/>
+                <a:headEnd/>
+                <a:tailEnd/>
+              </a14:hiddenLine>
+            </a:ext>
+          </a:extLst>
+        </p:spPr>
+      </p:pic>
+      <p:sp>
+        <p:nvSpPr>
+          <p:cNvPr id="5" name="矩形 4"/>
+          <p:cNvSpPr/>
+          <p:nvPr/>
+        </p:nvSpPr>
+        <p:spPr>
+          <a:xfrm>
+            <a:off x="3769741" y="221202"/>
+            <a:ext cx="4071670" cy="430887"/>
+          </a:xfrm>
+          <a:prstGeom prst="rect">
+            <a:avLst/>
+          </a:prstGeom>
+          <a:solidFill>
+            <a:schemeClr val="accent5">
+              <a:lumMod val="40000"/>
+              <a:lumOff val="60000"/>
+            </a:schemeClr>
+          </a:solidFill>
+        </p:spPr>
+        <p:txBody>
+          <a:bodyPr wrap="square">
+            <a:spAutoFit/>
+          </a:bodyPr>
+          <a:lstStyle/>
+          <a:p>
+            <a:r>
+              <a:rPr lang="zh-TW" altLang="en-US" sz="1100" dirty="0" smtClean="0"/>
+              <a:t>要給他一個</a:t>
+            </a:r>
+            <a:r>
+              <a:rPr lang="en-US" altLang="zh-TW" sz="1100" dirty="0" smtClean="0"/>
+              <a:t>ID</a:t>
+            </a:r>
+            <a:r>
+              <a:rPr lang="zh-TW" altLang="en-US" sz="1100" dirty="0" smtClean="0"/>
+              <a:t> 就會找出</a:t>
+            </a:r>
+            <a:r>
+              <a:rPr lang="en-US" altLang="zh-TW" sz="1100" dirty="0" smtClean="0"/>
+              <a:t>Gamer</a:t>
+            </a:r>
+            <a:br>
+              <a:rPr lang="en-US" altLang="zh-TW" sz="1100" dirty="0" smtClean="0"/>
+            </a:br>
+            <a:r>
+              <a:rPr lang="zh-TW" altLang="en-US" sz="1100" dirty="0" smtClean="0"/>
+              <a:t>然後就會給你這個</a:t>
+            </a:r>
+            <a:r>
+              <a:rPr lang="en-US" altLang="zh-TW" sz="1100" dirty="0" smtClean="0"/>
+              <a:t>Gamer</a:t>
+            </a:r>
+            <a:r>
+              <a:rPr lang="zh-TW" altLang="en-US" sz="1100" dirty="0" smtClean="0"/>
+              <a:t>的所有資料</a:t>
+            </a:r>
+            <a:endParaRPr lang="en-US" altLang="zh-TW" sz="1100" dirty="0" smtClean="0"/>
+          </a:p>
+        </p:txBody>
+      </p:sp>
+      <p:sp>
+        <p:nvSpPr>
+          <p:cNvPr id="6" name="矩形 5"/>
+          <p:cNvSpPr/>
+          <p:nvPr/>
+        </p:nvSpPr>
+        <p:spPr>
+          <a:xfrm>
+            <a:off x="5283764" y="770633"/>
+            <a:ext cx="1693655" cy="430887"/>
+          </a:xfrm>
+          <a:prstGeom prst="rect">
+            <a:avLst/>
+          </a:prstGeom>
+          <a:solidFill>
+            <a:schemeClr val="accent5">
+              <a:lumMod val="40000"/>
+              <a:lumOff val="60000"/>
+            </a:schemeClr>
+          </a:solidFill>
+        </p:spPr>
+        <p:txBody>
+          <a:bodyPr wrap="square">
+            <a:spAutoFit/>
+          </a:bodyPr>
+          <a:lstStyle/>
+          <a:p>
+            <a:r>
+              <a:rPr lang="zh-TW" altLang="en-US" sz="1100" dirty="0" smtClean="0"/>
+              <a:t>如果</a:t>
+            </a:r>
+            <a:r>
+              <a:rPr lang="en-US" altLang="zh-TW" sz="1100" dirty="0" smtClean="0"/>
+              <a:t>ID</a:t>
+            </a:r>
+            <a:r>
+              <a:rPr lang="zh-TW" altLang="en-US" sz="1100" dirty="0" smtClean="0"/>
+              <a:t>是空的值</a:t>
+            </a:r>
+            <a:r>
+              <a:rPr lang="en-US" altLang="zh-TW" sz="1100" dirty="0" smtClean="0"/>
+              <a:t/>
+            </a:r>
+            <a:br>
+              <a:rPr lang="en-US" altLang="zh-TW" sz="1100" dirty="0" smtClean="0"/>
+            </a:br>
+            <a:r>
+              <a:rPr lang="zh-TW" altLang="en-US" sz="1100" dirty="0" smtClean="0"/>
+              <a:t>就會給一個</a:t>
+            </a:r>
+            <a:r>
+              <a:rPr lang="en-US" altLang="zh-TW" sz="1100" dirty="0" err="1"/>
+              <a:t>BadRequest</a:t>
+            </a:r>
+            <a:endParaRPr lang="en-US" altLang="zh-TW" sz="1100" dirty="0" smtClean="0"/>
+          </a:p>
+        </p:txBody>
+      </p:sp>
+      <p:sp>
+        <p:nvSpPr>
+          <p:cNvPr id="7" name="矩形 6"/>
+          <p:cNvSpPr/>
+          <p:nvPr/>
+        </p:nvSpPr>
+        <p:spPr>
+          <a:xfrm>
+            <a:off x="4692766" y="1948056"/>
+            <a:ext cx="1693655" cy="600164"/>
+          </a:xfrm>
+          <a:prstGeom prst="rect">
+            <a:avLst/>
+          </a:prstGeom>
+          <a:solidFill>
+            <a:schemeClr val="accent5">
+              <a:lumMod val="40000"/>
+              <a:lumOff val="60000"/>
+            </a:schemeClr>
+          </a:solidFill>
+        </p:spPr>
+        <p:txBody>
+          <a:bodyPr wrap="square">
+            <a:spAutoFit/>
+          </a:bodyPr>
+          <a:lstStyle/>
+          <a:p>
+            <a:r>
+              <a:rPr lang="zh-TW" altLang="en-US" sz="1100" dirty="0" smtClean="0"/>
+              <a:t>找出</a:t>
+            </a:r>
+            <a:r>
+              <a:rPr lang="en-US" altLang="zh-TW" sz="1100" dirty="0" smtClean="0"/>
+              <a:t>Gamer</a:t>
+            </a:r>
+          </a:p>
+          <a:p>
+            <a:r>
+              <a:rPr lang="zh-TW" altLang="en-US" sz="1100" dirty="0" smtClean="0"/>
+              <a:t>如果</a:t>
+            </a:r>
+            <a:r>
+              <a:rPr lang="en-US" altLang="zh-TW" sz="1100" dirty="0" smtClean="0"/>
+              <a:t>Gamer</a:t>
+            </a:r>
+            <a:r>
+              <a:rPr lang="zh-TW" altLang="en-US" sz="1100" dirty="0" smtClean="0"/>
+              <a:t>是空的</a:t>
+            </a:r>
+            <a:endParaRPr lang="en-US" altLang="zh-TW" sz="1100" dirty="0" smtClean="0"/>
+          </a:p>
+          <a:p>
+            <a:r>
+              <a:rPr lang="zh-TW" altLang="en-US" sz="1100" dirty="0" smtClean="0"/>
+              <a:t>就會顯示</a:t>
+            </a:r>
+            <a:r>
+              <a:rPr lang="en-US" altLang="zh-TW" sz="1100" dirty="0" err="1"/>
+              <a:t>HttpNotFound</a:t>
+            </a:r>
+            <a:endParaRPr lang="en-US" altLang="zh-TW" sz="1100" dirty="0" smtClean="0"/>
+          </a:p>
+        </p:txBody>
+      </p:sp>
+      <p:sp>
+        <p:nvSpPr>
+          <p:cNvPr id="8" name="矩形 7"/>
+          <p:cNvSpPr/>
+          <p:nvPr/>
+        </p:nvSpPr>
+        <p:spPr>
+          <a:xfrm>
+            <a:off x="2308999" y="2915003"/>
+            <a:ext cx="2262998" cy="261610"/>
+          </a:xfrm>
+          <a:prstGeom prst="rect">
+            <a:avLst/>
+          </a:prstGeom>
+          <a:solidFill>
+            <a:schemeClr val="accent5">
+              <a:lumMod val="40000"/>
+              <a:lumOff val="60000"/>
+            </a:schemeClr>
+          </a:solidFill>
+        </p:spPr>
+        <p:txBody>
+          <a:bodyPr wrap="square">
+            <a:spAutoFit/>
+          </a:bodyPr>
+          <a:lstStyle/>
+          <a:p>
+            <a:r>
+              <a:rPr lang="zh-TW" altLang="en-US" sz="1100" dirty="0" smtClean="0"/>
+              <a:t>再回傳到</a:t>
+            </a:r>
+            <a:r>
+              <a:rPr lang="en-US" altLang="zh-TW" sz="1100" dirty="0" smtClean="0"/>
+              <a:t>View(</a:t>
+            </a:r>
+            <a:r>
+              <a:rPr lang="en-US" altLang="zh-TW" sz="1100" dirty="0" err="1" smtClean="0"/>
+              <a:t>Delete.cshtml</a:t>
+            </a:r>
+            <a:r>
+              <a:rPr lang="en-US" altLang="zh-TW" sz="1100" dirty="0" smtClean="0"/>
+              <a:t>)</a:t>
+            </a:r>
+          </a:p>
+        </p:txBody>
+      </p:sp>
+      <p:sp>
+        <p:nvSpPr>
+          <p:cNvPr id="9" name="矩形 8"/>
+          <p:cNvSpPr/>
+          <p:nvPr/>
+        </p:nvSpPr>
+        <p:spPr>
+          <a:xfrm>
+            <a:off x="3867593" y="4282946"/>
+            <a:ext cx="825173" cy="261610"/>
+          </a:xfrm>
+          <a:prstGeom prst="rect">
+            <a:avLst/>
+          </a:prstGeom>
+          <a:solidFill>
+            <a:schemeClr val="accent5">
+              <a:lumMod val="40000"/>
+              <a:lumOff val="60000"/>
+            </a:schemeClr>
+          </a:solidFill>
+        </p:spPr>
+        <p:txBody>
+          <a:bodyPr wrap="square">
+            <a:spAutoFit/>
+          </a:bodyPr>
+          <a:lstStyle/>
+          <a:p>
+            <a:r>
+              <a:rPr lang="zh-TW" altLang="en-US" sz="1100" dirty="0" smtClean="0"/>
+              <a:t>先找</a:t>
+            </a:r>
+            <a:r>
+              <a:rPr lang="en-US" altLang="zh-TW" sz="1100" dirty="0" smtClean="0"/>
+              <a:t>gamer</a:t>
+            </a:r>
+          </a:p>
+        </p:txBody>
+      </p:sp>
+      <p:sp>
+        <p:nvSpPr>
+          <p:cNvPr id="10" name="矩形 9"/>
+          <p:cNvSpPr/>
+          <p:nvPr/>
+        </p:nvSpPr>
+        <p:spPr>
+          <a:xfrm>
+            <a:off x="3778364" y="4567520"/>
+            <a:ext cx="2242874" cy="261610"/>
+          </a:xfrm>
+          <a:prstGeom prst="rect">
+            <a:avLst/>
+          </a:prstGeom>
+          <a:solidFill>
+            <a:schemeClr val="accent5">
+              <a:lumMod val="40000"/>
+              <a:lumOff val="60000"/>
+            </a:schemeClr>
+          </a:solidFill>
+        </p:spPr>
+        <p:txBody>
+          <a:bodyPr wrap="square">
+            <a:spAutoFit/>
+          </a:bodyPr>
+          <a:lstStyle/>
+          <a:p>
+            <a:r>
+              <a:rPr lang="zh-TW" altLang="en-US" sz="1100" dirty="0" smtClean="0"/>
+              <a:t>先到</a:t>
+            </a:r>
+            <a:r>
+              <a:rPr lang="en-US" altLang="zh-TW" sz="1100" dirty="0" smtClean="0"/>
+              <a:t>gamer</a:t>
+            </a:r>
+            <a:r>
+              <a:rPr lang="zh-TW" altLang="en-US" sz="1100" dirty="0" smtClean="0"/>
+              <a:t>的話再把它刪掉</a:t>
+            </a:r>
+            <a:endParaRPr lang="en-US" altLang="zh-TW" sz="1100" dirty="0" smtClean="0"/>
+          </a:p>
+        </p:txBody>
+      </p:sp>
+    </p:spTree>
+    <p:extLst>
+      <p:ext uri="{BB962C8B-B14F-4D97-AF65-F5344CB8AC3E}">
+        <p14:creationId xmlns:p14="http://schemas.microsoft.com/office/powerpoint/2010/main" val="1500753862"/>
+      </p:ext>
+    </p:extLst>
+  </p:cSld>
+  <p:clrMapOvr>
+    <a:masterClrMapping/>
+  </p:clrMapOvr>
+</p:sld>
+</file>
+
+<file path=ppt/slides/slide31.xml><?xml version="1.0" encoding="utf-8"?>
+<p:sld xmlns:a="http://schemas.openxmlformats.org/drawingml/2006/main" xmlns:r="http://schemas.openxmlformats.org/officeDocument/2006/relationships" xmlns:p="http://schemas.openxmlformats.org/presentationml/2006/main">
+  <p:cSld>
+    <p:spTree>
+      <p:nvGrpSpPr>
+        <p:cNvPr id="1" name=""/>
+        <p:cNvGrpSpPr/>
+        <p:nvPr/>
+      </p:nvGrpSpPr>
+      <p:grpSpPr>
+        <a:xfrm>
+          <a:off x="0" y="0"/>
+          <a:ext cx="0" cy="0"/>
+          <a:chOff x="0" y="0"/>
+          <a:chExt cx="0" cy="0"/>
+        </a:xfrm>
+      </p:grpSpPr>
+      <p:pic>
+        <p:nvPicPr>
+          <p:cNvPr id="14" name="Picture 3"/>
+          <p:cNvPicPr>
+            <a:picLocks noChangeAspect="1" noChangeArrowheads="1"/>
+          </p:cNvPicPr>
+          <p:nvPr/>
+        </p:nvPicPr>
+        <p:blipFill>
+          <a:blip r:embed="rId2">
+            <a:extLst>
+              <a:ext uri="{28A0092B-C50C-407E-A947-70E740481C1C}">
+                <a14:useLocalDpi xmlns:a14="http://schemas.microsoft.com/office/drawing/2010/main" val="0"/>
+              </a:ext>
+            </a:extLst>
+          </a:blip>
+          <a:srcRect/>
+          <a:stretch>
+            <a:fillRect/>
+          </a:stretch>
+        </p:blipFill>
+        <p:spPr bwMode="auto">
+          <a:xfrm>
+            <a:off x="114479" y="359750"/>
+            <a:ext cx="12106705" cy="5074891"/>
+          </a:xfrm>
+          <a:prstGeom prst="rect">
+            <a:avLst/>
+          </a:prstGeom>
+          <a:noFill/>
+          <a:ln>
+            <a:noFill/>
+          </a:ln>
+          <a:extLst>
+            <a:ext uri="{909E8E84-426E-40DD-AFC4-6F175D3DCCD1}">
+              <a14:hiddenFill xmlns:a14="http://schemas.microsoft.com/office/drawing/2010/main">
+                <a:solidFill>
+                  <a:schemeClr val="accent1"/>
+                </a:solidFill>
+              </a14:hiddenFill>
+            </a:ext>
+            <a:ext uri="{91240B29-F687-4F45-9708-019B960494DF}">
+              <a14:hiddenLine xmlns:a14="http://schemas.microsoft.com/office/drawing/2010/main" w="9525">
+                <a:solidFill>
+                  <a:schemeClr val="tx1"/>
+                </a:solidFill>
+                <a:miter lim="800000"/>
+                <a:headEnd/>
+                <a:tailEnd/>
+              </a14:hiddenLine>
+            </a:ext>
+          </a:extLst>
+        </p:spPr>
+      </p:pic>
+      <p:sp>
+        <p:nvSpPr>
+          <p:cNvPr id="9" name="矩形 8"/>
+          <p:cNvSpPr/>
+          <p:nvPr/>
+        </p:nvSpPr>
+        <p:spPr>
+          <a:xfrm>
+            <a:off x="4856665" y="1517251"/>
+            <a:ext cx="3640354" cy="261610"/>
+          </a:xfrm>
+          <a:prstGeom prst="rect">
+            <a:avLst/>
+          </a:prstGeom>
+          <a:solidFill>
+            <a:schemeClr val="accent5">
+              <a:lumMod val="40000"/>
+              <a:lumOff val="60000"/>
+            </a:schemeClr>
+          </a:solidFill>
+        </p:spPr>
+        <p:txBody>
+          <a:bodyPr wrap="square">
+            <a:spAutoFit/>
+          </a:bodyPr>
+          <a:lstStyle/>
+          <a:p>
+            <a:r>
+              <a:rPr lang="en-US" altLang="zh-TW" sz="1100" dirty="0" err="1" smtClean="0"/>
+              <a:t>TextBox</a:t>
+            </a:r>
+            <a:r>
+              <a:rPr lang="zh-TW" altLang="en-US" sz="1100" dirty="0" smtClean="0"/>
+              <a:t>會變成</a:t>
+            </a:r>
+            <a:r>
+              <a:rPr lang="en-US" altLang="zh-TW" sz="1100" dirty="0" smtClean="0"/>
+              <a:t>input</a:t>
+            </a:r>
+            <a:r>
+              <a:rPr lang="zh-TW" altLang="en-US" sz="1100" dirty="0" smtClean="0"/>
+              <a:t>並且</a:t>
+            </a:r>
+            <a:r>
+              <a:rPr lang="en-US" altLang="zh-TW" sz="1100" dirty="0"/>
+              <a:t>type</a:t>
+            </a:r>
+            <a:r>
+              <a:rPr lang="en-US" altLang="zh-TW" sz="1100" dirty="0" smtClean="0"/>
+              <a:t>=“text”</a:t>
+            </a:r>
+            <a:r>
+              <a:rPr lang="zh-TW" altLang="en-US" sz="1100" dirty="0" smtClean="0"/>
+              <a:t> </a:t>
+            </a:r>
+            <a:r>
+              <a:rPr lang="en-US" altLang="zh-TW" sz="1100" dirty="0" smtClean="0"/>
+              <a:t>Name</a:t>
+            </a:r>
+          </a:p>
+        </p:txBody>
+      </p:sp>
+      <p:sp>
+        <p:nvSpPr>
+          <p:cNvPr id="10" name="矩形 9"/>
+          <p:cNvSpPr/>
+          <p:nvPr/>
+        </p:nvSpPr>
+        <p:spPr>
+          <a:xfrm>
+            <a:off x="1932347" y="1323930"/>
+            <a:ext cx="548963" cy="179492"/>
+          </a:xfrm>
+          <a:prstGeom prst="rect">
+            <a:avLst/>
+          </a:prstGeom>
+          <a:noFill/>
+          <a:ln w="38100">
+            <a:solidFill>
+              <a:srgbClr val="FF0000"/>
+            </a:solidFill>
+          </a:ln>
+        </p:spPr>
+        <p:style>
+          <a:lnRef idx="2">
+            <a:schemeClr val="accent1">
+              <a:shade val="50000"/>
+            </a:schemeClr>
+          </a:lnRef>
+          <a:fillRef idx="1">
+            <a:schemeClr val="accent1"/>
+          </a:fillRef>
+          <a:effectRef idx="0">
+            <a:schemeClr val="accent1"/>
+          </a:effectRef>
+          <a:fontRef idx="minor">
+            <a:schemeClr val="lt1"/>
+          </a:fontRef>
+        </p:style>
+        <p:txBody>
+          <a:bodyPr rtlCol="0" anchor="ctr"/>
+          <a:lstStyle/>
+          <a:p>
+            <a:pPr algn="ctr"/>
+            <a:endParaRPr lang="zh-TW" altLang="en-US"/>
+          </a:p>
+        </p:txBody>
+      </p:sp>
+      <p:sp>
+        <p:nvSpPr>
+          <p:cNvPr id="12" name="矩形 11"/>
+          <p:cNvSpPr/>
+          <p:nvPr/>
+        </p:nvSpPr>
+        <p:spPr>
+          <a:xfrm>
+            <a:off x="4155050" y="1152066"/>
+            <a:ext cx="3640354" cy="261610"/>
+          </a:xfrm>
+          <a:prstGeom prst="rect">
+            <a:avLst/>
+          </a:prstGeom>
+          <a:solidFill>
+            <a:schemeClr val="accent5">
+              <a:lumMod val="40000"/>
+              <a:lumOff val="60000"/>
+            </a:schemeClr>
+          </a:solidFill>
+        </p:spPr>
+        <p:txBody>
+          <a:bodyPr wrap="square">
+            <a:spAutoFit/>
+          </a:bodyPr>
+          <a:lstStyle/>
+          <a:p>
+            <a:r>
+              <a:rPr lang="en-US" altLang="zh-TW" sz="1100" dirty="0" smtClean="0"/>
+              <a:t>Name</a:t>
+            </a:r>
+            <a:r>
+              <a:rPr lang="zh-TW" altLang="en-US" sz="1100" dirty="0" smtClean="0"/>
+              <a:t> </a:t>
+            </a:r>
+            <a:r>
+              <a:rPr lang="en-US" altLang="zh-TW" sz="1100" dirty="0" smtClean="0"/>
+              <a:t>=</a:t>
+            </a:r>
+            <a:r>
+              <a:rPr lang="zh-TW" altLang="en-US" sz="1100" dirty="0" smtClean="0"/>
+              <a:t>  </a:t>
+            </a:r>
+            <a:r>
+              <a:rPr lang="en-US" altLang="zh-TW" sz="1100" dirty="0"/>
+              <a:t>id="Name" name="Name"</a:t>
+            </a:r>
+            <a:endParaRPr lang="en-US" altLang="zh-TW" sz="1100" dirty="0" smtClean="0"/>
+          </a:p>
+        </p:txBody>
+      </p:sp>
+      <p:cxnSp>
+        <p:nvCxnSpPr>
+          <p:cNvPr id="13" name="直線單箭頭接點 12"/>
+          <p:cNvCxnSpPr/>
+          <p:nvPr/>
+        </p:nvCxnSpPr>
+        <p:spPr>
+          <a:xfrm flipH="1">
+            <a:off x="1882235" y="1486704"/>
+            <a:ext cx="235232" cy="130805"/>
+          </a:xfrm>
+          <a:prstGeom prst="straightConnector1">
+            <a:avLst/>
+          </a:prstGeom>
+          <a:ln w="38100">
+            <a:solidFill>
+              <a:srgbClr val="FF0000"/>
+            </a:solidFill>
+            <a:tailEnd type="arrow"/>
+          </a:ln>
+        </p:spPr>
+        <p:style>
+          <a:lnRef idx="1">
+            <a:schemeClr val="accent1"/>
+          </a:lnRef>
+          <a:fillRef idx="0">
+            <a:schemeClr val="accent1"/>
+          </a:fillRef>
+          <a:effectRef idx="0">
+            <a:schemeClr val="accent1"/>
+          </a:effectRef>
+          <a:fontRef idx="minor">
+            <a:schemeClr val="tx1"/>
+          </a:fontRef>
+        </p:style>
+      </p:cxnSp>
+    </p:spTree>
+    <p:extLst>
+      <p:ext uri="{BB962C8B-B14F-4D97-AF65-F5344CB8AC3E}">
+        <p14:creationId xmlns:p14="http://schemas.microsoft.com/office/powerpoint/2010/main" val="1873107947"/>
+      </p:ext>
+    </p:extLst>
+  </p:cSld>
+  <p:clrMapOvr>
+    <a:masterClrMapping/>
+  </p:clrMapOvr>
+  <p:timing>
+    <p:tnLst>
+      <p:par>
+        <p:cTn id="1" dur="indefinite" restart="never" nodeType="tmRoot"/>
+      </p:par>
+    </p:tnLst>
+  </p:timing>
+</p:sld>
+</file>
+
+<file path=ppt/slides/slide32.xml><?xml version="1.0" encoding="utf-8"?>
+<p:sld xmlns:a="http://schemas.openxmlformats.org/drawingml/2006/main" xmlns:r="http://schemas.openxmlformats.org/officeDocument/2006/relationships" xmlns:p="http://schemas.openxmlformats.org/presentationml/2006/main">
+  <p:cSld>
+    <p:spTree>
+      <p:nvGrpSpPr>
+        <p:cNvPr id="1" name=""/>
+        <p:cNvGrpSpPr/>
+        <p:nvPr/>
+      </p:nvGrpSpPr>
+      <p:grpSpPr>
+        <a:xfrm>
+          <a:off x="0" y="0"/>
+          <a:ext cx="0" cy="0"/>
+          <a:chOff x="0" y="0"/>
+          <a:chExt cx="0" cy="0"/>
+        </a:xfrm>
+      </p:grpSpPr>
+      <p:pic>
+        <p:nvPicPr>
+          <p:cNvPr id="7170" name="Picture 2"/>
+          <p:cNvPicPr>
+            <a:picLocks noChangeAspect="1" noChangeArrowheads="1"/>
+          </p:cNvPicPr>
+          <p:nvPr/>
+        </p:nvPicPr>
+        <p:blipFill>
+          <a:blip r:embed="rId2">
+            <a:extLst>
+              <a:ext uri="{28A0092B-C50C-407E-A947-70E740481C1C}">
+                <a14:useLocalDpi xmlns:a14="http://schemas.microsoft.com/office/drawing/2010/main" val="0"/>
+              </a:ext>
+            </a:extLst>
+          </a:blip>
+          <a:srcRect/>
+          <a:stretch>
+            <a:fillRect/>
+          </a:stretch>
+        </p:blipFill>
+        <p:spPr bwMode="auto">
+          <a:xfrm>
+            <a:off x="0" y="774311"/>
+            <a:ext cx="10220594" cy="5289932"/>
+          </a:xfrm>
+          <a:prstGeom prst="rect">
+            <a:avLst/>
+          </a:prstGeom>
+          <a:noFill/>
+          <a:ln>
+            <a:noFill/>
+          </a:ln>
+          <a:extLst>
+            <a:ext uri="{909E8E84-426E-40DD-AFC4-6F175D3DCCD1}">
+              <a14:hiddenFill xmlns:a14="http://schemas.microsoft.com/office/drawing/2010/main">
+                <a:solidFill>
+                  <a:schemeClr val="accent1"/>
+                </a:solidFill>
+              </a14:hiddenFill>
+            </a:ext>
+            <a:ext uri="{91240B29-F687-4F45-9708-019B960494DF}">
+              <a14:hiddenLine xmlns:a14="http://schemas.microsoft.com/office/drawing/2010/main" w="9525">
+                <a:solidFill>
+                  <a:schemeClr val="tx1"/>
+                </a:solidFill>
+                <a:miter lim="800000"/>
+                <a:headEnd/>
+                <a:tailEnd/>
+              </a14:hiddenLine>
+            </a:ext>
+          </a:extLst>
+        </p:spPr>
+      </p:pic>
+      <p:sp>
+        <p:nvSpPr>
+          <p:cNvPr id="5" name="矩形 4"/>
+          <p:cNvSpPr/>
+          <p:nvPr/>
+        </p:nvSpPr>
+        <p:spPr>
+          <a:xfrm>
+            <a:off x="8850694" y="2596996"/>
+            <a:ext cx="3640354" cy="600164"/>
+          </a:xfrm>
+          <a:prstGeom prst="rect">
+            <a:avLst/>
+          </a:prstGeom>
+          <a:solidFill>
+            <a:schemeClr val="accent5">
+              <a:lumMod val="40000"/>
+              <a:lumOff val="60000"/>
+            </a:schemeClr>
+          </a:solidFill>
+        </p:spPr>
+        <p:txBody>
+          <a:bodyPr wrap="square">
+            <a:spAutoFit/>
+          </a:bodyPr>
+          <a:lstStyle/>
+          <a:p>
+            <a:r>
+              <a:rPr lang="en-US" altLang="zh-TW" sz="1100" dirty="0" smtClean="0"/>
+              <a:t>Collection</a:t>
+            </a:r>
+            <a:r>
+              <a:rPr lang="zh-TW" altLang="en-US" sz="1100" dirty="0" smtClean="0"/>
+              <a:t>  每個</a:t>
+            </a:r>
+            <a:r>
+              <a:rPr lang="en-US" altLang="zh-TW" sz="1100" dirty="0" smtClean="0"/>
+              <a:t>team</a:t>
+            </a:r>
+            <a:r>
+              <a:rPr lang="zh-TW" altLang="en-US" sz="1100" dirty="0" smtClean="0"/>
+              <a:t> 都有兩個 </a:t>
+            </a:r>
+            <a:r>
+              <a:rPr lang="en-US" altLang="zh-TW" sz="1100" dirty="0" smtClean="0"/>
+              <a:t>Property</a:t>
+            </a:r>
+          </a:p>
+          <a:p>
+            <a:r>
+              <a:rPr lang="en-US" altLang="zh-TW" sz="1100" dirty="0" smtClean="0"/>
+              <a:t>Value</a:t>
+            </a:r>
+            <a:r>
+              <a:rPr lang="zh-TW" altLang="en-US" sz="1100" dirty="0" smtClean="0"/>
+              <a:t> 是 </a:t>
+            </a:r>
+            <a:r>
+              <a:rPr lang="en-US" altLang="zh-TW" sz="1100" dirty="0" smtClean="0"/>
+              <a:t>ID</a:t>
+            </a:r>
+            <a:r>
+              <a:rPr lang="zh-TW" altLang="en-US" sz="1100" dirty="0" smtClean="0"/>
+              <a:t>   </a:t>
+            </a:r>
+            <a:r>
+              <a:rPr lang="en-US" altLang="zh-TW" sz="1100" dirty="0" smtClean="0"/>
+              <a:t>display </a:t>
+            </a:r>
+            <a:r>
+              <a:rPr lang="zh-TW" altLang="en-US" sz="1100" dirty="0" smtClean="0"/>
+              <a:t>是</a:t>
+            </a:r>
+            <a:r>
+              <a:rPr lang="en-US" altLang="zh-TW" sz="1100" dirty="0" smtClean="0"/>
+              <a:t>name</a:t>
+            </a:r>
+          </a:p>
+          <a:p>
+            <a:r>
+              <a:rPr lang="en-US" altLang="zh-TW" sz="1100" dirty="0" smtClean="0"/>
+              <a:t>2 </a:t>
+            </a:r>
+            <a:r>
+              <a:rPr lang="zh-TW" altLang="en-US" sz="1100" dirty="0" smtClean="0"/>
+              <a:t>就是目前選擇</a:t>
+            </a:r>
+            <a:r>
+              <a:rPr lang="en-US" altLang="zh-TW" sz="1100" dirty="0" smtClean="0"/>
+              <a:t>2</a:t>
+            </a:r>
+            <a:r>
+              <a:rPr lang="zh-TW" altLang="en-US" sz="1100" dirty="0" smtClean="0"/>
+              <a:t>  </a:t>
+            </a:r>
+            <a:r>
+              <a:rPr lang="en-US" altLang="zh-TW" sz="1100" dirty="0" smtClean="0"/>
+              <a:t>ID</a:t>
+            </a:r>
+            <a:r>
+              <a:rPr lang="zh-TW" altLang="en-US" sz="1100" dirty="0" smtClean="0"/>
+              <a:t>選擇</a:t>
+            </a:r>
+            <a:r>
+              <a:rPr lang="en-US" altLang="zh-TW" sz="1100" dirty="0" smtClean="0"/>
+              <a:t>2</a:t>
+            </a:r>
+          </a:p>
+        </p:txBody>
+      </p:sp>
+      <p:sp>
+        <p:nvSpPr>
+          <p:cNvPr id="6" name="矩形 5"/>
+          <p:cNvSpPr/>
+          <p:nvPr/>
+        </p:nvSpPr>
+        <p:spPr>
+          <a:xfrm>
+            <a:off x="3660728" y="2268748"/>
+            <a:ext cx="3447438" cy="207034"/>
+          </a:xfrm>
+          <a:prstGeom prst="rect">
+            <a:avLst/>
+          </a:prstGeom>
+          <a:noFill/>
+          <a:ln w="38100">
+            <a:solidFill>
+              <a:srgbClr val="FF0000"/>
+            </a:solidFill>
+          </a:ln>
+        </p:spPr>
+        <p:style>
+          <a:lnRef idx="2">
+            <a:schemeClr val="accent1">
+              <a:shade val="50000"/>
+            </a:schemeClr>
+          </a:lnRef>
+          <a:fillRef idx="1">
+            <a:schemeClr val="accent1"/>
+          </a:fillRef>
+          <a:effectRef idx="0">
+            <a:schemeClr val="accent1"/>
+          </a:effectRef>
+          <a:fontRef idx="minor">
+            <a:schemeClr val="lt1"/>
+          </a:fontRef>
+        </p:style>
+        <p:txBody>
+          <a:bodyPr rtlCol="0" anchor="ctr"/>
+          <a:lstStyle/>
+          <a:p>
+            <a:pPr algn="ctr"/>
+            <a:endParaRPr lang="zh-TW" altLang="en-US"/>
+          </a:p>
+        </p:txBody>
+      </p:sp>
+      <p:sp>
+        <p:nvSpPr>
+          <p:cNvPr id="7" name="矩形 6"/>
+          <p:cNvSpPr/>
+          <p:nvPr/>
+        </p:nvSpPr>
+        <p:spPr>
+          <a:xfrm>
+            <a:off x="5012200" y="2897078"/>
+            <a:ext cx="2294374" cy="291901"/>
+          </a:xfrm>
+          <a:prstGeom prst="rect">
+            <a:avLst/>
+          </a:prstGeom>
+          <a:noFill/>
+          <a:ln w="38100">
+            <a:solidFill>
+              <a:srgbClr val="FF0000"/>
+            </a:solidFill>
+          </a:ln>
+        </p:spPr>
+        <p:style>
+          <a:lnRef idx="2">
+            <a:schemeClr val="accent1">
+              <a:shade val="50000"/>
+            </a:schemeClr>
+          </a:lnRef>
+          <a:fillRef idx="1">
+            <a:schemeClr val="accent1"/>
+          </a:fillRef>
+          <a:effectRef idx="0">
+            <a:schemeClr val="accent1"/>
+          </a:effectRef>
+          <a:fontRef idx="minor">
+            <a:schemeClr val="lt1"/>
+          </a:fontRef>
+        </p:style>
+        <p:txBody>
+          <a:bodyPr rtlCol="0" anchor="ctr"/>
+          <a:lstStyle/>
+          <a:p>
+            <a:pPr algn="ctr"/>
+            <a:endParaRPr lang="zh-TW" altLang="en-US"/>
+          </a:p>
+        </p:txBody>
+      </p:sp>
+      <p:sp>
+        <p:nvSpPr>
+          <p:cNvPr id="8" name="矩形 7"/>
+          <p:cNvSpPr/>
+          <p:nvPr/>
+        </p:nvSpPr>
+        <p:spPr>
+          <a:xfrm>
+            <a:off x="6691215" y="3275607"/>
+            <a:ext cx="3640354" cy="430887"/>
+          </a:xfrm>
+          <a:prstGeom prst="rect">
+            <a:avLst/>
+          </a:prstGeom>
+          <a:solidFill>
+            <a:schemeClr val="accent5">
+              <a:lumMod val="40000"/>
+              <a:lumOff val="60000"/>
+            </a:schemeClr>
+          </a:solidFill>
+        </p:spPr>
+        <p:txBody>
+          <a:bodyPr wrap="square">
+            <a:spAutoFit/>
+          </a:bodyPr>
+          <a:lstStyle/>
+          <a:p>
+            <a:r>
+              <a:rPr lang="zh-TW" altLang="en-US" sz="1100" dirty="0" smtClean="0"/>
+              <a:t>這裡是</a:t>
+            </a:r>
+            <a:r>
+              <a:rPr lang="en-US" altLang="zh-TW" sz="1100" dirty="0" smtClean="0"/>
+              <a:t>DB</a:t>
+            </a:r>
+            <a:r>
+              <a:rPr lang="zh-TW" altLang="en-US" sz="1100" dirty="0" smtClean="0"/>
+              <a:t> </a:t>
+            </a:r>
+            <a:r>
+              <a:rPr lang="en-US" altLang="zh-TW" sz="1100" dirty="0" smtClean="0"/>
+              <a:t>set  </a:t>
+            </a:r>
+            <a:r>
+              <a:rPr lang="zh-TW" altLang="en-US" sz="1100" dirty="0" smtClean="0"/>
+              <a:t>要把它變成</a:t>
+            </a:r>
+            <a:r>
+              <a:rPr lang="en-US" altLang="zh-TW" sz="1100" dirty="0" smtClean="0"/>
+              <a:t>LIST</a:t>
+            </a:r>
+            <a:br>
+              <a:rPr lang="en-US" altLang="zh-TW" sz="1100" dirty="0" smtClean="0"/>
+            </a:br>
+            <a:r>
+              <a:rPr lang="zh-TW" altLang="en-US" sz="1100" dirty="0" smtClean="0"/>
+              <a:t>用</a:t>
+            </a:r>
+            <a:r>
+              <a:rPr lang="en-US" altLang="zh-TW" sz="1100" dirty="0" err="1" smtClean="0"/>
+              <a:t>foreach</a:t>
+            </a:r>
+            <a:r>
+              <a:rPr lang="zh-TW" altLang="en-US" sz="1100" dirty="0" smtClean="0"/>
+              <a:t>的方式 把每個項目找出來</a:t>
+            </a:r>
+            <a:r>
+              <a:rPr lang="en-US" altLang="zh-TW" sz="1100" dirty="0" smtClean="0"/>
+              <a:t>\</a:t>
+            </a:r>
+          </a:p>
+        </p:txBody>
+      </p:sp>
+      <p:sp>
+        <p:nvSpPr>
+          <p:cNvPr id="9" name="矩形 8"/>
+          <p:cNvSpPr/>
+          <p:nvPr/>
+        </p:nvSpPr>
+        <p:spPr>
+          <a:xfrm>
+            <a:off x="5558279" y="4023229"/>
+            <a:ext cx="3292415" cy="430887"/>
+          </a:xfrm>
+          <a:prstGeom prst="rect">
+            <a:avLst/>
+          </a:prstGeom>
+          <a:solidFill>
+            <a:schemeClr val="accent5">
+              <a:lumMod val="40000"/>
+              <a:lumOff val="60000"/>
+            </a:schemeClr>
+          </a:solidFill>
+        </p:spPr>
+        <p:txBody>
+          <a:bodyPr wrap="square">
+            <a:spAutoFit/>
+          </a:bodyPr>
+          <a:lstStyle/>
+          <a:p>
+            <a:r>
+              <a:rPr lang="en-US" altLang="zh-TW" sz="1100" dirty="0" smtClean="0"/>
+              <a:t>Text</a:t>
+            </a:r>
+            <a:r>
+              <a:rPr lang="zh-TW" altLang="en-US" sz="1100" dirty="0" smtClean="0"/>
+              <a:t> 去找 </a:t>
+            </a:r>
+            <a:r>
+              <a:rPr lang="en-US" altLang="zh-TW" sz="1100" dirty="0" smtClean="0"/>
+              <a:t>Name</a:t>
+            </a:r>
+            <a:r>
+              <a:rPr lang="zh-TW" altLang="en-US" sz="1100" dirty="0" smtClean="0"/>
+              <a:t>的值</a:t>
+            </a:r>
+            <a:endParaRPr lang="en-US" altLang="zh-TW" sz="1100" dirty="0" smtClean="0"/>
+          </a:p>
+          <a:p>
+            <a:r>
+              <a:rPr lang="en-US" altLang="zh-TW" sz="1100" dirty="0" smtClean="0"/>
+              <a:t>Value</a:t>
+            </a:r>
+            <a:r>
+              <a:rPr lang="zh-TW" altLang="en-US" sz="1100" dirty="0" smtClean="0"/>
+              <a:t> 去找 </a:t>
+            </a:r>
+            <a:r>
+              <a:rPr lang="en-US" altLang="zh-TW" sz="1100" dirty="0" smtClean="0"/>
+              <a:t>ID</a:t>
+            </a:r>
+            <a:r>
+              <a:rPr lang="zh-TW" altLang="en-US" sz="1100" dirty="0" smtClean="0"/>
+              <a:t>的值  </a:t>
+            </a:r>
+            <a:r>
+              <a:rPr lang="en-US" altLang="zh-TW" sz="1100" dirty="0" smtClean="0"/>
+              <a:t>ID</a:t>
+            </a:r>
+            <a:r>
+              <a:rPr lang="zh-TW" altLang="en-US" sz="1100" dirty="0" smtClean="0"/>
+              <a:t>原本是</a:t>
+            </a:r>
+            <a:r>
+              <a:rPr lang="en-US" altLang="zh-TW" sz="1100" dirty="0" err="1" smtClean="0"/>
+              <a:t>int</a:t>
+            </a:r>
+            <a:r>
+              <a:rPr lang="en-US" altLang="zh-TW" sz="1100" dirty="0" smtClean="0"/>
+              <a:t> </a:t>
+            </a:r>
+            <a:r>
+              <a:rPr lang="zh-TW" altLang="en-US" sz="1100" dirty="0" smtClean="0"/>
+              <a:t>把它</a:t>
+            </a:r>
+            <a:r>
+              <a:rPr lang="en-US" altLang="zh-TW" sz="1100" dirty="0" err="1" smtClean="0"/>
+              <a:t>ToString</a:t>
+            </a:r>
+            <a:endParaRPr lang="en-US" altLang="zh-TW" sz="1100" dirty="0" smtClean="0"/>
+          </a:p>
+        </p:txBody>
+      </p:sp>
+      <p:sp>
+        <p:nvSpPr>
+          <p:cNvPr id="10" name="矩形 9"/>
+          <p:cNvSpPr/>
+          <p:nvPr/>
+        </p:nvSpPr>
+        <p:spPr>
+          <a:xfrm>
+            <a:off x="6081623" y="4485855"/>
+            <a:ext cx="4589248" cy="338554"/>
+          </a:xfrm>
+          <a:prstGeom prst="rect">
+            <a:avLst/>
+          </a:prstGeom>
+          <a:solidFill>
+            <a:schemeClr val="accent4">
+              <a:lumMod val="20000"/>
+              <a:lumOff val="80000"/>
+            </a:schemeClr>
+          </a:solidFill>
+        </p:spPr>
+        <p:txBody>
+          <a:bodyPr wrap="square">
+            <a:spAutoFit/>
+          </a:bodyPr>
+          <a:lstStyle/>
+          <a:p>
+            <a:r>
+              <a:rPr lang="zh-TW" altLang="en-US" sz="1600" dirty="0" smtClean="0"/>
+              <a:t>一個</a:t>
+            </a:r>
+            <a:r>
+              <a:rPr lang="en-US" altLang="zh-TW" sz="1600" dirty="0" err="1" smtClean="0"/>
+              <a:t>SingleSelect</a:t>
+            </a:r>
+            <a:r>
+              <a:rPr lang="zh-TW" altLang="en-US" sz="1600" dirty="0" smtClean="0"/>
+              <a:t>的物件 對應到一個</a:t>
+            </a:r>
+            <a:r>
+              <a:rPr lang="en-US" altLang="zh-TW" sz="1600" dirty="0" err="1"/>
+              <a:t>SelectListItem</a:t>
+            </a:r>
+            <a:endParaRPr lang="en-US" altLang="zh-TW" sz="1600" dirty="0" smtClean="0"/>
+          </a:p>
+        </p:txBody>
+      </p:sp>
+      <p:sp>
+        <p:nvSpPr>
+          <p:cNvPr id="11" name="矩形 10"/>
+          <p:cNvSpPr/>
+          <p:nvPr/>
+        </p:nvSpPr>
+        <p:spPr>
+          <a:xfrm>
+            <a:off x="713370" y="2978296"/>
+            <a:ext cx="4514238" cy="2326949"/>
+          </a:xfrm>
+          <a:prstGeom prst="rect">
+            <a:avLst/>
+          </a:prstGeom>
+          <a:noFill/>
+          <a:ln w="38100">
+            <a:solidFill>
+              <a:srgbClr val="FF0000"/>
+            </a:solidFill>
+          </a:ln>
+        </p:spPr>
+        <p:style>
+          <a:lnRef idx="2">
+            <a:schemeClr val="accent1">
+              <a:shade val="50000"/>
+            </a:schemeClr>
+          </a:lnRef>
+          <a:fillRef idx="1">
+            <a:schemeClr val="accent1"/>
+          </a:fillRef>
+          <a:effectRef idx="0">
+            <a:schemeClr val="accent1"/>
+          </a:effectRef>
+          <a:fontRef idx="minor">
+            <a:schemeClr val="lt1"/>
+          </a:fontRef>
+        </p:style>
+        <p:txBody>
+          <a:bodyPr rtlCol="0" anchor="ctr"/>
+          <a:lstStyle/>
+          <a:p>
+            <a:pPr algn="ctr"/>
+            <a:endParaRPr lang="zh-TW" altLang="en-US"/>
+          </a:p>
+        </p:txBody>
+      </p:sp>
+      <p:cxnSp>
+        <p:nvCxnSpPr>
+          <p:cNvPr id="12" name="直線單箭頭接點 11"/>
+          <p:cNvCxnSpPr/>
+          <p:nvPr/>
+        </p:nvCxnSpPr>
+        <p:spPr>
+          <a:xfrm flipV="1">
+            <a:off x="1897811" y="2820839"/>
+            <a:ext cx="707367" cy="157457"/>
+          </a:xfrm>
+          <a:prstGeom prst="straightConnector1">
+            <a:avLst/>
+          </a:prstGeom>
+          <a:ln w="38100">
+            <a:solidFill>
+              <a:srgbClr val="FF0000"/>
+            </a:solidFill>
+            <a:tailEnd type="arrow"/>
+          </a:ln>
+        </p:spPr>
+        <p:style>
+          <a:lnRef idx="1">
+            <a:schemeClr val="accent1"/>
+          </a:lnRef>
+          <a:fillRef idx="0">
+            <a:schemeClr val="accent1"/>
+          </a:fillRef>
+          <a:effectRef idx="0">
+            <a:schemeClr val="accent1"/>
+          </a:effectRef>
+          <a:fontRef idx="minor">
+            <a:schemeClr val="tx1"/>
+          </a:fontRef>
+        </p:style>
+      </p:cxnSp>
+      <p:sp>
+        <p:nvSpPr>
+          <p:cNvPr id="15" name="矩形 14"/>
+          <p:cNvSpPr/>
+          <p:nvPr/>
+        </p:nvSpPr>
+        <p:spPr>
+          <a:xfrm>
+            <a:off x="1817882" y="3163544"/>
+            <a:ext cx="3292415" cy="261610"/>
+          </a:xfrm>
+          <a:prstGeom prst="rect">
+            <a:avLst/>
+          </a:prstGeom>
+          <a:solidFill>
+            <a:schemeClr val="accent5">
+              <a:lumMod val="40000"/>
+              <a:lumOff val="60000"/>
+            </a:schemeClr>
+          </a:solidFill>
+        </p:spPr>
+        <p:txBody>
+          <a:bodyPr wrap="square">
+            <a:spAutoFit/>
+          </a:bodyPr>
+          <a:lstStyle/>
+          <a:p>
+            <a:r>
+              <a:rPr lang="en-US" altLang="zh-TW" sz="1100" dirty="0" smtClean="0"/>
+              <a:t>3-1.</a:t>
+            </a:r>
+            <a:r>
+              <a:rPr lang="zh-TW" altLang="en-US" sz="1100" dirty="0" smtClean="0"/>
+              <a:t>得到</a:t>
+            </a:r>
+            <a:r>
+              <a:rPr lang="en-US" altLang="zh-TW" sz="1100" dirty="0" err="1" smtClean="0"/>
+              <a:t>SelectListItem</a:t>
+            </a:r>
+            <a:r>
+              <a:rPr lang="zh-TW" altLang="en-US" sz="1100" dirty="0" smtClean="0"/>
+              <a:t>丟到這個</a:t>
+            </a:r>
+            <a:r>
+              <a:rPr lang="en-US" altLang="zh-TW" sz="1100" dirty="0" err="1" smtClean="0"/>
+              <a:t>SelectListItem</a:t>
+            </a:r>
+            <a:endParaRPr lang="en-US" altLang="zh-TW" sz="1100" dirty="0"/>
+          </a:p>
+        </p:txBody>
+      </p:sp>
+      <p:sp>
+        <p:nvSpPr>
+          <p:cNvPr id="17" name="矩形 16"/>
+          <p:cNvSpPr/>
+          <p:nvPr/>
+        </p:nvSpPr>
+        <p:spPr>
+          <a:xfrm>
+            <a:off x="713370" y="5352690"/>
+            <a:ext cx="2257119" cy="238664"/>
+          </a:xfrm>
+          <a:prstGeom prst="rect">
+            <a:avLst/>
+          </a:prstGeom>
+          <a:noFill/>
+          <a:ln w="38100">
+            <a:solidFill>
+              <a:srgbClr val="FF0000"/>
+            </a:solidFill>
+          </a:ln>
+        </p:spPr>
+        <p:style>
+          <a:lnRef idx="2">
+            <a:schemeClr val="accent1">
+              <a:shade val="50000"/>
+            </a:schemeClr>
+          </a:lnRef>
+          <a:fillRef idx="1">
+            <a:schemeClr val="accent1"/>
+          </a:fillRef>
+          <a:effectRef idx="0">
+            <a:schemeClr val="accent1"/>
+          </a:effectRef>
+          <a:fontRef idx="minor">
+            <a:schemeClr val="lt1"/>
+          </a:fontRef>
+        </p:style>
+        <p:txBody>
+          <a:bodyPr rtlCol="0" anchor="ctr"/>
+          <a:lstStyle/>
+          <a:p>
+            <a:pPr algn="ctr"/>
+            <a:endParaRPr lang="zh-TW" altLang="en-US"/>
+          </a:p>
+        </p:txBody>
+      </p:sp>
+      <p:sp>
+        <p:nvSpPr>
+          <p:cNvPr id="18" name="矩形 17"/>
+          <p:cNvSpPr/>
+          <p:nvPr/>
+        </p:nvSpPr>
+        <p:spPr>
+          <a:xfrm>
+            <a:off x="2970489" y="5512746"/>
+            <a:ext cx="3292415" cy="261610"/>
+          </a:xfrm>
+          <a:prstGeom prst="rect">
+            <a:avLst/>
+          </a:prstGeom>
+          <a:solidFill>
+            <a:schemeClr val="accent5">
+              <a:lumMod val="40000"/>
+              <a:lumOff val="60000"/>
+            </a:schemeClr>
+          </a:solidFill>
+        </p:spPr>
+        <p:txBody>
+          <a:bodyPr wrap="square">
+            <a:spAutoFit/>
+          </a:bodyPr>
+          <a:lstStyle/>
+          <a:p>
+            <a:r>
+              <a:rPr lang="en-US" altLang="zh-TW" sz="1100" dirty="0" smtClean="0"/>
+              <a:t>3-2.</a:t>
+            </a:r>
+            <a:r>
+              <a:rPr lang="zh-TW" altLang="en-US" sz="1100" dirty="0" smtClean="0"/>
+              <a:t>再丟到這個變數來</a:t>
+            </a:r>
+            <a:endParaRPr lang="en-US" altLang="zh-TW" sz="1100" dirty="0"/>
+          </a:p>
+        </p:txBody>
+      </p:sp>
+    </p:spTree>
+    <p:extLst>
+      <p:ext uri="{BB962C8B-B14F-4D97-AF65-F5344CB8AC3E}">
+        <p14:creationId xmlns:p14="http://schemas.microsoft.com/office/powerpoint/2010/main" val="776149631"/>
+      </p:ext>
+    </p:extLst>
+  </p:cSld>
+  <p:clrMapOvr>
+    <a:masterClrMapping/>
+  </p:clrMapOvr>
+  <p:timing>
+    <p:tnLst>
+      <p:par>
+        <p:cTn id="1" dur="indefinite" restart="never" nodeType="tmRoot"/>
+      </p:par>
+    </p:tnLst>
+  </p:timing>
 </p:sld>
 </file>
 
@@ -12703,7 +17153,7 @@
   <a:extraClrSchemeLst/>
   <a:extLst>
     <a:ext uri="{05A4C25C-085E-4340-85A3-A5531E510DB2}">
-      <thm15:themeFamily xmlns:thm15="http://schemas.microsoft.com/office/thememl/2012/main" xmlns="" name="Office Theme" id="{62F939B6-93AF-4DB8-9C6B-D6C7DFDC589F}" vid="{4A3C46E8-61CC-4603-A589-7422A47A8E4A}"/>
+      <thm15:themeFamily xmlns="" xmlns:thm15="http://schemas.microsoft.com/office/thememl/2012/main" name="Office Theme" id="{62F939B6-93AF-4DB8-9C6B-D6C7DFDC589F}" vid="{4A3C46E8-61CC-4603-A589-7422A47A8E4A}"/>
     </a:ext>
   </a:extLst>
 </a:theme>

--- a/筆記.pptx
+++ b/筆記.pptx
@@ -43,6 +43,11 @@
     <p:sldId id="286" r:id="rId37"/>
     <p:sldId id="287" r:id="rId38"/>
     <p:sldId id="295" r:id="rId39"/>
+    <p:sldId id="296" r:id="rId40"/>
+    <p:sldId id="297" r:id="rId41"/>
+    <p:sldId id="298" r:id="rId42"/>
+    <p:sldId id="299" r:id="rId43"/>
+    <p:sldId id="300" r:id="rId44"/>
   </p:sldIdLst>
   <p:sldSz cx="12192000" cy="6858000"/>
   <p:notesSz cx="6858000" cy="9144000"/>
@@ -143,7 +148,7 @@
   </p:defaultTextStyle>
   <p:extLst>
     <p:ext uri="{EFAFB233-063F-42B5-8137-9DF3F51BA10A}">
-      <p15:sldGuideLst xmlns:p15="http://schemas.microsoft.com/office/powerpoint/2012/main">
+      <p15:sldGuideLst xmlns:p15="http://schemas.microsoft.com/office/powerpoint/2012/main" xmlns="">
         <p15:guide id="1" orient="horz" pos="2160">
           <p15:clr>
             <a:srgbClr val="A4A3A4"/>
@@ -186,7 +191,7 @@
           <p:cNvPr id="2" name="標題 1">
             <a:extLst>
               <a:ext uri="{FF2B5EF4-FFF2-40B4-BE49-F238E27FC236}">
-                <a16:creationId xmlns:a16="http://schemas.microsoft.com/office/drawing/2014/main" id="{1198393F-506E-42F3-9FA2-C5A7116197F9}"/>
+                <a16:creationId xmlns:a16="http://schemas.microsoft.com/office/drawing/2014/main" xmlns="" id="{1198393F-506E-42F3-9FA2-C5A7116197F9}"/>
               </a:ext>
             </a:extLst>
           </p:cNvPr>
@@ -223,7 +228,7 @@
           <p:cNvPr id="3" name="副標題 2">
             <a:extLst>
               <a:ext uri="{FF2B5EF4-FFF2-40B4-BE49-F238E27FC236}">
-                <a16:creationId xmlns:a16="http://schemas.microsoft.com/office/drawing/2014/main" id="{EEA0432F-353E-42BB-9B17-1D182533D439}"/>
+                <a16:creationId xmlns:a16="http://schemas.microsoft.com/office/drawing/2014/main" xmlns="" id="{EEA0432F-353E-42BB-9B17-1D182533D439}"/>
               </a:ext>
             </a:extLst>
           </p:cNvPr>
@@ -293,7 +298,7 @@
           <p:cNvPr id="4" name="日期版面配置區 3">
             <a:extLst>
               <a:ext uri="{FF2B5EF4-FFF2-40B4-BE49-F238E27FC236}">
-                <a16:creationId xmlns:a16="http://schemas.microsoft.com/office/drawing/2014/main" id="{B4CDE810-493D-4C49-B8ED-9436B09EAE24}"/>
+                <a16:creationId xmlns:a16="http://schemas.microsoft.com/office/drawing/2014/main" xmlns="" id="{B4CDE810-493D-4C49-B8ED-9436B09EAE24}"/>
               </a:ext>
             </a:extLst>
           </p:cNvPr>
@@ -322,7 +327,7 @@
           <p:cNvPr id="5" name="頁尾版面配置區 4">
             <a:extLst>
               <a:ext uri="{FF2B5EF4-FFF2-40B4-BE49-F238E27FC236}">
-                <a16:creationId xmlns:a16="http://schemas.microsoft.com/office/drawing/2014/main" id="{AF2EE26C-5BD5-49B3-AFA9-F3AD51DF851F}"/>
+                <a16:creationId xmlns:a16="http://schemas.microsoft.com/office/drawing/2014/main" xmlns="" id="{AF2EE26C-5BD5-49B3-AFA9-F3AD51DF851F}"/>
               </a:ext>
             </a:extLst>
           </p:cNvPr>
@@ -347,7 +352,7 @@
           <p:cNvPr id="6" name="投影片編號版面配置區 5">
             <a:extLst>
               <a:ext uri="{FF2B5EF4-FFF2-40B4-BE49-F238E27FC236}">
-                <a16:creationId xmlns:a16="http://schemas.microsoft.com/office/drawing/2014/main" id="{8E168F88-A195-4F77-9EB7-45BBA865904A}"/>
+                <a16:creationId xmlns:a16="http://schemas.microsoft.com/office/drawing/2014/main" xmlns="" id="{8E168F88-A195-4F77-9EB7-45BBA865904A}"/>
               </a:ext>
             </a:extLst>
           </p:cNvPr>
@@ -406,7 +411,7 @@
           <p:cNvPr id="2" name="標題 1">
             <a:extLst>
               <a:ext uri="{FF2B5EF4-FFF2-40B4-BE49-F238E27FC236}">
-                <a16:creationId xmlns:a16="http://schemas.microsoft.com/office/drawing/2014/main" id="{8FBAA53A-84EC-4393-9448-9CAE254CA709}"/>
+                <a16:creationId xmlns:a16="http://schemas.microsoft.com/office/drawing/2014/main" xmlns="" id="{8FBAA53A-84EC-4393-9448-9CAE254CA709}"/>
               </a:ext>
             </a:extLst>
           </p:cNvPr>
@@ -434,7 +439,7 @@
           <p:cNvPr id="3" name="直排文字版面配置區 2">
             <a:extLst>
               <a:ext uri="{FF2B5EF4-FFF2-40B4-BE49-F238E27FC236}">
-                <a16:creationId xmlns:a16="http://schemas.microsoft.com/office/drawing/2014/main" id="{AE87E7FC-8712-4D20-BEFC-C406303758C0}"/>
+                <a16:creationId xmlns:a16="http://schemas.microsoft.com/office/drawing/2014/main" xmlns="" id="{AE87E7FC-8712-4D20-BEFC-C406303758C0}"/>
               </a:ext>
             </a:extLst>
           </p:cNvPr>
@@ -491,7 +496,7 @@
           <p:cNvPr id="4" name="日期版面配置區 3">
             <a:extLst>
               <a:ext uri="{FF2B5EF4-FFF2-40B4-BE49-F238E27FC236}">
-                <a16:creationId xmlns:a16="http://schemas.microsoft.com/office/drawing/2014/main" id="{B587C640-CE34-4DCB-A779-FECBEAE9BA40}"/>
+                <a16:creationId xmlns:a16="http://schemas.microsoft.com/office/drawing/2014/main" xmlns="" id="{B587C640-CE34-4DCB-A779-FECBEAE9BA40}"/>
               </a:ext>
             </a:extLst>
           </p:cNvPr>
@@ -520,7 +525,7 @@
           <p:cNvPr id="5" name="頁尾版面配置區 4">
             <a:extLst>
               <a:ext uri="{FF2B5EF4-FFF2-40B4-BE49-F238E27FC236}">
-                <a16:creationId xmlns:a16="http://schemas.microsoft.com/office/drawing/2014/main" id="{3A88C654-BC98-4205-83C0-BE29BA5200CC}"/>
+                <a16:creationId xmlns:a16="http://schemas.microsoft.com/office/drawing/2014/main" xmlns="" id="{3A88C654-BC98-4205-83C0-BE29BA5200CC}"/>
               </a:ext>
             </a:extLst>
           </p:cNvPr>
@@ -545,7 +550,7 @@
           <p:cNvPr id="6" name="投影片編號版面配置區 5">
             <a:extLst>
               <a:ext uri="{FF2B5EF4-FFF2-40B4-BE49-F238E27FC236}">
-                <a16:creationId xmlns:a16="http://schemas.microsoft.com/office/drawing/2014/main" id="{9324F803-7C42-4F87-9C7E-B76C231F75D8}"/>
+                <a16:creationId xmlns:a16="http://schemas.microsoft.com/office/drawing/2014/main" xmlns="" id="{9324F803-7C42-4F87-9C7E-B76C231F75D8}"/>
               </a:ext>
             </a:extLst>
           </p:cNvPr>
@@ -604,7 +609,7 @@
           <p:cNvPr id="2" name="直排標題 1">
             <a:extLst>
               <a:ext uri="{FF2B5EF4-FFF2-40B4-BE49-F238E27FC236}">
-                <a16:creationId xmlns:a16="http://schemas.microsoft.com/office/drawing/2014/main" id="{9BAC39AB-F732-4CC0-B422-B26720BFCF3B}"/>
+                <a16:creationId xmlns:a16="http://schemas.microsoft.com/office/drawing/2014/main" xmlns="" id="{9BAC39AB-F732-4CC0-B422-B26720BFCF3B}"/>
               </a:ext>
             </a:extLst>
           </p:cNvPr>
@@ -637,7 +642,7 @@
           <p:cNvPr id="3" name="直排文字版面配置區 2">
             <a:extLst>
               <a:ext uri="{FF2B5EF4-FFF2-40B4-BE49-F238E27FC236}">
-                <a16:creationId xmlns:a16="http://schemas.microsoft.com/office/drawing/2014/main" id="{FBC3752A-000A-4A33-B236-B8F23F6605B3}"/>
+                <a16:creationId xmlns:a16="http://schemas.microsoft.com/office/drawing/2014/main" xmlns="" id="{FBC3752A-000A-4A33-B236-B8F23F6605B3}"/>
               </a:ext>
             </a:extLst>
           </p:cNvPr>
@@ -699,7 +704,7 @@
           <p:cNvPr id="4" name="日期版面配置區 3">
             <a:extLst>
               <a:ext uri="{FF2B5EF4-FFF2-40B4-BE49-F238E27FC236}">
-                <a16:creationId xmlns:a16="http://schemas.microsoft.com/office/drawing/2014/main" id="{601FE94D-9366-4936-84EE-5985F9DEC92E}"/>
+                <a16:creationId xmlns:a16="http://schemas.microsoft.com/office/drawing/2014/main" xmlns="" id="{601FE94D-9366-4936-84EE-5985F9DEC92E}"/>
               </a:ext>
             </a:extLst>
           </p:cNvPr>
@@ -728,7 +733,7 @@
           <p:cNvPr id="5" name="頁尾版面配置區 4">
             <a:extLst>
               <a:ext uri="{FF2B5EF4-FFF2-40B4-BE49-F238E27FC236}">
-                <a16:creationId xmlns:a16="http://schemas.microsoft.com/office/drawing/2014/main" id="{AFE29EB2-FAEB-4546-98D7-92EED2E8B0DB}"/>
+                <a16:creationId xmlns:a16="http://schemas.microsoft.com/office/drawing/2014/main" xmlns="" id="{AFE29EB2-FAEB-4546-98D7-92EED2E8B0DB}"/>
               </a:ext>
             </a:extLst>
           </p:cNvPr>
@@ -753,7 +758,7 @@
           <p:cNvPr id="6" name="投影片編號版面配置區 5">
             <a:extLst>
               <a:ext uri="{FF2B5EF4-FFF2-40B4-BE49-F238E27FC236}">
-                <a16:creationId xmlns:a16="http://schemas.microsoft.com/office/drawing/2014/main" id="{622F40B8-7D29-4D01-9DBE-D704BBD2C699}"/>
+                <a16:creationId xmlns:a16="http://schemas.microsoft.com/office/drawing/2014/main" xmlns="" id="{622F40B8-7D29-4D01-9DBE-D704BBD2C699}"/>
               </a:ext>
             </a:extLst>
           </p:cNvPr>
@@ -812,7 +817,7 @@
           <p:cNvPr id="2" name="標題 1">
             <a:extLst>
               <a:ext uri="{FF2B5EF4-FFF2-40B4-BE49-F238E27FC236}">
-                <a16:creationId xmlns:a16="http://schemas.microsoft.com/office/drawing/2014/main" id="{1A3F3828-BD0A-4B81-A984-81DFE4E59A58}"/>
+                <a16:creationId xmlns:a16="http://schemas.microsoft.com/office/drawing/2014/main" xmlns="" id="{1A3F3828-BD0A-4B81-A984-81DFE4E59A58}"/>
               </a:ext>
             </a:extLst>
           </p:cNvPr>
@@ -840,7 +845,7 @@
           <p:cNvPr id="3" name="內容版面配置區 2">
             <a:extLst>
               <a:ext uri="{FF2B5EF4-FFF2-40B4-BE49-F238E27FC236}">
-                <a16:creationId xmlns:a16="http://schemas.microsoft.com/office/drawing/2014/main" id="{0EC8A2A9-2912-4BFA-BCDF-32962C0BB2A3}"/>
+                <a16:creationId xmlns:a16="http://schemas.microsoft.com/office/drawing/2014/main" xmlns="" id="{0EC8A2A9-2912-4BFA-BCDF-32962C0BB2A3}"/>
               </a:ext>
             </a:extLst>
           </p:cNvPr>
@@ -897,7 +902,7 @@
           <p:cNvPr id="4" name="日期版面配置區 3">
             <a:extLst>
               <a:ext uri="{FF2B5EF4-FFF2-40B4-BE49-F238E27FC236}">
-                <a16:creationId xmlns:a16="http://schemas.microsoft.com/office/drawing/2014/main" id="{9B3D757A-635C-497E-9BA1-32A5E7FCE7F6}"/>
+                <a16:creationId xmlns:a16="http://schemas.microsoft.com/office/drawing/2014/main" xmlns="" id="{9B3D757A-635C-497E-9BA1-32A5E7FCE7F6}"/>
               </a:ext>
             </a:extLst>
           </p:cNvPr>
@@ -926,7 +931,7 @@
           <p:cNvPr id="5" name="頁尾版面配置區 4">
             <a:extLst>
               <a:ext uri="{FF2B5EF4-FFF2-40B4-BE49-F238E27FC236}">
-                <a16:creationId xmlns:a16="http://schemas.microsoft.com/office/drawing/2014/main" id="{1F5A3E80-D4D4-44B5-8BBD-0365A50F04B9}"/>
+                <a16:creationId xmlns:a16="http://schemas.microsoft.com/office/drawing/2014/main" xmlns="" id="{1F5A3E80-D4D4-44B5-8BBD-0365A50F04B9}"/>
               </a:ext>
             </a:extLst>
           </p:cNvPr>
@@ -951,7 +956,7 @@
           <p:cNvPr id="6" name="投影片編號版面配置區 5">
             <a:extLst>
               <a:ext uri="{FF2B5EF4-FFF2-40B4-BE49-F238E27FC236}">
-                <a16:creationId xmlns:a16="http://schemas.microsoft.com/office/drawing/2014/main" id="{2AC6233F-BFA6-42D3-8283-2F071C9CAF2D}"/>
+                <a16:creationId xmlns:a16="http://schemas.microsoft.com/office/drawing/2014/main" xmlns="" id="{2AC6233F-BFA6-42D3-8283-2F071C9CAF2D}"/>
               </a:ext>
             </a:extLst>
           </p:cNvPr>
@@ -1010,7 +1015,7 @@
           <p:cNvPr id="2" name="標題 1">
             <a:extLst>
               <a:ext uri="{FF2B5EF4-FFF2-40B4-BE49-F238E27FC236}">
-                <a16:creationId xmlns:a16="http://schemas.microsoft.com/office/drawing/2014/main" id="{693186E9-1AB3-46F6-91DF-3B08ED2ACD00}"/>
+                <a16:creationId xmlns:a16="http://schemas.microsoft.com/office/drawing/2014/main" xmlns="" id="{693186E9-1AB3-46F6-91DF-3B08ED2ACD00}"/>
               </a:ext>
             </a:extLst>
           </p:cNvPr>
@@ -1047,7 +1052,7 @@
           <p:cNvPr id="3" name="文字版面配置區 2">
             <a:extLst>
               <a:ext uri="{FF2B5EF4-FFF2-40B4-BE49-F238E27FC236}">
-                <a16:creationId xmlns:a16="http://schemas.microsoft.com/office/drawing/2014/main" id="{0D1B0F2E-115D-4029-BEC4-14D342BEF1B6}"/>
+                <a16:creationId xmlns:a16="http://schemas.microsoft.com/office/drawing/2014/main" xmlns="" id="{0D1B0F2E-115D-4029-BEC4-14D342BEF1B6}"/>
               </a:ext>
             </a:extLst>
           </p:cNvPr>
@@ -1172,7 +1177,7 @@
           <p:cNvPr id="4" name="日期版面配置區 3">
             <a:extLst>
               <a:ext uri="{FF2B5EF4-FFF2-40B4-BE49-F238E27FC236}">
-                <a16:creationId xmlns:a16="http://schemas.microsoft.com/office/drawing/2014/main" id="{53C6FD83-AA37-48FE-89EF-284F407D699D}"/>
+                <a16:creationId xmlns:a16="http://schemas.microsoft.com/office/drawing/2014/main" xmlns="" id="{53C6FD83-AA37-48FE-89EF-284F407D699D}"/>
               </a:ext>
             </a:extLst>
           </p:cNvPr>
@@ -1201,7 +1206,7 @@
           <p:cNvPr id="5" name="頁尾版面配置區 4">
             <a:extLst>
               <a:ext uri="{FF2B5EF4-FFF2-40B4-BE49-F238E27FC236}">
-                <a16:creationId xmlns:a16="http://schemas.microsoft.com/office/drawing/2014/main" id="{0A45A3BE-CDD8-4584-A65F-0CCEFC3FC53D}"/>
+                <a16:creationId xmlns:a16="http://schemas.microsoft.com/office/drawing/2014/main" xmlns="" id="{0A45A3BE-CDD8-4584-A65F-0CCEFC3FC53D}"/>
               </a:ext>
             </a:extLst>
           </p:cNvPr>
@@ -1226,7 +1231,7 @@
           <p:cNvPr id="6" name="投影片編號版面配置區 5">
             <a:extLst>
               <a:ext uri="{FF2B5EF4-FFF2-40B4-BE49-F238E27FC236}">
-                <a16:creationId xmlns:a16="http://schemas.microsoft.com/office/drawing/2014/main" id="{D03CAF72-F7A0-490C-8F2C-45718C95BC17}"/>
+                <a16:creationId xmlns:a16="http://schemas.microsoft.com/office/drawing/2014/main" xmlns="" id="{D03CAF72-F7A0-490C-8F2C-45718C95BC17}"/>
               </a:ext>
             </a:extLst>
           </p:cNvPr>
@@ -1285,7 +1290,7 @@
           <p:cNvPr id="2" name="標題 1">
             <a:extLst>
               <a:ext uri="{FF2B5EF4-FFF2-40B4-BE49-F238E27FC236}">
-                <a16:creationId xmlns:a16="http://schemas.microsoft.com/office/drawing/2014/main" id="{A9FB1FFE-288D-46F4-838A-0824C9C36B3F}"/>
+                <a16:creationId xmlns:a16="http://schemas.microsoft.com/office/drawing/2014/main" xmlns="" id="{A9FB1FFE-288D-46F4-838A-0824C9C36B3F}"/>
               </a:ext>
             </a:extLst>
           </p:cNvPr>
@@ -1313,7 +1318,7 @@
           <p:cNvPr id="3" name="內容版面配置區 2">
             <a:extLst>
               <a:ext uri="{FF2B5EF4-FFF2-40B4-BE49-F238E27FC236}">
-                <a16:creationId xmlns:a16="http://schemas.microsoft.com/office/drawing/2014/main" id="{84E6D906-22CF-4F86-9C57-0AADC9D52019}"/>
+                <a16:creationId xmlns:a16="http://schemas.microsoft.com/office/drawing/2014/main" xmlns="" id="{84E6D906-22CF-4F86-9C57-0AADC9D52019}"/>
               </a:ext>
             </a:extLst>
           </p:cNvPr>
@@ -1375,7 +1380,7 @@
           <p:cNvPr id="4" name="內容版面配置區 3">
             <a:extLst>
               <a:ext uri="{FF2B5EF4-FFF2-40B4-BE49-F238E27FC236}">
-                <a16:creationId xmlns:a16="http://schemas.microsoft.com/office/drawing/2014/main" id="{905BDD05-1E92-49F7-8524-2E69E5C3E44B}"/>
+                <a16:creationId xmlns:a16="http://schemas.microsoft.com/office/drawing/2014/main" xmlns="" id="{905BDD05-1E92-49F7-8524-2E69E5C3E44B}"/>
               </a:ext>
             </a:extLst>
           </p:cNvPr>
@@ -1437,7 +1442,7 @@
           <p:cNvPr id="5" name="日期版面配置區 4">
             <a:extLst>
               <a:ext uri="{FF2B5EF4-FFF2-40B4-BE49-F238E27FC236}">
-                <a16:creationId xmlns:a16="http://schemas.microsoft.com/office/drawing/2014/main" id="{97422E4D-D418-4B8A-9EF5-529BC9720D27}"/>
+                <a16:creationId xmlns:a16="http://schemas.microsoft.com/office/drawing/2014/main" xmlns="" id="{97422E4D-D418-4B8A-9EF5-529BC9720D27}"/>
               </a:ext>
             </a:extLst>
           </p:cNvPr>
@@ -1466,7 +1471,7 @@
           <p:cNvPr id="6" name="頁尾版面配置區 5">
             <a:extLst>
               <a:ext uri="{FF2B5EF4-FFF2-40B4-BE49-F238E27FC236}">
-                <a16:creationId xmlns:a16="http://schemas.microsoft.com/office/drawing/2014/main" id="{F1BD7C8D-CE3E-4C0F-B2B9-E51DCA1CB4B2}"/>
+                <a16:creationId xmlns:a16="http://schemas.microsoft.com/office/drawing/2014/main" xmlns="" id="{F1BD7C8D-CE3E-4C0F-B2B9-E51DCA1CB4B2}"/>
               </a:ext>
             </a:extLst>
           </p:cNvPr>
@@ -1491,7 +1496,7 @@
           <p:cNvPr id="7" name="投影片編號版面配置區 6">
             <a:extLst>
               <a:ext uri="{FF2B5EF4-FFF2-40B4-BE49-F238E27FC236}">
-                <a16:creationId xmlns:a16="http://schemas.microsoft.com/office/drawing/2014/main" id="{5BBA102D-360B-4EE5-BDFC-FEC0D8638667}"/>
+                <a16:creationId xmlns:a16="http://schemas.microsoft.com/office/drawing/2014/main" xmlns="" id="{5BBA102D-360B-4EE5-BDFC-FEC0D8638667}"/>
               </a:ext>
             </a:extLst>
           </p:cNvPr>
@@ -1550,7 +1555,7 @@
           <p:cNvPr id="2" name="標題 1">
             <a:extLst>
               <a:ext uri="{FF2B5EF4-FFF2-40B4-BE49-F238E27FC236}">
-                <a16:creationId xmlns:a16="http://schemas.microsoft.com/office/drawing/2014/main" id="{4AD70CB9-5A3B-467D-8944-4DC5A90DBE6E}"/>
+                <a16:creationId xmlns:a16="http://schemas.microsoft.com/office/drawing/2014/main" xmlns="" id="{4AD70CB9-5A3B-467D-8944-4DC5A90DBE6E}"/>
               </a:ext>
             </a:extLst>
           </p:cNvPr>
@@ -1583,7 +1588,7 @@
           <p:cNvPr id="3" name="文字版面配置區 2">
             <a:extLst>
               <a:ext uri="{FF2B5EF4-FFF2-40B4-BE49-F238E27FC236}">
-                <a16:creationId xmlns:a16="http://schemas.microsoft.com/office/drawing/2014/main" id="{A3775FAB-53FE-40CC-A723-777B55828725}"/>
+                <a16:creationId xmlns:a16="http://schemas.microsoft.com/office/drawing/2014/main" xmlns="" id="{A3775FAB-53FE-40CC-A723-777B55828725}"/>
               </a:ext>
             </a:extLst>
           </p:cNvPr>
@@ -1654,7 +1659,7 @@
           <p:cNvPr id="4" name="內容版面配置區 3">
             <a:extLst>
               <a:ext uri="{FF2B5EF4-FFF2-40B4-BE49-F238E27FC236}">
-                <a16:creationId xmlns:a16="http://schemas.microsoft.com/office/drawing/2014/main" id="{1B6FF27E-92E8-4038-AC25-286B2F1293E0}"/>
+                <a16:creationId xmlns:a16="http://schemas.microsoft.com/office/drawing/2014/main" xmlns="" id="{1B6FF27E-92E8-4038-AC25-286B2F1293E0}"/>
               </a:ext>
             </a:extLst>
           </p:cNvPr>
@@ -1716,7 +1721,7 @@
           <p:cNvPr id="5" name="文字版面配置區 4">
             <a:extLst>
               <a:ext uri="{FF2B5EF4-FFF2-40B4-BE49-F238E27FC236}">
-                <a16:creationId xmlns:a16="http://schemas.microsoft.com/office/drawing/2014/main" id="{F05571B1-5586-4BC5-8497-CBBAFEF07011}"/>
+                <a16:creationId xmlns:a16="http://schemas.microsoft.com/office/drawing/2014/main" xmlns="" id="{F05571B1-5586-4BC5-8497-CBBAFEF07011}"/>
               </a:ext>
             </a:extLst>
           </p:cNvPr>
@@ -1787,7 +1792,7 @@
           <p:cNvPr id="6" name="內容版面配置區 5">
             <a:extLst>
               <a:ext uri="{FF2B5EF4-FFF2-40B4-BE49-F238E27FC236}">
-                <a16:creationId xmlns:a16="http://schemas.microsoft.com/office/drawing/2014/main" id="{3163290B-F505-41DA-A556-93FAE747E744}"/>
+                <a16:creationId xmlns:a16="http://schemas.microsoft.com/office/drawing/2014/main" xmlns="" id="{3163290B-F505-41DA-A556-93FAE747E744}"/>
               </a:ext>
             </a:extLst>
           </p:cNvPr>
@@ -1849,7 +1854,7 @@
           <p:cNvPr id="7" name="日期版面配置區 6">
             <a:extLst>
               <a:ext uri="{FF2B5EF4-FFF2-40B4-BE49-F238E27FC236}">
-                <a16:creationId xmlns:a16="http://schemas.microsoft.com/office/drawing/2014/main" id="{2B929A61-93D8-4176-9436-DEA4C8AA337D}"/>
+                <a16:creationId xmlns:a16="http://schemas.microsoft.com/office/drawing/2014/main" xmlns="" id="{2B929A61-93D8-4176-9436-DEA4C8AA337D}"/>
               </a:ext>
             </a:extLst>
           </p:cNvPr>
@@ -1878,7 +1883,7 @@
           <p:cNvPr id="8" name="頁尾版面配置區 7">
             <a:extLst>
               <a:ext uri="{FF2B5EF4-FFF2-40B4-BE49-F238E27FC236}">
-                <a16:creationId xmlns:a16="http://schemas.microsoft.com/office/drawing/2014/main" id="{CB0BDEC3-882A-40E1-9AD7-9CADC5149370}"/>
+                <a16:creationId xmlns:a16="http://schemas.microsoft.com/office/drawing/2014/main" xmlns="" id="{CB0BDEC3-882A-40E1-9AD7-9CADC5149370}"/>
               </a:ext>
             </a:extLst>
           </p:cNvPr>
@@ -1903,7 +1908,7 @@
           <p:cNvPr id="9" name="投影片編號版面配置區 8">
             <a:extLst>
               <a:ext uri="{FF2B5EF4-FFF2-40B4-BE49-F238E27FC236}">
-                <a16:creationId xmlns:a16="http://schemas.microsoft.com/office/drawing/2014/main" id="{E649F777-8B0B-4E07-8789-213A9EA269D5}"/>
+                <a16:creationId xmlns:a16="http://schemas.microsoft.com/office/drawing/2014/main" xmlns="" id="{E649F777-8B0B-4E07-8789-213A9EA269D5}"/>
               </a:ext>
             </a:extLst>
           </p:cNvPr>
@@ -1962,7 +1967,7 @@
           <p:cNvPr id="2" name="標題 1">
             <a:extLst>
               <a:ext uri="{FF2B5EF4-FFF2-40B4-BE49-F238E27FC236}">
-                <a16:creationId xmlns:a16="http://schemas.microsoft.com/office/drawing/2014/main" id="{3190E325-266A-4F95-A6CE-C45234A1222B}"/>
+                <a16:creationId xmlns:a16="http://schemas.microsoft.com/office/drawing/2014/main" xmlns="" id="{3190E325-266A-4F95-A6CE-C45234A1222B}"/>
               </a:ext>
             </a:extLst>
           </p:cNvPr>
@@ -1990,7 +1995,7 @@
           <p:cNvPr id="3" name="日期版面配置區 2">
             <a:extLst>
               <a:ext uri="{FF2B5EF4-FFF2-40B4-BE49-F238E27FC236}">
-                <a16:creationId xmlns:a16="http://schemas.microsoft.com/office/drawing/2014/main" id="{EA3CE308-4CE4-4A55-8AFF-261766BDA14C}"/>
+                <a16:creationId xmlns:a16="http://schemas.microsoft.com/office/drawing/2014/main" xmlns="" id="{EA3CE308-4CE4-4A55-8AFF-261766BDA14C}"/>
               </a:ext>
             </a:extLst>
           </p:cNvPr>
@@ -2019,7 +2024,7 @@
           <p:cNvPr id="4" name="頁尾版面配置區 3">
             <a:extLst>
               <a:ext uri="{FF2B5EF4-FFF2-40B4-BE49-F238E27FC236}">
-                <a16:creationId xmlns:a16="http://schemas.microsoft.com/office/drawing/2014/main" id="{9A5D54C3-4E6B-4A64-891C-B7F8257EECCD}"/>
+                <a16:creationId xmlns:a16="http://schemas.microsoft.com/office/drawing/2014/main" xmlns="" id="{9A5D54C3-4E6B-4A64-891C-B7F8257EECCD}"/>
               </a:ext>
             </a:extLst>
           </p:cNvPr>
@@ -2044,7 +2049,7 @@
           <p:cNvPr id="5" name="投影片編號版面配置區 4">
             <a:extLst>
               <a:ext uri="{FF2B5EF4-FFF2-40B4-BE49-F238E27FC236}">
-                <a16:creationId xmlns:a16="http://schemas.microsoft.com/office/drawing/2014/main" id="{99D49CF7-6C63-436D-B538-07295C3EE13B}"/>
+                <a16:creationId xmlns:a16="http://schemas.microsoft.com/office/drawing/2014/main" xmlns="" id="{99D49CF7-6C63-436D-B538-07295C3EE13B}"/>
               </a:ext>
             </a:extLst>
           </p:cNvPr>
@@ -2103,7 +2108,7 @@
           <p:cNvPr id="2" name="日期版面配置區 1">
             <a:extLst>
               <a:ext uri="{FF2B5EF4-FFF2-40B4-BE49-F238E27FC236}">
-                <a16:creationId xmlns:a16="http://schemas.microsoft.com/office/drawing/2014/main" id="{95B32A53-9F7F-4C64-B0C3-58B77A2BB62B}"/>
+                <a16:creationId xmlns:a16="http://schemas.microsoft.com/office/drawing/2014/main" xmlns="" id="{95B32A53-9F7F-4C64-B0C3-58B77A2BB62B}"/>
               </a:ext>
             </a:extLst>
           </p:cNvPr>
@@ -2132,7 +2137,7 @@
           <p:cNvPr id="3" name="頁尾版面配置區 2">
             <a:extLst>
               <a:ext uri="{FF2B5EF4-FFF2-40B4-BE49-F238E27FC236}">
-                <a16:creationId xmlns:a16="http://schemas.microsoft.com/office/drawing/2014/main" id="{C143E365-1A3B-48D6-816F-ED5BB793AD47}"/>
+                <a16:creationId xmlns:a16="http://schemas.microsoft.com/office/drawing/2014/main" xmlns="" id="{C143E365-1A3B-48D6-816F-ED5BB793AD47}"/>
               </a:ext>
             </a:extLst>
           </p:cNvPr>
@@ -2157,7 +2162,7 @@
           <p:cNvPr id="4" name="投影片編號版面配置區 3">
             <a:extLst>
               <a:ext uri="{FF2B5EF4-FFF2-40B4-BE49-F238E27FC236}">
-                <a16:creationId xmlns:a16="http://schemas.microsoft.com/office/drawing/2014/main" id="{4B9A1611-BAD4-433E-A82A-460481C395E0}"/>
+                <a16:creationId xmlns:a16="http://schemas.microsoft.com/office/drawing/2014/main" xmlns="" id="{4B9A1611-BAD4-433E-A82A-460481C395E0}"/>
               </a:ext>
             </a:extLst>
           </p:cNvPr>
@@ -2216,7 +2221,7 @@
           <p:cNvPr id="2" name="標題 1">
             <a:extLst>
               <a:ext uri="{FF2B5EF4-FFF2-40B4-BE49-F238E27FC236}">
-                <a16:creationId xmlns:a16="http://schemas.microsoft.com/office/drawing/2014/main" id="{BFDB57DA-AF3F-49F6-99CA-75A4C27FC7A3}"/>
+                <a16:creationId xmlns:a16="http://schemas.microsoft.com/office/drawing/2014/main" xmlns="" id="{BFDB57DA-AF3F-49F6-99CA-75A4C27FC7A3}"/>
               </a:ext>
             </a:extLst>
           </p:cNvPr>
@@ -2253,7 +2258,7 @@
           <p:cNvPr id="3" name="內容版面配置區 2">
             <a:extLst>
               <a:ext uri="{FF2B5EF4-FFF2-40B4-BE49-F238E27FC236}">
-                <a16:creationId xmlns:a16="http://schemas.microsoft.com/office/drawing/2014/main" id="{7F1ECA61-1796-4832-9432-65258A3FE340}"/>
+                <a16:creationId xmlns:a16="http://schemas.microsoft.com/office/drawing/2014/main" xmlns="" id="{7F1ECA61-1796-4832-9432-65258A3FE340}"/>
               </a:ext>
             </a:extLst>
           </p:cNvPr>
@@ -2343,7 +2348,7 @@
           <p:cNvPr id="4" name="文字版面配置區 3">
             <a:extLst>
               <a:ext uri="{FF2B5EF4-FFF2-40B4-BE49-F238E27FC236}">
-                <a16:creationId xmlns:a16="http://schemas.microsoft.com/office/drawing/2014/main" id="{2A3B2590-9E27-4191-A02E-AB16317FC3DF}"/>
+                <a16:creationId xmlns:a16="http://schemas.microsoft.com/office/drawing/2014/main" xmlns="" id="{2A3B2590-9E27-4191-A02E-AB16317FC3DF}"/>
               </a:ext>
             </a:extLst>
           </p:cNvPr>
@@ -2414,7 +2419,7 @@
           <p:cNvPr id="5" name="日期版面配置區 4">
             <a:extLst>
               <a:ext uri="{FF2B5EF4-FFF2-40B4-BE49-F238E27FC236}">
-                <a16:creationId xmlns:a16="http://schemas.microsoft.com/office/drawing/2014/main" id="{CFDA4BC8-C396-49AB-B5FC-73CC9CE067BE}"/>
+                <a16:creationId xmlns:a16="http://schemas.microsoft.com/office/drawing/2014/main" xmlns="" id="{CFDA4BC8-C396-49AB-B5FC-73CC9CE067BE}"/>
               </a:ext>
             </a:extLst>
           </p:cNvPr>
@@ -2443,7 +2448,7 @@
           <p:cNvPr id="6" name="頁尾版面配置區 5">
             <a:extLst>
               <a:ext uri="{FF2B5EF4-FFF2-40B4-BE49-F238E27FC236}">
-                <a16:creationId xmlns:a16="http://schemas.microsoft.com/office/drawing/2014/main" id="{C5433602-B0B3-40E6-BDA3-8E1BAAD456C2}"/>
+                <a16:creationId xmlns:a16="http://schemas.microsoft.com/office/drawing/2014/main" xmlns="" id="{C5433602-B0B3-40E6-BDA3-8E1BAAD456C2}"/>
               </a:ext>
             </a:extLst>
           </p:cNvPr>
@@ -2468,7 +2473,7 @@
           <p:cNvPr id="7" name="投影片編號版面配置區 6">
             <a:extLst>
               <a:ext uri="{FF2B5EF4-FFF2-40B4-BE49-F238E27FC236}">
-                <a16:creationId xmlns:a16="http://schemas.microsoft.com/office/drawing/2014/main" id="{D8FED8BE-893F-4E06-8160-E9657CFF6C24}"/>
+                <a16:creationId xmlns:a16="http://schemas.microsoft.com/office/drawing/2014/main" xmlns="" id="{D8FED8BE-893F-4E06-8160-E9657CFF6C24}"/>
               </a:ext>
             </a:extLst>
           </p:cNvPr>
@@ -2527,7 +2532,7 @@
           <p:cNvPr id="2" name="標題 1">
             <a:extLst>
               <a:ext uri="{FF2B5EF4-FFF2-40B4-BE49-F238E27FC236}">
-                <a16:creationId xmlns:a16="http://schemas.microsoft.com/office/drawing/2014/main" id="{CE1B0F45-88E2-4BFB-A88B-3AAF2D983C00}"/>
+                <a16:creationId xmlns:a16="http://schemas.microsoft.com/office/drawing/2014/main" xmlns="" id="{CE1B0F45-88E2-4BFB-A88B-3AAF2D983C00}"/>
               </a:ext>
             </a:extLst>
           </p:cNvPr>
@@ -2564,7 +2569,7 @@
           <p:cNvPr id="3" name="圖片版面配置區 2">
             <a:extLst>
               <a:ext uri="{FF2B5EF4-FFF2-40B4-BE49-F238E27FC236}">
-                <a16:creationId xmlns:a16="http://schemas.microsoft.com/office/drawing/2014/main" id="{EE50A91B-B093-4764-962F-7D6938EF99DF}"/>
+                <a16:creationId xmlns:a16="http://schemas.microsoft.com/office/drawing/2014/main" xmlns="" id="{EE50A91B-B093-4764-962F-7D6938EF99DF}"/>
               </a:ext>
             </a:extLst>
           </p:cNvPr>
@@ -2631,7 +2636,7 @@
           <p:cNvPr id="4" name="文字版面配置區 3">
             <a:extLst>
               <a:ext uri="{FF2B5EF4-FFF2-40B4-BE49-F238E27FC236}">
-                <a16:creationId xmlns:a16="http://schemas.microsoft.com/office/drawing/2014/main" id="{7BACFCEA-685B-42B5-BDF7-AD63F1314454}"/>
+                <a16:creationId xmlns:a16="http://schemas.microsoft.com/office/drawing/2014/main" xmlns="" id="{7BACFCEA-685B-42B5-BDF7-AD63F1314454}"/>
               </a:ext>
             </a:extLst>
           </p:cNvPr>
@@ -2702,7 +2707,7 @@
           <p:cNvPr id="5" name="日期版面配置區 4">
             <a:extLst>
               <a:ext uri="{FF2B5EF4-FFF2-40B4-BE49-F238E27FC236}">
-                <a16:creationId xmlns:a16="http://schemas.microsoft.com/office/drawing/2014/main" id="{36D3AAC6-EA71-40A7-A355-9571CCD2CF13}"/>
+                <a16:creationId xmlns:a16="http://schemas.microsoft.com/office/drawing/2014/main" xmlns="" id="{36D3AAC6-EA71-40A7-A355-9571CCD2CF13}"/>
               </a:ext>
             </a:extLst>
           </p:cNvPr>
@@ -2731,7 +2736,7 @@
           <p:cNvPr id="6" name="頁尾版面配置區 5">
             <a:extLst>
               <a:ext uri="{FF2B5EF4-FFF2-40B4-BE49-F238E27FC236}">
-                <a16:creationId xmlns:a16="http://schemas.microsoft.com/office/drawing/2014/main" id="{5DDE9F81-23D3-4C44-8D5A-CB9DBF84EF69}"/>
+                <a16:creationId xmlns:a16="http://schemas.microsoft.com/office/drawing/2014/main" xmlns="" id="{5DDE9F81-23D3-4C44-8D5A-CB9DBF84EF69}"/>
               </a:ext>
             </a:extLst>
           </p:cNvPr>
@@ -2756,7 +2761,7 @@
           <p:cNvPr id="7" name="投影片編號版面配置區 6">
             <a:extLst>
               <a:ext uri="{FF2B5EF4-FFF2-40B4-BE49-F238E27FC236}">
-                <a16:creationId xmlns:a16="http://schemas.microsoft.com/office/drawing/2014/main" id="{073497D4-4649-468C-94A9-AF63556897BF}"/>
+                <a16:creationId xmlns:a16="http://schemas.microsoft.com/office/drawing/2014/main" xmlns="" id="{073497D4-4649-468C-94A9-AF63556897BF}"/>
               </a:ext>
             </a:extLst>
           </p:cNvPr>
@@ -2820,7 +2825,7 @@
           <p:cNvPr id="2" name="標題版面配置區 1">
             <a:extLst>
               <a:ext uri="{FF2B5EF4-FFF2-40B4-BE49-F238E27FC236}">
-                <a16:creationId xmlns:a16="http://schemas.microsoft.com/office/drawing/2014/main" id="{7818C2F0-BE73-48CD-90D4-08C181AE85B2}"/>
+                <a16:creationId xmlns:a16="http://schemas.microsoft.com/office/drawing/2014/main" xmlns="" id="{7818C2F0-BE73-48CD-90D4-08C181AE85B2}"/>
               </a:ext>
             </a:extLst>
           </p:cNvPr>
@@ -2858,7 +2863,7 @@
           <p:cNvPr id="3" name="文字版面配置區 2">
             <a:extLst>
               <a:ext uri="{FF2B5EF4-FFF2-40B4-BE49-F238E27FC236}">
-                <a16:creationId xmlns:a16="http://schemas.microsoft.com/office/drawing/2014/main" id="{6B3FA1F4-293A-424F-BBDC-D39891EE8D7B}"/>
+                <a16:creationId xmlns:a16="http://schemas.microsoft.com/office/drawing/2014/main" xmlns="" id="{6B3FA1F4-293A-424F-BBDC-D39891EE8D7B}"/>
               </a:ext>
             </a:extLst>
           </p:cNvPr>
@@ -2925,7 +2930,7 @@
           <p:cNvPr id="4" name="日期版面配置區 3">
             <a:extLst>
               <a:ext uri="{FF2B5EF4-FFF2-40B4-BE49-F238E27FC236}">
-                <a16:creationId xmlns:a16="http://schemas.microsoft.com/office/drawing/2014/main" id="{D69709D7-7319-4D2B-B1A5-212DE7E9DC73}"/>
+                <a16:creationId xmlns:a16="http://schemas.microsoft.com/office/drawing/2014/main" xmlns="" id="{D69709D7-7319-4D2B-B1A5-212DE7E9DC73}"/>
               </a:ext>
             </a:extLst>
           </p:cNvPr>
@@ -2972,7 +2977,7 @@
           <p:cNvPr id="5" name="頁尾版面配置區 4">
             <a:extLst>
               <a:ext uri="{FF2B5EF4-FFF2-40B4-BE49-F238E27FC236}">
-                <a16:creationId xmlns:a16="http://schemas.microsoft.com/office/drawing/2014/main" id="{0DC51CC8-38F1-4540-A0E1-DF87A9B5FEFD}"/>
+                <a16:creationId xmlns:a16="http://schemas.microsoft.com/office/drawing/2014/main" xmlns="" id="{0DC51CC8-38F1-4540-A0E1-DF87A9B5FEFD}"/>
               </a:ext>
             </a:extLst>
           </p:cNvPr>
@@ -3015,7 +3020,7 @@
           <p:cNvPr id="6" name="投影片編號版面配置區 5">
             <a:extLst>
               <a:ext uri="{FF2B5EF4-FFF2-40B4-BE49-F238E27FC236}">
-                <a16:creationId xmlns:a16="http://schemas.microsoft.com/office/drawing/2014/main" id="{E47516C6-0347-4866-BB79-FE8992EFF065}"/>
+                <a16:creationId xmlns:a16="http://schemas.microsoft.com/office/drawing/2014/main" xmlns="" id="{E47516C6-0347-4866-BB79-FE8992EFF065}"/>
               </a:ext>
             </a:extLst>
           </p:cNvPr>
@@ -3383,7 +3388,7 @@
           <p:cNvPr id="5" name="圖片 4">
             <a:extLst>
               <a:ext uri="{FF2B5EF4-FFF2-40B4-BE49-F238E27FC236}">
-                <a16:creationId xmlns:a16="http://schemas.microsoft.com/office/drawing/2014/main" id="{58C98C09-3733-4C20-AE1C-FEFEEC6AF27C}"/>
+                <a16:creationId xmlns:a16="http://schemas.microsoft.com/office/drawing/2014/main" xmlns="" id="{58C98C09-3733-4C20-AE1C-FEFEEC6AF27C}"/>
               </a:ext>
             </a:extLst>
           </p:cNvPr>
@@ -3412,7 +3417,7 @@
           <p:cNvPr id="6" name="圖片 5">
             <a:extLst>
               <a:ext uri="{FF2B5EF4-FFF2-40B4-BE49-F238E27FC236}">
-                <a16:creationId xmlns:a16="http://schemas.microsoft.com/office/drawing/2014/main" id="{866DDCC5-1605-49D5-80F0-5306B6516954}"/>
+                <a16:creationId xmlns:a16="http://schemas.microsoft.com/office/drawing/2014/main" xmlns="" id="{866DDCC5-1605-49D5-80F0-5306B6516954}"/>
               </a:ext>
             </a:extLst>
           </p:cNvPr>
@@ -3442,7 +3447,7 @@
           <p:cNvPr id="7" name="矩形 6">
             <a:extLst>
               <a:ext uri="{FF2B5EF4-FFF2-40B4-BE49-F238E27FC236}">
-                <a16:creationId xmlns:a16="http://schemas.microsoft.com/office/drawing/2014/main" id="{AF40F365-2F7A-4892-9A5E-68318CD82CD1}"/>
+                <a16:creationId xmlns:a16="http://schemas.microsoft.com/office/drawing/2014/main" xmlns="" id="{AF40F365-2F7A-4892-9A5E-68318CD82CD1}"/>
               </a:ext>
             </a:extLst>
           </p:cNvPr>
@@ -3494,7 +3499,7 @@
           <p:cNvPr id="8" name="語音泡泡: 圓角矩形 7">
             <a:extLst>
               <a:ext uri="{FF2B5EF4-FFF2-40B4-BE49-F238E27FC236}">
-                <a16:creationId xmlns:a16="http://schemas.microsoft.com/office/drawing/2014/main" id="{DF1D0A1B-279F-4AE4-B29C-F57C8EC5439F}"/>
+                <a16:creationId xmlns:a16="http://schemas.microsoft.com/office/drawing/2014/main" xmlns="" id="{DF1D0A1B-279F-4AE4-B29C-F57C8EC5439F}"/>
               </a:ext>
             </a:extLst>
           </p:cNvPr>
@@ -3565,7 +3570,7 @@
           <p:cNvPr id="9" name="矩形 8">
             <a:extLst>
               <a:ext uri="{FF2B5EF4-FFF2-40B4-BE49-F238E27FC236}">
-                <a16:creationId xmlns:a16="http://schemas.microsoft.com/office/drawing/2014/main" id="{F8C642F8-9173-483E-927E-155B9778DE48}"/>
+                <a16:creationId xmlns:a16="http://schemas.microsoft.com/office/drawing/2014/main" xmlns="" id="{F8C642F8-9173-483E-927E-155B9778DE48}"/>
               </a:ext>
             </a:extLst>
           </p:cNvPr>
@@ -4667,7 +4672,7 @@
           <p:cNvPr id="23" name="矩形 22">
             <a:extLst>
               <a:ext uri="{FF2B5EF4-FFF2-40B4-BE49-F238E27FC236}">
-                <a16:creationId xmlns:a16="http://schemas.microsoft.com/office/drawing/2014/main" id="{A62D539E-507D-4150-BDFB-42781D088369}"/>
+                <a16:creationId xmlns:a16="http://schemas.microsoft.com/office/drawing/2014/main" xmlns="" id="{A62D539E-507D-4150-BDFB-42781D088369}"/>
               </a:ext>
             </a:extLst>
           </p:cNvPr>
@@ -5211,7 +5216,7 @@
           <p:cNvPr id="6" name="矩形 5">
             <a:extLst>
               <a:ext uri="{FF2B5EF4-FFF2-40B4-BE49-F238E27FC236}">
-                <a16:creationId xmlns:a16="http://schemas.microsoft.com/office/drawing/2014/main" id="{53A61286-440E-43CF-AA29-DD50496D543F}"/>
+                <a16:creationId xmlns:a16="http://schemas.microsoft.com/office/drawing/2014/main" xmlns="" id="{53A61286-440E-43CF-AA29-DD50496D543F}"/>
               </a:ext>
             </a:extLst>
           </p:cNvPr>
@@ -5263,6 +5268,10 @@
               <a:rPr lang="en-US" altLang="zh-TW" dirty="0" err="1"/>
               <a:t>atcion</a:t>
             </a:r>
+            <a:r>
+              <a:rPr lang="en-US" altLang="zh-TW" dirty="0"/>
+              <a:t/>
+            </a:r>
             <a:br>
               <a:rPr lang="en-US" altLang="zh-TW" dirty="0"/>
             </a:br>
@@ -5287,7 +5296,7 @@
           <p:cNvPr id="7" name="矩形 6">
             <a:extLst>
               <a:ext uri="{FF2B5EF4-FFF2-40B4-BE49-F238E27FC236}">
-                <a16:creationId xmlns:a16="http://schemas.microsoft.com/office/drawing/2014/main" id="{E34D79D6-E27D-40EC-A9BC-FC3DF19D4DA7}"/>
+                <a16:creationId xmlns:a16="http://schemas.microsoft.com/office/drawing/2014/main" xmlns="" id="{E34D79D6-E27D-40EC-A9BC-FC3DF19D4DA7}"/>
               </a:ext>
             </a:extLst>
           </p:cNvPr>
@@ -5392,7 +5401,7 @@
           <p:cNvPr id="8" name="矩形 7">
             <a:extLst>
               <a:ext uri="{FF2B5EF4-FFF2-40B4-BE49-F238E27FC236}">
-                <a16:creationId xmlns:a16="http://schemas.microsoft.com/office/drawing/2014/main" id="{9F4ED373-10C6-44AD-AED6-86E1821C38F2}"/>
+                <a16:creationId xmlns:a16="http://schemas.microsoft.com/office/drawing/2014/main" xmlns="" id="{9F4ED373-10C6-44AD-AED6-86E1821C38F2}"/>
               </a:ext>
             </a:extLst>
           </p:cNvPr>
@@ -5439,7 +5448,7 @@
           <p:cNvPr id="9" name="Picture 2">
             <a:extLst>
               <a:ext uri="{FF2B5EF4-FFF2-40B4-BE49-F238E27FC236}">
-                <a16:creationId xmlns:a16="http://schemas.microsoft.com/office/drawing/2014/main" id="{6C259E68-A455-456B-B6F1-F4DF043AD25C}"/>
+                <a16:creationId xmlns:a16="http://schemas.microsoft.com/office/drawing/2014/main" xmlns="" id="{6C259E68-A455-456B-B6F1-F4DF043AD25C}"/>
               </a:ext>
             </a:extLst>
           </p:cNvPr>
@@ -5499,7 +5508,7 @@
           <p:cNvPr id="10" name="矩形 9">
             <a:extLst>
               <a:ext uri="{FF2B5EF4-FFF2-40B4-BE49-F238E27FC236}">
-                <a16:creationId xmlns:a16="http://schemas.microsoft.com/office/drawing/2014/main" id="{7900D61C-69FA-4344-A06D-2D8C5F4A7742}"/>
+                <a16:creationId xmlns:a16="http://schemas.microsoft.com/office/drawing/2014/main" xmlns="" id="{7900D61C-69FA-4344-A06D-2D8C5F4A7742}"/>
               </a:ext>
             </a:extLst>
           </p:cNvPr>
@@ -5815,6 +5824,10 @@
               <a:rPr lang="en-US" altLang="zh-TW" dirty="0" err="1"/>
               <a:t>FormCollection</a:t>
             </a:r>
+            <a:r>
+              <a:rPr lang="en-US" altLang="zh-TW" dirty="0"/>
+              <a:t/>
+            </a:r>
             <a:br>
               <a:rPr lang="en-US" altLang="zh-TW" dirty="0"/>
             </a:br>
@@ -6308,7 +6321,7 @@
           <p:cNvPr id="19" name="矩形 18">
             <a:extLst>
               <a:ext uri="{FF2B5EF4-FFF2-40B4-BE49-F238E27FC236}">
-                <a16:creationId xmlns:a16="http://schemas.microsoft.com/office/drawing/2014/main" id="{90727EDF-6E8C-49FB-9150-E3EAA56C3F26}"/>
+                <a16:creationId xmlns:a16="http://schemas.microsoft.com/office/drawing/2014/main" xmlns="" id="{90727EDF-6E8C-49FB-9150-E3EAA56C3F26}"/>
               </a:ext>
             </a:extLst>
           </p:cNvPr>
@@ -6598,7 +6611,7 @@
           <p:cNvPr id="8" name="矩形 7">
             <a:extLst>
               <a:ext uri="{FF2B5EF4-FFF2-40B4-BE49-F238E27FC236}">
-                <a16:creationId xmlns:a16="http://schemas.microsoft.com/office/drawing/2014/main" id="{E0406DF1-52B4-462A-97CA-36C95C8B1725}"/>
+                <a16:creationId xmlns:a16="http://schemas.microsoft.com/office/drawing/2014/main" xmlns="" id="{E0406DF1-52B4-462A-97CA-36C95C8B1725}"/>
               </a:ext>
             </a:extLst>
           </p:cNvPr>
@@ -6657,7 +6670,7 @@
           <p:cNvPr id="9" name="矩形 8">
             <a:extLst>
               <a:ext uri="{FF2B5EF4-FFF2-40B4-BE49-F238E27FC236}">
-                <a16:creationId xmlns:a16="http://schemas.microsoft.com/office/drawing/2014/main" id="{F417CEF7-24DB-45B1-9185-D3F781040926}"/>
+                <a16:creationId xmlns:a16="http://schemas.microsoft.com/office/drawing/2014/main" xmlns="" id="{F417CEF7-24DB-45B1-9185-D3F781040926}"/>
               </a:ext>
             </a:extLst>
           </p:cNvPr>
@@ -7476,7 +7489,7 @@
           <p:cNvPr id="19" name="矩形 18">
             <a:extLst>
               <a:ext uri="{FF2B5EF4-FFF2-40B4-BE49-F238E27FC236}">
-                <a16:creationId xmlns:a16="http://schemas.microsoft.com/office/drawing/2014/main" id="{291D879B-DE59-46FE-9886-ADC025F31029}"/>
+                <a16:creationId xmlns:a16="http://schemas.microsoft.com/office/drawing/2014/main" xmlns="" id="{291D879B-DE59-46FE-9886-ADC025F31029}"/>
               </a:ext>
             </a:extLst>
           </p:cNvPr>
@@ -7532,7 +7545,7 @@
           <p:cNvPr id="20" name="矩形 19">
             <a:extLst>
               <a:ext uri="{FF2B5EF4-FFF2-40B4-BE49-F238E27FC236}">
-                <a16:creationId xmlns:a16="http://schemas.microsoft.com/office/drawing/2014/main" id="{4C7DBBBD-30C4-4FA8-B81B-4003FC56F008}"/>
+                <a16:creationId xmlns:a16="http://schemas.microsoft.com/office/drawing/2014/main" xmlns="" id="{4C7DBBBD-30C4-4FA8-B81B-4003FC56F008}"/>
               </a:ext>
             </a:extLst>
           </p:cNvPr>
@@ -7935,7 +7948,7 @@
           <p:cNvPr id="11" name="矩形 10">
             <a:extLst>
               <a:ext uri="{FF2B5EF4-FFF2-40B4-BE49-F238E27FC236}">
-                <a16:creationId xmlns:a16="http://schemas.microsoft.com/office/drawing/2014/main" id="{20802F6A-3ED9-4B3C-A3B3-10AEB67F2780}"/>
+                <a16:creationId xmlns:a16="http://schemas.microsoft.com/office/drawing/2014/main" xmlns="" id="{20802F6A-3ED9-4B3C-A3B3-10AEB67F2780}"/>
               </a:ext>
             </a:extLst>
           </p:cNvPr>
@@ -8018,7 +8031,7 @@
           <p:cNvPr id="12" name="矩形 11">
             <a:extLst>
               <a:ext uri="{FF2B5EF4-FFF2-40B4-BE49-F238E27FC236}">
-                <a16:creationId xmlns:a16="http://schemas.microsoft.com/office/drawing/2014/main" id="{36A89CFC-9F35-4427-8263-C864C0243349}"/>
+                <a16:creationId xmlns:a16="http://schemas.microsoft.com/office/drawing/2014/main" xmlns="" id="{36A89CFC-9F35-4427-8263-C864C0243349}"/>
               </a:ext>
             </a:extLst>
           </p:cNvPr>
@@ -8455,7 +8468,7 @@
           <p:cNvPr id="12" name="矩形 11">
             <a:extLst>
               <a:ext uri="{FF2B5EF4-FFF2-40B4-BE49-F238E27FC236}">
-                <a16:creationId xmlns:a16="http://schemas.microsoft.com/office/drawing/2014/main" id="{4A4F1A74-7957-4657-B4DF-7352536561B3}"/>
+                <a16:creationId xmlns:a16="http://schemas.microsoft.com/office/drawing/2014/main" xmlns="" id="{4A4F1A74-7957-4657-B4DF-7352536561B3}"/>
               </a:ext>
             </a:extLst>
           </p:cNvPr>
@@ -8511,7 +8524,7 @@
           <p:cNvPr id="13" name="矩形 12">
             <a:extLst>
               <a:ext uri="{FF2B5EF4-FFF2-40B4-BE49-F238E27FC236}">
-                <a16:creationId xmlns:a16="http://schemas.microsoft.com/office/drawing/2014/main" id="{77DD5EC7-D7BF-4E0B-8D0D-E45FDAD19FDB}"/>
+                <a16:creationId xmlns:a16="http://schemas.microsoft.com/office/drawing/2014/main" xmlns="" id="{77DD5EC7-D7BF-4E0B-8D0D-E45FDAD19FDB}"/>
               </a:ext>
             </a:extLst>
           </p:cNvPr>
@@ -9494,7 +9507,7 @@
           <p:cNvPr id="5" name="矩形 4">
             <a:extLst>
               <a:ext uri="{FF2B5EF4-FFF2-40B4-BE49-F238E27FC236}">
-                <a16:creationId xmlns:a16="http://schemas.microsoft.com/office/drawing/2014/main" id="{D01E63E7-475E-42EE-9E5A-B377C5FD9734}"/>
+                <a16:creationId xmlns:a16="http://schemas.microsoft.com/office/drawing/2014/main" xmlns="" id="{D01E63E7-475E-42EE-9E5A-B377C5FD9734}"/>
               </a:ext>
             </a:extLst>
           </p:cNvPr>
@@ -9580,7 +9593,7 @@
           <p:cNvPr id="4" name="圖片 3">
             <a:extLst>
               <a:ext uri="{FF2B5EF4-FFF2-40B4-BE49-F238E27FC236}">
-                <a16:creationId xmlns:a16="http://schemas.microsoft.com/office/drawing/2014/main" id="{1AF3DB7E-967E-456B-9A4F-CD9CAD00A297}"/>
+                <a16:creationId xmlns:a16="http://schemas.microsoft.com/office/drawing/2014/main" xmlns="" id="{1AF3DB7E-967E-456B-9A4F-CD9CAD00A297}"/>
               </a:ext>
             </a:extLst>
           </p:cNvPr>
@@ -9610,7 +9623,7 @@
           <p:cNvPr id="5" name="矩形 4">
             <a:extLst>
               <a:ext uri="{FF2B5EF4-FFF2-40B4-BE49-F238E27FC236}">
-                <a16:creationId xmlns:a16="http://schemas.microsoft.com/office/drawing/2014/main" id="{225A0EF3-3E71-4DF2-8E86-E252A2E2295F}"/>
+                <a16:creationId xmlns:a16="http://schemas.microsoft.com/office/drawing/2014/main" xmlns="" id="{225A0EF3-3E71-4DF2-8E86-E252A2E2295F}"/>
               </a:ext>
             </a:extLst>
           </p:cNvPr>
@@ -9648,7 +9661,7 @@
           <p:cNvPr id="6" name="圖片 5">
             <a:extLst>
               <a:ext uri="{FF2B5EF4-FFF2-40B4-BE49-F238E27FC236}">
-                <a16:creationId xmlns:a16="http://schemas.microsoft.com/office/drawing/2014/main" id="{C450E27A-DA07-4691-AE25-7820B96A4896}"/>
+                <a16:creationId xmlns:a16="http://schemas.microsoft.com/office/drawing/2014/main" xmlns="" id="{C450E27A-DA07-4691-AE25-7820B96A4896}"/>
               </a:ext>
             </a:extLst>
           </p:cNvPr>
@@ -9678,7 +9691,7 @@
           <p:cNvPr id="7" name="圖片 6">
             <a:extLst>
               <a:ext uri="{FF2B5EF4-FFF2-40B4-BE49-F238E27FC236}">
-                <a16:creationId xmlns:a16="http://schemas.microsoft.com/office/drawing/2014/main" id="{47D10AD4-26B6-4726-A2EB-16C761A6E73B}"/>
+                <a16:creationId xmlns:a16="http://schemas.microsoft.com/office/drawing/2014/main" xmlns="" id="{47D10AD4-26B6-4726-A2EB-16C761A6E73B}"/>
               </a:ext>
             </a:extLst>
           </p:cNvPr>
@@ -9708,7 +9721,7 @@
           <p:cNvPr id="8" name="語音泡泡: 圓角矩形 7">
             <a:extLst>
               <a:ext uri="{FF2B5EF4-FFF2-40B4-BE49-F238E27FC236}">
-                <a16:creationId xmlns:a16="http://schemas.microsoft.com/office/drawing/2014/main" id="{55442D45-CA09-40BC-B05B-B26CBC92705E}"/>
+                <a16:creationId xmlns:a16="http://schemas.microsoft.com/office/drawing/2014/main" xmlns="" id="{55442D45-CA09-40BC-B05B-B26CBC92705E}"/>
               </a:ext>
             </a:extLst>
           </p:cNvPr>
@@ -9795,7 +9808,7 @@
           <p:cNvPr id="9" name="語音泡泡: 圓角矩形 8">
             <a:extLst>
               <a:ext uri="{FF2B5EF4-FFF2-40B4-BE49-F238E27FC236}">
-                <a16:creationId xmlns:a16="http://schemas.microsoft.com/office/drawing/2014/main" id="{6FFA0F0D-AAB2-4792-8858-EDD6016E1D41}"/>
+                <a16:creationId xmlns:a16="http://schemas.microsoft.com/office/drawing/2014/main" xmlns="" id="{6FFA0F0D-AAB2-4792-8858-EDD6016E1D41}"/>
               </a:ext>
             </a:extLst>
           </p:cNvPr>
@@ -9874,7 +9887,7 @@
           <p:cNvPr id="11" name="圖片 10">
             <a:extLst>
               <a:ext uri="{FF2B5EF4-FFF2-40B4-BE49-F238E27FC236}">
-                <a16:creationId xmlns:a16="http://schemas.microsoft.com/office/drawing/2014/main" id="{D2DAE6E6-2CBC-4906-9C23-D9CA4934A07A}"/>
+                <a16:creationId xmlns:a16="http://schemas.microsoft.com/office/drawing/2014/main" xmlns="" id="{D2DAE6E6-2CBC-4906-9C23-D9CA4934A07A}"/>
               </a:ext>
             </a:extLst>
           </p:cNvPr>
@@ -9904,7 +9917,7 @@
           <p:cNvPr id="12" name="語音泡泡: 圓角矩形 11">
             <a:extLst>
               <a:ext uri="{FF2B5EF4-FFF2-40B4-BE49-F238E27FC236}">
-                <a16:creationId xmlns:a16="http://schemas.microsoft.com/office/drawing/2014/main" id="{4973D049-1104-42F6-9E29-B5789AE37153}"/>
+                <a16:creationId xmlns:a16="http://schemas.microsoft.com/office/drawing/2014/main" xmlns="" id="{4973D049-1104-42F6-9E29-B5789AE37153}"/>
               </a:ext>
             </a:extLst>
           </p:cNvPr>
@@ -9991,7 +10004,7 @@
           <p:cNvPr id="13" name="矩形 12">
             <a:extLst>
               <a:ext uri="{FF2B5EF4-FFF2-40B4-BE49-F238E27FC236}">
-                <a16:creationId xmlns:a16="http://schemas.microsoft.com/office/drawing/2014/main" id="{A47348DB-D356-489C-B644-D105B4AB4109}"/>
+                <a16:creationId xmlns:a16="http://schemas.microsoft.com/office/drawing/2014/main" xmlns="" id="{A47348DB-D356-489C-B644-D105B4AB4109}"/>
               </a:ext>
             </a:extLst>
           </p:cNvPr>
@@ -10047,7 +10060,7 @@
           <p:cNvPr id="14" name="語音泡泡: 圓角矩形 13">
             <a:extLst>
               <a:ext uri="{FF2B5EF4-FFF2-40B4-BE49-F238E27FC236}">
-                <a16:creationId xmlns:a16="http://schemas.microsoft.com/office/drawing/2014/main" id="{58497045-F1D8-440B-AFA7-7C4C402DF985}"/>
+                <a16:creationId xmlns:a16="http://schemas.microsoft.com/office/drawing/2014/main" xmlns="" id="{58497045-F1D8-440B-AFA7-7C4C402DF985}"/>
               </a:ext>
             </a:extLst>
           </p:cNvPr>
@@ -10456,6 +10469,10 @@
               <a:rPr lang="zh-TW" altLang="en-US" sz="1600" dirty="0"/>
               <a:t>會存到這個物件裡面 </a:t>
             </a:r>
+            <a:r>
+              <a:rPr lang="en-US" altLang="zh-TW" sz="1600" dirty="0"/>
+              <a:t/>
+            </a:r>
             <a:br>
               <a:rPr lang="en-US" altLang="zh-TW" sz="1600" dirty="0"/>
             </a:br>
@@ -10969,7 +10986,7 @@
           <p:cNvPr id="11" name="矩形 10">
             <a:extLst>
               <a:ext uri="{FF2B5EF4-FFF2-40B4-BE49-F238E27FC236}">
-                <a16:creationId xmlns:a16="http://schemas.microsoft.com/office/drawing/2014/main" id="{56EA199B-0A40-44B3-8115-E74C4F8C23CB}"/>
+                <a16:creationId xmlns:a16="http://schemas.microsoft.com/office/drawing/2014/main" xmlns="" id="{56EA199B-0A40-44B3-8115-E74C4F8C23CB}"/>
               </a:ext>
             </a:extLst>
           </p:cNvPr>
@@ -11401,7 +11418,7 @@
           <p:cNvPr id="11" name="矩形 10">
             <a:extLst>
               <a:ext uri="{FF2B5EF4-FFF2-40B4-BE49-F238E27FC236}">
-                <a16:creationId xmlns:a16="http://schemas.microsoft.com/office/drawing/2014/main" id="{DA11BBD5-92AB-43BF-A078-C43D2BEF7DD6}"/>
+                <a16:creationId xmlns:a16="http://schemas.microsoft.com/office/drawing/2014/main" xmlns="" id="{DA11BBD5-92AB-43BF-A078-C43D2BEF7DD6}"/>
               </a:ext>
             </a:extLst>
           </p:cNvPr>
@@ -11769,7 +11786,7 @@
           <p:cNvPr id="9" name="矩形 8">
             <a:extLst>
               <a:ext uri="{FF2B5EF4-FFF2-40B4-BE49-F238E27FC236}">
-                <a16:creationId xmlns:a16="http://schemas.microsoft.com/office/drawing/2014/main" id="{4AF74417-5071-4FD7-A3D0-17E25668F6DF}"/>
+                <a16:creationId xmlns:a16="http://schemas.microsoft.com/office/drawing/2014/main" xmlns="" id="{4AF74417-5071-4FD7-A3D0-17E25668F6DF}"/>
               </a:ext>
             </a:extLst>
           </p:cNvPr>
@@ -12548,7 +12565,7 @@
           <p:cNvPr id="15" name="矩形 14">
             <a:extLst>
               <a:ext uri="{FF2B5EF4-FFF2-40B4-BE49-F238E27FC236}">
-                <a16:creationId xmlns:a16="http://schemas.microsoft.com/office/drawing/2014/main" id="{AC64D88A-822E-4971-B5F5-BFA3F66869FC}"/>
+                <a16:creationId xmlns:a16="http://schemas.microsoft.com/office/drawing/2014/main" xmlns="" id="{AC64D88A-822E-4971-B5F5-BFA3F66869FC}"/>
               </a:ext>
             </a:extLst>
           </p:cNvPr>
@@ -12938,7 +12955,7 @@
           <p:cNvPr id="10" name="矩形 9">
             <a:extLst>
               <a:ext uri="{FF2B5EF4-FFF2-40B4-BE49-F238E27FC236}">
-                <a16:creationId xmlns:a16="http://schemas.microsoft.com/office/drawing/2014/main" id="{FEB38F6E-81F0-490F-BFC1-10280E501927}"/>
+                <a16:creationId xmlns:a16="http://schemas.microsoft.com/office/drawing/2014/main" xmlns="" id="{FEB38F6E-81F0-490F-BFC1-10280E501927}"/>
               </a:ext>
             </a:extLst>
           </p:cNvPr>
@@ -13409,6 +13426,10 @@
               <a:rPr lang="zh-TW" altLang="en-US" sz="1100" dirty="0"/>
               <a:t> </a:t>
             </a:r>
+            <a:r>
+              <a:rPr lang="en-US" altLang="zh-TW" sz="1100" dirty="0"/>
+              <a:t/>
+            </a:r>
             <a:br>
               <a:rPr lang="en-US" altLang="zh-TW" sz="1100" dirty="0"/>
             </a:br>
@@ -13526,7 +13547,7 @@
           <p:cNvPr id="2" name="圖片 1">
             <a:extLst>
               <a:ext uri="{FF2B5EF4-FFF2-40B4-BE49-F238E27FC236}">
-                <a16:creationId xmlns:a16="http://schemas.microsoft.com/office/drawing/2014/main" id="{6C96275F-EC89-41F3-A35E-D4D7AE4F520D}"/>
+                <a16:creationId xmlns:a16="http://schemas.microsoft.com/office/drawing/2014/main" xmlns="" id="{6C96275F-EC89-41F3-A35E-D4D7AE4F520D}"/>
               </a:ext>
             </a:extLst>
           </p:cNvPr>
@@ -13556,7 +13577,7 @@
           <p:cNvPr id="10" name="矩形 9">
             <a:extLst>
               <a:ext uri="{FF2B5EF4-FFF2-40B4-BE49-F238E27FC236}">
-                <a16:creationId xmlns:a16="http://schemas.microsoft.com/office/drawing/2014/main" id="{88F02B9B-61B0-4B63-B610-6EF05DD6248F}"/>
+                <a16:creationId xmlns:a16="http://schemas.microsoft.com/office/drawing/2014/main" xmlns="" id="{88F02B9B-61B0-4B63-B610-6EF05DD6248F}"/>
               </a:ext>
             </a:extLst>
           </p:cNvPr>
@@ -13608,7 +13629,7 @@
           <p:cNvPr id="12" name="矩形 11">
             <a:extLst>
               <a:ext uri="{FF2B5EF4-FFF2-40B4-BE49-F238E27FC236}">
-                <a16:creationId xmlns:a16="http://schemas.microsoft.com/office/drawing/2014/main" id="{2C1154C0-8122-4CFD-B6C2-412928C562B3}"/>
+                <a16:creationId xmlns:a16="http://schemas.microsoft.com/office/drawing/2014/main" xmlns="" id="{2C1154C0-8122-4CFD-B6C2-412928C562B3}"/>
               </a:ext>
             </a:extLst>
           </p:cNvPr>
@@ -13660,7 +13681,7 @@
           <p:cNvPr id="13" name="矩形 12">
             <a:extLst>
               <a:ext uri="{FF2B5EF4-FFF2-40B4-BE49-F238E27FC236}">
-                <a16:creationId xmlns:a16="http://schemas.microsoft.com/office/drawing/2014/main" id="{B161AD9F-A5D0-411F-8016-7DCEF6857421}"/>
+                <a16:creationId xmlns:a16="http://schemas.microsoft.com/office/drawing/2014/main" xmlns="" id="{B161AD9F-A5D0-411F-8016-7DCEF6857421}"/>
               </a:ext>
             </a:extLst>
           </p:cNvPr>
@@ -13712,7 +13733,7 @@
           <p:cNvPr id="14" name="矩形 13">
             <a:extLst>
               <a:ext uri="{FF2B5EF4-FFF2-40B4-BE49-F238E27FC236}">
-                <a16:creationId xmlns:a16="http://schemas.microsoft.com/office/drawing/2014/main" id="{7339A040-8229-4522-9AF8-879FAAA5437C}"/>
+                <a16:creationId xmlns:a16="http://schemas.microsoft.com/office/drawing/2014/main" xmlns="" id="{7339A040-8229-4522-9AF8-879FAAA5437C}"/>
               </a:ext>
             </a:extLst>
           </p:cNvPr>
@@ -14046,7 +14067,7 @@
           <p:cNvPr id="7" name="矩形 6">
             <a:extLst>
               <a:ext uri="{FF2B5EF4-FFF2-40B4-BE49-F238E27FC236}">
-                <a16:creationId xmlns:a16="http://schemas.microsoft.com/office/drawing/2014/main" id="{A37E7308-6AB5-4F48-AC9C-00F8F278688A}"/>
+                <a16:creationId xmlns:a16="http://schemas.microsoft.com/office/drawing/2014/main" xmlns="" id="{A37E7308-6AB5-4F48-AC9C-00F8F278688A}"/>
               </a:ext>
             </a:extLst>
           </p:cNvPr>
@@ -14132,7 +14153,7 @@
           <p:cNvPr id="4" name="Picture 4">
             <a:extLst>
               <a:ext uri="{FF2B5EF4-FFF2-40B4-BE49-F238E27FC236}">
-                <a16:creationId xmlns:a16="http://schemas.microsoft.com/office/drawing/2014/main" id="{F322AB43-4E85-4C96-8B6C-529AB9610B92}"/>
+                <a16:creationId xmlns:a16="http://schemas.microsoft.com/office/drawing/2014/main" xmlns="" id="{F322AB43-4E85-4C96-8B6C-529AB9610B92}"/>
               </a:ext>
             </a:extLst>
           </p:cNvPr>
@@ -14192,7 +14213,7 @@
           <p:cNvPr id="5" name="圖片 4">
             <a:extLst>
               <a:ext uri="{FF2B5EF4-FFF2-40B4-BE49-F238E27FC236}">
-                <a16:creationId xmlns:a16="http://schemas.microsoft.com/office/drawing/2014/main" id="{05072C5D-6810-4578-8A11-E4AD51152E8F}"/>
+                <a16:creationId xmlns:a16="http://schemas.microsoft.com/office/drawing/2014/main" xmlns="" id="{05072C5D-6810-4578-8A11-E4AD51152E8F}"/>
               </a:ext>
             </a:extLst>
           </p:cNvPr>
@@ -14222,7 +14243,7 @@
           <p:cNvPr id="6" name="Picture 2">
             <a:extLst>
               <a:ext uri="{FF2B5EF4-FFF2-40B4-BE49-F238E27FC236}">
-                <a16:creationId xmlns:a16="http://schemas.microsoft.com/office/drawing/2014/main" id="{6FCC8080-4F80-4657-A12B-E31A85310E39}"/>
+                <a16:creationId xmlns:a16="http://schemas.microsoft.com/office/drawing/2014/main" xmlns="" id="{6FCC8080-4F80-4657-A12B-E31A85310E39}"/>
               </a:ext>
             </a:extLst>
           </p:cNvPr>
@@ -14282,7 +14303,7 @@
           <p:cNvPr id="7" name="Picture 3">
             <a:extLst>
               <a:ext uri="{FF2B5EF4-FFF2-40B4-BE49-F238E27FC236}">
-                <a16:creationId xmlns:a16="http://schemas.microsoft.com/office/drawing/2014/main" id="{7E0374D6-5344-45C3-BF90-14778AC8620E}"/>
+                <a16:creationId xmlns:a16="http://schemas.microsoft.com/office/drawing/2014/main" xmlns="" id="{7E0374D6-5344-45C3-BF90-14778AC8620E}"/>
               </a:ext>
             </a:extLst>
           </p:cNvPr>
@@ -14342,7 +14363,7 @@
           <p:cNvPr id="8" name="直線單箭頭接點 7">
             <a:extLst>
               <a:ext uri="{FF2B5EF4-FFF2-40B4-BE49-F238E27FC236}">
-                <a16:creationId xmlns:a16="http://schemas.microsoft.com/office/drawing/2014/main" id="{45AB30DC-7557-41AC-A4C7-B17ECA1916C2}"/>
+                <a16:creationId xmlns:a16="http://schemas.microsoft.com/office/drawing/2014/main" xmlns="" id="{45AB30DC-7557-41AC-A4C7-B17ECA1916C2}"/>
               </a:ext>
             </a:extLst>
           </p:cNvPr>
@@ -14386,7 +14407,7 @@
           <p:cNvPr id="9" name="直線單箭頭接點 8">
             <a:extLst>
               <a:ext uri="{FF2B5EF4-FFF2-40B4-BE49-F238E27FC236}">
-                <a16:creationId xmlns:a16="http://schemas.microsoft.com/office/drawing/2014/main" id="{F85A00F0-5070-470D-B0F4-F907C51A172B}"/>
+                <a16:creationId xmlns:a16="http://schemas.microsoft.com/office/drawing/2014/main" xmlns="" id="{F85A00F0-5070-470D-B0F4-F907C51A172B}"/>
               </a:ext>
             </a:extLst>
           </p:cNvPr>
@@ -14428,7 +14449,7 @@
           <p:cNvPr id="10" name="矩形 9">
             <a:extLst>
               <a:ext uri="{FF2B5EF4-FFF2-40B4-BE49-F238E27FC236}">
-                <a16:creationId xmlns:a16="http://schemas.microsoft.com/office/drawing/2014/main" id="{8824B796-6B3F-4110-A2D9-E1030FE89579}"/>
+                <a16:creationId xmlns:a16="http://schemas.microsoft.com/office/drawing/2014/main" xmlns="" id="{8824B796-6B3F-4110-A2D9-E1030FE89579}"/>
               </a:ext>
             </a:extLst>
           </p:cNvPr>
@@ -14484,7 +14505,7 @@
           <p:cNvPr id="11" name="語音泡泡: 圓角矩形 10">
             <a:extLst>
               <a:ext uri="{FF2B5EF4-FFF2-40B4-BE49-F238E27FC236}">
-                <a16:creationId xmlns:a16="http://schemas.microsoft.com/office/drawing/2014/main" id="{217B49DC-8E9A-40ED-8896-42B7C0A8ED95}"/>
+                <a16:creationId xmlns:a16="http://schemas.microsoft.com/office/drawing/2014/main" xmlns="" id="{217B49DC-8E9A-40ED-8896-42B7C0A8ED95}"/>
               </a:ext>
             </a:extLst>
           </p:cNvPr>
@@ -14587,7 +14608,7 @@
           <p:cNvPr id="12" name="矩形 11">
             <a:extLst>
               <a:ext uri="{FF2B5EF4-FFF2-40B4-BE49-F238E27FC236}">
-                <a16:creationId xmlns:a16="http://schemas.microsoft.com/office/drawing/2014/main" id="{F3E162AF-314B-4AA4-A2FF-E7410E562048}"/>
+                <a16:creationId xmlns:a16="http://schemas.microsoft.com/office/drawing/2014/main" xmlns="" id="{F3E162AF-314B-4AA4-A2FF-E7410E562048}"/>
               </a:ext>
             </a:extLst>
           </p:cNvPr>
@@ -14878,6 +14899,10 @@
               <a:rPr lang="zh-TW" altLang="en-US" sz="1100" dirty="0"/>
               <a:t>是空的值</a:t>
             </a:r>
+            <a:r>
+              <a:rPr lang="en-US" altLang="zh-TW" sz="1100" dirty="0"/>
+              <a:t/>
+            </a:r>
             <a:br>
               <a:rPr lang="en-US" altLang="zh-TW" sz="1100" dirty="0"/>
             </a:br>
@@ -15008,7 +15033,7 @@
           <p:cNvPr id="10" name="矩形 9">
             <a:extLst>
               <a:ext uri="{FF2B5EF4-FFF2-40B4-BE49-F238E27FC236}">
-                <a16:creationId xmlns:a16="http://schemas.microsoft.com/office/drawing/2014/main" id="{71E9B407-C312-47D1-A2AE-14BB7CEA0C43}"/>
+                <a16:creationId xmlns:a16="http://schemas.microsoft.com/office/drawing/2014/main" xmlns="" id="{71E9B407-C312-47D1-A2AE-14BB7CEA0C43}"/>
               </a:ext>
             </a:extLst>
           </p:cNvPr>
@@ -15727,7 +15752,7 @@
           <p:cNvPr id="17" name="矩形 16">
             <a:extLst>
               <a:ext uri="{FF2B5EF4-FFF2-40B4-BE49-F238E27FC236}">
-                <a16:creationId xmlns:a16="http://schemas.microsoft.com/office/drawing/2014/main" id="{AEB93240-EFBE-41BD-957D-5A85F61C07A5}"/>
+                <a16:creationId xmlns:a16="http://schemas.microsoft.com/office/drawing/2014/main" xmlns="" id="{AEB93240-EFBE-41BD-957D-5A85F61C07A5}"/>
               </a:ext>
             </a:extLst>
           </p:cNvPr>
@@ -15813,7 +15838,7 @@
           <p:cNvPr id="4" name="Picture 2">
             <a:extLst>
               <a:ext uri="{FF2B5EF4-FFF2-40B4-BE49-F238E27FC236}">
-                <a16:creationId xmlns:a16="http://schemas.microsoft.com/office/drawing/2014/main" id="{BBC0D5F8-4615-479F-BA5E-B49E6FF19432}"/>
+                <a16:creationId xmlns:a16="http://schemas.microsoft.com/office/drawing/2014/main" xmlns="" id="{BBC0D5F8-4615-479F-BA5E-B49E6FF19432}"/>
               </a:ext>
             </a:extLst>
           </p:cNvPr>
@@ -15871,7 +15896,7 @@
           <p:cNvPr id="5" name="矩形 4">
             <a:extLst>
               <a:ext uri="{FF2B5EF4-FFF2-40B4-BE49-F238E27FC236}">
-                <a16:creationId xmlns:a16="http://schemas.microsoft.com/office/drawing/2014/main" id="{BE322B0A-30D6-41C5-8BAF-484F53DFC38A}"/>
+                <a16:creationId xmlns:a16="http://schemas.microsoft.com/office/drawing/2014/main" xmlns="" id="{BE322B0A-30D6-41C5-8BAF-484F53DFC38A}"/>
               </a:ext>
             </a:extLst>
           </p:cNvPr>
@@ -15949,7 +15974,7 @@
           <p:cNvPr id="6" name="Picture 3">
             <a:extLst>
               <a:ext uri="{FF2B5EF4-FFF2-40B4-BE49-F238E27FC236}">
-                <a16:creationId xmlns:a16="http://schemas.microsoft.com/office/drawing/2014/main" id="{FB149BEE-DAEF-48AF-9FB3-193B631DF623}"/>
+                <a16:creationId xmlns:a16="http://schemas.microsoft.com/office/drawing/2014/main" xmlns="" id="{FB149BEE-DAEF-48AF-9FB3-193B631DF623}"/>
               </a:ext>
             </a:extLst>
           </p:cNvPr>
@@ -16009,7 +16034,7 @@
           <p:cNvPr id="7" name="Picture 2">
             <a:extLst>
               <a:ext uri="{FF2B5EF4-FFF2-40B4-BE49-F238E27FC236}">
-                <a16:creationId xmlns:a16="http://schemas.microsoft.com/office/drawing/2014/main" id="{20E2FE52-6AAB-4243-B02B-B7DBE002070E}"/>
+                <a16:creationId xmlns:a16="http://schemas.microsoft.com/office/drawing/2014/main" xmlns="" id="{20E2FE52-6AAB-4243-B02B-B7DBE002070E}"/>
               </a:ext>
             </a:extLst>
           </p:cNvPr>
@@ -16067,7 +16092,7 @@
           <p:cNvPr id="8" name="矩形 7">
             <a:extLst>
               <a:ext uri="{FF2B5EF4-FFF2-40B4-BE49-F238E27FC236}">
-                <a16:creationId xmlns:a16="http://schemas.microsoft.com/office/drawing/2014/main" id="{AD92C906-859D-415A-B853-7FD8FFF7DBC9}"/>
+                <a16:creationId xmlns:a16="http://schemas.microsoft.com/office/drawing/2014/main" xmlns="" id="{AD92C906-859D-415A-B853-7FD8FFF7DBC9}"/>
               </a:ext>
             </a:extLst>
           </p:cNvPr>
@@ -16365,6 +16390,10 @@
               <a:rPr lang="zh-TW" altLang="en-US" sz="1100" dirty="0"/>
               <a:t>是空的值</a:t>
             </a:r>
+            <a:r>
+              <a:rPr lang="en-US" altLang="zh-TW" sz="1100" dirty="0"/>
+              <a:t/>
+            </a:r>
             <a:br>
               <a:rPr lang="en-US" altLang="zh-TW" sz="1100" dirty="0"/>
             </a:br>
@@ -16620,7 +16649,7 @@
           <p:cNvPr id="2" name="矩形 1">
             <a:extLst>
               <a:ext uri="{FF2B5EF4-FFF2-40B4-BE49-F238E27FC236}">
-                <a16:creationId xmlns:a16="http://schemas.microsoft.com/office/drawing/2014/main" id="{369E0F72-4955-4C20-9D17-DA5F61E6FF89}"/>
+                <a16:creationId xmlns:a16="http://schemas.microsoft.com/office/drawing/2014/main" xmlns="" id="{369E0F72-4955-4C20-9D17-DA5F61E6FF89}"/>
               </a:ext>
             </a:extLst>
           </p:cNvPr>
@@ -17039,7 +17068,7 @@
           <p:cNvPr id="10" name="矩形 9">
             <a:extLst>
               <a:ext uri="{FF2B5EF4-FFF2-40B4-BE49-F238E27FC236}">
-                <a16:creationId xmlns:a16="http://schemas.microsoft.com/office/drawing/2014/main" id="{44265C08-EEAA-4F90-8CAF-332C2C14F448}"/>
+                <a16:creationId xmlns:a16="http://schemas.microsoft.com/office/drawing/2014/main" xmlns="" id="{44265C08-EEAA-4F90-8CAF-332C2C14F448}"/>
               </a:ext>
             </a:extLst>
           </p:cNvPr>
@@ -17080,7 +17109,7 @@
           <p:cNvPr id="14" name="矩形 13">
             <a:extLst>
               <a:ext uri="{FF2B5EF4-FFF2-40B4-BE49-F238E27FC236}">
-                <a16:creationId xmlns:a16="http://schemas.microsoft.com/office/drawing/2014/main" id="{C13CD144-2FE7-4582-B39B-072E0DC78D7B}"/>
+                <a16:creationId xmlns:a16="http://schemas.microsoft.com/office/drawing/2014/main" xmlns="" id="{C13CD144-2FE7-4582-B39B-072E0DC78D7B}"/>
               </a:ext>
             </a:extLst>
           </p:cNvPr>
@@ -17176,7 +17205,7 @@
           <p:cNvPr id="15" name="矩形 14">
             <a:extLst>
               <a:ext uri="{FF2B5EF4-FFF2-40B4-BE49-F238E27FC236}">
-                <a16:creationId xmlns:a16="http://schemas.microsoft.com/office/drawing/2014/main" id="{B3C4E395-EA16-4013-BCC2-66BA0D019304}"/>
+                <a16:creationId xmlns:a16="http://schemas.microsoft.com/office/drawing/2014/main" xmlns="" id="{B3C4E395-EA16-4013-BCC2-66BA0D019304}"/>
               </a:ext>
             </a:extLst>
           </p:cNvPr>
@@ -17410,6 +17439,10 @@
               <a:rPr lang="zh-TW" altLang="en-US" sz="1100" dirty="0"/>
               <a:t>是空的值</a:t>
             </a:r>
+            <a:r>
+              <a:rPr lang="en-US" altLang="zh-TW" sz="1100" dirty="0"/>
+              <a:t/>
+            </a:r>
             <a:br>
               <a:rPr lang="en-US" altLang="zh-TW" sz="1100" dirty="0"/>
             </a:br>
@@ -17621,7 +17654,7 @@
           <p:cNvPr id="11" name="矩形 10">
             <a:extLst>
               <a:ext uri="{FF2B5EF4-FFF2-40B4-BE49-F238E27FC236}">
-                <a16:creationId xmlns:a16="http://schemas.microsoft.com/office/drawing/2014/main" id="{A5D5A42A-9DB4-4324-8E66-C54E8810D551}"/>
+                <a16:creationId xmlns:a16="http://schemas.microsoft.com/office/drawing/2014/main" xmlns="" id="{A5D5A42A-9DB4-4324-8E66-C54E8810D551}"/>
               </a:ext>
             </a:extLst>
           </p:cNvPr>
@@ -18690,10 +18723,1489 @@
           <a:chExt cx="0" cy="0"/>
         </a:xfrm>
       </p:grpSpPr>
+      <p:pic>
+        <p:nvPicPr>
+          <p:cNvPr id="1026" name="Picture 2"/>
+          <p:cNvPicPr>
+            <a:picLocks noChangeAspect="1" noChangeArrowheads="1"/>
+          </p:cNvPicPr>
+          <p:nvPr/>
+        </p:nvPicPr>
+        <p:blipFill>
+          <a:blip r:embed="rId2">
+            <a:extLst>
+              <a:ext uri="{28A0092B-C50C-407E-A947-70E740481C1C}">
+                <a14:useLocalDpi xmlns:a14="http://schemas.microsoft.com/office/drawing/2010/main" val="0"/>
+              </a:ext>
+            </a:extLst>
+          </a:blip>
+          <a:srcRect/>
+          <a:stretch>
+            <a:fillRect/>
+          </a:stretch>
+        </p:blipFill>
+        <p:spPr bwMode="auto">
+          <a:xfrm>
+            <a:off x="352425" y="133350"/>
+            <a:ext cx="7981950" cy="6591300"/>
+          </a:xfrm>
+          <a:prstGeom prst="rect">
+            <a:avLst/>
+          </a:prstGeom>
+          <a:noFill/>
+          <a:ln>
+            <a:noFill/>
+          </a:ln>
+          <a:extLst>
+            <a:ext uri="{909E8E84-426E-40DD-AFC4-6F175D3DCCD1}">
+              <a14:hiddenFill xmlns:a14="http://schemas.microsoft.com/office/drawing/2010/main">
+                <a:solidFill>
+                  <a:schemeClr val="accent1"/>
+                </a:solidFill>
+              </a14:hiddenFill>
+            </a:ext>
+            <a:ext uri="{91240B29-F687-4F45-9708-019B960494DF}">
+              <a14:hiddenLine xmlns:a14="http://schemas.microsoft.com/office/drawing/2010/main" w="9525">
+                <a:solidFill>
+                  <a:schemeClr val="tx1"/>
+                </a:solidFill>
+                <a:miter lim="800000"/>
+                <a:headEnd/>
+                <a:tailEnd/>
+              </a14:hiddenLine>
+            </a:ext>
+          </a:extLst>
+        </p:spPr>
+      </p:pic>
+      <p:sp>
+        <p:nvSpPr>
+          <p:cNvPr id="5" name="矩形 4"/>
+          <p:cNvSpPr/>
+          <p:nvPr/>
+        </p:nvSpPr>
+        <p:spPr>
+          <a:xfrm>
+            <a:off x="4357186" y="3535595"/>
+            <a:ext cx="2390748" cy="261610"/>
+          </a:xfrm>
+          <a:prstGeom prst="rect">
+            <a:avLst/>
+          </a:prstGeom>
+          <a:solidFill>
+            <a:schemeClr val="accent5">
+              <a:lumMod val="40000"/>
+              <a:lumOff val="60000"/>
+            </a:schemeClr>
+          </a:solidFill>
+        </p:spPr>
+        <p:txBody>
+          <a:bodyPr wrap="square">
+            <a:spAutoFit/>
+          </a:bodyPr>
+          <a:lstStyle/>
+          <a:p>
+            <a:r>
+              <a:rPr lang="zh-TW" altLang="en-US" sz="1100" dirty="0" smtClean="0"/>
+              <a:t>要等</a:t>
+            </a:r>
+            <a:r>
+              <a:rPr lang="en-US" altLang="zh-TW" sz="1100" dirty="0" err="1" smtClean="0"/>
+              <a:t>Async</a:t>
+            </a:r>
+            <a:r>
+              <a:rPr lang="zh-TW" altLang="en-US" sz="1100" dirty="0" smtClean="0"/>
+              <a:t>做完後 才能繼續其他動作</a:t>
+            </a:r>
+            <a:endParaRPr lang="en-US" altLang="zh-TW" sz="1100" dirty="0"/>
+          </a:p>
+        </p:txBody>
+      </p:sp>
+      <p:sp>
+        <p:nvSpPr>
+          <p:cNvPr id="6" name="矩形 5"/>
+          <p:cNvSpPr/>
+          <p:nvPr/>
+        </p:nvSpPr>
+        <p:spPr>
+          <a:xfrm>
+            <a:off x="3837571" y="3263023"/>
+            <a:ext cx="392615" cy="233712"/>
+          </a:xfrm>
+          <a:prstGeom prst="rect">
+            <a:avLst/>
+          </a:prstGeom>
+          <a:noFill/>
+          <a:ln w="38100">
+            <a:solidFill>
+              <a:srgbClr val="FF0000"/>
+            </a:solidFill>
+          </a:ln>
+        </p:spPr>
+        <p:style>
+          <a:lnRef idx="2">
+            <a:schemeClr val="accent1">
+              <a:shade val="50000"/>
+            </a:schemeClr>
+          </a:lnRef>
+          <a:fillRef idx="1">
+            <a:schemeClr val="accent1"/>
+          </a:fillRef>
+          <a:effectRef idx="0">
+            <a:schemeClr val="accent1"/>
+          </a:effectRef>
+          <a:fontRef idx="minor">
+            <a:schemeClr val="lt1"/>
+          </a:fontRef>
+        </p:style>
+        <p:txBody>
+          <a:bodyPr rtlCol="0" anchor="ctr"/>
+          <a:lstStyle/>
+          <a:p>
+            <a:pPr algn="ctr"/>
+            <a:endParaRPr lang="zh-TW" altLang="en-US"/>
+          </a:p>
+        </p:txBody>
+      </p:sp>
+      <p:sp>
+        <p:nvSpPr>
+          <p:cNvPr id="7" name="矩形 6"/>
+          <p:cNvSpPr/>
+          <p:nvPr/>
+        </p:nvSpPr>
+        <p:spPr>
+          <a:xfrm>
+            <a:off x="4357185" y="3249446"/>
+            <a:ext cx="468814" cy="238822"/>
+          </a:xfrm>
+          <a:prstGeom prst="rect">
+            <a:avLst/>
+          </a:prstGeom>
+          <a:noFill/>
+          <a:ln w="38100">
+            <a:solidFill>
+              <a:srgbClr val="FF0000"/>
+            </a:solidFill>
+          </a:ln>
+        </p:spPr>
+        <p:style>
+          <a:lnRef idx="2">
+            <a:schemeClr val="accent1">
+              <a:shade val="50000"/>
+            </a:schemeClr>
+          </a:lnRef>
+          <a:fillRef idx="1">
+            <a:schemeClr val="accent1"/>
+          </a:fillRef>
+          <a:effectRef idx="0">
+            <a:schemeClr val="accent1"/>
+          </a:effectRef>
+          <a:fontRef idx="minor">
+            <a:schemeClr val="lt1"/>
+          </a:fontRef>
+        </p:style>
+        <p:txBody>
+          <a:bodyPr rtlCol="0" anchor="ctr"/>
+          <a:lstStyle/>
+          <a:p>
+            <a:pPr algn="ctr"/>
+            <a:endParaRPr lang="zh-TW" altLang="en-US"/>
+          </a:p>
+        </p:txBody>
+      </p:sp>
+      <p:pic>
+        <p:nvPicPr>
+          <p:cNvPr id="1028" name="Picture 4"/>
+          <p:cNvPicPr>
+            <a:picLocks noChangeAspect="1" noChangeArrowheads="1"/>
+          </p:cNvPicPr>
+          <p:nvPr/>
+        </p:nvPicPr>
+        <p:blipFill>
+          <a:blip r:embed="rId3">
+            <a:extLst>
+              <a:ext uri="{28A0092B-C50C-407E-A947-70E740481C1C}">
+                <a14:useLocalDpi xmlns:a14="http://schemas.microsoft.com/office/drawing/2010/main" val="0"/>
+              </a:ext>
+            </a:extLst>
+          </a:blip>
+          <a:srcRect/>
+          <a:stretch>
+            <a:fillRect/>
+          </a:stretch>
+        </p:blipFill>
+        <p:spPr bwMode="auto">
+          <a:xfrm>
+            <a:off x="6653672" y="133350"/>
+            <a:ext cx="5538328" cy="3068108"/>
+          </a:xfrm>
+          <a:prstGeom prst="rect">
+            <a:avLst/>
+          </a:prstGeom>
+          <a:noFill/>
+          <a:ln>
+            <a:noFill/>
+          </a:ln>
+          <a:extLst>
+            <a:ext uri="{909E8E84-426E-40DD-AFC4-6F175D3DCCD1}">
+              <a14:hiddenFill xmlns:a14="http://schemas.microsoft.com/office/drawing/2010/main">
+                <a:solidFill>
+                  <a:schemeClr val="accent1"/>
+                </a:solidFill>
+              </a14:hiddenFill>
+            </a:ext>
+            <a:ext uri="{91240B29-F687-4F45-9708-019B960494DF}">
+              <a14:hiddenLine xmlns:a14="http://schemas.microsoft.com/office/drawing/2010/main" w="9525">
+                <a:solidFill>
+                  <a:schemeClr val="tx1"/>
+                </a:solidFill>
+                <a:miter lim="800000"/>
+                <a:headEnd/>
+                <a:tailEnd/>
+              </a14:hiddenLine>
+            </a:ext>
+          </a:extLst>
+        </p:spPr>
+      </p:pic>
+      <p:sp>
+        <p:nvSpPr>
+          <p:cNvPr id="3" name="矩形 2"/>
+          <p:cNvSpPr/>
+          <p:nvPr/>
+        </p:nvSpPr>
+        <p:spPr>
+          <a:xfrm>
+            <a:off x="5041960" y="255831"/>
+            <a:ext cx="3292415" cy="1785104"/>
+          </a:xfrm>
+          <a:prstGeom prst="rect">
+            <a:avLst/>
+          </a:prstGeom>
+          <a:solidFill>
+            <a:schemeClr val="accent5">
+              <a:lumMod val="40000"/>
+              <a:lumOff val="60000"/>
+            </a:schemeClr>
+          </a:solidFill>
+        </p:spPr>
+        <p:txBody>
+          <a:bodyPr wrap="square">
+            <a:spAutoFit/>
+          </a:bodyPr>
+          <a:lstStyle/>
+          <a:p>
+            <a:r>
+              <a:rPr lang="en-US" altLang="zh-TW" sz="1100" dirty="0"/>
+              <a:t> </a:t>
+            </a:r>
+            <a:r>
+              <a:rPr lang="zh-TW" altLang="en-US" sz="1100" dirty="0"/>
+              <a:t>幾個</a:t>
+            </a:r>
+            <a:r>
+              <a:rPr lang="zh-TW" altLang="en-US" sz="1100" dirty="0" smtClean="0"/>
+              <a:t>屬性</a:t>
+            </a:r>
+            <a:r>
+              <a:rPr lang="en-US" altLang="zh-TW" sz="1100" dirty="0" smtClean="0"/>
+              <a:t>(Property)</a:t>
+            </a:r>
+          </a:p>
+          <a:p>
+            <a:r>
+              <a:rPr lang="en-US" altLang="zh-TW" sz="1100" dirty="0" smtClean="0"/>
+              <a:t>1.</a:t>
+            </a:r>
+            <a:r>
+              <a:rPr lang="zh-TW" altLang="en-US" sz="1100" dirty="0" smtClean="0"/>
+              <a:t>有</a:t>
+            </a:r>
+            <a:r>
+              <a:rPr lang="en-US" altLang="zh-TW" sz="1100" dirty="0" smtClean="0"/>
+              <a:t>Name</a:t>
+            </a:r>
+          </a:p>
+          <a:p>
+            <a:r>
+              <a:rPr lang="en-US" altLang="zh-TW" sz="1100" dirty="0" smtClean="0"/>
+              <a:t>2.</a:t>
+            </a:r>
+            <a:r>
+              <a:rPr lang="en-US" altLang="zh-TW" sz="1100" dirty="0"/>
+              <a:t> </a:t>
+            </a:r>
+            <a:r>
+              <a:rPr lang="en-US" altLang="zh-TW" sz="1100" dirty="0" err="1"/>
+              <a:t>SingleSelect</a:t>
+            </a:r>
+            <a:r>
+              <a:rPr lang="en-US" altLang="zh-TW" sz="1100" dirty="0"/>
+              <a:t> </a:t>
+            </a:r>
+            <a:r>
+              <a:rPr lang="en-US" altLang="zh-TW" sz="1100" dirty="0" err="1" smtClean="0"/>
+              <a:t>SelectedItem</a:t>
+            </a:r>
+            <a:r>
+              <a:rPr lang="zh-TW" altLang="en-US" sz="1100" dirty="0" smtClean="0"/>
+              <a:t>   </a:t>
+            </a:r>
+            <a:r>
+              <a:rPr lang="en-US" altLang="zh-TW" sz="1100" dirty="0" smtClean="0"/>
+              <a:t/>
+            </a:r>
+            <a:br>
+              <a:rPr lang="en-US" altLang="zh-TW" sz="1100" dirty="0" smtClean="0"/>
+            </a:br>
+            <a:r>
+              <a:rPr lang="zh-TW" altLang="en-US" sz="1100" dirty="0" smtClean="0"/>
+              <a:t>是一個</a:t>
+            </a:r>
+            <a:r>
+              <a:rPr lang="en-US" altLang="zh-TW" sz="1100" dirty="0" err="1"/>
+              <a:t>SingleSelect</a:t>
+            </a:r>
+            <a:r>
+              <a:rPr lang="en-US" altLang="zh-TW" sz="1100" dirty="0"/>
+              <a:t> </a:t>
+            </a:r>
+            <a:r>
+              <a:rPr lang="zh-TW" altLang="en-US" sz="1100" dirty="0" smtClean="0"/>
+              <a:t>的物件</a:t>
+            </a:r>
+            <a:endParaRPr lang="en-US" altLang="zh-TW" sz="1100" dirty="0" smtClean="0"/>
+          </a:p>
+          <a:p>
+            <a:r>
+              <a:rPr lang="en-US" altLang="zh-TW" sz="1100" dirty="0" smtClean="0"/>
+              <a:t>3.</a:t>
+            </a:r>
+            <a:r>
+              <a:rPr lang="en-US" altLang="zh-TW" sz="1100" dirty="0"/>
+              <a:t> </a:t>
+            </a:r>
+            <a:r>
+              <a:rPr lang="zh-TW" altLang="en-US" sz="1100" dirty="0" smtClean="0"/>
+              <a:t>還有</a:t>
+            </a:r>
+            <a:r>
+              <a:rPr lang="en-US" altLang="zh-TW" sz="1100" dirty="0" err="1" smtClean="0"/>
+              <a:t>SelectedItemId</a:t>
+            </a:r>
+            <a:r>
+              <a:rPr lang="zh-TW" altLang="en-US" sz="1100" dirty="0" smtClean="0"/>
+              <a:t>的屬性</a:t>
+            </a:r>
+            <a:endParaRPr lang="en-US" altLang="zh-TW" sz="1100" dirty="0" smtClean="0"/>
+          </a:p>
+          <a:p>
+            <a:r>
+              <a:rPr lang="en-US" altLang="zh-TW" sz="1100" dirty="0" smtClean="0"/>
+              <a:t>String </a:t>
+            </a:r>
+            <a:r>
+              <a:rPr lang="zh-TW" altLang="en-US" sz="1100" dirty="0" smtClean="0"/>
+              <a:t>裡面存的是</a:t>
+            </a:r>
+            <a:r>
+              <a:rPr lang="en-US" altLang="zh-TW" sz="1100" dirty="0" smtClean="0"/>
+              <a:t>ID</a:t>
+            </a:r>
+            <a:br>
+              <a:rPr lang="en-US" altLang="zh-TW" sz="1100" dirty="0" smtClean="0"/>
+            </a:br>
+            <a:r>
+              <a:rPr lang="en-US" altLang="zh-TW" sz="1100" dirty="0" smtClean="0"/>
+              <a:t/>
+            </a:r>
+            <a:br>
+              <a:rPr lang="en-US" altLang="zh-TW" sz="1100" dirty="0" smtClean="0"/>
+            </a:br>
+            <a:r>
+              <a:rPr lang="zh-TW" altLang="en-US" sz="1100" dirty="0" smtClean="0"/>
+              <a:t>有了</a:t>
+            </a:r>
+            <a:r>
+              <a:rPr lang="en-US" altLang="zh-TW" sz="1100" dirty="0" err="1"/>
+              <a:t>SingleSelect</a:t>
+            </a:r>
+            <a:r>
+              <a:rPr lang="en-US" altLang="zh-TW" sz="1100" dirty="0"/>
+              <a:t> </a:t>
+            </a:r>
+            <a:r>
+              <a:rPr lang="en-US" altLang="zh-TW" sz="1100" dirty="0" err="1" smtClean="0"/>
+              <a:t>SelectedItem</a:t>
+            </a:r>
+            <a:r>
+              <a:rPr lang="en-US" altLang="zh-TW" sz="1100" dirty="0" smtClean="0"/>
+              <a:t> </a:t>
+            </a:r>
+            <a:r>
+              <a:rPr lang="zh-TW" altLang="en-US" sz="1100" dirty="0" smtClean="0"/>
+              <a:t> 還要做</a:t>
+            </a:r>
+            <a:r>
+              <a:rPr lang="en-US" altLang="zh-TW" sz="1100" dirty="0" err="1" smtClean="0"/>
+              <a:t>SelectedItemId</a:t>
+            </a:r>
+            <a:r>
+              <a:rPr lang="en-US" altLang="zh-TW" sz="1100" dirty="0" smtClean="0"/>
+              <a:t/>
+            </a:r>
+            <a:br>
+              <a:rPr lang="en-US" altLang="zh-TW" sz="1100" dirty="0" smtClean="0"/>
+            </a:br>
+            <a:r>
+              <a:rPr lang="zh-TW" altLang="en-US" sz="1100" dirty="0" smtClean="0"/>
+              <a:t>是因為 </a:t>
+            </a:r>
+            <a:r>
+              <a:rPr lang="en-US" altLang="zh-TW" sz="1100" dirty="0" smtClean="0">
+                <a:solidFill>
+                  <a:srgbClr val="FF0000"/>
+                </a:solidFill>
+              </a:rPr>
+              <a:t>Model binding</a:t>
+            </a:r>
+            <a:r>
+              <a:rPr lang="zh-TW" altLang="en-US" sz="1100" dirty="0" smtClean="0">
+                <a:solidFill>
+                  <a:srgbClr val="FF0000"/>
+                </a:solidFill>
+              </a:rPr>
+              <a:t> 不能做 </a:t>
+            </a:r>
+            <a:r>
+              <a:rPr lang="en-US" altLang="zh-TW" sz="1100" dirty="0" smtClean="0"/>
+              <a:t>Complex</a:t>
+            </a:r>
+            <a:r>
+              <a:rPr lang="zh-TW" altLang="en-US" sz="1100" dirty="0"/>
+              <a:t> </a:t>
+            </a:r>
+            <a:r>
+              <a:rPr lang="en-US" altLang="zh-TW" sz="1100" dirty="0" err="1" smtClean="0"/>
+              <a:t>tpye</a:t>
+            </a:r>
+            <a:r>
+              <a:rPr lang="en-US" altLang="zh-TW" sz="1100" dirty="0" smtClean="0"/>
+              <a:t/>
+            </a:r>
+            <a:br>
+              <a:rPr lang="en-US" altLang="zh-TW" sz="1100" dirty="0" smtClean="0"/>
+            </a:br>
+            <a:r>
+              <a:rPr lang="zh-TW" altLang="en-US" sz="1100" dirty="0" smtClean="0"/>
+              <a:t>只能做</a:t>
+            </a:r>
+            <a:r>
+              <a:rPr lang="en-US" altLang="zh-TW" sz="1100" dirty="0" smtClean="0"/>
+              <a:t>Single</a:t>
+            </a:r>
+            <a:r>
+              <a:rPr lang="zh-TW" altLang="en-US" sz="1100" dirty="0" smtClean="0"/>
+              <a:t> </a:t>
+            </a:r>
+            <a:r>
+              <a:rPr lang="en-US" altLang="zh-TW" sz="1100" dirty="0" smtClean="0"/>
+              <a:t>type</a:t>
+            </a:r>
+            <a:endParaRPr lang="en-US" altLang="zh-TW" sz="1100" dirty="0"/>
+          </a:p>
+        </p:txBody>
+      </p:sp>
+      <p:sp>
+        <p:nvSpPr>
+          <p:cNvPr id="8" name="矩形 7"/>
+          <p:cNvSpPr/>
+          <p:nvPr/>
+        </p:nvSpPr>
+        <p:spPr>
+          <a:xfrm>
+            <a:off x="5813452" y="2841328"/>
+            <a:ext cx="2690109" cy="261610"/>
+          </a:xfrm>
+          <a:prstGeom prst="rect">
+            <a:avLst/>
+          </a:prstGeom>
+          <a:solidFill>
+            <a:schemeClr val="accent5">
+              <a:lumMod val="40000"/>
+              <a:lumOff val="60000"/>
+            </a:schemeClr>
+          </a:solidFill>
+        </p:spPr>
+        <p:txBody>
+          <a:bodyPr wrap="square">
+            <a:spAutoFit/>
+          </a:bodyPr>
+          <a:lstStyle/>
+          <a:p>
+            <a:r>
+              <a:rPr lang="zh-TW" altLang="en-US" sz="1100" dirty="0" smtClean="0"/>
+              <a:t>從</a:t>
+            </a:r>
+            <a:r>
+              <a:rPr lang="en-US" altLang="zh-TW" sz="1100" dirty="0" err="1" smtClean="0"/>
+              <a:t>db</a:t>
+            </a:r>
+            <a:r>
+              <a:rPr lang="zh-TW" altLang="en-US" sz="1100" dirty="0" smtClean="0"/>
+              <a:t>取值 執行完後</a:t>
+            </a:r>
+            <a:r>
+              <a:rPr lang="en-US" altLang="zh-TW" sz="1100" dirty="0" smtClean="0"/>
+              <a:t>memory</a:t>
+            </a:r>
+            <a:r>
+              <a:rPr lang="zh-TW" altLang="en-US" sz="1100" dirty="0" smtClean="0"/>
+              <a:t>會被清</a:t>
+            </a:r>
+            <a:r>
+              <a:rPr lang="zh-TW" altLang="en-US" sz="1100" dirty="0"/>
+              <a:t>除掉</a:t>
+            </a:r>
+            <a:endParaRPr lang="en-US" altLang="zh-TW" sz="1100" dirty="0"/>
+          </a:p>
+        </p:txBody>
+      </p:sp>
+      <p:sp>
+        <p:nvSpPr>
+          <p:cNvPr id="10" name="矩形 9"/>
+          <p:cNvSpPr/>
+          <p:nvPr/>
+        </p:nvSpPr>
+        <p:spPr>
+          <a:xfrm>
+            <a:off x="7709986" y="5161195"/>
+            <a:ext cx="3296681" cy="261610"/>
+          </a:xfrm>
+          <a:prstGeom prst="rect">
+            <a:avLst/>
+          </a:prstGeom>
+          <a:solidFill>
+            <a:schemeClr val="accent5">
+              <a:lumMod val="40000"/>
+              <a:lumOff val="60000"/>
+            </a:schemeClr>
+          </a:solidFill>
+        </p:spPr>
+        <p:txBody>
+          <a:bodyPr wrap="square">
+            <a:spAutoFit/>
+          </a:bodyPr>
+          <a:lstStyle/>
+          <a:p>
+            <a:r>
+              <a:rPr lang="zh-TW" altLang="en-US" sz="1100" dirty="0" smtClean="0"/>
+              <a:t>去</a:t>
+            </a:r>
+            <a:r>
+              <a:rPr lang="en-US" altLang="zh-TW" sz="1100" dirty="0" err="1" smtClean="0"/>
+              <a:t>db</a:t>
+            </a:r>
+            <a:r>
+              <a:rPr lang="zh-TW" altLang="en-US" sz="1100" dirty="0" smtClean="0"/>
+              <a:t>取到所有的</a:t>
+            </a:r>
+            <a:r>
+              <a:rPr lang="en-US" altLang="zh-TW" sz="1100" dirty="0" err="1"/>
+              <a:t>SingleSelect</a:t>
+            </a:r>
+            <a:r>
+              <a:rPr lang="en-US" altLang="zh-TW" sz="1100" dirty="0"/>
+              <a:t> </a:t>
+            </a:r>
+            <a:r>
+              <a:rPr lang="zh-TW" altLang="en-US" sz="1100" dirty="0" smtClean="0"/>
+              <a:t> 在</a:t>
+            </a:r>
+            <a:r>
+              <a:rPr lang="en-US" altLang="zh-TW" sz="1100" dirty="0" err="1" smtClean="0"/>
+              <a:t>Async</a:t>
+            </a:r>
+            <a:r>
+              <a:rPr lang="zh-TW" altLang="en-US" sz="1100" dirty="0" smtClean="0"/>
+              <a:t>  取到後放入 </a:t>
+            </a:r>
+            <a:endParaRPr lang="en-US" altLang="zh-TW" sz="1100" dirty="0"/>
+          </a:p>
+        </p:txBody>
+      </p:sp>
+      <p:sp>
+        <p:nvSpPr>
+          <p:cNvPr id="11" name="矩形 10"/>
+          <p:cNvSpPr/>
+          <p:nvPr/>
+        </p:nvSpPr>
+        <p:spPr>
+          <a:xfrm>
+            <a:off x="3620097" y="5237399"/>
+            <a:ext cx="1222835" cy="261610"/>
+          </a:xfrm>
+          <a:prstGeom prst="rect">
+            <a:avLst/>
+          </a:prstGeom>
+          <a:noFill/>
+          <a:ln w="38100">
+            <a:solidFill>
+              <a:srgbClr val="FF0000"/>
+            </a:solidFill>
+          </a:ln>
+        </p:spPr>
+        <p:style>
+          <a:lnRef idx="2">
+            <a:schemeClr val="accent1">
+              <a:shade val="50000"/>
+            </a:schemeClr>
+          </a:lnRef>
+          <a:fillRef idx="1">
+            <a:schemeClr val="accent1"/>
+          </a:fillRef>
+          <a:effectRef idx="0">
+            <a:schemeClr val="accent1"/>
+          </a:effectRef>
+          <a:fontRef idx="minor">
+            <a:schemeClr val="lt1"/>
+          </a:fontRef>
+        </p:style>
+        <p:txBody>
+          <a:bodyPr rtlCol="0" anchor="ctr"/>
+          <a:lstStyle/>
+          <a:p>
+            <a:pPr algn="ctr"/>
+            <a:endParaRPr lang="zh-TW" altLang="en-US"/>
+          </a:p>
+        </p:txBody>
+      </p:sp>
+      <p:cxnSp>
+        <p:nvCxnSpPr>
+          <p:cNvPr id="24" name="直線單箭頭接點 23"/>
+          <p:cNvCxnSpPr/>
+          <p:nvPr/>
+        </p:nvCxnSpPr>
+        <p:spPr>
+          <a:xfrm flipH="1">
+            <a:off x="4825999" y="5161195"/>
+            <a:ext cx="5393268" cy="130805"/>
+          </a:xfrm>
+          <a:prstGeom prst="straightConnector1">
+            <a:avLst/>
+          </a:prstGeom>
+          <a:ln w="28575">
+            <a:solidFill>
+              <a:srgbClr val="FF0000"/>
+            </a:solidFill>
+            <a:tailEnd type="arrow"/>
+          </a:ln>
+        </p:spPr>
+        <p:style>
+          <a:lnRef idx="1">
+            <a:schemeClr val="accent1"/>
+          </a:lnRef>
+          <a:fillRef idx="0">
+            <a:schemeClr val="accent1"/>
+          </a:fillRef>
+          <a:effectRef idx="0">
+            <a:schemeClr val="accent1"/>
+          </a:effectRef>
+          <a:fontRef idx="minor">
+            <a:schemeClr val="tx1"/>
+          </a:fontRef>
+        </p:style>
+      </p:cxnSp>
+      <p:sp>
+        <p:nvSpPr>
+          <p:cNvPr id="28" name="矩形 27"/>
+          <p:cNvSpPr/>
+          <p:nvPr/>
+        </p:nvSpPr>
+        <p:spPr>
+          <a:xfrm>
+            <a:off x="6922586" y="5635329"/>
+            <a:ext cx="3821614" cy="261610"/>
+          </a:xfrm>
+          <a:prstGeom prst="rect">
+            <a:avLst/>
+          </a:prstGeom>
+          <a:solidFill>
+            <a:schemeClr val="accent5">
+              <a:lumMod val="40000"/>
+              <a:lumOff val="60000"/>
+            </a:schemeClr>
+          </a:solidFill>
+        </p:spPr>
+        <p:txBody>
+          <a:bodyPr wrap="square">
+            <a:spAutoFit/>
+          </a:bodyPr>
+          <a:lstStyle/>
+          <a:p>
+            <a:r>
+              <a:rPr lang="zh-TW" altLang="en-US" sz="1100" dirty="0" smtClean="0"/>
+              <a:t>去尋找符合條件的   只能有一個  不然就會丟一個</a:t>
+            </a:r>
+            <a:r>
+              <a:rPr lang="en-US" altLang="zh-TW" sz="1100" dirty="0"/>
+              <a:t>exception</a:t>
+            </a:r>
+            <a:endParaRPr lang="en-US" altLang="zh-TW" sz="1100" dirty="0"/>
+          </a:p>
+        </p:txBody>
+      </p:sp>
+      <p:sp>
+        <p:nvSpPr>
+          <p:cNvPr id="29" name="矩形 28"/>
+          <p:cNvSpPr/>
+          <p:nvPr/>
+        </p:nvSpPr>
+        <p:spPr>
+          <a:xfrm>
+            <a:off x="5084829" y="5651409"/>
+            <a:ext cx="1629237" cy="182124"/>
+          </a:xfrm>
+          <a:prstGeom prst="rect">
+            <a:avLst/>
+          </a:prstGeom>
+          <a:noFill/>
+          <a:ln w="38100">
+            <a:solidFill>
+              <a:srgbClr val="FF0000"/>
+            </a:solidFill>
+          </a:ln>
+        </p:spPr>
+        <p:style>
+          <a:lnRef idx="2">
+            <a:schemeClr val="accent1">
+              <a:shade val="50000"/>
+            </a:schemeClr>
+          </a:lnRef>
+          <a:fillRef idx="1">
+            <a:schemeClr val="accent1"/>
+          </a:fillRef>
+          <a:effectRef idx="0">
+            <a:schemeClr val="accent1"/>
+          </a:effectRef>
+          <a:fontRef idx="minor">
+            <a:schemeClr val="lt1"/>
+          </a:fontRef>
+        </p:style>
+        <p:txBody>
+          <a:bodyPr rtlCol="0" anchor="ctr"/>
+          <a:lstStyle/>
+          <a:p>
+            <a:pPr algn="ctr"/>
+            <a:endParaRPr lang="zh-TW" altLang="en-US"/>
+          </a:p>
+        </p:txBody>
+      </p:sp>
+      <p:sp>
+        <p:nvSpPr>
+          <p:cNvPr id="30" name="矩形 29"/>
+          <p:cNvSpPr/>
+          <p:nvPr/>
+        </p:nvSpPr>
+        <p:spPr>
+          <a:xfrm>
+            <a:off x="4226478" y="5981605"/>
+            <a:ext cx="1209122" cy="261610"/>
+          </a:xfrm>
+          <a:prstGeom prst="rect">
+            <a:avLst/>
+          </a:prstGeom>
+          <a:solidFill>
+            <a:schemeClr val="accent5">
+              <a:lumMod val="40000"/>
+              <a:lumOff val="60000"/>
+            </a:schemeClr>
+          </a:solidFill>
+        </p:spPr>
+        <p:txBody>
+          <a:bodyPr wrap="square">
+            <a:spAutoFit/>
+          </a:bodyPr>
+          <a:lstStyle/>
+          <a:p>
+            <a:r>
+              <a:rPr lang="zh-TW" altLang="en-US" sz="1100" dirty="0" smtClean="0"/>
+              <a:t>再把</a:t>
+            </a:r>
+            <a:r>
+              <a:rPr lang="en-US" altLang="zh-TW" sz="1100" dirty="0" smtClean="0"/>
+              <a:t>list</a:t>
+            </a:r>
+            <a:r>
+              <a:rPr lang="zh-TW" altLang="en-US" sz="1100" dirty="0" smtClean="0"/>
+              <a:t>丟出去</a:t>
+            </a:r>
+            <a:endParaRPr lang="en-US" altLang="zh-TW" sz="1100" dirty="0"/>
+          </a:p>
+        </p:txBody>
+      </p:sp>
+      <p:sp>
+        <p:nvSpPr>
+          <p:cNvPr id="31" name="矩形 30"/>
+          <p:cNvSpPr/>
+          <p:nvPr/>
+        </p:nvSpPr>
+        <p:spPr>
+          <a:xfrm>
+            <a:off x="1921933" y="1667404"/>
+            <a:ext cx="2777067" cy="182124"/>
+          </a:xfrm>
+          <a:prstGeom prst="rect">
+            <a:avLst/>
+          </a:prstGeom>
+          <a:noFill/>
+          <a:ln w="38100">
+            <a:solidFill>
+              <a:srgbClr val="FF0000"/>
+            </a:solidFill>
+          </a:ln>
+        </p:spPr>
+        <p:style>
+          <a:lnRef idx="2">
+            <a:schemeClr val="accent1">
+              <a:shade val="50000"/>
+            </a:schemeClr>
+          </a:lnRef>
+          <a:fillRef idx="1">
+            <a:schemeClr val="accent1"/>
+          </a:fillRef>
+          <a:effectRef idx="0">
+            <a:schemeClr val="accent1"/>
+          </a:effectRef>
+          <a:fontRef idx="minor">
+            <a:schemeClr val="lt1"/>
+          </a:fontRef>
+        </p:style>
+        <p:txBody>
+          <a:bodyPr rtlCol="0" anchor="ctr"/>
+          <a:lstStyle/>
+          <a:p>
+            <a:pPr algn="ctr"/>
+            <a:endParaRPr lang="zh-TW" altLang="en-US"/>
+          </a:p>
+        </p:txBody>
+      </p:sp>
+      <p:cxnSp>
+        <p:nvCxnSpPr>
+          <p:cNvPr id="32" name="直線單箭頭接點 31"/>
+          <p:cNvCxnSpPr>
+            <a:stCxn id="30" idx="1"/>
+          </p:cNvCxnSpPr>
+          <p:nvPr/>
+        </p:nvCxnSpPr>
+        <p:spPr>
+          <a:xfrm flipH="1" flipV="1">
+            <a:off x="2345267" y="2040935"/>
+            <a:ext cx="1881211" cy="4071475"/>
+          </a:xfrm>
+          <a:prstGeom prst="straightConnector1">
+            <a:avLst/>
+          </a:prstGeom>
+          <a:ln w="28575">
+            <a:solidFill>
+              <a:srgbClr val="FF0000"/>
+            </a:solidFill>
+            <a:tailEnd type="arrow"/>
+          </a:ln>
+        </p:spPr>
+        <p:style>
+          <a:lnRef idx="1">
+            <a:schemeClr val="accent1"/>
+          </a:lnRef>
+          <a:fillRef idx="0">
+            <a:schemeClr val="accent1"/>
+          </a:fillRef>
+          <a:effectRef idx="0">
+            <a:schemeClr val="accent1"/>
+          </a:effectRef>
+          <a:fontRef idx="minor">
+            <a:schemeClr val="tx1"/>
+          </a:fontRef>
+        </p:style>
+      </p:cxnSp>
+      <p:sp>
+        <p:nvSpPr>
+          <p:cNvPr id="35" name="矩形 34"/>
+          <p:cNvSpPr/>
+          <p:nvPr/>
+        </p:nvSpPr>
+        <p:spPr>
+          <a:xfrm>
+            <a:off x="2705905" y="3666400"/>
+            <a:ext cx="1209122" cy="261610"/>
+          </a:xfrm>
+          <a:prstGeom prst="rect">
+            <a:avLst/>
+          </a:prstGeom>
+          <a:solidFill>
+            <a:schemeClr val="accent5">
+              <a:lumMod val="40000"/>
+              <a:lumOff val="60000"/>
+            </a:schemeClr>
+          </a:solidFill>
+        </p:spPr>
+        <p:txBody>
+          <a:bodyPr wrap="square">
+            <a:spAutoFit/>
+          </a:bodyPr>
+          <a:lstStyle/>
+          <a:p>
+            <a:r>
+              <a:rPr lang="zh-TW" altLang="en-US" sz="1100" dirty="0"/>
+              <a:t>會存放在這邊</a:t>
+            </a:r>
+            <a:endParaRPr lang="en-US" altLang="zh-TW" sz="1100" dirty="0"/>
+          </a:p>
+        </p:txBody>
+      </p:sp>
+      <p:sp>
+        <p:nvSpPr>
+          <p:cNvPr id="36" name="矩形 35"/>
+          <p:cNvSpPr/>
+          <p:nvPr/>
+        </p:nvSpPr>
+        <p:spPr>
+          <a:xfrm>
+            <a:off x="2998346" y="1981666"/>
+            <a:ext cx="1920788" cy="261610"/>
+          </a:xfrm>
+          <a:prstGeom prst="rect">
+            <a:avLst/>
+          </a:prstGeom>
+          <a:solidFill>
+            <a:schemeClr val="accent5">
+              <a:lumMod val="40000"/>
+              <a:lumOff val="60000"/>
+            </a:schemeClr>
+          </a:solidFill>
+        </p:spPr>
+        <p:txBody>
+          <a:bodyPr wrap="square">
+            <a:spAutoFit/>
+          </a:bodyPr>
+          <a:lstStyle/>
+          <a:p>
+            <a:r>
+              <a:rPr lang="zh-TW" altLang="en-US" sz="1100" dirty="0" smtClean="0"/>
+              <a:t>用來讀取</a:t>
+            </a:r>
+            <a:r>
+              <a:rPr lang="en-US" altLang="zh-TW" sz="1100" dirty="0" smtClean="0"/>
+              <a:t>view</a:t>
+            </a:r>
+            <a:r>
+              <a:rPr lang="zh-TW" altLang="en-US" sz="1100" dirty="0" smtClean="0"/>
+              <a:t>那邊傳來的</a:t>
+            </a:r>
+            <a:r>
+              <a:rPr lang="en-US" altLang="zh-TW" sz="1100" dirty="0" smtClean="0"/>
+              <a:t>DB</a:t>
+            </a:r>
+            <a:endParaRPr lang="en-US" altLang="zh-TW" sz="1100" dirty="0"/>
+          </a:p>
+        </p:txBody>
+      </p:sp>
+      <p:sp>
+        <p:nvSpPr>
+          <p:cNvPr id="37" name="矩形 36"/>
+          <p:cNvSpPr/>
+          <p:nvPr/>
+        </p:nvSpPr>
+        <p:spPr>
+          <a:xfrm>
+            <a:off x="89676" y="1080650"/>
+            <a:ext cx="2740850" cy="307777"/>
+          </a:xfrm>
+          <a:prstGeom prst="rect">
+            <a:avLst/>
+          </a:prstGeom>
+          <a:solidFill>
+            <a:schemeClr val="accent4">
+              <a:lumMod val="20000"/>
+              <a:lumOff val="80000"/>
+            </a:schemeClr>
+          </a:solidFill>
+        </p:spPr>
+        <p:txBody>
+          <a:bodyPr wrap="square">
+            <a:spAutoFit/>
+          </a:bodyPr>
+          <a:lstStyle/>
+          <a:p>
+            <a:r>
+              <a:rPr lang="zh-TW" altLang="en-US" sz="1400" dirty="0" smtClean="0"/>
+              <a:t>從</a:t>
+            </a:r>
+            <a:r>
+              <a:rPr lang="en-US" altLang="zh-TW" sz="1400" dirty="0" err="1" smtClean="0"/>
+              <a:t>GamersController</a:t>
+            </a:r>
+            <a:r>
+              <a:rPr lang="zh-TW" altLang="en-US" sz="1400" dirty="0" smtClean="0"/>
+              <a:t> 丟 </a:t>
+            </a:r>
+            <a:r>
+              <a:rPr lang="en-US" altLang="zh-TW" sz="1400" dirty="0" smtClean="0"/>
+              <a:t>Name</a:t>
+            </a:r>
+            <a:r>
+              <a:rPr lang="zh-TW" altLang="en-US" sz="1400" dirty="0" smtClean="0"/>
+              <a:t>近來</a:t>
+            </a:r>
+            <a:endParaRPr lang="en-US" altLang="zh-TW" sz="1400" dirty="0"/>
+          </a:p>
+        </p:txBody>
+      </p:sp>
+      <p:cxnSp>
+        <p:nvCxnSpPr>
+          <p:cNvPr id="33" name="直線單箭頭接點 32"/>
+          <p:cNvCxnSpPr/>
+          <p:nvPr/>
+        </p:nvCxnSpPr>
+        <p:spPr>
+          <a:xfrm>
+            <a:off x="524933" y="1388427"/>
+            <a:ext cx="838200" cy="2688245"/>
+          </a:xfrm>
+          <a:prstGeom prst="straightConnector1">
+            <a:avLst/>
+          </a:prstGeom>
+          <a:ln w="19050">
+            <a:solidFill>
+              <a:srgbClr val="FF0000"/>
+            </a:solidFill>
+            <a:tailEnd type="arrow"/>
+          </a:ln>
+        </p:spPr>
+        <p:style>
+          <a:lnRef idx="1">
+            <a:schemeClr val="accent1"/>
+          </a:lnRef>
+          <a:fillRef idx="0">
+            <a:schemeClr val="accent1"/>
+          </a:fillRef>
+          <a:effectRef idx="0">
+            <a:schemeClr val="accent1"/>
+          </a:effectRef>
+          <a:fontRef idx="minor">
+            <a:schemeClr val="tx1"/>
+          </a:fontRef>
+        </p:style>
+      </p:cxnSp>
+      <p:sp>
+        <p:nvSpPr>
+          <p:cNvPr id="40" name="矩形 39"/>
+          <p:cNvSpPr/>
+          <p:nvPr/>
+        </p:nvSpPr>
+        <p:spPr>
+          <a:xfrm>
+            <a:off x="215162" y="1966277"/>
+            <a:ext cx="2740850" cy="276999"/>
+          </a:xfrm>
+          <a:prstGeom prst="rect">
+            <a:avLst/>
+          </a:prstGeom>
+          <a:solidFill>
+            <a:schemeClr val="accent4">
+              <a:lumMod val="20000"/>
+              <a:lumOff val="80000"/>
+            </a:schemeClr>
+          </a:solidFill>
+        </p:spPr>
+        <p:txBody>
+          <a:bodyPr wrap="square">
+            <a:spAutoFit/>
+          </a:bodyPr>
+          <a:lstStyle/>
+          <a:p>
+            <a:r>
+              <a:rPr lang="zh-TW" altLang="en-US" sz="1200" dirty="0" smtClean="0"/>
+              <a:t>去</a:t>
+            </a:r>
+            <a:r>
+              <a:rPr lang="en-US" altLang="zh-TW" sz="1200" dirty="0" smtClean="0"/>
+              <a:t>DB</a:t>
+            </a:r>
+            <a:r>
+              <a:rPr lang="zh-TW" altLang="en-US" sz="1200" dirty="0" smtClean="0"/>
+              <a:t>裡面找出</a:t>
+            </a:r>
+            <a:r>
+              <a:rPr lang="en-US" altLang="zh-TW" sz="1200" dirty="0" err="1" smtClean="0"/>
+              <a:t>SelectedItemItems</a:t>
+            </a:r>
+            <a:endParaRPr lang="en-US" altLang="zh-TW" sz="1200" dirty="0"/>
+          </a:p>
+        </p:txBody>
+      </p:sp>
+      <p:sp>
+        <p:nvSpPr>
+          <p:cNvPr id="41" name="矩形 40"/>
+          <p:cNvSpPr/>
+          <p:nvPr/>
+        </p:nvSpPr>
+        <p:spPr>
+          <a:xfrm>
+            <a:off x="6857352" y="4189753"/>
+            <a:ext cx="3292415" cy="261610"/>
+          </a:xfrm>
+          <a:prstGeom prst="rect">
+            <a:avLst/>
+          </a:prstGeom>
+          <a:solidFill>
+            <a:schemeClr val="accent5">
+              <a:lumMod val="40000"/>
+              <a:lumOff val="60000"/>
+            </a:schemeClr>
+          </a:solidFill>
+        </p:spPr>
+        <p:txBody>
+          <a:bodyPr wrap="square">
+            <a:spAutoFit/>
+          </a:bodyPr>
+          <a:lstStyle/>
+          <a:p>
+            <a:r>
+              <a:rPr lang="zh-TW" altLang="en-US" sz="1100" dirty="0"/>
+              <a:t>去</a:t>
+            </a:r>
+            <a:r>
+              <a:rPr lang="en-US" altLang="zh-TW" sz="1100" dirty="0"/>
+              <a:t>DB</a:t>
+            </a:r>
+            <a:r>
+              <a:rPr lang="zh-TW" altLang="en-US" sz="1100" dirty="0"/>
+              <a:t>抓取</a:t>
+            </a:r>
+            <a:r>
+              <a:rPr lang="zh-TW" altLang="en-US" sz="1100" dirty="0" smtClean="0"/>
+              <a:t>資料 把所有的</a:t>
+            </a:r>
+            <a:r>
+              <a:rPr lang="en-US" altLang="zh-TW" sz="1100" dirty="0" smtClean="0"/>
+              <a:t>Team </a:t>
+            </a:r>
+            <a:r>
+              <a:rPr lang="zh-TW" altLang="en-US" sz="1100" dirty="0" smtClean="0"/>
+              <a:t>塞進來</a:t>
+            </a:r>
+            <a:endParaRPr lang="en-US" altLang="zh-TW" sz="1100" dirty="0"/>
+          </a:p>
+        </p:txBody>
+      </p:sp>
+      <p:cxnSp>
+        <p:nvCxnSpPr>
+          <p:cNvPr id="42" name="直線單箭頭接點 41"/>
+          <p:cNvCxnSpPr/>
+          <p:nvPr/>
+        </p:nvCxnSpPr>
+        <p:spPr>
+          <a:xfrm flipH="1" flipV="1">
+            <a:off x="4998505" y="3102938"/>
+            <a:ext cx="1924081" cy="1217620"/>
+          </a:xfrm>
+          <a:prstGeom prst="straightConnector1">
+            <a:avLst/>
+          </a:prstGeom>
+          <a:ln w="28575">
+            <a:solidFill>
+              <a:srgbClr val="FF0000"/>
+            </a:solidFill>
+            <a:tailEnd type="arrow"/>
+          </a:ln>
+        </p:spPr>
+        <p:style>
+          <a:lnRef idx="1">
+            <a:schemeClr val="accent1"/>
+          </a:lnRef>
+          <a:fillRef idx="0">
+            <a:schemeClr val="accent1"/>
+          </a:fillRef>
+          <a:effectRef idx="0">
+            <a:schemeClr val="accent1"/>
+          </a:effectRef>
+          <a:fontRef idx="minor">
+            <a:schemeClr val="tx1"/>
+          </a:fontRef>
+        </p:style>
+      </p:cxnSp>
     </p:spTree>
     <p:extLst>
       <p:ext uri="{BB962C8B-B14F-4D97-AF65-F5344CB8AC3E}">
         <p14:creationId xmlns:p14="http://schemas.microsoft.com/office/powerpoint/2010/main" val="1803387154"/>
+      </p:ext>
+    </p:extLst>
+  </p:cSld>
+  <p:clrMapOvr>
+    <a:masterClrMapping/>
+  </p:clrMapOvr>
+</p:sld>
+</file>
+
+<file path=ppt/slides/slide39.xml><?xml version="1.0" encoding="utf-8"?>
+<p:sld xmlns:a="http://schemas.openxmlformats.org/drawingml/2006/main" xmlns:r="http://schemas.openxmlformats.org/officeDocument/2006/relationships" xmlns:p="http://schemas.openxmlformats.org/presentationml/2006/main">
+  <p:cSld>
+    <p:spTree>
+      <p:nvGrpSpPr>
+        <p:cNvPr id="1" name=""/>
+        <p:cNvGrpSpPr/>
+        <p:nvPr/>
+      </p:nvGrpSpPr>
+      <p:grpSpPr>
+        <a:xfrm>
+          <a:off x="0" y="0"/>
+          <a:ext cx="0" cy="0"/>
+          <a:chOff x="0" y="0"/>
+          <a:chExt cx="0" cy="0"/>
+        </a:xfrm>
+      </p:grpSpPr>
+      <p:pic>
+        <p:nvPicPr>
+          <p:cNvPr id="2051" name="Picture 3"/>
+          <p:cNvPicPr>
+            <a:picLocks noChangeAspect="1" noChangeArrowheads="1"/>
+          </p:cNvPicPr>
+          <p:nvPr/>
+        </p:nvPicPr>
+        <p:blipFill>
+          <a:blip r:embed="rId2">
+            <a:extLst>
+              <a:ext uri="{28A0092B-C50C-407E-A947-70E740481C1C}">
+                <a14:useLocalDpi xmlns:a14="http://schemas.microsoft.com/office/drawing/2010/main" val="0"/>
+              </a:ext>
+            </a:extLst>
+          </a:blip>
+          <a:srcRect/>
+          <a:stretch>
+            <a:fillRect/>
+          </a:stretch>
+        </p:blipFill>
+        <p:spPr bwMode="auto">
+          <a:xfrm>
+            <a:off x="617010" y="479955"/>
+            <a:ext cx="3867150" cy="2409825"/>
+          </a:xfrm>
+          <a:prstGeom prst="rect">
+            <a:avLst/>
+          </a:prstGeom>
+          <a:noFill/>
+          <a:ln>
+            <a:noFill/>
+          </a:ln>
+          <a:extLst>
+            <a:ext uri="{909E8E84-426E-40DD-AFC4-6F175D3DCCD1}">
+              <a14:hiddenFill xmlns:a14="http://schemas.microsoft.com/office/drawing/2010/main">
+                <a:solidFill>
+                  <a:schemeClr val="accent1"/>
+                </a:solidFill>
+              </a14:hiddenFill>
+            </a:ext>
+            <a:ext uri="{91240B29-F687-4F45-9708-019B960494DF}">
+              <a14:hiddenLine xmlns:a14="http://schemas.microsoft.com/office/drawing/2010/main" w="9525">
+                <a:solidFill>
+                  <a:schemeClr val="tx1"/>
+                </a:solidFill>
+                <a:miter lim="800000"/>
+                <a:headEnd/>
+                <a:tailEnd/>
+              </a14:hiddenLine>
+            </a:ext>
+          </a:extLst>
+        </p:spPr>
+      </p:pic>
+      <p:pic>
+        <p:nvPicPr>
+          <p:cNvPr id="2052" name="Picture 4"/>
+          <p:cNvPicPr>
+            <a:picLocks noChangeAspect="1" noChangeArrowheads="1"/>
+          </p:cNvPicPr>
+          <p:nvPr/>
+        </p:nvPicPr>
+        <p:blipFill>
+          <a:blip r:embed="rId3">
+            <a:extLst>
+              <a:ext uri="{28A0092B-C50C-407E-A947-70E740481C1C}">
+                <a14:useLocalDpi xmlns:a14="http://schemas.microsoft.com/office/drawing/2010/main" val="0"/>
+              </a:ext>
+            </a:extLst>
+          </a:blip>
+          <a:srcRect/>
+          <a:stretch>
+            <a:fillRect/>
+          </a:stretch>
+        </p:blipFill>
+        <p:spPr bwMode="auto">
+          <a:xfrm>
+            <a:off x="2658534" y="2889780"/>
+            <a:ext cx="7048500" cy="3419475"/>
+          </a:xfrm>
+          <a:prstGeom prst="rect">
+            <a:avLst/>
+          </a:prstGeom>
+          <a:noFill/>
+          <a:ln>
+            <a:noFill/>
+          </a:ln>
+          <a:extLst>
+            <a:ext uri="{909E8E84-426E-40DD-AFC4-6F175D3DCCD1}">
+              <a14:hiddenFill xmlns:a14="http://schemas.microsoft.com/office/drawing/2010/main">
+                <a:solidFill>
+                  <a:schemeClr val="accent1"/>
+                </a:solidFill>
+              </a14:hiddenFill>
+            </a:ext>
+            <a:ext uri="{91240B29-F687-4F45-9708-019B960494DF}">
+              <a14:hiddenLine xmlns:a14="http://schemas.microsoft.com/office/drawing/2010/main" w="9525">
+                <a:solidFill>
+                  <a:schemeClr val="tx1"/>
+                </a:solidFill>
+                <a:miter lim="800000"/>
+                <a:headEnd/>
+                <a:tailEnd/>
+              </a14:hiddenLine>
+            </a:ext>
+          </a:extLst>
+        </p:spPr>
+      </p:pic>
+      <p:sp>
+        <p:nvSpPr>
+          <p:cNvPr id="7" name="矩形 6"/>
+          <p:cNvSpPr/>
+          <p:nvPr/>
+        </p:nvSpPr>
+        <p:spPr>
+          <a:xfrm>
+            <a:off x="5846831" y="4144342"/>
+            <a:ext cx="664038" cy="182124"/>
+          </a:xfrm>
+          <a:prstGeom prst="rect">
+            <a:avLst/>
+          </a:prstGeom>
+          <a:noFill/>
+          <a:ln w="28575">
+            <a:solidFill>
+              <a:srgbClr val="FF0000"/>
+            </a:solidFill>
+          </a:ln>
+        </p:spPr>
+        <p:style>
+          <a:lnRef idx="2">
+            <a:schemeClr val="accent1">
+              <a:shade val="50000"/>
+            </a:schemeClr>
+          </a:lnRef>
+          <a:fillRef idx="1">
+            <a:schemeClr val="accent1"/>
+          </a:fillRef>
+          <a:effectRef idx="0">
+            <a:schemeClr val="accent1"/>
+          </a:effectRef>
+          <a:fontRef idx="minor">
+            <a:schemeClr val="lt1"/>
+          </a:fontRef>
+        </p:style>
+        <p:txBody>
+          <a:bodyPr rtlCol="0" anchor="ctr"/>
+          <a:lstStyle/>
+          <a:p>
+            <a:pPr algn="ctr"/>
+            <a:endParaRPr lang="zh-TW" altLang="en-US"/>
+          </a:p>
+        </p:txBody>
+      </p:sp>
+      <p:cxnSp>
+        <p:nvCxnSpPr>
+          <p:cNvPr id="8" name="直線單箭頭接點 7"/>
+          <p:cNvCxnSpPr/>
+          <p:nvPr/>
+        </p:nvCxnSpPr>
+        <p:spPr>
+          <a:xfrm flipH="1" flipV="1">
+            <a:off x="3395134" y="1278467"/>
+            <a:ext cx="2539999" cy="2865875"/>
+          </a:xfrm>
+          <a:prstGeom prst="straightConnector1">
+            <a:avLst/>
+          </a:prstGeom>
+          <a:ln w="28575">
+            <a:solidFill>
+              <a:srgbClr val="FF0000"/>
+            </a:solidFill>
+            <a:tailEnd type="arrow"/>
+          </a:ln>
+        </p:spPr>
+        <p:style>
+          <a:lnRef idx="1">
+            <a:schemeClr val="accent1"/>
+          </a:lnRef>
+          <a:fillRef idx="0">
+            <a:schemeClr val="accent1"/>
+          </a:fillRef>
+          <a:effectRef idx="0">
+            <a:schemeClr val="accent1"/>
+          </a:effectRef>
+          <a:fontRef idx="minor">
+            <a:schemeClr val="tx1"/>
+          </a:fontRef>
+        </p:style>
+      </p:cxnSp>
+      <p:sp>
+        <p:nvSpPr>
+          <p:cNvPr id="11" name="矩形 10">
+            <a:extLst>
+              <a:ext uri="{FF2B5EF4-FFF2-40B4-BE49-F238E27FC236}">
+                <a16:creationId xmlns:a16="http://schemas.microsoft.com/office/drawing/2014/main" xmlns="" id="{AD92C906-859D-415A-B853-7FD8FFF7DBC9}"/>
+              </a:ext>
+            </a:extLst>
+          </p:cNvPr>
+          <p:cNvSpPr/>
+          <p:nvPr/>
+        </p:nvSpPr>
+        <p:spPr>
+          <a:xfrm>
+            <a:off x="8820956" y="755788"/>
+            <a:ext cx="1772155" cy="1254265"/>
+          </a:xfrm>
+          <a:prstGeom prst="rect">
+            <a:avLst/>
+          </a:prstGeom>
+          <a:solidFill>
+            <a:srgbClr val="FF0000"/>
+          </a:solidFill>
+        </p:spPr>
+        <p:style>
+          <a:lnRef idx="2">
+            <a:schemeClr val="accent1">
+              <a:shade val="50000"/>
+            </a:schemeClr>
+          </a:lnRef>
+          <a:fillRef idx="1">
+            <a:schemeClr val="accent1"/>
+          </a:fillRef>
+          <a:effectRef idx="0">
+            <a:schemeClr val="accent1"/>
+          </a:effectRef>
+          <a:fontRef idx="minor">
+            <a:schemeClr val="lt1"/>
+          </a:fontRef>
+        </p:style>
+        <p:txBody>
+          <a:bodyPr rtlCol="0" anchor="ctr"/>
+          <a:lstStyle/>
+          <a:p>
+            <a:pPr algn="ctr"/>
+            <a:endParaRPr lang="zh-TW" altLang="en-US"/>
+          </a:p>
+        </p:txBody>
+      </p:sp>
+    </p:spTree>
+    <p:extLst>
+      <p:ext uri="{BB962C8B-B14F-4D97-AF65-F5344CB8AC3E}">
+        <p14:creationId xmlns:p14="http://schemas.microsoft.com/office/powerpoint/2010/main" val="2584529839"/>
       </p:ext>
     </p:extLst>
   </p:cSld>
@@ -18725,7 +20237,7 @@
           <p:cNvPr id="4" name="圖片 3">
             <a:extLst>
               <a:ext uri="{FF2B5EF4-FFF2-40B4-BE49-F238E27FC236}">
-                <a16:creationId xmlns:a16="http://schemas.microsoft.com/office/drawing/2014/main" id="{AA13050E-6B24-4684-ACE0-595609BE9E5B}"/>
+                <a16:creationId xmlns:a16="http://schemas.microsoft.com/office/drawing/2014/main" xmlns="" id="{AA13050E-6B24-4684-ACE0-595609BE9E5B}"/>
               </a:ext>
             </a:extLst>
           </p:cNvPr>
@@ -18755,7 +20267,7 @@
           <p:cNvPr id="5" name="矩形 4">
             <a:extLst>
               <a:ext uri="{FF2B5EF4-FFF2-40B4-BE49-F238E27FC236}">
-                <a16:creationId xmlns:a16="http://schemas.microsoft.com/office/drawing/2014/main" id="{B1688101-08F8-4ECB-A7D0-82A4787D361E}"/>
+                <a16:creationId xmlns:a16="http://schemas.microsoft.com/office/drawing/2014/main" xmlns="" id="{B1688101-08F8-4ECB-A7D0-82A4787D361E}"/>
               </a:ext>
             </a:extLst>
           </p:cNvPr>
@@ -18956,7 +20468,7 @@
           <p:cNvPr id="6" name="矩形 5">
             <a:extLst>
               <a:ext uri="{FF2B5EF4-FFF2-40B4-BE49-F238E27FC236}">
-                <a16:creationId xmlns:a16="http://schemas.microsoft.com/office/drawing/2014/main" id="{D9359A53-0219-4665-BF7C-37DC1765794F}"/>
+                <a16:creationId xmlns:a16="http://schemas.microsoft.com/office/drawing/2014/main" xmlns="" id="{D9359A53-0219-4665-BF7C-37DC1765794F}"/>
               </a:ext>
             </a:extLst>
           </p:cNvPr>
@@ -19008,7 +20520,7 @@
           <p:cNvPr id="7" name="Picture 2">
             <a:extLst>
               <a:ext uri="{FF2B5EF4-FFF2-40B4-BE49-F238E27FC236}">
-                <a16:creationId xmlns:a16="http://schemas.microsoft.com/office/drawing/2014/main" id="{D94F9260-5359-4671-858F-158837E26CDC}"/>
+                <a16:creationId xmlns:a16="http://schemas.microsoft.com/office/drawing/2014/main" xmlns="" id="{D94F9260-5359-4671-858F-158837E26CDC}"/>
               </a:ext>
             </a:extLst>
           </p:cNvPr>
@@ -19066,7 +20578,7 @@
           <p:cNvPr id="8" name="直線單箭頭接點 7">
             <a:extLst>
               <a:ext uri="{FF2B5EF4-FFF2-40B4-BE49-F238E27FC236}">
-                <a16:creationId xmlns:a16="http://schemas.microsoft.com/office/drawing/2014/main" id="{35200388-9675-4ECD-89D7-EDDB62A5C42A}"/>
+                <a16:creationId xmlns:a16="http://schemas.microsoft.com/office/drawing/2014/main" xmlns="" id="{35200388-9675-4ECD-89D7-EDDB62A5C42A}"/>
               </a:ext>
             </a:extLst>
           </p:cNvPr>
@@ -19110,7 +20622,7 @@
           <p:cNvPr id="9" name="直線單箭頭接點 8">
             <a:extLst>
               <a:ext uri="{FF2B5EF4-FFF2-40B4-BE49-F238E27FC236}">
-                <a16:creationId xmlns:a16="http://schemas.microsoft.com/office/drawing/2014/main" id="{C7681FFB-A141-4CF6-8A70-5AD70BDAE0F5}"/>
+                <a16:creationId xmlns:a16="http://schemas.microsoft.com/office/drawing/2014/main" xmlns="" id="{C7681FFB-A141-4CF6-8A70-5AD70BDAE0F5}"/>
               </a:ext>
             </a:extLst>
           </p:cNvPr>
@@ -19152,7 +20664,7 @@
           <p:cNvPr id="10" name="直線單箭頭接點 9">
             <a:extLst>
               <a:ext uri="{FF2B5EF4-FFF2-40B4-BE49-F238E27FC236}">
-                <a16:creationId xmlns:a16="http://schemas.microsoft.com/office/drawing/2014/main" id="{F6A7CC66-5B99-42D9-8C61-8697ED348872}"/>
+                <a16:creationId xmlns:a16="http://schemas.microsoft.com/office/drawing/2014/main" xmlns="" id="{F6A7CC66-5B99-42D9-8C61-8697ED348872}"/>
               </a:ext>
             </a:extLst>
           </p:cNvPr>
@@ -19194,7 +20706,7 @@
           <p:cNvPr id="11" name="語音泡泡: 圓角矩形 6">
             <a:extLst>
               <a:ext uri="{FF2B5EF4-FFF2-40B4-BE49-F238E27FC236}">
-                <a16:creationId xmlns:a16="http://schemas.microsoft.com/office/drawing/2014/main" id="{5BC49171-76C4-42EE-876C-2FB02A3DA109}"/>
+                <a16:creationId xmlns:a16="http://schemas.microsoft.com/office/drawing/2014/main" xmlns="" id="{5BC49171-76C4-42EE-876C-2FB02A3DA109}"/>
               </a:ext>
             </a:extLst>
           </p:cNvPr>
@@ -19288,7 +20800,7 @@
           <p:cNvPr id="12" name="矩形 11">
             <a:extLst>
               <a:ext uri="{FF2B5EF4-FFF2-40B4-BE49-F238E27FC236}">
-                <a16:creationId xmlns:a16="http://schemas.microsoft.com/office/drawing/2014/main" id="{56050ADF-80CD-475A-A783-234EAD83DA58}"/>
+                <a16:creationId xmlns:a16="http://schemas.microsoft.com/office/drawing/2014/main" xmlns="" id="{56050ADF-80CD-475A-A783-234EAD83DA58}"/>
               </a:ext>
             </a:extLst>
           </p:cNvPr>
@@ -19343,6 +20855,1090 @@
     <p:extLst>
       <p:ext uri="{BB962C8B-B14F-4D97-AF65-F5344CB8AC3E}">
         <p14:creationId xmlns:p14="http://schemas.microsoft.com/office/powerpoint/2010/main" val="2486985367"/>
+      </p:ext>
+    </p:extLst>
+  </p:cSld>
+  <p:clrMapOvr>
+    <a:masterClrMapping/>
+  </p:clrMapOvr>
+</p:sld>
+</file>
+
+<file path=ppt/slides/slide40.xml><?xml version="1.0" encoding="utf-8"?>
+<p:sld xmlns:a="http://schemas.openxmlformats.org/drawingml/2006/main" xmlns:r="http://schemas.openxmlformats.org/officeDocument/2006/relationships" xmlns:p="http://schemas.openxmlformats.org/presentationml/2006/main">
+  <p:cSld>
+    <p:spTree>
+      <p:nvGrpSpPr>
+        <p:cNvPr id="1" name=""/>
+        <p:cNvGrpSpPr/>
+        <p:nvPr/>
+      </p:nvGrpSpPr>
+      <p:grpSpPr>
+        <a:xfrm>
+          <a:off x="0" y="0"/>
+          <a:ext cx="0" cy="0"/>
+          <a:chOff x="0" y="0"/>
+          <a:chExt cx="0" cy="0"/>
+        </a:xfrm>
+      </p:grpSpPr>
+      <p:pic>
+        <p:nvPicPr>
+          <p:cNvPr id="5" name="Picture 2"/>
+          <p:cNvPicPr>
+            <a:picLocks noChangeAspect="1" noChangeArrowheads="1"/>
+          </p:cNvPicPr>
+          <p:nvPr/>
+        </p:nvPicPr>
+        <p:blipFill rotWithShape="1">
+          <a:blip r:embed="rId2">
+            <a:extLst>
+              <a:ext uri="{28A0092B-C50C-407E-A947-70E740481C1C}">
+                <a14:useLocalDpi xmlns:a14="http://schemas.microsoft.com/office/drawing/2010/main" val="0"/>
+              </a:ext>
+            </a:extLst>
+          </a:blip>
+          <a:srcRect b="29677"/>
+          <a:stretch/>
+        </p:blipFill>
+        <p:spPr bwMode="auto">
+          <a:xfrm>
+            <a:off x="80873" y="63879"/>
+            <a:ext cx="9563100" cy="3925199"/>
+          </a:xfrm>
+          <a:prstGeom prst="rect">
+            <a:avLst/>
+          </a:prstGeom>
+          <a:noFill/>
+          <a:ln>
+            <a:noFill/>
+          </a:ln>
+          <a:extLst>
+            <a:ext uri="{909E8E84-426E-40DD-AFC4-6F175D3DCCD1}">
+              <a14:hiddenFill xmlns:a14="http://schemas.microsoft.com/office/drawing/2010/main">
+                <a:solidFill>
+                  <a:schemeClr val="accent1"/>
+                </a:solidFill>
+              </a14:hiddenFill>
+            </a:ext>
+            <a:ext uri="{91240B29-F687-4F45-9708-019B960494DF}">
+              <a14:hiddenLine xmlns:a14="http://schemas.microsoft.com/office/drawing/2010/main" w="9525">
+                <a:solidFill>
+                  <a:schemeClr val="tx1"/>
+                </a:solidFill>
+                <a:miter lim="800000"/>
+                <a:headEnd/>
+                <a:tailEnd/>
+              </a14:hiddenLine>
+            </a:ext>
+          </a:extLst>
+        </p:spPr>
+      </p:pic>
+      <p:pic>
+        <p:nvPicPr>
+          <p:cNvPr id="6" name="Picture 3"/>
+          <p:cNvPicPr>
+            <a:picLocks noChangeAspect="1" noChangeArrowheads="1"/>
+          </p:cNvPicPr>
+          <p:nvPr/>
+        </p:nvPicPr>
+        <p:blipFill>
+          <a:blip r:embed="rId3">
+            <a:extLst>
+              <a:ext uri="{28A0092B-C50C-407E-A947-70E740481C1C}">
+                <a14:useLocalDpi xmlns:a14="http://schemas.microsoft.com/office/drawing/2010/main" val="0"/>
+              </a:ext>
+            </a:extLst>
+          </a:blip>
+          <a:srcRect/>
+          <a:stretch>
+            <a:fillRect/>
+          </a:stretch>
+        </p:blipFill>
+        <p:spPr bwMode="auto">
+          <a:xfrm>
+            <a:off x="647628" y="3870545"/>
+            <a:ext cx="6614418" cy="2851988"/>
+          </a:xfrm>
+          <a:prstGeom prst="rect">
+            <a:avLst/>
+          </a:prstGeom>
+          <a:noFill/>
+          <a:ln>
+            <a:noFill/>
+          </a:ln>
+          <a:extLst>
+            <a:ext uri="{909E8E84-426E-40DD-AFC4-6F175D3DCCD1}">
+              <a14:hiddenFill xmlns:a14="http://schemas.microsoft.com/office/drawing/2010/main">
+                <a:solidFill>
+                  <a:schemeClr val="accent1"/>
+                </a:solidFill>
+              </a14:hiddenFill>
+            </a:ext>
+            <a:ext uri="{91240B29-F687-4F45-9708-019B960494DF}">
+              <a14:hiddenLine xmlns:a14="http://schemas.microsoft.com/office/drawing/2010/main" w="9525">
+                <a:solidFill>
+                  <a:schemeClr val="tx1"/>
+                </a:solidFill>
+                <a:miter lim="800000"/>
+                <a:headEnd/>
+                <a:tailEnd/>
+              </a14:hiddenLine>
+            </a:ext>
+          </a:extLst>
+        </p:spPr>
+      </p:pic>
+      <p:sp>
+        <p:nvSpPr>
+          <p:cNvPr id="7" name="矩形 6"/>
+          <p:cNvSpPr/>
+          <p:nvPr/>
+        </p:nvSpPr>
+        <p:spPr>
+          <a:xfrm>
+            <a:off x="2398143" y="831809"/>
+            <a:ext cx="1345721" cy="220782"/>
+          </a:xfrm>
+          <a:prstGeom prst="rect">
+            <a:avLst/>
+          </a:prstGeom>
+          <a:noFill/>
+          <a:ln w="38100">
+            <a:solidFill>
+              <a:srgbClr val="FF0000"/>
+            </a:solidFill>
+          </a:ln>
+        </p:spPr>
+        <p:style>
+          <a:lnRef idx="2">
+            <a:schemeClr val="accent1">
+              <a:shade val="50000"/>
+            </a:schemeClr>
+          </a:lnRef>
+          <a:fillRef idx="1">
+            <a:schemeClr val="accent1"/>
+          </a:fillRef>
+          <a:effectRef idx="0">
+            <a:schemeClr val="accent1"/>
+          </a:effectRef>
+          <a:fontRef idx="minor">
+            <a:schemeClr val="lt1"/>
+          </a:fontRef>
+        </p:style>
+        <p:txBody>
+          <a:bodyPr rtlCol="0" anchor="ctr"/>
+          <a:lstStyle/>
+          <a:p>
+            <a:pPr algn="ctr"/>
+            <a:endParaRPr lang="zh-TW" altLang="en-US"/>
+          </a:p>
+        </p:txBody>
+      </p:sp>
+      <p:cxnSp>
+        <p:nvCxnSpPr>
+          <p:cNvPr id="8" name="直線單箭頭接點 7"/>
+          <p:cNvCxnSpPr/>
+          <p:nvPr/>
+        </p:nvCxnSpPr>
+        <p:spPr>
+          <a:xfrm>
+            <a:off x="3616864" y="942200"/>
+            <a:ext cx="235469" cy="3875333"/>
+          </a:xfrm>
+          <a:prstGeom prst="straightConnector1">
+            <a:avLst/>
+          </a:prstGeom>
+          <a:ln w="28575">
+            <a:solidFill>
+              <a:srgbClr val="FF0000"/>
+            </a:solidFill>
+            <a:tailEnd type="arrow"/>
+          </a:ln>
+        </p:spPr>
+        <p:style>
+          <a:lnRef idx="1">
+            <a:schemeClr val="accent1"/>
+          </a:lnRef>
+          <a:fillRef idx="0">
+            <a:schemeClr val="accent1"/>
+          </a:fillRef>
+          <a:effectRef idx="0">
+            <a:schemeClr val="accent1"/>
+          </a:effectRef>
+          <a:fontRef idx="minor">
+            <a:schemeClr val="tx1"/>
+          </a:fontRef>
+        </p:style>
+      </p:cxnSp>
+      <p:sp>
+        <p:nvSpPr>
+          <p:cNvPr id="10" name="矩形 9"/>
+          <p:cNvSpPr/>
+          <p:nvPr/>
+        </p:nvSpPr>
+        <p:spPr>
+          <a:xfrm>
+            <a:off x="5921374" y="2093098"/>
+            <a:ext cx="3292415" cy="261610"/>
+          </a:xfrm>
+          <a:prstGeom prst="rect">
+            <a:avLst/>
+          </a:prstGeom>
+          <a:solidFill>
+            <a:schemeClr val="accent5">
+              <a:lumMod val="40000"/>
+              <a:lumOff val="60000"/>
+            </a:schemeClr>
+          </a:solidFill>
+        </p:spPr>
+        <p:txBody>
+          <a:bodyPr wrap="square">
+            <a:spAutoFit/>
+          </a:bodyPr>
+          <a:lstStyle/>
+          <a:p>
+            <a:r>
+              <a:rPr lang="zh-TW" altLang="en-US" sz="1100" dirty="0" smtClean="0"/>
+              <a:t>如果</a:t>
+            </a:r>
+            <a:r>
+              <a:rPr lang="en-US" altLang="zh-TW" sz="1100" dirty="0" err="1" smtClean="0"/>
+              <a:t>IsSelected</a:t>
+            </a:r>
+            <a:r>
+              <a:rPr lang="zh-TW" altLang="en-US" sz="1100" dirty="0" smtClean="0"/>
+              <a:t> </a:t>
+            </a:r>
+            <a:r>
+              <a:rPr lang="en-US" altLang="zh-TW" sz="1100" dirty="0" smtClean="0"/>
+              <a:t>=</a:t>
+            </a:r>
+            <a:r>
+              <a:rPr lang="zh-TW" altLang="en-US" sz="1100" dirty="0" smtClean="0"/>
+              <a:t> </a:t>
+            </a:r>
+            <a:r>
+              <a:rPr lang="en-US" altLang="zh-TW" sz="1100" dirty="0" smtClean="0"/>
+              <a:t>true  </a:t>
+            </a:r>
+            <a:r>
+              <a:rPr lang="zh-TW" altLang="en-US" sz="1100" dirty="0" smtClean="0"/>
+              <a:t>就給他</a:t>
+            </a:r>
+            <a:r>
+              <a:rPr lang="en-US" altLang="zh-TW" sz="1100" dirty="0" smtClean="0"/>
+              <a:t>CSS</a:t>
+            </a:r>
+            <a:r>
+              <a:rPr lang="zh-TW" altLang="en-US" sz="1100" dirty="0" smtClean="0"/>
+              <a:t>  不是的話就 不給</a:t>
+            </a:r>
+            <a:endParaRPr lang="en-US" altLang="zh-TW" sz="1100" dirty="0"/>
+          </a:p>
+        </p:txBody>
+      </p:sp>
+      <p:sp>
+        <p:nvSpPr>
+          <p:cNvPr id="13" name="矩形 12"/>
+          <p:cNvSpPr/>
+          <p:nvPr/>
+        </p:nvSpPr>
+        <p:spPr>
+          <a:xfrm>
+            <a:off x="5718174" y="4835441"/>
+            <a:ext cx="3292415" cy="261610"/>
+          </a:xfrm>
+          <a:prstGeom prst="rect">
+            <a:avLst/>
+          </a:prstGeom>
+          <a:solidFill>
+            <a:schemeClr val="accent5">
+              <a:lumMod val="40000"/>
+              <a:lumOff val="60000"/>
+            </a:schemeClr>
+          </a:solidFill>
+        </p:spPr>
+        <p:txBody>
+          <a:bodyPr wrap="square">
+            <a:spAutoFit/>
+          </a:bodyPr>
+          <a:lstStyle/>
+          <a:p>
+            <a:r>
+              <a:rPr lang="zh-TW" altLang="en-US" sz="1100" dirty="0" smtClean="0"/>
+              <a:t>如果</a:t>
+            </a:r>
+            <a:r>
+              <a:rPr lang="en-US" altLang="zh-TW" sz="1100" dirty="0" err="1" smtClean="0"/>
+              <a:t>IsSelected</a:t>
+            </a:r>
+            <a:r>
+              <a:rPr lang="zh-TW" altLang="en-US" sz="1100" dirty="0" smtClean="0"/>
+              <a:t> </a:t>
+            </a:r>
+            <a:r>
+              <a:rPr lang="en-US" altLang="zh-TW" sz="1100" dirty="0" smtClean="0"/>
+              <a:t>=</a:t>
+            </a:r>
+            <a:r>
+              <a:rPr lang="zh-TW" altLang="en-US" sz="1100" dirty="0" smtClean="0"/>
+              <a:t> </a:t>
+            </a:r>
+            <a:r>
+              <a:rPr lang="en-US" altLang="zh-TW" sz="1100" dirty="0" smtClean="0"/>
+              <a:t>true  </a:t>
+            </a:r>
+            <a:r>
+              <a:rPr lang="zh-TW" altLang="en-US" sz="1100" dirty="0" smtClean="0"/>
+              <a:t>就給他</a:t>
+            </a:r>
+            <a:r>
+              <a:rPr lang="en-US" altLang="zh-TW" sz="1100" dirty="0" smtClean="0"/>
+              <a:t>CSS</a:t>
+            </a:r>
+            <a:r>
+              <a:rPr lang="zh-TW" altLang="en-US" sz="1100" dirty="0" smtClean="0"/>
+              <a:t>  不是的話就 不給</a:t>
+            </a:r>
+            <a:endParaRPr lang="en-US" altLang="zh-TW" sz="1100" dirty="0"/>
+          </a:p>
+        </p:txBody>
+      </p:sp>
+      <p:sp>
+        <p:nvSpPr>
+          <p:cNvPr id="12" name="矩形 11"/>
+          <p:cNvSpPr/>
+          <p:nvPr/>
+        </p:nvSpPr>
+        <p:spPr>
+          <a:xfrm>
+            <a:off x="80873" y="5322683"/>
+            <a:ext cx="2864887" cy="261610"/>
+          </a:xfrm>
+          <a:prstGeom prst="rect">
+            <a:avLst/>
+          </a:prstGeom>
+          <a:solidFill>
+            <a:schemeClr val="accent5">
+              <a:lumMod val="40000"/>
+              <a:lumOff val="60000"/>
+            </a:schemeClr>
+          </a:solidFill>
+        </p:spPr>
+        <p:txBody>
+          <a:bodyPr wrap="square">
+            <a:spAutoFit/>
+          </a:bodyPr>
+          <a:lstStyle/>
+          <a:p>
+            <a:r>
+              <a:rPr lang="zh-TW" altLang="en-US" sz="1100" dirty="0"/>
+              <a:t>表示指定的字串是否為 </a:t>
+            </a:r>
+            <a:r>
+              <a:rPr lang="en-US" altLang="zh-TW" sz="1100" dirty="0"/>
+              <a:t>null </a:t>
+            </a:r>
+            <a:r>
+              <a:rPr lang="zh-TW" altLang="en-US" sz="1100" dirty="0"/>
+              <a:t>或 </a:t>
+            </a:r>
+            <a:r>
+              <a:rPr lang="en-US" altLang="zh-TW" sz="1100" dirty="0">
+                <a:hlinkClick r:id="rId4"/>
+              </a:rPr>
+              <a:t>Empty</a:t>
+            </a:r>
+            <a:r>
+              <a:rPr lang="en-US" altLang="zh-TW" sz="1100" dirty="0"/>
+              <a:t> </a:t>
+            </a:r>
+            <a:r>
+              <a:rPr lang="zh-TW" altLang="en-US" sz="1100" dirty="0"/>
+              <a:t>字串。</a:t>
+            </a:r>
+            <a:endParaRPr lang="zh-TW" altLang="en-US" sz="1100" dirty="0"/>
+          </a:p>
+        </p:txBody>
+      </p:sp>
+      <p:sp>
+        <p:nvSpPr>
+          <p:cNvPr id="15" name="矩形 14"/>
+          <p:cNvSpPr/>
+          <p:nvPr/>
+        </p:nvSpPr>
+        <p:spPr>
+          <a:xfrm>
+            <a:off x="3820064" y="5487356"/>
+            <a:ext cx="1099070" cy="241195"/>
+          </a:xfrm>
+          <a:prstGeom prst="rect">
+            <a:avLst/>
+          </a:prstGeom>
+          <a:noFill/>
+          <a:ln w="28575">
+            <a:solidFill>
+              <a:srgbClr val="FF0000"/>
+            </a:solidFill>
+          </a:ln>
+        </p:spPr>
+        <p:style>
+          <a:lnRef idx="2">
+            <a:schemeClr val="accent1">
+              <a:shade val="50000"/>
+            </a:schemeClr>
+          </a:lnRef>
+          <a:fillRef idx="1">
+            <a:schemeClr val="accent1"/>
+          </a:fillRef>
+          <a:effectRef idx="0">
+            <a:schemeClr val="accent1"/>
+          </a:effectRef>
+          <a:fontRef idx="minor">
+            <a:schemeClr val="lt1"/>
+          </a:fontRef>
+        </p:style>
+        <p:txBody>
+          <a:bodyPr rtlCol="0" anchor="ctr"/>
+          <a:lstStyle/>
+          <a:p>
+            <a:pPr algn="ctr"/>
+            <a:endParaRPr lang="zh-TW" altLang="en-US"/>
+          </a:p>
+        </p:txBody>
+      </p:sp>
+      <p:cxnSp>
+        <p:nvCxnSpPr>
+          <p:cNvPr id="16" name="直線單箭頭接點 15"/>
+          <p:cNvCxnSpPr>
+            <a:endCxn id="12" idx="3"/>
+          </p:cNvCxnSpPr>
+          <p:nvPr/>
+        </p:nvCxnSpPr>
+        <p:spPr>
+          <a:xfrm flipH="1" flipV="1">
+            <a:off x="2945760" y="5453488"/>
+            <a:ext cx="1185973" cy="33869"/>
+          </a:xfrm>
+          <a:prstGeom prst="straightConnector1">
+            <a:avLst/>
+          </a:prstGeom>
+          <a:ln w="28575">
+            <a:solidFill>
+              <a:srgbClr val="FF0000"/>
+            </a:solidFill>
+            <a:tailEnd type="arrow"/>
+          </a:ln>
+        </p:spPr>
+        <p:style>
+          <a:lnRef idx="1">
+            <a:schemeClr val="accent1"/>
+          </a:lnRef>
+          <a:fillRef idx="0">
+            <a:schemeClr val="accent1"/>
+          </a:fillRef>
+          <a:effectRef idx="0">
+            <a:schemeClr val="accent1"/>
+          </a:effectRef>
+          <a:fontRef idx="minor">
+            <a:schemeClr val="tx1"/>
+          </a:fontRef>
+        </p:style>
+      </p:cxnSp>
+      <p:sp>
+        <p:nvSpPr>
+          <p:cNvPr id="19" name="矩形 18"/>
+          <p:cNvSpPr/>
+          <p:nvPr/>
+        </p:nvSpPr>
+        <p:spPr>
+          <a:xfrm>
+            <a:off x="6598707" y="5491260"/>
+            <a:ext cx="3292415" cy="261610"/>
+          </a:xfrm>
+          <a:prstGeom prst="rect">
+            <a:avLst/>
+          </a:prstGeom>
+          <a:solidFill>
+            <a:schemeClr val="accent5">
+              <a:lumMod val="40000"/>
+              <a:lumOff val="60000"/>
+            </a:schemeClr>
+          </a:solidFill>
+        </p:spPr>
+        <p:txBody>
+          <a:bodyPr wrap="square">
+            <a:spAutoFit/>
+          </a:bodyPr>
+          <a:lstStyle/>
+          <a:p>
+            <a:r>
+              <a:rPr lang="zh-TW" altLang="en-US" sz="1100" dirty="0" smtClean="0"/>
+              <a:t>如果是空的就顯示 訊息</a:t>
+            </a:r>
+            <a:endParaRPr lang="en-US" altLang="zh-TW" sz="1100" dirty="0"/>
+          </a:p>
+        </p:txBody>
+      </p:sp>
+      <p:sp>
+        <p:nvSpPr>
+          <p:cNvPr id="20" name="矩形 19"/>
+          <p:cNvSpPr/>
+          <p:nvPr/>
+        </p:nvSpPr>
+        <p:spPr>
+          <a:xfrm>
+            <a:off x="6514040" y="5948658"/>
+            <a:ext cx="1199093" cy="261610"/>
+          </a:xfrm>
+          <a:prstGeom prst="rect">
+            <a:avLst/>
+          </a:prstGeom>
+          <a:solidFill>
+            <a:schemeClr val="accent5">
+              <a:lumMod val="40000"/>
+              <a:lumOff val="60000"/>
+            </a:schemeClr>
+          </a:solidFill>
+        </p:spPr>
+        <p:txBody>
+          <a:bodyPr wrap="square">
+            <a:spAutoFit/>
+          </a:bodyPr>
+          <a:lstStyle/>
+          <a:p>
+            <a:r>
+              <a:rPr lang="zh-TW" altLang="en-US" sz="1100" dirty="0" smtClean="0"/>
+              <a:t>有值就回傳</a:t>
+            </a:r>
+            <a:endParaRPr lang="en-US" altLang="zh-TW" sz="1100" dirty="0"/>
+          </a:p>
+        </p:txBody>
+      </p:sp>
+    </p:spTree>
+    <p:extLst>
+      <p:ext uri="{BB962C8B-B14F-4D97-AF65-F5344CB8AC3E}">
+        <p14:creationId xmlns:p14="http://schemas.microsoft.com/office/powerpoint/2010/main" val="1014644285"/>
+      </p:ext>
+    </p:extLst>
+  </p:cSld>
+  <p:clrMapOvr>
+    <a:masterClrMapping/>
+  </p:clrMapOvr>
+</p:sld>
+</file>
+
+<file path=ppt/slides/slide41.xml><?xml version="1.0" encoding="utf-8"?>
+<p:sld xmlns:a="http://schemas.openxmlformats.org/drawingml/2006/main" xmlns:r="http://schemas.openxmlformats.org/officeDocument/2006/relationships" xmlns:p="http://schemas.openxmlformats.org/presentationml/2006/main">
+  <p:cSld>
+    <p:spTree>
+      <p:nvGrpSpPr>
+        <p:cNvPr id="1" name=""/>
+        <p:cNvGrpSpPr/>
+        <p:nvPr/>
+      </p:nvGrpSpPr>
+      <p:grpSpPr>
+        <a:xfrm>
+          <a:off x="0" y="0"/>
+          <a:ext cx="0" cy="0"/>
+          <a:chOff x="0" y="0"/>
+          <a:chExt cx="0" cy="0"/>
+        </a:xfrm>
+      </p:grpSpPr>
+      <p:pic>
+        <p:nvPicPr>
+          <p:cNvPr id="4" name="Picture 2"/>
+          <p:cNvPicPr>
+            <a:picLocks noChangeAspect="1" noChangeArrowheads="1"/>
+          </p:cNvPicPr>
+          <p:nvPr/>
+        </p:nvPicPr>
+        <p:blipFill>
+          <a:blip r:embed="rId2">
+            <a:extLst>
+              <a:ext uri="{28A0092B-C50C-407E-A947-70E740481C1C}">
+                <a14:useLocalDpi xmlns:a14="http://schemas.microsoft.com/office/drawing/2010/main" val="0"/>
+              </a:ext>
+            </a:extLst>
+          </a:blip>
+          <a:srcRect/>
+          <a:stretch>
+            <a:fillRect/>
+          </a:stretch>
+        </p:blipFill>
+        <p:spPr bwMode="auto">
+          <a:xfrm>
+            <a:off x="381790" y="444250"/>
+            <a:ext cx="4162425" cy="2181225"/>
+          </a:xfrm>
+          <a:prstGeom prst="rect">
+            <a:avLst/>
+          </a:prstGeom>
+          <a:noFill/>
+          <a:ln>
+            <a:noFill/>
+          </a:ln>
+          <a:extLst>
+            <a:ext uri="{909E8E84-426E-40DD-AFC4-6F175D3DCCD1}">
+              <a14:hiddenFill xmlns:a14="http://schemas.microsoft.com/office/drawing/2010/main">
+                <a:solidFill>
+                  <a:schemeClr val="accent1"/>
+                </a:solidFill>
+              </a14:hiddenFill>
+            </a:ext>
+            <a:ext uri="{91240B29-F687-4F45-9708-019B960494DF}">
+              <a14:hiddenLine xmlns:a14="http://schemas.microsoft.com/office/drawing/2010/main" w="9525">
+                <a:solidFill>
+                  <a:schemeClr val="tx1"/>
+                </a:solidFill>
+                <a:miter lim="800000"/>
+                <a:headEnd/>
+                <a:tailEnd/>
+              </a14:hiddenLine>
+            </a:ext>
+          </a:extLst>
+        </p:spPr>
+      </p:pic>
+      <p:pic>
+        <p:nvPicPr>
+          <p:cNvPr id="5" name="Picture 3"/>
+          <p:cNvPicPr>
+            <a:picLocks noChangeAspect="1" noChangeArrowheads="1"/>
+          </p:cNvPicPr>
+          <p:nvPr/>
+        </p:nvPicPr>
+        <p:blipFill>
+          <a:blip r:embed="rId3">
+            <a:extLst>
+              <a:ext uri="{28A0092B-C50C-407E-A947-70E740481C1C}">
+                <a14:useLocalDpi xmlns:a14="http://schemas.microsoft.com/office/drawing/2010/main" val="0"/>
+              </a:ext>
+            </a:extLst>
+          </a:blip>
+          <a:srcRect/>
+          <a:stretch>
+            <a:fillRect/>
+          </a:stretch>
+        </p:blipFill>
+        <p:spPr bwMode="auto">
+          <a:xfrm>
+            <a:off x="5062609" y="1672077"/>
+            <a:ext cx="4324350" cy="1562100"/>
+          </a:xfrm>
+          <a:prstGeom prst="rect">
+            <a:avLst/>
+          </a:prstGeom>
+          <a:noFill/>
+          <a:ln>
+            <a:noFill/>
+          </a:ln>
+          <a:extLst>
+            <a:ext uri="{909E8E84-426E-40DD-AFC4-6F175D3DCCD1}">
+              <a14:hiddenFill xmlns:a14="http://schemas.microsoft.com/office/drawing/2010/main">
+                <a:solidFill>
+                  <a:schemeClr val="accent1"/>
+                </a:solidFill>
+              </a14:hiddenFill>
+            </a:ext>
+            <a:ext uri="{91240B29-F687-4F45-9708-019B960494DF}">
+              <a14:hiddenLine xmlns:a14="http://schemas.microsoft.com/office/drawing/2010/main" w="9525">
+                <a:solidFill>
+                  <a:schemeClr val="tx1"/>
+                </a:solidFill>
+                <a:miter lim="800000"/>
+                <a:headEnd/>
+                <a:tailEnd/>
+              </a14:hiddenLine>
+            </a:ext>
+          </a:extLst>
+        </p:spPr>
+      </p:pic>
+      <p:pic>
+        <p:nvPicPr>
+          <p:cNvPr id="6" name="Picture 4"/>
+          <p:cNvPicPr>
+            <a:picLocks noChangeAspect="1" noChangeArrowheads="1"/>
+          </p:cNvPicPr>
+          <p:nvPr/>
+        </p:nvPicPr>
+        <p:blipFill>
+          <a:blip r:embed="rId4">
+            <a:extLst>
+              <a:ext uri="{28A0092B-C50C-407E-A947-70E740481C1C}">
+                <a14:useLocalDpi xmlns:a14="http://schemas.microsoft.com/office/drawing/2010/main" val="0"/>
+              </a:ext>
+            </a:extLst>
+          </a:blip>
+          <a:srcRect/>
+          <a:stretch>
+            <a:fillRect/>
+          </a:stretch>
+        </p:blipFill>
+        <p:spPr bwMode="auto">
+          <a:xfrm>
+            <a:off x="815087" y="3234177"/>
+            <a:ext cx="3019425" cy="2105025"/>
+          </a:xfrm>
+          <a:prstGeom prst="rect">
+            <a:avLst/>
+          </a:prstGeom>
+          <a:noFill/>
+          <a:ln>
+            <a:noFill/>
+          </a:ln>
+          <a:extLst>
+            <a:ext uri="{909E8E84-426E-40DD-AFC4-6F175D3DCCD1}">
+              <a14:hiddenFill xmlns:a14="http://schemas.microsoft.com/office/drawing/2010/main">
+                <a:solidFill>
+                  <a:schemeClr val="accent1"/>
+                </a:solidFill>
+              </a14:hiddenFill>
+            </a:ext>
+            <a:ext uri="{91240B29-F687-4F45-9708-019B960494DF}">
+              <a14:hiddenLine xmlns:a14="http://schemas.microsoft.com/office/drawing/2010/main" w="9525">
+                <a:solidFill>
+                  <a:schemeClr val="tx1"/>
+                </a:solidFill>
+                <a:miter lim="800000"/>
+                <a:headEnd/>
+                <a:tailEnd/>
+              </a14:hiddenLine>
+            </a:ext>
+          </a:extLst>
+        </p:spPr>
+      </p:pic>
+    </p:spTree>
+    <p:extLst>
+      <p:ext uri="{BB962C8B-B14F-4D97-AF65-F5344CB8AC3E}">
+        <p14:creationId xmlns:p14="http://schemas.microsoft.com/office/powerpoint/2010/main" val="3161759193"/>
+      </p:ext>
+    </p:extLst>
+  </p:cSld>
+  <p:clrMapOvr>
+    <a:masterClrMapping/>
+  </p:clrMapOvr>
+</p:sld>
+</file>
+
+<file path=ppt/slides/slide42.xml><?xml version="1.0" encoding="utf-8"?>
+<p:sld xmlns:a="http://schemas.openxmlformats.org/drawingml/2006/main" xmlns:r="http://schemas.openxmlformats.org/officeDocument/2006/relationships" xmlns:p="http://schemas.openxmlformats.org/presentationml/2006/main">
+  <p:cSld>
+    <p:spTree>
+      <p:nvGrpSpPr>
+        <p:cNvPr id="1" name=""/>
+        <p:cNvGrpSpPr/>
+        <p:nvPr/>
+      </p:nvGrpSpPr>
+      <p:grpSpPr>
+        <a:xfrm>
+          <a:off x="0" y="0"/>
+          <a:ext cx="0" cy="0"/>
+          <a:chOff x="0" y="0"/>
+          <a:chExt cx="0" cy="0"/>
+        </a:xfrm>
+      </p:grpSpPr>
+      <p:pic>
+        <p:nvPicPr>
+          <p:cNvPr id="7" name="Picture 2"/>
+          <p:cNvPicPr>
+            <a:picLocks noChangeAspect="1" noChangeArrowheads="1"/>
+          </p:cNvPicPr>
+          <p:nvPr/>
+        </p:nvPicPr>
+        <p:blipFill>
+          <a:blip r:embed="rId2">
+            <a:extLst>
+              <a:ext uri="{28A0092B-C50C-407E-A947-70E740481C1C}">
+                <a14:useLocalDpi xmlns:a14="http://schemas.microsoft.com/office/drawing/2010/main" val="0"/>
+              </a:ext>
+            </a:extLst>
+          </a:blip>
+          <a:srcRect/>
+          <a:stretch>
+            <a:fillRect/>
+          </a:stretch>
+        </p:blipFill>
+        <p:spPr bwMode="auto">
+          <a:xfrm>
+            <a:off x="7358782" y="2608059"/>
+            <a:ext cx="3915979" cy="3070195"/>
+          </a:xfrm>
+          <a:prstGeom prst="rect">
+            <a:avLst/>
+          </a:prstGeom>
+          <a:noFill/>
+          <a:ln>
+            <a:noFill/>
+          </a:ln>
+          <a:extLst>
+            <a:ext uri="{909E8E84-426E-40DD-AFC4-6F175D3DCCD1}">
+              <a14:hiddenFill xmlns:a14="http://schemas.microsoft.com/office/drawing/2010/main">
+                <a:solidFill>
+                  <a:schemeClr val="accent1"/>
+                </a:solidFill>
+              </a14:hiddenFill>
+            </a:ext>
+            <a:ext uri="{91240B29-F687-4F45-9708-019B960494DF}">
+              <a14:hiddenLine xmlns:a14="http://schemas.microsoft.com/office/drawing/2010/main" w="9525">
+                <a:solidFill>
+                  <a:schemeClr val="tx1"/>
+                </a:solidFill>
+                <a:miter lim="800000"/>
+                <a:headEnd/>
+                <a:tailEnd/>
+              </a14:hiddenLine>
+            </a:ext>
+          </a:extLst>
+        </p:spPr>
+      </p:pic>
+      <p:pic>
+        <p:nvPicPr>
+          <p:cNvPr id="8" name="Picture 3"/>
+          <p:cNvPicPr>
+            <a:picLocks noChangeAspect="1" noChangeArrowheads="1"/>
+          </p:cNvPicPr>
+          <p:nvPr/>
+        </p:nvPicPr>
+        <p:blipFill>
+          <a:blip r:embed="rId3">
+            <a:extLst>
+              <a:ext uri="{28A0092B-C50C-407E-A947-70E740481C1C}">
+                <a14:useLocalDpi xmlns:a14="http://schemas.microsoft.com/office/drawing/2010/main" val="0"/>
+              </a:ext>
+            </a:extLst>
+          </a:blip>
+          <a:srcRect/>
+          <a:stretch>
+            <a:fillRect/>
+          </a:stretch>
+        </p:blipFill>
+        <p:spPr bwMode="auto">
+          <a:xfrm>
+            <a:off x="72876" y="499529"/>
+            <a:ext cx="4886325" cy="2895600"/>
+          </a:xfrm>
+          <a:prstGeom prst="rect">
+            <a:avLst/>
+          </a:prstGeom>
+          <a:noFill/>
+          <a:ln>
+            <a:noFill/>
+          </a:ln>
+          <a:extLst>
+            <a:ext uri="{909E8E84-426E-40DD-AFC4-6F175D3DCCD1}">
+              <a14:hiddenFill xmlns:a14="http://schemas.microsoft.com/office/drawing/2010/main">
+                <a:solidFill>
+                  <a:schemeClr val="accent1"/>
+                </a:solidFill>
+              </a14:hiddenFill>
+            </a:ext>
+            <a:ext uri="{91240B29-F687-4F45-9708-019B960494DF}">
+              <a14:hiddenLine xmlns:a14="http://schemas.microsoft.com/office/drawing/2010/main" w="9525">
+                <a:solidFill>
+                  <a:schemeClr val="tx1"/>
+                </a:solidFill>
+                <a:miter lim="800000"/>
+                <a:headEnd/>
+                <a:tailEnd/>
+              </a14:hiddenLine>
+            </a:ext>
+          </a:extLst>
+        </p:spPr>
+      </p:pic>
+      <p:pic>
+        <p:nvPicPr>
+          <p:cNvPr id="9" name="Picture 4"/>
+          <p:cNvPicPr>
+            <a:picLocks noChangeAspect="1" noChangeArrowheads="1"/>
+          </p:cNvPicPr>
+          <p:nvPr/>
+        </p:nvPicPr>
+        <p:blipFill>
+          <a:blip r:embed="rId4">
+            <a:extLst>
+              <a:ext uri="{28A0092B-C50C-407E-A947-70E740481C1C}">
+                <a14:useLocalDpi xmlns:a14="http://schemas.microsoft.com/office/drawing/2010/main" val="0"/>
+              </a:ext>
+            </a:extLst>
+          </a:blip>
+          <a:srcRect/>
+          <a:stretch>
+            <a:fillRect/>
+          </a:stretch>
+        </p:blipFill>
+        <p:spPr bwMode="auto">
+          <a:xfrm>
+            <a:off x="191219" y="3890429"/>
+            <a:ext cx="6858000" cy="2857500"/>
+          </a:xfrm>
+          <a:prstGeom prst="rect">
+            <a:avLst/>
+          </a:prstGeom>
+          <a:noFill/>
+          <a:ln>
+            <a:noFill/>
+          </a:ln>
+          <a:extLst>
+            <a:ext uri="{909E8E84-426E-40DD-AFC4-6F175D3DCCD1}">
+              <a14:hiddenFill xmlns:a14="http://schemas.microsoft.com/office/drawing/2010/main">
+                <a:solidFill>
+                  <a:schemeClr val="accent1"/>
+                </a:solidFill>
+              </a14:hiddenFill>
+            </a:ext>
+            <a:ext uri="{91240B29-F687-4F45-9708-019B960494DF}">
+              <a14:hiddenLine xmlns:a14="http://schemas.microsoft.com/office/drawing/2010/main" w="9525">
+                <a:solidFill>
+                  <a:schemeClr val="tx1"/>
+                </a:solidFill>
+                <a:miter lim="800000"/>
+                <a:headEnd/>
+                <a:tailEnd/>
+              </a14:hiddenLine>
+            </a:ext>
+          </a:extLst>
+        </p:spPr>
+      </p:pic>
+    </p:spTree>
+    <p:extLst>
+      <p:ext uri="{BB962C8B-B14F-4D97-AF65-F5344CB8AC3E}">
+        <p14:creationId xmlns:p14="http://schemas.microsoft.com/office/powerpoint/2010/main" val="2157706215"/>
+      </p:ext>
+    </p:extLst>
+  </p:cSld>
+  <p:clrMapOvr>
+    <a:masterClrMapping/>
+  </p:clrMapOvr>
+</p:sld>
+</file>
+
+<file path=ppt/slides/slide43.xml><?xml version="1.0" encoding="utf-8"?>
+<p:sld xmlns:a="http://schemas.openxmlformats.org/drawingml/2006/main" xmlns:r="http://schemas.openxmlformats.org/officeDocument/2006/relationships" xmlns:p="http://schemas.openxmlformats.org/presentationml/2006/main">
+  <p:cSld>
+    <p:spTree>
+      <p:nvGrpSpPr>
+        <p:cNvPr id="1" name=""/>
+        <p:cNvGrpSpPr/>
+        <p:nvPr/>
+      </p:nvGrpSpPr>
+      <p:grpSpPr>
+        <a:xfrm>
+          <a:off x="0" y="0"/>
+          <a:ext cx="0" cy="0"/>
+          <a:chOff x="0" y="0"/>
+          <a:chExt cx="0" cy="0"/>
+        </a:xfrm>
+      </p:grpSpPr>
+      <p:pic>
+        <p:nvPicPr>
+          <p:cNvPr id="4" name="Picture 2"/>
+          <p:cNvPicPr>
+            <a:picLocks noChangeAspect="1" noChangeArrowheads="1"/>
+          </p:cNvPicPr>
+          <p:nvPr/>
+        </p:nvPicPr>
+        <p:blipFill>
+          <a:blip r:embed="rId2">
+            <a:extLst>
+              <a:ext uri="{28A0092B-C50C-407E-A947-70E740481C1C}">
+                <a14:useLocalDpi xmlns:a14="http://schemas.microsoft.com/office/drawing/2010/main" val="0"/>
+              </a:ext>
+            </a:extLst>
+          </a:blip>
+          <a:srcRect/>
+          <a:stretch>
+            <a:fillRect/>
+          </a:stretch>
+        </p:blipFill>
+        <p:spPr bwMode="auto">
+          <a:xfrm>
+            <a:off x="5417109" y="513359"/>
+            <a:ext cx="5009192" cy="6020512"/>
+          </a:xfrm>
+          <a:prstGeom prst="rect">
+            <a:avLst/>
+          </a:prstGeom>
+          <a:noFill/>
+          <a:ln>
+            <a:noFill/>
+          </a:ln>
+          <a:extLst>
+            <a:ext uri="{909E8E84-426E-40DD-AFC4-6F175D3DCCD1}">
+              <a14:hiddenFill xmlns:a14="http://schemas.microsoft.com/office/drawing/2010/main">
+                <a:solidFill>
+                  <a:schemeClr val="accent1"/>
+                </a:solidFill>
+              </a14:hiddenFill>
+            </a:ext>
+            <a:ext uri="{91240B29-F687-4F45-9708-019B960494DF}">
+              <a14:hiddenLine xmlns:a14="http://schemas.microsoft.com/office/drawing/2010/main" w="9525">
+                <a:solidFill>
+                  <a:schemeClr val="tx1"/>
+                </a:solidFill>
+                <a:miter lim="800000"/>
+                <a:headEnd/>
+                <a:tailEnd/>
+              </a14:hiddenLine>
+            </a:ext>
+          </a:extLst>
+        </p:spPr>
+      </p:pic>
+      <p:sp>
+        <p:nvSpPr>
+          <p:cNvPr id="5" name="矩形 4"/>
+          <p:cNvSpPr/>
+          <p:nvPr/>
+        </p:nvSpPr>
+        <p:spPr>
+          <a:xfrm>
+            <a:off x="373603" y="435797"/>
+            <a:ext cx="4413516" cy="523220"/>
+          </a:xfrm>
+          <a:prstGeom prst="rect">
+            <a:avLst/>
+          </a:prstGeom>
+        </p:spPr>
+        <p:txBody>
+          <a:bodyPr wrap="none">
+            <a:spAutoFit/>
+          </a:bodyPr>
+          <a:lstStyle/>
+          <a:p>
+            <a:r>
+              <a:rPr lang="en-US" altLang="zh-TW" sz="2800" dirty="0" err="1" smtClean="0">
+                <a:solidFill>
+                  <a:srgbClr val="FF0000"/>
+                </a:solidFill>
+              </a:rPr>
+              <a:t>GamersController.cs</a:t>
+            </a:r>
+            <a:r>
+              <a:rPr lang="en-US" altLang="zh-TW" sz="2800" dirty="0" smtClean="0">
+                <a:solidFill>
+                  <a:srgbClr val="FF0000"/>
+                </a:solidFill>
+              </a:rPr>
+              <a:t> - </a:t>
+            </a:r>
+            <a:r>
+              <a:rPr lang="en-US" altLang="zh-TW" sz="2800" dirty="0" err="1">
+                <a:solidFill>
+                  <a:srgbClr val="FF0000"/>
+                </a:solidFill>
+              </a:rPr>
+              <a:t>ListBox</a:t>
+            </a:r>
+            <a:endParaRPr lang="zh-TW" altLang="en-US" sz="2800" dirty="0">
+              <a:solidFill>
+                <a:srgbClr val="FF0000"/>
+              </a:solidFill>
+            </a:endParaRPr>
+          </a:p>
+        </p:txBody>
+      </p:sp>
+    </p:spTree>
+    <p:extLst>
+      <p:ext uri="{BB962C8B-B14F-4D97-AF65-F5344CB8AC3E}">
+        <p14:creationId xmlns:p14="http://schemas.microsoft.com/office/powerpoint/2010/main" val="3830381107"/>
       </p:ext>
     </p:extLst>
   </p:cSld>
@@ -19374,7 +21970,7 @@
           <p:cNvPr id="4" name="圖片 3">
             <a:extLst>
               <a:ext uri="{FF2B5EF4-FFF2-40B4-BE49-F238E27FC236}">
-                <a16:creationId xmlns:a16="http://schemas.microsoft.com/office/drawing/2014/main" id="{4FA5B047-4B7F-47C6-9CE1-B2A3F41B020B}"/>
+                <a16:creationId xmlns:a16="http://schemas.microsoft.com/office/drawing/2014/main" xmlns="" id="{4FA5B047-4B7F-47C6-9CE1-B2A3F41B020B}"/>
               </a:ext>
             </a:extLst>
           </p:cNvPr>
@@ -19404,7 +22000,7 @@
           <p:cNvPr id="5" name="矩形 4">
             <a:extLst>
               <a:ext uri="{FF2B5EF4-FFF2-40B4-BE49-F238E27FC236}">
-                <a16:creationId xmlns:a16="http://schemas.microsoft.com/office/drawing/2014/main" id="{A099EFAB-F3C9-4304-A7BD-31D67A14252A}"/>
+                <a16:creationId xmlns:a16="http://schemas.microsoft.com/office/drawing/2014/main" xmlns="" id="{A099EFAB-F3C9-4304-A7BD-31D67A14252A}"/>
               </a:ext>
             </a:extLst>
           </p:cNvPr>
@@ -19456,7 +22052,7 @@
           <p:cNvPr id="6" name="語音泡泡: 圓角矩形 5">
             <a:extLst>
               <a:ext uri="{FF2B5EF4-FFF2-40B4-BE49-F238E27FC236}">
-                <a16:creationId xmlns:a16="http://schemas.microsoft.com/office/drawing/2014/main" id="{3651C266-FAE0-4C25-9A88-C9F904D9923C}"/>
+                <a16:creationId xmlns:a16="http://schemas.microsoft.com/office/drawing/2014/main" xmlns="" id="{3651C266-FAE0-4C25-9A88-C9F904D9923C}"/>
               </a:ext>
             </a:extLst>
           </p:cNvPr>
@@ -19594,7 +22190,7 @@
           <p:cNvPr id="6" name="圖片 5">
             <a:extLst>
               <a:ext uri="{FF2B5EF4-FFF2-40B4-BE49-F238E27FC236}">
-                <a16:creationId xmlns:a16="http://schemas.microsoft.com/office/drawing/2014/main" id="{3D2AD7E2-E957-4DB7-B9AD-96CC48379E46}"/>
+                <a16:creationId xmlns:a16="http://schemas.microsoft.com/office/drawing/2014/main" xmlns="" id="{3D2AD7E2-E957-4DB7-B9AD-96CC48379E46}"/>
               </a:ext>
             </a:extLst>
           </p:cNvPr>
@@ -19624,7 +22220,7 @@
           <p:cNvPr id="5" name="語音泡泡: 圓角矩形 4">
             <a:extLst>
               <a:ext uri="{FF2B5EF4-FFF2-40B4-BE49-F238E27FC236}">
-                <a16:creationId xmlns:a16="http://schemas.microsoft.com/office/drawing/2014/main" id="{F2ED1D7E-7D1C-4A56-9353-26E2C7E209EB}"/>
+                <a16:creationId xmlns:a16="http://schemas.microsoft.com/office/drawing/2014/main" xmlns="" id="{F2ED1D7E-7D1C-4A56-9353-26E2C7E209EB}"/>
               </a:ext>
             </a:extLst>
           </p:cNvPr>
@@ -19703,7 +22299,7 @@
           <p:cNvPr id="7" name="語音泡泡: 圓角矩形 6">
             <a:extLst>
               <a:ext uri="{FF2B5EF4-FFF2-40B4-BE49-F238E27FC236}">
-                <a16:creationId xmlns:a16="http://schemas.microsoft.com/office/drawing/2014/main" id="{E1486E0C-4024-47AF-A99B-32C763660AF4}"/>
+                <a16:creationId xmlns:a16="http://schemas.microsoft.com/office/drawing/2014/main" xmlns="" id="{E1486E0C-4024-47AF-A99B-32C763660AF4}"/>
               </a:ext>
             </a:extLst>
           </p:cNvPr>
@@ -19803,7 +22399,7 @@
           <p:cNvPr id="8" name="矩形 7">
             <a:extLst>
               <a:ext uri="{FF2B5EF4-FFF2-40B4-BE49-F238E27FC236}">
-                <a16:creationId xmlns:a16="http://schemas.microsoft.com/office/drawing/2014/main" id="{0AEC7426-FEE0-44B5-90F3-09E9C0CC35CE}"/>
+                <a16:creationId xmlns:a16="http://schemas.microsoft.com/office/drawing/2014/main" xmlns="" id="{0AEC7426-FEE0-44B5-90F3-09E9C0CC35CE}"/>
               </a:ext>
             </a:extLst>
           </p:cNvPr>
@@ -19889,7 +22485,7 @@
           <p:cNvPr id="4" name="圖片 3">
             <a:extLst>
               <a:ext uri="{FF2B5EF4-FFF2-40B4-BE49-F238E27FC236}">
-                <a16:creationId xmlns:a16="http://schemas.microsoft.com/office/drawing/2014/main" id="{6A5C0A44-452C-451D-972E-6E0BDA7D7FCB}"/>
+                <a16:creationId xmlns:a16="http://schemas.microsoft.com/office/drawing/2014/main" xmlns="" id="{6A5C0A44-452C-451D-972E-6E0BDA7D7FCB}"/>
               </a:ext>
             </a:extLst>
           </p:cNvPr>
@@ -19919,7 +22515,7 @@
           <p:cNvPr id="5" name="矩形 4">
             <a:extLst>
               <a:ext uri="{FF2B5EF4-FFF2-40B4-BE49-F238E27FC236}">
-                <a16:creationId xmlns:a16="http://schemas.microsoft.com/office/drawing/2014/main" id="{E40A4DD0-B32E-4261-91F9-36DB4304BAB9}"/>
+                <a16:creationId xmlns:a16="http://schemas.microsoft.com/office/drawing/2014/main" xmlns="" id="{E40A4DD0-B32E-4261-91F9-36DB4304BAB9}"/>
               </a:ext>
             </a:extLst>
           </p:cNvPr>
@@ -19971,7 +22567,7 @@
           <p:cNvPr id="7" name="Picture 2">
             <a:extLst>
               <a:ext uri="{FF2B5EF4-FFF2-40B4-BE49-F238E27FC236}">
-                <a16:creationId xmlns:a16="http://schemas.microsoft.com/office/drawing/2014/main" id="{7AF7CE69-1046-466D-8830-86DF4C81956F}"/>
+                <a16:creationId xmlns:a16="http://schemas.microsoft.com/office/drawing/2014/main" xmlns="" id="{7AF7CE69-1046-466D-8830-86DF4C81956F}"/>
               </a:ext>
             </a:extLst>
           </p:cNvPr>
@@ -20029,7 +22625,7 @@
           <p:cNvPr id="8" name="直線單箭頭接點 7">
             <a:extLst>
               <a:ext uri="{FF2B5EF4-FFF2-40B4-BE49-F238E27FC236}">
-                <a16:creationId xmlns:a16="http://schemas.microsoft.com/office/drawing/2014/main" id="{A2920627-4DC9-4DAB-9357-FFEBD7792760}"/>
+                <a16:creationId xmlns:a16="http://schemas.microsoft.com/office/drawing/2014/main" xmlns="" id="{A2920627-4DC9-4DAB-9357-FFEBD7792760}"/>
               </a:ext>
             </a:extLst>
           </p:cNvPr>
@@ -20071,7 +22667,7 @@
           <p:cNvPr id="9" name="直線單箭頭接點 8">
             <a:extLst>
               <a:ext uri="{FF2B5EF4-FFF2-40B4-BE49-F238E27FC236}">
-                <a16:creationId xmlns:a16="http://schemas.microsoft.com/office/drawing/2014/main" id="{9F5472DB-3040-4E23-9AF3-685BF7A352B1}"/>
+                <a16:creationId xmlns:a16="http://schemas.microsoft.com/office/drawing/2014/main" xmlns="" id="{9F5472DB-3040-4E23-9AF3-685BF7A352B1}"/>
               </a:ext>
             </a:extLst>
           </p:cNvPr>
@@ -20113,7 +22709,7 @@
           <p:cNvPr id="10" name="矩形 9">
             <a:extLst>
               <a:ext uri="{FF2B5EF4-FFF2-40B4-BE49-F238E27FC236}">
-                <a16:creationId xmlns:a16="http://schemas.microsoft.com/office/drawing/2014/main" id="{59779CBE-10B0-46D7-8244-9AF426A70D31}"/>
+                <a16:creationId xmlns:a16="http://schemas.microsoft.com/office/drawing/2014/main" xmlns="" id="{59779CBE-10B0-46D7-8244-9AF426A70D31}"/>
               </a:ext>
             </a:extLst>
           </p:cNvPr>
@@ -20174,7 +22770,7 @@
           <p:cNvPr id="11" name="圖片 10">
             <a:extLst>
               <a:ext uri="{FF2B5EF4-FFF2-40B4-BE49-F238E27FC236}">
-                <a16:creationId xmlns:a16="http://schemas.microsoft.com/office/drawing/2014/main" id="{319531C6-4F74-4B32-8642-A21BEFAA11A3}"/>
+                <a16:creationId xmlns:a16="http://schemas.microsoft.com/office/drawing/2014/main" xmlns="" id="{319531C6-4F74-4B32-8642-A21BEFAA11A3}"/>
               </a:ext>
             </a:extLst>
           </p:cNvPr>
@@ -20288,7 +22884,7 @@
           <p:cNvPr id="5" name="語音泡泡: 圓角矩形 6">
             <a:extLst>
               <a:ext uri="{FF2B5EF4-FFF2-40B4-BE49-F238E27FC236}">
-                <a16:creationId xmlns:a16="http://schemas.microsoft.com/office/drawing/2014/main" id="{E1486E0C-4024-47AF-A99B-32C763660AF4}"/>
+                <a16:creationId xmlns:a16="http://schemas.microsoft.com/office/drawing/2014/main" xmlns="" id="{E1486E0C-4024-47AF-A99B-32C763660AF4}"/>
               </a:ext>
             </a:extLst>
           </p:cNvPr>
@@ -20391,7 +22987,7 @@
           <p:cNvPr id="6" name="語音泡泡: 圓角矩形 6">
             <a:extLst>
               <a:ext uri="{FF2B5EF4-FFF2-40B4-BE49-F238E27FC236}">
-                <a16:creationId xmlns:a16="http://schemas.microsoft.com/office/drawing/2014/main" id="{E1486E0C-4024-47AF-A99B-32C763660AF4}"/>
+                <a16:creationId xmlns:a16="http://schemas.microsoft.com/office/drawing/2014/main" xmlns="" id="{E1486E0C-4024-47AF-A99B-32C763660AF4}"/>
               </a:ext>
             </a:extLst>
           </p:cNvPr>
@@ -20474,7 +23070,7 @@
           <p:cNvPr id="7" name="語音泡泡: 圓角矩形 6">
             <a:extLst>
               <a:ext uri="{FF2B5EF4-FFF2-40B4-BE49-F238E27FC236}">
-                <a16:creationId xmlns:a16="http://schemas.microsoft.com/office/drawing/2014/main" id="{E1486E0C-4024-47AF-A99B-32C763660AF4}"/>
+                <a16:creationId xmlns:a16="http://schemas.microsoft.com/office/drawing/2014/main" xmlns="" id="{E1486E0C-4024-47AF-A99B-32C763660AF4}"/>
               </a:ext>
             </a:extLst>
           </p:cNvPr>
@@ -20634,7 +23230,7 @@
           <p:cNvPr id="2" name="矩形 1">
             <a:extLst>
               <a:ext uri="{FF2B5EF4-FFF2-40B4-BE49-F238E27FC236}">
-                <a16:creationId xmlns:a16="http://schemas.microsoft.com/office/drawing/2014/main" id="{83003822-AF1D-49C8-A26D-B392E027C792}"/>
+                <a16:creationId xmlns:a16="http://schemas.microsoft.com/office/drawing/2014/main" xmlns="" id="{83003822-AF1D-49C8-A26D-B392E027C792}"/>
               </a:ext>
             </a:extLst>
           </p:cNvPr>
@@ -20690,7 +23286,7 @@
           <p:cNvPr id="9" name="語音泡泡: 圓角矩形 8">
             <a:extLst>
               <a:ext uri="{FF2B5EF4-FFF2-40B4-BE49-F238E27FC236}">
-                <a16:creationId xmlns:a16="http://schemas.microsoft.com/office/drawing/2014/main" id="{CECB12D8-92A4-4EB8-9B34-574ADF32B763}"/>
+                <a16:creationId xmlns:a16="http://schemas.microsoft.com/office/drawing/2014/main" xmlns="" id="{CECB12D8-92A4-4EB8-9B34-574ADF32B763}"/>
               </a:ext>
             </a:extLst>
           </p:cNvPr>
@@ -20853,7 +23449,7 @@
           <p:cNvPr id="4" name="Picture 2">
             <a:extLst>
               <a:ext uri="{FF2B5EF4-FFF2-40B4-BE49-F238E27FC236}">
-                <a16:creationId xmlns:a16="http://schemas.microsoft.com/office/drawing/2014/main" id="{907E60C6-2D42-40DA-8FBB-2E25D65D3116}"/>
+                <a16:creationId xmlns:a16="http://schemas.microsoft.com/office/drawing/2014/main" xmlns="" id="{907E60C6-2D42-40DA-8FBB-2E25D65D3116}"/>
               </a:ext>
             </a:extLst>
           </p:cNvPr>
@@ -20913,7 +23509,7 @@
           <p:cNvPr id="5" name="矩形 4">
             <a:extLst>
               <a:ext uri="{FF2B5EF4-FFF2-40B4-BE49-F238E27FC236}">
-                <a16:creationId xmlns:a16="http://schemas.microsoft.com/office/drawing/2014/main" id="{DCA9ABC3-6F29-437F-B9D0-F2759C3712B8}"/>
+                <a16:creationId xmlns:a16="http://schemas.microsoft.com/office/drawing/2014/main" xmlns="" id="{DCA9ABC3-6F29-437F-B9D0-F2759C3712B8}"/>
               </a:ext>
             </a:extLst>
           </p:cNvPr>
@@ -20980,7 +23576,7 @@
           <p:cNvPr id="6" name="矩形 5">
             <a:extLst>
               <a:ext uri="{FF2B5EF4-FFF2-40B4-BE49-F238E27FC236}">
-                <a16:creationId xmlns:a16="http://schemas.microsoft.com/office/drawing/2014/main" id="{E5BCEFE5-8B4A-4FA7-9404-2A409BC66F9C}"/>
+                <a16:creationId xmlns:a16="http://schemas.microsoft.com/office/drawing/2014/main" xmlns="" id="{E5BCEFE5-8B4A-4FA7-9404-2A409BC66F9C}"/>
               </a:ext>
             </a:extLst>
           </p:cNvPr>
@@ -21333,7 +23929,7 @@
   <a:extraClrSchemeLst/>
   <a:extLst>
     <a:ext uri="{05A4C25C-085E-4340-85A3-A5531E510DB2}">
-      <thm15:themeFamily xmlns:thm15="http://schemas.microsoft.com/office/thememl/2012/main" name="Office Theme" id="{62F939B6-93AF-4DB8-9C6B-D6C7DFDC589F}" vid="{4A3C46E8-61CC-4603-A589-7422A47A8E4A}"/>
+      <thm15:themeFamily xmlns:thm15="http://schemas.microsoft.com/office/thememl/2012/main" xmlns="" name="Office Theme" id="{62F939B6-93AF-4DB8-9C6B-D6C7DFDC589F}" vid="{4A3C46E8-61CC-4603-A589-7422A47A8E4A}"/>
     </a:ext>
   </a:extLst>
 </a:theme>

--- a/筆記.pptx
+++ b/筆記.pptx
@@ -46,8 +46,9 @@
     <p:sldId id="296" r:id="rId40"/>
     <p:sldId id="297" r:id="rId41"/>
     <p:sldId id="298" r:id="rId42"/>
-    <p:sldId id="299" r:id="rId43"/>
-    <p:sldId id="300" r:id="rId44"/>
+    <p:sldId id="301" r:id="rId43"/>
+    <p:sldId id="299" r:id="rId44"/>
+    <p:sldId id="300" r:id="rId45"/>
   </p:sldIdLst>
   <p:sldSz cx="12192000" cy="6858000"/>
   <p:notesSz cx="6858000" cy="9144000"/>
@@ -148,7 +149,7 @@
   </p:defaultTextStyle>
   <p:extLst>
     <p:ext uri="{EFAFB233-063F-42B5-8137-9DF3F51BA10A}">
-      <p15:sldGuideLst xmlns:p15="http://schemas.microsoft.com/office/powerpoint/2012/main" xmlns="">
+      <p15:sldGuideLst xmlns="" xmlns:p15="http://schemas.microsoft.com/office/powerpoint/2012/main">
         <p15:guide id="1" orient="horz" pos="2160">
           <p15:clr>
             <a:srgbClr val="A4A3A4"/>
@@ -191,7 +192,7 @@
           <p:cNvPr id="2" name="標題 1">
             <a:extLst>
               <a:ext uri="{FF2B5EF4-FFF2-40B4-BE49-F238E27FC236}">
-                <a16:creationId xmlns:a16="http://schemas.microsoft.com/office/drawing/2014/main" xmlns="" id="{1198393F-506E-42F3-9FA2-C5A7116197F9}"/>
+                <a16:creationId xmlns="" xmlns:a16="http://schemas.microsoft.com/office/drawing/2014/main" id="{1198393F-506E-42F3-9FA2-C5A7116197F9}"/>
               </a:ext>
             </a:extLst>
           </p:cNvPr>
@@ -228,7 +229,7 @@
           <p:cNvPr id="3" name="副標題 2">
             <a:extLst>
               <a:ext uri="{FF2B5EF4-FFF2-40B4-BE49-F238E27FC236}">
-                <a16:creationId xmlns:a16="http://schemas.microsoft.com/office/drawing/2014/main" xmlns="" id="{EEA0432F-353E-42BB-9B17-1D182533D439}"/>
+                <a16:creationId xmlns="" xmlns:a16="http://schemas.microsoft.com/office/drawing/2014/main" id="{EEA0432F-353E-42BB-9B17-1D182533D439}"/>
               </a:ext>
             </a:extLst>
           </p:cNvPr>
@@ -298,7 +299,7 @@
           <p:cNvPr id="4" name="日期版面配置區 3">
             <a:extLst>
               <a:ext uri="{FF2B5EF4-FFF2-40B4-BE49-F238E27FC236}">
-                <a16:creationId xmlns:a16="http://schemas.microsoft.com/office/drawing/2014/main" xmlns="" id="{B4CDE810-493D-4C49-B8ED-9436B09EAE24}"/>
+                <a16:creationId xmlns="" xmlns:a16="http://schemas.microsoft.com/office/drawing/2014/main" id="{B4CDE810-493D-4C49-B8ED-9436B09EAE24}"/>
               </a:ext>
             </a:extLst>
           </p:cNvPr>
@@ -316,7 +317,7 @@
           <a:p>
             <a:fld id="{1983F8DA-040C-4179-8EC3-2597626DD22D}" type="datetimeFigureOut">
               <a:rPr lang="zh-TW" altLang="en-US" smtClean="0"/>
-              <a:t>2018/5/14</a:t>
+              <a:t>2018/5/15</a:t>
             </a:fld>
             <a:endParaRPr lang="zh-TW" altLang="en-US"/>
           </a:p>
@@ -327,7 +328,7 @@
           <p:cNvPr id="5" name="頁尾版面配置區 4">
             <a:extLst>
               <a:ext uri="{FF2B5EF4-FFF2-40B4-BE49-F238E27FC236}">
-                <a16:creationId xmlns:a16="http://schemas.microsoft.com/office/drawing/2014/main" xmlns="" id="{AF2EE26C-5BD5-49B3-AFA9-F3AD51DF851F}"/>
+                <a16:creationId xmlns="" xmlns:a16="http://schemas.microsoft.com/office/drawing/2014/main" id="{AF2EE26C-5BD5-49B3-AFA9-F3AD51DF851F}"/>
               </a:ext>
             </a:extLst>
           </p:cNvPr>
@@ -352,7 +353,7 @@
           <p:cNvPr id="6" name="投影片編號版面配置區 5">
             <a:extLst>
               <a:ext uri="{FF2B5EF4-FFF2-40B4-BE49-F238E27FC236}">
-                <a16:creationId xmlns:a16="http://schemas.microsoft.com/office/drawing/2014/main" xmlns="" id="{8E168F88-A195-4F77-9EB7-45BBA865904A}"/>
+                <a16:creationId xmlns="" xmlns:a16="http://schemas.microsoft.com/office/drawing/2014/main" id="{8E168F88-A195-4F77-9EB7-45BBA865904A}"/>
               </a:ext>
             </a:extLst>
           </p:cNvPr>
@@ -411,7 +412,7 @@
           <p:cNvPr id="2" name="標題 1">
             <a:extLst>
               <a:ext uri="{FF2B5EF4-FFF2-40B4-BE49-F238E27FC236}">
-                <a16:creationId xmlns:a16="http://schemas.microsoft.com/office/drawing/2014/main" xmlns="" id="{8FBAA53A-84EC-4393-9448-9CAE254CA709}"/>
+                <a16:creationId xmlns="" xmlns:a16="http://schemas.microsoft.com/office/drawing/2014/main" id="{8FBAA53A-84EC-4393-9448-9CAE254CA709}"/>
               </a:ext>
             </a:extLst>
           </p:cNvPr>
@@ -439,7 +440,7 @@
           <p:cNvPr id="3" name="直排文字版面配置區 2">
             <a:extLst>
               <a:ext uri="{FF2B5EF4-FFF2-40B4-BE49-F238E27FC236}">
-                <a16:creationId xmlns:a16="http://schemas.microsoft.com/office/drawing/2014/main" xmlns="" id="{AE87E7FC-8712-4D20-BEFC-C406303758C0}"/>
+                <a16:creationId xmlns="" xmlns:a16="http://schemas.microsoft.com/office/drawing/2014/main" id="{AE87E7FC-8712-4D20-BEFC-C406303758C0}"/>
               </a:ext>
             </a:extLst>
           </p:cNvPr>
@@ -496,7 +497,7 @@
           <p:cNvPr id="4" name="日期版面配置區 3">
             <a:extLst>
               <a:ext uri="{FF2B5EF4-FFF2-40B4-BE49-F238E27FC236}">
-                <a16:creationId xmlns:a16="http://schemas.microsoft.com/office/drawing/2014/main" xmlns="" id="{B587C640-CE34-4DCB-A779-FECBEAE9BA40}"/>
+                <a16:creationId xmlns="" xmlns:a16="http://schemas.microsoft.com/office/drawing/2014/main" id="{B587C640-CE34-4DCB-A779-FECBEAE9BA40}"/>
               </a:ext>
             </a:extLst>
           </p:cNvPr>
@@ -514,7 +515,7 @@
           <a:p>
             <a:fld id="{1983F8DA-040C-4179-8EC3-2597626DD22D}" type="datetimeFigureOut">
               <a:rPr lang="zh-TW" altLang="en-US" smtClean="0"/>
-              <a:t>2018/5/14</a:t>
+              <a:t>2018/5/15</a:t>
             </a:fld>
             <a:endParaRPr lang="zh-TW" altLang="en-US"/>
           </a:p>
@@ -525,7 +526,7 @@
           <p:cNvPr id="5" name="頁尾版面配置區 4">
             <a:extLst>
               <a:ext uri="{FF2B5EF4-FFF2-40B4-BE49-F238E27FC236}">
-                <a16:creationId xmlns:a16="http://schemas.microsoft.com/office/drawing/2014/main" xmlns="" id="{3A88C654-BC98-4205-83C0-BE29BA5200CC}"/>
+                <a16:creationId xmlns="" xmlns:a16="http://schemas.microsoft.com/office/drawing/2014/main" id="{3A88C654-BC98-4205-83C0-BE29BA5200CC}"/>
               </a:ext>
             </a:extLst>
           </p:cNvPr>
@@ -550,7 +551,7 @@
           <p:cNvPr id="6" name="投影片編號版面配置區 5">
             <a:extLst>
               <a:ext uri="{FF2B5EF4-FFF2-40B4-BE49-F238E27FC236}">
-                <a16:creationId xmlns:a16="http://schemas.microsoft.com/office/drawing/2014/main" xmlns="" id="{9324F803-7C42-4F87-9C7E-B76C231F75D8}"/>
+                <a16:creationId xmlns="" xmlns:a16="http://schemas.microsoft.com/office/drawing/2014/main" id="{9324F803-7C42-4F87-9C7E-B76C231F75D8}"/>
               </a:ext>
             </a:extLst>
           </p:cNvPr>
@@ -609,7 +610,7 @@
           <p:cNvPr id="2" name="直排標題 1">
             <a:extLst>
               <a:ext uri="{FF2B5EF4-FFF2-40B4-BE49-F238E27FC236}">
-                <a16:creationId xmlns:a16="http://schemas.microsoft.com/office/drawing/2014/main" xmlns="" id="{9BAC39AB-F732-4CC0-B422-B26720BFCF3B}"/>
+                <a16:creationId xmlns="" xmlns:a16="http://schemas.microsoft.com/office/drawing/2014/main" id="{9BAC39AB-F732-4CC0-B422-B26720BFCF3B}"/>
               </a:ext>
             </a:extLst>
           </p:cNvPr>
@@ -642,7 +643,7 @@
           <p:cNvPr id="3" name="直排文字版面配置區 2">
             <a:extLst>
               <a:ext uri="{FF2B5EF4-FFF2-40B4-BE49-F238E27FC236}">
-                <a16:creationId xmlns:a16="http://schemas.microsoft.com/office/drawing/2014/main" xmlns="" id="{FBC3752A-000A-4A33-B236-B8F23F6605B3}"/>
+                <a16:creationId xmlns="" xmlns:a16="http://schemas.microsoft.com/office/drawing/2014/main" id="{FBC3752A-000A-4A33-B236-B8F23F6605B3}"/>
               </a:ext>
             </a:extLst>
           </p:cNvPr>
@@ -704,7 +705,7 @@
           <p:cNvPr id="4" name="日期版面配置區 3">
             <a:extLst>
               <a:ext uri="{FF2B5EF4-FFF2-40B4-BE49-F238E27FC236}">
-                <a16:creationId xmlns:a16="http://schemas.microsoft.com/office/drawing/2014/main" xmlns="" id="{601FE94D-9366-4936-84EE-5985F9DEC92E}"/>
+                <a16:creationId xmlns="" xmlns:a16="http://schemas.microsoft.com/office/drawing/2014/main" id="{601FE94D-9366-4936-84EE-5985F9DEC92E}"/>
               </a:ext>
             </a:extLst>
           </p:cNvPr>
@@ -722,7 +723,7 @@
           <a:p>
             <a:fld id="{1983F8DA-040C-4179-8EC3-2597626DD22D}" type="datetimeFigureOut">
               <a:rPr lang="zh-TW" altLang="en-US" smtClean="0"/>
-              <a:t>2018/5/14</a:t>
+              <a:t>2018/5/15</a:t>
             </a:fld>
             <a:endParaRPr lang="zh-TW" altLang="en-US"/>
           </a:p>
@@ -733,7 +734,7 @@
           <p:cNvPr id="5" name="頁尾版面配置區 4">
             <a:extLst>
               <a:ext uri="{FF2B5EF4-FFF2-40B4-BE49-F238E27FC236}">
-                <a16:creationId xmlns:a16="http://schemas.microsoft.com/office/drawing/2014/main" xmlns="" id="{AFE29EB2-FAEB-4546-98D7-92EED2E8B0DB}"/>
+                <a16:creationId xmlns="" xmlns:a16="http://schemas.microsoft.com/office/drawing/2014/main" id="{AFE29EB2-FAEB-4546-98D7-92EED2E8B0DB}"/>
               </a:ext>
             </a:extLst>
           </p:cNvPr>
@@ -758,7 +759,7 @@
           <p:cNvPr id="6" name="投影片編號版面配置區 5">
             <a:extLst>
               <a:ext uri="{FF2B5EF4-FFF2-40B4-BE49-F238E27FC236}">
-                <a16:creationId xmlns:a16="http://schemas.microsoft.com/office/drawing/2014/main" xmlns="" id="{622F40B8-7D29-4D01-9DBE-D704BBD2C699}"/>
+                <a16:creationId xmlns="" xmlns:a16="http://schemas.microsoft.com/office/drawing/2014/main" id="{622F40B8-7D29-4D01-9DBE-D704BBD2C699}"/>
               </a:ext>
             </a:extLst>
           </p:cNvPr>
@@ -817,7 +818,7 @@
           <p:cNvPr id="2" name="標題 1">
             <a:extLst>
               <a:ext uri="{FF2B5EF4-FFF2-40B4-BE49-F238E27FC236}">
-                <a16:creationId xmlns:a16="http://schemas.microsoft.com/office/drawing/2014/main" xmlns="" id="{1A3F3828-BD0A-4B81-A984-81DFE4E59A58}"/>
+                <a16:creationId xmlns="" xmlns:a16="http://schemas.microsoft.com/office/drawing/2014/main" id="{1A3F3828-BD0A-4B81-A984-81DFE4E59A58}"/>
               </a:ext>
             </a:extLst>
           </p:cNvPr>
@@ -845,7 +846,7 @@
           <p:cNvPr id="3" name="內容版面配置區 2">
             <a:extLst>
               <a:ext uri="{FF2B5EF4-FFF2-40B4-BE49-F238E27FC236}">
-                <a16:creationId xmlns:a16="http://schemas.microsoft.com/office/drawing/2014/main" xmlns="" id="{0EC8A2A9-2912-4BFA-BCDF-32962C0BB2A3}"/>
+                <a16:creationId xmlns="" xmlns:a16="http://schemas.microsoft.com/office/drawing/2014/main" id="{0EC8A2A9-2912-4BFA-BCDF-32962C0BB2A3}"/>
               </a:ext>
             </a:extLst>
           </p:cNvPr>
@@ -902,7 +903,7 @@
           <p:cNvPr id="4" name="日期版面配置區 3">
             <a:extLst>
               <a:ext uri="{FF2B5EF4-FFF2-40B4-BE49-F238E27FC236}">
-                <a16:creationId xmlns:a16="http://schemas.microsoft.com/office/drawing/2014/main" xmlns="" id="{9B3D757A-635C-497E-9BA1-32A5E7FCE7F6}"/>
+                <a16:creationId xmlns="" xmlns:a16="http://schemas.microsoft.com/office/drawing/2014/main" id="{9B3D757A-635C-497E-9BA1-32A5E7FCE7F6}"/>
               </a:ext>
             </a:extLst>
           </p:cNvPr>
@@ -920,7 +921,7 @@
           <a:p>
             <a:fld id="{1983F8DA-040C-4179-8EC3-2597626DD22D}" type="datetimeFigureOut">
               <a:rPr lang="zh-TW" altLang="en-US" smtClean="0"/>
-              <a:t>2018/5/14</a:t>
+              <a:t>2018/5/15</a:t>
             </a:fld>
             <a:endParaRPr lang="zh-TW" altLang="en-US"/>
           </a:p>
@@ -931,7 +932,7 @@
           <p:cNvPr id="5" name="頁尾版面配置區 4">
             <a:extLst>
               <a:ext uri="{FF2B5EF4-FFF2-40B4-BE49-F238E27FC236}">
-                <a16:creationId xmlns:a16="http://schemas.microsoft.com/office/drawing/2014/main" xmlns="" id="{1F5A3E80-D4D4-44B5-8BBD-0365A50F04B9}"/>
+                <a16:creationId xmlns="" xmlns:a16="http://schemas.microsoft.com/office/drawing/2014/main" id="{1F5A3E80-D4D4-44B5-8BBD-0365A50F04B9}"/>
               </a:ext>
             </a:extLst>
           </p:cNvPr>
@@ -956,7 +957,7 @@
           <p:cNvPr id="6" name="投影片編號版面配置區 5">
             <a:extLst>
               <a:ext uri="{FF2B5EF4-FFF2-40B4-BE49-F238E27FC236}">
-                <a16:creationId xmlns:a16="http://schemas.microsoft.com/office/drawing/2014/main" xmlns="" id="{2AC6233F-BFA6-42D3-8283-2F071C9CAF2D}"/>
+                <a16:creationId xmlns="" xmlns:a16="http://schemas.microsoft.com/office/drawing/2014/main" id="{2AC6233F-BFA6-42D3-8283-2F071C9CAF2D}"/>
               </a:ext>
             </a:extLst>
           </p:cNvPr>
@@ -1015,7 +1016,7 @@
           <p:cNvPr id="2" name="標題 1">
             <a:extLst>
               <a:ext uri="{FF2B5EF4-FFF2-40B4-BE49-F238E27FC236}">
-                <a16:creationId xmlns:a16="http://schemas.microsoft.com/office/drawing/2014/main" xmlns="" id="{693186E9-1AB3-46F6-91DF-3B08ED2ACD00}"/>
+                <a16:creationId xmlns="" xmlns:a16="http://schemas.microsoft.com/office/drawing/2014/main" id="{693186E9-1AB3-46F6-91DF-3B08ED2ACD00}"/>
               </a:ext>
             </a:extLst>
           </p:cNvPr>
@@ -1052,7 +1053,7 @@
           <p:cNvPr id="3" name="文字版面配置區 2">
             <a:extLst>
               <a:ext uri="{FF2B5EF4-FFF2-40B4-BE49-F238E27FC236}">
-                <a16:creationId xmlns:a16="http://schemas.microsoft.com/office/drawing/2014/main" xmlns="" id="{0D1B0F2E-115D-4029-BEC4-14D342BEF1B6}"/>
+                <a16:creationId xmlns="" xmlns:a16="http://schemas.microsoft.com/office/drawing/2014/main" id="{0D1B0F2E-115D-4029-BEC4-14D342BEF1B6}"/>
               </a:ext>
             </a:extLst>
           </p:cNvPr>
@@ -1177,7 +1178,7 @@
           <p:cNvPr id="4" name="日期版面配置區 3">
             <a:extLst>
               <a:ext uri="{FF2B5EF4-FFF2-40B4-BE49-F238E27FC236}">
-                <a16:creationId xmlns:a16="http://schemas.microsoft.com/office/drawing/2014/main" xmlns="" id="{53C6FD83-AA37-48FE-89EF-284F407D699D}"/>
+                <a16:creationId xmlns="" xmlns:a16="http://schemas.microsoft.com/office/drawing/2014/main" id="{53C6FD83-AA37-48FE-89EF-284F407D699D}"/>
               </a:ext>
             </a:extLst>
           </p:cNvPr>
@@ -1195,7 +1196,7 @@
           <a:p>
             <a:fld id="{1983F8DA-040C-4179-8EC3-2597626DD22D}" type="datetimeFigureOut">
               <a:rPr lang="zh-TW" altLang="en-US" smtClean="0"/>
-              <a:t>2018/5/14</a:t>
+              <a:t>2018/5/15</a:t>
             </a:fld>
             <a:endParaRPr lang="zh-TW" altLang="en-US"/>
           </a:p>
@@ -1206,7 +1207,7 @@
           <p:cNvPr id="5" name="頁尾版面配置區 4">
             <a:extLst>
               <a:ext uri="{FF2B5EF4-FFF2-40B4-BE49-F238E27FC236}">
-                <a16:creationId xmlns:a16="http://schemas.microsoft.com/office/drawing/2014/main" xmlns="" id="{0A45A3BE-CDD8-4584-A65F-0CCEFC3FC53D}"/>
+                <a16:creationId xmlns="" xmlns:a16="http://schemas.microsoft.com/office/drawing/2014/main" id="{0A45A3BE-CDD8-4584-A65F-0CCEFC3FC53D}"/>
               </a:ext>
             </a:extLst>
           </p:cNvPr>
@@ -1231,7 +1232,7 @@
           <p:cNvPr id="6" name="投影片編號版面配置區 5">
             <a:extLst>
               <a:ext uri="{FF2B5EF4-FFF2-40B4-BE49-F238E27FC236}">
-                <a16:creationId xmlns:a16="http://schemas.microsoft.com/office/drawing/2014/main" xmlns="" id="{D03CAF72-F7A0-490C-8F2C-45718C95BC17}"/>
+                <a16:creationId xmlns="" xmlns:a16="http://schemas.microsoft.com/office/drawing/2014/main" id="{D03CAF72-F7A0-490C-8F2C-45718C95BC17}"/>
               </a:ext>
             </a:extLst>
           </p:cNvPr>
@@ -1290,7 +1291,7 @@
           <p:cNvPr id="2" name="標題 1">
             <a:extLst>
               <a:ext uri="{FF2B5EF4-FFF2-40B4-BE49-F238E27FC236}">
-                <a16:creationId xmlns:a16="http://schemas.microsoft.com/office/drawing/2014/main" xmlns="" id="{A9FB1FFE-288D-46F4-838A-0824C9C36B3F}"/>
+                <a16:creationId xmlns="" xmlns:a16="http://schemas.microsoft.com/office/drawing/2014/main" id="{A9FB1FFE-288D-46F4-838A-0824C9C36B3F}"/>
               </a:ext>
             </a:extLst>
           </p:cNvPr>
@@ -1318,7 +1319,7 @@
           <p:cNvPr id="3" name="內容版面配置區 2">
             <a:extLst>
               <a:ext uri="{FF2B5EF4-FFF2-40B4-BE49-F238E27FC236}">
-                <a16:creationId xmlns:a16="http://schemas.microsoft.com/office/drawing/2014/main" xmlns="" id="{84E6D906-22CF-4F86-9C57-0AADC9D52019}"/>
+                <a16:creationId xmlns="" xmlns:a16="http://schemas.microsoft.com/office/drawing/2014/main" id="{84E6D906-22CF-4F86-9C57-0AADC9D52019}"/>
               </a:ext>
             </a:extLst>
           </p:cNvPr>
@@ -1380,7 +1381,7 @@
           <p:cNvPr id="4" name="內容版面配置區 3">
             <a:extLst>
               <a:ext uri="{FF2B5EF4-FFF2-40B4-BE49-F238E27FC236}">
-                <a16:creationId xmlns:a16="http://schemas.microsoft.com/office/drawing/2014/main" xmlns="" id="{905BDD05-1E92-49F7-8524-2E69E5C3E44B}"/>
+                <a16:creationId xmlns="" xmlns:a16="http://schemas.microsoft.com/office/drawing/2014/main" id="{905BDD05-1E92-49F7-8524-2E69E5C3E44B}"/>
               </a:ext>
             </a:extLst>
           </p:cNvPr>
@@ -1442,7 +1443,7 @@
           <p:cNvPr id="5" name="日期版面配置區 4">
             <a:extLst>
               <a:ext uri="{FF2B5EF4-FFF2-40B4-BE49-F238E27FC236}">
-                <a16:creationId xmlns:a16="http://schemas.microsoft.com/office/drawing/2014/main" xmlns="" id="{97422E4D-D418-4B8A-9EF5-529BC9720D27}"/>
+                <a16:creationId xmlns="" xmlns:a16="http://schemas.microsoft.com/office/drawing/2014/main" id="{97422E4D-D418-4B8A-9EF5-529BC9720D27}"/>
               </a:ext>
             </a:extLst>
           </p:cNvPr>
@@ -1460,7 +1461,7 @@
           <a:p>
             <a:fld id="{1983F8DA-040C-4179-8EC3-2597626DD22D}" type="datetimeFigureOut">
               <a:rPr lang="zh-TW" altLang="en-US" smtClean="0"/>
-              <a:t>2018/5/14</a:t>
+              <a:t>2018/5/15</a:t>
             </a:fld>
             <a:endParaRPr lang="zh-TW" altLang="en-US"/>
           </a:p>
@@ -1471,7 +1472,7 @@
           <p:cNvPr id="6" name="頁尾版面配置區 5">
             <a:extLst>
               <a:ext uri="{FF2B5EF4-FFF2-40B4-BE49-F238E27FC236}">
-                <a16:creationId xmlns:a16="http://schemas.microsoft.com/office/drawing/2014/main" xmlns="" id="{F1BD7C8D-CE3E-4C0F-B2B9-E51DCA1CB4B2}"/>
+                <a16:creationId xmlns="" xmlns:a16="http://schemas.microsoft.com/office/drawing/2014/main" id="{F1BD7C8D-CE3E-4C0F-B2B9-E51DCA1CB4B2}"/>
               </a:ext>
             </a:extLst>
           </p:cNvPr>
@@ -1496,7 +1497,7 @@
           <p:cNvPr id="7" name="投影片編號版面配置區 6">
             <a:extLst>
               <a:ext uri="{FF2B5EF4-FFF2-40B4-BE49-F238E27FC236}">
-                <a16:creationId xmlns:a16="http://schemas.microsoft.com/office/drawing/2014/main" xmlns="" id="{5BBA102D-360B-4EE5-BDFC-FEC0D8638667}"/>
+                <a16:creationId xmlns="" xmlns:a16="http://schemas.microsoft.com/office/drawing/2014/main" id="{5BBA102D-360B-4EE5-BDFC-FEC0D8638667}"/>
               </a:ext>
             </a:extLst>
           </p:cNvPr>
@@ -1555,7 +1556,7 @@
           <p:cNvPr id="2" name="標題 1">
             <a:extLst>
               <a:ext uri="{FF2B5EF4-FFF2-40B4-BE49-F238E27FC236}">
-                <a16:creationId xmlns:a16="http://schemas.microsoft.com/office/drawing/2014/main" xmlns="" id="{4AD70CB9-5A3B-467D-8944-4DC5A90DBE6E}"/>
+                <a16:creationId xmlns="" xmlns:a16="http://schemas.microsoft.com/office/drawing/2014/main" id="{4AD70CB9-5A3B-467D-8944-4DC5A90DBE6E}"/>
               </a:ext>
             </a:extLst>
           </p:cNvPr>
@@ -1588,7 +1589,7 @@
           <p:cNvPr id="3" name="文字版面配置區 2">
             <a:extLst>
               <a:ext uri="{FF2B5EF4-FFF2-40B4-BE49-F238E27FC236}">
-                <a16:creationId xmlns:a16="http://schemas.microsoft.com/office/drawing/2014/main" xmlns="" id="{A3775FAB-53FE-40CC-A723-777B55828725}"/>
+                <a16:creationId xmlns="" xmlns:a16="http://schemas.microsoft.com/office/drawing/2014/main" id="{A3775FAB-53FE-40CC-A723-777B55828725}"/>
               </a:ext>
             </a:extLst>
           </p:cNvPr>
@@ -1659,7 +1660,7 @@
           <p:cNvPr id="4" name="內容版面配置區 3">
             <a:extLst>
               <a:ext uri="{FF2B5EF4-FFF2-40B4-BE49-F238E27FC236}">
-                <a16:creationId xmlns:a16="http://schemas.microsoft.com/office/drawing/2014/main" xmlns="" id="{1B6FF27E-92E8-4038-AC25-286B2F1293E0}"/>
+                <a16:creationId xmlns="" xmlns:a16="http://schemas.microsoft.com/office/drawing/2014/main" id="{1B6FF27E-92E8-4038-AC25-286B2F1293E0}"/>
               </a:ext>
             </a:extLst>
           </p:cNvPr>
@@ -1721,7 +1722,7 @@
           <p:cNvPr id="5" name="文字版面配置區 4">
             <a:extLst>
               <a:ext uri="{FF2B5EF4-FFF2-40B4-BE49-F238E27FC236}">
-                <a16:creationId xmlns:a16="http://schemas.microsoft.com/office/drawing/2014/main" xmlns="" id="{F05571B1-5586-4BC5-8497-CBBAFEF07011}"/>
+                <a16:creationId xmlns="" xmlns:a16="http://schemas.microsoft.com/office/drawing/2014/main" id="{F05571B1-5586-4BC5-8497-CBBAFEF07011}"/>
               </a:ext>
             </a:extLst>
           </p:cNvPr>
@@ -1792,7 +1793,7 @@
           <p:cNvPr id="6" name="內容版面配置區 5">
             <a:extLst>
               <a:ext uri="{FF2B5EF4-FFF2-40B4-BE49-F238E27FC236}">
-                <a16:creationId xmlns:a16="http://schemas.microsoft.com/office/drawing/2014/main" xmlns="" id="{3163290B-F505-41DA-A556-93FAE747E744}"/>
+                <a16:creationId xmlns="" xmlns:a16="http://schemas.microsoft.com/office/drawing/2014/main" id="{3163290B-F505-41DA-A556-93FAE747E744}"/>
               </a:ext>
             </a:extLst>
           </p:cNvPr>
@@ -1854,7 +1855,7 @@
           <p:cNvPr id="7" name="日期版面配置區 6">
             <a:extLst>
               <a:ext uri="{FF2B5EF4-FFF2-40B4-BE49-F238E27FC236}">
-                <a16:creationId xmlns:a16="http://schemas.microsoft.com/office/drawing/2014/main" xmlns="" id="{2B929A61-93D8-4176-9436-DEA4C8AA337D}"/>
+                <a16:creationId xmlns="" xmlns:a16="http://schemas.microsoft.com/office/drawing/2014/main" id="{2B929A61-93D8-4176-9436-DEA4C8AA337D}"/>
               </a:ext>
             </a:extLst>
           </p:cNvPr>
@@ -1872,7 +1873,7 @@
           <a:p>
             <a:fld id="{1983F8DA-040C-4179-8EC3-2597626DD22D}" type="datetimeFigureOut">
               <a:rPr lang="zh-TW" altLang="en-US" smtClean="0"/>
-              <a:t>2018/5/14</a:t>
+              <a:t>2018/5/15</a:t>
             </a:fld>
             <a:endParaRPr lang="zh-TW" altLang="en-US"/>
           </a:p>
@@ -1883,7 +1884,7 @@
           <p:cNvPr id="8" name="頁尾版面配置區 7">
             <a:extLst>
               <a:ext uri="{FF2B5EF4-FFF2-40B4-BE49-F238E27FC236}">
-                <a16:creationId xmlns:a16="http://schemas.microsoft.com/office/drawing/2014/main" xmlns="" id="{CB0BDEC3-882A-40E1-9AD7-9CADC5149370}"/>
+                <a16:creationId xmlns="" xmlns:a16="http://schemas.microsoft.com/office/drawing/2014/main" id="{CB0BDEC3-882A-40E1-9AD7-9CADC5149370}"/>
               </a:ext>
             </a:extLst>
           </p:cNvPr>
@@ -1908,7 +1909,7 @@
           <p:cNvPr id="9" name="投影片編號版面配置區 8">
             <a:extLst>
               <a:ext uri="{FF2B5EF4-FFF2-40B4-BE49-F238E27FC236}">
-                <a16:creationId xmlns:a16="http://schemas.microsoft.com/office/drawing/2014/main" xmlns="" id="{E649F777-8B0B-4E07-8789-213A9EA269D5}"/>
+                <a16:creationId xmlns="" xmlns:a16="http://schemas.microsoft.com/office/drawing/2014/main" id="{E649F777-8B0B-4E07-8789-213A9EA269D5}"/>
               </a:ext>
             </a:extLst>
           </p:cNvPr>
@@ -1967,7 +1968,7 @@
           <p:cNvPr id="2" name="標題 1">
             <a:extLst>
               <a:ext uri="{FF2B5EF4-FFF2-40B4-BE49-F238E27FC236}">
-                <a16:creationId xmlns:a16="http://schemas.microsoft.com/office/drawing/2014/main" xmlns="" id="{3190E325-266A-4F95-A6CE-C45234A1222B}"/>
+                <a16:creationId xmlns="" xmlns:a16="http://schemas.microsoft.com/office/drawing/2014/main" id="{3190E325-266A-4F95-A6CE-C45234A1222B}"/>
               </a:ext>
             </a:extLst>
           </p:cNvPr>
@@ -1995,7 +1996,7 @@
           <p:cNvPr id="3" name="日期版面配置區 2">
             <a:extLst>
               <a:ext uri="{FF2B5EF4-FFF2-40B4-BE49-F238E27FC236}">
-                <a16:creationId xmlns:a16="http://schemas.microsoft.com/office/drawing/2014/main" xmlns="" id="{EA3CE308-4CE4-4A55-8AFF-261766BDA14C}"/>
+                <a16:creationId xmlns="" xmlns:a16="http://schemas.microsoft.com/office/drawing/2014/main" id="{EA3CE308-4CE4-4A55-8AFF-261766BDA14C}"/>
               </a:ext>
             </a:extLst>
           </p:cNvPr>
@@ -2013,7 +2014,7 @@
           <a:p>
             <a:fld id="{1983F8DA-040C-4179-8EC3-2597626DD22D}" type="datetimeFigureOut">
               <a:rPr lang="zh-TW" altLang="en-US" smtClean="0"/>
-              <a:t>2018/5/14</a:t>
+              <a:t>2018/5/15</a:t>
             </a:fld>
             <a:endParaRPr lang="zh-TW" altLang="en-US"/>
           </a:p>
@@ -2024,7 +2025,7 @@
           <p:cNvPr id="4" name="頁尾版面配置區 3">
             <a:extLst>
               <a:ext uri="{FF2B5EF4-FFF2-40B4-BE49-F238E27FC236}">
-                <a16:creationId xmlns:a16="http://schemas.microsoft.com/office/drawing/2014/main" xmlns="" id="{9A5D54C3-4E6B-4A64-891C-B7F8257EECCD}"/>
+                <a16:creationId xmlns="" xmlns:a16="http://schemas.microsoft.com/office/drawing/2014/main" id="{9A5D54C3-4E6B-4A64-891C-B7F8257EECCD}"/>
               </a:ext>
             </a:extLst>
           </p:cNvPr>
@@ -2049,7 +2050,7 @@
           <p:cNvPr id="5" name="投影片編號版面配置區 4">
             <a:extLst>
               <a:ext uri="{FF2B5EF4-FFF2-40B4-BE49-F238E27FC236}">
-                <a16:creationId xmlns:a16="http://schemas.microsoft.com/office/drawing/2014/main" xmlns="" id="{99D49CF7-6C63-436D-B538-07295C3EE13B}"/>
+                <a16:creationId xmlns="" xmlns:a16="http://schemas.microsoft.com/office/drawing/2014/main" id="{99D49CF7-6C63-436D-B538-07295C3EE13B}"/>
               </a:ext>
             </a:extLst>
           </p:cNvPr>
@@ -2108,7 +2109,7 @@
           <p:cNvPr id="2" name="日期版面配置區 1">
             <a:extLst>
               <a:ext uri="{FF2B5EF4-FFF2-40B4-BE49-F238E27FC236}">
-                <a16:creationId xmlns:a16="http://schemas.microsoft.com/office/drawing/2014/main" xmlns="" id="{95B32A53-9F7F-4C64-B0C3-58B77A2BB62B}"/>
+                <a16:creationId xmlns="" xmlns:a16="http://schemas.microsoft.com/office/drawing/2014/main" id="{95B32A53-9F7F-4C64-B0C3-58B77A2BB62B}"/>
               </a:ext>
             </a:extLst>
           </p:cNvPr>
@@ -2126,7 +2127,7 @@
           <a:p>
             <a:fld id="{1983F8DA-040C-4179-8EC3-2597626DD22D}" type="datetimeFigureOut">
               <a:rPr lang="zh-TW" altLang="en-US" smtClean="0"/>
-              <a:t>2018/5/14</a:t>
+              <a:t>2018/5/15</a:t>
             </a:fld>
             <a:endParaRPr lang="zh-TW" altLang="en-US"/>
           </a:p>
@@ -2137,7 +2138,7 @@
           <p:cNvPr id="3" name="頁尾版面配置區 2">
             <a:extLst>
               <a:ext uri="{FF2B5EF4-FFF2-40B4-BE49-F238E27FC236}">
-                <a16:creationId xmlns:a16="http://schemas.microsoft.com/office/drawing/2014/main" xmlns="" id="{C143E365-1A3B-48D6-816F-ED5BB793AD47}"/>
+                <a16:creationId xmlns="" xmlns:a16="http://schemas.microsoft.com/office/drawing/2014/main" id="{C143E365-1A3B-48D6-816F-ED5BB793AD47}"/>
               </a:ext>
             </a:extLst>
           </p:cNvPr>
@@ -2162,7 +2163,7 @@
           <p:cNvPr id="4" name="投影片編號版面配置區 3">
             <a:extLst>
               <a:ext uri="{FF2B5EF4-FFF2-40B4-BE49-F238E27FC236}">
-                <a16:creationId xmlns:a16="http://schemas.microsoft.com/office/drawing/2014/main" xmlns="" id="{4B9A1611-BAD4-433E-A82A-460481C395E0}"/>
+                <a16:creationId xmlns="" xmlns:a16="http://schemas.microsoft.com/office/drawing/2014/main" id="{4B9A1611-BAD4-433E-A82A-460481C395E0}"/>
               </a:ext>
             </a:extLst>
           </p:cNvPr>
@@ -2221,7 +2222,7 @@
           <p:cNvPr id="2" name="標題 1">
             <a:extLst>
               <a:ext uri="{FF2B5EF4-FFF2-40B4-BE49-F238E27FC236}">
-                <a16:creationId xmlns:a16="http://schemas.microsoft.com/office/drawing/2014/main" xmlns="" id="{BFDB57DA-AF3F-49F6-99CA-75A4C27FC7A3}"/>
+                <a16:creationId xmlns="" xmlns:a16="http://schemas.microsoft.com/office/drawing/2014/main" id="{BFDB57DA-AF3F-49F6-99CA-75A4C27FC7A3}"/>
               </a:ext>
             </a:extLst>
           </p:cNvPr>
@@ -2258,7 +2259,7 @@
           <p:cNvPr id="3" name="內容版面配置區 2">
             <a:extLst>
               <a:ext uri="{FF2B5EF4-FFF2-40B4-BE49-F238E27FC236}">
-                <a16:creationId xmlns:a16="http://schemas.microsoft.com/office/drawing/2014/main" xmlns="" id="{7F1ECA61-1796-4832-9432-65258A3FE340}"/>
+                <a16:creationId xmlns="" xmlns:a16="http://schemas.microsoft.com/office/drawing/2014/main" id="{7F1ECA61-1796-4832-9432-65258A3FE340}"/>
               </a:ext>
             </a:extLst>
           </p:cNvPr>
@@ -2348,7 +2349,7 @@
           <p:cNvPr id="4" name="文字版面配置區 3">
             <a:extLst>
               <a:ext uri="{FF2B5EF4-FFF2-40B4-BE49-F238E27FC236}">
-                <a16:creationId xmlns:a16="http://schemas.microsoft.com/office/drawing/2014/main" xmlns="" id="{2A3B2590-9E27-4191-A02E-AB16317FC3DF}"/>
+                <a16:creationId xmlns="" xmlns:a16="http://schemas.microsoft.com/office/drawing/2014/main" id="{2A3B2590-9E27-4191-A02E-AB16317FC3DF}"/>
               </a:ext>
             </a:extLst>
           </p:cNvPr>
@@ -2419,7 +2420,7 @@
           <p:cNvPr id="5" name="日期版面配置區 4">
             <a:extLst>
               <a:ext uri="{FF2B5EF4-FFF2-40B4-BE49-F238E27FC236}">
-                <a16:creationId xmlns:a16="http://schemas.microsoft.com/office/drawing/2014/main" xmlns="" id="{CFDA4BC8-C396-49AB-B5FC-73CC9CE067BE}"/>
+                <a16:creationId xmlns="" xmlns:a16="http://schemas.microsoft.com/office/drawing/2014/main" id="{CFDA4BC8-C396-49AB-B5FC-73CC9CE067BE}"/>
               </a:ext>
             </a:extLst>
           </p:cNvPr>
@@ -2437,7 +2438,7 @@
           <a:p>
             <a:fld id="{1983F8DA-040C-4179-8EC3-2597626DD22D}" type="datetimeFigureOut">
               <a:rPr lang="zh-TW" altLang="en-US" smtClean="0"/>
-              <a:t>2018/5/14</a:t>
+              <a:t>2018/5/15</a:t>
             </a:fld>
             <a:endParaRPr lang="zh-TW" altLang="en-US"/>
           </a:p>
@@ -2448,7 +2449,7 @@
           <p:cNvPr id="6" name="頁尾版面配置區 5">
             <a:extLst>
               <a:ext uri="{FF2B5EF4-FFF2-40B4-BE49-F238E27FC236}">
-                <a16:creationId xmlns:a16="http://schemas.microsoft.com/office/drawing/2014/main" xmlns="" id="{C5433602-B0B3-40E6-BDA3-8E1BAAD456C2}"/>
+                <a16:creationId xmlns="" xmlns:a16="http://schemas.microsoft.com/office/drawing/2014/main" id="{C5433602-B0B3-40E6-BDA3-8E1BAAD456C2}"/>
               </a:ext>
             </a:extLst>
           </p:cNvPr>
@@ -2473,7 +2474,7 @@
           <p:cNvPr id="7" name="投影片編號版面配置區 6">
             <a:extLst>
               <a:ext uri="{FF2B5EF4-FFF2-40B4-BE49-F238E27FC236}">
-                <a16:creationId xmlns:a16="http://schemas.microsoft.com/office/drawing/2014/main" xmlns="" id="{D8FED8BE-893F-4E06-8160-E9657CFF6C24}"/>
+                <a16:creationId xmlns="" xmlns:a16="http://schemas.microsoft.com/office/drawing/2014/main" id="{D8FED8BE-893F-4E06-8160-E9657CFF6C24}"/>
               </a:ext>
             </a:extLst>
           </p:cNvPr>
@@ -2532,7 +2533,7 @@
           <p:cNvPr id="2" name="標題 1">
             <a:extLst>
               <a:ext uri="{FF2B5EF4-FFF2-40B4-BE49-F238E27FC236}">
-                <a16:creationId xmlns:a16="http://schemas.microsoft.com/office/drawing/2014/main" xmlns="" id="{CE1B0F45-88E2-4BFB-A88B-3AAF2D983C00}"/>
+                <a16:creationId xmlns="" xmlns:a16="http://schemas.microsoft.com/office/drawing/2014/main" id="{CE1B0F45-88E2-4BFB-A88B-3AAF2D983C00}"/>
               </a:ext>
             </a:extLst>
           </p:cNvPr>
@@ -2569,7 +2570,7 @@
           <p:cNvPr id="3" name="圖片版面配置區 2">
             <a:extLst>
               <a:ext uri="{FF2B5EF4-FFF2-40B4-BE49-F238E27FC236}">
-                <a16:creationId xmlns:a16="http://schemas.microsoft.com/office/drawing/2014/main" xmlns="" id="{EE50A91B-B093-4764-962F-7D6938EF99DF}"/>
+                <a16:creationId xmlns="" xmlns:a16="http://schemas.microsoft.com/office/drawing/2014/main" id="{EE50A91B-B093-4764-962F-7D6938EF99DF}"/>
               </a:ext>
             </a:extLst>
           </p:cNvPr>
@@ -2636,7 +2637,7 @@
           <p:cNvPr id="4" name="文字版面配置區 3">
             <a:extLst>
               <a:ext uri="{FF2B5EF4-FFF2-40B4-BE49-F238E27FC236}">
-                <a16:creationId xmlns:a16="http://schemas.microsoft.com/office/drawing/2014/main" xmlns="" id="{7BACFCEA-685B-42B5-BDF7-AD63F1314454}"/>
+                <a16:creationId xmlns="" xmlns:a16="http://schemas.microsoft.com/office/drawing/2014/main" id="{7BACFCEA-685B-42B5-BDF7-AD63F1314454}"/>
               </a:ext>
             </a:extLst>
           </p:cNvPr>
@@ -2707,7 +2708,7 @@
           <p:cNvPr id="5" name="日期版面配置區 4">
             <a:extLst>
               <a:ext uri="{FF2B5EF4-FFF2-40B4-BE49-F238E27FC236}">
-                <a16:creationId xmlns:a16="http://schemas.microsoft.com/office/drawing/2014/main" xmlns="" id="{36D3AAC6-EA71-40A7-A355-9571CCD2CF13}"/>
+                <a16:creationId xmlns="" xmlns:a16="http://schemas.microsoft.com/office/drawing/2014/main" id="{36D3AAC6-EA71-40A7-A355-9571CCD2CF13}"/>
               </a:ext>
             </a:extLst>
           </p:cNvPr>
@@ -2725,7 +2726,7 @@
           <a:p>
             <a:fld id="{1983F8DA-040C-4179-8EC3-2597626DD22D}" type="datetimeFigureOut">
               <a:rPr lang="zh-TW" altLang="en-US" smtClean="0"/>
-              <a:t>2018/5/14</a:t>
+              <a:t>2018/5/15</a:t>
             </a:fld>
             <a:endParaRPr lang="zh-TW" altLang="en-US"/>
           </a:p>
@@ -2736,7 +2737,7 @@
           <p:cNvPr id="6" name="頁尾版面配置區 5">
             <a:extLst>
               <a:ext uri="{FF2B5EF4-FFF2-40B4-BE49-F238E27FC236}">
-                <a16:creationId xmlns:a16="http://schemas.microsoft.com/office/drawing/2014/main" xmlns="" id="{5DDE9F81-23D3-4C44-8D5A-CB9DBF84EF69}"/>
+                <a16:creationId xmlns="" xmlns:a16="http://schemas.microsoft.com/office/drawing/2014/main" id="{5DDE9F81-23D3-4C44-8D5A-CB9DBF84EF69}"/>
               </a:ext>
             </a:extLst>
           </p:cNvPr>
@@ -2761,7 +2762,7 @@
           <p:cNvPr id="7" name="投影片編號版面配置區 6">
             <a:extLst>
               <a:ext uri="{FF2B5EF4-FFF2-40B4-BE49-F238E27FC236}">
-                <a16:creationId xmlns:a16="http://schemas.microsoft.com/office/drawing/2014/main" xmlns="" id="{073497D4-4649-468C-94A9-AF63556897BF}"/>
+                <a16:creationId xmlns="" xmlns:a16="http://schemas.microsoft.com/office/drawing/2014/main" id="{073497D4-4649-468C-94A9-AF63556897BF}"/>
               </a:ext>
             </a:extLst>
           </p:cNvPr>
@@ -2825,7 +2826,7 @@
           <p:cNvPr id="2" name="標題版面配置區 1">
             <a:extLst>
               <a:ext uri="{FF2B5EF4-FFF2-40B4-BE49-F238E27FC236}">
-                <a16:creationId xmlns:a16="http://schemas.microsoft.com/office/drawing/2014/main" xmlns="" id="{7818C2F0-BE73-48CD-90D4-08C181AE85B2}"/>
+                <a16:creationId xmlns="" xmlns:a16="http://schemas.microsoft.com/office/drawing/2014/main" id="{7818C2F0-BE73-48CD-90D4-08C181AE85B2}"/>
               </a:ext>
             </a:extLst>
           </p:cNvPr>
@@ -2863,7 +2864,7 @@
           <p:cNvPr id="3" name="文字版面配置區 2">
             <a:extLst>
               <a:ext uri="{FF2B5EF4-FFF2-40B4-BE49-F238E27FC236}">
-                <a16:creationId xmlns:a16="http://schemas.microsoft.com/office/drawing/2014/main" xmlns="" id="{6B3FA1F4-293A-424F-BBDC-D39891EE8D7B}"/>
+                <a16:creationId xmlns="" xmlns:a16="http://schemas.microsoft.com/office/drawing/2014/main" id="{6B3FA1F4-293A-424F-BBDC-D39891EE8D7B}"/>
               </a:ext>
             </a:extLst>
           </p:cNvPr>
@@ -2930,7 +2931,7 @@
           <p:cNvPr id="4" name="日期版面配置區 3">
             <a:extLst>
               <a:ext uri="{FF2B5EF4-FFF2-40B4-BE49-F238E27FC236}">
-                <a16:creationId xmlns:a16="http://schemas.microsoft.com/office/drawing/2014/main" xmlns="" id="{D69709D7-7319-4D2B-B1A5-212DE7E9DC73}"/>
+                <a16:creationId xmlns="" xmlns:a16="http://schemas.microsoft.com/office/drawing/2014/main" id="{D69709D7-7319-4D2B-B1A5-212DE7E9DC73}"/>
               </a:ext>
             </a:extLst>
           </p:cNvPr>
@@ -2966,7 +2967,7 @@
           <a:p>
             <a:fld id="{1983F8DA-040C-4179-8EC3-2597626DD22D}" type="datetimeFigureOut">
               <a:rPr lang="zh-TW" altLang="en-US" smtClean="0"/>
-              <a:t>2018/5/14</a:t>
+              <a:t>2018/5/15</a:t>
             </a:fld>
             <a:endParaRPr lang="zh-TW" altLang="en-US"/>
           </a:p>
@@ -2977,7 +2978,7 @@
           <p:cNvPr id="5" name="頁尾版面配置區 4">
             <a:extLst>
               <a:ext uri="{FF2B5EF4-FFF2-40B4-BE49-F238E27FC236}">
-                <a16:creationId xmlns:a16="http://schemas.microsoft.com/office/drawing/2014/main" xmlns="" id="{0DC51CC8-38F1-4540-A0E1-DF87A9B5FEFD}"/>
+                <a16:creationId xmlns="" xmlns:a16="http://schemas.microsoft.com/office/drawing/2014/main" id="{0DC51CC8-38F1-4540-A0E1-DF87A9B5FEFD}"/>
               </a:ext>
             </a:extLst>
           </p:cNvPr>
@@ -3020,7 +3021,7 @@
           <p:cNvPr id="6" name="投影片編號版面配置區 5">
             <a:extLst>
               <a:ext uri="{FF2B5EF4-FFF2-40B4-BE49-F238E27FC236}">
-                <a16:creationId xmlns:a16="http://schemas.microsoft.com/office/drawing/2014/main" xmlns="" id="{E47516C6-0347-4866-BB79-FE8992EFF065}"/>
+                <a16:creationId xmlns="" xmlns:a16="http://schemas.microsoft.com/office/drawing/2014/main" id="{E47516C6-0347-4866-BB79-FE8992EFF065}"/>
               </a:ext>
             </a:extLst>
           </p:cNvPr>
@@ -3388,7 +3389,7 @@
           <p:cNvPr id="5" name="圖片 4">
             <a:extLst>
               <a:ext uri="{FF2B5EF4-FFF2-40B4-BE49-F238E27FC236}">
-                <a16:creationId xmlns:a16="http://schemas.microsoft.com/office/drawing/2014/main" xmlns="" id="{58C98C09-3733-4C20-AE1C-FEFEEC6AF27C}"/>
+                <a16:creationId xmlns="" xmlns:a16="http://schemas.microsoft.com/office/drawing/2014/main" id="{58C98C09-3733-4C20-AE1C-FEFEEC6AF27C}"/>
               </a:ext>
             </a:extLst>
           </p:cNvPr>
@@ -3417,7 +3418,7 @@
           <p:cNvPr id="6" name="圖片 5">
             <a:extLst>
               <a:ext uri="{FF2B5EF4-FFF2-40B4-BE49-F238E27FC236}">
-                <a16:creationId xmlns:a16="http://schemas.microsoft.com/office/drawing/2014/main" xmlns="" id="{866DDCC5-1605-49D5-80F0-5306B6516954}"/>
+                <a16:creationId xmlns="" xmlns:a16="http://schemas.microsoft.com/office/drawing/2014/main" id="{866DDCC5-1605-49D5-80F0-5306B6516954}"/>
               </a:ext>
             </a:extLst>
           </p:cNvPr>
@@ -3447,7 +3448,7 @@
           <p:cNvPr id="7" name="矩形 6">
             <a:extLst>
               <a:ext uri="{FF2B5EF4-FFF2-40B4-BE49-F238E27FC236}">
-                <a16:creationId xmlns:a16="http://schemas.microsoft.com/office/drawing/2014/main" xmlns="" id="{AF40F365-2F7A-4892-9A5E-68318CD82CD1}"/>
+                <a16:creationId xmlns="" xmlns:a16="http://schemas.microsoft.com/office/drawing/2014/main" id="{AF40F365-2F7A-4892-9A5E-68318CD82CD1}"/>
               </a:ext>
             </a:extLst>
           </p:cNvPr>
@@ -3499,7 +3500,7 @@
           <p:cNvPr id="8" name="語音泡泡: 圓角矩形 7">
             <a:extLst>
               <a:ext uri="{FF2B5EF4-FFF2-40B4-BE49-F238E27FC236}">
-                <a16:creationId xmlns:a16="http://schemas.microsoft.com/office/drawing/2014/main" xmlns="" id="{DF1D0A1B-279F-4AE4-B29C-F57C8EC5439F}"/>
+                <a16:creationId xmlns="" xmlns:a16="http://schemas.microsoft.com/office/drawing/2014/main" id="{DF1D0A1B-279F-4AE4-B29C-F57C8EC5439F}"/>
               </a:ext>
             </a:extLst>
           </p:cNvPr>
@@ -3570,7 +3571,7 @@
           <p:cNvPr id="9" name="矩形 8">
             <a:extLst>
               <a:ext uri="{FF2B5EF4-FFF2-40B4-BE49-F238E27FC236}">
-                <a16:creationId xmlns:a16="http://schemas.microsoft.com/office/drawing/2014/main" xmlns="" id="{F8C642F8-9173-483E-927E-155B9778DE48}"/>
+                <a16:creationId xmlns="" xmlns:a16="http://schemas.microsoft.com/office/drawing/2014/main" id="{F8C642F8-9173-483E-927E-155B9778DE48}"/>
               </a:ext>
             </a:extLst>
           </p:cNvPr>
@@ -4672,7 +4673,7 @@
           <p:cNvPr id="23" name="矩形 22">
             <a:extLst>
               <a:ext uri="{FF2B5EF4-FFF2-40B4-BE49-F238E27FC236}">
-                <a16:creationId xmlns:a16="http://schemas.microsoft.com/office/drawing/2014/main" xmlns="" id="{A62D539E-507D-4150-BDFB-42781D088369}"/>
+                <a16:creationId xmlns="" xmlns:a16="http://schemas.microsoft.com/office/drawing/2014/main" id="{A62D539E-507D-4150-BDFB-42781D088369}"/>
               </a:ext>
             </a:extLst>
           </p:cNvPr>
@@ -5216,7 +5217,7 @@
           <p:cNvPr id="6" name="矩形 5">
             <a:extLst>
               <a:ext uri="{FF2B5EF4-FFF2-40B4-BE49-F238E27FC236}">
-                <a16:creationId xmlns:a16="http://schemas.microsoft.com/office/drawing/2014/main" xmlns="" id="{53A61286-440E-43CF-AA29-DD50496D543F}"/>
+                <a16:creationId xmlns="" xmlns:a16="http://schemas.microsoft.com/office/drawing/2014/main" id="{53A61286-440E-43CF-AA29-DD50496D543F}"/>
               </a:ext>
             </a:extLst>
           </p:cNvPr>
@@ -5296,7 +5297,7 @@
           <p:cNvPr id="7" name="矩形 6">
             <a:extLst>
               <a:ext uri="{FF2B5EF4-FFF2-40B4-BE49-F238E27FC236}">
-                <a16:creationId xmlns:a16="http://schemas.microsoft.com/office/drawing/2014/main" xmlns="" id="{E34D79D6-E27D-40EC-A9BC-FC3DF19D4DA7}"/>
+                <a16:creationId xmlns="" xmlns:a16="http://schemas.microsoft.com/office/drawing/2014/main" id="{E34D79D6-E27D-40EC-A9BC-FC3DF19D4DA7}"/>
               </a:ext>
             </a:extLst>
           </p:cNvPr>
@@ -5401,7 +5402,7 @@
           <p:cNvPr id="8" name="矩形 7">
             <a:extLst>
               <a:ext uri="{FF2B5EF4-FFF2-40B4-BE49-F238E27FC236}">
-                <a16:creationId xmlns:a16="http://schemas.microsoft.com/office/drawing/2014/main" xmlns="" id="{9F4ED373-10C6-44AD-AED6-86E1821C38F2}"/>
+                <a16:creationId xmlns="" xmlns:a16="http://schemas.microsoft.com/office/drawing/2014/main" id="{9F4ED373-10C6-44AD-AED6-86E1821C38F2}"/>
               </a:ext>
             </a:extLst>
           </p:cNvPr>
@@ -5448,7 +5449,7 @@
           <p:cNvPr id="9" name="Picture 2">
             <a:extLst>
               <a:ext uri="{FF2B5EF4-FFF2-40B4-BE49-F238E27FC236}">
-                <a16:creationId xmlns:a16="http://schemas.microsoft.com/office/drawing/2014/main" xmlns="" id="{6C259E68-A455-456B-B6F1-F4DF043AD25C}"/>
+                <a16:creationId xmlns="" xmlns:a16="http://schemas.microsoft.com/office/drawing/2014/main" id="{6C259E68-A455-456B-B6F1-F4DF043AD25C}"/>
               </a:ext>
             </a:extLst>
           </p:cNvPr>
@@ -5508,7 +5509,7 @@
           <p:cNvPr id="10" name="矩形 9">
             <a:extLst>
               <a:ext uri="{FF2B5EF4-FFF2-40B4-BE49-F238E27FC236}">
-                <a16:creationId xmlns:a16="http://schemas.microsoft.com/office/drawing/2014/main" xmlns="" id="{7900D61C-69FA-4344-A06D-2D8C5F4A7742}"/>
+                <a16:creationId xmlns="" xmlns:a16="http://schemas.microsoft.com/office/drawing/2014/main" id="{7900D61C-69FA-4344-A06D-2D8C5F4A7742}"/>
               </a:ext>
             </a:extLst>
           </p:cNvPr>
@@ -6321,7 +6322,7 @@
           <p:cNvPr id="19" name="矩形 18">
             <a:extLst>
               <a:ext uri="{FF2B5EF4-FFF2-40B4-BE49-F238E27FC236}">
-                <a16:creationId xmlns:a16="http://schemas.microsoft.com/office/drawing/2014/main" xmlns="" id="{90727EDF-6E8C-49FB-9150-E3EAA56C3F26}"/>
+                <a16:creationId xmlns="" xmlns:a16="http://schemas.microsoft.com/office/drawing/2014/main" id="{90727EDF-6E8C-49FB-9150-E3EAA56C3F26}"/>
               </a:ext>
             </a:extLst>
           </p:cNvPr>
@@ -6611,7 +6612,7 @@
           <p:cNvPr id="8" name="矩形 7">
             <a:extLst>
               <a:ext uri="{FF2B5EF4-FFF2-40B4-BE49-F238E27FC236}">
-                <a16:creationId xmlns:a16="http://schemas.microsoft.com/office/drawing/2014/main" xmlns="" id="{E0406DF1-52B4-462A-97CA-36C95C8B1725}"/>
+                <a16:creationId xmlns="" xmlns:a16="http://schemas.microsoft.com/office/drawing/2014/main" id="{E0406DF1-52B4-462A-97CA-36C95C8B1725}"/>
               </a:ext>
             </a:extLst>
           </p:cNvPr>
@@ -6670,7 +6671,7 @@
           <p:cNvPr id="9" name="矩形 8">
             <a:extLst>
               <a:ext uri="{FF2B5EF4-FFF2-40B4-BE49-F238E27FC236}">
-                <a16:creationId xmlns:a16="http://schemas.microsoft.com/office/drawing/2014/main" xmlns="" id="{F417CEF7-24DB-45B1-9185-D3F781040926}"/>
+                <a16:creationId xmlns="" xmlns:a16="http://schemas.microsoft.com/office/drawing/2014/main" id="{F417CEF7-24DB-45B1-9185-D3F781040926}"/>
               </a:ext>
             </a:extLst>
           </p:cNvPr>
@@ -7489,7 +7490,7 @@
           <p:cNvPr id="19" name="矩形 18">
             <a:extLst>
               <a:ext uri="{FF2B5EF4-FFF2-40B4-BE49-F238E27FC236}">
-                <a16:creationId xmlns:a16="http://schemas.microsoft.com/office/drawing/2014/main" xmlns="" id="{291D879B-DE59-46FE-9886-ADC025F31029}"/>
+                <a16:creationId xmlns="" xmlns:a16="http://schemas.microsoft.com/office/drawing/2014/main" id="{291D879B-DE59-46FE-9886-ADC025F31029}"/>
               </a:ext>
             </a:extLst>
           </p:cNvPr>
@@ -7545,7 +7546,7 @@
           <p:cNvPr id="20" name="矩形 19">
             <a:extLst>
               <a:ext uri="{FF2B5EF4-FFF2-40B4-BE49-F238E27FC236}">
-                <a16:creationId xmlns:a16="http://schemas.microsoft.com/office/drawing/2014/main" xmlns="" id="{4C7DBBBD-30C4-4FA8-B81B-4003FC56F008}"/>
+                <a16:creationId xmlns="" xmlns:a16="http://schemas.microsoft.com/office/drawing/2014/main" id="{4C7DBBBD-30C4-4FA8-B81B-4003FC56F008}"/>
               </a:ext>
             </a:extLst>
           </p:cNvPr>
@@ -7948,7 +7949,7 @@
           <p:cNvPr id="11" name="矩形 10">
             <a:extLst>
               <a:ext uri="{FF2B5EF4-FFF2-40B4-BE49-F238E27FC236}">
-                <a16:creationId xmlns:a16="http://schemas.microsoft.com/office/drawing/2014/main" xmlns="" id="{20802F6A-3ED9-4B3C-A3B3-10AEB67F2780}"/>
+                <a16:creationId xmlns="" xmlns:a16="http://schemas.microsoft.com/office/drawing/2014/main" id="{20802F6A-3ED9-4B3C-A3B3-10AEB67F2780}"/>
               </a:ext>
             </a:extLst>
           </p:cNvPr>
@@ -8031,7 +8032,7 @@
           <p:cNvPr id="12" name="矩形 11">
             <a:extLst>
               <a:ext uri="{FF2B5EF4-FFF2-40B4-BE49-F238E27FC236}">
-                <a16:creationId xmlns:a16="http://schemas.microsoft.com/office/drawing/2014/main" xmlns="" id="{36A89CFC-9F35-4427-8263-C864C0243349}"/>
+                <a16:creationId xmlns="" xmlns:a16="http://schemas.microsoft.com/office/drawing/2014/main" id="{36A89CFC-9F35-4427-8263-C864C0243349}"/>
               </a:ext>
             </a:extLst>
           </p:cNvPr>
@@ -8468,7 +8469,7 @@
           <p:cNvPr id="12" name="矩形 11">
             <a:extLst>
               <a:ext uri="{FF2B5EF4-FFF2-40B4-BE49-F238E27FC236}">
-                <a16:creationId xmlns:a16="http://schemas.microsoft.com/office/drawing/2014/main" xmlns="" id="{4A4F1A74-7957-4657-B4DF-7352536561B3}"/>
+                <a16:creationId xmlns="" xmlns:a16="http://schemas.microsoft.com/office/drawing/2014/main" id="{4A4F1A74-7957-4657-B4DF-7352536561B3}"/>
               </a:ext>
             </a:extLst>
           </p:cNvPr>
@@ -8524,7 +8525,7 @@
           <p:cNvPr id="13" name="矩形 12">
             <a:extLst>
               <a:ext uri="{FF2B5EF4-FFF2-40B4-BE49-F238E27FC236}">
-                <a16:creationId xmlns:a16="http://schemas.microsoft.com/office/drawing/2014/main" xmlns="" id="{77DD5EC7-D7BF-4E0B-8D0D-E45FDAD19FDB}"/>
+                <a16:creationId xmlns="" xmlns:a16="http://schemas.microsoft.com/office/drawing/2014/main" id="{77DD5EC7-D7BF-4E0B-8D0D-E45FDAD19FDB}"/>
               </a:ext>
             </a:extLst>
           </p:cNvPr>
@@ -9507,7 +9508,7 @@
           <p:cNvPr id="5" name="矩形 4">
             <a:extLst>
               <a:ext uri="{FF2B5EF4-FFF2-40B4-BE49-F238E27FC236}">
-                <a16:creationId xmlns:a16="http://schemas.microsoft.com/office/drawing/2014/main" xmlns="" id="{D01E63E7-475E-42EE-9E5A-B377C5FD9734}"/>
+                <a16:creationId xmlns="" xmlns:a16="http://schemas.microsoft.com/office/drawing/2014/main" id="{D01E63E7-475E-42EE-9E5A-B377C5FD9734}"/>
               </a:ext>
             </a:extLst>
           </p:cNvPr>
@@ -9593,7 +9594,7 @@
           <p:cNvPr id="4" name="圖片 3">
             <a:extLst>
               <a:ext uri="{FF2B5EF4-FFF2-40B4-BE49-F238E27FC236}">
-                <a16:creationId xmlns:a16="http://schemas.microsoft.com/office/drawing/2014/main" xmlns="" id="{1AF3DB7E-967E-456B-9A4F-CD9CAD00A297}"/>
+                <a16:creationId xmlns="" xmlns:a16="http://schemas.microsoft.com/office/drawing/2014/main" id="{1AF3DB7E-967E-456B-9A4F-CD9CAD00A297}"/>
               </a:ext>
             </a:extLst>
           </p:cNvPr>
@@ -9623,7 +9624,7 @@
           <p:cNvPr id="5" name="矩形 4">
             <a:extLst>
               <a:ext uri="{FF2B5EF4-FFF2-40B4-BE49-F238E27FC236}">
-                <a16:creationId xmlns:a16="http://schemas.microsoft.com/office/drawing/2014/main" xmlns="" id="{225A0EF3-3E71-4DF2-8E86-E252A2E2295F}"/>
+                <a16:creationId xmlns="" xmlns:a16="http://schemas.microsoft.com/office/drawing/2014/main" id="{225A0EF3-3E71-4DF2-8E86-E252A2E2295F}"/>
               </a:ext>
             </a:extLst>
           </p:cNvPr>
@@ -9661,7 +9662,7 @@
           <p:cNvPr id="6" name="圖片 5">
             <a:extLst>
               <a:ext uri="{FF2B5EF4-FFF2-40B4-BE49-F238E27FC236}">
-                <a16:creationId xmlns:a16="http://schemas.microsoft.com/office/drawing/2014/main" xmlns="" id="{C450E27A-DA07-4691-AE25-7820B96A4896}"/>
+                <a16:creationId xmlns="" xmlns:a16="http://schemas.microsoft.com/office/drawing/2014/main" id="{C450E27A-DA07-4691-AE25-7820B96A4896}"/>
               </a:ext>
             </a:extLst>
           </p:cNvPr>
@@ -9691,7 +9692,7 @@
           <p:cNvPr id="7" name="圖片 6">
             <a:extLst>
               <a:ext uri="{FF2B5EF4-FFF2-40B4-BE49-F238E27FC236}">
-                <a16:creationId xmlns:a16="http://schemas.microsoft.com/office/drawing/2014/main" xmlns="" id="{47D10AD4-26B6-4726-A2EB-16C761A6E73B}"/>
+                <a16:creationId xmlns="" xmlns:a16="http://schemas.microsoft.com/office/drawing/2014/main" id="{47D10AD4-26B6-4726-A2EB-16C761A6E73B}"/>
               </a:ext>
             </a:extLst>
           </p:cNvPr>
@@ -9721,7 +9722,7 @@
           <p:cNvPr id="8" name="語音泡泡: 圓角矩形 7">
             <a:extLst>
               <a:ext uri="{FF2B5EF4-FFF2-40B4-BE49-F238E27FC236}">
-                <a16:creationId xmlns:a16="http://schemas.microsoft.com/office/drawing/2014/main" xmlns="" id="{55442D45-CA09-40BC-B05B-B26CBC92705E}"/>
+                <a16:creationId xmlns="" xmlns:a16="http://schemas.microsoft.com/office/drawing/2014/main" id="{55442D45-CA09-40BC-B05B-B26CBC92705E}"/>
               </a:ext>
             </a:extLst>
           </p:cNvPr>
@@ -9808,7 +9809,7 @@
           <p:cNvPr id="9" name="語音泡泡: 圓角矩形 8">
             <a:extLst>
               <a:ext uri="{FF2B5EF4-FFF2-40B4-BE49-F238E27FC236}">
-                <a16:creationId xmlns:a16="http://schemas.microsoft.com/office/drawing/2014/main" xmlns="" id="{6FFA0F0D-AAB2-4792-8858-EDD6016E1D41}"/>
+                <a16:creationId xmlns="" xmlns:a16="http://schemas.microsoft.com/office/drawing/2014/main" id="{6FFA0F0D-AAB2-4792-8858-EDD6016E1D41}"/>
               </a:ext>
             </a:extLst>
           </p:cNvPr>
@@ -9887,7 +9888,7 @@
           <p:cNvPr id="11" name="圖片 10">
             <a:extLst>
               <a:ext uri="{FF2B5EF4-FFF2-40B4-BE49-F238E27FC236}">
-                <a16:creationId xmlns:a16="http://schemas.microsoft.com/office/drawing/2014/main" xmlns="" id="{D2DAE6E6-2CBC-4906-9C23-D9CA4934A07A}"/>
+                <a16:creationId xmlns="" xmlns:a16="http://schemas.microsoft.com/office/drawing/2014/main" id="{D2DAE6E6-2CBC-4906-9C23-D9CA4934A07A}"/>
               </a:ext>
             </a:extLst>
           </p:cNvPr>
@@ -9917,7 +9918,7 @@
           <p:cNvPr id="12" name="語音泡泡: 圓角矩形 11">
             <a:extLst>
               <a:ext uri="{FF2B5EF4-FFF2-40B4-BE49-F238E27FC236}">
-                <a16:creationId xmlns:a16="http://schemas.microsoft.com/office/drawing/2014/main" xmlns="" id="{4973D049-1104-42F6-9E29-B5789AE37153}"/>
+                <a16:creationId xmlns="" xmlns:a16="http://schemas.microsoft.com/office/drawing/2014/main" id="{4973D049-1104-42F6-9E29-B5789AE37153}"/>
               </a:ext>
             </a:extLst>
           </p:cNvPr>
@@ -10004,7 +10005,7 @@
           <p:cNvPr id="13" name="矩形 12">
             <a:extLst>
               <a:ext uri="{FF2B5EF4-FFF2-40B4-BE49-F238E27FC236}">
-                <a16:creationId xmlns:a16="http://schemas.microsoft.com/office/drawing/2014/main" xmlns="" id="{A47348DB-D356-489C-B644-D105B4AB4109}"/>
+                <a16:creationId xmlns="" xmlns:a16="http://schemas.microsoft.com/office/drawing/2014/main" id="{A47348DB-D356-489C-B644-D105B4AB4109}"/>
               </a:ext>
             </a:extLst>
           </p:cNvPr>
@@ -10060,7 +10061,7 @@
           <p:cNvPr id="14" name="語音泡泡: 圓角矩形 13">
             <a:extLst>
               <a:ext uri="{FF2B5EF4-FFF2-40B4-BE49-F238E27FC236}">
-                <a16:creationId xmlns:a16="http://schemas.microsoft.com/office/drawing/2014/main" xmlns="" id="{58497045-F1D8-440B-AFA7-7C4C402DF985}"/>
+                <a16:creationId xmlns="" xmlns:a16="http://schemas.microsoft.com/office/drawing/2014/main" id="{58497045-F1D8-440B-AFA7-7C4C402DF985}"/>
               </a:ext>
             </a:extLst>
           </p:cNvPr>
@@ -10986,7 +10987,7 @@
           <p:cNvPr id="11" name="矩形 10">
             <a:extLst>
               <a:ext uri="{FF2B5EF4-FFF2-40B4-BE49-F238E27FC236}">
-                <a16:creationId xmlns:a16="http://schemas.microsoft.com/office/drawing/2014/main" xmlns="" id="{56EA199B-0A40-44B3-8115-E74C4F8C23CB}"/>
+                <a16:creationId xmlns="" xmlns:a16="http://schemas.microsoft.com/office/drawing/2014/main" id="{56EA199B-0A40-44B3-8115-E74C4F8C23CB}"/>
               </a:ext>
             </a:extLst>
           </p:cNvPr>
@@ -11418,7 +11419,7 @@
           <p:cNvPr id="11" name="矩形 10">
             <a:extLst>
               <a:ext uri="{FF2B5EF4-FFF2-40B4-BE49-F238E27FC236}">
-                <a16:creationId xmlns:a16="http://schemas.microsoft.com/office/drawing/2014/main" xmlns="" id="{DA11BBD5-92AB-43BF-A078-C43D2BEF7DD6}"/>
+                <a16:creationId xmlns="" xmlns:a16="http://schemas.microsoft.com/office/drawing/2014/main" id="{DA11BBD5-92AB-43BF-A078-C43D2BEF7DD6}"/>
               </a:ext>
             </a:extLst>
           </p:cNvPr>
@@ -11786,7 +11787,7 @@
           <p:cNvPr id="9" name="矩形 8">
             <a:extLst>
               <a:ext uri="{FF2B5EF4-FFF2-40B4-BE49-F238E27FC236}">
-                <a16:creationId xmlns:a16="http://schemas.microsoft.com/office/drawing/2014/main" xmlns="" id="{4AF74417-5071-4FD7-A3D0-17E25668F6DF}"/>
+                <a16:creationId xmlns="" xmlns:a16="http://schemas.microsoft.com/office/drawing/2014/main" id="{4AF74417-5071-4FD7-A3D0-17E25668F6DF}"/>
               </a:ext>
             </a:extLst>
           </p:cNvPr>
@@ -12565,7 +12566,7 @@
           <p:cNvPr id="15" name="矩形 14">
             <a:extLst>
               <a:ext uri="{FF2B5EF4-FFF2-40B4-BE49-F238E27FC236}">
-                <a16:creationId xmlns:a16="http://schemas.microsoft.com/office/drawing/2014/main" xmlns="" id="{AC64D88A-822E-4971-B5F5-BFA3F66869FC}"/>
+                <a16:creationId xmlns="" xmlns:a16="http://schemas.microsoft.com/office/drawing/2014/main" id="{AC64D88A-822E-4971-B5F5-BFA3F66869FC}"/>
               </a:ext>
             </a:extLst>
           </p:cNvPr>
@@ -12955,7 +12956,7 @@
           <p:cNvPr id="10" name="矩形 9">
             <a:extLst>
               <a:ext uri="{FF2B5EF4-FFF2-40B4-BE49-F238E27FC236}">
-                <a16:creationId xmlns:a16="http://schemas.microsoft.com/office/drawing/2014/main" xmlns="" id="{FEB38F6E-81F0-490F-BFC1-10280E501927}"/>
+                <a16:creationId xmlns="" xmlns:a16="http://schemas.microsoft.com/office/drawing/2014/main" id="{FEB38F6E-81F0-490F-BFC1-10280E501927}"/>
               </a:ext>
             </a:extLst>
           </p:cNvPr>
@@ -13547,7 +13548,7 @@
           <p:cNvPr id="2" name="圖片 1">
             <a:extLst>
               <a:ext uri="{FF2B5EF4-FFF2-40B4-BE49-F238E27FC236}">
-                <a16:creationId xmlns:a16="http://schemas.microsoft.com/office/drawing/2014/main" xmlns="" id="{6C96275F-EC89-41F3-A35E-D4D7AE4F520D}"/>
+                <a16:creationId xmlns="" xmlns:a16="http://schemas.microsoft.com/office/drawing/2014/main" id="{6C96275F-EC89-41F3-A35E-D4D7AE4F520D}"/>
               </a:ext>
             </a:extLst>
           </p:cNvPr>
@@ -13577,7 +13578,7 @@
           <p:cNvPr id="10" name="矩形 9">
             <a:extLst>
               <a:ext uri="{FF2B5EF4-FFF2-40B4-BE49-F238E27FC236}">
-                <a16:creationId xmlns:a16="http://schemas.microsoft.com/office/drawing/2014/main" xmlns="" id="{88F02B9B-61B0-4B63-B610-6EF05DD6248F}"/>
+                <a16:creationId xmlns="" xmlns:a16="http://schemas.microsoft.com/office/drawing/2014/main" id="{88F02B9B-61B0-4B63-B610-6EF05DD6248F}"/>
               </a:ext>
             </a:extLst>
           </p:cNvPr>
@@ -13629,7 +13630,7 @@
           <p:cNvPr id="12" name="矩形 11">
             <a:extLst>
               <a:ext uri="{FF2B5EF4-FFF2-40B4-BE49-F238E27FC236}">
-                <a16:creationId xmlns:a16="http://schemas.microsoft.com/office/drawing/2014/main" xmlns="" id="{2C1154C0-8122-4CFD-B6C2-412928C562B3}"/>
+                <a16:creationId xmlns="" xmlns:a16="http://schemas.microsoft.com/office/drawing/2014/main" id="{2C1154C0-8122-4CFD-B6C2-412928C562B3}"/>
               </a:ext>
             </a:extLst>
           </p:cNvPr>
@@ -13681,7 +13682,7 @@
           <p:cNvPr id="13" name="矩形 12">
             <a:extLst>
               <a:ext uri="{FF2B5EF4-FFF2-40B4-BE49-F238E27FC236}">
-                <a16:creationId xmlns:a16="http://schemas.microsoft.com/office/drawing/2014/main" xmlns="" id="{B161AD9F-A5D0-411F-8016-7DCEF6857421}"/>
+                <a16:creationId xmlns="" xmlns:a16="http://schemas.microsoft.com/office/drawing/2014/main" id="{B161AD9F-A5D0-411F-8016-7DCEF6857421}"/>
               </a:ext>
             </a:extLst>
           </p:cNvPr>
@@ -13733,7 +13734,7 @@
           <p:cNvPr id="14" name="矩形 13">
             <a:extLst>
               <a:ext uri="{FF2B5EF4-FFF2-40B4-BE49-F238E27FC236}">
-                <a16:creationId xmlns:a16="http://schemas.microsoft.com/office/drawing/2014/main" xmlns="" id="{7339A040-8229-4522-9AF8-879FAAA5437C}"/>
+                <a16:creationId xmlns="" xmlns:a16="http://schemas.microsoft.com/office/drawing/2014/main" id="{7339A040-8229-4522-9AF8-879FAAA5437C}"/>
               </a:ext>
             </a:extLst>
           </p:cNvPr>
@@ -14067,7 +14068,7 @@
           <p:cNvPr id="7" name="矩形 6">
             <a:extLst>
               <a:ext uri="{FF2B5EF4-FFF2-40B4-BE49-F238E27FC236}">
-                <a16:creationId xmlns:a16="http://schemas.microsoft.com/office/drawing/2014/main" xmlns="" id="{A37E7308-6AB5-4F48-AC9C-00F8F278688A}"/>
+                <a16:creationId xmlns="" xmlns:a16="http://schemas.microsoft.com/office/drawing/2014/main" id="{A37E7308-6AB5-4F48-AC9C-00F8F278688A}"/>
               </a:ext>
             </a:extLst>
           </p:cNvPr>
@@ -14153,7 +14154,7 @@
           <p:cNvPr id="4" name="Picture 4">
             <a:extLst>
               <a:ext uri="{FF2B5EF4-FFF2-40B4-BE49-F238E27FC236}">
-                <a16:creationId xmlns:a16="http://schemas.microsoft.com/office/drawing/2014/main" xmlns="" id="{F322AB43-4E85-4C96-8B6C-529AB9610B92}"/>
+                <a16:creationId xmlns="" xmlns:a16="http://schemas.microsoft.com/office/drawing/2014/main" id="{F322AB43-4E85-4C96-8B6C-529AB9610B92}"/>
               </a:ext>
             </a:extLst>
           </p:cNvPr>
@@ -14213,7 +14214,7 @@
           <p:cNvPr id="5" name="圖片 4">
             <a:extLst>
               <a:ext uri="{FF2B5EF4-FFF2-40B4-BE49-F238E27FC236}">
-                <a16:creationId xmlns:a16="http://schemas.microsoft.com/office/drawing/2014/main" xmlns="" id="{05072C5D-6810-4578-8A11-E4AD51152E8F}"/>
+                <a16:creationId xmlns="" xmlns:a16="http://schemas.microsoft.com/office/drawing/2014/main" id="{05072C5D-6810-4578-8A11-E4AD51152E8F}"/>
               </a:ext>
             </a:extLst>
           </p:cNvPr>
@@ -14243,7 +14244,7 @@
           <p:cNvPr id="6" name="Picture 2">
             <a:extLst>
               <a:ext uri="{FF2B5EF4-FFF2-40B4-BE49-F238E27FC236}">
-                <a16:creationId xmlns:a16="http://schemas.microsoft.com/office/drawing/2014/main" xmlns="" id="{6FCC8080-4F80-4657-A12B-E31A85310E39}"/>
+                <a16:creationId xmlns="" xmlns:a16="http://schemas.microsoft.com/office/drawing/2014/main" id="{6FCC8080-4F80-4657-A12B-E31A85310E39}"/>
               </a:ext>
             </a:extLst>
           </p:cNvPr>
@@ -14303,7 +14304,7 @@
           <p:cNvPr id="7" name="Picture 3">
             <a:extLst>
               <a:ext uri="{FF2B5EF4-FFF2-40B4-BE49-F238E27FC236}">
-                <a16:creationId xmlns:a16="http://schemas.microsoft.com/office/drawing/2014/main" xmlns="" id="{7E0374D6-5344-45C3-BF90-14778AC8620E}"/>
+                <a16:creationId xmlns="" xmlns:a16="http://schemas.microsoft.com/office/drawing/2014/main" id="{7E0374D6-5344-45C3-BF90-14778AC8620E}"/>
               </a:ext>
             </a:extLst>
           </p:cNvPr>
@@ -14363,7 +14364,7 @@
           <p:cNvPr id="8" name="直線單箭頭接點 7">
             <a:extLst>
               <a:ext uri="{FF2B5EF4-FFF2-40B4-BE49-F238E27FC236}">
-                <a16:creationId xmlns:a16="http://schemas.microsoft.com/office/drawing/2014/main" xmlns="" id="{45AB30DC-7557-41AC-A4C7-B17ECA1916C2}"/>
+                <a16:creationId xmlns="" xmlns:a16="http://schemas.microsoft.com/office/drawing/2014/main" id="{45AB30DC-7557-41AC-A4C7-B17ECA1916C2}"/>
               </a:ext>
             </a:extLst>
           </p:cNvPr>
@@ -14407,7 +14408,7 @@
           <p:cNvPr id="9" name="直線單箭頭接點 8">
             <a:extLst>
               <a:ext uri="{FF2B5EF4-FFF2-40B4-BE49-F238E27FC236}">
-                <a16:creationId xmlns:a16="http://schemas.microsoft.com/office/drawing/2014/main" xmlns="" id="{F85A00F0-5070-470D-B0F4-F907C51A172B}"/>
+                <a16:creationId xmlns="" xmlns:a16="http://schemas.microsoft.com/office/drawing/2014/main" id="{F85A00F0-5070-470D-B0F4-F907C51A172B}"/>
               </a:ext>
             </a:extLst>
           </p:cNvPr>
@@ -14449,7 +14450,7 @@
           <p:cNvPr id="10" name="矩形 9">
             <a:extLst>
               <a:ext uri="{FF2B5EF4-FFF2-40B4-BE49-F238E27FC236}">
-                <a16:creationId xmlns:a16="http://schemas.microsoft.com/office/drawing/2014/main" xmlns="" id="{8824B796-6B3F-4110-A2D9-E1030FE89579}"/>
+                <a16:creationId xmlns="" xmlns:a16="http://schemas.microsoft.com/office/drawing/2014/main" id="{8824B796-6B3F-4110-A2D9-E1030FE89579}"/>
               </a:ext>
             </a:extLst>
           </p:cNvPr>
@@ -14505,7 +14506,7 @@
           <p:cNvPr id="11" name="語音泡泡: 圓角矩形 10">
             <a:extLst>
               <a:ext uri="{FF2B5EF4-FFF2-40B4-BE49-F238E27FC236}">
-                <a16:creationId xmlns:a16="http://schemas.microsoft.com/office/drawing/2014/main" xmlns="" id="{217B49DC-8E9A-40ED-8896-42B7C0A8ED95}"/>
+                <a16:creationId xmlns="" xmlns:a16="http://schemas.microsoft.com/office/drawing/2014/main" id="{217B49DC-8E9A-40ED-8896-42B7C0A8ED95}"/>
               </a:ext>
             </a:extLst>
           </p:cNvPr>
@@ -14608,7 +14609,7 @@
           <p:cNvPr id="12" name="矩形 11">
             <a:extLst>
               <a:ext uri="{FF2B5EF4-FFF2-40B4-BE49-F238E27FC236}">
-                <a16:creationId xmlns:a16="http://schemas.microsoft.com/office/drawing/2014/main" xmlns="" id="{F3E162AF-314B-4AA4-A2FF-E7410E562048}"/>
+                <a16:creationId xmlns="" xmlns:a16="http://schemas.microsoft.com/office/drawing/2014/main" id="{F3E162AF-314B-4AA4-A2FF-E7410E562048}"/>
               </a:ext>
             </a:extLst>
           </p:cNvPr>
@@ -15033,7 +15034,7 @@
           <p:cNvPr id="10" name="矩形 9">
             <a:extLst>
               <a:ext uri="{FF2B5EF4-FFF2-40B4-BE49-F238E27FC236}">
-                <a16:creationId xmlns:a16="http://schemas.microsoft.com/office/drawing/2014/main" xmlns="" id="{71E9B407-C312-47D1-A2AE-14BB7CEA0C43}"/>
+                <a16:creationId xmlns="" xmlns:a16="http://schemas.microsoft.com/office/drawing/2014/main" id="{71E9B407-C312-47D1-A2AE-14BB7CEA0C43}"/>
               </a:ext>
             </a:extLst>
           </p:cNvPr>
@@ -15752,7 +15753,7 @@
           <p:cNvPr id="17" name="矩形 16">
             <a:extLst>
               <a:ext uri="{FF2B5EF4-FFF2-40B4-BE49-F238E27FC236}">
-                <a16:creationId xmlns:a16="http://schemas.microsoft.com/office/drawing/2014/main" xmlns="" id="{AEB93240-EFBE-41BD-957D-5A85F61C07A5}"/>
+                <a16:creationId xmlns="" xmlns:a16="http://schemas.microsoft.com/office/drawing/2014/main" id="{AEB93240-EFBE-41BD-957D-5A85F61C07A5}"/>
               </a:ext>
             </a:extLst>
           </p:cNvPr>
@@ -15838,7 +15839,7 @@
           <p:cNvPr id="4" name="Picture 2">
             <a:extLst>
               <a:ext uri="{FF2B5EF4-FFF2-40B4-BE49-F238E27FC236}">
-                <a16:creationId xmlns:a16="http://schemas.microsoft.com/office/drawing/2014/main" xmlns="" id="{BBC0D5F8-4615-479F-BA5E-B49E6FF19432}"/>
+                <a16:creationId xmlns="" xmlns:a16="http://schemas.microsoft.com/office/drawing/2014/main" id="{BBC0D5F8-4615-479F-BA5E-B49E6FF19432}"/>
               </a:ext>
             </a:extLst>
           </p:cNvPr>
@@ -15896,7 +15897,7 @@
           <p:cNvPr id="5" name="矩形 4">
             <a:extLst>
               <a:ext uri="{FF2B5EF4-FFF2-40B4-BE49-F238E27FC236}">
-                <a16:creationId xmlns:a16="http://schemas.microsoft.com/office/drawing/2014/main" xmlns="" id="{BE322B0A-30D6-41C5-8BAF-484F53DFC38A}"/>
+                <a16:creationId xmlns="" xmlns:a16="http://schemas.microsoft.com/office/drawing/2014/main" id="{BE322B0A-30D6-41C5-8BAF-484F53DFC38A}"/>
               </a:ext>
             </a:extLst>
           </p:cNvPr>
@@ -15974,7 +15975,7 @@
           <p:cNvPr id="6" name="Picture 3">
             <a:extLst>
               <a:ext uri="{FF2B5EF4-FFF2-40B4-BE49-F238E27FC236}">
-                <a16:creationId xmlns:a16="http://schemas.microsoft.com/office/drawing/2014/main" xmlns="" id="{FB149BEE-DAEF-48AF-9FB3-193B631DF623}"/>
+                <a16:creationId xmlns="" xmlns:a16="http://schemas.microsoft.com/office/drawing/2014/main" id="{FB149BEE-DAEF-48AF-9FB3-193B631DF623}"/>
               </a:ext>
             </a:extLst>
           </p:cNvPr>
@@ -16034,7 +16035,7 @@
           <p:cNvPr id="7" name="Picture 2">
             <a:extLst>
               <a:ext uri="{FF2B5EF4-FFF2-40B4-BE49-F238E27FC236}">
-                <a16:creationId xmlns:a16="http://schemas.microsoft.com/office/drawing/2014/main" xmlns="" id="{20E2FE52-6AAB-4243-B02B-B7DBE002070E}"/>
+                <a16:creationId xmlns="" xmlns:a16="http://schemas.microsoft.com/office/drawing/2014/main" id="{20E2FE52-6AAB-4243-B02B-B7DBE002070E}"/>
               </a:ext>
             </a:extLst>
           </p:cNvPr>
@@ -16092,7 +16093,7 @@
           <p:cNvPr id="8" name="矩形 7">
             <a:extLst>
               <a:ext uri="{FF2B5EF4-FFF2-40B4-BE49-F238E27FC236}">
-                <a16:creationId xmlns:a16="http://schemas.microsoft.com/office/drawing/2014/main" xmlns="" id="{AD92C906-859D-415A-B853-7FD8FFF7DBC9}"/>
+                <a16:creationId xmlns="" xmlns:a16="http://schemas.microsoft.com/office/drawing/2014/main" id="{AD92C906-859D-415A-B853-7FD8FFF7DBC9}"/>
               </a:ext>
             </a:extLst>
           </p:cNvPr>
@@ -16649,7 +16650,7 @@
           <p:cNvPr id="2" name="矩形 1">
             <a:extLst>
               <a:ext uri="{FF2B5EF4-FFF2-40B4-BE49-F238E27FC236}">
-                <a16:creationId xmlns:a16="http://schemas.microsoft.com/office/drawing/2014/main" xmlns="" id="{369E0F72-4955-4C20-9D17-DA5F61E6FF89}"/>
+                <a16:creationId xmlns="" xmlns:a16="http://schemas.microsoft.com/office/drawing/2014/main" id="{369E0F72-4955-4C20-9D17-DA5F61E6FF89}"/>
               </a:ext>
             </a:extLst>
           </p:cNvPr>
@@ -17068,7 +17069,7 @@
           <p:cNvPr id="10" name="矩形 9">
             <a:extLst>
               <a:ext uri="{FF2B5EF4-FFF2-40B4-BE49-F238E27FC236}">
-                <a16:creationId xmlns:a16="http://schemas.microsoft.com/office/drawing/2014/main" xmlns="" id="{44265C08-EEAA-4F90-8CAF-332C2C14F448}"/>
+                <a16:creationId xmlns="" xmlns:a16="http://schemas.microsoft.com/office/drawing/2014/main" id="{44265C08-EEAA-4F90-8CAF-332C2C14F448}"/>
               </a:ext>
             </a:extLst>
           </p:cNvPr>
@@ -17109,7 +17110,7 @@
           <p:cNvPr id="14" name="矩形 13">
             <a:extLst>
               <a:ext uri="{FF2B5EF4-FFF2-40B4-BE49-F238E27FC236}">
-                <a16:creationId xmlns:a16="http://schemas.microsoft.com/office/drawing/2014/main" xmlns="" id="{C13CD144-2FE7-4582-B39B-072E0DC78D7B}"/>
+                <a16:creationId xmlns="" xmlns:a16="http://schemas.microsoft.com/office/drawing/2014/main" id="{C13CD144-2FE7-4582-B39B-072E0DC78D7B}"/>
               </a:ext>
             </a:extLst>
           </p:cNvPr>
@@ -17205,7 +17206,7 @@
           <p:cNvPr id="15" name="矩形 14">
             <a:extLst>
               <a:ext uri="{FF2B5EF4-FFF2-40B4-BE49-F238E27FC236}">
-                <a16:creationId xmlns:a16="http://schemas.microsoft.com/office/drawing/2014/main" xmlns="" id="{B3C4E395-EA16-4013-BCC2-66BA0D019304}"/>
+                <a16:creationId xmlns="" xmlns:a16="http://schemas.microsoft.com/office/drawing/2014/main" id="{B3C4E395-EA16-4013-BCC2-66BA0D019304}"/>
               </a:ext>
             </a:extLst>
           </p:cNvPr>
@@ -17654,7 +17655,7 @@
           <p:cNvPr id="11" name="矩形 10">
             <a:extLst>
               <a:ext uri="{FF2B5EF4-FFF2-40B4-BE49-F238E27FC236}">
-                <a16:creationId xmlns:a16="http://schemas.microsoft.com/office/drawing/2014/main" xmlns="" id="{A5D5A42A-9DB4-4324-8E66-C54E8810D551}"/>
+                <a16:creationId xmlns="" xmlns:a16="http://schemas.microsoft.com/office/drawing/2014/main" id="{A5D5A42A-9DB4-4324-8E66-C54E8810D551}"/>
               </a:ext>
             </a:extLst>
           </p:cNvPr>
@@ -19449,7 +19450,6 @@
               <a:rPr lang="en-US" altLang="zh-TW" sz="1100" dirty="0"/>
               <a:t>exception</a:t>
             </a:r>
-            <a:endParaRPr lang="en-US" altLang="zh-TW" sz="1100" dirty="0"/>
           </a:p>
         </p:txBody>
       </p:sp>
@@ -20158,7 +20158,7 @@
           <p:cNvPr id="11" name="矩形 10">
             <a:extLst>
               <a:ext uri="{FF2B5EF4-FFF2-40B4-BE49-F238E27FC236}">
-                <a16:creationId xmlns:a16="http://schemas.microsoft.com/office/drawing/2014/main" xmlns="" id="{AD92C906-859D-415A-B853-7FD8FFF7DBC9}"/>
+                <a16:creationId xmlns="" xmlns:a16="http://schemas.microsoft.com/office/drawing/2014/main" id="{AD92C906-859D-415A-B853-7FD8FFF7DBC9}"/>
               </a:ext>
             </a:extLst>
           </p:cNvPr>
@@ -20237,7 +20237,7 @@
           <p:cNvPr id="4" name="圖片 3">
             <a:extLst>
               <a:ext uri="{FF2B5EF4-FFF2-40B4-BE49-F238E27FC236}">
-                <a16:creationId xmlns:a16="http://schemas.microsoft.com/office/drawing/2014/main" xmlns="" id="{AA13050E-6B24-4684-ACE0-595609BE9E5B}"/>
+                <a16:creationId xmlns="" xmlns:a16="http://schemas.microsoft.com/office/drawing/2014/main" id="{AA13050E-6B24-4684-ACE0-595609BE9E5B}"/>
               </a:ext>
             </a:extLst>
           </p:cNvPr>
@@ -20267,7 +20267,7 @@
           <p:cNvPr id="5" name="矩形 4">
             <a:extLst>
               <a:ext uri="{FF2B5EF4-FFF2-40B4-BE49-F238E27FC236}">
-                <a16:creationId xmlns:a16="http://schemas.microsoft.com/office/drawing/2014/main" xmlns="" id="{B1688101-08F8-4ECB-A7D0-82A4787D361E}"/>
+                <a16:creationId xmlns="" xmlns:a16="http://schemas.microsoft.com/office/drawing/2014/main" id="{B1688101-08F8-4ECB-A7D0-82A4787D361E}"/>
               </a:ext>
             </a:extLst>
           </p:cNvPr>
@@ -20468,7 +20468,7 @@
           <p:cNvPr id="6" name="矩形 5">
             <a:extLst>
               <a:ext uri="{FF2B5EF4-FFF2-40B4-BE49-F238E27FC236}">
-                <a16:creationId xmlns:a16="http://schemas.microsoft.com/office/drawing/2014/main" xmlns="" id="{D9359A53-0219-4665-BF7C-37DC1765794F}"/>
+                <a16:creationId xmlns="" xmlns:a16="http://schemas.microsoft.com/office/drawing/2014/main" id="{D9359A53-0219-4665-BF7C-37DC1765794F}"/>
               </a:ext>
             </a:extLst>
           </p:cNvPr>
@@ -20520,7 +20520,7 @@
           <p:cNvPr id="7" name="Picture 2">
             <a:extLst>
               <a:ext uri="{FF2B5EF4-FFF2-40B4-BE49-F238E27FC236}">
-                <a16:creationId xmlns:a16="http://schemas.microsoft.com/office/drawing/2014/main" xmlns="" id="{D94F9260-5359-4671-858F-158837E26CDC}"/>
+                <a16:creationId xmlns="" xmlns:a16="http://schemas.microsoft.com/office/drawing/2014/main" id="{D94F9260-5359-4671-858F-158837E26CDC}"/>
               </a:ext>
             </a:extLst>
           </p:cNvPr>
@@ -20578,7 +20578,7 @@
           <p:cNvPr id="8" name="直線單箭頭接點 7">
             <a:extLst>
               <a:ext uri="{FF2B5EF4-FFF2-40B4-BE49-F238E27FC236}">
-                <a16:creationId xmlns:a16="http://schemas.microsoft.com/office/drawing/2014/main" xmlns="" id="{35200388-9675-4ECD-89D7-EDDB62A5C42A}"/>
+                <a16:creationId xmlns="" xmlns:a16="http://schemas.microsoft.com/office/drawing/2014/main" id="{35200388-9675-4ECD-89D7-EDDB62A5C42A}"/>
               </a:ext>
             </a:extLst>
           </p:cNvPr>
@@ -20622,7 +20622,7 @@
           <p:cNvPr id="9" name="直線單箭頭接點 8">
             <a:extLst>
               <a:ext uri="{FF2B5EF4-FFF2-40B4-BE49-F238E27FC236}">
-                <a16:creationId xmlns:a16="http://schemas.microsoft.com/office/drawing/2014/main" xmlns="" id="{C7681FFB-A141-4CF6-8A70-5AD70BDAE0F5}"/>
+                <a16:creationId xmlns="" xmlns:a16="http://schemas.microsoft.com/office/drawing/2014/main" id="{C7681FFB-A141-4CF6-8A70-5AD70BDAE0F5}"/>
               </a:ext>
             </a:extLst>
           </p:cNvPr>
@@ -20664,7 +20664,7 @@
           <p:cNvPr id="10" name="直線單箭頭接點 9">
             <a:extLst>
               <a:ext uri="{FF2B5EF4-FFF2-40B4-BE49-F238E27FC236}">
-                <a16:creationId xmlns:a16="http://schemas.microsoft.com/office/drawing/2014/main" xmlns="" id="{F6A7CC66-5B99-42D9-8C61-8697ED348872}"/>
+                <a16:creationId xmlns="" xmlns:a16="http://schemas.microsoft.com/office/drawing/2014/main" id="{F6A7CC66-5B99-42D9-8C61-8697ED348872}"/>
               </a:ext>
             </a:extLst>
           </p:cNvPr>
@@ -20706,7 +20706,7 @@
           <p:cNvPr id="11" name="語音泡泡: 圓角矩形 6">
             <a:extLst>
               <a:ext uri="{FF2B5EF4-FFF2-40B4-BE49-F238E27FC236}">
-                <a16:creationId xmlns:a16="http://schemas.microsoft.com/office/drawing/2014/main" xmlns="" id="{5BC49171-76C4-42EE-876C-2FB02A3DA109}"/>
+                <a16:creationId xmlns="" xmlns:a16="http://schemas.microsoft.com/office/drawing/2014/main" id="{5BC49171-76C4-42EE-876C-2FB02A3DA109}"/>
               </a:ext>
             </a:extLst>
           </p:cNvPr>
@@ -20800,7 +20800,7 @@
           <p:cNvPr id="12" name="矩形 11">
             <a:extLst>
               <a:ext uri="{FF2B5EF4-FFF2-40B4-BE49-F238E27FC236}">
-                <a16:creationId xmlns:a16="http://schemas.microsoft.com/office/drawing/2014/main" xmlns="" id="{56050ADF-80CD-475A-A783-234EAD83DA58}"/>
+                <a16:creationId xmlns="" xmlns:a16="http://schemas.microsoft.com/office/drawing/2014/main" id="{56050ADF-80CD-475A-A783-234EAD83DA58}"/>
               </a:ext>
             </a:extLst>
           </p:cNvPr>
@@ -21256,7 +21256,6 @@
               <a:rPr lang="zh-TW" altLang="en-US" sz="1100" dirty="0"/>
               <a:t>字串。</a:t>
             </a:r>
-            <a:endParaRPr lang="zh-TW" altLang="en-US" sz="1100" dirty="0"/>
           </a:p>
         </p:txBody>
       </p:sp>
@@ -21446,7 +21445,7 @@
       </p:grpSpPr>
       <p:pic>
         <p:nvPicPr>
-          <p:cNvPr id="4" name="Picture 2"/>
+          <p:cNvPr id="6" name="Picture 4"/>
           <p:cNvPicPr>
             <a:picLocks noChangeAspect="1" noChangeArrowheads="1"/>
           </p:cNvPicPr>
@@ -21467,8 +21466,8 @@
         </p:blipFill>
         <p:spPr bwMode="auto">
           <a:xfrm>
-            <a:off x="381790" y="444250"/>
-            <a:ext cx="4162425" cy="2181225"/>
+            <a:off x="8179591" y="1392976"/>
+            <a:ext cx="2119571" cy="1477682"/>
           </a:xfrm>
           <a:prstGeom prst="rect">
             <a:avLst/>
@@ -21500,7 +21499,7 @@
       </p:pic>
       <p:pic>
         <p:nvPicPr>
-          <p:cNvPr id="5" name="Picture 3"/>
+          <p:cNvPr id="1026" name="Picture 2"/>
           <p:cNvPicPr>
             <a:picLocks noChangeAspect="1" noChangeArrowheads="1"/>
           </p:cNvPicPr>
@@ -21521,8 +21520,8 @@
         </p:blipFill>
         <p:spPr bwMode="auto">
           <a:xfrm>
-            <a:off x="5062609" y="1672077"/>
-            <a:ext cx="4324350" cy="1562100"/>
+            <a:off x="1156230" y="1441908"/>
+            <a:ext cx="4410075" cy="1428750"/>
           </a:xfrm>
           <a:prstGeom prst="rect">
             <a:avLst/>
@@ -21552,9 +21551,105 @@
           </a:extLst>
         </p:spPr>
       </p:pic>
+      <p:sp>
+        <p:nvSpPr>
+          <p:cNvPr id="7" name="矩形 6"/>
+          <p:cNvSpPr/>
+          <p:nvPr/>
+        </p:nvSpPr>
+        <p:spPr>
+          <a:xfrm>
+            <a:off x="140360" y="104175"/>
+            <a:ext cx="1808637" cy="461665"/>
+          </a:xfrm>
+          <a:prstGeom prst="rect">
+            <a:avLst/>
+          </a:prstGeom>
+        </p:spPr>
+        <p:txBody>
+          <a:bodyPr wrap="none">
+            <a:spAutoFit/>
+          </a:bodyPr>
+          <a:lstStyle/>
+          <a:p>
+            <a:r>
+              <a:rPr lang="en-US" altLang="zh-TW" sz="2400" dirty="0" err="1">
+                <a:solidFill>
+                  <a:srgbClr val="FF0000"/>
+                </a:solidFill>
+              </a:rPr>
+              <a:t>CheckBoxList</a:t>
+            </a:r>
+            <a:endParaRPr lang="zh-TW" altLang="en-US" sz="2400" dirty="0">
+              <a:solidFill>
+                <a:srgbClr val="FF0000"/>
+              </a:solidFill>
+            </a:endParaRPr>
+          </a:p>
+        </p:txBody>
+      </p:sp>
+      <p:sp>
+        <p:nvSpPr>
+          <p:cNvPr id="8" name="矩形 7"/>
+          <p:cNvSpPr/>
+          <p:nvPr/>
+        </p:nvSpPr>
+        <p:spPr>
+          <a:xfrm>
+            <a:off x="4442514" y="2001012"/>
+            <a:ext cx="3292415" cy="261610"/>
+          </a:xfrm>
+          <a:prstGeom prst="rect">
+            <a:avLst/>
+          </a:prstGeom>
+          <a:solidFill>
+            <a:schemeClr val="accent5">
+              <a:lumMod val="40000"/>
+              <a:lumOff val="60000"/>
+            </a:schemeClr>
+          </a:solidFill>
+        </p:spPr>
+        <p:txBody>
+          <a:bodyPr wrap="square">
+            <a:spAutoFit/>
+          </a:bodyPr>
+          <a:lstStyle/>
+          <a:p>
+            <a:r>
+              <a:rPr lang="zh-TW" altLang="en-US" sz="1100" dirty="0"/>
+              <a:t>從</a:t>
+            </a:r>
+            <a:r>
+              <a:rPr lang="en-US" altLang="zh-TW" sz="1100" dirty="0"/>
+              <a:t>DB</a:t>
+            </a:r>
+            <a:r>
+              <a:rPr lang="zh-TW" altLang="en-US" sz="1100" dirty="0"/>
+              <a:t>裡面讀取</a:t>
+            </a:r>
+            <a:r>
+              <a:rPr lang="zh-TW" altLang="en-US" sz="1100" dirty="0" smtClean="0"/>
+              <a:t>資料 然後變成</a:t>
+            </a:r>
+            <a:r>
+              <a:rPr lang="en-US" altLang="zh-TW" sz="1100" dirty="0" smtClean="0"/>
+              <a:t>list </a:t>
+            </a:r>
+            <a:r>
+              <a:rPr lang="zh-TW" altLang="en-US" sz="1100" dirty="0" smtClean="0"/>
+              <a:t>然後傳到</a:t>
+            </a:r>
+            <a:r>
+              <a:rPr lang="en-US" altLang="zh-TW" sz="1100" dirty="0" smtClean="0"/>
+              <a:t>view</a:t>
+            </a:r>
+            <a:endParaRPr lang="en-US" altLang="zh-TW" sz="1100" dirty="0"/>
+          </a:p>
+        </p:txBody>
+      </p:sp>
       <p:pic>
         <p:nvPicPr>
-          <p:cNvPr id="6" name="Picture 4"/>
+          <p:cNvPr id="1028" name="Picture 4"/>
           <p:cNvPicPr>
             <a:picLocks noChangeAspect="1" noChangeArrowheads="1"/>
           </p:cNvPicPr>
@@ -21575,8 +21670,8 @@
         </p:blipFill>
         <p:spPr bwMode="auto">
           <a:xfrm>
-            <a:off x="815087" y="3234177"/>
-            <a:ext cx="3019425" cy="2105025"/>
+            <a:off x="140360" y="3302000"/>
+            <a:ext cx="11896725" cy="3105150"/>
           </a:xfrm>
           <a:prstGeom prst="rect">
             <a:avLst/>
@@ -21638,7 +21733,7 @@
       </p:grpSpPr>
       <p:pic>
         <p:nvPicPr>
-          <p:cNvPr id="7" name="Picture 2"/>
+          <p:cNvPr id="23" name="Picture 3"/>
           <p:cNvPicPr>
             <a:picLocks noChangeAspect="1" noChangeArrowheads="1"/>
           </p:cNvPicPr>
@@ -21659,8 +21754,8 @@
         </p:blipFill>
         <p:spPr bwMode="auto">
           <a:xfrm>
-            <a:off x="7358782" y="2608059"/>
-            <a:ext cx="3915979" cy="3070195"/>
+            <a:off x="1980743" y="581166"/>
+            <a:ext cx="4517366" cy="2682186"/>
           </a:xfrm>
           <a:prstGeom prst="rect">
             <a:avLst/>
@@ -21692,7 +21787,7 @@
       </p:pic>
       <p:pic>
         <p:nvPicPr>
-          <p:cNvPr id="8" name="Picture 3"/>
+          <p:cNvPr id="4" name="Picture 4"/>
           <p:cNvPicPr>
             <a:picLocks noChangeAspect="1" noChangeArrowheads="1"/>
           </p:cNvPicPr>
@@ -21713,6 +21808,1477 @@
         </p:blipFill>
         <p:spPr bwMode="auto">
           <a:xfrm>
+            <a:off x="281681" y="3171202"/>
+            <a:ext cx="8124825" cy="3667125"/>
+          </a:xfrm>
+          <a:prstGeom prst="rect">
+            <a:avLst/>
+          </a:prstGeom>
+          <a:noFill/>
+          <a:ln>
+            <a:noFill/>
+          </a:ln>
+          <a:extLst>
+            <a:ext uri="{909E8E84-426E-40DD-AFC4-6F175D3DCCD1}">
+              <a14:hiddenFill xmlns:a14="http://schemas.microsoft.com/office/drawing/2010/main">
+                <a:solidFill>
+                  <a:schemeClr val="accent1"/>
+                </a:solidFill>
+              </a14:hiddenFill>
+            </a:ext>
+            <a:ext uri="{91240B29-F687-4F45-9708-019B960494DF}">
+              <a14:hiddenLine xmlns:a14="http://schemas.microsoft.com/office/drawing/2010/main" w="9525">
+                <a:solidFill>
+                  <a:schemeClr val="tx1"/>
+                </a:solidFill>
+                <a:miter lim="800000"/>
+                <a:headEnd/>
+                <a:tailEnd/>
+              </a14:hiddenLine>
+            </a:ext>
+          </a:extLst>
+        </p:spPr>
+      </p:pic>
+      <p:sp>
+        <p:nvSpPr>
+          <p:cNvPr id="5" name="矩形 4"/>
+          <p:cNvSpPr/>
+          <p:nvPr/>
+        </p:nvSpPr>
+        <p:spPr>
+          <a:xfrm>
+            <a:off x="8262044" y="3672588"/>
+            <a:ext cx="3640666" cy="430887"/>
+          </a:xfrm>
+          <a:prstGeom prst="rect">
+            <a:avLst/>
+          </a:prstGeom>
+          <a:solidFill>
+            <a:schemeClr val="accent5">
+              <a:lumMod val="40000"/>
+              <a:lumOff val="60000"/>
+            </a:schemeClr>
+          </a:solidFill>
+        </p:spPr>
+        <p:txBody>
+          <a:bodyPr wrap="square">
+            <a:spAutoFit/>
+          </a:bodyPr>
+          <a:lstStyle/>
+          <a:p>
+            <a:r>
+              <a:rPr lang="en-US" altLang="zh-TW" sz="1100" dirty="0" smtClean="0"/>
+              <a:t>X</a:t>
+            </a:r>
+            <a:r>
+              <a:rPr lang="zh-TW" altLang="en-US" sz="1100" dirty="0" smtClean="0"/>
+              <a:t>如果</a:t>
+            </a:r>
+            <a:r>
+              <a:rPr lang="zh-TW" altLang="en-US" sz="1100" dirty="0"/>
+              <a:t>是空的值就把它變成</a:t>
+            </a:r>
+            <a:r>
+              <a:rPr lang="en-US" altLang="zh-TW" sz="1100" dirty="0" smtClean="0"/>
+              <a:t>Array  </a:t>
+            </a:r>
+            <a:r>
+              <a:rPr lang="zh-TW" altLang="en-US" sz="1100" dirty="0" smtClean="0"/>
+              <a:t>不然就是傳進來的值</a:t>
+            </a:r>
+            <a:endParaRPr lang="en-US" altLang="zh-TW" sz="1100" dirty="0" smtClean="0"/>
+          </a:p>
+          <a:p>
+            <a:r>
+              <a:rPr lang="en-US" altLang="zh-TW" sz="1100" dirty="0" err="1" smtClean="0"/>
+              <a:t>multipleSelects</a:t>
+            </a:r>
+            <a:r>
+              <a:rPr lang="zh-TW" altLang="en-US" sz="1100" dirty="0" smtClean="0"/>
+              <a:t>變成</a:t>
+            </a:r>
+            <a:r>
+              <a:rPr lang="en-US" altLang="zh-TW" sz="1100" dirty="0"/>
+              <a:t>Array </a:t>
+            </a:r>
+            <a:r>
+              <a:rPr lang="zh-TW" altLang="en-US" sz="1100" dirty="0" smtClean="0"/>
+              <a:t>的意思</a:t>
+            </a:r>
+            <a:endParaRPr lang="en-US" altLang="zh-TW" sz="1100" dirty="0"/>
+          </a:p>
+        </p:txBody>
+      </p:sp>
+      <p:sp>
+        <p:nvSpPr>
+          <p:cNvPr id="6" name="矩形 5"/>
+          <p:cNvSpPr/>
+          <p:nvPr/>
+        </p:nvSpPr>
+        <p:spPr>
+          <a:xfrm>
+            <a:off x="4344093" y="3342596"/>
+            <a:ext cx="1047750" cy="262791"/>
+          </a:xfrm>
+          <a:prstGeom prst="rect">
+            <a:avLst/>
+          </a:prstGeom>
+          <a:noFill/>
+          <a:ln w="28575">
+            <a:solidFill>
+              <a:srgbClr val="FF0000"/>
+            </a:solidFill>
+          </a:ln>
+        </p:spPr>
+        <p:style>
+          <a:lnRef idx="2">
+            <a:schemeClr val="accent1">
+              <a:shade val="50000"/>
+            </a:schemeClr>
+          </a:lnRef>
+          <a:fillRef idx="1">
+            <a:schemeClr val="accent1"/>
+          </a:fillRef>
+          <a:effectRef idx="0">
+            <a:schemeClr val="accent1"/>
+          </a:effectRef>
+          <a:fontRef idx="minor">
+            <a:schemeClr val="lt1"/>
+          </a:fontRef>
+        </p:style>
+        <p:txBody>
+          <a:bodyPr rtlCol="0" anchor="ctr"/>
+          <a:lstStyle/>
+          <a:p>
+            <a:pPr algn="ctr"/>
+            <a:endParaRPr lang="zh-TW" altLang="en-US"/>
+          </a:p>
+        </p:txBody>
+      </p:sp>
+      <p:sp>
+        <p:nvSpPr>
+          <p:cNvPr id="8" name="矩形 7"/>
+          <p:cNvSpPr/>
+          <p:nvPr/>
+        </p:nvSpPr>
+        <p:spPr>
+          <a:xfrm>
+            <a:off x="0" y="0"/>
+            <a:ext cx="4257769" cy="461665"/>
+          </a:xfrm>
+          <a:prstGeom prst="rect">
+            <a:avLst/>
+          </a:prstGeom>
+        </p:spPr>
+        <p:txBody>
+          <a:bodyPr wrap="none">
+            <a:spAutoFit/>
+          </a:bodyPr>
+          <a:lstStyle/>
+          <a:p>
+            <a:r>
+              <a:rPr lang="en-US" altLang="zh-TW" sz="2400" dirty="0" err="1" smtClean="0">
+                <a:solidFill>
+                  <a:srgbClr val="FF0000"/>
+                </a:solidFill>
+              </a:rPr>
+              <a:t>GamersController</a:t>
+            </a:r>
+            <a:r>
+              <a:rPr lang="zh-TW" altLang="en-US" sz="2400" dirty="0" smtClean="0">
+                <a:solidFill>
+                  <a:srgbClr val="FF0000"/>
+                </a:solidFill>
+              </a:rPr>
+              <a:t> </a:t>
+            </a:r>
+            <a:r>
+              <a:rPr lang="en-US" altLang="zh-TW" sz="2400" dirty="0" smtClean="0">
+                <a:solidFill>
+                  <a:srgbClr val="FF0000"/>
+                </a:solidFill>
+              </a:rPr>
+              <a:t>-</a:t>
+            </a:r>
+            <a:r>
+              <a:rPr lang="zh-TW" altLang="en-US" sz="2400" dirty="0" smtClean="0">
+                <a:solidFill>
+                  <a:srgbClr val="FF0000"/>
+                </a:solidFill>
+              </a:rPr>
+              <a:t> </a:t>
+            </a:r>
+            <a:r>
+              <a:rPr lang="en-US" altLang="zh-TW" sz="2400" dirty="0" err="1" smtClean="0">
+                <a:solidFill>
+                  <a:srgbClr val="FF0000"/>
+                </a:solidFill>
+              </a:rPr>
+              <a:t>CheckBoxList</a:t>
+            </a:r>
+            <a:endParaRPr lang="zh-TW" altLang="en-US" sz="2400" dirty="0"/>
+          </a:p>
+        </p:txBody>
+      </p:sp>
+      <p:cxnSp>
+        <p:nvCxnSpPr>
+          <p:cNvPr id="10" name="直線單箭頭接點 9"/>
+          <p:cNvCxnSpPr/>
+          <p:nvPr/>
+        </p:nvCxnSpPr>
+        <p:spPr>
+          <a:xfrm>
+            <a:off x="3089325" y="1473200"/>
+            <a:ext cx="1454428" cy="1883828"/>
+          </a:xfrm>
+          <a:prstGeom prst="straightConnector1">
+            <a:avLst/>
+          </a:prstGeom>
+          <a:ln w="28575">
+            <a:solidFill>
+              <a:srgbClr val="FF0000"/>
+            </a:solidFill>
+            <a:tailEnd type="arrow"/>
+          </a:ln>
+        </p:spPr>
+        <p:style>
+          <a:lnRef idx="1">
+            <a:schemeClr val="accent1"/>
+          </a:lnRef>
+          <a:fillRef idx="0">
+            <a:schemeClr val="accent1"/>
+          </a:fillRef>
+          <a:effectRef idx="0">
+            <a:schemeClr val="accent1"/>
+          </a:effectRef>
+          <a:fontRef idx="minor">
+            <a:schemeClr val="tx1"/>
+          </a:fontRef>
+        </p:style>
+      </p:cxnSp>
+      <p:sp>
+        <p:nvSpPr>
+          <p:cNvPr id="13" name="矩形 12"/>
+          <p:cNvSpPr/>
+          <p:nvPr/>
+        </p:nvSpPr>
+        <p:spPr>
+          <a:xfrm>
+            <a:off x="4190636" y="4064522"/>
+            <a:ext cx="3640666" cy="430887"/>
+          </a:xfrm>
+          <a:prstGeom prst="rect">
+            <a:avLst/>
+          </a:prstGeom>
+          <a:solidFill>
+            <a:schemeClr val="accent5">
+              <a:lumMod val="40000"/>
+              <a:lumOff val="60000"/>
+            </a:schemeClr>
+          </a:solidFill>
+        </p:spPr>
+        <p:txBody>
+          <a:bodyPr wrap="square">
+            <a:spAutoFit/>
+          </a:bodyPr>
+          <a:lstStyle/>
+          <a:p>
+            <a:r>
+              <a:rPr lang="zh-TW" altLang="en-US" sz="1100" dirty="0" smtClean="0"/>
+              <a:t>變成</a:t>
+            </a:r>
+            <a:r>
+              <a:rPr lang="en-US" altLang="zh-TW" sz="1100" dirty="0" smtClean="0"/>
+              <a:t>Array</a:t>
+            </a:r>
+            <a:r>
+              <a:rPr lang="zh-TW" altLang="en-US" sz="1100" dirty="0" smtClean="0"/>
+              <a:t>後就可以使用</a:t>
+            </a:r>
+            <a:r>
+              <a:rPr lang="en-US" altLang="zh-TW" sz="1100" dirty="0" smtClean="0"/>
+              <a:t>Count</a:t>
+            </a:r>
+            <a:br>
+              <a:rPr lang="en-US" altLang="zh-TW" sz="1100" dirty="0" smtClean="0"/>
+            </a:br>
+            <a:r>
+              <a:rPr lang="zh-TW" altLang="en-US" sz="1100" dirty="0" smtClean="0"/>
+              <a:t>如果全部都沒有符合條件就傳訊息給他</a:t>
+            </a:r>
+            <a:endParaRPr lang="en-US" altLang="zh-TW" sz="1100" dirty="0"/>
+          </a:p>
+        </p:txBody>
+      </p:sp>
+      <p:sp>
+        <p:nvSpPr>
+          <p:cNvPr id="14" name="矩形 13"/>
+          <p:cNvSpPr/>
+          <p:nvPr/>
+        </p:nvSpPr>
+        <p:spPr>
+          <a:xfrm>
+            <a:off x="4344093" y="4704654"/>
+            <a:ext cx="3640666" cy="1277273"/>
+          </a:xfrm>
+          <a:prstGeom prst="rect">
+            <a:avLst/>
+          </a:prstGeom>
+          <a:solidFill>
+            <a:schemeClr val="accent5">
+              <a:lumMod val="40000"/>
+              <a:lumOff val="60000"/>
+            </a:schemeClr>
+          </a:solidFill>
+        </p:spPr>
+        <p:txBody>
+          <a:bodyPr wrap="square">
+            <a:spAutoFit/>
+          </a:bodyPr>
+          <a:lstStyle/>
+          <a:p>
+            <a:r>
+              <a:rPr lang="en-US" altLang="zh-TW" sz="1100" dirty="0" smtClean="0"/>
+              <a:t>Else</a:t>
+            </a:r>
+            <a:br>
+              <a:rPr lang="en-US" altLang="zh-TW" sz="1100" dirty="0" smtClean="0"/>
+            </a:br>
+            <a:r>
+              <a:rPr lang="zh-TW" altLang="en-US" sz="1100" dirty="0" smtClean="0"/>
+              <a:t>如果</a:t>
+            </a:r>
+            <a:r>
+              <a:rPr lang="zh-TW" altLang="en-US" sz="1100" dirty="0"/>
+              <a:t>有任何一個是</a:t>
+            </a:r>
+            <a:r>
+              <a:rPr lang="en-US" altLang="zh-TW" sz="1100" dirty="0" smtClean="0"/>
+              <a:t>selected</a:t>
+            </a:r>
+            <a:r>
+              <a:rPr lang="zh-TW" altLang="en-US" sz="1100" dirty="0" smtClean="0"/>
+              <a:t>的話 就建立一個</a:t>
+            </a:r>
+            <a:r>
+              <a:rPr lang="en-US" altLang="zh-TW" sz="1100" dirty="0" err="1" smtClean="0"/>
+              <a:t>strinBuilder</a:t>
+            </a:r>
+            <a:r>
+              <a:rPr lang="en-US" altLang="zh-TW" sz="1100" dirty="0" smtClean="0"/>
+              <a:t/>
+            </a:r>
+            <a:br>
+              <a:rPr lang="en-US" altLang="zh-TW" sz="1100" dirty="0" smtClean="0"/>
+            </a:br>
+            <a:r>
+              <a:rPr lang="zh-TW" altLang="en-US" sz="1100" dirty="0" smtClean="0"/>
+              <a:t>先</a:t>
+            </a:r>
+            <a:r>
+              <a:rPr lang="en-US" altLang="zh-TW" sz="1100" dirty="0" smtClean="0"/>
+              <a:t>Append(</a:t>
+            </a:r>
+            <a:r>
+              <a:rPr lang="zh-TW" altLang="en-US" sz="1100" dirty="0" smtClean="0"/>
+              <a:t>附上</a:t>
+            </a:r>
+            <a:r>
+              <a:rPr lang="en-US" altLang="zh-TW" sz="1100" dirty="0" smtClean="0"/>
+              <a:t>)</a:t>
+            </a:r>
+            <a:br>
+              <a:rPr lang="en-US" altLang="zh-TW" sz="1100" dirty="0" smtClean="0"/>
+            </a:br>
+            <a:r>
+              <a:rPr lang="en-US" altLang="zh-TW" sz="1100" dirty="0" smtClean="0"/>
+              <a:t>Select</a:t>
+            </a:r>
+            <a:r>
+              <a:rPr lang="zh-TW" altLang="en-US" sz="1100" dirty="0" smtClean="0"/>
+              <a:t>哪幾個</a:t>
+            </a:r>
+            <a:r>
+              <a:rPr lang="en-US" altLang="zh-TW" sz="1100" dirty="0" smtClean="0"/>
+              <a:t/>
+            </a:r>
+            <a:br>
+              <a:rPr lang="en-US" altLang="zh-TW" sz="1100" dirty="0" smtClean="0"/>
+            </a:br>
+            <a:r>
+              <a:rPr lang="zh-TW" altLang="en-US" sz="1100" dirty="0" smtClean="0"/>
+              <a:t>用</a:t>
+            </a:r>
+            <a:r>
+              <a:rPr lang="en-US" altLang="zh-TW" sz="1100" dirty="0" err="1" smtClean="0"/>
+              <a:t>foreach</a:t>
+            </a:r>
+            <a:r>
+              <a:rPr lang="zh-TW" altLang="en-US" sz="1100" dirty="0" smtClean="0"/>
+              <a:t>的方式去跑</a:t>
+            </a:r>
+            <a:r>
+              <a:rPr lang="en-US" altLang="zh-TW" sz="1100" dirty="0"/>
+              <a:t/>
+            </a:r>
+            <a:br>
+              <a:rPr lang="en-US" altLang="zh-TW" sz="1100" dirty="0"/>
+            </a:br>
+            <a:r>
+              <a:rPr lang="zh-TW" altLang="en-US" sz="1100" dirty="0" smtClean="0"/>
+              <a:t>如果</a:t>
+            </a:r>
+            <a:r>
+              <a:rPr lang="en-US" altLang="zh-TW" sz="1100" dirty="0" err="1" smtClean="0"/>
+              <a:t>IsSelected</a:t>
+            </a:r>
+            <a:r>
+              <a:rPr lang="en-US" altLang="zh-TW" sz="1100" dirty="0" smtClean="0"/>
+              <a:t>=</a:t>
+            </a:r>
+            <a:r>
+              <a:rPr lang="en-US" altLang="zh-TW" sz="1100" dirty="0" err="1" smtClean="0"/>
+              <a:t>ture</a:t>
+            </a:r>
+            <a:r>
+              <a:rPr lang="zh-TW" altLang="en-US" sz="1100" dirty="0" smtClean="0"/>
+              <a:t> 就把他丟到</a:t>
+            </a:r>
+            <a:r>
+              <a:rPr lang="en-US" altLang="zh-TW" sz="1100" dirty="0" err="1" smtClean="0"/>
+              <a:t>strinBuilder</a:t>
+            </a:r>
+            <a:r>
+              <a:rPr lang="en-US" altLang="zh-TW" sz="1100" dirty="0" smtClean="0"/>
+              <a:t/>
+            </a:r>
+            <a:br>
+              <a:rPr lang="en-US" altLang="zh-TW" sz="1100" dirty="0" smtClean="0"/>
+            </a:br>
+            <a:r>
+              <a:rPr lang="zh-TW" altLang="en-US" sz="1100" dirty="0" smtClean="0"/>
+              <a:t>後面是每次都會幫他加一個逗號</a:t>
+            </a:r>
+            <a:endParaRPr lang="en-US" altLang="zh-TW" sz="1100" dirty="0"/>
+          </a:p>
+        </p:txBody>
+      </p:sp>
+      <p:cxnSp>
+        <p:nvCxnSpPr>
+          <p:cNvPr id="15" name="直線單箭頭接點 14"/>
+          <p:cNvCxnSpPr/>
+          <p:nvPr/>
+        </p:nvCxnSpPr>
+        <p:spPr>
+          <a:xfrm flipH="1">
+            <a:off x="3249777" y="5662852"/>
+            <a:ext cx="1210733" cy="163088"/>
+          </a:xfrm>
+          <a:prstGeom prst="straightConnector1">
+            <a:avLst/>
+          </a:prstGeom>
+          <a:ln w="28575">
+            <a:solidFill>
+              <a:srgbClr val="FF0000"/>
+            </a:solidFill>
+            <a:tailEnd type="arrow"/>
+          </a:ln>
+        </p:spPr>
+        <p:style>
+          <a:lnRef idx="1">
+            <a:schemeClr val="accent1"/>
+          </a:lnRef>
+          <a:fillRef idx="0">
+            <a:schemeClr val="accent1"/>
+          </a:fillRef>
+          <a:effectRef idx="0">
+            <a:schemeClr val="accent1"/>
+          </a:effectRef>
+          <a:fontRef idx="minor">
+            <a:schemeClr val="tx1"/>
+          </a:fontRef>
+        </p:style>
+      </p:cxnSp>
+      <p:sp>
+        <p:nvSpPr>
+          <p:cNvPr id="17" name="矩形 16"/>
+          <p:cNvSpPr/>
+          <p:nvPr/>
+        </p:nvSpPr>
+        <p:spPr>
+          <a:xfrm>
+            <a:off x="5734743" y="6319391"/>
+            <a:ext cx="1526732" cy="276999"/>
+          </a:xfrm>
+          <a:prstGeom prst="rect">
+            <a:avLst/>
+          </a:prstGeom>
+          <a:solidFill>
+            <a:schemeClr val="accent4">
+              <a:lumMod val="20000"/>
+              <a:lumOff val="80000"/>
+            </a:schemeClr>
+          </a:solidFill>
+        </p:spPr>
+        <p:txBody>
+          <a:bodyPr wrap="square">
+            <a:spAutoFit/>
+          </a:bodyPr>
+          <a:lstStyle/>
+          <a:p>
+            <a:r>
+              <a:rPr lang="zh-TW" altLang="en-US" sz="1200" dirty="0" smtClean="0"/>
+              <a:t>移除最後一個逗號</a:t>
+            </a:r>
+            <a:endParaRPr lang="en-US" altLang="zh-TW" sz="1200" dirty="0"/>
+          </a:p>
+        </p:txBody>
+      </p:sp>
+      <p:sp>
+        <p:nvSpPr>
+          <p:cNvPr id="18" name="矩形 17"/>
+          <p:cNvSpPr/>
+          <p:nvPr/>
+        </p:nvSpPr>
+        <p:spPr>
+          <a:xfrm>
+            <a:off x="2436977" y="6596390"/>
+            <a:ext cx="3640666" cy="261610"/>
+          </a:xfrm>
+          <a:prstGeom prst="rect">
+            <a:avLst/>
+          </a:prstGeom>
+          <a:solidFill>
+            <a:schemeClr val="accent5">
+              <a:lumMod val="40000"/>
+              <a:lumOff val="60000"/>
+            </a:schemeClr>
+          </a:solidFill>
+        </p:spPr>
+        <p:txBody>
+          <a:bodyPr wrap="square">
+            <a:spAutoFit/>
+          </a:bodyPr>
+          <a:lstStyle/>
+          <a:p>
+            <a:r>
+              <a:rPr lang="zh-TW" altLang="en-US" sz="1100" dirty="0" smtClean="0"/>
+              <a:t>把它變成一個</a:t>
+            </a:r>
+            <a:r>
+              <a:rPr lang="en-US" altLang="zh-TW" sz="1100" dirty="0" smtClean="0"/>
+              <a:t>string </a:t>
+            </a:r>
+            <a:r>
+              <a:rPr lang="zh-TW" altLang="en-US" sz="1100" dirty="0" smtClean="0"/>
+              <a:t>然後在</a:t>
+            </a:r>
+            <a:r>
+              <a:rPr lang="en-US" altLang="zh-TW" sz="1100" dirty="0" smtClean="0"/>
+              <a:t>return</a:t>
+            </a:r>
+            <a:r>
+              <a:rPr lang="zh-TW" altLang="en-US" sz="1100" dirty="0" smtClean="0"/>
+              <a:t>回</a:t>
+            </a:r>
+            <a:endParaRPr lang="en-US" altLang="zh-TW" sz="1100" dirty="0"/>
+          </a:p>
+        </p:txBody>
+      </p:sp>
+      <p:sp>
+        <p:nvSpPr>
+          <p:cNvPr id="19" name="矩形 18"/>
+          <p:cNvSpPr/>
+          <p:nvPr/>
+        </p:nvSpPr>
+        <p:spPr>
+          <a:xfrm>
+            <a:off x="1463310" y="6457890"/>
+            <a:ext cx="711200" cy="261693"/>
+          </a:xfrm>
+          <a:prstGeom prst="rect">
+            <a:avLst/>
+          </a:prstGeom>
+          <a:noFill/>
+          <a:ln w="28575">
+            <a:solidFill>
+              <a:srgbClr val="FF0000"/>
+            </a:solidFill>
+          </a:ln>
+        </p:spPr>
+        <p:style>
+          <a:lnRef idx="2">
+            <a:schemeClr val="accent1">
+              <a:shade val="50000"/>
+            </a:schemeClr>
+          </a:lnRef>
+          <a:fillRef idx="1">
+            <a:schemeClr val="accent1"/>
+          </a:fillRef>
+          <a:effectRef idx="0">
+            <a:schemeClr val="accent1"/>
+          </a:effectRef>
+          <a:fontRef idx="minor">
+            <a:schemeClr val="lt1"/>
+          </a:fontRef>
+        </p:style>
+        <p:txBody>
+          <a:bodyPr rtlCol="0" anchor="ctr"/>
+          <a:lstStyle/>
+          <a:p>
+            <a:pPr algn="ctr"/>
+            <a:endParaRPr lang="zh-TW" altLang="en-US"/>
+          </a:p>
+        </p:txBody>
+      </p:sp>
+      <p:cxnSp>
+        <p:nvCxnSpPr>
+          <p:cNvPr id="20" name="直線單箭頭接點 19"/>
+          <p:cNvCxnSpPr/>
+          <p:nvPr/>
+        </p:nvCxnSpPr>
+        <p:spPr>
+          <a:xfrm flipH="1" flipV="1">
+            <a:off x="1196609" y="3605387"/>
+            <a:ext cx="342900" cy="2924808"/>
+          </a:xfrm>
+          <a:prstGeom prst="straightConnector1">
+            <a:avLst/>
+          </a:prstGeom>
+          <a:ln w="28575">
+            <a:solidFill>
+              <a:srgbClr val="FF0000"/>
+            </a:solidFill>
+            <a:tailEnd type="arrow"/>
+          </a:ln>
+        </p:spPr>
+        <p:style>
+          <a:lnRef idx="1">
+            <a:schemeClr val="accent1"/>
+          </a:lnRef>
+          <a:fillRef idx="0">
+            <a:schemeClr val="accent1"/>
+          </a:fillRef>
+          <a:effectRef idx="0">
+            <a:schemeClr val="accent1"/>
+          </a:effectRef>
+          <a:fontRef idx="minor">
+            <a:schemeClr val="tx1"/>
+          </a:fontRef>
+        </p:style>
+      </p:cxnSp>
+      <p:sp>
+        <p:nvSpPr>
+          <p:cNvPr id="22" name="矩形 21"/>
+          <p:cNvSpPr/>
+          <p:nvPr/>
+        </p:nvSpPr>
+        <p:spPr>
+          <a:xfrm>
+            <a:off x="1031510" y="3350299"/>
+            <a:ext cx="431800" cy="261693"/>
+          </a:xfrm>
+          <a:prstGeom prst="rect">
+            <a:avLst/>
+          </a:prstGeom>
+          <a:noFill/>
+          <a:ln w="28575">
+            <a:solidFill>
+              <a:srgbClr val="FF0000"/>
+            </a:solidFill>
+          </a:ln>
+        </p:spPr>
+        <p:style>
+          <a:lnRef idx="2">
+            <a:schemeClr val="accent1">
+              <a:shade val="50000"/>
+            </a:schemeClr>
+          </a:lnRef>
+          <a:fillRef idx="1">
+            <a:schemeClr val="accent1"/>
+          </a:fillRef>
+          <a:effectRef idx="0">
+            <a:schemeClr val="accent1"/>
+          </a:effectRef>
+          <a:fontRef idx="minor">
+            <a:schemeClr val="lt1"/>
+          </a:fontRef>
+        </p:style>
+        <p:txBody>
+          <a:bodyPr rtlCol="0" anchor="ctr"/>
+          <a:lstStyle/>
+          <a:p>
+            <a:pPr algn="ctr"/>
+            <a:endParaRPr lang="zh-TW" altLang="en-US"/>
+          </a:p>
+        </p:txBody>
+      </p:sp>
+      <p:sp>
+        <p:nvSpPr>
+          <p:cNvPr id="24" name="矩形 23"/>
+          <p:cNvSpPr/>
+          <p:nvPr/>
+        </p:nvSpPr>
+        <p:spPr>
+          <a:xfrm>
+            <a:off x="5885425" y="1015389"/>
+            <a:ext cx="6467474" cy="1785104"/>
+          </a:xfrm>
+          <a:prstGeom prst="rect">
+            <a:avLst/>
+          </a:prstGeom>
+          <a:solidFill>
+            <a:schemeClr val="accent5">
+              <a:lumMod val="40000"/>
+              <a:lumOff val="60000"/>
+            </a:schemeClr>
+          </a:solidFill>
+        </p:spPr>
+        <p:txBody>
+          <a:bodyPr wrap="square">
+            <a:spAutoFit/>
+          </a:bodyPr>
+          <a:lstStyle/>
+          <a:p>
+            <a:r>
+              <a:rPr lang="en-US" altLang="zh-TW" sz="1100" dirty="0"/>
+              <a:t> By MVC convention,</a:t>
+            </a:r>
+          </a:p>
+          <a:p>
+            <a:r>
+              <a:rPr lang="en-US" altLang="zh-TW" sz="1100" dirty="0"/>
+              <a:t>    @</a:t>
+            </a:r>
+            <a:r>
+              <a:rPr lang="en-US" altLang="zh-TW" sz="1100" dirty="0" err="1"/>
+              <a:t>Html.EditorForModel</a:t>
+            </a:r>
+            <a:r>
+              <a:rPr lang="en-US" altLang="zh-TW" sz="1100" dirty="0"/>
+              <a:t>() function is going to look </a:t>
+            </a:r>
+            <a:r>
+              <a:rPr lang="en-US" altLang="zh-TW" sz="1100" dirty="0" smtClean="0"/>
+              <a:t>for   </a:t>
+            </a:r>
+            <a:r>
+              <a:rPr lang="zh-TW" altLang="en-US" sz="1100" dirty="0" smtClean="0"/>
+              <a:t>會去尋找</a:t>
+            </a:r>
+            <a:r>
+              <a:rPr lang="zh-TW" altLang="en-US" sz="1100" dirty="0"/>
+              <a:t>有</a:t>
+            </a:r>
+            <a:r>
+              <a:rPr lang="zh-TW" altLang="en-US" sz="1100" dirty="0" smtClean="0"/>
+              <a:t>一樣名子的</a:t>
+            </a:r>
+            <a:r>
+              <a:rPr lang="en-US" altLang="zh-TW" sz="1100" dirty="0" smtClean="0"/>
+              <a:t>Model item(</a:t>
+            </a:r>
+            <a:r>
+              <a:rPr lang="zh-TW" altLang="en-US" sz="1100" dirty="0" smtClean="0"/>
+              <a:t> </a:t>
+            </a:r>
+            <a:r>
+              <a:rPr lang="en-US" altLang="zh-TW" sz="1100" dirty="0" err="1" smtClean="0"/>
+              <a:t>cshtml</a:t>
+            </a:r>
+            <a:r>
+              <a:rPr lang="en-US" altLang="zh-TW" sz="1100" dirty="0" smtClean="0"/>
+              <a:t>  view) </a:t>
+            </a:r>
+            <a:endParaRPr lang="en-US" altLang="zh-TW" sz="1100" dirty="0"/>
+          </a:p>
+          <a:p>
+            <a:r>
+              <a:rPr lang="en-US" altLang="zh-TW" sz="1100" dirty="0"/>
+              <a:t>    a </a:t>
+            </a:r>
+            <a:r>
+              <a:rPr lang="en-US" altLang="zh-TW" sz="1100" dirty="0" err="1"/>
+              <a:t>cshtml</a:t>
+            </a:r>
+            <a:r>
+              <a:rPr lang="en-US" altLang="zh-TW" sz="1100" dirty="0"/>
+              <a:t> view template with the same name</a:t>
+            </a:r>
+          </a:p>
+          <a:p>
+            <a:r>
+              <a:rPr lang="en-US" altLang="zh-TW" sz="1100" dirty="0"/>
+              <a:t>    as the current </a:t>
+            </a:r>
+            <a:r>
+              <a:rPr lang="en-US" altLang="zh-TW" sz="1100" dirty="0" err="1"/>
+              <a:t>IEnumerable</a:t>
+            </a:r>
+            <a:r>
+              <a:rPr lang="en-US" altLang="zh-TW" sz="1100" dirty="0"/>
+              <a:t> Model item type.</a:t>
+            </a:r>
+          </a:p>
+          <a:p>
+            <a:r>
+              <a:rPr lang="en-US" altLang="zh-TW" sz="1100" dirty="0"/>
+              <a:t>    In this case, the Model is List&lt;</a:t>
+            </a:r>
+            <a:r>
+              <a:rPr lang="en-US" altLang="zh-TW" sz="1100" dirty="0" err="1"/>
+              <a:t>MultipleSelect</a:t>
+            </a:r>
+            <a:r>
+              <a:rPr lang="en-US" altLang="zh-TW" sz="1100" dirty="0"/>
+              <a:t>&gt;.</a:t>
+            </a:r>
+          </a:p>
+          <a:p>
+            <a:r>
+              <a:rPr lang="en-US" altLang="zh-TW" sz="1100" dirty="0"/>
+              <a:t>    The </a:t>
+            </a:r>
+            <a:r>
+              <a:rPr lang="en-US" altLang="zh-TW" sz="1100" dirty="0" err="1"/>
+              <a:t>IEnumerable</a:t>
+            </a:r>
+            <a:r>
+              <a:rPr lang="en-US" altLang="zh-TW" sz="1100" dirty="0"/>
+              <a:t> Model item type is </a:t>
+            </a:r>
+            <a:r>
+              <a:rPr lang="en-US" altLang="zh-TW" sz="1100" dirty="0" err="1"/>
+              <a:t>MultipleSelect</a:t>
+            </a:r>
+            <a:r>
+              <a:rPr lang="en-US" altLang="zh-TW" sz="1100" dirty="0"/>
+              <a:t>.</a:t>
+            </a:r>
+          </a:p>
+          <a:p>
+            <a:r>
+              <a:rPr lang="en-US" altLang="zh-TW" sz="1100" dirty="0"/>
+              <a:t>    The </a:t>
+            </a:r>
+            <a:r>
+              <a:rPr lang="en-US" altLang="zh-TW" sz="1100" dirty="0" err="1"/>
+              <a:t>EditorForModel</a:t>
+            </a:r>
+            <a:r>
+              <a:rPr lang="en-US" altLang="zh-TW" sz="1100" dirty="0"/>
+              <a:t>() will look for </a:t>
+            </a:r>
+            <a:r>
+              <a:rPr lang="en-US" altLang="zh-TW" sz="1100" dirty="0" err="1"/>
+              <a:t>MultipleSelect.cshtml</a:t>
+            </a:r>
+            <a:r>
+              <a:rPr lang="en-US" altLang="zh-TW" sz="1100" dirty="0"/>
+              <a:t>.</a:t>
+            </a:r>
+          </a:p>
+          <a:p>
+            <a:r>
+              <a:rPr lang="en-US" altLang="zh-TW" sz="1100" dirty="0"/>
+              <a:t>    The Model of </a:t>
+            </a:r>
+            <a:r>
+              <a:rPr lang="en-US" altLang="zh-TW" sz="1100" dirty="0" err="1"/>
+              <a:t>MultipleSelect.cshtml</a:t>
+            </a:r>
+            <a:r>
+              <a:rPr lang="en-US" altLang="zh-TW" sz="1100" dirty="0"/>
+              <a:t> must be </a:t>
+            </a:r>
+            <a:r>
+              <a:rPr lang="en-US" altLang="zh-TW" sz="1100" dirty="0" err="1"/>
+              <a:t>MultipleSelect</a:t>
+            </a:r>
+            <a:r>
+              <a:rPr lang="en-US" altLang="zh-TW" sz="1100" dirty="0"/>
+              <a:t> type</a:t>
+            </a:r>
+            <a:r>
+              <a:rPr lang="en-US" altLang="zh-TW" sz="1100" dirty="0" smtClean="0"/>
+              <a:t>.  </a:t>
+            </a:r>
+            <a:r>
+              <a:rPr lang="zh-TW" altLang="en-US" sz="1100" dirty="0"/>
+              <a:t>就會</a:t>
+            </a:r>
+            <a:r>
+              <a:rPr lang="zh-TW" altLang="en-US" sz="1100" dirty="0" smtClean="0"/>
+              <a:t>把</a:t>
+            </a:r>
+            <a:r>
+              <a:rPr lang="en-US" altLang="zh-TW" sz="1100" dirty="0" err="1"/>
+              <a:t>MultipleSelect.cshtml</a:t>
+            </a:r>
+            <a:r>
+              <a:rPr lang="en-US" altLang="zh-TW" sz="1100" dirty="0"/>
+              <a:t> </a:t>
+            </a:r>
+            <a:r>
+              <a:rPr lang="zh-TW" altLang="en-US" sz="1100" dirty="0" smtClean="0"/>
+              <a:t>塞到這個位置</a:t>
+            </a:r>
+            <a:r>
+              <a:rPr lang="en-US" altLang="zh-TW" sz="1100" dirty="0" smtClean="0"/>
+              <a:t>@</a:t>
+            </a:r>
+            <a:r>
+              <a:rPr lang="en-US" altLang="zh-TW" sz="1100" dirty="0" err="1"/>
+              <a:t>Html.EditorForModel</a:t>
+            </a:r>
+            <a:r>
+              <a:rPr lang="en-US" altLang="zh-TW" sz="1100" dirty="0"/>
+              <a:t>() </a:t>
+            </a:r>
+            <a:endParaRPr lang="en-US" altLang="zh-TW" sz="1100" dirty="0"/>
+          </a:p>
+          <a:p>
+            <a:r>
+              <a:rPr lang="zh-TW" altLang="en-US" sz="1100" dirty="0"/>
+              <a:t>*</a:t>
+            </a:r>
+            <a:r>
+              <a:rPr lang="en-US" altLang="zh-TW" sz="1100" dirty="0"/>
+              <a:t>@</a:t>
+            </a:r>
+            <a:endParaRPr lang="en-US" altLang="zh-TW" sz="1100" dirty="0"/>
+          </a:p>
+        </p:txBody>
+      </p:sp>
+      <p:sp>
+        <p:nvSpPr>
+          <p:cNvPr id="25" name="矩形 24"/>
+          <p:cNvSpPr/>
+          <p:nvPr/>
+        </p:nvSpPr>
+        <p:spPr>
+          <a:xfrm>
+            <a:off x="3089324" y="979572"/>
+            <a:ext cx="315597" cy="220782"/>
+          </a:xfrm>
+          <a:prstGeom prst="rect">
+            <a:avLst/>
+          </a:prstGeom>
+          <a:noFill/>
+          <a:ln w="28575">
+            <a:solidFill>
+              <a:srgbClr val="FF0000"/>
+            </a:solidFill>
+          </a:ln>
+        </p:spPr>
+        <p:style>
+          <a:lnRef idx="2">
+            <a:schemeClr val="accent1">
+              <a:shade val="50000"/>
+            </a:schemeClr>
+          </a:lnRef>
+          <a:fillRef idx="1">
+            <a:schemeClr val="accent1"/>
+          </a:fillRef>
+          <a:effectRef idx="0">
+            <a:schemeClr val="accent1"/>
+          </a:effectRef>
+          <a:fontRef idx="minor">
+            <a:schemeClr val="lt1"/>
+          </a:fontRef>
+        </p:style>
+        <p:txBody>
+          <a:bodyPr rtlCol="0" anchor="ctr"/>
+          <a:lstStyle/>
+          <a:p>
+            <a:pPr algn="ctr"/>
+            <a:endParaRPr lang="zh-TW" altLang="en-US"/>
+          </a:p>
+        </p:txBody>
+      </p:sp>
+      <p:sp>
+        <p:nvSpPr>
+          <p:cNvPr id="26" name="矩形 25"/>
+          <p:cNvSpPr/>
+          <p:nvPr/>
+        </p:nvSpPr>
+        <p:spPr>
+          <a:xfrm>
+            <a:off x="3360303" y="917882"/>
+            <a:ext cx="897466" cy="262791"/>
+          </a:xfrm>
+          <a:prstGeom prst="rect">
+            <a:avLst/>
+          </a:prstGeom>
+          <a:noFill/>
+          <a:ln w="28575">
+            <a:solidFill>
+              <a:srgbClr val="FF0000"/>
+            </a:solidFill>
+          </a:ln>
+        </p:spPr>
+        <p:style>
+          <a:lnRef idx="2">
+            <a:schemeClr val="accent1">
+              <a:shade val="50000"/>
+            </a:schemeClr>
+          </a:lnRef>
+          <a:fillRef idx="1">
+            <a:schemeClr val="accent1"/>
+          </a:fillRef>
+          <a:effectRef idx="0">
+            <a:schemeClr val="accent1"/>
+          </a:effectRef>
+          <a:fontRef idx="minor">
+            <a:schemeClr val="lt1"/>
+          </a:fontRef>
+        </p:style>
+        <p:txBody>
+          <a:bodyPr rtlCol="0" anchor="ctr"/>
+          <a:lstStyle/>
+          <a:p>
+            <a:pPr algn="ctr"/>
+            <a:endParaRPr lang="zh-TW" altLang="en-US"/>
+          </a:p>
+        </p:txBody>
+      </p:sp>
+      <p:cxnSp>
+        <p:nvCxnSpPr>
+          <p:cNvPr id="27" name="直線單箭頭接點 26"/>
+          <p:cNvCxnSpPr/>
+          <p:nvPr/>
+        </p:nvCxnSpPr>
+        <p:spPr>
+          <a:xfrm flipV="1">
+            <a:off x="3150249" y="730060"/>
+            <a:ext cx="0" cy="221078"/>
+          </a:xfrm>
+          <a:prstGeom prst="straightConnector1">
+            <a:avLst/>
+          </a:prstGeom>
+          <a:ln w="28575">
+            <a:solidFill>
+              <a:srgbClr val="FF0000"/>
+            </a:solidFill>
+            <a:tailEnd type="arrow"/>
+          </a:ln>
+        </p:spPr>
+        <p:style>
+          <a:lnRef idx="1">
+            <a:schemeClr val="accent1"/>
+          </a:lnRef>
+          <a:fillRef idx="0">
+            <a:schemeClr val="accent1"/>
+          </a:fillRef>
+          <a:effectRef idx="0">
+            <a:schemeClr val="accent1"/>
+          </a:effectRef>
+          <a:fontRef idx="minor">
+            <a:schemeClr val="tx1"/>
+          </a:fontRef>
+        </p:style>
+      </p:cxnSp>
+      <p:cxnSp>
+        <p:nvCxnSpPr>
+          <p:cNvPr id="28" name="直線單箭頭接點 27"/>
+          <p:cNvCxnSpPr/>
+          <p:nvPr/>
+        </p:nvCxnSpPr>
+        <p:spPr>
+          <a:xfrm flipV="1">
+            <a:off x="3855143" y="758494"/>
+            <a:ext cx="0" cy="221078"/>
+          </a:xfrm>
+          <a:prstGeom prst="straightConnector1">
+            <a:avLst/>
+          </a:prstGeom>
+          <a:ln w="28575">
+            <a:solidFill>
+              <a:srgbClr val="FF0000"/>
+            </a:solidFill>
+            <a:tailEnd type="arrow"/>
+          </a:ln>
+        </p:spPr>
+        <p:style>
+          <a:lnRef idx="1">
+            <a:schemeClr val="accent1"/>
+          </a:lnRef>
+          <a:fillRef idx="0">
+            <a:schemeClr val="accent1"/>
+          </a:fillRef>
+          <a:effectRef idx="0">
+            <a:schemeClr val="accent1"/>
+          </a:effectRef>
+          <a:fontRef idx="minor">
+            <a:schemeClr val="tx1"/>
+          </a:fontRef>
+        </p:style>
+      </p:cxnSp>
+      <p:sp>
+        <p:nvSpPr>
+          <p:cNvPr id="29" name="矩形 28"/>
+          <p:cNvSpPr/>
+          <p:nvPr/>
+        </p:nvSpPr>
+        <p:spPr>
+          <a:xfrm>
+            <a:off x="2829262" y="871950"/>
+            <a:ext cx="1417592" cy="354657"/>
+          </a:xfrm>
+          <a:prstGeom prst="rect">
+            <a:avLst/>
+          </a:prstGeom>
+          <a:noFill/>
+          <a:ln w="38100">
+            <a:solidFill>
+              <a:srgbClr val="FF0000"/>
+            </a:solidFill>
+          </a:ln>
+        </p:spPr>
+        <p:style>
+          <a:lnRef idx="2">
+            <a:schemeClr val="accent1">
+              <a:shade val="50000"/>
+            </a:schemeClr>
+          </a:lnRef>
+          <a:fillRef idx="1">
+            <a:schemeClr val="accent1"/>
+          </a:fillRef>
+          <a:effectRef idx="0">
+            <a:schemeClr val="accent1"/>
+          </a:effectRef>
+          <a:fontRef idx="minor">
+            <a:schemeClr val="lt1"/>
+          </a:fontRef>
+        </p:style>
+        <p:txBody>
+          <a:bodyPr rtlCol="0" anchor="ctr"/>
+          <a:lstStyle/>
+          <a:p>
+            <a:pPr algn="ctr"/>
+            <a:endParaRPr lang="zh-TW" altLang="en-US"/>
+          </a:p>
+        </p:txBody>
+      </p:sp>
+      <p:sp>
+        <p:nvSpPr>
+          <p:cNvPr id="31" name="矩形 30"/>
+          <p:cNvSpPr/>
+          <p:nvPr/>
+        </p:nvSpPr>
+        <p:spPr>
+          <a:xfrm>
+            <a:off x="4788393" y="785312"/>
+            <a:ext cx="1526732" cy="646331"/>
+          </a:xfrm>
+          <a:prstGeom prst="rect">
+            <a:avLst/>
+          </a:prstGeom>
+          <a:solidFill>
+            <a:schemeClr val="accent4">
+              <a:lumMod val="20000"/>
+              <a:lumOff val="80000"/>
+            </a:schemeClr>
+          </a:solidFill>
+        </p:spPr>
+        <p:txBody>
+          <a:bodyPr wrap="square">
+            <a:spAutoFit/>
+          </a:bodyPr>
+          <a:lstStyle/>
+          <a:p>
+            <a:r>
+              <a:rPr lang="zh-TW" altLang="en-US" sz="1200" dirty="0"/>
+              <a:t>這</a:t>
+            </a:r>
+            <a:r>
+              <a:rPr lang="zh-TW" altLang="en-US" sz="1200" dirty="0" smtClean="0"/>
+              <a:t>是存儲送出之後的資料再丟進</a:t>
+            </a:r>
+            <a:r>
+              <a:rPr lang="en-US" altLang="zh-TW" sz="1200" dirty="0" err="1">
+                <a:solidFill>
+                  <a:srgbClr val="FF0000"/>
+                </a:solidFill>
+              </a:rPr>
+              <a:t>GamersController</a:t>
+            </a:r>
+            <a:endParaRPr lang="en-US" altLang="zh-TW" sz="1200" dirty="0"/>
+          </a:p>
+        </p:txBody>
+      </p:sp>
+      <p:sp>
+        <p:nvSpPr>
+          <p:cNvPr id="7" name="矩形 6"/>
+          <p:cNvSpPr/>
+          <p:nvPr/>
+        </p:nvSpPr>
+        <p:spPr>
+          <a:xfrm>
+            <a:off x="4190636" y="2945311"/>
+            <a:ext cx="1514474" cy="261610"/>
+          </a:xfrm>
+          <a:prstGeom prst="rect">
+            <a:avLst/>
+          </a:prstGeom>
+          <a:solidFill>
+            <a:schemeClr val="accent5">
+              <a:lumMod val="40000"/>
+              <a:lumOff val="60000"/>
+            </a:schemeClr>
+          </a:solidFill>
+        </p:spPr>
+        <p:txBody>
+          <a:bodyPr wrap="square">
+            <a:spAutoFit/>
+          </a:bodyPr>
+          <a:lstStyle/>
+          <a:p>
+            <a:r>
+              <a:rPr lang="zh-TW" altLang="en-US" sz="1100" dirty="0" smtClean="0"/>
+              <a:t>是從</a:t>
+            </a:r>
+            <a:r>
+              <a:rPr lang="en-US" altLang="zh-TW" sz="1100" dirty="0" err="1" smtClean="0"/>
+              <a:t>CheckBoxList</a:t>
+            </a:r>
+            <a:r>
+              <a:rPr lang="zh-TW" altLang="en-US" sz="1100" dirty="0" smtClean="0"/>
+              <a:t>來的</a:t>
+            </a:r>
+            <a:endParaRPr lang="en-US" altLang="zh-TW" sz="1100" dirty="0"/>
+          </a:p>
+        </p:txBody>
+      </p:sp>
+      <p:cxnSp>
+        <p:nvCxnSpPr>
+          <p:cNvPr id="30" name="直線單箭頭接點 29"/>
+          <p:cNvCxnSpPr/>
+          <p:nvPr/>
+        </p:nvCxnSpPr>
+        <p:spPr>
+          <a:xfrm>
+            <a:off x="4246854" y="1049277"/>
+            <a:ext cx="239798" cy="26522"/>
+          </a:xfrm>
+          <a:prstGeom prst="straightConnector1">
+            <a:avLst/>
+          </a:prstGeom>
+          <a:ln w="28575">
+            <a:solidFill>
+              <a:srgbClr val="FF0000"/>
+            </a:solidFill>
+            <a:tailEnd type="arrow"/>
+          </a:ln>
+        </p:spPr>
+        <p:style>
+          <a:lnRef idx="1">
+            <a:schemeClr val="accent1"/>
+          </a:lnRef>
+          <a:fillRef idx="0">
+            <a:schemeClr val="accent1"/>
+          </a:fillRef>
+          <a:effectRef idx="0">
+            <a:schemeClr val="accent1"/>
+          </a:effectRef>
+          <a:fontRef idx="minor">
+            <a:schemeClr val="tx1"/>
+          </a:fontRef>
+        </p:style>
+      </p:cxnSp>
+      <p:sp>
+        <p:nvSpPr>
+          <p:cNvPr id="36" name="矩形 35"/>
+          <p:cNvSpPr/>
+          <p:nvPr/>
+        </p:nvSpPr>
+        <p:spPr>
+          <a:xfrm>
+            <a:off x="2416424" y="454336"/>
+            <a:ext cx="897467" cy="276999"/>
+          </a:xfrm>
+          <a:prstGeom prst="rect">
+            <a:avLst/>
+          </a:prstGeom>
+          <a:solidFill>
+            <a:schemeClr val="accent4">
+              <a:lumMod val="20000"/>
+              <a:lumOff val="80000"/>
+            </a:schemeClr>
+          </a:solidFill>
+        </p:spPr>
+        <p:txBody>
+          <a:bodyPr wrap="square">
+            <a:spAutoFit/>
+          </a:bodyPr>
+          <a:lstStyle/>
+          <a:p>
+            <a:r>
+              <a:rPr lang="zh-TW" altLang="en-US" sz="1200" dirty="0"/>
+              <a:t>這</a:t>
+            </a:r>
+            <a:r>
+              <a:rPr lang="zh-TW" altLang="en-US" sz="1200" dirty="0" smtClean="0"/>
+              <a:t>是</a:t>
+            </a:r>
+            <a:r>
+              <a:rPr lang="en-US" altLang="zh-TW" sz="1200" dirty="0" smtClean="0"/>
+              <a:t>model</a:t>
+            </a:r>
+            <a:endParaRPr lang="en-US" altLang="zh-TW" sz="1200" dirty="0"/>
+          </a:p>
+        </p:txBody>
+      </p:sp>
+      <p:sp>
+        <p:nvSpPr>
+          <p:cNvPr id="37" name="矩形 36"/>
+          <p:cNvSpPr/>
+          <p:nvPr/>
+        </p:nvSpPr>
+        <p:spPr>
+          <a:xfrm>
+            <a:off x="3446626" y="488197"/>
+            <a:ext cx="897467" cy="276999"/>
+          </a:xfrm>
+          <a:prstGeom prst="rect">
+            <a:avLst/>
+          </a:prstGeom>
+          <a:solidFill>
+            <a:schemeClr val="accent4">
+              <a:lumMod val="20000"/>
+              <a:lumOff val="80000"/>
+            </a:schemeClr>
+          </a:solidFill>
+        </p:spPr>
+        <p:txBody>
+          <a:bodyPr wrap="square">
+            <a:spAutoFit/>
+          </a:bodyPr>
+          <a:lstStyle/>
+          <a:p>
+            <a:r>
+              <a:rPr lang="zh-TW" altLang="en-US" sz="1200" dirty="0"/>
+              <a:t>這</a:t>
+            </a:r>
+            <a:r>
+              <a:rPr lang="zh-TW" altLang="en-US" sz="1200" dirty="0" smtClean="0"/>
+              <a:t>是</a:t>
+            </a:r>
+            <a:r>
+              <a:rPr lang="en-US" altLang="zh-TW" sz="1200" dirty="0" smtClean="0"/>
+              <a:t>item</a:t>
+            </a:r>
+            <a:endParaRPr lang="en-US" altLang="zh-TW" sz="1200" dirty="0"/>
+          </a:p>
+        </p:txBody>
+      </p:sp>
+    </p:spTree>
+    <p:extLst>
+      <p:ext uri="{BB962C8B-B14F-4D97-AF65-F5344CB8AC3E}">
+        <p14:creationId xmlns:p14="http://schemas.microsoft.com/office/powerpoint/2010/main" val="3596671137"/>
+      </p:ext>
+    </p:extLst>
+  </p:cSld>
+  <p:clrMapOvr>
+    <a:masterClrMapping/>
+  </p:clrMapOvr>
+</p:sld>
+</file>
+
+<file path=ppt/slides/slide43.xml><?xml version="1.0" encoding="utf-8"?>
+<p:sld xmlns:a="http://schemas.openxmlformats.org/drawingml/2006/main" xmlns:r="http://schemas.openxmlformats.org/officeDocument/2006/relationships" xmlns:p="http://schemas.openxmlformats.org/presentationml/2006/main">
+  <p:cSld>
+    <p:spTree>
+      <p:nvGrpSpPr>
+        <p:cNvPr id="1" name=""/>
+        <p:cNvGrpSpPr/>
+        <p:nvPr/>
+      </p:nvGrpSpPr>
+      <p:grpSpPr>
+        <a:xfrm>
+          <a:off x="0" y="0"/>
+          <a:ext cx="0" cy="0"/>
+          <a:chOff x="0" y="0"/>
+          <a:chExt cx="0" cy="0"/>
+        </a:xfrm>
+      </p:grpSpPr>
+      <p:pic>
+        <p:nvPicPr>
+          <p:cNvPr id="7" name="Picture 2"/>
+          <p:cNvPicPr>
+            <a:picLocks noChangeAspect="1" noChangeArrowheads="1"/>
+          </p:cNvPicPr>
+          <p:nvPr/>
+        </p:nvPicPr>
+        <p:blipFill>
+          <a:blip r:embed="rId2">
+            <a:extLst>
+              <a:ext uri="{28A0092B-C50C-407E-A947-70E740481C1C}">
+                <a14:useLocalDpi xmlns:a14="http://schemas.microsoft.com/office/drawing/2010/main" val="0"/>
+              </a:ext>
+            </a:extLst>
+          </a:blip>
+          <a:srcRect/>
+          <a:stretch>
+            <a:fillRect/>
+          </a:stretch>
+        </p:blipFill>
+        <p:spPr bwMode="auto">
+          <a:xfrm>
+            <a:off x="7358782" y="2608059"/>
+            <a:ext cx="3915979" cy="3070195"/>
+          </a:xfrm>
+          <a:prstGeom prst="rect">
+            <a:avLst/>
+          </a:prstGeom>
+          <a:noFill/>
+          <a:ln>
+            <a:noFill/>
+          </a:ln>
+          <a:extLst>
+            <a:ext uri="{909E8E84-426E-40DD-AFC4-6F175D3DCCD1}">
+              <a14:hiddenFill xmlns:a14="http://schemas.microsoft.com/office/drawing/2010/main">
+                <a:solidFill>
+                  <a:schemeClr val="accent1"/>
+                </a:solidFill>
+              </a14:hiddenFill>
+            </a:ext>
+            <a:ext uri="{91240B29-F687-4F45-9708-019B960494DF}">
+              <a14:hiddenLine xmlns:a14="http://schemas.microsoft.com/office/drawing/2010/main" w="9525">
+                <a:solidFill>
+                  <a:schemeClr val="tx1"/>
+                </a:solidFill>
+                <a:miter lim="800000"/>
+                <a:headEnd/>
+                <a:tailEnd/>
+              </a14:hiddenLine>
+            </a:ext>
+          </a:extLst>
+        </p:spPr>
+      </p:pic>
+      <p:pic>
+        <p:nvPicPr>
+          <p:cNvPr id="8" name="Picture 3"/>
+          <p:cNvPicPr>
+            <a:picLocks noChangeAspect="1" noChangeArrowheads="1"/>
+          </p:cNvPicPr>
+          <p:nvPr/>
+        </p:nvPicPr>
+        <p:blipFill>
+          <a:blip r:embed="rId3">
+            <a:extLst>
+              <a:ext uri="{28A0092B-C50C-407E-A947-70E740481C1C}">
+                <a14:useLocalDpi xmlns:a14="http://schemas.microsoft.com/office/drawing/2010/main" val="0"/>
+              </a:ext>
+            </a:extLst>
+          </a:blip>
+          <a:srcRect/>
+          <a:stretch>
+            <a:fillRect/>
+          </a:stretch>
+        </p:blipFill>
+        <p:spPr bwMode="auto">
+          <a:xfrm>
             <a:off x="72876" y="499529"/>
             <a:ext cx="4886325" cy="2895600"/>
           </a:xfrm>
@@ -21811,7 +23377,7 @@
 </p:sld>
 </file>
 
-<file path=ppt/slides/slide43.xml><?xml version="1.0" encoding="utf-8"?>
+<file path=ppt/slides/slide44.xml><?xml version="1.0" encoding="utf-8"?>
 <p:sld xmlns:a="http://schemas.openxmlformats.org/drawingml/2006/main" xmlns:r="http://schemas.openxmlformats.org/officeDocument/2006/relationships" xmlns:p="http://schemas.openxmlformats.org/presentationml/2006/main">
   <p:cSld>
     <p:spTree>
@@ -21970,7 +23536,7 @@
           <p:cNvPr id="4" name="圖片 3">
             <a:extLst>
               <a:ext uri="{FF2B5EF4-FFF2-40B4-BE49-F238E27FC236}">
-                <a16:creationId xmlns:a16="http://schemas.microsoft.com/office/drawing/2014/main" xmlns="" id="{4FA5B047-4B7F-47C6-9CE1-B2A3F41B020B}"/>
+                <a16:creationId xmlns="" xmlns:a16="http://schemas.microsoft.com/office/drawing/2014/main" id="{4FA5B047-4B7F-47C6-9CE1-B2A3F41B020B}"/>
               </a:ext>
             </a:extLst>
           </p:cNvPr>
@@ -22000,7 +23566,7 @@
           <p:cNvPr id="5" name="矩形 4">
             <a:extLst>
               <a:ext uri="{FF2B5EF4-FFF2-40B4-BE49-F238E27FC236}">
-                <a16:creationId xmlns:a16="http://schemas.microsoft.com/office/drawing/2014/main" xmlns="" id="{A099EFAB-F3C9-4304-A7BD-31D67A14252A}"/>
+                <a16:creationId xmlns="" xmlns:a16="http://schemas.microsoft.com/office/drawing/2014/main" id="{A099EFAB-F3C9-4304-A7BD-31D67A14252A}"/>
               </a:ext>
             </a:extLst>
           </p:cNvPr>
@@ -22052,7 +23618,7 @@
           <p:cNvPr id="6" name="語音泡泡: 圓角矩形 5">
             <a:extLst>
               <a:ext uri="{FF2B5EF4-FFF2-40B4-BE49-F238E27FC236}">
-                <a16:creationId xmlns:a16="http://schemas.microsoft.com/office/drawing/2014/main" xmlns="" id="{3651C266-FAE0-4C25-9A88-C9F904D9923C}"/>
+                <a16:creationId xmlns="" xmlns:a16="http://schemas.microsoft.com/office/drawing/2014/main" id="{3651C266-FAE0-4C25-9A88-C9F904D9923C}"/>
               </a:ext>
             </a:extLst>
           </p:cNvPr>
@@ -22190,7 +23756,7 @@
           <p:cNvPr id="6" name="圖片 5">
             <a:extLst>
               <a:ext uri="{FF2B5EF4-FFF2-40B4-BE49-F238E27FC236}">
-                <a16:creationId xmlns:a16="http://schemas.microsoft.com/office/drawing/2014/main" xmlns="" id="{3D2AD7E2-E957-4DB7-B9AD-96CC48379E46}"/>
+                <a16:creationId xmlns="" xmlns:a16="http://schemas.microsoft.com/office/drawing/2014/main" id="{3D2AD7E2-E957-4DB7-B9AD-96CC48379E46}"/>
               </a:ext>
             </a:extLst>
           </p:cNvPr>
@@ -22220,7 +23786,7 @@
           <p:cNvPr id="5" name="語音泡泡: 圓角矩形 4">
             <a:extLst>
               <a:ext uri="{FF2B5EF4-FFF2-40B4-BE49-F238E27FC236}">
-                <a16:creationId xmlns:a16="http://schemas.microsoft.com/office/drawing/2014/main" xmlns="" id="{F2ED1D7E-7D1C-4A56-9353-26E2C7E209EB}"/>
+                <a16:creationId xmlns="" xmlns:a16="http://schemas.microsoft.com/office/drawing/2014/main" id="{F2ED1D7E-7D1C-4A56-9353-26E2C7E209EB}"/>
               </a:ext>
             </a:extLst>
           </p:cNvPr>
@@ -22299,7 +23865,7 @@
           <p:cNvPr id="7" name="語音泡泡: 圓角矩形 6">
             <a:extLst>
               <a:ext uri="{FF2B5EF4-FFF2-40B4-BE49-F238E27FC236}">
-                <a16:creationId xmlns:a16="http://schemas.microsoft.com/office/drawing/2014/main" xmlns="" id="{E1486E0C-4024-47AF-A99B-32C763660AF4}"/>
+                <a16:creationId xmlns="" xmlns:a16="http://schemas.microsoft.com/office/drawing/2014/main" id="{E1486E0C-4024-47AF-A99B-32C763660AF4}"/>
               </a:ext>
             </a:extLst>
           </p:cNvPr>
@@ -22399,7 +23965,7 @@
           <p:cNvPr id="8" name="矩形 7">
             <a:extLst>
               <a:ext uri="{FF2B5EF4-FFF2-40B4-BE49-F238E27FC236}">
-                <a16:creationId xmlns:a16="http://schemas.microsoft.com/office/drawing/2014/main" xmlns="" id="{0AEC7426-FEE0-44B5-90F3-09E9C0CC35CE}"/>
+                <a16:creationId xmlns="" xmlns:a16="http://schemas.microsoft.com/office/drawing/2014/main" id="{0AEC7426-FEE0-44B5-90F3-09E9C0CC35CE}"/>
               </a:ext>
             </a:extLst>
           </p:cNvPr>
@@ -22485,7 +24051,7 @@
           <p:cNvPr id="4" name="圖片 3">
             <a:extLst>
               <a:ext uri="{FF2B5EF4-FFF2-40B4-BE49-F238E27FC236}">
-                <a16:creationId xmlns:a16="http://schemas.microsoft.com/office/drawing/2014/main" xmlns="" id="{6A5C0A44-452C-451D-972E-6E0BDA7D7FCB}"/>
+                <a16:creationId xmlns="" xmlns:a16="http://schemas.microsoft.com/office/drawing/2014/main" id="{6A5C0A44-452C-451D-972E-6E0BDA7D7FCB}"/>
               </a:ext>
             </a:extLst>
           </p:cNvPr>
@@ -22515,7 +24081,7 @@
           <p:cNvPr id="5" name="矩形 4">
             <a:extLst>
               <a:ext uri="{FF2B5EF4-FFF2-40B4-BE49-F238E27FC236}">
-                <a16:creationId xmlns:a16="http://schemas.microsoft.com/office/drawing/2014/main" xmlns="" id="{E40A4DD0-B32E-4261-91F9-36DB4304BAB9}"/>
+                <a16:creationId xmlns="" xmlns:a16="http://schemas.microsoft.com/office/drawing/2014/main" id="{E40A4DD0-B32E-4261-91F9-36DB4304BAB9}"/>
               </a:ext>
             </a:extLst>
           </p:cNvPr>
@@ -22567,7 +24133,7 @@
           <p:cNvPr id="7" name="Picture 2">
             <a:extLst>
               <a:ext uri="{FF2B5EF4-FFF2-40B4-BE49-F238E27FC236}">
-                <a16:creationId xmlns:a16="http://schemas.microsoft.com/office/drawing/2014/main" xmlns="" id="{7AF7CE69-1046-466D-8830-86DF4C81956F}"/>
+                <a16:creationId xmlns="" xmlns:a16="http://schemas.microsoft.com/office/drawing/2014/main" id="{7AF7CE69-1046-466D-8830-86DF4C81956F}"/>
               </a:ext>
             </a:extLst>
           </p:cNvPr>
@@ -22625,7 +24191,7 @@
           <p:cNvPr id="8" name="直線單箭頭接點 7">
             <a:extLst>
               <a:ext uri="{FF2B5EF4-FFF2-40B4-BE49-F238E27FC236}">
-                <a16:creationId xmlns:a16="http://schemas.microsoft.com/office/drawing/2014/main" xmlns="" id="{A2920627-4DC9-4DAB-9357-FFEBD7792760}"/>
+                <a16:creationId xmlns="" xmlns:a16="http://schemas.microsoft.com/office/drawing/2014/main" id="{A2920627-4DC9-4DAB-9357-FFEBD7792760}"/>
               </a:ext>
             </a:extLst>
           </p:cNvPr>
@@ -22667,7 +24233,7 @@
           <p:cNvPr id="9" name="直線單箭頭接點 8">
             <a:extLst>
               <a:ext uri="{FF2B5EF4-FFF2-40B4-BE49-F238E27FC236}">
-                <a16:creationId xmlns:a16="http://schemas.microsoft.com/office/drawing/2014/main" xmlns="" id="{9F5472DB-3040-4E23-9AF3-685BF7A352B1}"/>
+                <a16:creationId xmlns="" xmlns:a16="http://schemas.microsoft.com/office/drawing/2014/main" id="{9F5472DB-3040-4E23-9AF3-685BF7A352B1}"/>
               </a:ext>
             </a:extLst>
           </p:cNvPr>
@@ -22709,7 +24275,7 @@
           <p:cNvPr id="10" name="矩形 9">
             <a:extLst>
               <a:ext uri="{FF2B5EF4-FFF2-40B4-BE49-F238E27FC236}">
-                <a16:creationId xmlns:a16="http://schemas.microsoft.com/office/drawing/2014/main" xmlns="" id="{59779CBE-10B0-46D7-8244-9AF426A70D31}"/>
+                <a16:creationId xmlns="" xmlns:a16="http://schemas.microsoft.com/office/drawing/2014/main" id="{59779CBE-10B0-46D7-8244-9AF426A70D31}"/>
               </a:ext>
             </a:extLst>
           </p:cNvPr>
@@ -22770,7 +24336,7 @@
           <p:cNvPr id="11" name="圖片 10">
             <a:extLst>
               <a:ext uri="{FF2B5EF4-FFF2-40B4-BE49-F238E27FC236}">
-                <a16:creationId xmlns:a16="http://schemas.microsoft.com/office/drawing/2014/main" xmlns="" id="{319531C6-4F74-4B32-8642-A21BEFAA11A3}"/>
+                <a16:creationId xmlns="" xmlns:a16="http://schemas.microsoft.com/office/drawing/2014/main" id="{319531C6-4F74-4B32-8642-A21BEFAA11A3}"/>
               </a:ext>
             </a:extLst>
           </p:cNvPr>
@@ -22884,7 +24450,7 @@
           <p:cNvPr id="5" name="語音泡泡: 圓角矩形 6">
             <a:extLst>
               <a:ext uri="{FF2B5EF4-FFF2-40B4-BE49-F238E27FC236}">
-                <a16:creationId xmlns:a16="http://schemas.microsoft.com/office/drawing/2014/main" xmlns="" id="{E1486E0C-4024-47AF-A99B-32C763660AF4}"/>
+                <a16:creationId xmlns="" xmlns:a16="http://schemas.microsoft.com/office/drawing/2014/main" id="{E1486E0C-4024-47AF-A99B-32C763660AF4}"/>
               </a:ext>
             </a:extLst>
           </p:cNvPr>
@@ -22987,7 +24553,7 @@
           <p:cNvPr id="6" name="語音泡泡: 圓角矩形 6">
             <a:extLst>
               <a:ext uri="{FF2B5EF4-FFF2-40B4-BE49-F238E27FC236}">
-                <a16:creationId xmlns:a16="http://schemas.microsoft.com/office/drawing/2014/main" xmlns="" id="{E1486E0C-4024-47AF-A99B-32C763660AF4}"/>
+                <a16:creationId xmlns="" xmlns:a16="http://schemas.microsoft.com/office/drawing/2014/main" id="{E1486E0C-4024-47AF-A99B-32C763660AF4}"/>
               </a:ext>
             </a:extLst>
           </p:cNvPr>
@@ -23070,7 +24636,7 @@
           <p:cNvPr id="7" name="語音泡泡: 圓角矩形 6">
             <a:extLst>
               <a:ext uri="{FF2B5EF4-FFF2-40B4-BE49-F238E27FC236}">
-                <a16:creationId xmlns:a16="http://schemas.microsoft.com/office/drawing/2014/main" xmlns="" id="{E1486E0C-4024-47AF-A99B-32C763660AF4}"/>
+                <a16:creationId xmlns="" xmlns:a16="http://schemas.microsoft.com/office/drawing/2014/main" id="{E1486E0C-4024-47AF-A99B-32C763660AF4}"/>
               </a:ext>
             </a:extLst>
           </p:cNvPr>
@@ -23230,7 +24796,7 @@
           <p:cNvPr id="2" name="矩形 1">
             <a:extLst>
               <a:ext uri="{FF2B5EF4-FFF2-40B4-BE49-F238E27FC236}">
-                <a16:creationId xmlns:a16="http://schemas.microsoft.com/office/drawing/2014/main" xmlns="" id="{83003822-AF1D-49C8-A26D-B392E027C792}"/>
+                <a16:creationId xmlns="" xmlns:a16="http://schemas.microsoft.com/office/drawing/2014/main" id="{83003822-AF1D-49C8-A26D-B392E027C792}"/>
               </a:ext>
             </a:extLst>
           </p:cNvPr>
@@ -23286,7 +24852,7 @@
           <p:cNvPr id="9" name="語音泡泡: 圓角矩形 8">
             <a:extLst>
               <a:ext uri="{FF2B5EF4-FFF2-40B4-BE49-F238E27FC236}">
-                <a16:creationId xmlns:a16="http://schemas.microsoft.com/office/drawing/2014/main" xmlns="" id="{CECB12D8-92A4-4EB8-9B34-574ADF32B763}"/>
+                <a16:creationId xmlns="" xmlns:a16="http://schemas.microsoft.com/office/drawing/2014/main" id="{CECB12D8-92A4-4EB8-9B34-574ADF32B763}"/>
               </a:ext>
             </a:extLst>
           </p:cNvPr>
@@ -23449,7 +25015,7 @@
           <p:cNvPr id="4" name="Picture 2">
             <a:extLst>
               <a:ext uri="{FF2B5EF4-FFF2-40B4-BE49-F238E27FC236}">
-                <a16:creationId xmlns:a16="http://schemas.microsoft.com/office/drawing/2014/main" xmlns="" id="{907E60C6-2D42-40DA-8FBB-2E25D65D3116}"/>
+                <a16:creationId xmlns="" xmlns:a16="http://schemas.microsoft.com/office/drawing/2014/main" id="{907E60C6-2D42-40DA-8FBB-2E25D65D3116}"/>
               </a:ext>
             </a:extLst>
           </p:cNvPr>
@@ -23509,7 +25075,7 @@
           <p:cNvPr id="5" name="矩形 4">
             <a:extLst>
               <a:ext uri="{FF2B5EF4-FFF2-40B4-BE49-F238E27FC236}">
-                <a16:creationId xmlns:a16="http://schemas.microsoft.com/office/drawing/2014/main" xmlns="" id="{DCA9ABC3-6F29-437F-B9D0-F2759C3712B8}"/>
+                <a16:creationId xmlns="" xmlns:a16="http://schemas.microsoft.com/office/drawing/2014/main" id="{DCA9ABC3-6F29-437F-B9D0-F2759C3712B8}"/>
               </a:ext>
             </a:extLst>
           </p:cNvPr>
@@ -23576,7 +25142,7 @@
           <p:cNvPr id="6" name="矩形 5">
             <a:extLst>
               <a:ext uri="{FF2B5EF4-FFF2-40B4-BE49-F238E27FC236}">
-                <a16:creationId xmlns:a16="http://schemas.microsoft.com/office/drawing/2014/main" xmlns="" id="{E5BCEFE5-8B4A-4FA7-9404-2A409BC66F9C}"/>
+                <a16:creationId xmlns="" xmlns:a16="http://schemas.microsoft.com/office/drawing/2014/main" id="{E5BCEFE5-8B4A-4FA7-9404-2A409BC66F9C}"/>
               </a:ext>
             </a:extLst>
           </p:cNvPr>
@@ -23929,7 +25495,7 @@
   <a:extraClrSchemeLst/>
   <a:extLst>
     <a:ext uri="{05A4C25C-085E-4340-85A3-A5531E510DB2}">
-      <thm15:themeFamily xmlns:thm15="http://schemas.microsoft.com/office/thememl/2012/main" xmlns="" name="Office Theme" id="{62F939B6-93AF-4DB8-9C6B-D6C7DFDC589F}" vid="{4A3C46E8-61CC-4603-A589-7422A47A8E4A}"/>
+      <thm15:themeFamily xmlns="" xmlns:thm15="http://schemas.microsoft.com/office/thememl/2012/main" name="Office Theme" id="{62F939B6-93AF-4DB8-9C6B-D6C7DFDC589F}" vid="{4A3C46E8-61CC-4603-A589-7422A47A8E4A}"/>
     </a:ext>
   </a:extLst>
 </a:theme>

--- a/筆記.pptx
+++ b/筆記.pptx
@@ -149,7 +149,7 @@
   </p:defaultTextStyle>
   <p:extLst>
     <p:ext uri="{EFAFB233-063F-42B5-8137-9DF3F51BA10A}">
-      <p15:sldGuideLst xmlns="" xmlns:p15="http://schemas.microsoft.com/office/powerpoint/2012/main">
+      <p15:sldGuideLst xmlns:p15="http://schemas.microsoft.com/office/powerpoint/2012/main" xmlns="">
         <p15:guide id="1" orient="horz" pos="2160">
           <p15:clr>
             <a:srgbClr val="A4A3A4"/>
@@ -192,7 +192,7 @@
           <p:cNvPr id="2" name="標題 1">
             <a:extLst>
               <a:ext uri="{FF2B5EF4-FFF2-40B4-BE49-F238E27FC236}">
-                <a16:creationId xmlns="" xmlns:a16="http://schemas.microsoft.com/office/drawing/2014/main" id="{1198393F-506E-42F3-9FA2-C5A7116197F9}"/>
+                <a16:creationId xmlns:a16="http://schemas.microsoft.com/office/drawing/2014/main" xmlns="" id="{1198393F-506E-42F3-9FA2-C5A7116197F9}"/>
               </a:ext>
             </a:extLst>
           </p:cNvPr>
@@ -229,7 +229,7 @@
           <p:cNvPr id="3" name="副標題 2">
             <a:extLst>
               <a:ext uri="{FF2B5EF4-FFF2-40B4-BE49-F238E27FC236}">
-                <a16:creationId xmlns="" xmlns:a16="http://schemas.microsoft.com/office/drawing/2014/main" id="{EEA0432F-353E-42BB-9B17-1D182533D439}"/>
+                <a16:creationId xmlns:a16="http://schemas.microsoft.com/office/drawing/2014/main" xmlns="" id="{EEA0432F-353E-42BB-9B17-1D182533D439}"/>
               </a:ext>
             </a:extLst>
           </p:cNvPr>
@@ -299,7 +299,7 @@
           <p:cNvPr id="4" name="日期版面配置區 3">
             <a:extLst>
               <a:ext uri="{FF2B5EF4-FFF2-40B4-BE49-F238E27FC236}">
-                <a16:creationId xmlns="" xmlns:a16="http://schemas.microsoft.com/office/drawing/2014/main" id="{B4CDE810-493D-4C49-B8ED-9436B09EAE24}"/>
+                <a16:creationId xmlns:a16="http://schemas.microsoft.com/office/drawing/2014/main" xmlns="" id="{B4CDE810-493D-4C49-B8ED-9436B09EAE24}"/>
               </a:ext>
             </a:extLst>
           </p:cNvPr>
@@ -317,7 +317,7 @@
           <a:p>
             <a:fld id="{1983F8DA-040C-4179-8EC3-2597626DD22D}" type="datetimeFigureOut">
               <a:rPr lang="zh-TW" altLang="en-US" smtClean="0"/>
-              <a:t>2018/5/15</a:t>
+              <a:t>2018/5/16</a:t>
             </a:fld>
             <a:endParaRPr lang="zh-TW" altLang="en-US"/>
           </a:p>
@@ -328,7 +328,7 @@
           <p:cNvPr id="5" name="頁尾版面配置區 4">
             <a:extLst>
               <a:ext uri="{FF2B5EF4-FFF2-40B4-BE49-F238E27FC236}">
-                <a16:creationId xmlns="" xmlns:a16="http://schemas.microsoft.com/office/drawing/2014/main" id="{AF2EE26C-5BD5-49B3-AFA9-F3AD51DF851F}"/>
+                <a16:creationId xmlns:a16="http://schemas.microsoft.com/office/drawing/2014/main" xmlns="" id="{AF2EE26C-5BD5-49B3-AFA9-F3AD51DF851F}"/>
               </a:ext>
             </a:extLst>
           </p:cNvPr>
@@ -353,7 +353,7 @@
           <p:cNvPr id="6" name="投影片編號版面配置區 5">
             <a:extLst>
               <a:ext uri="{FF2B5EF4-FFF2-40B4-BE49-F238E27FC236}">
-                <a16:creationId xmlns="" xmlns:a16="http://schemas.microsoft.com/office/drawing/2014/main" id="{8E168F88-A195-4F77-9EB7-45BBA865904A}"/>
+                <a16:creationId xmlns:a16="http://schemas.microsoft.com/office/drawing/2014/main" xmlns="" id="{8E168F88-A195-4F77-9EB7-45BBA865904A}"/>
               </a:ext>
             </a:extLst>
           </p:cNvPr>
@@ -412,7 +412,7 @@
           <p:cNvPr id="2" name="標題 1">
             <a:extLst>
               <a:ext uri="{FF2B5EF4-FFF2-40B4-BE49-F238E27FC236}">
-                <a16:creationId xmlns="" xmlns:a16="http://schemas.microsoft.com/office/drawing/2014/main" id="{8FBAA53A-84EC-4393-9448-9CAE254CA709}"/>
+                <a16:creationId xmlns:a16="http://schemas.microsoft.com/office/drawing/2014/main" xmlns="" id="{8FBAA53A-84EC-4393-9448-9CAE254CA709}"/>
               </a:ext>
             </a:extLst>
           </p:cNvPr>
@@ -440,7 +440,7 @@
           <p:cNvPr id="3" name="直排文字版面配置區 2">
             <a:extLst>
               <a:ext uri="{FF2B5EF4-FFF2-40B4-BE49-F238E27FC236}">
-                <a16:creationId xmlns="" xmlns:a16="http://schemas.microsoft.com/office/drawing/2014/main" id="{AE87E7FC-8712-4D20-BEFC-C406303758C0}"/>
+                <a16:creationId xmlns:a16="http://schemas.microsoft.com/office/drawing/2014/main" xmlns="" id="{AE87E7FC-8712-4D20-BEFC-C406303758C0}"/>
               </a:ext>
             </a:extLst>
           </p:cNvPr>
@@ -497,7 +497,7 @@
           <p:cNvPr id="4" name="日期版面配置區 3">
             <a:extLst>
               <a:ext uri="{FF2B5EF4-FFF2-40B4-BE49-F238E27FC236}">
-                <a16:creationId xmlns="" xmlns:a16="http://schemas.microsoft.com/office/drawing/2014/main" id="{B587C640-CE34-4DCB-A779-FECBEAE9BA40}"/>
+                <a16:creationId xmlns:a16="http://schemas.microsoft.com/office/drawing/2014/main" xmlns="" id="{B587C640-CE34-4DCB-A779-FECBEAE9BA40}"/>
               </a:ext>
             </a:extLst>
           </p:cNvPr>
@@ -515,7 +515,7 @@
           <a:p>
             <a:fld id="{1983F8DA-040C-4179-8EC3-2597626DD22D}" type="datetimeFigureOut">
               <a:rPr lang="zh-TW" altLang="en-US" smtClean="0"/>
-              <a:t>2018/5/15</a:t>
+              <a:t>2018/5/16</a:t>
             </a:fld>
             <a:endParaRPr lang="zh-TW" altLang="en-US"/>
           </a:p>
@@ -526,7 +526,7 @@
           <p:cNvPr id="5" name="頁尾版面配置區 4">
             <a:extLst>
               <a:ext uri="{FF2B5EF4-FFF2-40B4-BE49-F238E27FC236}">
-                <a16:creationId xmlns="" xmlns:a16="http://schemas.microsoft.com/office/drawing/2014/main" id="{3A88C654-BC98-4205-83C0-BE29BA5200CC}"/>
+                <a16:creationId xmlns:a16="http://schemas.microsoft.com/office/drawing/2014/main" xmlns="" id="{3A88C654-BC98-4205-83C0-BE29BA5200CC}"/>
               </a:ext>
             </a:extLst>
           </p:cNvPr>
@@ -551,7 +551,7 @@
           <p:cNvPr id="6" name="投影片編號版面配置區 5">
             <a:extLst>
               <a:ext uri="{FF2B5EF4-FFF2-40B4-BE49-F238E27FC236}">
-                <a16:creationId xmlns="" xmlns:a16="http://schemas.microsoft.com/office/drawing/2014/main" id="{9324F803-7C42-4F87-9C7E-B76C231F75D8}"/>
+                <a16:creationId xmlns:a16="http://schemas.microsoft.com/office/drawing/2014/main" xmlns="" id="{9324F803-7C42-4F87-9C7E-B76C231F75D8}"/>
               </a:ext>
             </a:extLst>
           </p:cNvPr>
@@ -610,7 +610,7 @@
           <p:cNvPr id="2" name="直排標題 1">
             <a:extLst>
               <a:ext uri="{FF2B5EF4-FFF2-40B4-BE49-F238E27FC236}">
-                <a16:creationId xmlns="" xmlns:a16="http://schemas.microsoft.com/office/drawing/2014/main" id="{9BAC39AB-F732-4CC0-B422-B26720BFCF3B}"/>
+                <a16:creationId xmlns:a16="http://schemas.microsoft.com/office/drawing/2014/main" xmlns="" id="{9BAC39AB-F732-4CC0-B422-B26720BFCF3B}"/>
               </a:ext>
             </a:extLst>
           </p:cNvPr>
@@ -643,7 +643,7 @@
           <p:cNvPr id="3" name="直排文字版面配置區 2">
             <a:extLst>
               <a:ext uri="{FF2B5EF4-FFF2-40B4-BE49-F238E27FC236}">
-                <a16:creationId xmlns="" xmlns:a16="http://schemas.microsoft.com/office/drawing/2014/main" id="{FBC3752A-000A-4A33-B236-B8F23F6605B3}"/>
+                <a16:creationId xmlns:a16="http://schemas.microsoft.com/office/drawing/2014/main" xmlns="" id="{FBC3752A-000A-4A33-B236-B8F23F6605B3}"/>
               </a:ext>
             </a:extLst>
           </p:cNvPr>
@@ -705,7 +705,7 @@
           <p:cNvPr id="4" name="日期版面配置區 3">
             <a:extLst>
               <a:ext uri="{FF2B5EF4-FFF2-40B4-BE49-F238E27FC236}">
-                <a16:creationId xmlns="" xmlns:a16="http://schemas.microsoft.com/office/drawing/2014/main" id="{601FE94D-9366-4936-84EE-5985F9DEC92E}"/>
+                <a16:creationId xmlns:a16="http://schemas.microsoft.com/office/drawing/2014/main" xmlns="" id="{601FE94D-9366-4936-84EE-5985F9DEC92E}"/>
               </a:ext>
             </a:extLst>
           </p:cNvPr>
@@ -723,7 +723,7 @@
           <a:p>
             <a:fld id="{1983F8DA-040C-4179-8EC3-2597626DD22D}" type="datetimeFigureOut">
               <a:rPr lang="zh-TW" altLang="en-US" smtClean="0"/>
-              <a:t>2018/5/15</a:t>
+              <a:t>2018/5/16</a:t>
             </a:fld>
             <a:endParaRPr lang="zh-TW" altLang="en-US"/>
           </a:p>
@@ -734,7 +734,7 @@
           <p:cNvPr id="5" name="頁尾版面配置區 4">
             <a:extLst>
               <a:ext uri="{FF2B5EF4-FFF2-40B4-BE49-F238E27FC236}">
-                <a16:creationId xmlns="" xmlns:a16="http://schemas.microsoft.com/office/drawing/2014/main" id="{AFE29EB2-FAEB-4546-98D7-92EED2E8B0DB}"/>
+                <a16:creationId xmlns:a16="http://schemas.microsoft.com/office/drawing/2014/main" xmlns="" id="{AFE29EB2-FAEB-4546-98D7-92EED2E8B0DB}"/>
               </a:ext>
             </a:extLst>
           </p:cNvPr>
@@ -759,7 +759,7 @@
           <p:cNvPr id="6" name="投影片編號版面配置區 5">
             <a:extLst>
               <a:ext uri="{FF2B5EF4-FFF2-40B4-BE49-F238E27FC236}">
-                <a16:creationId xmlns="" xmlns:a16="http://schemas.microsoft.com/office/drawing/2014/main" id="{622F40B8-7D29-4D01-9DBE-D704BBD2C699}"/>
+                <a16:creationId xmlns:a16="http://schemas.microsoft.com/office/drawing/2014/main" xmlns="" id="{622F40B8-7D29-4D01-9DBE-D704BBD2C699}"/>
               </a:ext>
             </a:extLst>
           </p:cNvPr>
@@ -818,7 +818,7 @@
           <p:cNvPr id="2" name="標題 1">
             <a:extLst>
               <a:ext uri="{FF2B5EF4-FFF2-40B4-BE49-F238E27FC236}">
-                <a16:creationId xmlns="" xmlns:a16="http://schemas.microsoft.com/office/drawing/2014/main" id="{1A3F3828-BD0A-4B81-A984-81DFE4E59A58}"/>
+                <a16:creationId xmlns:a16="http://schemas.microsoft.com/office/drawing/2014/main" xmlns="" id="{1A3F3828-BD0A-4B81-A984-81DFE4E59A58}"/>
               </a:ext>
             </a:extLst>
           </p:cNvPr>
@@ -846,7 +846,7 @@
           <p:cNvPr id="3" name="內容版面配置區 2">
             <a:extLst>
               <a:ext uri="{FF2B5EF4-FFF2-40B4-BE49-F238E27FC236}">
-                <a16:creationId xmlns="" xmlns:a16="http://schemas.microsoft.com/office/drawing/2014/main" id="{0EC8A2A9-2912-4BFA-BCDF-32962C0BB2A3}"/>
+                <a16:creationId xmlns:a16="http://schemas.microsoft.com/office/drawing/2014/main" xmlns="" id="{0EC8A2A9-2912-4BFA-BCDF-32962C0BB2A3}"/>
               </a:ext>
             </a:extLst>
           </p:cNvPr>
@@ -903,7 +903,7 @@
           <p:cNvPr id="4" name="日期版面配置區 3">
             <a:extLst>
               <a:ext uri="{FF2B5EF4-FFF2-40B4-BE49-F238E27FC236}">
-                <a16:creationId xmlns="" xmlns:a16="http://schemas.microsoft.com/office/drawing/2014/main" id="{9B3D757A-635C-497E-9BA1-32A5E7FCE7F6}"/>
+                <a16:creationId xmlns:a16="http://schemas.microsoft.com/office/drawing/2014/main" xmlns="" id="{9B3D757A-635C-497E-9BA1-32A5E7FCE7F6}"/>
               </a:ext>
             </a:extLst>
           </p:cNvPr>
@@ -921,7 +921,7 @@
           <a:p>
             <a:fld id="{1983F8DA-040C-4179-8EC3-2597626DD22D}" type="datetimeFigureOut">
               <a:rPr lang="zh-TW" altLang="en-US" smtClean="0"/>
-              <a:t>2018/5/15</a:t>
+              <a:t>2018/5/16</a:t>
             </a:fld>
             <a:endParaRPr lang="zh-TW" altLang="en-US"/>
           </a:p>
@@ -932,7 +932,7 @@
           <p:cNvPr id="5" name="頁尾版面配置區 4">
             <a:extLst>
               <a:ext uri="{FF2B5EF4-FFF2-40B4-BE49-F238E27FC236}">
-                <a16:creationId xmlns="" xmlns:a16="http://schemas.microsoft.com/office/drawing/2014/main" id="{1F5A3E80-D4D4-44B5-8BBD-0365A50F04B9}"/>
+                <a16:creationId xmlns:a16="http://schemas.microsoft.com/office/drawing/2014/main" xmlns="" id="{1F5A3E80-D4D4-44B5-8BBD-0365A50F04B9}"/>
               </a:ext>
             </a:extLst>
           </p:cNvPr>
@@ -957,7 +957,7 @@
           <p:cNvPr id="6" name="投影片編號版面配置區 5">
             <a:extLst>
               <a:ext uri="{FF2B5EF4-FFF2-40B4-BE49-F238E27FC236}">
-                <a16:creationId xmlns="" xmlns:a16="http://schemas.microsoft.com/office/drawing/2014/main" id="{2AC6233F-BFA6-42D3-8283-2F071C9CAF2D}"/>
+                <a16:creationId xmlns:a16="http://schemas.microsoft.com/office/drawing/2014/main" xmlns="" id="{2AC6233F-BFA6-42D3-8283-2F071C9CAF2D}"/>
               </a:ext>
             </a:extLst>
           </p:cNvPr>
@@ -1016,7 +1016,7 @@
           <p:cNvPr id="2" name="標題 1">
             <a:extLst>
               <a:ext uri="{FF2B5EF4-FFF2-40B4-BE49-F238E27FC236}">
-                <a16:creationId xmlns="" xmlns:a16="http://schemas.microsoft.com/office/drawing/2014/main" id="{693186E9-1AB3-46F6-91DF-3B08ED2ACD00}"/>
+                <a16:creationId xmlns:a16="http://schemas.microsoft.com/office/drawing/2014/main" xmlns="" id="{693186E9-1AB3-46F6-91DF-3B08ED2ACD00}"/>
               </a:ext>
             </a:extLst>
           </p:cNvPr>
@@ -1053,7 +1053,7 @@
           <p:cNvPr id="3" name="文字版面配置區 2">
             <a:extLst>
               <a:ext uri="{FF2B5EF4-FFF2-40B4-BE49-F238E27FC236}">
-                <a16:creationId xmlns="" xmlns:a16="http://schemas.microsoft.com/office/drawing/2014/main" id="{0D1B0F2E-115D-4029-BEC4-14D342BEF1B6}"/>
+                <a16:creationId xmlns:a16="http://schemas.microsoft.com/office/drawing/2014/main" xmlns="" id="{0D1B0F2E-115D-4029-BEC4-14D342BEF1B6}"/>
               </a:ext>
             </a:extLst>
           </p:cNvPr>
@@ -1178,7 +1178,7 @@
           <p:cNvPr id="4" name="日期版面配置區 3">
             <a:extLst>
               <a:ext uri="{FF2B5EF4-FFF2-40B4-BE49-F238E27FC236}">
-                <a16:creationId xmlns="" xmlns:a16="http://schemas.microsoft.com/office/drawing/2014/main" id="{53C6FD83-AA37-48FE-89EF-284F407D699D}"/>
+                <a16:creationId xmlns:a16="http://schemas.microsoft.com/office/drawing/2014/main" xmlns="" id="{53C6FD83-AA37-48FE-89EF-284F407D699D}"/>
               </a:ext>
             </a:extLst>
           </p:cNvPr>
@@ -1196,7 +1196,7 @@
           <a:p>
             <a:fld id="{1983F8DA-040C-4179-8EC3-2597626DD22D}" type="datetimeFigureOut">
               <a:rPr lang="zh-TW" altLang="en-US" smtClean="0"/>
-              <a:t>2018/5/15</a:t>
+              <a:t>2018/5/16</a:t>
             </a:fld>
             <a:endParaRPr lang="zh-TW" altLang="en-US"/>
           </a:p>
@@ -1207,7 +1207,7 @@
           <p:cNvPr id="5" name="頁尾版面配置區 4">
             <a:extLst>
               <a:ext uri="{FF2B5EF4-FFF2-40B4-BE49-F238E27FC236}">
-                <a16:creationId xmlns="" xmlns:a16="http://schemas.microsoft.com/office/drawing/2014/main" id="{0A45A3BE-CDD8-4584-A65F-0CCEFC3FC53D}"/>
+                <a16:creationId xmlns:a16="http://schemas.microsoft.com/office/drawing/2014/main" xmlns="" id="{0A45A3BE-CDD8-4584-A65F-0CCEFC3FC53D}"/>
               </a:ext>
             </a:extLst>
           </p:cNvPr>
@@ -1232,7 +1232,7 @@
           <p:cNvPr id="6" name="投影片編號版面配置區 5">
             <a:extLst>
               <a:ext uri="{FF2B5EF4-FFF2-40B4-BE49-F238E27FC236}">
-                <a16:creationId xmlns="" xmlns:a16="http://schemas.microsoft.com/office/drawing/2014/main" id="{D03CAF72-F7A0-490C-8F2C-45718C95BC17}"/>
+                <a16:creationId xmlns:a16="http://schemas.microsoft.com/office/drawing/2014/main" xmlns="" id="{D03CAF72-F7A0-490C-8F2C-45718C95BC17}"/>
               </a:ext>
             </a:extLst>
           </p:cNvPr>
@@ -1291,7 +1291,7 @@
           <p:cNvPr id="2" name="標題 1">
             <a:extLst>
               <a:ext uri="{FF2B5EF4-FFF2-40B4-BE49-F238E27FC236}">
-                <a16:creationId xmlns="" xmlns:a16="http://schemas.microsoft.com/office/drawing/2014/main" id="{A9FB1FFE-288D-46F4-838A-0824C9C36B3F}"/>
+                <a16:creationId xmlns:a16="http://schemas.microsoft.com/office/drawing/2014/main" xmlns="" id="{A9FB1FFE-288D-46F4-838A-0824C9C36B3F}"/>
               </a:ext>
             </a:extLst>
           </p:cNvPr>
@@ -1319,7 +1319,7 @@
           <p:cNvPr id="3" name="內容版面配置區 2">
             <a:extLst>
               <a:ext uri="{FF2B5EF4-FFF2-40B4-BE49-F238E27FC236}">
-                <a16:creationId xmlns="" xmlns:a16="http://schemas.microsoft.com/office/drawing/2014/main" id="{84E6D906-22CF-4F86-9C57-0AADC9D52019}"/>
+                <a16:creationId xmlns:a16="http://schemas.microsoft.com/office/drawing/2014/main" xmlns="" id="{84E6D906-22CF-4F86-9C57-0AADC9D52019}"/>
               </a:ext>
             </a:extLst>
           </p:cNvPr>
@@ -1381,7 +1381,7 @@
           <p:cNvPr id="4" name="內容版面配置區 3">
             <a:extLst>
               <a:ext uri="{FF2B5EF4-FFF2-40B4-BE49-F238E27FC236}">
-                <a16:creationId xmlns="" xmlns:a16="http://schemas.microsoft.com/office/drawing/2014/main" id="{905BDD05-1E92-49F7-8524-2E69E5C3E44B}"/>
+                <a16:creationId xmlns:a16="http://schemas.microsoft.com/office/drawing/2014/main" xmlns="" id="{905BDD05-1E92-49F7-8524-2E69E5C3E44B}"/>
               </a:ext>
             </a:extLst>
           </p:cNvPr>
@@ -1443,7 +1443,7 @@
           <p:cNvPr id="5" name="日期版面配置區 4">
             <a:extLst>
               <a:ext uri="{FF2B5EF4-FFF2-40B4-BE49-F238E27FC236}">
-                <a16:creationId xmlns="" xmlns:a16="http://schemas.microsoft.com/office/drawing/2014/main" id="{97422E4D-D418-4B8A-9EF5-529BC9720D27}"/>
+                <a16:creationId xmlns:a16="http://schemas.microsoft.com/office/drawing/2014/main" xmlns="" id="{97422E4D-D418-4B8A-9EF5-529BC9720D27}"/>
               </a:ext>
             </a:extLst>
           </p:cNvPr>
@@ -1461,7 +1461,7 @@
           <a:p>
             <a:fld id="{1983F8DA-040C-4179-8EC3-2597626DD22D}" type="datetimeFigureOut">
               <a:rPr lang="zh-TW" altLang="en-US" smtClean="0"/>
-              <a:t>2018/5/15</a:t>
+              <a:t>2018/5/16</a:t>
             </a:fld>
             <a:endParaRPr lang="zh-TW" altLang="en-US"/>
           </a:p>
@@ -1472,7 +1472,7 @@
           <p:cNvPr id="6" name="頁尾版面配置區 5">
             <a:extLst>
               <a:ext uri="{FF2B5EF4-FFF2-40B4-BE49-F238E27FC236}">
-                <a16:creationId xmlns="" xmlns:a16="http://schemas.microsoft.com/office/drawing/2014/main" id="{F1BD7C8D-CE3E-4C0F-B2B9-E51DCA1CB4B2}"/>
+                <a16:creationId xmlns:a16="http://schemas.microsoft.com/office/drawing/2014/main" xmlns="" id="{F1BD7C8D-CE3E-4C0F-B2B9-E51DCA1CB4B2}"/>
               </a:ext>
             </a:extLst>
           </p:cNvPr>
@@ -1497,7 +1497,7 @@
           <p:cNvPr id="7" name="投影片編號版面配置區 6">
             <a:extLst>
               <a:ext uri="{FF2B5EF4-FFF2-40B4-BE49-F238E27FC236}">
-                <a16:creationId xmlns="" xmlns:a16="http://schemas.microsoft.com/office/drawing/2014/main" id="{5BBA102D-360B-4EE5-BDFC-FEC0D8638667}"/>
+                <a16:creationId xmlns:a16="http://schemas.microsoft.com/office/drawing/2014/main" xmlns="" id="{5BBA102D-360B-4EE5-BDFC-FEC0D8638667}"/>
               </a:ext>
             </a:extLst>
           </p:cNvPr>
@@ -1556,7 +1556,7 @@
           <p:cNvPr id="2" name="標題 1">
             <a:extLst>
               <a:ext uri="{FF2B5EF4-FFF2-40B4-BE49-F238E27FC236}">
-                <a16:creationId xmlns="" xmlns:a16="http://schemas.microsoft.com/office/drawing/2014/main" id="{4AD70CB9-5A3B-467D-8944-4DC5A90DBE6E}"/>
+                <a16:creationId xmlns:a16="http://schemas.microsoft.com/office/drawing/2014/main" xmlns="" id="{4AD70CB9-5A3B-467D-8944-4DC5A90DBE6E}"/>
               </a:ext>
             </a:extLst>
           </p:cNvPr>
@@ -1589,7 +1589,7 @@
           <p:cNvPr id="3" name="文字版面配置區 2">
             <a:extLst>
               <a:ext uri="{FF2B5EF4-FFF2-40B4-BE49-F238E27FC236}">
-                <a16:creationId xmlns="" xmlns:a16="http://schemas.microsoft.com/office/drawing/2014/main" id="{A3775FAB-53FE-40CC-A723-777B55828725}"/>
+                <a16:creationId xmlns:a16="http://schemas.microsoft.com/office/drawing/2014/main" xmlns="" id="{A3775FAB-53FE-40CC-A723-777B55828725}"/>
               </a:ext>
             </a:extLst>
           </p:cNvPr>
@@ -1660,7 +1660,7 @@
           <p:cNvPr id="4" name="內容版面配置區 3">
             <a:extLst>
               <a:ext uri="{FF2B5EF4-FFF2-40B4-BE49-F238E27FC236}">
-                <a16:creationId xmlns="" xmlns:a16="http://schemas.microsoft.com/office/drawing/2014/main" id="{1B6FF27E-92E8-4038-AC25-286B2F1293E0}"/>
+                <a16:creationId xmlns:a16="http://schemas.microsoft.com/office/drawing/2014/main" xmlns="" id="{1B6FF27E-92E8-4038-AC25-286B2F1293E0}"/>
               </a:ext>
             </a:extLst>
           </p:cNvPr>
@@ -1722,7 +1722,7 @@
           <p:cNvPr id="5" name="文字版面配置區 4">
             <a:extLst>
               <a:ext uri="{FF2B5EF4-FFF2-40B4-BE49-F238E27FC236}">
-                <a16:creationId xmlns="" xmlns:a16="http://schemas.microsoft.com/office/drawing/2014/main" id="{F05571B1-5586-4BC5-8497-CBBAFEF07011}"/>
+                <a16:creationId xmlns:a16="http://schemas.microsoft.com/office/drawing/2014/main" xmlns="" id="{F05571B1-5586-4BC5-8497-CBBAFEF07011}"/>
               </a:ext>
             </a:extLst>
           </p:cNvPr>
@@ -1793,7 +1793,7 @@
           <p:cNvPr id="6" name="內容版面配置區 5">
             <a:extLst>
               <a:ext uri="{FF2B5EF4-FFF2-40B4-BE49-F238E27FC236}">
-                <a16:creationId xmlns="" xmlns:a16="http://schemas.microsoft.com/office/drawing/2014/main" id="{3163290B-F505-41DA-A556-93FAE747E744}"/>
+                <a16:creationId xmlns:a16="http://schemas.microsoft.com/office/drawing/2014/main" xmlns="" id="{3163290B-F505-41DA-A556-93FAE747E744}"/>
               </a:ext>
             </a:extLst>
           </p:cNvPr>
@@ -1855,7 +1855,7 @@
           <p:cNvPr id="7" name="日期版面配置區 6">
             <a:extLst>
               <a:ext uri="{FF2B5EF4-FFF2-40B4-BE49-F238E27FC236}">
-                <a16:creationId xmlns="" xmlns:a16="http://schemas.microsoft.com/office/drawing/2014/main" id="{2B929A61-93D8-4176-9436-DEA4C8AA337D}"/>
+                <a16:creationId xmlns:a16="http://schemas.microsoft.com/office/drawing/2014/main" xmlns="" id="{2B929A61-93D8-4176-9436-DEA4C8AA337D}"/>
               </a:ext>
             </a:extLst>
           </p:cNvPr>
@@ -1873,7 +1873,7 @@
           <a:p>
             <a:fld id="{1983F8DA-040C-4179-8EC3-2597626DD22D}" type="datetimeFigureOut">
               <a:rPr lang="zh-TW" altLang="en-US" smtClean="0"/>
-              <a:t>2018/5/15</a:t>
+              <a:t>2018/5/16</a:t>
             </a:fld>
             <a:endParaRPr lang="zh-TW" altLang="en-US"/>
           </a:p>
@@ -1884,7 +1884,7 @@
           <p:cNvPr id="8" name="頁尾版面配置區 7">
             <a:extLst>
               <a:ext uri="{FF2B5EF4-FFF2-40B4-BE49-F238E27FC236}">
-                <a16:creationId xmlns="" xmlns:a16="http://schemas.microsoft.com/office/drawing/2014/main" id="{CB0BDEC3-882A-40E1-9AD7-9CADC5149370}"/>
+                <a16:creationId xmlns:a16="http://schemas.microsoft.com/office/drawing/2014/main" xmlns="" id="{CB0BDEC3-882A-40E1-9AD7-9CADC5149370}"/>
               </a:ext>
             </a:extLst>
           </p:cNvPr>
@@ -1909,7 +1909,7 @@
           <p:cNvPr id="9" name="投影片編號版面配置區 8">
             <a:extLst>
               <a:ext uri="{FF2B5EF4-FFF2-40B4-BE49-F238E27FC236}">
-                <a16:creationId xmlns="" xmlns:a16="http://schemas.microsoft.com/office/drawing/2014/main" id="{E649F777-8B0B-4E07-8789-213A9EA269D5}"/>
+                <a16:creationId xmlns:a16="http://schemas.microsoft.com/office/drawing/2014/main" xmlns="" id="{E649F777-8B0B-4E07-8789-213A9EA269D5}"/>
               </a:ext>
             </a:extLst>
           </p:cNvPr>
@@ -1968,7 +1968,7 @@
           <p:cNvPr id="2" name="標題 1">
             <a:extLst>
               <a:ext uri="{FF2B5EF4-FFF2-40B4-BE49-F238E27FC236}">
-                <a16:creationId xmlns="" xmlns:a16="http://schemas.microsoft.com/office/drawing/2014/main" id="{3190E325-266A-4F95-A6CE-C45234A1222B}"/>
+                <a16:creationId xmlns:a16="http://schemas.microsoft.com/office/drawing/2014/main" xmlns="" id="{3190E325-266A-4F95-A6CE-C45234A1222B}"/>
               </a:ext>
             </a:extLst>
           </p:cNvPr>
@@ -1996,7 +1996,7 @@
           <p:cNvPr id="3" name="日期版面配置區 2">
             <a:extLst>
               <a:ext uri="{FF2B5EF4-FFF2-40B4-BE49-F238E27FC236}">
-                <a16:creationId xmlns="" xmlns:a16="http://schemas.microsoft.com/office/drawing/2014/main" id="{EA3CE308-4CE4-4A55-8AFF-261766BDA14C}"/>
+                <a16:creationId xmlns:a16="http://schemas.microsoft.com/office/drawing/2014/main" xmlns="" id="{EA3CE308-4CE4-4A55-8AFF-261766BDA14C}"/>
               </a:ext>
             </a:extLst>
           </p:cNvPr>
@@ -2014,7 +2014,7 @@
           <a:p>
             <a:fld id="{1983F8DA-040C-4179-8EC3-2597626DD22D}" type="datetimeFigureOut">
               <a:rPr lang="zh-TW" altLang="en-US" smtClean="0"/>
-              <a:t>2018/5/15</a:t>
+              <a:t>2018/5/16</a:t>
             </a:fld>
             <a:endParaRPr lang="zh-TW" altLang="en-US"/>
           </a:p>
@@ -2025,7 +2025,7 @@
           <p:cNvPr id="4" name="頁尾版面配置區 3">
             <a:extLst>
               <a:ext uri="{FF2B5EF4-FFF2-40B4-BE49-F238E27FC236}">
-                <a16:creationId xmlns="" xmlns:a16="http://schemas.microsoft.com/office/drawing/2014/main" id="{9A5D54C3-4E6B-4A64-891C-B7F8257EECCD}"/>
+                <a16:creationId xmlns:a16="http://schemas.microsoft.com/office/drawing/2014/main" xmlns="" id="{9A5D54C3-4E6B-4A64-891C-B7F8257EECCD}"/>
               </a:ext>
             </a:extLst>
           </p:cNvPr>
@@ -2050,7 +2050,7 @@
           <p:cNvPr id="5" name="投影片編號版面配置區 4">
             <a:extLst>
               <a:ext uri="{FF2B5EF4-FFF2-40B4-BE49-F238E27FC236}">
-                <a16:creationId xmlns="" xmlns:a16="http://schemas.microsoft.com/office/drawing/2014/main" id="{99D49CF7-6C63-436D-B538-07295C3EE13B}"/>
+                <a16:creationId xmlns:a16="http://schemas.microsoft.com/office/drawing/2014/main" xmlns="" id="{99D49CF7-6C63-436D-B538-07295C3EE13B}"/>
               </a:ext>
             </a:extLst>
           </p:cNvPr>
@@ -2109,7 +2109,7 @@
           <p:cNvPr id="2" name="日期版面配置區 1">
             <a:extLst>
               <a:ext uri="{FF2B5EF4-FFF2-40B4-BE49-F238E27FC236}">
-                <a16:creationId xmlns="" xmlns:a16="http://schemas.microsoft.com/office/drawing/2014/main" id="{95B32A53-9F7F-4C64-B0C3-58B77A2BB62B}"/>
+                <a16:creationId xmlns:a16="http://schemas.microsoft.com/office/drawing/2014/main" xmlns="" id="{95B32A53-9F7F-4C64-B0C3-58B77A2BB62B}"/>
               </a:ext>
             </a:extLst>
           </p:cNvPr>
@@ -2127,7 +2127,7 @@
           <a:p>
             <a:fld id="{1983F8DA-040C-4179-8EC3-2597626DD22D}" type="datetimeFigureOut">
               <a:rPr lang="zh-TW" altLang="en-US" smtClean="0"/>
-              <a:t>2018/5/15</a:t>
+              <a:t>2018/5/16</a:t>
             </a:fld>
             <a:endParaRPr lang="zh-TW" altLang="en-US"/>
           </a:p>
@@ -2138,7 +2138,7 @@
           <p:cNvPr id="3" name="頁尾版面配置區 2">
             <a:extLst>
               <a:ext uri="{FF2B5EF4-FFF2-40B4-BE49-F238E27FC236}">
-                <a16:creationId xmlns="" xmlns:a16="http://schemas.microsoft.com/office/drawing/2014/main" id="{C143E365-1A3B-48D6-816F-ED5BB793AD47}"/>
+                <a16:creationId xmlns:a16="http://schemas.microsoft.com/office/drawing/2014/main" xmlns="" id="{C143E365-1A3B-48D6-816F-ED5BB793AD47}"/>
               </a:ext>
             </a:extLst>
           </p:cNvPr>
@@ -2163,7 +2163,7 @@
           <p:cNvPr id="4" name="投影片編號版面配置區 3">
             <a:extLst>
               <a:ext uri="{FF2B5EF4-FFF2-40B4-BE49-F238E27FC236}">
-                <a16:creationId xmlns="" xmlns:a16="http://schemas.microsoft.com/office/drawing/2014/main" id="{4B9A1611-BAD4-433E-A82A-460481C395E0}"/>
+                <a16:creationId xmlns:a16="http://schemas.microsoft.com/office/drawing/2014/main" xmlns="" id="{4B9A1611-BAD4-433E-A82A-460481C395E0}"/>
               </a:ext>
             </a:extLst>
           </p:cNvPr>
@@ -2222,7 +2222,7 @@
           <p:cNvPr id="2" name="標題 1">
             <a:extLst>
               <a:ext uri="{FF2B5EF4-FFF2-40B4-BE49-F238E27FC236}">
-                <a16:creationId xmlns="" xmlns:a16="http://schemas.microsoft.com/office/drawing/2014/main" id="{BFDB57DA-AF3F-49F6-99CA-75A4C27FC7A3}"/>
+                <a16:creationId xmlns:a16="http://schemas.microsoft.com/office/drawing/2014/main" xmlns="" id="{BFDB57DA-AF3F-49F6-99CA-75A4C27FC7A3}"/>
               </a:ext>
             </a:extLst>
           </p:cNvPr>
@@ -2259,7 +2259,7 @@
           <p:cNvPr id="3" name="內容版面配置區 2">
             <a:extLst>
               <a:ext uri="{FF2B5EF4-FFF2-40B4-BE49-F238E27FC236}">
-                <a16:creationId xmlns="" xmlns:a16="http://schemas.microsoft.com/office/drawing/2014/main" id="{7F1ECA61-1796-4832-9432-65258A3FE340}"/>
+                <a16:creationId xmlns:a16="http://schemas.microsoft.com/office/drawing/2014/main" xmlns="" id="{7F1ECA61-1796-4832-9432-65258A3FE340}"/>
               </a:ext>
             </a:extLst>
           </p:cNvPr>
@@ -2349,7 +2349,7 @@
           <p:cNvPr id="4" name="文字版面配置區 3">
             <a:extLst>
               <a:ext uri="{FF2B5EF4-FFF2-40B4-BE49-F238E27FC236}">
-                <a16:creationId xmlns="" xmlns:a16="http://schemas.microsoft.com/office/drawing/2014/main" id="{2A3B2590-9E27-4191-A02E-AB16317FC3DF}"/>
+                <a16:creationId xmlns:a16="http://schemas.microsoft.com/office/drawing/2014/main" xmlns="" id="{2A3B2590-9E27-4191-A02E-AB16317FC3DF}"/>
               </a:ext>
             </a:extLst>
           </p:cNvPr>
@@ -2420,7 +2420,7 @@
           <p:cNvPr id="5" name="日期版面配置區 4">
             <a:extLst>
               <a:ext uri="{FF2B5EF4-FFF2-40B4-BE49-F238E27FC236}">
-                <a16:creationId xmlns="" xmlns:a16="http://schemas.microsoft.com/office/drawing/2014/main" id="{CFDA4BC8-C396-49AB-B5FC-73CC9CE067BE}"/>
+                <a16:creationId xmlns:a16="http://schemas.microsoft.com/office/drawing/2014/main" xmlns="" id="{CFDA4BC8-C396-49AB-B5FC-73CC9CE067BE}"/>
               </a:ext>
             </a:extLst>
           </p:cNvPr>
@@ -2438,7 +2438,7 @@
           <a:p>
             <a:fld id="{1983F8DA-040C-4179-8EC3-2597626DD22D}" type="datetimeFigureOut">
               <a:rPr lang="zh-TW" altLang="en-US" smtClean="0"/>
-              <a:t>2018/5/15</a:t>
+              <a:t>2018/5/16</a:t>
             </a:fld>
             <a:endParaRPr lang="zh-TW" altLang="en-US"/>
           </a:p>
@@ -2449,7 +2449,7 @@
           <p:cNvPr id="6" name="頁尾版面配置區 5">
             <a:extLst>
               <a:ext uri="{FF2B5EF4-FFF2-40B4-BE49-F238E27FC236}">
-                <a16:creationId xmlns="" xmlns:a16="http://schemas.microsoft.com/office/drawing/2014/main" id="{C5433602-B0B3-40E6-BDA3-8E1BAAD456C2}"/>
+                <a16:creationId xmlns:a16="http://schemas.microsoft.com/office/drawing/2014/main" xmlns="" id="{C5433602-B0B3-40E6-BDA3-8E1BAAD456C2}"/>
               </a:ext>
             </a:extLst>
           </p:cNvPr>
@@ -2474,7 +2474,7 @@
           <p:cNvPr id="7" name="投影片編號版面配置區 6">
             <a:extLst>
               <a:ext uri="{FF2B5EF4-FFF2-40B4-BE49-F238E27FC236}">
-                <a16:creationId xmlns="" xmlns:a16="http://schemas.microsoft.com/office/drawing/2014/main" id="{D8FED8BE-893F-4E06-8160-E9657CFF6C24}"/>
+                <a16:creationId xmlns:a16="http://schemas.microsoft.com/office/drawing/2014/main" xmlns="" id="{D8FED8BE-893F-4E06-8160-E9657CFF6C24}"/>
               </a:ext>
             </a:extLst>
           </p:cNvPr>
@@ -2533,7 +2533,7 @@
           <p:cNvPr id="2" name="標題 1">
             <a:extLst>
               <a:ext uri="{FF2B5EF4-FFF2-40B4-BE49-F238E27FC236}">
-                <a16:creationId xmlns="" xmlns:a16="http://schemas.microsoft.com/office/drawing/2014/main" id="{CE1B0F45-88E2-4BFB-A88B-3AAF2D983C00}"/>
+                <a16:creationId xmlns:a16="http://schemas.microsoft.com/office/drawing/2014/main" xmlns="" id="{CE1B0F45-88E2-4BFB-A88B-3AAF2D983C00}"/>
               </a:ext>
             </a:extLst>
           </p:cNvPr>
@@ -2570,7 +2570,7 @@
           <p:cNvPr id="3" name="圖片版面配置區 2">
             <a:extLst>
               <a:ext uri="{FF2B5EF4-FFF2-40B4-BE49-F238E27FC236}">
-                <a16:creationId xmlns="" xmlns:a16="http://schemas.microsoft.com/office/drawing/2014/main" id="{EE50A91B-B093-4764-962F-7D6938EF99DF}"/>
+                <a16:creationId xmlns:a16="http://schemas.microsoft.com/office/drawing/2014/main" xmlns="" id="{EE50A91B-B093-4764-962F-7D6938EF99DF}"/>
               </a:ext>
             </a:extLst>
           </p:cNvPr>
@@ -2637,7 +2637,7 @@
           <p:cNvPr id="4" name="文字版面配置區 3">
             <a:extLst>
               <a:ext uri="{FF2B5EF4-FFF2-40B4-BE49-F238E27FC236}">
-                <a16:creationId xmlns="" xmlns:a16="http://schemas.microsoft.com/office/drawing/2014/main" id="{7BACFCEA-685B-42B5-BDF7-AD63F1314454}"/>
+                <a16:creationId xmlns:a16="http://schemas.microsoft.com/office/drawing/2014/main" xmlns="" id="{7BACFCEA-685B-42B5-BDF7-AD63F1314454}"/>
               </a:ext>
             </a:extLst>
           </p:cNvPr>
@@ -2708,7 +2708,7 @@
           <p:cNvPr id="5" name="日期版面配置區 4">
             <a:extLst>
               <a:ext uri="{FF2B5EF4-FFF2-40B4-BE49-F238E27FC236}">
-                <a16:creationId xmlns="" xmlns:a16="http://schemas.microsoft.com/office/drawing/2014/main" id="{36D3AAC6-EA71-40A7-A355-9571CCD2CF13}"/>
+                <a16:creationId xmlns:a16="http://schemas.microsoft.com/office/drawing/2014/main" xmlns="" id="{36D3AAC6-EA71-40A7-A355-9571CCD2CF13}"/>
               </a:ext>
             </a:extLst>
           </p:cNvPr>
@@ -2726,7 +2726,7 @@
           <a:p>
             <a:fld id="{1983F8DA-040C-4179-8EC3-2597626DD22D}" type="datetimeFigureOut">
               <a:rPr lang="zh-TW" altLang="en-US" smtClean="0"/>
-              <a:t>2018/5/15</a:t>
+              <a:t>2018/5/16</a:t>
             </a:fld>
             <a:endParaRPr lang="zh-TW" altLang="en-US"/>
           </a:p>
@@ -2737,7 +2737,7 @@
           <p:cNvPr id="6" name="頁尾版面配置區 5">
             <a:extLst>
               <a:ext uri="{FF2B5EF4-FFF2-40B4-BE49-F238E27FC236}">
-                <a16:creationId xmlns="" xmlns:a16="http://schemas.microsoft.com/office/drawing/2014/main" id="{5DDE9F81-23D3-4C44-8D5A-CB9DBF84EF69}"/>
+                <a16:creationId xmlns:a16="http://schemas.microsoft.com/office/drawing/2014/main" xmlns="" id="{5DDE9F81-23D3-4C44-8D5A-CB9DBF84EF69}"/>
               </a:ext>
             </a:extLst>
           </p:cNvPr>
@@ -2762,7 +2762,7 @@
           <p:cNvPr id="7" name="投影片編號版面配置區 6">
             <a:extLst>
               <a:ext uri="{FF2B5EF4-FFF2-40B4-BE49-F238E27FC236}">
-                <a16:creationId xmlns="" xmlns:a16="http://schemas.microsoft.com/office/drawing/2014/main" id="{073497D4-4649-468C-94A9-AF63556897BF}"/>
+                <a16:creationId xmlns:a16="http://schemas.microsoft.com/office/drawing/2014/main" xmlns="" id="{073497D4-4649-468C-94A9-AF63556897BF}"/>
               </a:ext>
             </a:extLst>
           </p:cNvPr>
@@ -2826,7 +2826,7 @@
           <p:cNvPr id="2" name="標題版面配置區 1">
             <a:extLst>
               <a:ext uri="{FF2B5EF4-FFF2-40B4-BE49-F238E27FC236}">
-                <a16:creationId xmlns="" xmlns:a16="http://schemas.microsoft.com/office/drawing/2014/main" id="{7818C2F0-BE73-48CD-90D4-08C181AE85B2}"/>
+                <a16:creationId xmlns:a16="http://schemas.microsoft.com/office/drawing/2014/main" xmlns="" id="{7818C2F0-BE73-48CD-90D4-08C181AE85B2}"/>
               </a:ext>
             </a:extLst>
           </p:cNvPr>
@@ -2864,7 +2864,7 @@
           <p:cNvPr id="3" name="文字版面配置區 2">
             <a:extLst>
               <a:ext uri="{FF2B5EF4-FFF2-40B4-BE49-F238E27FC236}">
-                <a16:creationId xmlns="" xmlns:a16="http://schemas.microsoft.com/office/drawing/2014/main" id="{6B3FA1F4-293A-424F-BBDC-D39891EE8D7B}"/>
+                <a16:creationId xmlns:a16="http://schemas.microsoft.com/office/drawing/2014/main" xmlns="" id="{6B3FA1F4-293A-424F-BBDC-D39891EE8D7B}"/>
               </a:ext>
             </a:extLst>
           </p:cNvPr>
@@ -2931,7 +2931,7 @@
           <p:cNvPr id="4" name="日期版面配置區 3">
             <a:extLst>
               <a:ext uri="{FF2B5EF4-FFF2-40B4-BE49-F238E27FC236}">
-                <a16:creationId xmlns="" xmlns:a16="http://schemas.microsoft.com/office/drawing/2014/main" id="{D69709D7-7319-4D2B-B1A5-212DE7E9DC73}"/>
+                <a16:creationId xmlns:a16="http://schemas.microsoft.com/office/drawing/2014/main" xmlns="" id="{D69709D7-7319-4D2B-B1A5-212DE7E9DC73}"/>
               </a:ext>
             </a:extLst>
           </p:cNvPr>
@@ -2967,7 +2967,7 @@
           <a:p>
             <a:fld id="{1983F8DA-040C-4179-8EC3-2597626DD22D}" type="datetimeFigureOut">
               <a:rPr lang="zh-TW" altLang="en-US" smtClean="0"/>
-              <a:t>2018/5/15</a:t>
+              <a:t>2018/5/16</a:t>
             </a:fld>
             <a:endParaRPr lang="zh-TW" altLang="en-US"/>
           </a:p>
@@ -2978,7 +2978,7 @@
           <p:cNvPr id="5" name="頁尾版面配置區 4">
             <a:extLst>
               <a:ext uri="{FF2B5EF4-FFF2-40B4-BE49-F238E27FC236}">
-                <a16:creationId xmlns="" xmlns:a16="http://schemas.microsoft.com/office/drawing/2014/main" id="{0DC51CC8-38F1-4540-A0E1-DF87A9B5FEFD}"/>
+                <a16:creationId xmlns:a16="http://schemas.microsoft.com/office/drawing/2014/main" xmlns="" id="{0DC51CC8-38F1-4540-A0E1-DF87A9B5FEFD}"/>
               </a:ext>
             </a:extLst>
           </p:cNvPr>
@@ -3021,7 +3021,7 @@
           <p:cNvPr id="6" name="投影片編號版面配置區 5">
             <a:extLst>
               <a:ext uri="{FF2B5EF4-FFF2-40B4-BE49-F238E27FC236}">
-                <a16:creationId xmlns="" xmlns:a16="http://schemas.microsoft.com/office/drawing/2014/main" id="{E47516C6-0347-4866-BB79-FE8992EFF065}"/>
+                <a16:creationId xmlns:a16="http://schemas.microsoft.com/office/drawing/2014/main" xmlns="" id="{E47516C6-0347-4866-BB79-FE8992EFF065}"/>
               </a:ext>
             </a:extLst>
           </p:cNvPr>
@@ -3389,7 +3389,7 @@
           <p:cNvPr id="5" name="圖片 4">
             <a:extLst>
               <a:ext uri="{FF2B5EF4-FFF2-40B4-BE49-F238E27FC236}">
-                <a16:creationId xmlns="" xmlns:a16="http://schemas.microsoft.com/office/drawing/2014/main" id="{58C98C09-3733-4C20-AE1C-FEFEEC6AF27C}"/>
+                <a16:creationId xmlns:a16="http://schemas.microsoft.com/office/drawing/2014/main" xmlns="" id="{58C98C09-3733-4C20-AE1C-FEFEEC6AF27C}"/>
               </a:ext>
             </a:extLst>
           </p:cNvPr>
@@ -3418,7 +3418,7 @@
           <p:cNvPr id="6" name="圖片 5">
             <a:extLst>
               <a:ext uri="{FF2B5EF4-FFF2-40B4-BE49-F238E27FC236}">
-                <a16:creationId xmlns="" xmlns:a16="http://schemas.microsoft.com/office/drawing/2014/main" id="{866DDCC5-1605-49D5-80F0-5306B6516954}"/>
+                <a16:creationId xmlns:a16="http://schemas.microsoft.com/office/drawing/2014/main" xmlns="" id="{866DDCC5-1605-49D5-80F0-5306B6516954}"/>
               </a:ext>
             </a:extLst>
           </p:cNvPr>
@@ -3448,7 +3448,7 @@
           <p:cNvPr id="7" name="矩形 6">
             <a:extLst>
               <a:ext uri="{FF2B5EF4-FFF2-40B4-BE49-F238E27FC236}">
-                <a16:creationId xmlns="" xmlns:a16="http://schemas.microsoft.com/office/drawing/2014/main" id="{AF40F365-2F7A-4892-9A5E-68318CD82CD1}"/>
+                <a16:creationId xmlns:a16="http://schemas.microsoft.com/office/drawing/2014/main" xmlns="" id="{AF40F365-2F7A-4892-9A5E-68318CD82CD1}"/>
               </a:ext>
             </a:extLst>
           </p:cNvPr>
@@ -3500,7 +3500,7 @@
           <p:cNvPr id="8" name="語音泡泡: 圓角矩形 7">
             <a:extLst>
               <a:ext uri="{FF2B5EF4-FFF2-40B4-BE49-F238E27FC236}">
-                <a16:creationId xmlns="" xmlns:a16="http://schemas.microsoft.com/office/drawing/2014/main" id="{DF1D0A1B-279F-4AE4-B29C-F57C8EC5439F}"/>
+                <a16:creationId xmlns:a16="http://schemas.microsoft.com/office/drawing/2014/main" xmlns="" id="{DF1D0A1B-279F-4AE4-B29C-F57C8EC5439F}"/>
               </a:ext>
             </a:extLst>
           </p:cNvPr>
@@ -3571,7 +3571,7 @@
           <p:cNvPr id="9" name="矩形 8">
             <a:extLst>
               <a:ext uri="{FF2B5EF4-FFF2-40B4-BE49-F238E27FC236}">
-                <a16:creationId xmlns="" xmlns:a16="http://schemas.microsoft.com/office/drawing/2014/main" id="{F8C642F8-9173-483E-927E-155B9778DE48}"/>
+                <a16:creationId xmlns:a16="http://schemas.microsoft.com/office/drawing/2014/main" xmlns="" id="{F8C642F8-9173-483E-927E-155B9778DE48}"/>
               </a:ext>
             </a:extLst>
           </p:cNvPr>
@@ -4673,7 +4673,7 @@
           <p:cNvPr id="23" name="矩形 22">
             <a:extLst>
               <a:ext uri="{FF2B5EF4-FFF2-40B4-BE49-F238E27FC236}">
-                <a16:creationId xmlns="" xmlns:a16="http://schemas.microsoft.com/office/drawing/2014/main" id="{A62D539E-507D-4150-BDFB-42781D088369}"/>
+                <a16:creationId xmlns:a16="http://schemas.microsoft.com/office/drawing/2014/main" xmlns="" id="{A62D539E-507D-4150-BDFB-42781D088369}"/>
               </a:ext>
             </a:extLst>
           </p:cNvPr>
@@ -5217,7 +5217,7 @@
           <p:cNvPr id="6" name="矩形 5">
             <a:extLst>
               <a:ext uri="{FF2B5EF4-FFF2-40B4-BE49-F238E27FC236}">
-                <a16:creationId xmlns="" xmlns:a16="http://schemas.microsoft.com/office/drawing/2014/main" id="{53A61286-440E-43CF-AA29-DD50496D543F}"/>
+                <a16:creationId xmlns:a16="http://schemas.microsoft.com/office/drawing/2014/main" xmlns="" id="{53A61286-440E-43CF-AA29-DD50496D543F}"/>
               </a:ext>
             </a:extLst>
           </p:cNvPr>
@@ -5297,7 +5297,7 @@
           <p:cNvPr id="7" name="矩形 6">
             <a:extLst>
               <a:ext uri="{FF2B5EF4-FFF2-40B4-BE49-F238E27FC236}">
-                <a16:creationId xmlns="" xmlns:a16="http://schemas.microsoft.com/office/drawing/2014/main" id="{E34D79D6-E27D-40EC-A9BC-FC3DF19D4DA7}"/>
+                <a16:creationId xmlns:a16="http://schemas.microsoft.com/office/drawing/2014/main" xmlns="" id="{E34D79D6-E27D-40EC-A9BC-FC3DF19D4DA7}"/>
               </a:ext>
             </a:extLst>
           </p:cNvPr>
@@ -5402,7 +5402,7 @@
           <p:cNvPr id="8" name="矩形 7">
             <a:extLst>
               <a:ext uri="{FF2B5EF4-FFF2-40B4-BE49-F238E27FC236}">
-                <a16:creationId xmlns="" xmlns:a16="http://schemas.microsoft.com/office/drawing/2014/main" id="{9F4ED373-10C6-44AD-AED6-86E1821C38F2}"/>
+                <a16:creationId xmlns:a16="http://schemas.microsoft.com/office/drawing/2014/main" xmlns="" id="{9F4ED373-10C6-44AD-AED6-86E1821C38F2}"/>
               </a:ext>
             </a:extLst>
           </p:cNvPr>
@@ -5449,7 +5449,7 @@
           <p:cNvPr id="9" name="Picture 2">
             <a:extLst>
               <a:ext uri="{FF2B5EF4-FFF2-40B4-BE49-F238E27FC236}">
-                <a16:creationId xmlns="" xmlns:a16="http://schemas.microsoft.com/office/drawing/2014/main" id="{6C259E68-A455-456B-B6F1-F4DF043AD25C}"/>
+                <a16:creationId xmlns:a16="http://schemas.microsoft.com/office/drawing/2014/main" xmlns="" id="{6C259E68-A455-456B-B6F1-F4DF043AD25C}"/>
               </a:ext>
             </a:extLst>
           </p:cNvPr>
@@ -5509,7 +5509,7 @@
           <p:cNvPr id="10" name="矩形 9">
             <a:extLst>
               <a:ext uri="{FF2B5EF4-FFF2-40B4-BE49-F238E27FC236}">
-                <a16:creationId xmlns="" xmlns:a16="http://schemas.microsoft.com/office/drawing/2014/main" id="{7900D61C-69FA-4344-A06D-2D8C5F4A7742}"/>
+                <a16:creationId xmlns:a16="http://schemas.microsoft.com/office/drawing/2014/main" xmlns="" id="{7900D61C-69FA-4344-A06D-2D8C5F4A7742}"/>
               </a:ext>
             </a:extLst>
           </p:cNvPr>
@@ -6322,7 +6322,7 @@
           <p:cNvPr id="19" name="矩形 18">
             <a:extLst>
               <a:ext uri="{FF2B5EF4-FFF2-40B4-BE49-F238E27FC236}">
-                <a16:creationId xmlns="" xmlns:a16="http://schemas.microsoft.com/office/drawing/2014/main" id="{90727EDF-6E8C-49FB-9150-E3EAA56C3F26}"/>
+                <a16:creationId xmlns:a16="http://schemas.microsoft.com/office/drawing/2014/main" xmlns="" id="{90727EDF-6E8C-49FB-9150-E3EAA56C3F26}"/>
               </a:ext>
             </a:extLst>
           </p:cNvPr>
@@ -6612,7 +6612,7 @@
           <p:cNvPr id="8" name="矩形 7">
             <a:extLst>
               <a:ext uri="{FF2B5EF4-FFF2-40B4-BE49-F238E27FC236}">
-                <a16:creationId xmlns="" xmlns:a16="http://schemas.microsoft.com/office/drawing/2014/main" id="{E0406DF1-52B4-462A-97CA-36C95C8B1725}"/>
+                <a16:creationId xmlns:a16="http://schemas.microsoft.com/office/drawing/2014/main" xmlns="" id="{E0406DF1-52B4-462A-97CA-36C95C8B1725}"/>
               </a:ext>
             </a:extLst>
           </p:cNvPr>
@@ -6671,7 +6671,7 @@
           <p:cNvPr id="9" name="矩形 8">
             <a:extLst>
               <a:ext uri="{FF2B5EF4-FFF2-40B4-BE49-F238E27FC236}">
-                <a16:creationId xmlns="" xmlns:a16="http://schemas.microsoft.com/office/drawing/2014/main" id="{F417CEF7-24DB-45B1-9185-D3F781040926}"/>
+                <a16:creationId xmlns:a16="http://schemas.microsoft.com/office/drawing/2014/main" xmlns="" id="{F417CEF7-24DB-45B1-9185-D3F781040926}"/>
               </a:ext>
             </a:extLst>
           </p:cNvPr>
@@ -7490,7 +7490,7 @@
           <p:cNvPr id="19" name="矩形 18">
             <a:extLst>
               <a:ext uri="{FF2B5EF4-FFF2-40B4-BE49-F238E27FC236}">
-                <a16:creationId xmlns="" xmlns:a16="http://schemas.microsoft.com/office/drawing/2014/main" id="{291D879B-DE59-46FE-9886-ADC025F31029}"/>
+                <a16:creationId xmlns:a16="http://schemas.microsoft.com/office/drawing/2014/main" xmlns="" id="{291D879B-DE59-46FE-9886-ADC025F31029}"/>
               </a:ext>
             </a:extLst>
           </p:cNvPr>
@@ -7546,7 +7546,7 @@
           <p:cNvPr id="20" name="矩形 19">
             <a:extLst>
               <a:ext uri="{FF2B5EF4-FFF2-40B4-BE49-F238E27FC236}">
-                <a16:creationId xmlns="" xmlns:a16="http://schemas.microsoft.com/office/drawing/2014/main" id="{4C7DBBBD-30C4-4FA8-B81B-4003FC56F008}"/>
+                <a16:creationId xmlns:a16="http://schemas.microsoft.com/office/drawing/2014/main" xmlns="" id="{4C7DBBBD-30C4-4FA8-B81B-4003FC56F008}"/>
               </a:ext>
             </a:extLst>
           </p:cNvPr>
@@ -7949,7 +7949,7 @@
           <p:cNvPr id="11" name="矩形 10">
             <a:extLst>
               <a:ext uri="{FF2B5EF4-FFF2-40B4-BE49-F238E27FC236}">
-                <a16:creationId xmlns="" xmlns:a16="http://schemas.microsoft.com/office/drawing/2014/main" id="{20802F6A-3ED9-4B3C-A3B3-10AEB67F2780}"/>
+                <a16:creationId xmlns:a16="http://schemas.microsoft.com/office/drawing/2014/main" xmlns="" id="{20802F6A-3ED9-4B3C-A3B3-10AEB67F2780}"/>
               </a:ext>
             </a:extLst>
           </p:cNvPr>
@@ -8032,7 +8032,7 @@
           <p:cNvPr id="12" name="矩形 11">
             <a:extLst>
               <a:ext uri="{FF2B5EF4-FFF2-40B4-BE49-F238E27FC236}">
-                <a16:creationId xmlns="" xmlns:a16="http://schemas.microsoft.com/office/drawing/2014/main" id="{36A89CFC-9F35-4427-8263-C864C0243349}"/>
+                <a16:creationId xmlns:a16="http://schemas.microsoft.com/office/drawing/2014/main" xmlns="" id="{36A89CFC-9F35-4427-8263-C864C0243349}"/>
               </a:ext>
             </a:extLst>
           </p:cNvPr>
@@ -8469,7 +8469,7 @@
           <p:cNvPr id="12" name="矩形 11">
             <a:extLst>
               <a:ext uri="{FF2B5EF4-FFF2-40B4-BE49-F238E27FC236}">
-                <a16:creationId xmlns="" xmlns:a16="http://schemas.microsoft.com/office/drawing/2014/main" id="{4A4F1A74-7957-4657-B4DF-7352536561B3}"/>
+                <a16:creationId xmlns:a16="http://schemas.microsoft.com/office/drawing/2014/main" xmlns="" id="{4A4F1A74-7957-4657-B4DF-7352536561B3}"/>
               </a:ext>
             </a:extLst>
           </p:cNvPr>
@@ -8525,7 +8525,7 @@
           <p:cNvPr id="13" name="矩形 12">
             <a:extLst>
               <a:ext uri="{FF2B5EF4-FFF2-40B4-BE49-F238E27FC236}">
-                <a16:creationId xmlns="" xmlns:a16="http://schemas.microsoft.com/office/drawing/2014/main" id="{77DD5EC7-D7BF-4E0B-8D0D-E45FDAD19FDB}"/>
+                <a16:creationId xmlns:a16="http://schemas.microsoft.com/office/drawing/2014/main" xmlns="" id="{77DD5EC7-D7BF-4E0B-8D0D-E45FDAD19FDB}"/>
               </a:ext>
             </a:extLst>
           </p:cNvPr>
@@ -9508,7 +9508,7 @@
           <p:cNvPr id="5" name="矩形 4">
             <a:extLst>
               <a:ext uri="{FF2B5EF4-FFF2-40B4-BE49-F238E27FC236}">
-                <a16:creationId xmlns="" xmlns:a16="http://schemas.microsoft.com/office/drawing/2014/main" id="{D01E63E7-475E-42EE-9E5A-B377C5FD9734}"/>
+                <a16:creationId xmlns:a16="http://schemas.microsoft.com/office/drawing/2014/main" xmlns="" id="{D01E63E7-475E-42EE-9E5A-B377C5FD9734}"/>
               </a:ext>
             </a:extLst>
           </p:cNvPr>
@@ -9594,7 +9594,7 @@
           <p:cNvPr id="4" name="圖片 3">
             <a:extLst>
               <a:ext uri="{FF2B5EF4-FFF2-40B4-BE49-F238E27FC236}">
-                <a16:creationId xmlns="" xmlns:a16="http://schemas.microsoft.com/office/drawing/2014/main" id="{1AF3DB7E-967E-456B-9A4F-CD9CAD00A297}"/>
+                <a16:creationId xmlns:a16="http://schemas.microsoft.com/office/drawing/2014/main" xmlns="" id="{1AF3DB7E-967E-456B-9A4F-CD9CAD00A297}"/>
               </a:ext>
             </a:extLst>
           </p:cNvPr>
@@ -9624,7 +9624,7 @@
           <p:cNvPr id="5" name="矩形 4">
             <a:extLst>
               <a:ext uri="{FF2B5EF4-FFF2-40B4-BE49-F238E27FC236}">
-                <a16:creationId xmlns="" xmlns:a16="http://schemas.microsoft.com/office/drawing/2014/main" id="{225A0EF3-3E71-4DF2-8E86-E252A2E2295F}"/>
+                <a16:creationId xmlns:a16="http://schemas.microsoft.com/office/drawing/2014/main" xmlns="" id="{225A0EF3-3E71-4DF2-8E86-E252A2E2295F}"/>
               </a:ext>
             </a:extLst>
           </p:cNvPr>
@@ -9662,7 +9662,7 @@
           <p:cNvPr id="6" name="圖片 5">
             <a:extLst>
               <a:ext uri="{FF2B5EF4-FFF2-40B4-BE49-F238E27FC236}">
-                <a16:creationId xmlns="" xmlns:a16="http://schemas.microsoft.com/office/drawing/2014/main" id="{C450E27A-DA07-4691-AE25-7820B96A4896}"/>
+                <a16:creationId xmlns:a16="http://schemas.microsoft.com/office/drawing/2014/main" xmlns="" id="{C450E27A-DA07-4691-AE25-7820B96A4896}"/>
               </a:ext>
             </a:extLst>
           </p:cNvPr>
@@ -9692,7 +9692,7 @@
           <p:cNvPr id="7" name="圖片 6">
             <a:extLst>
               <a:ext uri="{FF2B5EF4-FFF2-40B4-BE49-F238E27FC236}">
-                <a16:creationId xmlns="" xmlns:a16="http://schemas.microsoft.com/office/drawing/2014/main" id="{47D10AD4-26B6-4726-A2EB-16C761A6E73B}"/>
+                <a16:creationId xmlns:a16="http://schemas.microsoft.com/office/drawing/2014/main" xmlns="" id="{47D10AD4-26B6-4726-A2EB-16C761A6E73B}"/>
               </a:ext>
             </a:extLst>
           </p:cNvPr>
@@ -9722,7 +9722,7 @@
           <p:cNvPr id="8" name="語音泡泡: 圓角矩形 7">
             <a:extLst>
               <a:ext uri="{FF2B5EF4-FFF2-40B4-BE49-F238E27FC236}">
-                <a16:creationId xmlns="" xmlns:a16="http://schemas.microsoft.com/office/drawing/2014/main" id="{55442D45-CA09-40BC-B05B-B26CBC92705E}"/>
+                <a16:creationId xmlns:a16="http://schemas.microsoft.com/office/drawing/2014/main" xmlns="" id="{55442D45-CA09-40BC-B05B-B26CBC92705E}"/>
               </a:ext>
             </a:extLst>
           </p:cNvPr>
@@ -9809,7 +9809,7 @@
           <p:cNvPr id="9" name="語音泡泡: 圓角矩形 8">
             <a:extLst>
               <a:ext uri="{FF2B5EF4-FFF2-40B4-BE49-F238E27FC236}">
-                <a16:creationId xmlns="" xmlns:a16="http://schemas.microsoft.com/office/drawing/2014/main" id="{6FFA0F0D-AAB2-4792-8858-EDD6016E1D41}"/>
+                <a16:creationId xmlns:a16="http://schemas.microsoft.com/office/drawing/2014/main" xmlns="" id="{6FFA0F0D-AAB2-4792-8858-EDD6016E1D41}"/>
               </a:ext>
             </a:extLst>
           </p:cNvPr>
@@ -9888,7 +9888,7 @@
           <p:cNvPr id="11" name="圖片 10">
             <a:extLst>
               <a:ext uri="{FF2B5EF4-FFF2-40B4-BE49-F238E27FC236}">
-                <a16:creationId xmlns="" xmlns:a16="http://schemas.microsoft.com/office/drawing/2014/main" id="{D2DAE6E6-2CBC-4906-9C23-D9CA4934A07A}"/>
+                <a16:creationId xmlns:a16="http://schemas.microsoft.com/office/drawing/2014/main" xmlns="" id="{D2DAE6E6-2CBC-4906-9C23-D9CA4934A07A}"/>
               </a:ext>
             </a:extLst>
           </p:cNvPr>
@@ -9918,7 +9918,7 @@
           <p:cNvPr id="12" name="語音泡泡: 圓角矩形 11">
             <a:extLst>
               <a:ext uri="{FF2B5EF4-FFF2-40B4-BE49-F238E27FC236}">
-                <a16:creationId xmlns="" xmlns:a16="http://schemas.microsoft.com/office/drawing/2014/main" id="{4973D049-1104-42F6-9E29-B5789AE37153}"/>
+                <a16:creationId xmlns:a16="http://schemas.microsoft.com/office/drawing/2014/main" xmlns="" id="{4973D049-1104-42F6-9E29-B5789AE37153}"/>
               </a:ext>
             </a:extLst>
           </p:cNvPr>
@@ -10005,7 +10005,7 @@
           <p:cNvPr id="13" name="矩形 12">
             <a:extLst>
               <a:ext uri="{FF2B5EF4-FFF2-40B4-BE49-F238E27FC236}">
-                <a16:creationId xmlns="" xmlns:a16="http://schemas.microsoft.com/office/drawing/2014/main" id="{A47348DB-D356-489C-B644-D105B4AB4109}"/>
+                <a16:creationId xmlns:a16="http://schemas.microsoft.com/office/drawing/2014/main" xmlns="" id="{A47348DB-D356-489C-B644-D105B4AB4109}"/>
               </a:ext>
             </a:extLst>
           </p:cNvPr>
@@ -10061,7 +10061,7 @@
           <p:cNvPr id="14" name="語音泡泡: 圓角矩形 13">
             <a:extLst>
               <a:ext uri="{FF2B5EF4-FFF2-40B4-BE49-F238E27FC236}">
-                <a16:creationId xmlns="" xmlns:a16="http://schemas.microsoft.com/office/drawing/2014/main" id="{58497045-F1D8-440B-AFA7-7C4C402DF985}"/>
+                <a16:creationId xmlns:a16="http://schemas.microsoft.com/office/drawing/2014/main" xmlns="" id="{58497045-F1D8-440B-AFA7-7C4C402DF985}"/>
               </a:ext>
             </a:extLst>
           </p:cNvPr>
@@ -10987,7 +10987,7 @@
           <p:cNvPr id="11" name="矩形 10">
             <a:extLst>
               <a:ext uri="{FF2B5EF4-FFF2-40B4-BE49-F238E27FC236}">
-                <a16:creationId xmlns="" xmlns:a16="http://schemas.microsoft.com/office/drawing/2014/main" id="{56EA199B-0A40-44B3-8115-E74C4F8C23CB}"/>
+                <a16:creationId xmlns:a16="http://schemas.microsoft.com/office/drawing/2014/main" xmlns="" id="{56EA199B-0A40-44B3-8115-E74C4F8C23CB}"/>
               </a:ext>
             </a:extLst>
           </p:cNvPr>
@@ -11419,7 +11419,7 @@
           <p:cNvPr id="11" name="矩形 10">
             <a:extLst>
               <a:ext uri="{FF2B5EF4-FFF2-40B4-BE49-F238E27FC236}">
-                <a16:creationId xmlns="" xmlns:a16="http://schemas.microsoft.com/office/drawing/2014/main" id="{DA11BBD5-92AB-43BF-A078-C43D2BEF7DD6}"/>
+                <a16:creationId xmlns:a16="http://schemas.microsoft.com/office/drawing/2014/main" xmlns="" id="{DA11BBD5-92AB-43BF-A078-C43D2BEF7DD6}"/>
               </a:ext>
             </a:extLst>
           </p:cNvPr>
@@ -11787,7 +11787,7 @@
           <p:cNvPr id="9" name="矩形 8">
             <a:extLst>
               <a:ext uri="{FF2B5EF4-FFF2-40B4-BE49-F238E27FC236}">
-                <a16:creationId xmlns="" xmlns:a16="http://schemas.microsoft.com/office/drawing/2014/main" id="{4AF74417-5071-4FD7-A3D0-17E25668F6DF}"/>
+                <a16:creationId xmlns:a16="http://schemas.microsoft.com/office/drawing/2014/main" xmlns="" id="{4AF74417-5071-4FD7-A3D0-17E25668F6DF}"/>
               </a:ext>
             </a:extLst>
           </p:cNvPr>
@@ -12566,7 +12566,7 @@
           <p:cNvPr id="15" name="矩形 14">
             <a:extLst>
               <a:ext uri="{FF2B5EF4-FFF2-40B4-BE49-F238E27FC236}">
-                <a16:creationId xmlns="" xmlns:a16="http://schemas.microsoft.com/office/drawing/2014/main" id="{AC64D88A-822E-4971-B5F5-BFA3F66869FC}"/>
+                <a16:creationId xmlns:a16="http://schemas.microsoft.com/office/drawing/2014/main" xmlns="" id="{AC64D88A-822E-4971-B5F5-BFA3F66869FC}"/>
               </a:ext>
             </a:extLst>
           </p:cNvPr>
@@ -12956,7 +12956,7 @@
           <p:cNvPr id="10" name="矩形 9">
             <a:extLst>
               <a:ext uri="{FF2B5EF4-FFF2-40B4-BE49-F238E27FC236}">
-                <a16:creationId xmlns="" xmlns:a16="http://schemas.microsoft.com/office/drawing/2014/main" id="{FEB38F6E-81F0-490F-BFC1-10280E501927}"/>
+                <a16:creationId xmlns:a16="http://schemas.microsoft.com/office/drawing/2014/main" xmlns="" id="{FEB38F6E-81F0-490F-BFC1-10280E501927}"/>
               </a:ext>
             </a:extLst>
           </p:cNvPr>
@@ -13548,7 +13548,7 @@
           <p:cNvPr id="2" name="圖片 1">
             <a:extLst>
               <a:ext uri="{FF2B5EF4-FFF2-40B4-BE49-F238E27FC236}">
-                <a16:creationId xmlns="" xmlns:a16="http://schemas.microsoft.com/office/drawing/2014/main" id="{6C96275F-EC89-41F3-A35E-D4D7AE4F520D}"/>
+                <a16:creationId xmlns:a16="http://schemas.microsoft.com/office/drawing/2014/main" xmlns="" id="{6C96275F-EC89-41F3-A35E-D4D7AE4F520D}"/>
               </a:ext>
             </a:extLst>
           </p:cNvPr>
@@ -13578,7 +13578,7 @@
           <p:cNvPr id="10" name="矩形 9">
             <a:extLst>
               <a:ext uri="{FF2B5EF4-FFF2-40B4-BE49-F238E27FC236}">
-                <a16:creationId xmlns="" xmlns:a16="http://schemas.microsoft.com/office/drawing/2014/main" id="{88F02B9B-61B0-4B63-B610-6EF05DD6248F}"/>
+                <a16:creationId xmlns:a16="http://schemas.microsoft.com/office/drawing/2014/main" xmlns="" id="{88F02B9B-61B0-4B63-B610-6EF05DD6248F}"/>
               </a:ext>
             </a:extLst>
           </p:cNvPr>
@@ -13630,7 +13630,7 @@
           <p:cNvPr id="12" name="矩形 11">
             <a:extLst>
               <a:ext uri="{FF2B5EF4-FFF2-40B4-BE49-F238E27FC236}">
-                <a16:creationId xmlns="" xmlns:a16="http://schemas.microsoft.com/office/drawing/2014/main" id="{2C1154C0-8122-4CFD-B6C2-412928C562B3}"/>
+                <a16:creationId xmlns:a16="http://schemas.microsoft.com/office/drawing/2014/main" xmlns="" id="{2C1154C0-8122-4CFD-B6C2-412928C562B3}"/>
               </a:ext>
             </a:extLst>
           </p:cNvPr>
@@ -13682,7 +13682,7 @@
           <p:cNvPr id="13" name="矩形 12">
             <a:extLst>
               <a:ext uri="{FF2B5EF4-FFF2-40B4-BE49-F238E27FC236}">
-                <a16:creationId xmlns="" xmlns:a16="http://schemas.microsoft.com/office/drawing/2014/main" id="{B161AD9F-A5D0-411F-8016-7DCEF6857421}"/>
+                <a16:creationId xmlns:a16="http://schemas.microsoft.com/office/drawing/2014/main" xmlns="" id="{B161AD9F-A5D0-411F-8016-7DCEF6857421}"/>
               </a:ext>
             </a:extLst>
           </p:cNvPr>
@@ -13734,7 +13734,7 @@
           <p:cNvPr id="14" name="矩形 13">
             <a:extLst>
               <a:ext uri="{FF2B5EF4-FFF2-40B4-BE49-F238E27FC236}">
-                <a16:creationId xmlns="" xmlns:a16="http://schemas.microsoft.com/office/drawing/2014/main" id="{7339A040-8229-4522-9AF8-879FAAA5437C}"/>
+                <a16:creationId xmlns:a16="http://schemas.microsoft.com/office/drawing/2014/main" xmlns="" id="{7339A040-8229-4522-9AF8-879FAAA5437C}"/>
               </a:ext>
             </a:extLst>
           </p:cNvPr>
@@ -14068,7 +14068,7 @@
           <p:cNvPr id="7" name="矩形 6">
             <a:extLst>
               <a:ext uri="{FF2B5EF4-FFF2-40B4-BE49-F238E27FC236}">
-                <a16:creationId xmlns="" xmlns:a16="http://schemas.microsoft.com/office/drawing/2014/main" id="{A37E7308-6AB5-4F48-AC9C-00F8F278688A}"/>
+                <a16:creationId xmlns:a16="http://schemas.microsoft.com/office/drawing/2014/main" xmlns="" id="{A37E7308-6AB5-4F48-AC9C-00F8F278688A}"/>
               </a:ext>
             </a:extLst>
           </p:cNvPr>
@@ -14154,7 +14154,7 @@
           <p:cNvPr id="4" name="Picture 4">
             <a:extLst>
               <a:ext uri="{FF2B5EF4-FFF2-40B4-BE49-F238E27FC236}">
-                <a16:creationId xmlns="" xmlns:a16="http://schemas.microsoft.com/office/drawing/2014/main" id="{F322AB43-4E85-4C96-8B6C-529AB9610B92}"/>
+                <a16:creationId xmlns:a16="http://schemas.microsoft.com/office/drawing/2014/main" xmlns="" id="{F322AB43-4E85-4C96-8B6C-529AB9610B92}"/>
               </a:ext>
             </a:extLst>
           </p:cNvPr>
@@ -14214,7 +14214,7 @@
           <p:cNvPr id="5" name="圖片 4">
             <a:extLst>
               <a:ext uri="{FF2B5EF4-FFF2-40B4-BE49-F238E27FC236}">
-                <a16:creationId xmlns="" xmlns:a16="http://schemas.microsoft.com/office/drawing/2014/main" id="{05072C5D-6810-4578-8A11-E4AD51152E8F}"/>
+                <a16:creationId xmlns:a16="http://schemas.microsoft.com/office/drawing/2014/main" xmlns="" id="{05072C5D-6810-4578-8A11-E4AD51152E8F}"/>
               </a:ext>
             </a:extLst>
           </p:cNvPr>
@@ -14244,7 +14244,7 @@
           <p:cNvPr id="6" name="Picture 2">
             <a:extLst>
               <a:ext uri="{FF2B5EF4-FFF2-40B4-BE49-F238E27FC236}">
-                <a16:creationId xmlns="" xmlns:a16="http://schemas.microsoft.com/office/drawing/2014/main" id="{6FCC8080-4F80-4657-A12B-E31A85310E39}"/>
+                <a16:creationId xmlns:a16="http://schemas.microsoft.com/office/drawing/2014/main" xmlns="" id="{6FCC8080-4F80-4657-A12B-E31A85310E39}"/>
               </a:ext>
             </a:extLst>
           </p:cNvPr>
@@ -14304,7 +14304,7 @@
           <p:cNvPr id="7" name="Picture 3">
             <a:extLst>
               <a:ext uri="{FF2B5EF4-FFF2-40B4-BE49-F238E27FC236}">
-                <a16:creationId xmlns="" xmlns:a16="http://schemas.microsoft.com/office/drawing/2014/main" id="{7E0374D6-5344-45C3-BF90-14778AC8620E}"/>
+                <a16:creationId xmlns:a16="http://schemas.microsoft.com/office/drawing/2014/main" xmlns="" id="{7E0374D6-5344-45C3-BF90-14778AC8620E}"/>
               </a:ext>
             </a:extLst>
           </p:cNvPr>
@@ -14364,7 +14364,7 @@
           <p:cNvPr id="8" name="直線單箭頭接點 7">
             <a:extLst>
               <a:ext uri="{FF2B5EF4-FFF2-40B4-BE49-F238E27FC236}">
-                <a16:creationId xmlns="" xmlns:a16="http://schemas.microsoft.com/office/drawing/2014/main" id="{45AB30DC-7557-41AC-A4C7-B17ECA1916C2}"/>
+                <a16:creationId xmlns:a16="http://schemas.microsoft.com/office/drawing/2014/main" xmlns="" id="{45AB30DC-7557-41AC-A4C7-B17ECA1916C2}"/>
               </a:ext>
             </a:extLst>
           </p:cNvPr>
@@ -14408,7 +14408,7 @@
           <p:cNvPr id="9" name="直線單箭頭接點 8">
             <a:extLst>
               <a:ext uri="{FF2B5EF4-FFF2-40B4-BE49-F238E27FC236}">
-                <a16:creationId xmlns="" xmlns:a16="http://schemas.microsoft.com/office/drawing/2014/main" id="{F85A00F0-5070-470D-B0F4-F907C51A172B}"/>
+                <a16:creationId xmlns:a16="http://schemas.microsoft.com/office/drawing/2014/main" xmlns="" id="{F85A00F0-5070-470D-B0F4-F907C51A172B}"/>
               </a:ext>
             </a:extLst>
           </p:cNvPr>
@@ -14450,7 +14450,7 @@
           <p:cNvPr id="10" name="矩形 9">
             <a:extLst>
               <a:ext uri="{FF2B5EF4-FFF2-40B4-BE49-F238E27FC236}">
-                <a16:creationId xmlns="" xmlns:a16="http://schemas.microsoft.com/office/drawing/2014/main" id="{8824B796-6B3F-4110-A2D9-E1030FE89579}"/>
+                <a16:creationId xmlns:a16="http://schemas.microsoft.com/office/drawing/2014/main" xmlns="" id="{8824B796-6B3F-4110-A2D9-E1030FE89579}"/>
               </a:ext>
             </a:extLst>
           </p:cNvPr>
@@ -14506,7 +14506,7 @@
           <p:cNvPr id="11" name="語音泡泡: 圓角矩形 10">
             <a:extLst>
               <a:ext uri="{FF2B5EF4-FFF2-40B4-BE49-F238E27FC236}">
-                <a16:creationId xmlns="" xmlns:a16="http://schemas.microsoft.com/office/drawing/2014/main" id="{217B49DC-8E9A-40ED-8896-42B7C0A8ED95}"/>
+                <a16:creationId xmlns:a16="http://schemas.microsoft.com/office/drawing/2014/main" xmlns="" id="{217B49DC-8E9A-40ED-8896-42B7C0A8ED95}"/>
               </a:ext>
             </a:extLst>
           </p:cNvPr>
@@ -14609,7 +14609,7 @@
           <p:cNvPr id="12" name="矩形 11">
             <a:extLst>
               <a:ext uri="{FF2B5EF4-FFF2-40B4-BE49-F238E27FC236}">
-                <a16:creationId xmlns="" xmlns:a16="http://schemas.microsoft.com/office/drawing/2014/main" id="{F3E162AF-314B-4AA4-A2FF-E7410E562048}"/>
+                <a16:creationId xmlns:a16="http://schemas.microsoft.com/office/drawing/2014/main" xmlns="" id="{F3E162AF-314B-4AA4-A2FF-E7410E562048}"/>
               </a:ext>
             </a:extLst>
           </p:cNvPr>
@@ -15034,7 +15034,7 @@
           <p:cNvPr id="10" name="矩形 9">
             <a:extLst>
               <a:ext uri="{FF2B5EF4-FFF2-40B4-BE49-F238E27FC236}">
-                <a16:creationId xmlns="" xmlns:a16="http://schemas.microsoft.com/office/drawing/2014/main" id="{71E9B407-C312-47D1-A2AE-14BB7CEA0C43}"/>
+                <a16:creationId xmlns:a16="http://schemas.microsoft.com/office/drawing/2014/main" xmlns="" id="{71E9B407-C312-47D1-A2AE-14BB7CEA0C43}"/>
               </a:ext>
             </a:extLst>
           </p:cNvPr>
@@ -15753,7 +15753,7 @@
           <p:cNvPr id="17" name="矩形 16">
             <a:extLst>
               <a:ext uri="{FF2B5EF4-FFF2-40B4-BE49-F238E27FC236}">
-                <a16:creationId xmlns="" xmlns:a16="http://schemas.microsoft.com/office/drawing/2014/main" id="{AEB93240-EFBE-41BD-957D-5A85F61C07A5}"/>
+                <a16:creationId xmlns:a16="http://schemas.microsoft.com/office/drawing/2014/main" xmlns="" id="{AEB93240-EFBE-41BD-957D-5A85F61C07A5}"/>
               </a:ext>
             </a:extLst>
           </p:cNvPr>
@@ -15839,7 +15839,7 @@
           <p:cNvPr id="4" name="Picture 2">
             <a:extLst>
               <a:ext uri="{FF2B5EF4-FFF2-40B4-BE49-F238E27FC236}">
-                <a16:creationId xmlns="" xmlns:a16="http://schemas.microsoft.com/office/drawing/2014/main" id="{BBC0D5F8-4615-479F-BA5E-B49E6FF19432}"/>
+                <a16:creationId xmlns:a16="http://schemas.microsoft.com/office/drawing/2014/main" xmlns="" id="{BBC0D5F8-4615-479F-BA5E-B49E6FF19432}"/>
               </a:ext>
             </a:extLst>
           </p:cNvPr>
@@ -15897,7 +15897,7 @@
           <p:cNvPr id="5" name="矩形 4">
             <a:extLst>
               <a:ext uri="{FF2B5EF4-FFF2-40B4-BE49-F238E27FC236}">
-                <a16:creationId xmlns="" xmlns:a16="http://schemas.microsoft.com/office/drawing/2014/main" id="{BE322B0A-30D6-41C5-8BAF-484F53DFC38A}"/>
+                <a16:creationId xmlns:a16="http://schemas.microsoft.com/office/drawing/2014/main" xmlns="" id="{BE322B0A-30D6-41C5-8BAF-484F53DFC38A}"/>
               </a:ext>
             </a:extLst>
           </p:cNvPr>
@@ -15975,7 +15975,7 @@
           <p:cNvPr id="6" name="Picture 3">
             <a:extLst>
               <a:ext uri="{FF2B5EF4-FFF2-40B4-BE49-F238E27FC236}">
-                <a16:creationId xmlns="" xmlns:a16="http://schemas.microsoft.com/office/drawing/2014/main" id="{FB149BEE-DAEF-48AF-9FB3-193B631DF623}"/>
+                <a16:creationId xmlns:a16="http://schemas.microsoft.com/office/drawing/2014/main" xmlns="" id="{FB149BEE-DAEF-48AF-9FB3-193B631DF623}"/>
               </a:ext>
             </a:extLst>
           </p:cNvPr>
@@ -16035,7 +16035,7 @@
           <p:cNvPr id="7" name="Picture 2">
             <a:extLst>
               <a:ext uri="{FF2B5EF4-FFF2-40B4-BE49-F238E27FC236}">
-                <a16:creationId xmlns="" xmlns:a16="http://schemas.microsoft.com/office/drawing/2014/main" id="{20E2FE52-6AAB-4243-B02B-B7DBE002070E}"/>
+                <a16:creationId xmlns:a16="http://schemas.microsoft.com/office/drawing/2014/main" xmlns="" id="{20E2FE52-6AAB-4243-B02B-B7DBE002070E}"/>
               </a:ext>
             </a:extLst>
           </p:cNvPr>
@@ -16093,7 +16093,7 @@
           <p:cNvPr id="8" name="矩形 7">
             <a:extLst>
               <a:ext uri="{FF2B5EF4-FFF2-40B4-BE49-F238E27FC236}">
-                <a16:creationId xmlns="" xmlns:a16="http://schemas.microsoft.com/office/drawing/2014/main" id="{AD92C906-859D-415A-B853-7FD8FFF7DBC9}"/>
+                <a16:creationId xmlns:a16="http://schemas.microsoft.com/office/drawing/2014/main" xmlns="" id="{AD92C906-859D-415A-B853-7FD8FFF7DBC9}"/>
               </a:ext>
             </a:extLst>
           </p:cNvPr>
@@ -16650,7 +16650,7 @@
           <p:cNvPr id="2" name="矩形 1">
             <a:extLst>
               <a:ext uri="{FF2B5EF4-FFF2-40B4-BE49-F238E27FC236}">
-                <a16:creationId xmlns="" xmlns:a16="http://schemas.microsoft.com/office/drawing/2014/main" id="{369E0F72-4955-4C20-9D17-DA5F61E6FF89}"/>
+                <a16:creationId xmlns:a16="http://schemas.microsoft.com/office/drawing/2014/main" xmlns="" id="{369E0F72-4955-4C20-9D17-DA5F61E6FF89}"/>
               </a:ext>
             </a:extLst>
           </p:cNvPr>
@@ -17069,7 +17069,7 @@
           <p:cNvPr id="10" name="矩形 9">
             <a:extLst>
               <a:ext uri="{FF2B5EF4-FFF2-40B4-BE49-F238E27FC236}">
-                <a16:creationId xmlns="" xmlns:a16="http://schemas.microsoft.com/office/drawing/2014/main" id="{44265C08-EEAA-4F90-8CAF-332C2C14F448}"/>
+                <a16:creationId xmlns:a16="http://schemas.microsoft.com/office/drawing/2014/main" xmlns="" id="{44265C08-EEAA-4F90-8CAF-332C2C14F448}"/>
               </a:ext>
             </a:extLst>
           </p:cNvPr>
@@ -17110,7 +17110,7 @@
           <p:cNvPr id="14" name="矩形 13">
             <a:extLst>
               <a:ext uri="{FF2B5EF4-FFF2-40B4-BE49-F238E27FC236}">
-                <a16:creationId xmlns="" xmlns:a16="http://schemas.microsoft.com/office/drawing/2014/main" id="{C13CD144-2FE7-4582-B39B-072E0DC78D7B}"/>
+                <a16:creationId xmlns:a16="http://schemas.microsoft.com/office/drawing/2014/main" xmlns="" id="{C13CD144-2FE7-4582-B39B-072E0DC78D7B}"/>
               </a:ext>
             </a:extLst>
           </p:cNvPr>
@@ -17206,7 +17206,7 @@
           <p:cNvPr id="15" name="矩形 14">
             <a:extLst>
               <a:ext uri="{FF2B5EF4-FFF2-40B4-BE49-F238E27FC236}">
-                <a16:creationId xmlns="" xmlns:a16="http://schemas.microsoft.com/office/drawing/2014/main" id="{B3C4E395-EA16-4013-BCC2-66BA0D019304}"/>
+                <a16:creationId xmlns:a16="http://schemas.microsoft.com/office/drawing/2014/main" xmlns="" id="{B3C4E395-EA16-4013-BCC2-66BA0D019304}"/>
               </a:ext>
             </a:extLst>
           </p:cNvPr>
@@ -17655,7 +17655,7 @@
           <p:cNvPr id="11" name="矩形 10">
             <a:extLst>
               <a:ext uri="{FF2B5EF4-FFF2-40B4-BE49-F238E27FC236}">
-                <a16:creationId xmlns="" xmlns:a16="http://schemas.microsoft.com/office/drawing/2014/main" id="{A5D5A42A-9DB4-4324-8E66-C54E8810D551}"/>
+                <a16:creationId xmlns:a16="http://schemas.microsoft.com/office/drawing/2014/main" xmlns="" id="{A5D5A42A-9DB4-4324-8E66-C54E8810D551}"/>
               </a:ext>
             </a:extLst>
           </p:cNvPr>
@@ -20158,7 +20158,7 @@
           <p:cNvPr id="11" name="矩形 10">
             <a:extLst>
               <a:ext uri="{FF2B5EF4-FFF2-40B4-BE49-F238E27FC236}">
-                <a16:creationId xmlns="" xmlns:a16="http://schemas.microsoft.com/office/drawing/2014/main" id="{AD92C906-859D-415A-B853-7FD8FFF7DBC9}"/>
+                <a16:creationId xmlns:a16="http://schemas.microsoft.com/office/drawing/2014/main" xmlns="" id="{AD92C906-859D-415A-B853-7FD8FFF7DBC9}"/>
               </a:ext>
             </a:extLst>
           </p:cNvPr>
@@ -20237,7 +20237,7 @@
           <p:cNvPr id="4" name="圖片 3">
             <a:extLst>
               <a:ext uri="{FF2B5EF4-FFF2-40B4-BE49-F238E27FC236}">
-                <a16:creationId xmlns="" xmlns:a16="http://schemas.microsoft.com/office/drawing/2014/main" id="{AA13050E-6B24-4684-ACE0-595609BE9E5B}"/>
+                <a16:creationId xmlns:a16="http://schemas.microsoft.com/office/drawing/2014/main" xmlns="" id="{AA13050E-6B24-4684-ACE0-595609BE9E5B}"/>
               </a:ext>
             </a:extLst>
           </p:cNvPr>
@@ -20267,7 +20267,7 @@
           <p:cNvPr id="5" name="矩形 4">
             <a:extLst>
               <a:ext uri="{FF2B5EF4-FFF2-40B4-BE49-F238E27FC236}">
-                <a16:creationId xmlns="" xmlns:a16="http://schemas.microsoft.com/office/drawing/2014/main" id="{B1688101-08F8-4ECB-A7D0-82A4787D361E}"/>
+                <a16:creationId xmlns:a16="http://schemas.microsoft.com/office/drawing/2014/main" xmlns="" id="{B1688101-08F8-4ECB-A7D0-82A4787D361E}"/>
               </a:ext>
             </a:extLst>
           </p:cNvPr>
@@ -20468,7 +20468,7 @@
           <p:cNvPr id="6" name="矩形 5">
             <a:extLst>
               <a:ext uri="{FF2B5EF4-FFF2-40B4-BE49-F238E27FC236}">
-                <a16:creationId xmlns="" xmlns:a16="http://schemas.microsoft.com/office/drawing/2014/main" id="{D9359A53-0219-4665-BF7C-37DC1765794F}"/>
+                <a16:creationId xmlns:a16="http://schemas.microsoft.com/office/drawing/2014/main" xmlns="" id="{D9359A53-0219-4665-BF7C-37DC1765794F}"/>
               </a:ext>
             </a:extLst>
           </p:cNvPr>
@@ -20520,7 +20520,7 @@
           <p:cNvPr id="7" name="Picture 2">
             <a:extLst>
               <a:ext uri="{FF2B5EF4-FFF2-40B4-BE49-F238E27FC236}">
-                <a16:creationId xmlns="" xmlns:a16="http://schemas.microsoft.com/office/drawing/2014/main" id="{D94F9260-5359-4671-858F-158837E26CDC}"/>
+                <a16:creationId xmlns:a16="http://schemas.microsoft.com/office/drawing/2014/main" xmlns="" id="{D94F9260-5359-4671-858F-158837E26CDC}"/>
               </a:ext>
             </a:extLst>
           </p:cNvPr>
@@ -20578,7 +20578,7 @@
           <p:cNvPr id="8" name="直線單箭頭接點 7">
             <a:extLst>
               <a:ext uri="{FF2B5EF4-FFF2-40B4-BE49-F238E27FC236}">
-                <a16:creationId xmlns="" xmlns:a16="http://schemas.microsoft.com/office/drawing/2014/main" id="{35200388-9675-4ECD-89D7-EDDB62A5C42A}"/>
+                <a16:creationId xmlns:a16="http://schemas.microsoft.com/office/drawing/2014/main" xmlns="" id="{35200388-9675-4ECD-89D7-EDDB62A5C42A}"/>
               </a:ext>
             </a:extLst>
           </p:cNvPr>
@@ -20622,7 +20622,7 @@
           <p:cNvPr id="9" name="直線單箭頭接點 8">
             <a:extLst>
               <a:ext uri="{FF2B5EF4-FFF2-40B4-BE49-F238E27FC236}">
-                <a16:creationId xmlns="" xmlns:a16="http://schemas.microsoft.com/office/drawing/2014/main" id="{C7681FFB-A141-4CF6-8A70-5AD70BDAE0F5}"/>
+                <a16:creationId xmlns:a16="http://schemas.microsoft.com/office/drawing/2014/main" xmlns="" id="{C7681FFB-A141-4CF6-8A70-5AD70BDAE0F5}"/>
               </a:ext>
             </a:extLst>
           </p:cNvPr>
@@ -20664,7 +20664,7 @@
           <p:cNvPr id="10" name="直線單箭頭接點 9">
             <a:extLst>
               <a:ext uri="{FF2B5EF4-FFF2-40B4-BE49-F238E27FC236}">
-                <a16:creationId xmlns="" xmlns:a16="http://schemas.microsoft.com/office/drawing/2014/main" id="{F6A7CC66-5B99-42D9-8C61-8697ED348872}"/>
+                <a16:creationId xmlns:a16="http://schemas.microsoft.com/office/drawing/2014/main" xmlns="" id="{F6A7CC66-5B99-42D9-8C61-8697ED348872}"/>
               </a:ext>
             </a:extLst>
           </p:cNvPr>
@@ -20706,7 +20706,7 @@
           <p:cNvPr id="11" name="語音泡泡: 圓角矩形 6">
             <a:extLst>
               <a:ext uri="{FF2B5EF4-FFF2-40B4-BE49-F238E27FC236}">
-                <a16:creationId xmlns="" xmlns:a16="http://schemas.microsoft.com/office/drawing/2014/main" id="{5BC49171-76C4-42EE-876C-2FB02A3DA109}"/>
+                <a16:creationId xmlns:a16="http://schemas.microsoft.com/office/drawing/2014/main" xmlns="" id="{5BC49171-76C4-42EE-876C-2FB02A3DA109}"/>
               </a:ext>
             </a:extLst>
           </p:cNvPr>
@@ -20800,7 +20800,7 @@
           <p:cNvPr id="12" name="矩形 11">
             <a:extLst>
               <a:ext uri="{FF2B5EF4-FFF2-40B4-BE49-F238E27FC236}">
-                <a16:creationId xmlns="" xmlns:a16="http://schemas.microsoft.com/office/drawing/2014/main" id="{56050ADF-80CD-475A-A783-234EAD83DA58}"/>
+                <a16:creationId xmlns:a16="http://schemas.microsoft.com/office/drawing/2014/main" xmlns="" id="{56050ADF-80CD-475A-A783-234EAD83DA58}"/>
               </a:ext>
             </a:extLst>
           </p:cNvPr>
@@ -22119,7 +22119,7 @@
         <p:spPr>
           <a:xfrm>
             <a:off x="4344093" y="4704654"/>
-            <a:ext cx="3640666" cy="1277273"/>
+            <a:ext cx="3640666" cy="1446550"/>
           </a:xfrm>
           <a:prstGeom prst="rect">
             <a:avLst/>
@@ -22215,7 +22215,31 @@
             </a:r>
             <a:r>
               <a:rPr lang="zh-TW" altLang="en-US" sz="1100" dirty="0" smtClean="0"/>
-              <a:t>的方式去跑</a:t>
+              <a:t>的方式去</a:t>
+            </a:r>
+            <a:r>
+              <a:rPr lang="zh-TW" altLang="en-US" sz="1100" dirty="0" smtClean="0"/>
+              <a:t>跑  哪幾個</a:t>
+            </a:r>
+            <a:r>
+              <a:rPr lang="en-US" altLang="zh-TW" sz="1100" dirty="0" smtClean="0"/>
+              <a:t>item</a:t>
+            </a:r>
+            <a:r>
+              <a:rPr lang="zh-TW" altLang="en-US" sz="1100" dirty="0" smtClean="0"/>
+              <a:t>被選取 並把</a:t>
+            </a:r>
+            <a:r>
+              <a:rPr lang="en-US" altLang="zh-TW" sz="1100" dirty="0" smtClean="0"/>
+              <a:t>item</a:t>
+            </a:r>
+            <a:r>
+              <a:rPr lang="zh-TW" altLang="en-US" sz="1100" dirty="0" smtClean="0"/>
+              <a:t>的</a:t>
+            </a:r>
+            <a:r>
+              <a:rPr lang="zh-TW" altLang="en-US" sz="1100" dirty="0"/>
+              <a:t>名子選取出來</a:t>
             </a:r>
             <a:r>
               <a:rPr lang="en-US" altLang="zh-TW" sz="1100" dirty="0"/>
@@ -22735,7 +22759,6 @@
               <a:rPr lang="en-US" altLang="zh-TW" sz="1100" dirty="0"/>
               <a:t>() </a:t>
             </a:r>
-            <a:endParaRPr lang="en-US" altLang="zh-TW" sz="1100" dirty="0"/>
           </a:p>
           <a:p>
             <a:r>
@@ -22746,7 +22769,6 @@
               <a:rPr lang="en-US" altLang="zh-TW" sz="1100" dirty="0"/>
               <a:t>@</a:t>
             </a:r>
-            <a:endParaRPr lang="en-US" altLang="zh-TW" sz="1100" dirty="0"/>
           </a:p>
         </p:txBody>
       </p:sp>
@@ -23168,6 +23190,37 @@
               <a:rPr lang="en-US" altLang="zh-TW" sz="1200" dirty="0" smtClean="0"/>
               <a:t>item</a:t>
             </a:r>
+            <a:endParaRPr lang="en-US" altLang="zh-TW" sz="1200" dirty="0"/>
+          </a:p>
+        </p:txBody>
+      </p:sp>
+      <p:sp>
+        <p:nvSpPr>
+          <p:cNvPr id="32" name="矩形 31"/>
+          <p:cNvSpPr/>
+          <p:nvPr/>
+        </p:nvSpPr>
+        <p:spPr>
+          <a:xfrm>
+            <a:off x="8034551" y="5004764"/>
+            <a:ext cx="1526732" cy="276999"/>
+          </a:xfrm>
+          <a:prstGeom prst="rect">
+            <a:avLst/>
+          </a:prstGeom>
+          <a:solidFill>
+            <a:schemeClr val="accent4">
+              <a:lumMod val="20000"/>
+              <a:lumOff val="80000"/>
+            </a:schemeClr>
+          </a:solidFill>
+        </p:spPr>
+        <p:txBody>
+          <a:bodyPr wrap="square">
+            <a:spAutoFit/>
+          </a:bodyPr>
+          <a:lstStyle/>
+          <a:p>
             <a:endParaRPr lang="en-US" altLang="zh-TW" sz="1200" dirty="0"/>
           </a:p>
         </p:txBody>
@@ -23536,7 +23589,7 @@
           <p:cNvPr id="4" name="圖片 3">
             <a:extLst>
               <a:ext uri="{FF2B5EF4-FFF2-40B4-BE49-F238E27FC236}">
-                <a16:creationId xmlns="" xmlns:a16="http://schemas.microsoft.com/office/drawing/2014/main" id="{4FA5B047-4B7F-47C6-9CE1-B2A3F41B020B}"/>
+                <a16:creationId xmlns:a16="http://schemas.microsoft.com/office/drawing/2014/main" xmlns="" id="{4FA5B047-4B7F-47C6-9CE1-B2A3F41B020B}"/>
               </a:ext>
             </a:extLst>
           </p:cNvPr>
@@ -23566,7 +23619,7 @@
           <p:cNvPr id="5" name="矩形 4">
             <a:extLst>
               <a:ext uri="{FF2B5EF4-FFF2-40B4-BE49-F238E27FC236}">
-                <a16:creationId xmlns="" xmlns:a16="http://schemas.microsoft.com/office/drawing/2014/main" id="{A099EFAB-F3C9-4304-A7BD-31D67A14252A}"/>
+                <a16:creationId xmlns:a16="http://schemas.microsoft.com/office/drawing/2014/main" xmlns="" id="{A099EFAB-F3C9-4304-A7BD-31D67A14252A}"/>
               </a:ext>
             </a:extLst>
           </p:cNvPr>
@@ -23618,7 +23671,7 @@
           <p:cNvPr id="6" name="語音泡泡: 圓角矩形 5">
             <a:extLst>
               <a:ext uri="{FF2B5EF4-FFF2-40B4-BE49-F238E27FC236}">
-                <a16:creationId xmlns="" xmlns:a16="http://schemas.microsoft.com/office/drawing/2014/main" id="{3651C266-FAE0-4C25-9A88-C9F904D9923C}"/>
+                <a16:creationId xmlns:a16="http://schemas.microsoft.com/office/drawing/2014/main" xmlns="" id="{3651C266-FAE0-4C25-9A88-C9F904D9923C}"/>
               </a:ext>
             </a:extLst>
           </p:cNvPr>
@@ -23756,7 +23809,7 @@
           <p:cNvPr id="6" name="圖片 5">
             <a:extLst>
               <a:ext uri="{FF2B5EF4-FFF2-40B4-BE49-F238E27FC236}">
-                <a16:creationId xmlns="" xmlns:a16="http://schemas.microsoft.com/office/drawing/2014/main" id="{3D2AD7E2-E957-4DB7-B9AD-96CC48379E46}"/>
+                <a16:creationId xmlns:a16="http://schemas.microsoft.com/office/drawing/2014/main" xmlns="" id="{3D2AD7E2-E957-4DB7-B9AD-96CC48379E46}"/>
               </a:ext>
             </a:extLst>
           </p:cNvPr>
@@ -23786,7 +23839,7 @@
           <p:cNvPr id="5" name="語音泡泡: 圓角矩形 4">
             <a:extLst>
               <a:ext uri="{FF2B5EF4-FFF2-40B4-BE49-F238E27FC236}">
-                <a16:creationId xmlns="" xmlns:a16="http://schemas.microsoft.com/office/drawing/2014/main" id="{F2ED1D7E-7D1C-4A56-9353-26E2C7E209EB}"/>
+                <a16:creationId xmlns:a16="http://schemas.microsoft.com/office/drawing/2014/main" xmlns="" id="{F2ED1D7E-7D1C-4A56-9353-26E2C7E209EB}"/>
               </a:ext>
             </a:extLst>
           </p:cNvPr>
@@ -23865,7 +23918,7 @@
           <p:cNvPr id="7" name="語音泡泡: 圓角矩形 6">
             <a:extLst>
               <a:ext uri="{FF2B5EF4-FFF2-40B4-BE49-F238E27FC236}">
-                <a16:creationId xmlns="" xmlns:a16="http://schemas.microsoft.com/office/drawing/2014/main" id="{E1486E0C-4024-47AF-A99B-32C763660AF4}"/>
+                <a16:creationId xmlns:a16="http://schemas.microsoft.com/office/drawing/2014/main" xmlns="" id="{E1486E0C-4024-47AF-A99B-32C763660AF4}"/>
               </a:ext>
             </a:extLst>
           </p:cNvPr>
@@ -23965,7 +24018,7 @@
           <p:cNvPr id="8" name="矩形 7">
             <a:extLst>
               <a:ext uri="{FF2B5EF4-FFF2-40B4-BE49-F238E27FC236}">
-                <a16:creationId xmlns="" xmlns:a16="http://schemas.microsoft.com/office/drawing/2014/main" id="{0AEC7426-FEE0-44B5-90F3-09E9C0CC35CE}"/>
+                <a16:creationId xmlns:a16="http://schemas.microsoft.com/office/drawing/2014/main" xmlns="" id="{0AEC7426-FEE0-44B5-90F3-09E9C0CC35CE}"/>
               </a:ext>
             </a:extLst>
           </p:cNvPr>
@@ -24051,7 +24104,7 @@
           <p:cNvPr id="4" name="圖片 3">
             <a:extLst>
               <a:ext uri="{FF2B5EF4-FFF2-40B4-BE49-F238E27FC236}">
-                <a16:creationId xmlns="" xmlns:a16="http://schemas.microsoft.com/office/drawing/2014/main" id="{6A5C0A44-452C-451D-972E-6E0BDA7D7FCB}"/>
+                <a16:creationId xmlns:a16="http://schemas.microsoft.com/office/drawing/2014/main" xmlns="" id="{6A5C0A44-452C-451D-972E-6E0BDA7D7FCB}"/>
               </a:ext>
             </a:extLst>
           </p:cNvPr>
@@ -24081,7 +24134,7 @@
           <p:cNvPr id="5" name="矩形 4">
             <a:extLst>
               <a:ext uri="{FF2B5EF4-FFF2-40B4-BE49-F238E27FC236}">
-                <a16:creationId xmlns="" xmlns:a16="http://schemas.microsoft.com/office/drawing/2014/main" id="{E40A4DD0-B32E-4261-91F9-36DB4304BAB9}"/>
+                <a16:creationId xmlns:a16="http://schemas.microsoft.com/office/drawing/2014/main" xmlns="" id="{E40A4DD0-B32E-4261-91F9-36DB4304BAB9}"/>
               </a:ext>
             </a:extLst>
           </p:cNvPr>
@@ -24133,7 +24186,7 @@
           <p:cNvPr id="7" name="Picture 2">
             <a:extLst>
               <a:ext uri="{FF2B5EF4-FFF2-40B4-BE49-F238E27FC236}">
-                <a16:creationId xmlns="" xmlns:a16="http://schemas.microsoft.com/office/drawing/2014/main" id="{7AF7CE69-1046-466D-8830-86DF4C81956F}"/>
+                <a16:creationId xmlns:a16="http://schemas.microsoft.com/office/drawing/2014/main" xmlns="" id="{7AF7CE69-1046-466D-8830-86DF4C81956F}"/>
               </a:ext>
             </a:extLst>
           </p:cNvPr>
@@ -24191,7 +24244,7 @@
           <p:cNvPr id="8" name="直線單箭頭接點 7">
             <a:extLst>
               <a:ext uri="{FF2B5EF4-FFF2-40B4-BE49-F238E27FC236}">
-                <a16:creationId xmlns="" xmlns:a16="http://schemas.microsoft.com/office/drawing/2014/main" id="{A2920627-4DC9-4DAB-9357-FFEBD7792760}"/>
+                <a16:creationId xmlns:a16="http://schemas.microsoft.com/office/drawing/2014/main" xmlns="" id="{A2920627-4DC9-4DAB-9357-FFEBD7792760}"/>
               </a:ext>
             </a:extLst>
           </p:cNvPr>
@@ -24233,7 +24286,7 @@
           <p:cNvPr id="9" name="直線單箭頭接點 8">
             <a:extLst>
               <a:ext uri="{FF2B5EF4-FFF2-40B4-BE49-F238E27FC236}">
-                <a16:creationId xmlns="" xmlns:a16="http://schemas.microsoft.com/office/drawing/2014/main" id="{9F5472DB-3040-4E23-9AF3-685BF7A352B1}"/>
+                <a16:creationId xmlns:a16="http://schemas.microsoft.com/office/drawing/2014/main" xmlns="" id="{9F5472DB-3040-4E23-9AF3-685BF7A352B1}"/>
               </a:ext>
             </a:extLst>
           </p:cNvPr>
@@ -24275,7 +24328,7 @@
           <p:cNvPr id="10" name="矩形 9">
             <a:extLst>
               <a:ext uri="{FF2B5EF4-FFF2-40B4-BE49-F238E27FC236}">
-                <a16:creationId xmlns="" xmlns:a16="http://schemas.microsoft.com/office/drawing/2014/main" id="{59779CBE-10B0-46D7-8244-9AF426A70D31}"/>
+                <a16:creationId xmlns:a16="http://schemas.microsoft.com/office/drawing/2014/main" xmlns="" id="{59779CBE-10B0-46D7-8244-9AF426A70D31}"/>
               </a:ext>
             </a:extLst>
           </p:cNvPr>
@@ -24336,7 +24389,7 @@
           <p:cNvPr id="11" name="圖片 10">
             <a:extLst>
               <a:ext uri="{FF2B5EF4-FFF2-40B4-BE49-F238E27FC236}">
-                <a16:creationId xmlns="" xmlns:a16="http://schemas.microsoft.com/office/drawing/2014/main" id="{319531C6-4F74-4B32-8642-A21BEFAA11A3}"/>
+                <a16:creationId xmlns:a16="http://schemas.microsoft.com/office/drawing/2014/main" xmlns="" id="{319531C6-4F74-4B32-8642-A21BEFAA11A3}"/>
               </a:ext>
             </a:extLst>
           </p:cNvPr>
@@ -24450,7 +24503,7 @@
           <p:cNvPr id="5" name="語音泡泡: 圓角矩形 6">
             <a:extLst>
               <a:ext uri="{FF2B5EF4-FFF2-40B4-BE49-F238E27FC236}">
-                <a16:creationId xmlns="" xmlns:a16="http://schemas.microsoft.com/office/drawing/2014/main" id="{E1486E0C-4024-47AF-A99B-32C763660AF4}"/>
+                <a16:creationId xmlns:a16="http://schemas.microsoft.com/office/drawing/2014/main" xmlns="" id="{E1486E0C-4024-47AF-A99B-32C763660AF4}"/>
               </a:ext>
             </a:extLst>
           </p:cNvPr>
@@ -24553,7 +24606,7 @@
           <p:cNvPr id="6" name="語音泡泡: 圓角矩形 6">
             <a:extLst>
               <a:ext uri="{FF2B5EF4-FFF2-40B4-BE49-F238E27FC236}">
-                <a16:creationId xmlns="" xmlns:a16="http://schemas.microsoft.com/office/drawing/2014/main" id="{E1486E0C-4024-47AF-A99B-32C763660AF4}"/>
+                <a16:creationId xmlns:a16="http://schemas.microsoft.com/office/drawing/2014/main" xmlns="" id="{E1486E0C-4024-47AF-A99B-32C763660AF4}"/>
               </a:ext>
             </a:extLst>
           </p:cNvPr>
@@ -24636,7 +24689,7 @@
           <p:cNvPr id="7" name="語音泡泡: 圓角矩形 6">
             <a:extLst>
               <a:ext uri="{FF2B5EF4-FFF2-40B4-BE49-F238E27FC236}">
-                <a16:creationId xmlns="" xmlns:a16="http://schemas.microsoft.com/office/drawing/2014/main" id="{E1486E0C-4024-47AF-A99B-32C763660AF4}"/>
+                <a16:creationId xmlns:a16="http://schemas.microsoft.com/office/drawing/2014/main" xmlns="" id="{E1486E0C-4024-47AF-A99B-32C763660AF4}"/>
               </a:ext>
             </a:extLst>
           </p:cNvPr>
@@ -24796,7 +24849,7 @@
           <p:cNvPr id="2" name="矩形 1">
             <a:extLst>
               <a:ext uri="{FF2B5EF4-FFF2-40B4-BE49-F238E27FC236}">
-                <a16:creationId xmlns="" xmlns:a16="http://schemas.microsoft.com/office/drawing/2014/main" id="{83003822-AF1D-49C8-A26D-B392E027C792}"/>
+                <a16:creationId xmlns:a16="http://schemas.microsoft.com/office/drawing/2014/main" xmlns="" id="{83003822-AF1D-49C8-A26D-B392E027C792}"/>
               </a:ext>
             </a:extLst>
           </p:cNvPr>
@@ -24852,7 +24905,7 @@
           <p:cNvPr id="9" name="語音泡泡: 圓角矩形 8">
             <a:extLst>
               <a:ext uri="{FF2B5EF4-FFF2-40B4-BE49-F238E27FC236}">
-                <a16:creationId xmlns="" xmlns:a16="http://schemas.microsoft.com/office/drawing/2014/main" id="{CECB12D8-92A4-4EB8-9B34-574ADF32B763}"/>
+                <a16:creationId xmlns:a16="http://schemas.microsoft.com/office/drawing/2014/main" xmlns="" id="{CECB12D8-92A4-4EB8-9B34-574ADF32B763}"/>
               </a:ext>
             </a:extLst>
           </p:cNvPr>
@@ -25015,7 +25068,7 @@
           <p:cNvPr id="4" name="Picture 2">
             <a:extLst>
               <a:ext uri="{FF2B5EF4-FFF2-40B4-BE49-F238E27FC236}">
-                <a16:creationId xmlns="" xmlns:a16="http://schemas.microsoft.com/office/drawing/2014/main" id="{907E60C6-2D42-40DA-8FBB-2E25D65D3116}"/>
+                <a16:creationId xmlns:a16="http://schemas.microsoft.com/office/drawing/2014/main" xmlns="" id="{907E60C6-2D42-40DA-8FBB-2E25D65D3116}"/>
               </a:ext>
             </a:extLst>
           </p:cNvPr>
@@ -25075,7 +25128,7 @@
           <p:cNvPr id="5" name="矩形 4">
             <a:extLst>
               <a:ext uri="{FF2B5EF4-FFF2-40B4-BE49-F238E27FC236}">
-                <a16:creationId xmlns="" xmlns:a16="http://schemas.microsoft.com/office/drawing/2014/main" id="{DCA9ABC3-6F29-437F-B9D0-F2759C3712B8}"/>
+                <a16:creationId xmlns:a16="http://schemas.microsoft.com/office/drawing/2014/main" xmlns="" id="{DCA9ABC3-6F29-437F-B9D0-F2759C3712B8}"/>
               </a:ext>
             </a:extLst>
           </p:cNvPr>
@@ -25142,7 +25195,7 @@
           <p:cNvPr id="6" name="矩形 5">
             <a:extLst>
               <a:ext uri="{FF2B5EF4-FFF2-40B4-BE49-F238E27FC236}">
-                <a16:creationId xmlns="" xmlns:a16="http://schemas.microsoft.com/office/drawing/2014/main" id="{E5BCEFE5-8B4A-4FA7-9404-2A409BC66F9C}"/>
+                <a16:creationId xmlns:a16="http://schemas.microsoft.com/office/drawing/2014/main" xmlns="" id="{E5BCEFE5-8B4A-4FA7-9404-2A409BC66F9C}"/>
               </a:ext>
             </a:extLst>
           </p:cNvPr>
@@ -25495,7 +25548,7 @@
   <a:extraClrSchemeLst/>
   <a:extLst>
     <a:ext uri="{05A4C25C-085E-4340-85A3-A5531E510DB2}">
-      <thm15:themeFamily xmlns="" xmlns:thm15="http://schemas.microsoft.com/office/thememl/2012/main" name="Office Theme" id="{62F939B6-93AF-4DB8-9C6B-D6C7DFDC589F}" vid="{4A3C46E8-61CC-4603-A589-7422A47A8E4A}"/>
+      <thm15:themeFamily xmlns:thm15="http://schemas.microsoft.com/office/thememl/2012/main" xmlns="" name="Office Theme" id="{62F939B6-93AF-4DB8-9C6B-D6C7DFDC589F}" vid="{4A3C46E8-61CC-4603-A589-7422A47A8E4A}"/>
     </a:ext>
   </a:extLst>
 </a:theme>
